--- a/ZwischenPresäntation.pptx
+++ b/ZwischenPresäntation.pptx
@@ -5,11 +5,18 @@
     <p:sldMasterId id="2147483648" r:id="rId1"/>
   </p:sldMasterIdLst>
   <p:sldIdLst>
-    <p:sldId id="256" r:id="rId2"/>
-    <p:sldId id="260" r:id="rId3"/>
-    <p:sldId id="258" r:id="rId4"/>
-    <p:sldId id="257" r:id="rId5"/>
-    <p:sldId id="259" r:id="rId6"/>
+    <p:sldId id="261" r:id="rId2"/>
+    <p:sldId id="256" r:id="rId3"/>
+    <p:sldId id="260" r:id="rId4"/>
+    <p:sldId id="259" r:id="rId5"/>
+    <p:sldId id="257" r:id="rId6"/>
+    <p:sldId id="262" r:id="rId7"/>
+    <p:sldId id="265" r:id="rId8"/>
+    <p:sldId id="263" r:id="rId9"/>
+    <p:sldId id="264" r:id="rId10"/>
+    <p:sldId id="266" r:id="rId11"/>
+    <p:sldId id="267" r:id="rId12"/>
+    <p:sldId id="268" r:id="rId13"/>
   </p:sldIdLst>
   <p:sldSz cx="9144000" cy="6858000" type="screen4x3"/>
   <p:notesSz cx="6858000" cy="9144000"/>
@@ -146,13 +153,20 @@
         </p:spPr>
         <p:txBody>
           <a:bodyPr/>
-          <a:lstStyle/>
-          <a:p>
-            <a:r>
-              <a:rPr lang="de-DE" smtClean="0"/>
+          <a:lstStyle>
+            <a:lvl1pPr>
+              <a:defRPr>
+                <a:latin typeface="Arial" panose="020B0604020202020204" pitchFamily="34" charset="0"/>
+                <a:cs typeface="Arial" panose="020B0604020202020204" pitchFamily="34" charset="0"/>
+              </a:defRPr>
+            </a:lvl1pPr>
+          </a:lstStyle>
+          <a:p>
+            <a:r>
+              <a:rPr lang="de-DE" dirty="0" smtClean="0"/>
               <a:t>Titelmasterformat durch Klicken bearbeiten</a:t>
             </a:r>
-            <a:endParaRPr lang="de-DE"/>
+            <a:endParaRPr lang="de-DE" dirty="0"/>
           </a:p>
         </p:txBody>
       </p:sp>
@@ -268,10 +282,10 @@
           </a:lstStyle>
           <a:p>
             <a:r>
-              <a:rPr lang="de-DE" smtClean="0"/>
+              <a:rPr lang="de-DE" dirty="0" smtClean="0"/>
               <a:t>Formatvorlage des Untertitelmasters durch Klicken bearbeiten</a:t>
             </a:r>
-            <a:endParaRPr lang="de-DE"/>
+            <a:endParaRPr lang="de-DE" dirty="0"/>
           </a:p>
         </p:txBody>
       </p:sp>
@@ -292,7 +306,7 @@
           <a:p>
             <a:fld id="{1BA50D42-C9CD-4801-B293-61D1F53EC57E}" type="datetimeFigureOut">
               <a:rPr lang="de-DE" smtClean="0"/>
-              <a:t>03.04.2019</a:t>
+              <a:t>04.04.2019</a:t>
             </a:fld>
             <a:endParaRPr lang="de-DE"/>
           </a:p>
@@ -340,6 +354,39 @@
           </a:p>
         </p:txBody>
       </p:sp>
+      <p:pic>
+        <p:nvPicPr>
+          <p:cNvPr id="8" name="Grafik 7" descr="U:\_FHNW\Vorlagen\Verschiedene Hochschulen RICHTIG\Bilder\HT.png"/>
+          <p:cNvPicPr/>
+          <p:nvPr userDrawn="1"/>
+        </p:nvPicPr>
+        <p:blipFill>
+          <a:blip r:embed="rId2" cstate="print">
+            <a:extLst>
+              <a:ext uri="{28A0092B-C50C-407E-A947-70E740481C1C}">
+                <a14:useLocalDpi xmlns:a14="http://schemas.microsoft.com/office/drawing/2010/main" val="0"/>
+              </a:ext>
+            </a:extLst>
+          </a:blip>
+          <a:srcRect/>
+          <a:stretch>
+            <a:fillRect/>
+          </a:stretch>
+        </p:blipFill>
+        <p:spPr bwMode="auto">
+          <a:xfrm>
+            <a:off x="395536" y="260648"/>
+            <a:ext cx="2736304" cy="648072"/>
+          </a:xfrm>
+          <a:prstGeom prst="rect">
+            <a:avLst/>
+          </a:prstGeom>
+          <a:noFill/>
+          <a:ln>
+            <a:noFill/>
+          </a:ln>
+        </p:spPr>
+      </p:pic>
     </p:spTree>
   </p:cSld>
   <p:clrMapOvr>
@@ -457,7 +504,7 @@
           <a:p>
             <a:fld id="{1BA50D42-C9CD-4801-B293-61D1F53EC57E}" type="datetimeFigureOut">
               <a:rPr lang="de-DE" smtClean="0"/>
-              <a:t>03.04.2019</a:t>
+              <a:t>04.04.2019</a:t>
             </a:fld>
             <a:endParaRPr lang="de-DE"/>
           </a:p>
@@ -632,7 +679,7 @@
           <a:p>
             <a:fld id="{1BA50D42-C9CD-4801-B293-61D1F53EC57E}" type="datetimeFigureOut">
               <a:rPr lang="de-DE" smtClean="0"/>
-              <a:t>03.04.2019</a:t>
+              <a:t>04.04.2019</a:t>
             </a:fld>
             <a:endParaRPr lang="de-DE"/>
           </a:p>
@@ -718,13 +765,20 @@
         <p:spPr/>
         <p:txBody>
           <a:bodyPr/>
-          <a:lstStyle/>
-          <a:p>
-            <a:r>
-              <a:rPr lang="de-DE" smtClean="0"/>
+          <a:lstStyle>
+            <a:lvl1pPr>
+              <a:defRPr>
+                <a:latin typeface="Arial" panose="020B0604020202020204" pitchFamily="34" charset="0"/>
+                <a:cs typeface="Arial" panose="020B0604020202020204" pitchFamily="34" charset="0"/>
+              </a:defRPr>
+            </a:lvl1pPr>
+          </a:lstStyle>
+          <a:p>
+            <a:r>
+              <a:rPr lang="de-DE" dirty="0" smtClean="0"/>
               <a:t>Titelmasterformat durch Klicken bearbeiten</a:t>
             </a:r>
-            <a:endParaRPr lang="de-DE"/>
+            <a:endParaRPr lang="de-DE" dirty="0"/>
           </a:p>
         </p:txBody>
       </p:sp>
@@ -741,42 +795,75 @@
         <p:spPr/>
         <p:txBody>
           <a:bodyPr/>
-          <a:lstStyle/>
+          <a:lstStyle>
+            <a:lvl1pPr>
+              <a:defRPr sz="4400">
+                <a:latin typeface="Arial" panose="020B0604020202020204" pitchFamily="34" charset="0"/>
+                <a:cs typeface="Arial" panose="020B0604020202020204" pitchFamily="34" charset="0"/>
+              </a:defRPr>
+            </a:lvl1pPr>
+            <a:lvl2pPr marL="742950" indent="-285750">
+              <a:buFont typeface="Arial" panose="020B0604020202020204" pitchFamily="34" charset="0"/>
+              <a:buChar char="•"/>
+              <a:defRPr>
+                <a:latin typeface="Arial" panose="020B0604020202020204" pitchFamily="34" charset="0"/>
+                <a:cs typeface="Arial" panose="020B0604020202020204" pitchFamily="34" charset="0"/>
+              </a:defRPr>
+            </a:lvl2pPr>
+            <a:lvl3pPr>
+              <a:defRPr>
+                <a:latin typeface="Arial" panose="020B0604020202020204" pitchFamily="34" charset="0"/>
+                <a:cs typeface="Arial" panose="020B0604020202020204" pitchFamily="34" charset="0"/>
+              </a:defRPr>
+            </a:lvl3pPr>
+            <a:lvl4pPr>
+              <a:defRPr>
+                <a:latin typeface="Arial" panose="020B0604020202020204" pitchFamily="34" charset="0"/>
+                <a:cs typeface="Arial" panose="020B0604020202020204" pitchFamily="34" charset="0"/>
+              </a:defRPr>
+            </a:lvl4pPr>
+            <a:lvl5pPr>
+              <a:defRPr>
+                <a:latin typeface="Arial" panose="020B0604020202020204" pitchFamily="34" charset="0"/>
+                <a:cs typeface="Arial" panose="020B0604020202020204" pitchFamily="34" charset="0"/>
+              </a:defRPr>
+            </a:lvl5pPr>
+          </a:lstStyle>
           <a:p>
             <a:pPr lvl="0"/>
             <a:r>
-              <a:rPr lang="de-DE" smtClean="0"/>
+              <a:rPr lang="de-DE" dirty="0" smtClean="0"/>
               <a:t>Textmasterformate durch Klicken bearbeiten</a:t>
             </a:r>
           </a:p>
           <a:p>
             <a:pPr lvl="1"/>
             <a:r>
-              <a:rPr lang="de-DE" smtClean="0"/>
+              <a:rPr lang="de-DE" dirty="0" smtClean="0"/>
               <a:t>Zweite Ebene</a:t>
             </a:r>
           </a:p>
           <a:p>
             <a:pPr lvl="2"/>
             <a:r>
-              <a:rPr lang="de-DE" smtClean="0"/>
+              <a:rPr lang="de-DE" dirty="0" smtClean="0"/>
               <a:t>Dritte Ebene</a:t>
             </a:r>
           </a:p>
           <a:p>
             <a:pPr lvl="3"/>
             <a:r>
-              <a:rPr lang="de-DE" smtClean="0"/>
+              <a:rPr lang="de-DE" dirty="0" smtClean="0"/>
               <a:t>Vierte Ebene</a:t>
             </a:r>
           </a:p>
           <a:p>
             <a:pPr lvl="4"/>
             <a:r>
-              <a:rPr lang="de-DE" smtClean="0"/>
+              <a:rPr lang="de-DE" dirty="0" smtClean="0"/>
               <a:t>Fünfte Ebene</a:t>
             </a:r>
-            <a:endParaRPr lang="de-DE"/>
+            <a:endParaRPr lang="de-DE" dirty="0"/>
           </a:p>
         </p:txBody>
       </p:sp>
@@ -797,7 +884,7 @@
           <a:p>
             <a:fld id="{1BA50D42-C9CD-4801-B293-61D1F53EC57E}" type="datetimeFigureOut">
               <a:rPr lang="de-DE" smtClean="0"/>
-              <a:t>03.04.2019</a:t>
+              <a:t>04.04.2019</a:t>
             </a:fld>
             <a:endParaRPr lang="de-DE"/>
           </a:p>
@@ -1038,7 +1125,7 @@
           <a:p>
             <a:fld id="{1BA50D42-C9CD-4801-B293-61D1F53EC57E}" type="datetimeFigureOut">
               <a:rPr lang="de-DE" smtClean="0"/>
-              <a:t>03.04.2019</a:t>
+              <a:t>04.04.2019</a:t>
             </a:fld>
             <a:endParaRPr lang="de-DE"/>
           </a:p>
@@ -1321,7 +1408,7 @@
           <a:p>
             <a:fld id="{1BA50D42-C9CD-4801-B293-61D1F53EC57E}" type="datetimeFigureOut">
               <a:rPr lang="de-DE" smtClean="0"/>
-              <a:t>03.04.2019</a:t>
+              <a:t>04.04.2019</a:t>
             </a:fld>
             <a:endParaRPr lang="de-DE"/>
           </a:p>
@@ -1738,7 +1825,7 @@
           <a:p>
             <a:fld id="{1BA50D42-C9CD-4801-B293-61D1F53EC57E}" type="datetimeFigureOut">
               <a:rPr lang="de-DE" smtClean="0"/>
-              <a:t>03.04.2019</a:t>
+              <a:t>04.04.2019</a:t>
             </a:fld>
             <a:endParaRPr lang="de-DE"/>
           </a:p>
@@ -1851,7 +1938,7 @@
           <a:p>
             <a:fld id="{1BA50D42-C9CD-4801-B293-61D1F53EC57E}" type="datetimeFigureOut">
               <a:rPr lang="de-DE" smtClean="0"/>
-              <a:t>03.04.2019</a:t>
+              <a:t>04.04.2019</a:t>
             </a:fld>
             <a:endParaRPr lang="de-DE"/>
           </a:p>
@@ -1941,7 +2028,7 @@
           <a:p>
             <a:fld id="{1BA50D42-C9CD-4801-B293-61D1F53EC57E}" type="datetimeFigureOut">
               <a:rPr lang="de-DE" smtClean="0"/>
-              <a:t>03.04.2019</a:t>
+              <a:t>04.04.2019</a:t>
             </a:fld>
             <a:endParaRPr lang="de-DE"/>
           </a:p>
@@ -2213,7 +2300,7 @@
           <a:p>
             <a:fld id="{1BA50D42-C9CD-4801-B293-61D1F53EC57E}" type="datetimeFigureOut">
               <a:rPr lang="de-DE" smtClean="0"/>
-              <a:t>03.04.2019</a:t>
+              <a:t>04.04.2019</a:t>
             </a:fld>
             <a:endParaRPr lang="de-DE"/>
           </a:p>
@@ -2461,7 +2548,7 @@
           <a:p>
             <a:fld id="{1BA50D42-C9CD-4801-B293-61D1F53EC57E}" type="datetimeFigureOut">
               <a:rPr lang="de-DE" smtClean="0"/>
-              <a:t>03.04.2019</a:t>
+              <a:t>04.04.2019</a:t>
             </a:fld>
             <a:endParaRPr lang="de-DE"/>
           </a:p>
@@ -2669,7 +2756,7 @@
           <a:p>
             <a:fld id="{1BA50D42-C9CD-4801-B293-61D1F53EC57E}" type="datetimeFigureOut">
               <a:rPr lang="de-DE" smtClean="0"/>
-              <a:t>03.04.2019</a:t>
+              <a:t>04.04.2019</a:t>
             </a:fld>
             <a:endParaRPr lang="de-DE"/>
           </a:p>
@@ -3041,7 +3128,7 @@
       </p:grpSpPr>
       <p:sp>
         <p:nvSpPr>
-          <p:cNvPr id="2" name="Titel 1"/>
+          <p:cNvPr id="5" name="Titel 4"/>
           <p:cNvSpPr>
             <a:spLocks noGrp="1"/>
           </p:cNvSpPr>
@@ -3049,70 +3136,355 @@
             <p:ph type="ctrTitle"/>
           </p:nvPr>
         </p:nvSpPr>
-        <p:spPr>
-          <a:xfrm>
-            <a:off x="755576" y="836712"/>
-            <a:ext cx="7772400" cy="1470025"/>
-          </a:xfrm>
-        </p:spPr>
-        <p:txBody>
-          <a:bodyPr>
-            <a:normAutofit fontScale="90000"/>
-          </a:bodyPr>
-          <a:lstStyle/>
-          <a:p>
-            <a:r>
-              <a:rPr lang="de-CH" b="1" dirty="0"/>
-              <a:t> «DJ» EMI Filter für </a:t>
-            </a:r>
-            <a:r>
-              <a:rPr lang="de-CH" b="1" dirty="0" smtClean="0"/>
-              <a:t>Netzteil</a:t>
-            </a:r>
-            <a:r>
-              <a:rPr lang="de-CH" b="1" dirty="0"/>
-              <a:t> </a:t>
-            </a:r>
-            <a:r>
-              <a:rPr lang="de-CH" dirty="0"/>
-              <a:t/>
+        <p:spPr/>
+        <p:txBody>
+          <a:bodyPr/>
+          <a:lstStyle/>
+          <a:p>
+            <a:r>
+              <a:rPr lang="de-CH" dirty="0" smtClean="0"/>
+              <a:t>Gliederung </a:t>
             </a:r>
             <a:br>
-              <a:rPr lang="de-CH" dirty="0"/>
-            </a:br>
-            <a:r>
-              <a:rPr lang="de-CH" dirty="0"/>
-              <a:t>Pro2E - Team 5</a:t>
-            </a:r>
-            <a:br>
-              <a:rPr lang="de-CH" dirty="0"/>
+              <a:rPr lang="de-CH" dirty="0" smtClean="0"/>
             </a:br>
             <a:endParaRPr lang="de-CH" dirty="0"/>
           </a:p>
         </p:txBody>
       </p:sp>
+      <p:sp>
+        <p:nvSpPr>
+          <p:cNvPr id="6" name="Untertitel 5"/>
+          <p:cNvSpPr>
+            <a:spLocks noGrp="1"/>
+          </p:cNvSpPr>
+          <p:nvPr>
+            <p:ph type="subTitle" idx="1"/>
+          </p:nvPr>
+        </p:nvSpPr>
+        <p:spPr/>
+        <p:txBody>
+          <a:bodyPr/>
+          <a:lstStyle/>
+          <a:p>
+            <a:endParaRPr lang="de-CH" dirty="0"/>
+          </a:p>
+        </p:txBody>
+      </p:sp>
+    </p:spTree>
+    <p:extLst>
+      <p:ext uri="{BB962C8B-B14F-4D97-AF65-F5344CB8AC3E}">
+        <p14:creationId xmlns:p14="http://schemas.microsoft.com/office/powerpoint/2010/main" val="364089095"/>
+      </p:ext>
+    </p:extLst>
+  </p:cSld>
+  <p:clrMapOvr>
+    <a:masterClrMapping/>
+  </p:clrMapOvr>
+</p:sld>
+</file>
+
+<file path=ppt/slides/slide10.xml><?xml version="1.0" encoding="utf-8"?>
+<p:sld xmlns:a="http://schemas.openxmlformats.org/drawingml/2006/main" xmlns:r="http://schemas.openxmlformats.org/officeDocument/2006/relationships" xmlns:p="http://schemas.openxmlformats.org/presentationml/2006/main">
+  <p:cSld>
+    <p:spTree>
+      <p:nvGrpSpPr>
+        <p:cNvPr id="1" name=""/>
+        <p:cNvGrpSpPr/>
+        <p:nvPr/>
+      </p:nvGrpSpPr>
+      <p:grpSpPr>
+        <a:xfrm>
+          <a:off x="0" y="0"/>
+          <a:ext cx="0" cy="0"/>
+          <a:chOff x="0" y="0"/>
+          <a:chExt cx="0" cy="0"/>
+        </a:xfrm>
+      </p:grpSpPr>
+      <mc:AlternateContent xmlns:mc="http://schemas.openxmlformats.org/markup-compatibility/2006">
+        <mc:Choice xmlns:a14="http://schemas.microsoft.com/office/drawing/2010/main" Requires="a14">
+          <p:sp>
+            <p:nvSpPr>
+              <p:cNvPr id="2" name="Titel 1"/>
+              <p:cNvSpPr>
+                <a:spLocks noGrp="1"/>
+              </p:cNvSpPr>
+              <p:nvPr>
+                <p:ph type="title"/>
+              </p:nvPr>
+            </p:nvSpPr>
+            <p:spPr/>
+            <p:txBody>
+              <a:bodyPr>
+                <a:normAutofit fontScale="90000"/>
+              </a:bodyPr>
+              <a:lstStyle/>
+              <a:p>
+                <a:pPr algn="l"/>
+                <a:r>
+                  <a:rPr lang="de-CH" sz="1800" dirty="0">
+                    <a:latin typeface="Arial"/>
+                    <a:ea typeface="Times New Roman"/>
+                    <a:cs typeface="Arial"/>
+                  </a:rPr>
+                  <a:t>Nun </a:t>
+                </a:r>
+                <a:r>
+                  <a:rPr lang="de-CH" sz="1800" dirty="0">
+                    <a:latin typeface="Arial"/>
+                    <a:ea typeface="Times New Roman"/>
+                    <a:cs typeface="Arial"/>
+                  </a:rPr>
+                  <a:t>können wir die Einfügungsdämpfung a in dB berechnen: [1]</a:t>
+                </a:r>
+                <a:r>
+                  <a:rPr lang="de-CH" sz="1800" dirty="0">
+                    <a:latin typeface="Arial"/>
+                    <a:ea typeface="Calibri"/>
+                    <a:cs typeface="Arial"/>
+                  </a:rPr>
+                  <a:t/>
+                </a:r>
+                <a:br>
+                  <a:rPr lang="de-CH" sz="1800" dirty="0">
+                    <a:latin typeface="Arial"/>
+                    <a:ea typeface="Calibri"/>
+                    <a:cs typeface="Arial"/>
+                  </a:rPr>
+                </a:br>
+                <a14:m>
+                  <m:oMathPara xmlns:m="http://schemas.openxmlformats.org/officeDocument/2006/math">
+                    <m:oMathParaPr>
+                      <m:jc m:val="centerGroup"/>
+                    </m:oMathParaPr>
+                    <m:oMath xmlns:m="http://schemas.openxmlformats.org/officeDocument/2006/math">
+                      <m:sSub>
+                        <m:sSubPr>
+                          <m:ctrlPr>
+                            <a:rPr lang="de-CH" sz="1800" i="1">
+                              <a:latin typeface="Cambria Math"/>
+                              <a:ea typeface="Calibri"/>
+                              <a:cs typeface="Arial"/>
+                            </a:rPr>
+                          </m:ctrlPr>
+                        </m:sSubPr>
+                        <m:e>
+                          <m:r>
+                            <a:rPr lang="de-CH" sz="1800" i="1">
+                              <a:latin typeface="Cambria Math"/>
+                              <a:ea typeface="Calibri"/>
+                              <a:cs typeface="Arial"/>
+                            </a:rPr>
+                            <m:t>𝑎</m:t>
+                          </m:r>
+                        </m:e>
+                        <m:sub>
+                          <m:r>
+                            <a:rPr lang="de-CH" sz="1800" i="1">
+                              <a:latin typeface="Cambria Math"/>
+                              <a:ea typeface="Calibri"/>
+                              <a:cs typeface="Arial"/>
+                            </a:rPr>
+                            <m:t>𝐼</m:t>
+                          </m:r>
+                        </m:sub>
+                      </m:sSub>
+                      <m:r>
+                        <a:rPr lang="de-CH" sz="1800" i="1">
+                          <a:latin typeface="Cambria Math"/>
+                          <a:ea typeface="Calibri"/>
+                          <a:cs typeface="Arial"/>
+                        </a:rPr>
+                        <m:t>=−20</m:t>
+                      </m:r>
+                      <m:func>
+                        <m:funcPr>
+                          <m:ctrlPr>
+                            <a:rPr lang="de-CH" sz="1800" i="1">
+                              <a:latin typeface="Cambria Math"/>
+                              <a:ea typeface="Calibri"/>
+                              <a:cs typeface="Arial"/>
+                            </a:rPr>
+                          </m:ctrlPr>
+                        </m:funcPr>
+                        <m:fName>
+                          <m:r>
+                            <m:rPr>
+                              <m:sty m:val="p"/>
+                            </m:rPr>
+                            <a:rPr lang="de-CH" sz="1800">
+                              <a:latin typeface="Cambria Math"/>
+                              <a:ea typeface="Calibri"/>
+                              <a:cs typeface="Arial"/>
+                            </a:rPr>
+                            <m:t>log</m:t>
+                          </m:r>
+                        </m:fName>
+                        <m:e>
+                          <m:d>
+                            <m:dPr>
+                              <m:begChr m:val="|"/>
+                              <m:endChr m:val="|"/>
+                              <m:ctrlPr>
+                                <a:rPr lang="de-CH" sz="1800" i="1">
+                                  <a:latin typeface="Cambria Math"/>
+                                  <a:ea typeface="Calibri"/>
+                                  <a:cs typeface="Arial"/>
+                                </a:rPr>
+                              </m:ctrlPr>
+                            </m:dPr>
+                            <m:e>
+                              <m:sSub>
+                                <m:sSubPr>
+                                  <m:ctrlPr>
+                                    <a:rPr lang="de-CH" sz="1800" i="1">
+                                      <a:latin typeface="Cambria Math"/>
+                                      <a:ea typeface="Calibri"/>
+                                      <a:cs typeface="Arial"/>
+                                    </a:rPr>
+                                  </m:ctrlPr>
+                                </m:sSubPr>
+                                <m:e>
+                                  <m:r>
+                                    <a:rPr lang="de-CH" sz="1800" i="1">
+                                      <a:latin typeface="Cambria Math"/>
+                                      <a:ea typeface="Calibri"/>
+                                      <a:cs typeface="Arial"/>
+                                    </a:rPr>
+                                    <m:t>𝑆</m:t>
+                                  </m:r>
+                                </m:e>
+                                <m:sub>
+                                  <m:r>
+                                    <a:rPr lang="de-CH" sz="1800" i="1">
+                                      <a:latin typeface="Cambria Math"/>
+                                      <a:ea typeface="Calibri"/>
+                                      <a:cs typeface="Arial"/>
+                                    </a:rPr>
+                                    <m:t>21</m:t>
+                                  </m:r>
+                                </m:sub>
+                              </m:sSub>
+                            </m:e>
+                          </m:d>
+                          <m:r>
+                            <a:rPr lang="de-CH" sz="1800" i="1">
+                              <a:latin typeface="Cambria Math"/>
+                              <a:ea typeface="Calibri"/>
+                              <a:cs typeface="Arial"/>
+                            </a:rPr>
+                            <m:t> </m:t>
+                          </m:r>
+                          <m:d>
+                            <m:dPr>
+                              <m:begChr m:val="["/>
+                              <m:endChr m:val="]"/>
+                              <m:ctrlPr>
+                                <a:rPr lang="de-CH" sz="1800" i="1">
+                                  <a:latin typeface="Cambria Math"/>
+                                  <a:ea typeface="Calibri"/>
+                                  <a:cs typeface="Arial"/>
+                                </a:rPr>
+                              </m:ctrlPr>
+                            </m:dPr>
+                            <m:e>
+                              <m:r>
+                                <a:rPr lang="de-CH" sz="1800" i="1">
+                                  <a:latin typeface="Cambria Math"/>
+                                  <a:ea typeface="Calibri"/>
+                                  <a:cs typeface="Arial"/>
+                                </a:rPr>
+                                <m:t>𝑑𝐵</m:t>
+                              </m:r>
+                            </m:e>
+                          </m:d>
+                        </m:e>
+                      </m:func>
+                    </m:oMath>
+                  </m:oMathPara>
+                </a14:m>
+                <a:r>
+                  <a:rPr lang="de-CH" sz="1800" dirty="0">
+                    <a:latin typeface="Arial"/>
+                    <a:ea typeface="Calibri"/>
+                    <a:cs typeface="Arial"/>
+                  </a:rPr>
+                  <a:t/>
+                </a:r>
+                <a:br>
+                  <a:rPr lang="de-CH" sz="1800" dirty="0">
+                    <a:latin typeface="Arial"/>
+                    <a:ea typeface="Calibri"/>
+                    <a:cs typeface="Arial"/>
+                  </a:rPr>
+                </a:br>
+                <a:r>
+                  <a:rPr lang="de-CH" sz="1800" dirty="0">
+                    <a:latin typeface="Arial"/>
+                    <a:ea typeface="Calibri"/>
+                    <a:cs typeface="Arial"/>
+                  </a:rPr>
+                  <a:t>Dieser Parameter wird mit verschiedenen Frequenzen berechnet, damit man die Einfügungsdämpfung über dem ganzen Spektrum darstellen kann.</a:t>
+                </a:r>
+                <a:endParaRPr lang="de-CH" sz="1800" dirty="0"/>
+              </a:p>
+            </p:txBody>
+          </p:sp>
+        </mc:Choice>
+        <mc:Fallback>
+          <p:sp>
+            <p:nvSpPr>
+              <p:cNvPr id="2" name="Titel 1"/>
+              <p:cNvSpPr>
+                <a:spLocks noGrp="1" noRot="1" noChangeAspect="1" noMove="1" noResize="1" noEditPoints="1" noAdjustHandles="1" noChangeArrowheads="1" noChangeShapeType="1" noTextEdit="1"/>
+              </p:cNvSpPr>
+              <p:nvPr>
+                <p:ph type="title"/>
+              </p:nvPr>
+            </p:nvSpPr>
+            <p:spPr>
+              <a:blipFill rotWithShape="1">
+                <a:blip r:embed="rId2"/>
+                <a:stretch>
+                  <a:fillRect l="-370" b="-3191"/>
+                </a:stretch>
+              </a:blipFill>
+            </p:spPr>
+            <p:txBody>
+              <a:bodyPr/>
+              <a:lstStyle/>
+              <a:p>
+                <a:r>
+                  <a:rPr lang="de-CH">
+                    <a:noFill/>
+                  </a:rPr>
+                  <a:t> </a:t>
+                </a:r>
+              </a:p>
+            </p:txBody>
+          </p:sp>
+        </mc:Fallback>
+      </mc:AlternateContent>
       <p:pic>
         <p:nvPicPr>
-          <p:cNvPr id="4" name="Picture 15"/>
-          <p:cNvPicPr/>
-          <p:nvPr/>
+          <p:cNvPr id="4" name="Inhaltsplatzhalter 3"/>
+          <p:cNvPicPr>
+            <a:picLocks noGrp="1"/>
+          </p:cNvPicPr>
+          <p:nvPr>
+            <p:ph idx="1"/>
+          </p:nvPr>
         </p:nvPicPr>
         <p:blipFill>
-          <a:blip r:embed="rId2" cstate="print">
-            <a:extLst>
-              <a:ext uri="{28A0092B-C50C-407E-A947-70E740481C1C}">
-                <a14:useLocalDpi xmlns:a14="http://schemas.microsoft.com/office/drawing/2010/main" val="0"/>
-              </a:ext>
-            </a:extLst>
-          </a:blip>
+          <a:blip r:embed="rId3"/>
           <a:stretch>
             <a:fillRect/>
           </a:stretch>
         </p:blipFill>
         <p:spPr>
           <a:xfrm>
-            <a:off x="1115616" y="1988840"/>
-            <a:ext cx="6840760" cy="4176464"/>
+            <a:off x="395536" y="2154346"/>
+            <a:ext cx="8229600" cy="3362886"/>
           </a:xfrm>
           <a:prstGeom prst="rect">
             <a:avLst/>
@@ -3122,20 +3494,169 @@
     </p:spTree>
     <p:extLst>
       <p:ext uri="{BB962C8B-B14F-4D97-AF65-F5344CB8AC3E}">
-        <p14:creationId xmlns:p14="http://schemas.microsoft.com/office/powerpoint/2010/main" val="1860435246"/>
+        <p14:creationId xmlns:p14="http://schemas.microsoft.com/office/powerpoint/2010/main" val="3076454274"/>
       </p:ext>
     </p:extLst>
   </p:cSld>
   <p:clrMapOvr>
     <a:masterClrMapping/>
   </p:clrMapOvr>
-  <p:timing>
-    <p:tnLst>
-      <p:par>
-        <p:cTn id="1" dur="indefinite" restart="never" nodeType="tmRoot"/>
-      </p:par>
-    </p:tnLst>
-  </p:timing>
+</p:sld>
+</file>
+
+<file path=ppt/slides/slide11.xml><?xml version="1.0" encoding="utf-8"?>
+<p:sld xmlns:a="http://schemas.openxmlformats.org/drawingml/2006/main" xmlns:r="http://schemas.openxmlformats.org/officeDocument/2006/relationships" xmlns:p="http://schemas.openxmlformats.org/presentationml/2006/main">
+  <p:cSld>
+    <p:spTree>
+      <p:nvGrpSpPr>
+        <p:cNvPr id="1" name=""/>
+        <p:cNvGrpSpPr/>
+        <p:nvPr/>
+      </p:nvGrpSpPr>
+      <p:grpSpPr>
+        <a:xfrm>
+          <a:off x="0" y="0"/>
+          <a:ext cx="0" cy="0"/>
+          <a:chOff x="0" y="0"/>
+          <a:chExt cx="0" cy="0"/>
+        </a:xfrm>
+      </p:grpSpPr>
+      <p:sp>
+        <p:nvSpPr>
+          <p:cNvPr id="2" name="Titel 1"/>
+          <p:cNvSpPr>
+            <a:spLocks noGrp="1"/>
+          </p:cNvSpPr>
+          <p:nvPr>
+            <p:ph type="title"/>
+          </p:nvPr>
+        </p:nvSpPr>
+        <p:spPr>
+          <a:xfrm>
+            <a:off x="457200" y="274638"/>
+            <a:ext cx="8229600" cy="4234482"/>
+          </a:xfrm>
+        </p:spPr>
+        <p:txBody>
+          <a:bodyPr>
+            <a:normAutofit/>
+          </a:bodyPr>
+          <a:lstStyle/>
+          <a:p>
+            <a:pPr marL="215900" algn="l">
+              <a:lnSpc>
+                <a:spcPct val="107000"/>
+              </a:lnSpc>
+              <a:spcAft>
+                <a:spcPts val="800"/>
+              </a:spcAft>
+            </a:pPr>
+            <a:endParaRPr lang="de-CH" sz="2000" dirty="0"/>
+          </a:p>
+        </p:txBody>
+      </p:sp>
+      <p:sp>
+        <p:nvSpPr>
+          <p:cNvPr id="3" name="Inhaltsplatzhalter 2"/>
+          <p:cNvSpPr>
+            <a:spLocks noGrp="1"/>
+          </p:cNvSpPr>
+          <p:nvPr>
+            <p:ph idx="1"/>
+          </p:nvPr>
+        </p:nvSpPr>
+        <p:spPr>
+          <a:xfrm>
+            <a:off x="457200" y="4725144"/>
+            <a:ext cx="8229600" cy="1401019"/>
+          </a:xfrm>
+        </p:spPr>
+        <p:txBody>
+          <a:bodyPr/>
+          <a:lstStyle/>
+          <a:p>
+            <a:endParaRPr lang="de-CH"/>
+          </a:p>
+        </p:txBody>
+      </p:sp>
+    </p:spTree>
+    <p:extLst>
+      <p:ext uri="{BB962C8B-B14F-4D97-AF65-F5344CB8AC3E}">
+        <p14:creationId xmlns:p14="http://schemas.microsoft.com/office/powerpoint/2010/main" val="3559695445"/>
+      </p:ext>
+    </p:extLst>
+  </p:cSld>
+  <p:clrMapOvr>
+    <a:masterClrMapping/>
+  </p:clrMapOvr>
+</p:sld>
+</file>
+
+<file path=ppt/slides/slide12.xml><?xml version="1.0" encoding="utf-8"?>
+<p:sld xmlns:a="http://schemas.openxmlformats.org/drawingml/2006/main" xmlns:r="http://schemas.openxmlformats.org/officeDocument/2006/relationships" xmlns:p="http://schemas.openxmlformats.org/presentationml/2006/main">
+  <p:cSld>
+    <p:spTree>
+      <p:nvGrpSpPr>
+        <p:cNvPr id="1" name=""/>
+        <p:cNvGrpSpPr/>
+        <p:nvPr/>
+      </p:nvGrpSpPr>
+      <p:grpSpPr>
+        <a:xfrm>
+          <a:off x="0" y="0"/>
+          <a:ext cx="0" cy="0"/>
+          <a:chOff x="0" y="0"/>
+          <a:chExt cx="0" cy="0"/>
+        </a:xfrm>
+      </p:grpSpPr>
+      <p:sp>
+        <p:nvSpPr>
+          <p:cNvPr id="2" name="Titel 1"/>
+          <p:cNvSpPr>
+            <a:spLocks noGrp="1"/>
+          </p:cNvSpPr>
+          <p:nvPr>
+            <p:ph type="title"/>
+          </p:nvPr>
+        </p:nvSpPr>
+        <p:spPr/>
+        <p:txBody>
+          <a:bodyPr/>
+          <a:lstStyle/>
+          <a:p>
+            <a:endParaRPr lang="de-CH"/>
+          </a:p>
+        </p:txBody>
+      </p:sp>
+      <p:sp>
+        <p:nvSpPr>
+          <p:cNvPr id="3" name="Inhaltsplatzhalter 2"/>
+          <p:cNvSpPr>
+            <a:spLocks noGrp="1"/>
+          </p:cNvSpPr>
+          <p:nvPr>
+            <p:ph idx="1"/>
+          </p:nvPr>
+        </p:nvSpPr>
+        <p:spPr/>
+        <p:txBody>
+          <a:bodyPr/>
+          <a:lstStyle/>
+          <a:p>
+            <a:endParaRPr lang="de-CH"/>
+          </a:p>
+        </p:txBody>
+      </p:sp>
+    </p:spTree>
+    <p:extLst>
+      <p:ext uri="{BB962C8B-B14F-4D97-AF65-F5344CB8AC3E}">
+        <p14:creationId xmlns:p14="http://schemas.microsoft.com/office/powerpoint/2010/main" val="151441230"/>
+      </p:ext>
+    </p:extLst>
+  </p:cSld>
+  <p:clrMapOvr>
+    <a:masterClrMapping/>
+  </p:clrMapOvr>
 </p:sld>
 </file>
 
@@ -3163,47 +3684,32 @@
             <a:spLocks noGrp="1"/>
           </p:cNvSpPr>
           <p:nvPr>
-            <p:ph type="title"/>
+            <p:ph type="ctrTitle"/>
           </p:nvPr>
         </p:nvSpPr>
         <p:spPr>
           <a:xfrm>
-            <a:off x="611560" y="548680"/>
-            <a:ext cx="8229600" cy="5832648"/>
+            <a:off x="899592" y="1062597"/>
+            <a:ext cx="7556376" cy="1368152"/>
           </a:xfrm>
         </p:spPr>
         <p:txBody>
           <a:bodyPr>
-            <a:normAutofit/>
+            <a:normAutofit fontScale="90000"/>
           </a:bodyPr>
           <a:lstStyle/>
           <a:p>
             <a:r>
+              <a:rPr lang="de-CH" b="1" dirty="0"/>
+              <a:t> «DJ» EMI Filter für </a:t>
+            </a:r>
+            <a:r>
               <a:rPr lang="de-CH" b="1" dirty="0" smtClean="0"/>
-              <a:t>Projektteam:</a:t>
-            </a:r>
-            <a:r>
-              <a:rPr lang="de-CH" dirty="0" smtClean="0"/>
-              <a:t> </a:t>
-            </a:r>
-            <a:r>
-              <a:rPr lang="de-CH" dirty="0"/>
-              <a:t>	</a:t>
-            </a:r>
-            <a:r>
-              <a:rPr lang="de-CH" dirty="0" smtClean="0"/>
-              <a:t/>
-            </a:r>
-            <a:br>
-              <a:rPr lang="de-CH" dirty="0" smtClean="0"/>
-            </a:br>
-            <a:r>
-              <a:rPr lang="de-CH" dirty="0" smtClean="0"/>
-              <a:t>Marina </a:t>
-            </a:r>
-            <a:r>
-              <a:rPr lang="de-CH" dirty="0" err="1" smtClean="0"/>
-              <a:t>Taborda</a:t>
+              <a:t>Netzteil</a:t>
+            </a:r>
+            <a:r>
+              <a:rPr lang="de-CH" b="1" dirty="0"/>
+              <a:t> </a:t>
             </a:r>
             <a:r>
               <a:rPr lang="de-CH" dirty="0"/>
@@ -3213,64 +3719,8 @@
               <a:rPr lang="de-CH" dirty="0"/>
             </a:br>
             <a:r>
-              <a:rPr lang="de-CH" dirty="0" smtClean="0"/>
-              <a:t>Michel Alt</a:t>
-            </a:r>
-            <a:r>
               <a:rPr lang="de-CH" dirty="0"/>
-              <a:t/>
-            </a:r>
-            <a:br>
-              <a:rPr lang="de-CH" dirty="0"/>
-            </a:br>
-            <a:r>
-              <a:rPr lang="de-CH" dirty="0" smtClean="0"/>
-              <a:t>Frank </a:t>
-            </a:r>
-            <a:r>
-              <a:rPr lang="de-CH" dirty="0"/>
-              <a:t>Imhof</a:t>
-            </a:r>
-            <a:br>
-              <a:rPr lang="de-CH" dirty="0"/>
-            </a:br>
-            <a:r>
-              <a:rPr lang="de-CH" dirty="0"/>
-              <a:t>	Luca </a:t>
-            </a:r>
-            <a:r>
-              <a:rPr lang="de-CH" dirty="0" smtClean="0"/>
-              <a:t>Krummenacher</a:t>
-            </a:r>
-            <a:r>
-              <a:rPr lang="de-CH" dirty="0"/>
-              <a:t/>
-            </a:r>
-            <a:br>
-              <a:rPr lang="de-CH" dirty="0"/>
-            </a:br>
-            <a:r>
-              <a:rPr lang="de-CH" dirty="0" smtClean="0"/>
-              <a:t>Richard </a:t>
-            </a:r>
-            <a:r>
-              <a:rPr lang="de-CH" dirty="0"/>
-              <a:t>Britt</a:t>
-            </a:r>
-            <a:br>
-              <a:rPr lang="de-CH" dirty="0"/>
-            </a:br>
-            <a:r>
-              <a:rPr lang="de-CH" dirty="0" err="1" smtClean="0"/>
-              <a:t>Fady</a:t>
-            </a:r>
-            <a:r>
-              <a:rPr lang="de-CH" dirty="0" smtClean="0"/>
-              <a:t> </a:t>
-            </a:r>
-            <a:r>
-              <a:rPr lang="de-CH" dirty="0"/>
-              <a:t>Hanna</a:t>
+              <a:t>Pro2E - Team 5</a:t>
             </a:r>
             <a:br>
               <a:rPr lang="de-CH" dirty="0"/>
@@ -3282,7 +3732,7 @@
     </p:spTree>
     <p:extLst>
       <p:ext uri="{BB962C8B-B14F-4D97-AF65-F5344CB8AC3E}">
-        <p14:creationId xmlns:p14="http://schemas.microsoft.com/office/powerpoint/2010/main" val="1462911554"/>
+        <p14:creationId xmlns:p14="http://schemas.microsoft.com/office/powerpoint/2010/main" val="1860435246"/>
       </p:ext>
     </p:extLst>
   </p:cSld>
@@ -3326,111 +3776,127 @@
             <p:ph type="title"/>
           </p:nvPr>
         </p:nvSpPr>
-        <p:spPr/>
-        <p:txBody>
-          <a:bodyPr/>
-          <a:lstStyle/>
-          <a:p>
-            <a:r>
-              <a:rPr lang="de-CH" dirty="0" smtClean="0"/>
-              <a:t>Warum ein Filter ? </a:t>
-            </a:r>
-            <a:endParaRPr lang="de-CH" dirty="0"/>
-          </a:p>
-        </p:txBody>
-      </p:sp>
-      <p:pic>
-        <p:nvPicPr>
-          <p:cNvPr id="4" name="Picture 15"/>
-          <p:cNvPicPr>
-            <a:picLocks noGrp="1"/>
-          </p:cNvPicPr>
-          <p:nvPr>
-            <p:ph idx="1"/>
-          </p:nvPr>
-        </p:nvPicPr>
-        <p:blipFill>
-          <a:blip r:embed="rId2" cstate="print">
-            <a:extLst>
-              <a:ext uri="{28A0092B-C50C-407E-A947-70E740481C1C}">
-                <a14:useLocalDpi xmlns:a14="http://schemas.microsoft.com/office/drawing/2010/main" val="0"/>
-              </a:ext>
-            </a:extLst>
-          </a:blip>
-          <a:stretch>
-            <a:fillRect/>
-          </a:stretch>
-        </p:blipFill>
         <p:spPr>
           <a:xfrm>
-            <a:off x="1763688" y="1484784"/>
-            <a:ext cx="4855185" cy="3045643"/>
+            <a:off x="611560" y="548680"/>
+            <a:ext cx="8229600" cy="5832648"/>
           </a:xfrm>
-          <a:prstGeom prst="rect">
-            <a:avLst/>
-          </a:prstGeom>
         </p:spPr>
-      </p:pic>
-      <p:sp>
-        <p:nvSpPr>
-          <p:cNvPr id="6" name="Rechteck 5"/>
-          <p:cNvSpPr/>
-          <p:nvPr/>
-        </p:nvSpPr>
-        <p:spPr>
-          <a:xfrm>
-            <a:off x="395536" y="4797152"/>
-            <a:ext cx="8280920" cy="1631216"/>
-          </a:xfrm>
-          <a:prstGeom prst="rect">
-            <a:avLst/>
-          </a:prstGeom>
-        </p:spPr>
-        <p:txBody>
-          <a:bodyPr wrap="square">
-            <a:spAutoFit/>
+        <p:txBody>
+          <a:bodyPr>
+            <a:normAutofit/>
           </a:bodyPr>
           <a:lstStyle/>
           <a:p>
             <a:r>
-              <a:rPr lang="de-DE" sz="2000" dirty="0" smtClean="0"/>
-              <a:t>Um die erzeugenden leitungsgebundene Störungen von den </a:t>
-            </a:r>
-            <a:r>
-              <a:rPr lang="de-DE" sz="2000" dirty="0"/>
-              <a:t>verwendeten Bauteile in den </a:t>
-            </a:r>
-            <a:r>
-              <a:rPr lang="de-DE" sz="2000" dirty="0" smtClean="0"/>
-              <a:t>Schaltnetzteilen(D M&amp;CM) ,damit </a:t>
-            </a:r>
-            <a:r>
-              <a:rPr lang="de-DE" sz="2000" dirty="0"/>
+              <a:rPr lang="de-CH" b="1" dirty="0" smtClean="0"/>
+              <a:t>Projektteam 5 :</a:t>
+            </a:r>
+            <a:r>
+              <a:rPr lang="de-CH" dirty="0" smtClean="0"/>
               <a:t> </a:t>
             </a:r>
             <a:r>
-              <a:rPr lang="de-DE" sz="2000" dirty="0" smtClean="0"/>
-              <a:t>vermeiden wir die negativen Auswirkungen </a:t>
-            </a:r>
-            <a:r>
-              <a:rPr lang="de-DE" sz="2000" dirty="0"/>
-              <a:t>auf der </a:t>
-            </a:r>
-            <a:r>
-              <a:rPr lang="de-DE" sz="2000" dirty="0" smtClean="0"/>
-              <a:t>Netzseite .  </a:t>
-            </a:r>
-            <a:r>
-              <a:rPr lang="de-DE" sz="2000" dirty="0"/>
-              <a:t>müssen die Netzschaltteile die normativen Anforderungen erfüllen und dementsprechend dimensioniert werden. </a:t>
-            </a:r>
+              <a:rPr lang="de-CH" dirty="0"/>
+              <a:t>	</a:t>
+            </a:r>
+            <a:r>
+              <a:rPr lang="de-CH" dirty="0" smtClean="0"/>
+              <a:t/>
+            </a:r>
+            <a:br>
+              <a:rPr lang="de-CH" dirty="0" smtClean="0"/>
+            </a:br>
+            <a:r>
+              <a:rPr lang="de-CH" dirty="0" smtClean="0"/>
+              <a:t>Marina </a:t>
+            </a:r>
+            <a:r>
+              <a:rPr lang="de-CH" dirty="0" err="1" smtClean="0"/>
+              <a:t>Taborda</a:t>
+            </a:r>
+            <a:r>
+              <a:rPr lang="de-CH" dirty="0" smtClean="0"/>
+              <a:t> </a:t>
+            </a:r>
+            <a:r>
+              <a:rPr lang="de-CH" dirty="0"/>
+              <a:t/>
+            </a:r>
+            <a:br>
+              <a:rPr lang="de-CH" dirty="0"/>
+            </a:br>
+            <a:r>
+              <a:rPr lang="de-CH" dirty="0" smtClean="0"/>
+              <a:t>Michel Alt</a:t>
+            </a:r>
+            <a:r>
+              <a:rPr lang="de-CH" dirty="0"/>
+              <a:t/>
+            </a:r>
+            <a:br>
+              <a:rPr lang="de-CH" dirty="0"/>
+            </a:br>
+            <a:r>
+              <a:rPr lang="de-CH" dirty="0" smtClean="0"/>
+              <a:t>Frank </a:t>
+            </a:r>
+            <a:r>
+              <a:rPr lang="de-CH" dirty="0"/>
+              <a:t>Imhof</a:t>
+            </a:r>
+            <a:br>
+              <a:rPr lang="de-CH" dirty="0"/>
+            </a:br>
+            <a:r>
+              <a:rPr lang="de-CH" dirty="0"/>
+              <a:t>	Luca </a:t>
+            </a:r>
+            <a:r>
+              <a:rPr lang="de-CH" dirty="0" smtClean="0"/>
+              <a:t>Krummenacher</a:t>
+            </a:r>
+            <a:r>
+              <a:rPr lang="de-CH" dirty="0"/>
+              <a:t/>
+            </a:r>
+            <a:br>
+              <a:rPr lang="de-CH" dirty="0"/>
+            </a:br>
+            <a:r>
+              <a:rPr lang="de-CH" dirty="0" smtClean="0"/>
+              <a:t>Richard </a:t>
+            </a:r>
+            <a:r>
+              <a:rPr lang="de-CH" dirty="0"/>
+              <a:t>Britt</a:t>
+            </a:r>
+            <a:br>
+              <a:rPr lang="de-CH" dirty="0"/>
+            </a:br>
+            <a:r>
+              <a:rPr lang="de-CH" dirty="0" err="1" smtClean="0"/>
+              <a:t>Fady</a:t>
+            </a:r>
+            <a:r>
+              <a:rPr lang="de-CH" dirty="0" smtClean="0"/>
+              <a:t> </a:t>
+            </a:r>
+            <a:r>
+              <a:rPr lang="de-CH" dirty="0"/>
+              <a:t>Hanna</a:t>
+            </a:r>
+            <a:br>
+              <a:rPr lang="de-CH" dirty="0"/>
+            </a:br>
+            <a:endParaRPr lang="de-CH" dirty="0"/>
           </a:p>
         </p:txBody>
       </p:sp>
     </p:spTree>
     <p:extLst>
       <p:ext uri="{BB962C8B-B14F-4D97-AF65-F5344CB8AC3E}">
-        <p14:creationId xmlns:p14="http://schemas.microsoft.com/office/powerpoint/2010/main" val="2534928615"/>
+        <p14:creationId xmlns:p14="http://schemas.microsoft.com/office/powerpoint/2010/main" val="1462911554"/>
       </p:ext>
     </p:extLst>
   </p:cSld>
@@ -3448,6 +3914,71 @@
 </file>
 
 <file path=ppt/slides/slide4.xml><?xml version="1.0" encoding="utf-8"?>
+<p:sld xmlns:a="http://schemas.openxmlformats.org/drawingml/2006/main" xmlns:r="http://schemas.openxmlformats.org/officeDocument/2006/relationships" xmlns:p="http://schemas.openxmlformats.org/presentationml/2006/main">
+  <p:cSld>
+    <p:spTree>
+      <p:nvGrpSpPr>
+        <p:cNvPr id="1" name=""/>
+        <p:cNvGrpSpPr/>
+        <p:nvPr/>
+      </p:nvGrpSpPr>
+      <p:grpSpPr>
+        <a:xfrm>
+          <a:off x="0" y="0"/>
+          <a:ext cx="0" cy="0"/>
+          <a:chOff x="0" y="0"/>
+          <a:chExt cx="0" cy="0"/>
+        </a:xfrm>
+      </p:grpSpPr>
+      <p:sp>
+        <p:nvSpPr>
+          <p:cNvPr id="2" name="Titel 1"/>
+          <p:cNvSpPr>
+            <a:spLocks noGrp="1"/>
+          </p:cNvSpPr>
+          <p:nvPr>
+            <p:ph type="title"/>
+          </p:nvPr>
+        </p:nvSpPr>
+        <p:spPr/>
+        <p:txBody>
+          <a:bodyPr>
+            <a:normAutofit fontScale="90000"/>
+          </a:bodyPr>
+          <a:lstStyle/>
+          <a:p>
+            <a:r>
+              <a:rPr lang="de-CH" dirty="0" smtClean="0"/>
+              <a:t>Die Einleitung </a:t>
+            </a:r>
+            <a:br>
+              <a:rPr lang="de-CH" dirty="0" smtClean="0"/>
+            </a:br>
+            <a:endParaRPr lang="de-CH" dirty="0"/>
+          </a:p>
+        </p:txBody>
+      </p:sp>
+    </p:spTree>
+    <p:extLst>
+      <p:ext uri="{BB962C8B-B14F-4D97-AF65-F5344CB8AC3E}">
+        <p14:creationId xmlns:p14="http://schemas.microsoft.com/office/powerpoint/2010/main" val="943333226"/>
+      </p:ext>
+    </p:extLst>
+  </p:cSld>
+  <p:clrMapOvr>
+    <a:masterClrMapping/>
+  </p:clrMapOvr>
+  <p:timing>
+    <p:tnLst>
+      <p:par>
+        <p:cTn id="1" dur="indefinite" restart="never" nodeType="tmRoot"/>
+      </p:par>
+    </p:tnLst>
+  </p:timing>
+</p:sld>
+</file>
+
+<file path=ppt/slides/slide5.xml><?xml version="1.0" encoding="utf-8"?>
 <p:sld xmlns:a="http://schemas.openxmlformats.org/drawingml/2006/main" xmlns:r="http://schemas.openxmlformats.org/officeDocument/2006/relationships" xmlns:p="http://schemas.openxmlformats.org/presentationml/2006/main">
   <p:cSld>
     <p:spTree>
@@ -3596,18 +4127,6 @@
                 </a:rPr>
                 <a:t>Projekt Ziele</a:t>
               </a:r>
-              <a:endParaRPr lang="de-CH" sz="3200" b="1" dirty="0">
-                <a:solidFill>
-                  <a:srgbClr val="FF0000"/>
-                </a:solidFill>
-                <a:effectLst>
-                  <a:outerShdw blurRad="38100" dist="38100" dir="2700000" algn="tl">
-                    <a:srgbClr val="000000">
-                      <a:alpha val="43137"/>
-                    </a:srgbClr>
-                  </a:outerShdw>
-                </a:effectLst>
-              </a:endParaRPr>
             </a:p>
           </p:txBody>
         </p:sp>
@@ -3776,7 +4295,6 @@
                 <a:rPr lang="de-CH" sz="2400" b="1" dirty="0"/>
                 <a:t>Bedienoberfläche</a:t>
               </a:r>
-              <a:endParaRPr lang="de-CH" sz="2400" b="1" dirty="0"/>
             </a:p>
           </p:txBody>
         </p:sp>
@@ -3858,7 +4376,9 @@
             <a:lstStyle/>
             <a:p>
               <a:r>
-                <a:rPr lang="de-CH" sz="3200" b="1" dirty="0"/>
+                <a:rPr lang="de-CH" sz="3200" b="1" dirty="0">
+                  <a:hlinkClick r:id="rId2" action="ppaction://hlinksldjump"/>
+                </a:rPr>
                 <a:t>Software</a:t>
               </a:r>
               <a:endParaRPr lang="de-CH" sz="2400" b="1" dirty="0"/>
@@ -3886,7 +4406,7 @@
 </p:sld>
 </file>
 
-<file path=ppt/slides/slide5.xml><?xml version="1.0" encoding="utf-8"?>
+<file path=ppt/slides/slide6.xml><?xml version="1.0" encoding="utf-8"?>
 <p:sld xmlns:a="http://schemas.openxmlformats.org/drawingml/2006/main" xmlns:r="http://schemas.openxmlformats.org/officeDocument/2006/relationships" xmlns:p="http://schemas.openxmlformats.org/presentationml/2006/main">
   <p:cSld>
     <p:spTree>
@@ -3918,14 +4438,101 @@
           <a:bodyPr/>
           <a:lstStyle/>
           <a:p>
+            <a:r>
+              <a:rPr lang="de-CH" dirty="0" smtClean="0"/>
+              <a:t>Software </a:t>
+            </a:r>
             <a:endParaRPr lang="de-CH" dirty="0"/>
+          </a:p>
+        </p:txBody>
+      </p:sp>
+      <p:sp>
+        <p:nvSpPr>
+          <p:cNvPr id="3" name="Inhaltsplatzhalter 2"/>
+          <p:cNvSpPr>
+            <a:spLocks noGrp="1"/>
+          </p:cNvSpPr>
+          <p:nvPr>
+            <p:ph idx="1"/>
+          </p:nvPr>
+        </p:nvSpPr>
+        <p:spPr/>
+        <p:txBody>
+          <a:bodyPr>
+            <a:normAutofit/>
+          </a:bodyPr>
+          <a:lstStyle/>
+          <a:p>
+            <a:r>
+              <a:rPr lang="de-CH" sz="2000" dirty="0" smtClean="0"/>
+              <a:t>Java Version JDK11</a:t>
+            </a:r>
+          </a:p>
+          <a:p>
+            <a:r>
+              <a:rPr lang="de-CH" sz="2000" dirty="0"/>
+              <a:t>Software ist in der MVC Architektur </a:t>
+            </a:r>
+            <a:r>
+              <a:rPr lang="de-CH" sz="2000" dirty="0" smtClean="0"/>
+              <a:t>realisiert</a:t>
+            </a:r>
+          </a:p>
+          <a:p>
+            <a:r>
+              <a:rPr lang="de-CH" sz="2000" dirty="0"/>
+              <a:t>Die Softwarearchitektur ermöglicht es, die Funktionalitäten des Programms beliebig zu erweitern, ohne dass dabei die Komplexität in gleichem Masse zunimmt.</a:t>
+            </a:r>
+          </a:p>
+          <a:p>
+            <a:r>
+              <a:rPr lang="de-CH" sz="2000" dirty="0"/>
+              <a:t>Inhalt, Darstellung und Berechnungsalgorithmen sind im Quellcode wo immer möglich voneinander getrennt. </a:t>
+            </a:r>
+          </a:p>
+          <a:p>
+            <a:r>
+              <a:rPr lang="de-CH" sz="2000" dirty="0"/>
+              <a:t>Für die Darstellung der Bedienoberfläche wird </a:t>
+            </a:r>
+            <a:r>
+              <a:rPr lang="de-CH" sz="2000" dirty="0" smtClean="0"/>
+              <a:t>Java FX </a:t>
+            </a:r>
+            <a:r>
+              <a:rPr lang="de-CH" sz="2000" dirty="0"/>
+              <a:t>verwendet</a:t>
+            </a:r>
+          </a:p>
+          <a:p>
+            <a:r>
+              <a:rPr lang="de-CH" sz="2000" dirty="0" err="1"/>
+              <a:t>Dimensionelle</a:t>
+            </a:r>
+            <a:r>
+              <a:rPr lang="de-CH" sz="2000" dirty="0"/>
+              <a:t> Darstellung der Kurven </a:t>
+            </a:r>
+          </a:p>
+          <a:p>
+            <a:r>
+              <a:rPr lang="de-CH" sz="2000" dirty="0"/>
+              <a:t>das Frequenzverhalten und die Einfügungsverluste von CM und DM des EMI-Filters vorhergesagt werden </a:t>
+            </a:r>
+            <a:r>
+              <a:rPr lang="de-CH" sz="2000" dirty="0" smtClean="0"/>
+              <a:t>können</a:t>
+            </a:r>
+          </a:p>
+          <a:p>
+            <a:endParaRPr lang="de-CH" sz="2000" dirty="0"/>
           </a:p>
         </p:txBody>
       </p:sp>
     </p:spTree>
     <p:extLst>
       <p:ext uri="{BB962C8B-B14F-4D97-AF65-F5344CB8AC3E}">
-        <p14:creationId xmlns:p14="http://schemas.microsoft.com/office/powerpoint/2010/main" val="943333226"/>
+        <p14:creationId xmlns:p14="http://schemas.microsoft.com/office/powerpoint/2010/main" val="2624663887"/>
       </p:ext>
     </p:extLst>
   </p:cSld>
@@ -3939,6 +4546,280 @@
       </p:par>
     </p:tnLst>
   </p:timing>
+</p:sld>
+</file>
+
+<file path=ppt/slides/slide7.xml><?xml version="1.0" encoding="utf-8"?>
+<p:sld xmlns:a="http://schemas.openxmlformats.org/drawingml/2006/main" xmlns:r="http://schemas.openxmlformats.org/officeDocument/2006/relationships" xmlns:p="http://schemas.openxmlformats.org/presentationml/2006/main">
+  <p:cSld>
+    <p:spTree>
+      <p:nvGrpSpPr>
+        <p:cNvPr id="1" name=""/>
+        <p:cNvGrpSpPr/>
+        <p:nvPr/>
+      </p:nvGrpSpPr>
+      <p:grpSpPr>
+        <a:xfrm>
+          <a:off x="0" y="0"/>
+          <a:ext cx="0" cy="0"/>
+          <a:chOff x="0" y="0"/>
+          <a:chExt cx="0" cy="0"/>
+        </a:xfrm>
+      </p:grpSpPr>
+      <p:sp>
+        <p:nvSpPr>
+          <p:cNvPr id="2" name="Titel 1"/>
+          <p:cNvSpPr>
+            <a:spLocks noGrp="1"/>
+          </p:cNvSpPr>
+          <p:nvPr>
+            <p:ph type="title"/>
+          </p:nvPr>
+        </p:nvSpPr>
+        <p:spPr/>
+        <p:txBody>
+          <a:bodyPr/>
+          <a:lstStyle/>
+          <a:p>
+            <a:endParaRPr lang="de-CH"/>
+          </a:p>
+        </p:txBody>
+      </p:sp>
+      <p:sp>
+        <p:nvSpPr>
+          <p:cNvPr id="3" name="Inhaltsplatzhalter 2"/>
+          <p:cNvSpPr>
+            <a:spLocks noGrp="1"/>
+          </p:cNvSpPr>
+          <p:nvPr>
+            <p:ph idx="1"/>
+          </p:nvPr>
+        </p:nvSpPr>
+        <p:spPr/>
+        <p:txBody>
+          <a:bodyPr/>
+          <a:lstStyle/>
+          <a:p>
+            <a:endParaRPr lang="de-CH"/>
+          </a:p>
+        </p:txBody>
+      </p:sp>
+    </p:spTree>
+    <p:extLst>
+      <p:ext uri="{BB962C8B-B14F-4D97-AF65-F5344CB8AC3E}">
+        <p14:creationId xmlns:p14="http://schemas.microsoft.com/office/powerpoint/2010/main" val="944503420"/>
+      </p:ext>
+    </p:extLst>
+  </p:cSld>
+  <p:clrMapOvr>
+    <a:masterClrMapping/>
+  </p:clrMapOvr>
+</p:sld>
+</file>
+
+<file path=ppt/slides/slide8.xml><?xml version="1.0" encoding="utf-8"?>
+<p:sld xmlns:a="http://schemas.openxmlformats.org/drawingml/2006/main" xmlns:r="http://schemas.openxmlformats.org/officeDocument/2006/relationships" xmlns:p="http://schemas.openxmlformats.org/presentationml/2006/main">
+  <p:cSld>
+    <p:spTree>
+      <p:nvGrpSpPr>
+        <p:cNvPr id="1" name=""/>
+        <p:cNvGrpSpPr/>
+        <p:nvPr/>
+      </p:nvGrpSpPr>
+      <p:grpSpPr>
+        <a:xfrm>
+          <a:off x="0" y="0"/>
+          <a:ext cx="0" cy="0"/>
+          <a:chOff x="0" y="0"/>
+          <a:chExt cx="0" cy="0"/>
+        </a:xfrm>
+      </p:grpSpPr>
+      <p:sp>
+        <p:nvSpPr>
+          <p:cNvPr id="2" name="Titel 1"/>
+          <p:cNvSpPr>
+            <a:spLocks noGrp="1"/>
+          </p:cNvSpPr>
+          <p:nvPr>
+            <p:ph type="title"/>
+          </p:nvPr>
+        </p:nvSpPr>
+        <p:spPr/>
+        <p:txBody>
+          <a:bodyPr/>
+          <a:lstStyle/>
+          <a:p>
+            <a:pPr algn="l"/>
+            <a:r>
+              <a:rPr lang="de-CH" dirty="0"/>
+              <a:t>Bedienoberfläche</a:t>
+            </a:r>
+          </a:p>
+        </p:txBody>
+      </p:sp>
+      <p:sp>
+        <p:nvSpPr>
+          <p:cNvPr id="3" name="Inhaltsplatzhalter 2"/>
+          <p:cNvSpPr>
+            <a:spLocks noGrp="1"/>
+          </p:cNvSpPr>
+          <p:nvPr>
+            <p:ph idx="1"/>
+          </p:nvPr>
+        </p:nvSpPr>
+        <p:spPr/>
+        <p:txBody>
+          <a:bodyPr>
+            <a:normAutofit/>
+          </a:bodyPr>
+          <a:lstStyle/>
+          <a:p>
+            <a:r>
+              <a:rPr lang="de-CH" sz="2000" dirty="0" err="1" smtClean="0"/>
+              <a:t>Dimensionelle</a:t>
+            </a:r>
+            <a:r>
+              <a:rPr lang="de-CH" sz="2000" dirty="0" smtClean="0"/>
+              <a:t> </a:t>
+            </a:r>
+            <a:r>
+              <a:rPr lang="de-CH" sz="2000" dirty="0"/>
+              <a:t>Darstellung der </a:t>
+            </a:r>
+            <a:r>
+              <a:rPr lang="de-CH" sz="2000" dirty="0" smtClean="0"/>
+              <a:t>Kurven</a:t>
+            </a:r>
+          </a:p>
+          <a:p>
+            <a:r>
+              <a:rPr lang="de-CH" sz="2000" dirty="0"/>
+              <a:t>Menüleiste mit gröberen Einstellungen und </a:t>
+            </a:r>
+            <a:r>
+              <a:rPr lang="de-CH" sz="2000" dirty="0" smtClean="0"/>
+              <a:t>Funktionen</a:t>
+            </a:r>
+          </a:p>
+          <a:p>
+            <a:r>
+              <a:rPr lang="de-CH" sz="2000" dirty="0"/>
+              <a:t>Werte der parasitären Parameter </a:t>
+            </a:r>
+            <a:endParaRPr lang="de-CH" sz="2000" dirty="0" smtClean="0"/>
+          </a:p>
+          <a:p>
+            <a:r>
+              <a:rPr lang="de-CH" sz="2000" dirty="0"/>
+              <a:t>Graphische Darstellung der Einfügungsverluste in Abhängigkeit der Frequenz (CM, DM) in ein Kurvendiagramm.</a:t>
+            </a:r>
+          </a:p>
+          <a:p>
+            <a:endParaRPr lang="de-CH" sz="2000" dirty="0"/>
+          </a:p>
+        </p:txBody>
+      </p:sp>
+    </p:spTree>
+    <p:extLst>
+      <p:ext uri="{BB962C8B-B14F-4D97-AF65-F5344CB8AC3E}">
+        <p14:creationId xmlns:p14="http://schemas.microsoft.com/office/powerpoint/2010/main" val="3688656022"/>
+      </p:ext>
+    </p:extLst>
+  </p:cSld>
+  <p:clrMapOvr>
+    <a:masterClrMapping/>
+  </p:clrMapOvr>
+</p:sld>
+</file>
+
+<file path=ppt/slides/slide9.xml><?xml version="1.0" encoding="utf-8"?>
+<p:sld xmlns:a="http://schemas.openxmlformats.org/drawingml/2006/main" xmlns:r="http://schemas.openxmlformats.org/officeDocument/2006/relationships" xmlns:p="http://schemas.openxmlformats.org/presentationml/2006/main">
+  <p:cSld>
+    <p:spTree>
+      <p:nvGrpSpPr>
+        <p:cNvPr id="1" name=""/>
+        <p:cNvGrpSpPr/>
+        <p:nvPr/>
+      </p:nvGrpSpPr>
+      <p:grpSpPr>
+        <a:xfrm>
+          <a:off x="0" y="0"/>
+          <a:ext cx="0" cy="0"/>
+          <a:chOff x="0" y="0"/>
+          <a:chExt cx="0" cy="0"/>
+        </a:xfrm>
+      </p:grpSpPr>
+      <p:sp>
+        <p:nvSpPr>
+          <p:cNvPr id="2" name="Titel 1"/>
+          <p:cNvSpPr>
+            <a:spLocks noGrp="1"/>
+          </p:cNvSpPr>
+          <p:nvPr>
+            <p:ph type="title"/>
+          </p:nvPr>
+        </p:nvSpPr>
+        <p:spPr/>
+        <p:txBody>
+          <a:bodyPr/>
+          <a:lstStyle/>
+          <a:p>
+            <a:r>
+              <a:rPr lang="de-CH" dirty="0"/>
+              <a:t>Berechnungen</a:t>
+            </a:r>
+          </a:p>
+        </p:txBody>
+      </p:sp>
+      <p:sp>
+        <p:nvSpPr>
+          <p:cNvPr id="3" name="Inhaltsplatzhalter 2"/>
+          <p:cNvSpPr>
+            <a:spLocks noGrp="1"/>
+          </p:cNvSpPr>
+          <p:nvPr>
+            <p:ph idx="1"/>
+          </p:nvPr>
+        </p:nvSpPr>
+        <p:spPr/>
+        <p:txBody>
+          <a:bodyPr>
+            <a:normAutofit/>
+          </a:bodyPr>
+          <a:lstStyle/>
+          <a:p>
+            <a:r>
+              <a:rPr lang="de-DE" sz="2000" dirty="0"/>
+              <a:t>Berechnungen der Einfügungsverluste sind korrekt</a:t>
+            </a:r>
+          </a:p>
+          <a:p>
+            <a:r>
+              <a:rPr lang="de-DE" sz="2000" dirty="0"/>
+              <a:t>Berechnungen sind schnell (weniger als 1s Wartezeit)</a:t>
+            </a:r>
+          </a:p>
+          <a:p>
+            <a:r>
+              <a:rPr lang="de-DE" sz="2000" dirty="0"/>
+              <a:t>Die Schaltung wird mit den relevanten Bauteilen entsprechend der Aufgabenstellung simuliert.</a:t>
+            </a:r>
+          </a:p>
+          <a:p>
+            <a:endParaRPr lang="de-CH" sz="2000" dirty="0"/>
+          </a:p>
+        </p:txBody>
+      </p:sp>
+    </p:spTree>
+    <p:extLst>
+      <p:ext uri="{BB962C8B-B14F-4D97-AF65-F5344CB8AC3E}">
+        <p14:creationId xmlns:p14="http://schemas.microsoft.com/office/powerpoint/2010/main" val="3621413764"/>
+      </p:ext>
+    </p:extLst>
+  </p:cSld>
+  <p:clrMapOvr>
+    <a:masterClrMapping/>
+  </p:clrMapOvr>
 </p:sld>
 </file>
 

--- a/ZwischenPresäntation.pptx
+++ b/ZwischenPresäntation.pptx
@@ -5,18 +5,20 @@
     <p:sldMasterId id="2147483648" r:id="rId1"/>
   </p:sldMasterIdLst>
   <p:sldIdLst>
-    <p:sldId id="261" r:id="rId2"/>
-    <p:sldId id="256" r:id="rId3"/>
+    <p:sldId id="256" r:id="rId2"/>
+    <p:sldId id="261" r:id="rId3"/>
     <p:sldId id="260" r:id="rId4"/>
     <p:sldId id="259" r:id="rId5"/>
     <p:sldId id="257" r:id="rId6"/>
-    <p:sldId id="262" r:id="rId7"/>
-    <p:sldId id="265" r:id="rId8"/>
-    <p:sldId id="263" r:id="rId9"/>
-    <p:sldId id="264" r:id="rId10"/>
-    <p:sldId id="266" r:id="rId11"/>
-    <p:sldId id="267" r:id="rId12"/>
-    <p:sldId id="268" r:id="rId13"/>
+    <p:sldId id="271" r:id="rId7"/>
+    <p:sldId id="262" r:id="rId8"/>
+    <p:sldId id="265" r:id="rId9"/>
+    <p:sldId id="269" r:id="rId10"/>
+    <p:sldId id="270" r:id="rId11"/>
+    <p:sldId id="264" r:id="rId12"/>
+    <p:sldId id="266" r:id="rId13"/>
+    <p:sldId id="267" r:id="rId14"/>
+    <p:sldId id="268" r:id="rId15"/>
   </p:sldIdLst>
   <p:sldSz cx="9144000" cy="6858000" type="screen4x3"/>
   <p:notesSz cx="6858000" cy="9144000"/>
@@ -306,7 +308,7 @@
           <a:p>
             <a:fld id="{1BA50D42-C9CD-4801-B293-61D1F53EC57E}" type="datetimeFigureOut">
               <a:rPr lang="de-DE" smtClean="0"/>
-              <a:t>04.04.2019</a:t>
+              <a:t>05.04.2019</a:t>
             </a:fld>
             <a:endParaRPr lang="de-DE"/>
           </a:p>
@@ -504,7 +506,7 @@
           <a:p>
             <a:fld id="{1BA50D42-C9CD-4801-B293-61D1F53EC57E}" type="datetimeFigureOut">
               <a:rPr lang="de-DE" smtClean="0"/>
-              <a:t>04.04.2019</a:t>
+              <a:t>05.04.2019</a:t>
             </a:fld>
             <a:endParaRPr lang="de-DE"/>
           </a:p>
@@ -679,7 +681,7 @@
           <a:p>
             <a:fld id="{1BA50D42-C9CD-4801-B293-61D1F53EC57E}" type="datetimeFigureOut">
               <a:rPr lang="de-DE" smtClean="0"/>
-              <a:t>04.04.2019</a:t>
+              <a:t>05.04.2019</a:t>
             </a:fld>
             <a:endParaRPr lang="de-DE"/>
           </a:p>
@@ -884,7 +886,7 @@
           <a:p>
             <a:fld id="{1BA50D42-C9CD-4801-B293-61D1F53EC57E}" type="datetimeFigureOut">
               <a:rPr lang="de-DE" smtClean="0"/>
-              <a:t>04.04.2019</a:t>
+              <a:t>05.04.2019</a:t>
             </a:fld>
             <a:endParaRPr lang="de-DE"/>
           </a:p>
@@ -1125,7 +1127,7 @@
           <a:p>
             <a:fld id="{1BA50D42-C9CD-4801-B293-61D1F53EC57E}" type="datetimeFigureOut">
               <a:rPr lang="de-DE" smtClean="0"/>
-              <a:t>04.04.2019</a:t>
+              <a:t>05.04.2019</a:t>
             </a:fld>
             <a:endParaRPr lang="de-DE"/>
           </a:p>
@@ -1408,7 +1410,7 @@
           <a:p>
             <a:fld id="{1BA50D42-C9CD-4801-B293-61D1F53EC57E}" type="datetimeFigureOut">
               <a:rPr lang="de-DE" smtClean="0"/>
-              <a:t>04.04.2019</a:t>
+              <a:t>05.04.2019</a:t>
             </a:fld>
             <a:endParaRPr lang="de-DE"/>
           </a:p>
@@ -1825,7 +1827,7 @@
           <a:p>
             <a:fld id="{1BA50D42-C9CD-4801-B293-61D1F53EC57E}" type="datetimeFigureOut">
               <a:rPr lang="de-DE" smtClean="0"/>
-              <a:t>04.04.2019</a:t>
+              <a:t>05.04.2019</a:t>
             </a:fld>
             <a:endParaRPr lang="de-DE"/>
           </a:p>
@@ -1938,7 +1940,7 @@
           <a:p>
             <a:fld id="{1BA50D42-C9CD-4801-B293-61D1F53EC57E}" type="datetimeFigureOut">
               <a:rPr lang="de-DE" smtClean="0"/>
-              <a:t>04.04.2019</a:t>
+              <a:t>05.04.2019</a:t>
             </a:fld>
             <a:endParaRPr lang="de-DE"/>
           </a:p>
@@ -2028,7 +2030,7 @@
           <a:p>
             <a:fld id="{1BA50D42-C9CD-4801-B293-61D1F53EC57E}" type="datetimeFigureOut">
               <a:rPr lang="de-DE" smtClean="0"/>
-              <a:t>04.04.2019</a:t>
+              <a:t>05.04.2019</a:t>
             </a:fld>
             <a:endParaRPr lang="de-DE"/>
           </a:p>
@@ -2300,7 +2302,7 @@
           <a:p>
             <a:fld id="{1BA50D42-C9CD-4801-B293-61D1F53EC57E}" type="datetimeFigureOut">
               <a:rPr lang="de-DE" smtClean="0"/>
-              <a:t>04.04.2019</a:t>
+              <a:t>05.04.2019</a:t>
             </a:fld>
             <a:endParaRPr lang="de-DE"/>
           </a:p>
@@ -2548,7 +2550,7 @@
           <a:p>
             <a:fld id="{1BA50D42-C9CD-4801-B293-61D1F53EC57E}" type="datetimeFigureOut">
               <a:rPr lang="de-DE" smtClean="0"/>
-              <a:t>04.04.2019</a:t>
+              <a:t>05.04.2019</a:t>
             </a:fld>
             <a:endParaRPr lang="de-DE"/>
           </a:p>
@@ -2756,7 +2758,7 @@
           <a:p>
             <a:fld id="{1BA50D42-C9CD-4801-B293-61D1F53EC57E}" type="datetimeFigureOut">
               <a:rPr lang="de-DE" smtClean="0"/>
-              <a:t>04.04.2019</a:t>
+              <a:t>05.04.2019</a:t>
             </a:fld>
             <a:endParaRPr lang="de-DE"/>
           </a:p>
@@ -3128,7 +3130,7 @@
       </p:grpSpPr>
       <p:sp>
         <p:nvSpPr>
-          <p:cNvPr id="5" name="Titel 4"/>
+          <p:cNvPr id="2" name="Titel 1"/>
           <p:cNvSpPr>
             <a:spLocks noGrp="1"/>
           </p:cNvSpPr>
@@ -3136,17 +3138,43 @@
             <p:ph type="ctrTitle"/>
           </p:nvPr>
         </p:nvSpPr>
-        <p:spPr/>
-        <p:txBody>
-          <a:bodyPr/>
-          <a:lstStyle/>
-          <a:p>
-            <a:r>
-              <a:rPr lang="de-CH" dirty="0" smtClean="0"/>
-              <a:t>Gliederung </a:t>
+        <p:spPr>
+          <a:xfrm>
+            <a:off x="899592" y="1052736"/>
+            <a:ext cx="7556376" cy="1800200"/>
+          </a:xfrm>
+        </p:spPr>
+        <p:txBody>
+          <a:bodyPr>
+            <a:normAutofit fontScale="90000"/>
+          </a:bodyPr>
+          <a:lstStyle/>
+          <a:p>
+            <a:r>
+              <a:rPr lang="de-CH" b="1" dirty="0"/>
+              <a:t> «DJ» EMI Filter für </a:t>
+            </a:r>
+            <a:r>
+              <a:rPr lang="de-CH" b="1" dirty="0" smtClean="0"/>
+              <a:t>Netzteil</a:t>
+            </a:r>
+            <a:r>
+              <a:rPr lang="de-CH" b="1" dirty="0"/>
+              <a:t> </a:t>
+            </a:r>
+            <a:r>
+              <a:rPr lang="de-CH" dirty="0"/>
+              <a:t/>
             </a:r>
             <a:br>
-              <a:rPr lang="de-CH" dirty="0" smtClean="0"/>
+              <a:rPr lang="de-CH" dirty="0"/>
+            </a:br>
+            <a:r>
+              <a:rPr lang="de-CH" dirty="0"/>
+              <a:t>Pro2E - Team 5</a:t>
+            </a:r>
+            <a:br>
+              <a:rPr lang="de-CH" dirty="0"/>
             </a:br>
             <a:endParaRPr lang="de-CH" dirty="0"/>
           </a:p>
@@ -3154,37 +3182,421 @@
       </p:sp>
       <p:sp>
         <p:nvSpPr>
-          <p:cNvPr id="6" name="Untertitel 5"/>
-          <p:cNvSpPr>
-            <a:spLocks noGrp="1"/>
-          </p:cNvSpPr>
-          <p:nvPr>
-            <p:ph type="subTitle" idx="1"/>
-          </p:nvPr>
-        </p:nvSpPr>
-        <p:spPr/>
-        <p:txBody>
-          <a:bodyPr/>
-          <a:lstStyle/>
-          <a:p>
-            <a:endParaRPr lang="de-CH" dirty="0"/>
+          <p:cNvPr id="3" name="Textfeld 2"/>
+          <p:cNvSpPr txBox="1"/>
+          <p:nvPr/>
+        </p:nvSpPr>
+        <p:spPr>
+          <a:xfrm>
+            <a:off x="3275856" y="2723278"/>
+            <a:ext cx="2880320" cy="369332"/>
+          </a:xfrm>
+          <a:prstGeom prst="rect">
+            <a:avLst/>
+          </a:prstGeom>
+          <a:noFill/>
+        </p:spPr>
+        <p:txBody>
+          <a:bodyPr wrap="square" rtlCol="0">
+            <a:spAutoFit/>
+          </a:bodyPr>
+          <a:lstStyle/>
+          <a:p>
+            <a:r>
+              <a:rPr lang="en-ZA" dirty="0" smtClean="0">
+                <a:solidFill>
+                  <a:schemeClr val="accent2"/>
+                </a:solidFill>
+              </a:rPr>
+              <a:t>Unser </a:t>
+            </a:r>
+            <a:r>
+              <a:rPr lang="en-ZA" dirty="0" err="1" smtClean="0">
+                <a:solidFill>
+                  <a:schemeClr val="accent2"/>
+                </a:solidFill>
+              </a:rPr>
+              <a:t>Titelbild</a:t>
+            </a:r>
+            <a:r>
+              <a:rPr lang="en-ZA" dirty="0" smtClean="0">
+                <a:solidFill>
+                  <a:schemeClr val="accent2"/>
+                </a:solidFill>
+              </a:rPr>
+              <a:t> * von Frank * </a:t>
+            </a:r>
+            <a:endParaRPr lang="de-CH" dirty="0">
+              <a:solidFill>
+                <a:schemeClr val="accent2"/>
+              </a:solidFill>
+            </a:endParaRPr>
           </a:p>
         </p:txBody>
       </p:sp>
     </p:spTree>
     <p:extLst>
       <p:ext uri="{BB962C8B-B14F-4D97-AF65-F5344CB8AC3E}">
-        <p14:creationId xmlns:p14="http://schemas.microsoft.com/office/powerpoint/2010/main" val="364089095"/>
+        <p14:creationId xmlns:p14="http://schemas.microsoft.com/office/powerpoint/2010/main" val="1860435246"/>
       </p:ext>
     </p:extLst>
   </p:cSld>
   <p:clrMapOvr>
     <a:masterClrMapping/>
   </p:clrMapOvr>
+  <p:timing>
+    <p:tnLst>
+      <p:par>
+        <p:cTn id="1" dur="indefinite" restart="never" nodeType="tmRoot"/>
+      </p:par>
+    </p:tnLst>
+  </p:timing>
 </p:sld>
 </file>
 
 <file path=ppt/slides/slide10.xml><?xml version="1.0" encoding="utf-8"?>
+<p:sld xmlns:a="http://schemas.openxmlformats.org/drawingml/2006/main" xmlns:r="http://schemas.openxmlformats.org/officeDocument/2006/relationships" xmlns:p="http://schemas.openxmlformats.org/presentationml/2006/main">
+  <p:cSld>
+    <p:spTree>
+      <p:nvGrpSpPr>
+        <p:cNvPr id="1" name=""/>
+        <p:cNvGrpSpPr/>
+        <p:nvPr/>
+      </p:nvGrpSpPr>
+      <p:grpSpPr>
+        <a:xfrm>
+          <a:off x="0" y="0"/>
+          <a:ext cx="0" cy="0"/>
+          <a:chOff x="0" y="0"/>
+          <a:chExt cx="0" cy="0"/>
+        </a:xfrm>
+      </p:grpSpPr>
+      <p:sp>
+        <p:nvSpPr>
+          <p:cNvPr id="5" name="Rectangle 1"/>
+          <p:cNvSpPr>
+            <a:spLocks noGrp="1" noChangeArrowheads="1"/>
+          </p:cNvSpPr>
+          <p:nvPr>
+            <p:ph type="title"/>
+          </p:nvPr>
+        </p:nvSpPr>
+        <p:spPr bwMode="auto">
+          <a:xfrm>
+            <a:off x="539552" y="476672"/>
+            <a:ext cx="3744416" cy="677108"/>
+          </a:xfrm>
+          <a:prstGeom prst="rect">
+            <a:avLst/>
+          </a:prstGeom>
+          <a:noFill/>
+          <a:ln>
+            <a:noFill/>
+          </a:ln>
+          <a:effectLst/>
+          <a:extLst>
+            <a:ext uri="{909E8E84-426E-40DD-AFC4-6F175D3DCCD1}">
+              <a14:hiddenFill xmlns:a14="http://schemas.microsoft.com/office/drawing/2010/main">
+                <a:solidFill>
+                  <a:schemeClr val="accent1"/>
+                </a:solidFill>
+              </a14:hiddenFill>
+            </a:ext>
+            <a:ext uri="{91240B29-F687-4F45-9708-019B960494DF}">
+              <a14:hiddenLine xmlns:a14="http://schemas.microsoft.com/office/drawing/2010/main" w="9525">
+                <a:solidFill>
+                  <a:schemeClr val="tx1"/>
+                </a:solidFill>
+                <a:miter lim="800000"/>
+                <a:headEnd/>
+                <a:tailEnd/>
+              </a14:hiddenLine>
+            </a:ext>
+            <a:ext uri="{AF507438-7753-43E0-B8FC-AC1667EBCBE1}">
+              <a14:hiddenEffects xmlns:a14="http://schemas.microsoft.com/office/drawing/2010/main">
+                <a:effectLst>
+                  <a:outerShdw dist="35921" dir="2700000" algn="ctr" rotWithShape="0">
+                    <a:schemeClr val="bg2"/>
+                  </a:outerShdw>
+                </a:effectLst>
+              </a14:hiddenEffects>
+            </a:ext>
+          </a:extLst>
+        </p:spPr>
+        <p:txBody>
+          <a:bodyPr vert="horz" wrap="square" lIns="91440" tIns="45720" rIns="91440" bIns="45720" numCol="1" anchor="ctr" anchorCtr="0" compatLnSpc="1">
+            <a:prstTxWarp prst="textNoShape">
+              <a:avLst/>
+            </a:prstTxWarp>
+            <a:spAutoFit/>
+          </a:bodyPr>
+          <a:lstStyle/>
+          <a:p>
+            <a:pPr lvl="1" algn="ctr" rtl="0">
+              <a:spcBef>
+                <a:spcPct val="0"/>
+              </a:spcBef>
+            </a:pPr>
+            <a:r>
+              <a:rPr lang="de-CH" sz="2000" b="1" dirty="0" smtClean="0">
+                <a:solidFill>
+                  <a:schemeClr val="tx2">
+                    <a:lumMod val="60000"/>
+                    <a:lumOff val="40000"/>
+                  </a:schemeClr>
+                </a:solidFill>
+                <a:effectLst/>
+              </a:rPr>
+              <a:t>Programmablauf</a:t>
+            </a:r>
+            <a:r>
+              <a:rPr lang="de-CH" sz="1100" b="1" dirty="0" smtClean="0">
+                <a:effectLst/>
+                <a:latin typeface="Arial"/>
+                <a:ea typeface="Times New Roman"/>
+                <a:cs typeface="Times New Roman"/>
+              </a:rPr>
+              <a:t/>
+            </a:r>
+            <a:br>
+              <a:rPr lang="de-CH" sz="1100" b="1" dirty="0" smtClean="0">
+                <a:effectLst/>
+                <a:latin typeface="Arial"/>
+                <a:ea typeface="Times New Roman"/>
+                <a:cs typeface="Times New Roman"/>
+              </a:rPr>
+            </a:br>
+            <a:endParaRPr lang="de-CH" dirty="0"/>
+          </a:p>
+        </p:txBody>
+      </p:sp>
+      <p:pic>
+        <p:nvPicPr>
+          <p:cNvPr id="7" name="Picture 13"/>
+          <p:cNvPicPr>
+            <a:picLocks noGrp="1"/>
+          </p:cNvPicPr>
+          <p:nvPr>
+            <p:ph idx="1"/>
+          </p:nvPr>
+        </p:nvPicPr>
+        <p:blipFill>
+          <a:blip r:embed="rId2" cstate="print">
+            <a:extLst>
+              <a:ext uri="{28A0092B-C50C-407E-A947-70E740481C1C}">
+                <a14:useLocalDpi xmlns:a14="http://schemas.microsoft.com/office/drawing/2010/main" val="0"/>
+              </a:ext>
+            </a:extLst>
+          </a:blip>
+          <a:stretch>
+            <a:fillRect/>
+          </a:stretch>
+        </p:blipFill>
+        <p:spPr>
+          <a:xfrm>
+            <a:off x="2051720" y="1340768"/>
+            <a:ext cx="4639161" cy="2757611"/>
+          </a:xfrm>
+          <a:prstGeom prst="rect">
+            <a:avLst/>
+          </a:prstGeom>
+        </p:spPr>
+      </p:pic>
+      <p:sp>
+        <p:nvSpPr>
+          <p:cNvPr id="8" name="Rechteck 7"/>
+          <p:cNvSpPr/>
+          <p:nvPr/>
+        </p:nvSpPr>
+        <p:spPr>
+          <a:xfrm>
+            <a:off x="683568" y="4797152"/>
+            <a:ext cx="7632848" cy="1323439"/>
+          </a:xfrm>
+          <a:prstGeom prst="rect">
+            <a:avLst/>
+          </a:prstGeom>
+        </p:spPr>
+        <p:txBody>
+          <a:bodyPr wrap="square">
+            <a:spAutoFit/>
+          </a:bodyPr>
+          <a:lstStyle/>
+          <a:p>
+            <a:r>
+              <a:rPr lang="de-CH" sz="2000" b="1" dirty="0">
+                <a:solidFill>
+                  <a:schemeClr val="tx2">
+                    <a:lumMod val="60000"/>
+                    <a:lumOff val="40000"/>
+                  </a:schemeClr>
+                </a:solidFill>
+              </a:rPr>
+              <a:t>Durch Verändern der parasitären Parameter wird das Neuzeichnen der Kurven ausgelöst. Durch Verwendung verschiedener Farben in den Kurvendiagrammen könnten optimale Einstellungen hervorgehoben und von suboptimalen unterschieden werden. </a:t>
+            </a:r>
+          </a:p>
+        </p:txBody>
+      </p:sp>
+      <p:sp>
+        <p:nvSpPr>
+          <p:cNvPr id="10" name="Rechteck 9"/>
+          <p:cNvSpPr/>
+          <p:nvPr/>
+        </p:nvSpPr>
+        <p:spPr>
+          <a:xfrm>
+            <a:off x="2051720" y="4077072"/>
+            <a:ext cx="2494594" cy="261610"/>
+          </a:xfrm>
+          <a:prstGeom prst="rect">
+            <a:avLst/>
+          </a:prstGeom>
+        </p:spPr>
+        <p:txBody>
+          <a:bodyPr wrap="none">
+            <a:spAutoFit/>
+          </a:bodyPr>
+          <a:lstStyle/>
+          <a:p>
+            <a:r>
+              <a:rPr lang="de-DE" sz="1100" dirty="0"/>
+              <a:t>Abbildung 12: Anpassung der Parameter</a:t>
+            </a:r>
+            <a:endParaRPr lang="de-CH" sz="1100" dirty="0"/>
+          </a:p>
+        </p:txBody>
+      </p:sp>
+    </p:spTree>
+    <p:extLst>
+      <p:ext uri="{BB962C8B-B14F-4D97-AF65-F5344CB8AC3E}">
+        <p14:creationId xmlns:p14="http://schemas.microsoft.com/office/powerpoint/2010/main" val="610452915"/>
+      </p:ext>
+    </p:extLst>
+  </p:cSld>
+  <p:clrMapOvr>
+    <a:masterClrMapping/>
+  </p:clrMapOvr>
+  <p:timing>
+    <p:tnLst>
+      <p:par>
+        <p:cTn id="1" dur="indefinite" restart="never" nodeType="tmRoot"/>
+      </p:par>
+    </p:tnLst>
+  </p:timing>
+</p:sld>
+</file>
+
+<file path=ppt/slides/slide11.xml><?xml version="1.0" encoding="utf-8"?>
+<p:sld xmlns:a="http://schemas.openxmlformats.org/drawingml/2006/main" xmlns:r="http://schemas.openxmlformats.org/officeDocument/2006/relationships" xmlns:p="http://schemas.openxmlformats.org/presentationml/2006/main">
+  <p:cSld>
+    <p:spTree>
+      <p:nvGrpSpPr>
+        <p:cNvPr id="1" name=""/>
+        <p:cNvGrpSpPr/>
+        <p:nvPr/>
+      </p:nvGrpSpPr>
+      <p:grpSpPr>
+        <a:xfrm>
+          <a:off x="0" y="0"/>
+          <a:ext cx="0" cy="0"/>
+          <a:chOff x="0" y="0"/>
+          <a:chExt cx="0" cy="0"/>
+        </a:xfrm>
+      </p:grpSpPr>
+      <p:sp>
+        <p:nvSpPr>
+          <p:cNvPr id="2" name="Titel 1"/>
+          <p:cNvSpPr>
+            <a:spLocks noGrp="1"/>
+          </p:cNvSpPr>
+          <p:nvPr>
+            <p:ph type="title"/>
+          </p:nvPr>
+        </p:nvSpPr>
+        <p:spPr/>
+        <p:txBody>
+          <a:bodyPr/>
+          <a:lstStyle/>
+          <a:p>
+            <a:r>
+              <a:rPr lang="de-CH" dirty="0"/>
+              <a:t>Berechnungen</a:t>
+            </a:r>
+          </a:p>
+        </p:txBody>
+      </p:sp>
+      <p:sp>
+        <p:nvSpPr>
+          <p:cNvPr id="3" name="Inhaltsplatzhalter 2"/>
+          <p:cNvSpPr>
+            <a:spLocks noGrp="1"/>
+          </p:cNvSpPr>
+          <p:nvPr>
+            <p:ph idx="1"/>
+          </p:nvPr>
+        </p:nvSpPr>
+        <p:spPr/>
+        <p:txBody>
+          <a:bodyPr>
+            <a:normAutofit/>
+          </a:bodyPr>
+          <a:lstStyle/>
+          <a:p>
+            <a:r>
+              <a:rPr lang="de-DE" sz="2000" dirty="0" smtClean="0"/>
+              <a:t>Die Berechnungen </a:t>
+            </a:r>
+            <a:r>
+              <a:rPr lang="de-DE" sz="2000" dirty="0"/>
+              <a:t>der Einfügungsverluste sind korrekt</a:t>
+            </a:r>
+          </a:p>
+          <a:p>
+            <a:r>
+              <a:rPr lang="de-DE" sz="2000" dirty="0"/>
+              <a:t>Die </a:t>
+            </a:r>
+            <a:r>
+              <a:rPr lang="de-DE" sz="2000" dirty="0" smtClean="0"/>
+              <a:t>Berechnungen </a:t>
+            </a:r>
+            <a:r>
+              <a:rPr lang="de-DE" sz="2000" dirty="0"/>
+              <a:t>sind schnell (weniger als 1s Wartezeit)</a:t>
+            </a:r>
+          </a:p>
+          <a:p>
+            <a:r>
+              <a:rPr lang="de-DE" sz="2000" dirty="0"/>
+              <a:t>Die Schaltung wird mit den relevanten Bauteilen entsprechend der Aufgabenstellung simuliert.</a:t>
+            </a:r>
+          </a:p>
+          <a:p>
+            <a:endParaRPr lang="de-CH" sz="2000" dirty="0"/>
+          </a:p>
+        </p:txBody>
+      </p:sp>
+    </p:spTree>
+    <p:extLst>
+      <p:ext uri="{BB962C8B-B14F-4D97-AF65-F5344CB8AC3E}">
+        <p14:creationId xmlns:p14="http://schemas.microsoft.com/office/powerpoint/2010/main" val="3621413764"/>
+      </p:ext>
+    </p:extLst>
+  </p:cSld>
+  <p:clrMapOvr>
+    <a:masterClrMapping/>
+  </p:clrMapOvr>
+  <p:timing>
+    <p:tnLst>
+      <p:par>
+        <p:cTn id="1" dur="indefinite" restart="never" nodeType="tmRoot"/>
+      </p:par>
+    </p:tnLst>
+  </p:timing>
+</p:sld>
+</file>
+
+<file path=ppt/slides/slide12.xml><?xml version="1.0" encoding="utf-8"?>
 <p:sld xmlns:a="http://schemas.openxmlformats.org/drawingml/2006/main" xmlns:r="http://schemas.openxmlformats.org/officeDocument/2006/relationships" xmlns:p="http://schemas.openxmlformats.org/presentationml/2006/main">
   <p:cSld>
     <p:spTree>
@@ -3222,7 +3634,15 @@
               <a:p>
                 <a:pPr algn="l"/>
                 <a:r>
-                  <a:rPr lang="de-CH" sz="1800" dirty="0">
+                  <a:rPr lang="de-CH" sz="1800" dirty="0" smtClean="0">
+                    <a:latin typeface="Arial"/>
+                    <a:ea typeface="Times New Roman"/>
+                    <a:cs typeface="Arial"/>
+                  </a:rPr>
+                  <a:t>- </a:t>
+                </a:r>
+                <a:r>
+                  <a:rPr lang="de-CH" sz="1800" dirty="0" smtClean="0">
                     <a:latin typeface="Arial"/>
                     <a:ea typeface="Times New Roman"/>
                     <a:cs typeface="Arial"/>
@@ -3501,10 +3921,17 @@
   <p:clrMapOvr>
     <a:masterClrMapping/>
   </p:clrMapOvr>
+  <p:timing>
+    <p:tnLst>
+      <p:par>
+        <p:cTn id="1" dur="indefinite" restart="never" nodeType="tmRoot"/>
+      </p:par>
+    </p:tnLst>
+  </p:timing>
 </p:sld>
 </file>
 
-<file path=ppt/slides/slide11.xml><?xml version="1.0" encoding="utf-8"?>
+<file path=ppt/slides/slide13.xml><?xml version="1.0" encoding="utf-8"?>
 <p:sld xmlns:a="http://schemas.openxmlformats.org/drawingml/2006/main" xmlns:r="http://schemas.openxmlformats.org/officeDocument/2006/relationships" xmlns:p="http://schemas.openxmlformats.org/presentationml/2006/main">
   <p:cSld>
     <p:spTree>
@@ -3589,10 +4016,17 @@
   <p:clrMapOvr>
     <a:masterClrMapping/>
   </p:clrMapOvr>
+  <p:timing>
+    <p:tnLst>
+      <p:par>
+        <p:cTn id="1" dur="indefinite" restart="never" nodeType="tmRoot"/>
+      </p:par>
+    </p:tnLst>
+  </p:timing>
 </p:sld>
 </file>
 
-<file path=ppt/slides/slide12.xml><?xml version="1.0" encoding="utf-8"?>
+<file path=ppt/slides/slide14.xml><?xml version="1.0" encoding="utf-8"?>
 <p:sld xmlns:a="http://schemas.openxmlformats.org/drawingml/2006/main" xmlns:r="http://schemas.openxmlformats.org/officeDocument/2006/relationships" xmlns:p="http://schemas.openxmlformats.org/presentationml/2006/main">
   <p:cSld>
     <p:spTree>
@@ -3657,6 +4091,13 @@
   <p:clrMapOvr>
     <a:masterClrMapping/>
   </p:clrMapOvr>
+  <p:timing>
+    <p:tnLst>
+      <p:par>
+        <p:cTn id="1" dur="indefinite" restart="never" nodeType="tmRoot"/>
+      </p:par>
+    </p:tnLst>
+  </p:timing>
 </p:sld>
 </file>
 
@@ -3679,7 +4120,7 @@
       </p:grpSpPr>
       <p:sp>
         <p:nvSpPr>
-          <p:cNvPr id="2" name="Titel 1"/>
+          <p:cNvPr id="5" name="Titel 4"/>
           <p:cNvSpPr>
             <a:spLocks noGrp="1"/>
           </p:cNvSpPr>
@@ -3689,8 +4130,8 @@
         </p:nvSpPr>
         <p:spPr>
           <a:xfrm>
-            <a:off x="899592" y="1062597"/>
-            <a:ext cx="7556376" cy="1368152"/>
+            <a:off x="685800" y="1268760"/>
+            <a:ext cx="7772400" cy="4752527"/>
           </a:xfrm>
         </p:spPr>
         <p:txBody>
@@ -3700,17 +4141,12 @@
           <a:lstStyle/>
           <a:p>
             <a:r>
-              <a:rPr lang="de-CH" b="1" dirty="0"/>
-              <a:t> «DJ» EMI Filter für </a:t>
-            </a:r>
-            <a:r>
-              <a:rPr lang="de-CH" b="1" dirty="0" smtClean="0"/>
-              <a:t>Netzteil</a:t>
-            </a:r>
-            <a:r>
-              <a:rPr lang="de-CH" b="1" dirty="0"/>
-              <a:t> </a:t>
-            </a:r>
+              <a:rPr lang="de-CH" dirty="0" smtClean="0"/>
+              <a:t/>
+            </a:r>
+            <a:br>
+              <a:rPr lang="de-CH" dirty="0" smtClean="0"/>
+            </a:br>
             <a:r>
               <a:rPr lang="de-CH" dirty="0"/>
               <a:t/>
@@ -3719,12 +4155,72 @@
               <a:rPr lang="de-CH" dirty="0"/>
             </a:br>
             <a:r>
+              <a:rPr lang="de-CH" dirty="0" smtClean="0"/>
+              <a:t/>
+            </a:r>
+            <a:br>
+              <a:rPr lang="de-CH" dirty="0" smtClean="0"/>
+            </a:br>
+            <a:r>
               <a:rPr lang="de-CH" dirty="0"/>
-              <a:t>Pro2E - Team 5</a:t>
+              <a:t/>
             </a:r>
             <a:br>
               <a:rPr lang="de-CH" dirty="0"/>
             </a:br>
+            <a:r>
+              <a:rPr lang="de-CH" dirty="0" smtClean="0"/>
+              <a:t>Gliederung </a:t>
+            </a:r>
+            <a:r>
+              <a:rPr lang="de-CH" dirty="0" smtClean="0"/>
+              <a:t/>
+            </a:r>
+            <a:br>
+              <a:rPr lang="de-CH" dirty="0" smtClean="0"/>
+            </a:br>
+            <a:r>
+              <a:rPr lang="de-CH" dirty="0" smtClean="0"/>
+              <a:t>- Die Einleitung</a:t>
+            </a:r>
+            <a:br>
+              <a:rPr lang="de-CH" dirty="0" smtClean="0"/>
+            </a:br>
+            <a:r>
+              <a:rPr lang="de-CH" dirty="0" smtClean="0"/>
+              <a:t>- Die Projektziele</a:t>
+            </a:r>
+            <a:br>
+              <a:rPr lang="de-CH" dirty="0" smtClean="0"/>
+            </a:br>
+            <a:r>
+              <a:rPr lang="de-CH" dirty="0" smtClean="0"/>
+              <a:t>- Die Bedienoberfläche </a:t>
+            </a:r>
+            <a:br>
+              <a:rPr lang="de-CH" dirty="0" smtClean="0"/>
+            </a:br>
+            <a:r>
+              <a:rPr lang="de-CH" dirty="0" smtClean="0"/>
+              <a:t>Das Software Programm</a:t>
+            </a:r>
+            <a:br>
+              <a:rPr lang="de-CH" dirty="0" smtClean="0"/>
+            </a:br>
+            <a:r>
+              <a:rPr lang="de-CH" dirty="0" smtClean="0"/>
+              <a:t>- </a:t>
+            </a:r>
+            <a:br>
+              <a:rPr lang="de-CH" dirty="0" smtClean="0"/>
+            </a:br>
+            <a:r>
+              <a:rPr lang="de-CH" dirty="0" smtClean="0"/>
+              <a:t>-  </a:t>
+            </a:r>
+            <a:br>
+              <a:rPr lang="de-CH" dirty="0" smtClean="0"/>
+            </a:br>
             <a:endParaRPr lang="de-CH" dirty="0"/>
           </a:p>
         </p:txBody>
@@ -3732,7 +4228,7 @@
     </p:spTree>
     <p:extLst>
       <p:ext uri="{BB962C8B-B14F-4D97-AF65-F5344CB8AC3E}">
-        <p14:creationId xmlns:p14="http://schemas.microsoft.com/office/powerpoint/2010/main" val="1860435246"/>
+        <p14:creationId xmlns:p14="http://schemas.microsoft.com/office/powerpoint/2010/main" val="364089095"/>
       </p:ext>
     </p:extLst>
   </p:cSld>
@@ -4438,11 +4934,11 @@
           <a:bodyPr/>
           <a:lstStyle/>
           <a:p>
-            <a:r>
-              <a:rPr lang="de-CH" dirty="0" smtClean="0"/>
-              <a:t>Software </a:t>
-            </a:r>
-            <a:endParaRPr lang="de-CH" dirty="0"/>
+            <a:pPr algn="l"/>
+            <a:r>
+              <a:rPr lang="de-CH" dirty="0"/>
+              <a:t>Bedienoberfläche</a:t>
+            </a:r>
           </a:p>
         </p:txBody>
       </p:sp>
@@ -4464,64 +4960,43 @@
           <a:lstStyle/>
           <a:p>
             <a:r>
+              <a:rPr lang="de-CH" sz="2000" dirty="0" err="1" smtClean="0"/>
+              <a:t>Dimensionelle</a:t>
+            </a:r>
+            <a:r>
               <a:rPr lang="de-CH" sz="2000" dirty="0" smtClean="0"/>
-              <a:t>Java Version JDK11</a:t>
-            </a:r>
-          </a:p>
-          <a:p>
+              <a:t> </a:t>
+            </a:r>
             <a:r>
               <a:rPr lang="de-CH" sz="2000" dirty="0"/>
-              <a:t>Software ist in der MVC Architektur </a:t>
+              <a:t>Darstellung der </a:t>
             </a:r>
             <a:r>
               <a:rPr lang="de-CH" sz="2000" dirty="0" smtClean="0"/>
-              <a:t>realisiert</a:t>
+              <a:t>Kurven</a:t>
             </a:r>
           </a:p>
           <a:p>
             <a:r>
               <a:rPr lang="de-CH" sz="2000" dirty="0"/>
-              <a:t>Die Softwarearchitektur ermöglicht es, die Funktionalitäten des Programms beliebig zu erweitern, ohne dass dabei die Komplexität in gleichem Masse zunimmt.</a:t>
+              <a:t>Menüleiste mit gröberen Einstellungen und </a:t>
+            </a:r>
+            <a:r>
+              <a:rPr lang="de-CH" sz="2000" dirty="0" smtClean="0"/>
+              <a:t>Funktionen</a:t>
             </a:r>
           </a:p>
           <a:p>
             <a:r>
               <a:rPr lang="de-CH" sz="2000" dirty="0"/>
-              <a:t>Inhalt, Darstellung und Berechnungsalgorithmen sind im Quellcode wo immer möglich voneinander getrennt. </a:t>
-            </a:r>
+              <a:t>Werte der parasitären Parameter </a:t>
+            </a:r>
+            <a:endParaRPr lang="de-CH" sz="2000" dirty="0" smtClean="0"/>
           </a:p>
           <a:p>
             <a:r>
               <a:rPr lang="de-CH" sz="2000" dirty="0"/>
-              <a:t>Für die Darstellung der Bedienoberfläche wird </a:t>
-            </a:r>
-            <a:r>
-              <a:rPr lang="de-CH" sz="2000" dirty="0" smtClean="0"/>
-              <a:t>Java FX </a:t>
-            </a:r>
-            <a:r>
-              <a:rPr lang="de-CH" sz="2000" dirty="0"/>
-              <a:t>verwendet</a:t>
-            </a:r>
-          </a:p>
-          <a:p>
-            <a:r>
-              <a:rPr lang="de-CH" sz="2000" dirty="0" err="1"/>
-              <a:t>Dimensionelle</a:t>
-            </a:r>
-            <a:r>
-              <a:rPr lang="de-CH" sz="2000" dirty="0"/>
-              <a:t> Darstellung der Kurven </a:t>
-            </a:r>
-          </a:p>
-          <a:p>
-            <a:r>
-              <a:rPr lang="de-CH" sz="2000" dirty="0"/>
-              <a:t>das Frequenzverhalten und die Einfügungsverluste von CM und DM des EMI-Filters vorhergesagt werden </a:t>
-            </a:r>
-            <a:r>
-              <a:rPr lang="de-CH" sz="2000" dirty="0" smtClean="0"/>
-              <a:t>können</a:t>
+              <a:t>Graphische Darstellung der Einfügungsverluste in Abhängigkeit der Frequenz (CM, DM) in ein Kurvendiagramm.</a:t>
             </a:r>
           </a:p>
           <a:p>
@@ -4532,7 +5007,7 @@
     </p:spTree>
     <p:extLst>
       <p:ext uri="{BB962C8B-B14F-4D97-AF65-F5344CB8AC3E}">
-        <p14:creationId xmlns:p14="http://schemas.microsoft.com/office/powerpoint/2010/main" val="2624663887"/>
+        <p14:creationId xmlns:p14="http://schemas.microsoft.com/office/powerpoint/2010/main" val="1292541428"/>
       </p:ext>
     </p:extLst>
   </p:cSld>
@@ -4581,7 +5056,11 @@
           <a:bodyPr/>
           <a:lstStyle/>
           <a:p>
-            <a:endParaRPr lang="de-CH"/>
+            <a:r>
+              <a:rPr lang="de-CH" dirty="0" smtClean="0"/>
+              <a:t>Software </a:t>
+            </a:r>
+            <a:endParaRPr lang="de-CH" dirty="0"/>
           </a:p>
         </p:txBody>
       </p:sp>
@@ -4597,23 +5076,94 @@
         </p:nvSpPr>
         <p:spPr/>
         <p:txBody>
-          <a:bodyPr/>
-          <a:lstStyle/>
-          <a:p>
-            <a:endParaRPr lang="de-CH"/>
+          <a:bodyPr>
+            <a:normAutofit/>
+          </a:bodyPr>
+          <a:lstStyle/>
+          <a:p>
+            <a:r>
+              <a:rPr lang="de-CH" sz="2000" dirty="0" smtClean="0"/>
+              <a:t>Java Version JDK11</a:t>
+            </a:r>
+          </a:p>
+          <a:p>
+            <a:r>
+              <a:rPr lang="de-CH" sz="2000" dirty="0"/>
+              <a:t>Software ist in der MVC Architektur </a:t>
+            </a:r>
+            <a:r>
+              <a:rPr lang="de-CH" sz="2000" dirty="0" smtClean="0"/>
+              <a:t>realisiert</a:t>
+            </a:r>
+          </a:p>
+          <a:p>
+            <a:r>
+              <a:rPr lang="de-CH" sz="2000" dirty="0"/>
+              <a:t>Die Softwarearchitektur ermöglicht es, die Funktionalitäten des Programms beliebig zu erweitern, ohne dass dabei die Komplexität in gleichem Masse zunimmt.</a:t>
+            </a:r>
+          </a:p>
+          <a:p>
+            <a:r>
+              <a:rPr lang="de-CH" sz="2000" dirty="0"/>
+              <a:t>Inhalt, Darstellung und Berechnungsalgorithmen sind im Quellcode wo immer möglich voneinander getrennt. </a:t>
+            </a:r>
+          </a:p>
+          <a:p>
+            <a:r>
+              <a:rPr lang="de-CH" sz="2000" dirty="0"/>
+              <a:t>Für die Darstellung der Bedienoberfläche wird </a:t>
+            </a:r>
+            <a:r>
+              <a:rPr lang="de-CH" sz="2000" dirty="0" smtClean="0"/>
+              <a:t>Java FX </a:t>
+            </a:r>
+            <a:r>
+              <a:rPr lang="de-CH" sz="2000" dirty="0"/>
+              <a:t>verwendet</a:t>
+            </a:r>
+          </a:p>
+          <a:p>
+            <a:r>
+              <a:rPr lang="de-CH" sz="2000" dirty="0" err="1"/>
+              <a:t>Dimensionelle</a:t>
+            </a:r>
+            <a:r>
+              <a:rPr lang="de-CH" sz="2000" dirty="0"/>
+              <a:t> Darstellung der Kurven </a:t>
+            </a:r>
+          </a:p>
+          <a:p>
+            <a:r>
+              <a:rPr lang="de-CH" sz="2000" dirty="0"/>
+              <a:t>das Frequenzverhalten und die Einfügungsverluste von CM und DM des EMI-Filters vorhergesagt werden </a:t>
+            </a:r>
+            <a:r>
+              <a:rPr lang="de-CH" sz="2000" dirty="0" smtClean="0"/>
+              <a:t>können</a:t>
+            </a:r>
+          </a:p>
+          <a:p>
+            <a:endParaRPr lang="de-CH" sz="2000" dirty="0"/>
           </a:p>
         </p:txBody>
       </p:sp>
     </p:spTree>
     <p:extLst>
       <p:ext uri="{BB962C8B-B14F-4D97-AF65-F5344CB8AC3E}">
-        <p14:creationId xmlns:p14="http://schemas.microsoft.com/office/powerpoint/2010/main" val="944503420"/>
+        <p14:creationId xmlns:p14="http://schemas.microsoft.com/office/powerpoint/2010/main" val="2624663887"/>
       </p:ext>
     </p:extLst>
   </p:cSld>
   <p:clrMapOvr>
     <a:masterClrMapping/>
   </p:clrMapOvr>
+  <p:timing>
+    <p:tnLst>
+      <p:par>
+        <p:cTn id="1" dur="indefinite" restart="never" nodeType="tmRoot"/>
+      </p:par>
+    </p:tnLst>
+  </p:timing>
 </p:sld>
 </file>
 
@@ -4634,101 +5184,126 @@
           <a:chExt cx="0" cy="0"/>
         </a:xfrm>
       </p:grpSpPr>
-      <p:sp>
-        <p:nvSpPr>
-          <p:cNvPr id="2" name="Titel 1"/>
-          <p:cNvSpPr>
-            <a:spLocks noGrp="1"/>
-          </p:cNvSpPr>
-          <p:nvPr>
-            <p:ph type="title"/>
-          </p:nvPr>
-        </p:nvSpPr>
-        <p:spPr/>
-        <p:txBody>
-          <a:bodyPr/>
-          <a:lstStyle/>
-          <a:p>
-            <a:pPr algn="l"/>
-            <a:r>
-              <a:rPr lang="de-CH" dirty="0"/>
-              <a:t>Bedienoberfläche</a:t>
-            </a:r>
-          </a:p>
-        </p:txBody>
-      </p:sp>
-      <p:sp>
-        <p:nvSpPr>
-          <p:cNvPr id="3" name="Inhaltsplatzhalter 2"/>
-          <p:cNvSpPr>
-            <a:spLocks noGrp="1"/>
-          </p:cNvSpPr>
+      <p:pic>
+        <p:nvPicPr>
+          <p:cNvPr id="4" name="Picture 8"/>
+          <p:cNvPicPr>
+            <a:picLocks noGrp="1"/>
+          </p:cNvPicPr>
           <p:nvPr>
             <p:ph idx="1"/>
           </p:nvPr>
-        </p:nvSpPr>
-        <p:spPr/>
-        <p:txBody>
-          <a:bodyPr>
-            <a:normAutofit/>
+        </p:nvPicPr>
+        <p:blipFill>
+          <a:blip r:embed="rId2" cstate="print">
+            <a:extLst>
+              <a:ext uri="{28A0092B-C50C-407E-A947-70E740481C1C}">
+                <a14:useLocalDpi xmlns:a14="http://schemas.microsoft.com/office/drawing/2010/main" val="0"/>
+              </a:ext>
+            </a:extLst>
+          </a:blip>
+          <a:stretch>
+            <a:fillRect/>
+          </a:stretch>
+        </p:blipFill>
+        <p:spPr>
+          <a:xfrm>
+            <a:off x="1043608" y="1340768"/>
+            <a:ext cx="6984776" cy="4032448"/>
+          </a:xfrm>
+          <a:prstGeom prst="rect">
+            <a:avLst/>
+          </a:prstGeom>
+        </p:spPr>
+      </p:pic>
+      <p:sp>
+        <p:nvSpPr>
+          <p:cNvPr id="5" name="Rechteck 4"/>
+          <p:cNvSpPr/>
+          <p:nvPr/>
+        </p:nvSpPr>
+        <p:spPr>
+          <a:xfrm>
+            <a:off x="668467" y="476672"/>
+            <a:ext cx="3674660" cy="523220"/>
+          </a:xfrm>
+          <a:prstGeom prst="rect">
+            <a:avLst/>
+          </a:prstGeom>
+        </p:spPr>
+        <p:txBody>
+          <a:bodyPr wrap="none">
+            <a:spAutoFit/>
           </a:bodyPr>
           <a:lstStyle/>
           <a:p>
             <a:r>
-              <a:rPr lang="de-CH" sz="2000" dirty="0" err="1" smtClean="0"/>
-              <a:t>Dimensionelle</a:t>
-            </a:r>
-            <a:r>
-              <a:rPr lang="de-CH" sz="2000" dirty="0" smtClean="0"/>
-              <a:t> </a:t>
-            </a:r>
-            <a:r>
-              <a:rPr lang="de-CH" sz="2000" dirty="0"/>
-              <a:t>Darstellung der </a:t>
-            </a:r>
-            <a:r>
-              <a:rPr lang="de-CH" sz="2000" dirty="0" smtClean="0"/>
-              <a:t>Kurven</a:t>
-            </a:r>
-          </a:p>
-          <a:p>
-            <a:r>
-              <a:rPr lang="de-CH" sz="2000" dirty="0"/>
-              <a:t>Menüleiste mit gröberen Einstellungen und </a:t>
-            </a:r>
-            <a:r>
-              <a:rPr lang="de-CH" sz="2000" dirty="0" smtClean="0"/>
-              <a:t>Funktionen</a:t>
-            </a:r>
-          </a:p>
-          <a:p>
-            <a:r>
-              <a:rPr lang="de-CH" sz="2000" dirty="0"/>
-              <a:t>Werte der parasitären Parameter </a:t>
-            </a:r>
-            <a:endParaRPr lang="de-CH" sz="2000" dirty="0" smtClean="0"/>
-          </a:p>
-          <a:p>
-            <a:r>
-              <a:rPr lang="de-CH" sz="2000" dirty="0"/>
-              <a:t>Graphische Darstellung der Einfügungsverluste in Abhängigkeit der Frequenz (CM, DM) in ein Kurvendiagramm.</a:t>
-            </a:r>
-          </a:p>
-          <a:p>
-            <a:endParaRPr lang="de-CH" sz="2000" dirty="0"/>
+              <a:rPr lang="de-CH" sz="2800" dirty="0" err="1" smtClean="0">
+                <a:solidFill>
+                  <a:schemeClr val="tx2">
+                    <a:lumMod val="75000"/>
+                  </a:schemeClr>
+                </a:solidFill>
+              </a:rPr>
+              <a:t>Mcok</a:t>
+            </a:r>
+            <a:r>
+              <a:rPr lang="de-CH" sz="2800" dirty="0" err="1">
+                <a:solidFill>
+                  <a:schemeClr val="tx2">
+                    <a:lumMod val="75000"/>
+                  </a:schemeClr>
+                </a:solidFill>
+              </a:rPr>
+              <a:t>-</a:t>
+            </a:r>
+            <a:r>
+              <a:rPr lang="de-CH" sz="2800" dirty="0" err="1" smtClean="0">
+                <a:solidFill>
+                  <a:schemeClr val="tx2">
+                    <a:lumMod val="75000"/>
+                  </a:schemeClr>
+                </a:solidFill>
+              </a:rPr>
+              <a:t>Up</a:t>
+            </a:r>
+            <a:r>
+              <a:rPr lang="de-CH" sz="2800" dirty="0" smtClean="0">
+                <a:solidFill>
+                  <a:schemeClr val="tx2">
+                    <a:lumMod val="75000"/>
+                  </a:schemeClr>
+                </a:solidFill>
+              </a:rPr>
+              <a:t> / Die Schemas</a:t>
+            </a:r>
+            <a:endParaRPr lang="de-CH" dirty="0">
+              <a:solidFill>
+                <a:schemeClr val="tx2">
+                  <a:lumMod val="75000"/>
+                </a:schemeClr>
+              </a:solidFill>
+            </a:endParaRPr>
           </a:p>
         </p:txBody>
       </p:sp>
     </p:spTree>
     <p:extLst>
       <p:ext uri="{BB962C8B-B14F-4D97-AF65-F5344CB8AC3E}">
-        <p14:creationId xmlns:p14="http://schemas.microsoft.com/office/powerpoint/2010/main" val="3688656022"/>
+        <p14:creationId xmlns:p14="http://schemas.microsoft.com/office/powerpoint/2010/main" val="944503420"/>
       </p:ext>
     </p:extLst>
   </p:cSld>
   <p:clrMapOvr>
     <a:masterClrMapping/>
   </p:clrMapOvr>
+  <p:timing>
+    <p:tnLst>
+      <p:par>
+        <p:cTn id="1" dur="indefinite" restart="never" nodeType="tmRoot"/>
+      </p:par>
+    </p:tnLst>
+  </p:timing>
 </p:sld>
 </file>
 
@@ -4751,7 +5326,83 @@
       </p:grpSpPr>
       <p:sp>
         <p:nvSpPr>
-          <p:cNvPr id="2" name="Titel 1"/>
+          <p:cNvPr id="3" name="Inhaltsplatzhalter 2"/>
+          <p:cNvSpPr>
+            <a:spLocks noGrp="1"/>
+          </p:cNvSpPr>
+          <p:nvPr>
+            <p:ph idx="1"/>
+          </p:nvPr>
+        </p:nvSpPr>
+        <p:spPr/>
+        <p:txBody>
+          <a:bodyPr>
+            <a:normAutofit fontScale="55000" lnSpcReduction="20000"/>
+          </a:bodyPr>
+          <a:lstStyle/>
+          <a:p>
+            <a:r>
+              <a:rPr lang="de-DE" dirty="0"/>
+              <a:t>Anzeigefenster für jeweils DM und CM , </a:t>
+            </a:r>
+            <a:r>
+              <a:rPr lang="de-CH" dirty="0"/>
+              <a:t>sowie Haupt- und </a:t>
+            </a:r>
+            <a:r>
+              <a:rPr lang="de-CH" dirty="0" err="1"/>
+              <a:t>Parasitärparametern</a:t>
+            </a:r>
+            <a:endParaRPr lang="de-CH" dirty="0"/>
+          </a:p>
+          <a:p>
+            <a:r>
+              <a:rPr lang="de-CH" dirty="0"/>
+              <a:t>Selbsterklärende und benutzerfreundlichere Bedienoberfläche</a:t>
+            </a:r>
+          </a:p>
+          <a:p>
+            <a:r>
+              <a:rPr lang="de-CH" dirty="0"/>
+              <a:t>Sichtbare Beschriftung </a:t>
+            </a:r>
+          </a:p>
+          <a:p>
+            <a:r>
+              <a:rPr lang="de-CH" dirty="0" err="1"/>
+              <a:t>Eiinfach</a:t>
+            </a:r>
+            <a:r>
+              <a:rPr lang="de-CH" dirty="0"/>
+              <a:t> werden die Daten gespeichert,geladen und ausgedruckt . </a:t>
+            </a:r>
+          </a:p>
+          <a:p>
+            <a:r>
+              <a:rPr lang="de-CH" dirty="0"/>
+              <a:t>Die Einfügungsverluste werden jeweils separat für CM und DM </a:t>
+            </a:r>
+          </a:p>
+          <a:p>
+            <a:r>
+              <a:rPr lang="de-CH" dirty="0"/>
+              <a:t>in einem Diagramm in Abhängigkeit der Frequenz dargestellt.</a:t>
+            </a:r>
+          </a:p>
+          <a:p>
+            <a:r>
+              <a:rPr lang="de-CH" dirty="0"/>
+              <a:t>Die Einzelansicht der Schaltungen begünstigen eine genaue Analyse der Kurve.</a:t>
+            </a:r>
+          </a:p>
+          <a:p>
+            <a:endParaRPr lang="de-CH" dirty="0"/>
+          </a:p>
+        </p:txBody>
+      </p:sp>
+      <p:sp>
+        <p:nvSpPr>
+          <p:cNvPr id="4" name="Titel 3"/>
           <p:cNvSpPr>
             <a:spLocks noGrp="1"/>
           </p:cNvSpPr>
@@ -4759,53 +5410,28 @@
             <p:ph type="title"/>
           </p:nvPr>
         </p:nvSpPr>
-        <p:spPr/>
-        <p:txBody>
-          <a:bodyPr/>
-          <a:lstStyle/>
-          <a:p>
-            <a:r>
-              <a:rPr lang="de-CH" dirty="0"/>
-              <a:t>Berechnungen</a:t>
-            </a:r>
-          </a:p>
-        </p:txBody>
-      </p:sp>
-      <p:sp>
-        <p:nvSpPr>
-          <p:cNvPr id="3" name="Inhaltsplatzhalter 2"/>
-          <p:cNvSpPr>
-            <a:spLocks noGrp="1"/>
-          </p:cNvSpPr>
-          <p:nvPr>
-            <p:ph idx="1"/>
-          </p:nvPr>
-        </p:nvSpPr>
-        <p:spPr/>
-        <p:txBody>
-          <a:bodyPr>
-            <a:normAutofit/>
+        <p:spPr>
+          <a:xfrm>
+            <a:off x="4444401" y="492195"/>
+            <a:ext cx="255198" cy="707886"/>
+          </a:xfrm>
+          <a:prstGeom prst="rect">
+            <a:avLst/>
+          </a:prstGeom>
+        </p:spPr>
+        <p:txBody>
+          <a:bodyPr wrap="none">
+            <a:spAutoFit/>
           </a:bodyPr>
           <a:lstStyle/>
           <a:p>
-            <a:r>
-              <a:rPr lang="de-DE" sz="2000" dirty="0"/>
-              <a:t>Berechnungen der Einfügungsverluste sind korrekt</a:t>
-            </a:r>
-          </a:p>
-          <a:p>
-            <a:r>
-              <a:rPr lang="de-DE" sz="2000" dirty="0"/>
-              <a:t>Berechnungen sind schnell (weniger als 1s Wartezeit)</a:t>
-            </a:r>
-          </a:p>
-          <a:p>
-            <a:r>
-              <a:rPr lang="de-DE" sz="2000" dirty="0"/>
-              <a:t>Die Schaltung wird mit den relevanten Bauteilen entsprechend der Aufgabenstellung simuliert.</a:t>
-            </a:r>
-          </a:p>
-          <a:p>
+            <a:endParaRPr lang="de-CH" sz="2000" dirty="0" smtClean="0"/>
+          </a:p>
+          <a:p>
+            <a:r>
+              <a:rPr lang="de-CH" sz="2000" dirty="0" smtClean="0"/>
+              <a:t> </a:t>
+            </a:r>
             <a:endParaRPr lang="de-CH" sz="2000" dirty="0"/>
           </a:p>
         </p:txBody>
@@ -4813,13 +5439,91 @@
     </p:spTree>
     <p:extLst>
       <p:ext uri="{BB962C8B-B14F-4D97-AF65-F5344CB8AC3E}">
-        <p14:creationId xmlns:p14="http://schemas.microsoft.com/office/powerpoint/2010/main" val="3621413764"/>
+        <p14:creationId xmlns:p14="http://schemas.microsoft.com/office/powerpoint/2010/main" val="3446876240"/>
       </p:ext>
     </p:extLst>
   </p:cSld>
   <p:clrMapOvr>
     <a:masterClrMapping/>
   </p:clrMapOvr>
+  <p:timing>
+    <p:tnLst>
+      <p:par>
+        <p:cTn id="1" dur="indefinite" restart="never" nodeType="tmRoot">
+          <p:childTnLst>
+            <p:seq concurrent="1" nextAc="seek">
+              <p:cTn id="2" dur="indefinite" nodeType="mainSeq">
+                <p:childTnLst>
+                  <p:par>
+                    <p:cTn id="3" fill="hold">
+                      <p:stCondLst>
+                        <p:cond delay="indefinite"/>
+                      </p:stCondLst>
+                      <p:childTnLst>
+                        <p:par>
+                          <p:cTn id="4" fill="hold">
+                            <p:stCondLst>
+                              <p:cond delay="0"/>
+                            </p:stCondLst>
+                            <p:childTnLst>
+                              <p:par>
+                                <p:cTn id="5" presetID="1" presetClass="entr" presetSubtype="0" fill="hold" grpId="0" nodeType="clickEffect">
+                                  <p:stCondLst>
+                                    <p:cond delay="0"/>
+                                  </p:stCondLst>
+                                  <p:childTnLst>
+                                    <p:set>
+                                      <p:cBhvr>
+                                        <p:cTn id="6" dur="1" fill="hold">
+                                          <p:stCondLst>
+                                            <p:cond delay="0"/>
+                                          </p:stCondLst>
+                                        </p:cTn>
+                                        <p:tgtEl>
+                                          <p:spTgt spid="4"/>
+                                        </p:tgtEl>
+                                        <p:attrNameLst>
+                                          <p:attrName>style.visibility</p:attrName>
+                                        </p:attrNameLst>
+                                      </p:cBhvr>
+                                      <p:to>
+                                        <p:strVal val="visible"/>
+                                      </p:to>
+                                    </p:set>
+                                  </p:childTnLst>
+                                </p:cTn>
+                              </p:par>
+                            </p:childTnLst>
+                          </p:cTn>
+                        </p:par>
+                      </p:childTnLst>
+                    </p:cTn>
+                  </p:par>
+                </p:childTnLst>
+              </p:cTn>
+              <p:prevCondLst>
+                <p:cond evt="onPrev" delay="0">
+                  <p:tgtEl>
+                    <p:sldTgt/>
+                  </p:tgtEl>
+                </p:cond>
+              </p:prevCondLst>
+              <p:nextCondLst>
+                <p:cond evt="onNext" delay="0">
+                  <p:tgtEl>
+                    <p:sldTgt/>
+                  </p:tgtEl>
+                </p:cond>
+              </p:nextCondLst>
+            </p:seq>
+          </p:childTnLst>
+        </p:cTn>
+      </p:par>
+    </p:tnLst>
+    <p:bldLst>
+      <p:bldP spid="4" grpId="0"/>
+    </p:bldLst>
+  </p:timing>
 </p:sld>
 </file>
 

--- a/ZwischenPresäntation.pptx
+++ b/ZwischenPresäntation.pptx
@@ -6,19 +6,20 @@
   </p:sldMasterIdLst>
   <p:sldIdLst>
     <p:sldId id="256" r:id="rId2"/>
-    <p:sldId id="261" r:id="rId3"/>
-    <p:sldId id="260" r:id="rId4"/>
+    <p:sldId id="260" r:id="rId3"/>
+    <p:sldId id="261" r:id="rId4"/>
     <p:sldId id="259" r:id="rId5"/>
-    <p:sldId id="257" r:id="rId6"/>
-    <p:sldId id="271" r:id="rId7"/>
-    <p:sldId id="262" r:id="rId8"/>
-    <p:sldId id="265" r:id="rId9"/>
-    <p:sldId id="269" r:id="rId10"/>
-    <p:sldId id="270" r:id="rId11"/>
-    <p:sldId id="264" r:id="rId12"/>
-    <p:sldId id="266" r:id="rId13"/>
-    <p:sldId id="267" r:id="rId14"/>
-    <p:sldId id="268" r:id="rId15"/>
+    <p:sldId id="272" r:id="rId6"/>
+    <p:sldId id="257" r:id="rId7"/>
+    <p:sldId id="271" r:id="rId8"/>
+    <p:sldId id="262" r:id="rId9"/>
+    <p:sldId id="265" r:id="rId10"/>
+    <p:sldId id="269" r:id="rId11"/>
+    <p:sldId id="270" r:id="rId12"/>
+    <p:sldId id="264" r:id="rId13"/>
+    <p:sldId id="266" r:id="rId14"/>
+    <p:sldId id="267" r:id="rId15"/>
+    <p:sldId id="268" r:id="rId16"/>
   </p:sldIdLst>
   <p:sldSz cx="9144000" cy="6858000" type="screen4x3"/>
   <p:notesSz cx="6858000" cy="9144000"/>
@@ -3152,26 +3153,70 @@
           <a:p>
             <a:r>
               <a:rPr lang="de-CH" b="1" dirty="0"/>
-              <a:t> «DJ» EMI Filter für </a:t>
-            </a:r>
-            <a:r>
-              <a:rPr lang="de-CH" b="1" dirty="0" smtClean="0"/>
+              <a:t> </a:t>
+            </a:r>
+            <a:r>
+              <a:rPr lang="de-CH" b="1" dirty="0">
+                <a:solidFill>
+                  <a:schemeClr val="tx2">
+                    <a:lumMod val="75000"/>
+                  </a:schemeClr>
+                </a:solidFill>
+              </a:rPr>
+              <a:t>«DJ» EMI Filter für </a:t>
+            </a:r>
+            <a:r>
+              <a:rPr lang="de-CH" b="1" dirty="0" smtClean="0">
+                <a:solidFill>
+                  <a:schemeClr val="tx2">
+                    <a:lumMod val="75000"/>
+                  </a:schemeClr>
+                </a:solidFill>
+              </a:rPr>
               <a:t>Netzteil</a:t>
             </a:r>
             <a:r>
-              <a:rPr lang="de-CH" b="1" dirty="0"/>
+              <a:rPr lang="de-CH" b="1" dirty="0">
+                <a:solidFill>
+                  <a:schemeClr val="tx2">
+                    <a:lumMod val="75000"/>
+                  </a:schemeClr>
+                </a:solidFill>
+              </a:rPr>
               <a:t> </a:t>
+            </a:r>
+            <a:r>
+              <a:rPr lang="de-CH" dirty="0">
+                <a:solidFill>
+                  <a:schemeClr val="tx2">
+                    <a:lumMod val="75000"/>
+                  </a:schemeClr>
+                </a:solidFill>
+              </a:rPr>
+              <a:t/>
+            </a:r>
+            <a:br>
+              <a:rPr lang="de-CH" dirty="0">
+                <a:solidFill>
+                  <a:schemeClr val="tx2">
+                    <a:lumMod val="75000"/>
+                  </a:schemeClr>
+                </a:solidFill>
+              </a:rPr>
+            </a:br>
+            <a:r>
+              <a:rPr lang="de-CH" dirty="0">
+                <a:solidFill>
+                  <a:schemeClr val="tx2">
+                    <a:lumMod val="75000"/>
+                  </a:schemeClr>
+                </a:solidFill>
+              </a:rPr>
+              <a:t>Pro2E - Team 5</a:t>
             </a:r>
             <a:r>
               <a:rPr lang="de-CH" dirty="0"/>
               <a:t/>
-            </a:r>
-            <a:br>
-              <a:rPr lang="de-CH" dirty="0"/>
-            </a:br>
-            <a:r>
-              <a:rPr lang="de-CH" dirty="0"/>
-              <a:t>Pro2E - Team 5</a:t>
             </a:r>
             <a:br>
               <a:rPr lang="de-CH" dirty="0"/>
@@ -3255,6 +3300,226 @@
 </file>
 
 <file path=ppt/slides/slide10.xml><?xml version="1.0" encoding="utf-8"?>
+<p:sld xmlns:a="http://schemas.openxmlformats.org/drawingml/2006/main" xmlns:r="http://schemas.openxmlformats.org/officeDocument/2006/relationships" xmlns:p="http://schemas.openxmlformats.org/presentationml/2006/main">
+  <p:cSld>
+    <p:spTree>
+      <p:nvGrpSpPr>
+        <p:cNvPr id="1" name=""/>
+        <p:cNvGrpSpPr/>
+        <p:nvPr/>
+      </p:nvGrpSpPr>
+      <p:grpSpPr>
+        <a:xfrm>
+          <a:off x="0" y="0"/>
+          <a:ext cx="0" cy="0"/>
+          <a:chOff x="0" y="0"/>
+          <a:chExt cx="0" cy="0"/>
+        </a:xfrm>
+      </p:grpSpPr>
+      <p:sp>
+        <p:nvSpPr>
+          <p:cNvPr id="3" name="Inhaltsplatzhalter 2"/>
+          <p:cNvSpPr>
+            <a:spLocks noGrp="1"/>
+          </p:cNvSpPr>
+          <p:nvPr>
+            <p:ph idx="1"/>
+          </p:nvPr>
+        </p:nvSpPr>
+        <p:spPr/>
+        <p:txBody>
+          <a:bodyPr>
+            <a:normAutofit fontScale="55000" lnSpcReduction="20000"/>
+          </a:bodyPr>
+          <a:lstStyle/>
+          <a:p>
+            <a:r>
+              <a:rPr lang="de-DE" dirty="0"/>
+              <a:t>Anzeigefenster für jeweils DM und CM , </a:t>
+            </a:r>
+            <a:r>
+              <a:rPr lang="de-CH" dirty="0"/>
+              <a:t>sowie Haupt- und </a:t>
+            </a:r>
+            <a:r>
+              <a:rPr lang="de-CH" dirty="0" err="1"/>
+              <a:t>Parasitärparametern</a:t>
+            </a:r>
+            <a:endParaRPr lang="de-CH" dirty="0"/>
+          </a:p>
+          <a:p>
+            <a:r>
+              <a:rPr lang="de-CH" dirty="0"/>
+              <a:t>Selbsterklärende und benutzerfreundlichere Bedienoberfläche</a:t>
+            </a:r>
+          </a:p>
+          <a:p>
+            <a:r>
+              <a:rPr lang="de-CH" dirty="0"/>
+              <a:t>Sichtbare Beschriftung </a:t>
+            </a:r>
+          </a:p>
+          <a:p>
+            <a:r>
+              <a:rPr lang="de-CH" dirty="0" err="1"/>
+              <a:t>Eiinfach</a:t>
+            </a:r>
+            <a:r>
+              <a:rPr lang="de-CH" dirty="0"/>
+              <a:t> werden die Daten gespeichert,geladen und ausgedruckt . </a:t>
+            </a:r>
+          </a:p>
+          <a:p>
+            <a:r>
+              <a:rPr lang="de-CH" dirty="0"/>
+              <a:t>Die Einfügungsverluste werden jeweils separat für CM und DM </a:t>
+            </a:r>
+          </a:p>
+          <a:p>
+            <a:r>
+              <a:rPr lang="de-CH" dirty="0"/>
+              <a:t>in einem Diagramm in Abhängigkeit der Frequenz dargestellt.</a:t>
+            </a:r>
+          </a:p>
+          <a:p>
+            <a:r>
+              <a:rPr lang="de-CH" dirty="0"/>
+              <a:t>Die Einzelansicht der Schaltungen begünstigen eine genaue Analyse der Kurve.</a:t>
+            </a:r>
+          </a:p>
+          <a:p>
+            <a:endParaRPr lang="de-CH" dirty="0"/>
+          </a:p>
+        </p:txBody>
+      </p:sp>
+      <p:sp>
+        <p:nvSpPr>
+          <p:cNvPr id="4" name="Titel 3"/>
+          <p:cNvSpPr>
+            <a:spLocks noGrp="1"/>
+          </p:cNvSpPr>
+          <p:nvPr>
+            <p:ph type="title"/>
+          </p:nvPr>
+        </p:nvSpPr>
+        <p:spPr>
+          <a:xfrm>
+            <a:off x="4444401" y="492195"/>
+            <a:ext cx="255198" cy="707886"/>
+          </a:xfrm>
+          <a:prstGeom prst="rect">
+            <a:avLst/>
+          </a:prstGeom>
+        </p:spPr>
+        <p:txBody>
+          <a:bodyPr wrap="none">
+            <a:spAutoFit/>
+          </a:bodyPr>
+          <a:lstStyle/>
+          <a:p>
+            <a:endParaRPr lang="de-CH" sz="2000" dirty="0" smtClean="0"/>
+          </a:p>
+          <a:p>
+            <a:r>
+              <a:rPr lang="de-CH" sz="2000" dirty="0" smtClean="0"/>
+              <a:t> </a:t>
+            </a:r>
+            <a:endParaRPr lang="de-CH" sz="2000" dirty="0"/>
+          </a:p>
+        </p:txBody>
+      </p:sp>
+    </p:spTree>
+    <p:extLst>
+      <p:ext uri="{BB962C8B-B14F-4D97-AF65-F5344CB8AC3E}">
+        <p14:creationId xmlns:p14="http://schemas.microsoft.com/office/powerpoint/2010/main" val="3446876240"/>
+      </p:ext>
+    </p:extLst>
+  </p:cSld>
+  <p:clrMapOvr>
+    <a:masterClrMapping/>
+  </p:clrMapOvr>
+  <p:timing>
+    <p:tnLst>
+      <p:par>
+        <p:cTn id="1" dur="indefinite" restart="never" nodeType="tmRoot">
+          <p:childTnLst>
+            <p:seq concurrent="1" nextAc="seek">
+              <p:cTn id="2" dur="indefinite" nodeType="mainSeq">
+                <p:childTnLst>
+                  <p:par>
+                    <p:cTn id="3" fill="hold">
+                      <p:stCondLst>
+                        <p:cond delay="indefinite"/>
+                      </p:stCondLst>
+                      <p:childTnLst>
+                        <p:par>
+                          <p:cTn id="4" fill="hold">
+                            <p:stCondLst>
+                              <p:cond delay="0"/>
+                            </p:stCondLst>
+                            <p:childTnLst>
+                              <p:par>
+                                <p:cTn id="5" presetID="1" presetClass="entr" presetSubtype="0" fill="hold" grpId="0" nodeType="clickEffect">
+                                  <p:stCondLst>
+                                    <p:cond delay="0"/>
+                                  </p:stCondLst>
+                                  <p:childTnLst>
+                                    <p:set>
+                                      <p:cBhvr>
+                                        <p:cTn id="6" dur="1" fill="hold">
+                                          <p:stCondLst>
+                                            <p:cond delay="0"/>
+                                          </p:stCondLst>
+                                        </p:cTn>
+                                        <p:tgtEl>
+                                          <p:spTgt spid="4"/>
+                                        </p:tgtEl>
+                                        <p:attrNameLst>
+                                          <p:attrName>style.visibility</p:attrName>
+                                        </p:attrNameLst>
+                                      </p:cBhvr>
+                                      <p:to>
+                                        <p:strVal val="visible"/>
+                                      </p:to>
+                                    </p:set>
+                                  </p:childTnLst>
+                                </p:cTn>
+                              </p:par>
+                            </p:childTnLst>
+                          </p:cTn>
+                        </p:par>
+                      </p:childTnLst>
+                    </p:cTn>
+                  </p:par>
+                </p:childTnLst>
+              </p:cTn>
+              <p:prevCondLst>
+                <p:cond evt="onPrev" delay="0">
+                  <p:tgtEl>
+                    <p:sldTgt/>
+                  </p:tgtEl>
+                </p:cond>
+              </p:prevCondLst>
+              <p:nextCondLst>
+                <p:cond evt="onNext" delay="0">
+                  <p:tgtEl>
+                    <p:sldTgt/>
+                  </p:tgtEl>
+                </p:cond>
+              </p:nextCondLst>
+            </p:seq>
+          </p:childTnLst>
+        </p:cTn>
+      </p:par>
+    </p:tnLst>
+    <p:bldLst>
+      <p:bldP spid="4" grpId="0"/>
+    </p:bldLst>
+  </p:timing>
+</p:sld>
+</file>
+
+<file path=ppt/slides/slide11.xml><?xml version="1.0" encoding="utf-8"?>
 <p:sld xmlns:a="http://schemas.openxmlformats.org/drawingml/2006/main" xmlns:r="http://schemas.openxmlformats.org/officeDocument/2006/relationships" xmlns:p="http://schemas.openxmlformats.org/presentationml/2006/main">
   <p:cSld>
     <p:spTree>
@@ -3486,7 +3751,7 @@
 </p:sld>
 </file>
 
-<file path=ppt/slides/slide11.xml><?xml version="1.0" encoding="utf-8"?>
+<file path=ppt/slides/slide12.xml><?xml version="1.0" encoding="utf-8"?>
 <p:sld xmlns:a="http://schemas.openxmlformats.org/drawingml/2006/main" xmlns:r="http://schemas.openxmlformats.org/officeDocument/2006/relationships" xmlns:p="http://schemas.openxmlformats.org/presentationml/2006/main">
   <p:cSld>
     <p:spTree>
@@ -3596,7 +3861,7 @@
 </p:sld>
 </file>
 
-<file path=ppt/slides/slide12.xml><?xml version="1.0" encoding="utf-8"?>
+<file path=ppt/slides/slide13.xml><?xml version="1.0" encoding="utf-8"?>
 <p:sld xmlns:a="http://schemas.openxmlformats.org/drawingml/2006/main" xmlns:r="http://schemas.openxmlformats.org/officeDocument/2006/relationships" xmlns:p="http://schemas.openxmlformats.org/presentationml/2006/main">
   <p:cSld>
     <p:spTree>
@@ -3613,8 +3878,8 @@
           <a:chExt cx="0" cy="0"/>
         </a:xfrm>
       </p:grpSpPr>
-      <mc:AlternateContent xmlns:mc="http://schemas.openxmlformats.org/markup-compatibility/2006">
-        <mc:Choice xmlns:a14="http://schemas.microsoft.com/office/drawing/2010/main" Requires="a14">
+      <mc:AlternateContent xmlns:mc="http://schemas.openxmlformats.org/markup-compatibility/2006" xmlns:a14="http://schemas.microsoft.com/office/drawing/2010/main">
+        <mc:Choice Requires="a14">
           <p:sp>
             <p:nvSpPr>
               <p:cNvPr id="2" name="Titel 1"/>
@@ -3639,15 +3904,7 @@
                     <a:ea typeface="Times New Roman"/>
                     <a:cs typeface="Arial"/>
                   </a:rPr>
-                  <a:t>- </a:t>
-                </a:r>
-                <a:r>
-                  <a:rPr lang="de-CH" sz="1800" dirty="0" smtClean="0">
-                    <a:latin typeface="Arial"/>
-                    <a:ea typeface="Times New Roman"/>
-                    <a:cs typeface="Arial"/>
-                  </a:rPr>
-                  <a:t>Nun </a:t>
+                  <a:t>- Nun </a:t>
                 </a:r>
                 <a:r>
                   <a:rPr lang="de-CH" sz="1800" dirty="0">
@@ -3851,7 +4108,7 @@
             </p:txBody>
           </p:sp>
         </mc:Choice>
-        <mc:Fallback>
+        <mc:Fallback xmlns="">
           <p:sp>
             <p:nvSpPr>
               <p:cNvPr id="2" name="Titel 1"/>
@@ -3931,7 +4188,7 @@
 </p:sld>
 </file>
 
-<file path=ppt/slides/slide13.xml><?xml version="1.0" encoding="utf-8"?>
+<file path=ppt/slides/slide14.xml><?xml version="1.0" encoding="utf-8"?>
 <p:sld xmlns:a="http://schemas.openxmlformats.org/drawingml/2006/main" xmlns:r="http://schemas.openxmlformats.org/officeDocument/2006/relationships" xmlns:p="http://schemas.openxmlformats.org/presentationml/2006/main">
   <p:cSld>
     <p:spTree>
@@ -4026,7 +4283,7 @@
 </p:sld>
 </file>
 
-<file path=ppt/slides/slide14.xml><?xml version="1.0" encoding="utf-8"?>
+<file path=ppt/slides/slide15.xml><?xml version="1.0" encoding="utf-8"?>
 <p:sld xmlns:a="http://schemas.openxmlformats.org/drawingml/2006/main" xmlns:r="http://schemas.openxmlformats.org/officeDocument/2006/relationships" xmlns:p="http://schemas.openxmlformats.org/presentationml/2006/main">
   <p:cSld>
     <p:spTree>
@@ -4120,18 +4377,18 @@
       </p:grpSpPr>
       <p:sp>
         <p:nvSpPr>
-          <p:cNvPr id="5" name="Titel 4"/>
-          <p:cNvSpPr>
-            <a:spLocks noGrp="1"/>
-          </p:cNvSpPr>
-          <p:nvPr>
-            <p:ph type="ctrTitle"/>
+          <p:cNvPr id="2" name="Titel 1"/>
+          <p:cNvSpPr>
+            <a:spLocks noGrp="1"/>
+          </p:cNvSpPr>
+          <p:nvPr>
+            <p:ph type="title"/>
           </p:nvPr>
         </p:nvSpPr>
         <p:spPr>
           <a:xfrm>
-            <a:off x="685800" y="1268760"/>
-            <a:ext cx="7772400" cy="4752527"/>
+            <a:off x="611560" y="548680"/>
+            <a:ext cx="8229600" cy="5832648"/>
           </a:xfrm>
         </p:spPr>
         <p:txBody>
@@ -4140,6 +4397,15 @@
           </a:bodyPr>
           <a:lstStyle/>
           <a:p>
+            <a:pPr algn="l"/>
+            <a:r>
+              <a:rPr lang="de-CH" b="1" dirty="0" smtClean="0"/>
+              <a:t>Projektteam 5 :</a:t>
+            </a:r>
+            <a:r>
+              <a:rPr lang="de-CH" dirty="0" smtClean="0"/>
+              <a:t> </a:t>
+            </a:r>
             <a:r>
               <a:rPr lang="de-CH" dirty="0" smtClean="0"/>
               <a:t/>
@@ -4149,6 +4415,29 @@
             </a:br>
             <a:r>
               <a:rPr lang="de-CH" dirty="0"/>
+              <a:t>	</a:t>
+            </a:r>
+            <a:r>
+              <a:rPr lang="de-CH" dirty="0" smtClean="0"/>
+              <a:t/>
+            </a:r>
+            <a:br>
+              <a:rPr lang="de-CH" dirty="0" smtClean="0"/>
+            </a:br>
+            <a:r>
+              <a:rPr lang="de-CH" dirty="0" smtClean="0"/>
+              <a:t>Marina </a:t>
+            </a:r>
+            <a:r>
+              <a:rPr lang="de-CH" dirty="0" err="1" smtClean="0"/>
+              <a:t>Taborda</a:t>
+            </a:r>
+            <a:r>
+              <a:rPr lang="de-CH" dirty="0" smtClean="0"/>
+              <a:t> </a:t>
+            </a:r>
+            <a:r>
+              <a:rPr lang="de-CH" dirty="0"/>
               <a:t/>
             </a:r>
             <a:br>
@@ -4156,11 +4445,8 @@
             </a:br>
             <a:r>
               <a:rPr lang="de-CH" dirty="0" smtClean="0"/>
-              <a:t/>
-            </a:r>
-            <a:br>
-              <a:rPr lang="de-CH" dirty="0" smtClean="0"/>
-            </a:br>
+              <a:t>Michel Alt</a:t>
+            </a:r>
             <a:r>
               <a:rPr lang="de-CH" dirty="0"/>
               <a:t/>
@@ -4170,56 +4456,55 @@
             </a:br>
             <a:r>
               <a:rPr lang="de-CH" dirty="0" smtClean="0"/>
-              <a:t>Gliederung </a:t>
-            </a:r>
+              <a:t>Frank </a:t>
+            </a:r>
+            <a:r>
+              <a:rPr lang="de-CH" dirty="0"/>
+              <a:t>Imhof</a:t>
+            </a:r>
+            <a:br>
+              <a:rPr lang="de-CH" dirty="0"/>
+            </a:br>
             <a:r>
               <a:rPr lang="de-CH" dirty="0" smtClean="0"/>
+              <a:t>Luca </a:t>
+            </a:r>
+            <a:r>
+              <a:rPr lang="de-CH" dirty="0" smtClean="0"/>
+              <a:t>Krummenacher</a:t>
+            </a:r>
+            <a:r>
+              <a:rPr lang="de-CH" dirty="0"/>
               <a:t/>
             </a:r>
             <a:br>
+              <a:rPr lang="de-CH" dirty="0"/>
+            </a:br>
+            <a:r>
               <a:rPr lang="de-CH" dirty="0" smtClean="0"/>
+              <a:t>Richard </a:t>
+            </a:r>
+            <a:r>
+              <a:rPr lang="de-CH" dirty="0"/>
+              <a:t>Britt</a:t>
+            </a:r>
+            <a:br>
+              <a:rPr lang="de-CH" dirty="0"/>
             </a:br>
             <a:r>
+              <a:rPr lang="de-CH" dirty="0" err="1" smtClean="0"/>
+              <a:t>Fady</a:t>
+            </a:r>
+            <a:r>
               <a:rPr lang="de-CH" dirty="0" smtClean="0"/>
-              <a:t>- Die Einleitung</a:t>
+              <a:t> </a:t>
+            </a:r>
+            <a:r>
+              <a:rPr lang="de-CH" dirty="0"/>
+              <a:t>Hanna</a:t>
             </a:r>
             <a:br>
-              <a:rPr lang="de-CH" dirty="0" smtClean="0"/>
-            </a:br>
-            <a:r>
-              <a:rPr lang="de-CH" dirty="0" smtClean="0"/>
-              <a:t>- Die Projektziele</a:t>
-            </a:r>
-            <a:br>
-              <a:rPr lang="de-CH" dirty="0" smtClean="0"/>
-            </a:br>
-            <a:r>
-              <a:rPr lang="de-CH" dirty="0" smtClean="0"/>
-              <a:t>- Die Bedienoberfläche </a:t>
-            </a:r>
-            <a:br>
-              <a:rPr lang="de-CH" dirty="0" smtClean="0"/>
-            </a:br>
-            <a:r>
-              <a:rPr lang="de-CH" dirty="0" smtClean="0"/>
-              <a:t>Das Software Programm</a:t>
-            </a:r>
-            <a:br>
-              <a:rPr lang="de-CH" dirty="0" smtClean="0"/>
-            </a:br>
-            <a:r>
-              <a:rPr lang="de-CH" dirty="0" smtClean="0"/>
-              <a:t>- </a:t>
-            </a:r>
-            <a:br>
-              <a:rPr lang="de-CH" dirty="0" smtClean="0"/>
-            </a:br>
-            <a:r>
-              <a:rPr lang="de-CH" dirty="0" smtClean="0"/>
-              <a:t>-  </a:t>
-            </a:r>
-            <a:br>
-              <a:rPr lang="de-CH" dirty="0" smtClean="0"/>
+              <a:rPr lang="de-CH" dirty="0"/>
             </a:br>
             <a:endParaRPr lang="de-CH" dirty="0"/>
           </a:p>
@@ -4228,7 +4513,7 @@
     </p:spTree>
     <p:extLst>
       <p:ext uri="{BB962C8B-B14F-4D97-AF65-F5344CB8AC3E}">
-        <p14:creationId xmlns:p14="http://schemas.microsoft.com/office/powerpoint/2010/main" val="364089095"/>
+        <p14:creationId xmlns:p14="http://schemas.microsoft.com/office/powerpoint/2010/main" val="1462911554"/>
       </p:ext>
     </p:extLst>
   </p:cSld>
@@ -4264,38 +4549,27 @@
       </p:grpSpPr>
       <p:sp>
         <p:nvSpPr>
-          <p:cNvPr id="2" name="Titel 1"/>
-          <p:cNvSpPr>
-            <a:spLocks noGrp="1"/>
-          </p:cNvSpPr>
-          <p:nvPr>
-            <p:ph type="title"/>
+          <p:cNvPr id="5" name="Titel 4"/>
+          <p:cNvSpPr>
+            <a:spLocks noGrp="1"/>
+          </p:cNvSpPr>
+          <p:nvPr>
+            <p:ph type="ctrTitle"/>
           </p:nvPr>
         </p:nvSpPr>
         <p:spPr>
           <a:xfrm>
-            <a:off x="611560" y="548680"/>
-            <a:ext cx="8229600" cy="5832648"/>
+            <a:off x="683568" y="1340768"/>
+            <a:ext cx="7772400" cy="4392487"/>
           </a:xfrm>
         </p:spPr>
         <p:txBody>
           <a:bodyPr>
-            <a:normAutofit/>
+            <a:normAutofit fontScale="90000"/>
           </a:bodyPr>
           <a:lstStyle/>
           <a:p>
-            <a:r>
-              <a:rPr lang="de-CH" b="1" dirty="0" smtClean="0"/>
-              <a:t>Projektteam 5 :</a:t>
-            </a:r>
-            <a:r>
-              <a:rPr lang="de-CH" dirty="0" smtClean="0"/>
-              <a:t> </a:t>
-            </a:r>
-            <a:r>
-              <a:rPr lang="de-CH" dirty="0"/>
-              <a:t>	</a:t>
-            </a:r>
+            <a:pPr algn="l"/>
             <a:r>
               <a:rPr lang="de-CH" dirty="0" smtClean="0"/>
               <a:t/>
@@ -4304,18 +4578,6 @@
               <a:rPr lang="de-CH" dirty="0" smtClean="0"/>
             </a:br>
             <a:r>
-              <a:rPr lang="de-CH" dirty="0" smtClean="0"/>
-              <a:t>Marina </a:t>
-            </a:r>
-            <a:r>
-              <a:rPr lang="de-CH" dirty="0" err="1" smtClean="0"/>
-              <a:t>Taborda</a:t>
-            </a:r>
-            <a:r>
-              <a:rPr lang="de-CH" dirty="0" smtClean="0"/>
-              <a:t> </a:t>
-            </a:r>
-            <a:r>
               <a:rPr lang="de-CH" dirty="0"/>
               <a:t/>
             </a:r>
@@ -4323,10 +4585,6 @@
               <a:rPr lang="de-CH" dirty="0"/>
             </a:br>
             <a:r>
-              <a:rPr lang="de-CH" dirty="0" smtClean="0"/>
-              <a:t>Michel Alt</a:t>
-            </a:r>
-            <a:r>
               <a:rPr lang="de-CH" dirty="0"/>
               <a:t/>
             </a:r>
@@ -4334,56 +4592,185 @@
               <a:rPr lang="de-CH" dirty="0"/>
             </a:br>
             <a:r>
+              <a:rPr lang="de-CH" dirty="0">
+                <a:solidFill>
+                  <a:schemeClr val="tx2">
+                    <a:lumMod val="60000"/>
+                    <a:lumOff val="40000"/>
+                  </a:schemeClr>
+                </a:solidFill>
+              </a:rPr>
+              <a:t>Die G</a:t>
+            </a:r>
+            <a:r>
+              <a:rPr lang="de-CH" dirty="0" smtClean="0">
+                <a:solidFill>
+                  <a:schemeClr val="tx2">
+                    <a:lumMod val="60000"/>
+                    <a:lumOff val="40000"/>
+                  </a:schemeClr>
+                </a:solidFill>
+              </a:rPr>
+              <a:t>liederung </a:t>
+            </a:r>
+            <a:r>
+              <a:rPr lang="de-CH" dirty="0" smtClean="0">
+                <a:solidFill>
+                  <a:schemeClr val="tx2">
+                    <a:lumMod val="60000"/>
+                    <a:lumOff val="40000"/>
+                  </a:schemeClr>
+                </a:solidFill>
+              </a:rPr>
+              <a:t/>
+            </a:r>
+            <a:br>
+              <a:rPr lang="de-CH" dirty="0" smtClean="0">
+                <a:solidFill>
+                  <a:schemeClr val="tx2">
+                    <a:lumMod val="60000"/>
+                    <a:lumOff val="40000"/>
+                  </a:schemeClr>
+                </a:solidFill>
+              </a:rPr>
+            </a:br>
+            <a:r>
+              <a:rPr lang="de-CH" dirty="0" smtClean="0">
+                <a:solidFill>
+                  <a:schemeClr val="tx2">
+                    <a:lumMod val="60000"/>
+                    <a:lumOff val="40000"/>
+                  </a:schemeClr>
+                </a:solidFill>
+              </a:rPr>
+              <a:t>- Die Einleitung</a:t>
+            </a:r>
+            <a:br>
+              <a:rPr lang="de-CH" dirty="0" smtClean="0">
+                <a:solidFill>
+                  <a:schemeClr val="tx2">
+                    <a:lumMod val="60000"/>
+                    <a:lumOff val="40000"/>
+                  </a:schemeClr>
+                </a:solidFill>
+              </a:rPr>
+            </a:br>
+            <a:r>
+              <a:rPr lang="de-CH" dirty="0" smtClean="0">
+                <a:solidFill>
+                  <a:schemeClr val="tx2">
+                    <a:lumMod val="60000"/>
+                    <a:lumOff val="40000"/>
+                  </a:schemeClr>
+                </a:solidFill>
+              </a:rPr>
+              <a:t>- Die Projektziele</a:t>
+            </a:r>
+            <a:br>
+              <a:rPr lang="de-CH" dirty="0" smtClean="0">
+                <a:solidFill>
+                  <a:schemeClr val="tx2">
+                    <a:lumMod val="60000"/>
+                    <a:lumOff val="40000"/>
+                  </a:schemeClr>
+                </a:solidFill>
+              </a:rPr>
+            </a:br>
+            <a:r>
+              <a:rPr lang="de-CH" dirty="0" smtClean="0">
+                <a:solidFill>
+                  <a:schemeClr val="tx2">
+                    <a:lumMod val="60000"/>
+                    <a:lumOff val="40000"/>
+                  </a:schemeClr>
+                </a:solidFill>
+              </a:rPr>
+              <a:t>- Die Bedienoberfläche </a:t>
+            </a:r>
+            <a:br>
+              <a:rPr lang="de-CH" dirty="0" smtClean="0">
+                <a:solidFill>
+                  <a:schemeClr val="tx2">
+                    <a:lumMod val="60000"/>
+                    <a:lumOff val="40000"/>
+                  </a:schemeClr>
+                </a:solidFill>
+              </a:rPr>
+            </a:br>
+            <a:r>
+              <a:rPr lang="de-CH" dirty="0" smtClean="0">
+                <a:solidFill>
+                  <a:schemeClr val="tx2">
+                    <a:lumMod val="60000"/>
+                    <a:lumOff val="40000"/>
+                  </a:schemeClr>
+                </a:solidFill>
+              </a:rPr>
+              <a:t>- </a:t>
+            </a:r>
+            <a:r>
+              <a:rPr lang="de-CH" dirty="0" smtClean="0">
+                <a:solidFill>
+                  <a:schemeClr val="tx2">
+                    <a:lumMod val="60000"/>
+                    <a:lumOff val="40000"/>
+                  </a:schemeClr>
+                </a:solidFill>
+              </a:rPr>
+              <a:t>Das </a:t>
+            </a:r>
+            <a:r>
+              <a:rPr lang="de-CH" dirty="0" smtClean="0">
+                <a:solidFill>
+                  <a:schemeClr val="tx2">
+                    <a:lumMod val="60000"/>
+                    <a:lumOff val="40000"/>
+                  </a:schemeClr>
+                </a:solidFill>
+              </a:rPr>
+              <a:t>Software Programm</a:t>
+            </a:r>
+            <a:br>
+              <a:rPr lang="de-CH" dirty="0" smtClean="0">
+                <a:solidFill>
+                  <a:schemeClr val="tx2">
+                    <a:lumMod val="60000"/>
+                    <a:lumOff val="40000"/>
+                  </a:schemeClr>
+                </a:solidFill>
+              </a:rPr>
+            </a:br>
+            <a:r>
+              <a:rPr lang="de-CH" dirty="0" smtClean="0">
+                <a:solidFill>
+                  <a:schemeClr val="tx2">
+                    <a:lumMod val="60000"/>
+                    <a:lumOff val="40000"/>
+                  </a:schemeClr>
+                </a:solidFill>
+              </a:rPr>
+              <a:t>- </a:t>
+            </a:r>
+            <a:br>
+              <a:rPr lang="de-CH" dirty="0" smtClean="0">
+                <a:solidFill>
+                  <a:schemeClr val="tx2">
+                    <a:lumMod val="60000"/>
+                    <a:lumOff val="40000"/>
+                  </a:schemeClr>
+                </a:solidFill>
+              </a:rPr>
+            </a:br>
+            <a:r>
               <a:rPr lang="de-CH" dirty="0" smtClean="0"/>
-              <a:t>Frank </a:t>
-            </a:r>
-            <a:r>
-              <a:rPr lang="de-CH" dirty="0"/>
-              <a:t>Imhof</a:t>
+              <a:t>  </a:t>
+            </a:r>
+            <a:r>
+              <a:rPr lang="de-CH" dirty="0" smtClean="0"/>
+              <a:t/>
             </a:r>
             <a:br>
-              <a:rPr lang="de-CH" dirty="0"/>
-            </a:br>
-            <a:r>
-              <a:rPr lang="de-CH" dirty="0"/>
-              <a:t>	Luca </a:t>
-            </a:r>
-            <a:r>
               <a:rPr lang="de-CH" dirty="0" smtClean="0"/>
-              <a:t>Krummenacher</a:t>
-            </a:r>
-            <a:r>
-              <a:rPr lang="de-CH" dirty="0"/>
-              <a:t/>
-            </a:r>
-            <a:br>
-              <a:rPr lang="de-CH" dirty="0"/>
-            </a:br>
-            <a:r>
-              <a:rPr lang="de-CH" dirty="0" smtClean="0"/>
-              <a:t>Richard </a:t>
-            </a:r>
-            <a:r>
-              <a:rPr lang="de-CH" dirty="0"/>
-              <a:t>Britt</a:t>
-            </a:r>
-            <a:br>
-              <a:rPr lang="de-CH" dirty="0"/>
-            </a:br>
-            <a:r>
-              <a:rPr lang="de-CH" dirty="0" err="1" smtClean="0"/>
-              <a:t>Fady</a:t>
-            </a:r>
-            <a:r>
-              <a:rPr lang="de-CH" dirty="0" smtClean="0"/>
-              <a:t> </a:t>
-            </a:r>
-            <a:r>
-              <a:rPr lang="de-CH" dirty="0"/>
-              <a:t>Hanna</a:t>
-            </a:r>
-            <a:br>
-              <a:rPr lang="de-CH" dirty="0"/>
             </a:br>
             <a:endParaRPr lang="de-CH" dirty="0"/>
           </a:p>
@@ -4392,7 +4779,7 @@
     </p:spTree>
     <p:extLst>
       <p:ext uri="{BB962C8B-B14F-4D97-AF65-F5344CB8AC3E}">
-        <p14:creationId xmlns:p14="http://schemas.microsoft.com/office/powerpoint/2010/main" val="1462911554"/>
+        <p14:creationId xmlns:p14="http://schemas.microsoft.com/office/powerpoint/2010/main" val="364089095"/>
       </p:ext>
     </p:extLst>
   </p:cSld>
@@ -4433,19 +4820,54 @@
             <a:spLocks noGrp="1"/>
           </p:cNvSpPr>
           <p:nvPr>
-            <p:ph type="title"/>
-          </p:nvPr>
-        </p:nvSpPr>
-        <p:spPr/>
+            <p:ph type="ctrTitle"/>
+          </p:nvPr>
+        </p:nvSpPr>
+        <p:spPr>
+          <a:xfrm>
+            <a:off x="774841" y="764705"/>
+            <a:ext cx="7772400" cy="1008112"/>
+          </a:xfrm>
+        </p:spPr>
         <p:txBody>
           <a:bodyPr>
             <a:normAutofit fontScale="90000"/>
           </a:bodyPr>
           <a:lstStyle/>
           <a:p>
+            <a:pPr algn="l"/>
             <a:r>
               <a:rPr lang="de-CH" dirty="0" smtClean="0"/>
-              <a:t>Die Einleitung </a:t>
+              <a:t/>
+            </a:r>
+            <a:br>
+              <a:rPr lang="de-CH" dirty="0" smtClean="0"/>
+            </a:br>
+            <a:r>
+              <a:rPr lang="de-CH" dirty="0" smtClean="0"/>
+              <a:t/>
+            </a:r>
+            <a:br>
+              <a:rPr lang="de-CH" dirty="0" smtClean="0"/>
+            </a:br>
+            <a:r>
+              <a:rPr lang="de-CH" dirty="0" smtClean="0"/>
+              <a:t>Die </a:t>
+            </a:r>
+            <a:r>
+              <a:rPr lang="de-CH" dirty="0" smtClean="0"/>
+              <a:t>Einleitung </a:t>
+            </a:r>
+            <a:r>
+              <a:rPr lang="de-CH" dirty="0" smtClean="0"/>
+              <a:t/>
+            </a:r>
+            <a:br>
+              <a:rPr lang="de-CH" dirty="0" smtClean="0"/>
+            </a:br>
+            <a:r>
+              <a:rPr lang="de-CH" dirty="0" smtClean="0"/>
+              <a:t/>
             </a:r>
             <a:br>
               <a:rPr lang="de-CH" dirty="0" smtClean="0"/>
@@ -4454,6 +4876,155 @@
           </a:p>
         </p:txBody>
       </p:sp>
+      <p:sp>
+        <p:nvSpPr>
+          <p:cNvPr id="3" name="Rechteck 2"/>
+          <p:cNvSpPr/>
+          <p:nvPr/>
+        </p:nvSpPr>
+        <p:spPr>
+          <a:xfrm>
+            <a:off x="539552" y="1772816"/>
+            <a:ext cx="8280920" cy="1477328"/>
+          </a:xfrm>
+          <a:prstGeom prst="rect">
+            <a:avLst/>
+          </a:prstGeom>
+          <a:ln>
+            <a:solidFill>
+              <a:schemeClr val="accent1"/>
+            </a:solidFill>
+          </a:ln>
+        </p:spPr>
+        <p:txBody>
+          <a:bodyPr wrap="square">
+            <a:spAutoFit/>
+          </a:bodyPr>
+          <a:lstStyle/>
+          <a:p>
+            <a:pPr lvl="1"/>
+            <a:r>
+              <a:rPr lang="de-CH" b="1" dirty="0" smtClean="0"/>
+              <a:t>Hauptereignisse </a:t>
+            </a:r>
+            <a:r>
+              <a:rPr lang="de-CH" b="1" dirty="0"/>
+              <a:t>der vergangenen </a:t>
+            </a:r>
+            <a:r>
+              <a:rPr lang="de-CH" b="1" dirty="0" smtClean="0"/>
+              <a:t>Periode</a:t>
+            </a:r>
+          </a:p>
+          <a:p>
+            <a:pPr lvl="1"/>
+            <a:endParaRPr lang="de-CH" b="1" dirty="0"/>
+          </a:p>
+          <a:p>
+            <a:pPr lvl="0"/>
+            <a:r>
+              <a:rPr lang="en-ZA" dirty="0" smtClean="0"/>
+              <a:t>- </a:t>
+            </a:r>
+            <a:r>
+              <a:rPr lang="de-CH" dirty="0" smtClean="0"/>
+              <a:t>Für </a:t>
+            </a:r>
+            <a:r>
+              <a:rPr lang="de-CH" dirty="0"/>
+              <a:t>die Pflichtenhefter wurde das Projekt geplant, die Arbeitsmethoden </a:t>
+            </a:r>
+            <a:r>
+              <a:rPr lang="de-CH" dirty="0" smtClean="0"/>
+              <a:t>und die       </a:t>
+            </a:r>
+          </a:p>
+          <a:p>
+            <a:pPr lvl="0"/>
+            <a:r>
+              <a:rPr lang="de-CH" dirty="0"/>
+              <a:t> </a:t>
+            </a:r>
+            <a:r>
+              <a:rPr lang="de-CH" dirty="0" smtClean="0"/>
+              <a:t>  </a:t>
+            </a:r>
+            <a:r>
+              <a:rPr lang="de-CH" dirty="0"/>
+              <a:t>Projektziele definiert. </a:t>
+            </a:r>
+            <a:endParaRPr lang="de-CH" dirty="0" smtClean="0"/>
+          </a:p>
+          <a:p>
+            <a:pPr lvl="0"/>
+            <a:endParaRPr lang="de-CH" dirty="0"/>
+          </a:p>
+        </p:txBody>
+      </p:sp>
+      <p:pic>
+        <p:nvPicPr>
+          <p:cNvPr id="1027" name="Picture 3"/>
+          <p:cNvPicPr>
+            <a:picLocks noChangeAspect="1" noChangeArrowheads="1"/>
+          </p:cNvPicPr>
+          <p:nvPr/>
+        </p:nvPicPr>
+        <p:blipFill>
+          <a:blip r:embed="rId2">
+            <a:extLst>
+              <a:ext uri="{28A0092B-C50C-407E-A947-70E740481C1C}">
+                <a14:useLocalDpi xmlns:a14="http://schemas.microsoft.com/office/drawing/2010/main" val="0"/>
+              </a:ext>
+            </a:extLst>
+          </a:blip>
+          <a:srcRect/>
+          <a:stretch>
+            <a:fillRect/>
+          </a:stretch>
+        </p:blipFill>
+        <p:spPr bwMode="auto">
+          <a:xfrm>
+            <a:off x="539552" y="3645024"/>
+            <a:ext cx="7958584" cy="2938463"/>
+          </a:xfrm>
+          <a:prstGeom prst="rect">
+            <a:avLst/>
+          </a:prstGeom>
+          <a:noFill/>
+          <a:ln>
+            <a:noFill/>
+          </a:ln>
+          <a:effectLst/>
+          <a:extLst>
+            <a:ext uri="{909E8E84-426E-40DD-AFC4-6F175D3DCCD1}">
+              <a14:hiddenFill xmlns:a14="http://schemas.microsoft.com/office/drawing/2010/main">
+                <a:solidFill>
+                  <a:schemeClr val="accent1"/>
+                </a:solidFill>
+              </a14:hiddenFill>
+            </a:ext>
+            <a:ext uri="{91240B29-F687-4F45-9708-019B960494DF}">
+              <a14:hiddenLine xmlns:a14="http://schemas.microsoft.com/office/drawing/2010/main" w="9525">
+                <a:solidFill>
+                  <a:schemeClr val="tx1"/>
+                </a:solidFill>
+                <a:miter lim="800000"/>
+                <a:headEnd/>
+                <a:tailEnd/>
+              </a14:hiddenLine>
+            </a:ext>
+            <a:ext uri="{AF507438-7753-43E0-B8FC-AC1667EBCBE1}">
+              <a14:hiddenEffects xmlns:a14="http://schemas.microsoft.com/office/drawing/2010/main">
+                <a:effectLst>
+                  <a:outerShdw dist="35921" dir="2700000" algn="ctr" rotWithShape="0">
+                    <a:schemeClr val="bg2"/>
+                  </a:outerShdw>
+                </a:effectLst>
+              </a14:hiddenEffects>
+            </a:ext>
+          </a:extLst>
+        </p:spPr>
+      </p:pic>
     </p:spTree>
     <p:extLst>
       <p:ext uri="{BB962C8B-B14F-4D97-AF65-F5344CB8AC3E}">
@@ -4475,6 +5046,139 @@
 </file>
 
 <file path=ppt/slides/slide5.xml><?xml version="1.0" encoding="utf-8"?>
+<p:sld xmlns:a="http://schemas.openxmlformats.org/drawingml/2006/main" xmlns:r="http://schemas.openxmlformats.org/officeDocument/2006/relationships" xmlns:p="http://schemas.openxmlformats.org/presentationml/2006/main">
+  <p:cSld>
+    <p:spTree>
+      <p:nvGrpSpPr>
+        <p:cNvPr id="1" name=""/>
+        <p:cNvGrpSpPr/>
+        <p:nvPr/>
+      </p:nvGrpSpPr>
+      <p:grpSpPr>
+        <a:xfrm>
+          <a:off x="0" y="0"/>
+          <a:ext cx="0" cy="0"/>
+          <a:chOff x="0" y="0"/>
+          <a:chExt cx="0" cy="0"/>
+        </a:xfrm>
+      </p:grpSpPr>
+      <p:sp>
+        <p:nvSpPr>
+          <p:cNvPr id="4" name="Untertitel 3"/>
+          <p:cNvSpPr>
+            <a:spLocks noGrp="1"/>
+          </p:cNvSpPr>
+          <p:nvPr>
+            <p:ph type="title"/>
+          </p:nvPr>
+        </p:nvSpPr>
+        <p:spPr>
+          <a:xfrm>
+            <a:off x="457200" y="2204864"/>
+            <a:ext cx="8229600" cy="1728192"/>
+          </a:xfrm>
+        </p:spPr>
+        <p:txBody>
+          <a:bodyPr>
+            <a:normAutofit/>
+          </a:bodyPr>
+          <a:lstStyle/>
+          <a:p>
+            <a:pPr lvl="1" algn="l"/>
+            <a:r>
+              <a:rPr lang="de-CH" sz="2800" b="1" dirty="0">
+                <a:solidFill>
+                  <a:schemeClr val="tx1"/>
+                </a:solidFill>
+              </a:rPr>
+              <a:t>AP Fortschritt</a:t>
+            </a:r>
+          </a:p>
+          <a:p>
+            <a:pPr algn="l"/>
+            <a:r>
+              <a:rPr lang="de-CH" sz="1800" dirty="0">
+                <a:solidFill>
+                  <a:schemeClr val="tx1"/>
+                </a:solidFill>
+              </a:rPr>
+              <a:t>Die Analyse und der Entwurf sind auf gutem Weg und können zeitnah abgeschlossen werden. Die Realisierung wurde ebenfalls angeschnitten, indem die Teammitglieder mit der Benutzeroberfläche der Software begonnen haben.</a:t>
+            </a:r>
+          </a:p>
+          <a:p>
+            <a:pPr algn="l"/>
+            <a:endParaRPr lang="de-CH" dirty="0"/>
+          </a:p>
+        </p:txBody>
+      </p:sp>
+      <p:sp>
+        <p:nvSpPr>
+          <p:cNvPr id="5" name="Rechteck 4"/>
+          <p:cNvSpPr/>
+          <p:nvPr/>
+        </p:nvSpPr>
+        <p:spPr>
+          <a:xfrm>
+            <a:off x="539552" y="4581128"/>
+            <a:ext cx="8064896" cy="928459"/>
+          </a:xfrm>
+          <a:prstGeom prst="rect">
+            <a:avLst/>
+          </a:prstGeom>
+        </p:spPr>
+        <p:txBody>
+          <a:bodyPr wrap="square">
+            <a:spAutoFit/>
+          </a:bodyPr>
+          <a:lstStyle/>
+          <a:p>
+            <a:pPr marL="742950" lvl="1" indent="-285750">
+              <a:lnSpc>
+                <a:spcPts val="1600"/>
+              </a:lnSpc>
+              <a:spcBef>
+                <a:spcPts val="1200"/>
+              </a:spcBef>
+              <a:spcAft>
+                <a:spcPts val="600"/>
+              </a:spcAft>
+              <a:buFont typeface="+mj-lt"/>
+              <a:buAutoNum type="arabicPeriod"/>
+            </a:pPr>
+            <a:r>
+              <a:rPr lang="de-CH" b="1" dirty="0">
+                <a:latin typeface="Arial"/>
+              </a:rPr>
+              <a:t>Geplante Aktivitäten für die nächste Periode</a:t>
+            </a:r>
+          </a:p>
+          <a:p>
+            <a:r>
+              <a:rPr lang="de-CH" dirty="0">
+                <a:latin typeface="Arial"/>
+                <a:ea typeface="Times New Roman"/>
+                <a:cs typeface="Times New Roman"/>
+              </a:rPr>
+              <a:t>Die Analyse und der Entwurf des Projekts werden abgeschlossen. Die ganze Gruppe kann sich auf die Realisierung konzentrieren.</a:t>
+            </a:r>
+            <a:endParaRPr lang="de-CH" dirty="0"/>
+          </a:p>
+        </p:txBody>
+      </p:sp>
+    </p:spTree>
+    <p:extLst>
+      <p:ext uri="{BB962C8B-B14F-4D97-AF65-F5344CB8AC3E}">
+        <p14:creationId xmlns:p14="http://schemas.microsoft.com/office/powerpoint/2010/main" val="3053441603"/>
+      </p:ext>
+    </p:extLst>
+  </p:cSld>
+  <p:clrMapOvr>
+    <a:masterClrMapping/>
+  </p:clrMapOvr>
+</p:sld>
+</file>
+
+<file path=ppt/slides/slide6.xml><?xml version="1.0" encoding="utf-8"?>
 <p:sld xmlns:a="http://schemas.openxmlformats.org/drawingml/2006/main" xmlns:r="http://schemas.openxmlformats.org/officeDocument/2006/relationships" xmlns:p="http://schemas.openxmlformats.org/presentationml/2006/main">
   <p:cSld>
     <p:spTree>
@@ -4704,9 +5408,12 @@
             <a:lstStyle/>
             <a:p>
               <a:r>
-                <a:rPr lang="de-CH" sz="2800" b="1" dirty="0"/>
+                <a:rPr lang="de-CH" sz="2800" b="1" dirty="0">
+                  <a:hlinkClick r:id="rId2" action="ppaction://hlinksldjump"/>
+                </a:rPr>
                 <a:t>Berechnungen</a:t>
               </a:r>
+              <a:endParaRPr lang="de-CH" sz="2800" b="1" dirty="0"/>
             </a:p>
           </p:txBody>
         </p:sp>
@@ -4768,7 +5475,9 @@
         </p:sp>
         <p:sp>
           <p:nvSpPr>
-            <p:cNvPr id="16" name="Rechteck 15"/>
+            <p:cNvPr id="16" name="Rechteck 15">
+              <a:hlinkClick r:id="rId3" action="ppaction://hlinksldjump"/>
+            </p:cNvPr>
             <p:cNvSpPr/>
             <p:nvPr/>
           </p:nvSpPr>
@@ -4873,7 +5582,7 @@
             <a:p>
               <a:r>
                 <a:rPr lang="de-CH" sz="3200" b="1" dirty="0">
-                  <a:hlinkClick r:id="rId2" action="ppaction://hlinksldjump"/>
+                  <a:hlinkClick r:id="rId4" action="ppaction://hlinksldjump"/>
                 </a:rPr>
                 <a:t>Software</a:t>
               </a:r>
@@ -4886,128 +5595,6 @@
     <p:extLst>
       <p:ext uri="{BB962C8B-B14F-4D97-AF65-F5344CB8AC3E}">
         <p14:creationId xmlns:p14="http://schemas.microsoft.com/office/powerpoint/2010/main" val="3467518857"/>
-      </p:ext>
-    </p:extLst>
-  </p:cSld>
-  <p:clrMapOvr>
-    <a:masterClrMapping/>
-  </p:clrMapOvr>
-  <p:timing>
-    <p:tnLst>
-      <p:par>
-        <p:cTn id="1" dur="indefinite" restart="never" nodeType="tmRoot"/>
-      </p:par>
-    </p:tnLst>
-  </p:timing>
-</p:sld>
-</file>
-
-<file path=ppt/slides/slide6.xml><?xml version="1.0" encoding="utf-8"?>
-<p:sld xmlns:a="http://schemas.openxmlformats.org/drawingml/2006/main" xmlns:r="http://schemas.openxmlformats.org/officeDocument/2006/relationships" xmlns:p="http://schemas.openxmlformats.org/presentationml/2006/main">
-  <p:cSld>
-    <p:spTree>
-      <p:nvGrpSpPr>
-        <p:cNvPr id="1" name=""/>
-        <p:cNvGrpSpPr/>
-        <p:nvPr/>
-      </p:nvGrpSpPr>
-      <p:grpSpPr>
-        <a:xfrm>
-          <a:off x="0" y="0"/>
-          <a:ext cx="0" cy="0"/>
-          <a:chOff x="0" y="0"/>
-          <a:chExt cx="0" cy="0"/>
-        </a:xfrm>
-      </p:grpSpPr>
-      <p:sp>
-        <p:nvSpPr>
-          <p:cNvPr id="2" name="Titel 1"/>
-          <p:cNvSpPr>
-            <a:spLocks noGrp="1"/>
-          </p:cNvSpPr>
-          <p:nvPr>
-            <p:ph type="title"/>
-          </p:nvPr>
-        </p:nvSpPr>
-        <p:spPr/>
-        <p:txBody>
-          <a:bodyPr/>
-          <a:lstStyle/>
-          <a:p>
-            <a:pPr algn="l"/>
-            <a:r>
-              <a:rPr lang="de-CH" dirty="0"/>
-              <a:t>Bedienoberfläche</a:t>
-            </a:r>
-          </a:p>
-        </p:txBody>
-      </p:sp>
-      <p:sp>
-        <p:nvSpPr>
-          <p:cNvPr id="3" name="Inhaltsplatzhalter 2"/>
-          <p:cNvSpPr>
-            <a:spLocks noGrp="1"/>
-          </p:cNvSpPr>
-          <p:nvPr>
-            <p:ph idx="1"/>
-          </p:nvPr>
-        </p:nvSpPr>
-        <p:spPr/>
-        <p:txBody>
-          <a:bodyPr>
-            <a:normAutofit/>
-          </a:bodyPr>
-          <a:lstStyle/>
-          <a:p>
-            <a:r>
-              <a:rPr lang="de-CH" sz="2000" dirty="0" err="1" smtClean="0"/>
-              <a:t>Dimensionelle</a:t>
-            </a:r>
-            <a:r>
-              <a:rPr lang="de-CH" sz="2000" dirty="0" smtClean="0"/>
-              <a:t> </a:t>
-            </a:r>
-            <a:r>
-              <a:rPr lang="de-CH" sz="2000" dirty="0"/>
-              <a:t>Darstellung der </a:t>
-            </a:r>
-            <a:r>
-              <a:rPr lang="de-CH" sz="2000" dirty="0" smtClean="0"/>
-              <a:t>Kurven</a:t>
-            </a:r>
-          </a:p>
-          <a:p>
-            <a:r>
-              <a:rPr lang="de-CH" sz="2000" dirty="0"/>
-              <a:t>Menüleiste mit gröberen Einstellungen und </a:t>
-            </a:r>
-            <a:r>
-              <a:rPr lang="de-CH" sz="2000" dirty="0" smtClean="0"/>
-              <a:t>Funktionen</a:t>
-            </a:r>
-          </a:p>
-          <a:p>
-            <a:r>
-              <a:rPr lang="de-CH" sz="2000" dirty="0"/>
-              <a:t>Werte der parasitären Parameter </a:t>
-            </a:r>
-            <a:endParaRPr lang="de-CH" sz="2000" dirty="0" smtClean="0"/>
-          </a:p>
-          <a:p>
-            <a:r>
-              <a:rPr lang="de-CH" sz="2000" dirty="0"/>
-              <a:t>Graphische Darstellung der Einfügungsverluste in Abhängigkeit der Frequenz (CM, DM) in ein Kurvendiagramm.</a:t>
-            </a:r>
-          </a:p>
-          <a:p>
-            <a:endParaRPr lang="de-CH" sz="2000" dirty="0"/>
-          </a:p>
-        </p:txBody>
-      </p:sp>
-    </p:spTree>
-    <p:extLst>
-      <p:ext uri="{BB962C8B-B14F-4D97-AF65-F5344CB8AC3E}">
-        <p14:creationId xmlns:p14="http://schemas.microsoft.com/office/powerpoint/2010/main" val="1292541428"/>
       </p:ext>
     </p:extLst>
   </p:cSld>
@@ -5056,11 +5643,11 @@
           <a:bodyPr/>
           <a:lstStyle/>
           <a:p>
-            <a:r>
-              <a:rPr lang="de-CH" dirty="0" smtClean="0"/>
-              <a:t>Software </a:t>
-            </a:r>
-            <a:endParaRPr lang="de-CH" dirty="0"/>
+            <a:pPr algn="l"/>
+            <a:r>
+              <a:rPr lang="de-CH" dirty="0"/>
+              <a:t>Bedienoberfläche</a:t>
+            </a:r>
           </a:p>
         </p:txBody>
       </p:sp>
@@ -5082,64 +5669,43 @@
           <a:lstStyle/>
           <a:p>
             <a:r>
+              <a:rPr lang="de-CH" sz="2000" dirty="0" err="1" smtClean="0"/>
+              <a:t>Dimensionelle</a:t>
+            </a:r>
+            <a:r>
               <a:rPr lang="de-CH" sz="2000" dirty="0" smtClean="0"/>
-              <a:t>Java Version JDK11</a:t>
-            </a:r>
-          </a:p>
-          <a:p>
+              <a:t> </a:t>
+            </a:r>
             <a:r>
               <a:rPr lang="de-CH" sz="2000" dirty="0"/>
-              <a:t>Software ist in der MVC Architektur </a:t>
+              <a:t>Darstellung der </a:t>
             </a:r>
             <a:r>
               <a:rPr lang="de-CH" sz="2000" dirty="0" smtClean="0"/>
-              <a:t>realisiert</a:t>
+              <a:t>Kurven</a:t>
             </a:r>
           </a:p>
           <a:p>
             <a:r>
               <a:rPr lang="de-CH" sz="2000" dirty="0"/>
-              <a:t>Die Softwarearchitektur ermöglicht es, die Funktionalitäten des Programms beliebig zu erweitern, ohne dass dabei die Komplexität in gleichem Masse zunimmt.</a:t>
+              <a:t>Menüleiste mit gröberen Einstellungen und </a:t>
+            </a:r>
+            <a:r>
+              <a:rPr lang="de-CH" sz="2000" dirty="0" smtClean="0"/>
+              <a:t>Funktionen</a:t>
             </a:r>
           </a:p>
           <a:p>
             <a:r>
               <a:rPr lang="de-CH" sz="2000" dirty="0"/>
-              <a:t>Inhalt, Darstellung und Berechnungsalgorithmen sind im Quellcode wo immer möglich voneinander getrennt. </a:t>
-            </a:r>
+              <a:t>Werte der parasitären Parameter </a:t>
+            </a:r>
+            <a:endParaRPr lang="de-CH" sz="2000" dirty="0" smtClean="0"/>
           </a:p>
           <a:p>
             <a:r>
               <a:rPr lang="de-CH" sz="2000" dirty="0"/>
-              <a:t>Für die Darstellung der Bedienoberfläche wird </a:t>
-            </a:r>
-            <a:r>
-              <a:rPr lang="de-CH" sz="2000" dirty="0" smtClean="0"/>
-              <a:t>Java FX </a:t>
-            </a:r>
-            <a:r>
-              <a:rPr lang="de-CH" sz="2000" dirty="0"/>
-              <a:t>verwendet</a:t>
-            </a:r>
-          </a:p>
-          <a:p>
-            <a:r>
-              <a:rPr lang="de-CH" sz="2000" dirty="0" err="1"/>
-              <a:t>Dimensionelle</a:t>
-            </a:r>
-            <a:r>
-              <a:rPr lang="de-CH" sz="2000" dirty="0"/>
-              <a:t> Darstellung der Kurven </a:t>
-            </a:r>
-          </a:p>
-          <a:p>
-            <a:r>
-              <a:rPr lang="de-CH" sz="2000" dirty="0"/>
-              <a:t>das Frequenzverhalten und die Einfügungsverluste von CM und DM des EMI-Filters vorhergesagt werden </a:t>
-            </a:r>
-            <a:r>
-              <a:rPr lang="de-CH" sz="2000" dirty="0" smtClean="0"/>
-              <a:t>können</a:t>
+              <a:t>Graphische Darstellung der Einfügungsverluste in Abhängigkeit der Frequenz (CM, DM) in ein Kurvendiagramm.</a:t>
             </a:r>
           </a:p>
           <a:p>
@@ -5150,7 +5716,7 @@
     </p:spTree>
     <p:extLst>
       <p:ext uri="{BB962C8B-B14F-4D97-AF65-F5344CB8AC3E}">
-        <p14:creationId xmlns:p14="http://schemas.microsoft.com/office/powerpoint/2010/main" val="2624663887"/>
+        <p14:creationId xmlns:p14="http://schemas.microsoft.com/office/powerpoint/2010/main" val="1292541428"/>
       </p:ext>
     </p:extLst>
   </p:cSld>
@@ -5184,113 +5750,116 @@
           <a:chExt cx="0" cy="0"/>
         </a:xfrm>
       </p:grpSpPr>
-      <p:pic>
-        <p:nvPicPr>
-          <p:cNvPr id="4" name="Picture 8"/>
-          <p:cNvPicPr>
-            <a:picLocks noGrp="1"/>
-          </p:cNvPicPr>
+      <p:sp>
+        <p:nvSpPr>
+          <p:cNvPr id="2" name="Titel 1"/>
+          <p:cNvSpPr>
+            <a:spLocks noGrp="1"/>
+          </p:cNvSpPr>
+          <p:nvPr>
+            <p:ph type="title"/>
+          </p:nvPr>
+        </p:nvSpPr>
+        <p:spPr/>
+        <p:txBody>
+          <a:bodyPr/>
+          <a:lstStyle/>
+          <a:p>
+            <a:r>
+              <a:rPr lang="de-CH" dirty="0" smtClean="0"/>
+              <a:t>Software </a:t>
+            </a:r>
+            <a:endParaRPr lang="de-CH" dirty="0"/>
+          </a:p>
+        </p:txBody>
+      </p:sp>
+      <p:sp>
+        <p:nvSpPr>
+          <p:cNvPr id="3" name="Inhaltsplatzhalter 2"/>
+          <p:cNvSpPr>
+            <a:spLocks noGrp="1"/>
+          </p:cNvSpPr>
           <p:nvPr>
             <p:ph idx="1"/>
           </p:nvPr>
-        </p:nvPicPr>
-        <p:blipFill>
-          <a:blip r:embed="rId2" cstate="print">
-            <a:extLst>
-              <a:ext uri="{28A0092B-C50C-407E-A947-70E740481C1C}">
-                <a14:useLocalDpi xmlns:a14="http://schemas.microsoft.com/office/drawing/2010/main" val="0"/>
-              </a:ext>
-            </a:extLst>
-          </a:blip>
-          <a:stretch>
-            <a:fillRect/>
-          </a:stretch>
-        </p:blipFill>
-        <p:spPr>
-          <a:xfrm>
-            <a:off x="1043608" y="1340768"/>
-            <a:ext cx="6984776" cy="4032448"/>
-          </a:xfrm>
-          <a:prstGeom prst="rect">
-            <a:avLst/>
-          </a:prstGeom>
-        </p:spPr>
-      </p:pic>
-      <p:sp>
-        <p:nvSpPr>
-          <p:cNvPr id="5" name="Rechteck 4"/>
-          <p:cNvSpPr/>
-          <p:nvPr/>
-        </p:nvSpPr>
-        <p:spPr>
-          <a:xfrm>
-            <a:off x="668467" y="476672"/>
-            <a:ext cx="3674660" cy="523220"/>
-          </a:xfrm>
-          <a:prstGeom prst="rect">
-            <a:avLst/>
-          </a:prstGeom>
-        </p:spPr>
-        <p:txBody>
-          <a:bodyPr wrap="none">
-            <a:spAutoFit/>
+        </p:nvSpPr>
+        <p:spPr/>
+        <p:txBody>
+          <a:bodyPr>
+            <a:normAutofit/>
           </a:bodyPr>
           <a:lstStyle/>
           <a:p>
             <a:r>
-              <a:rPr lang="de-CH" sz="2800" dirty="0" err="1" smtClean="0">
-                <a:solidFill>
-                  <a:schemeClr val="tx2">
-                    <a:lumMod val="75000"/>
-                  </a:schemeClr>
-                </a:solidFill>
-              </a:rPr>
-              <a:t>Mcok</a:t>
-            </a:r>
-            <a:r>
-              <a:rPr lang="de-CH" sz="2800" dirty="0" err="1">
-                <a:solidFill>
-                  <a:schemeClr val="tx2">
-                    <a:lumMod val="75000"/>
-                  </a:schemeClr>
-                </a:solidFill>
-              </a:rPr>
-              <a:t>-</a:t>
-            </a:r>
-            <a:r>
-              <a:rPr lang="de-CH" sz="2800" dirty="0" err="1" smtClean="0">
-                <a:solidFill>
-                  <a:schemeClr val="tx2">
-                    <a:lumMod val="75000"/>
-                  </a:schemeClr>
-                </a:solidFill>
-              </a:rPr>
-              <a:t>Up</a:t>
-            </a:r>
-            <a:r>
-              <a:rPr lang="de-CH" sz="2800" dirty="0" smtClean="0">
-                <a:solidFill>
-                  <a:schemeClr val="tx2">
-                    <a:lumMod val="75000"/>
-                  </a:schemeClr>
-                </a:solidFill>
-              </a:rPr>
-              <a:t> / Die Schemas</a:t>
-            </a:r>
-            <a:endParaRPr lang="de-CH" dirty="0">
-              <a:solidFill>
-                <a:schemeClr val="tx2">
-                  <a:lumMod val="75000"/>
-                </a:schemeClr>
-              </a:solidFill>
-            </a:endParaRPr>
+              <a:rPr lang="de-CH" sz="2000" dirty="0" smtClean="0"/>
+              <a:t>Java Version JDK11</a:t>
+            </a:r>
+          </a:p>
+          <a:p>
+            <a:r>
+              <a:rPr lang="de-CH" sz="2000" dirty="0"/>
+              <a:t>Software ist in der MVC Architektur </a:t>
+            </a:r>
+            <a:r>
+              <a:rPr lang="de-CH" sz="2000" dirty="0" smtClean="0"/>
+              <a:t>realisiert</a:t>
+            </a:r>
+          </a:p>
+          <a:p>
+            <a:r>
+              <a:rPr lang="de-CH" sz="2000" dirty="0"/>
+              <a:t>Die Softwarearchitektur ermöglicht es, die Funktionalitäten des Programms beliebig zu erweitern, ohne dass dabei die Komplexität in gleichem Masse zunimmt.</a:t>
+            </a:r>
+          </a:p>
+          <a:p>
+            <a:r>
+              <a:rPr lang="de-CH" sz="2000" dirty="0"/>
+              <a:t>Inhalt, Darstellung und Berechnungsalgorithmen sind im Quellcode wo immer möglich voneinander getrennt. </a:t>
+            </a:r>
+          </a:p>
+          <a:p>
+            <a:r>
+              <a:rPr lang="de-CH" sz="2000" dirty="0"/>
+              <a:t>Für die Darstellung der Bedienoberfläche wird </a:t>
+            </a:r>
+            <a:r>
+              <a:rPr lang="de-CH" sz="2000" dirty="0" smtClean="0"/>
+              <a:t>Java FX </a:t>
+            </a:r>
+            <a:r>
+              <a:rPr lang="de-CH" sz="2000" dirty="0"/>
+              <a:t>verwendet</a:t>
+            </a:r>
+          </a:p>
+          <a:p>
+            <a:r>
+              <a:rPr lang="de-CH" sz="2000" dirty="0" err="1"/>
+              <a:t>Dimensionelle</a:t>
+            </a:r>
+            <a:r>
+              <a:rPr lang="de-CH" sz="2000" dirty="0"/>
+              <a:t> Darstellung der Kurven </a:t>
+            </a:r>
+          </a:p>
+          <a:p>
+            <a:r>
+              <a:rPr lang="de-CH" sz="2000" dirty="0"/>
+              <a:t>das Frequenzverhalten und die Einfügungsverluste von CM und DM des EMI-Filters vorhergesagt werden </a:t>
+            </a:r>
+            <a:r>
+              <a:rPr lang="de-CH" sz="2000" dirty="0" smtClean="0"/>
+              <a:t>können</a:t>
+            </a:r>
+          </a:p>
+          <a:p>
+            <a:endParaRPr lang="de-CH" sz="2000" dirty="0"/>
           </a:p>
         </p:txBody>
       </p:sp>
     </p:spTree>
     <p:extLst>
       <p:ext uri="{BB962C8B-B14F-4D97-AF65-F5344CB8AC3E}">
-        <p14:creationId xmlns:p14="http://schemas.microsoft.com/office/powerpoint/2010/main" val="944503420"/>
+        <p14:creationId xmlns:p14="http://schemas.microsoft.com/office/powerpoint/2010/main" val="2624663887"/>
       </p:ext>
     </p:extLst>
   </p:cSld>
@@ -5324,122 +5893,113 @@
           <a:chExt cx="0" cy="0"/>
         </a:xfrm>
       </p:grpSpPr>
-      <p:sp>
-        <p:nvSpPr>
-          <p:cNvPr id="3" name="Inhaltsplatzhalter 2"/>
-          <p:cNvSpPr>
-            <a:spLocks noGrp="1"/>
-          </p:cNvSpPr>
+      <p:pic>
+        <p:nvPicPr>
+          <p:cNvPr id="4" name="Picture 8"/>
+          <p:cNvPicPr>
+            <a:picLocks noGrp="1"/>
+          </p:cNvPicPr>
           <p:nvPr>
             <p:ph idx="1"/>
           </p:nvPr>
-        </p:nvSpPr>
-        <p:spPr/>
-        <p:txBody>
-          <a:bodyPr>
-            <a:normAutofit fontScale="55000" lnSpcReduction="20000"/>
-          </a:bodyPr>
-          <a:lstStyle/>
-          <a:p>
-            <a:r>
-              <a:rPr lang="de-DE" dirty="0"/>
-              <a:t>Anzeigefenster für jeweils DM und CM , </a:t>
-            </a:r>
-            <a:r>
-              <a:rPr lang="de-CH" dirty="0"/>
-              <a:t>sowie Haupt- und </a:t>
-            </a:r>
-            <a:r>
-              <a:rPr lang="de-CH" dirty="0" err="1"/>
-              <a:t>Parasitärparametern</a:t>
-            </a:r>
-            <a:endParaRPr lang="de-CH" dirty="0"/>
-          </a:p>
-          <a:p>
-            <a:r>
-              <a:rPr lang="de-CH" dirty="0"/>
-              <a:t>Selbsterklärende und benutzerfreundlichere Bedienoberfläche</a:t>
-            </a:r>
-          </a:p>
-          <a:p>
-            <a:r>
-              <a:rPr lang="de-CH" dirty="0"/>
-              <a:t>Sichtbare Beschriftung </a:t>
-            </a:r>
-          </a:p>
-          <a:p>
-            <a:r>
-              <a:rPr lang="de-CH" dirty="0" err="1"/>
-              <a:t>Eiinfach</a:t>
-            </a:r>
-            <a:r>
-              <a:rPr lang="de-CH" dirty="0"/>
-              <a:t> werden die Daten gespeichert,geladen und ausgedruckt . </a:t>
-            </a:r>
-          </a:p>
-          <a:p>
-            <a:r>
-              <a:rPr lang="de-CH" dirty="0"/>
-              <a:t>Die Einfügungsverluste werden jeweils separat für CM und DM </a:t>
-            </a:r>
-          </a:p>
-          <a:p>
-            <a:r>
-              <a:rPr lang="de-CH" dirty="0"/>
-              <a:t>in einem Diagramm in Abhängigkeit der Frequenz dargestellt.</a:t>
-            </a:r>
-          </a:p>
-          <a:p>
-            <a:r>
-              <a:rPr lang="de-CH" dirty="0"/>
-              <a:t>Die Einzelansicht der Schaltungen begünstigen eine genaue Analyse der Kurve.</a:t>
-            </a:r>
-          </a:p>
-          <a:p>
-            <a:endParaRPr lang="de-CH" dirty="0"/>
-          </a:p>
-        </p:txBody>
-      </p:sp>
-      <p:sp>
-        <p:nvSpPr>
-          <p:cNvPr id="4" name="Titel 3"/>
-          <p:cNvSpPr>
-            <a:spLocks noGrp="1"/>
-          </p:cNvSpPr>
-          <p:nvPr>
-            <p:ph type="title"/>
-          </p:nvPr>
-        </p:nvSpPr>
+        </p:nvPicPr>
+        <p:blipFill>
+          <a:blip r:embed="rId2" cstate="print">
+            <a:extLst>
+              <a:ext uri="{28A0092B-C50C-407E-A947-70E740481C1C}">
+                <a14:useLocalDpi xmlns:a14="http://schemas.microsoft.com/office/drawing/2010/main" val="0"/>
+              </a:ext>
+            </a:extLst>
+          </a:blip>
+          <a:stretch>
+            <a:fillRect/>
+          </a:stretch>
+        </p:blipFill>
         <p:spPr>
           <a:xfrm>
-            <a:off x="4444401" y="492195"/>
-            <a:ext cx="255198" cy="707886"/>
+            <a:off x="1043608" y="1340768"/>
+            <a:ext cx="6984776" cy="4032448"/>
           </a:xfrm>
           <a:prstGeom prst="rect">
             <a:avLst/>
           </a:prstGeom>
         </p:spPr>
+      </p:pic>
+      <p:sp>
+        <p:nvSpPr>
+          <p:cNvPr id="5" name="Rechteck 4"/>
+          <p:cNvSpPr/>
+          <p:nvPr/>
+        </p:nvSpPr>
+        <p:spPr>
+          <a:xfrm>
+            <a:off x="668467" y="476672"/>
+            <a:ext cx="3674660" cy="523220"/>
+          </a:xfrm>
+          <a:prstGeom prst="rect">
+            <a:avLst/>
+          </a:prstGeom>
+        </p:spPr>
         <p:txBody>
           <a:bodyPr wrap="none">
             <a:spAutoFit/>
           </a:bodyPr>
           <a:lstStyle/>
           <a:p>
-            <a:endParaRPr lang="de-CH" sz="2000" dirty="0" smtClean="0"/>
-          </a:p>
-          <a:p>
-            <a:r>
-              <a:rPr lang="de-CH" sz="2000" dirty="0" smtClean="0"/>
-              <a:t> </a:t>
-            </a:r>
-            <a:endParaRPr lang="de-CH" sz="2000" dirty="0"/>
+            <a:r>
+              <a:rPr lang="de-CH" sz="2800" dirty="0" err="1" smtClean="0">
+                <a:solidFill>
+                  <a:schemeClr val="tx2">
+                    <a:lumMod val="75000"/>
+                  </a:schemeClr>
+                </a:solidFill>
+              </a:rPr>
+              <a:t>Mcok</a:t>
+            </a:r>
+            <a:r>
+              <a:rPr lang="de-CH" sz="2800" dirty="0" err="1">
+                <a:solidFill>
+                  <a:schemeClr val="tx2">
+                    <a:lumMod val="75000"/>
+                  </a:schemeClr>
+                </a:solidFill>
+              </a:rPr>
+              <a:t>-</a:t>
+            </a:r>
+            <a:r>
+              <a:rPr lang="de-CH" sz="2800" dirty="0" err="1" smtClean="0">
+                <a:solidFill>
+                  <a:schemeClr val="tx2">
+                    <a:lumMod val="75000"/>
+                  </a:schemeClr>
+                </a:solidFill>
+              </a:rPr>
+              <a:t>Up</a:t>
+            </a:r>
+            <a:r>
+              <a:rPr lang="de-CH" sz="2800" dirty="0" smtClean="0">
+                <a:solidFill>
+                  <a:schemeClr val="tx2">
+                    <a:lumMod val="75000"/>
+                  </a:schemeClr>
+                </a:solidFill>
+              </a:rPr>
+              <a:t> / Die Schemas</a:t>
+            </a:r>
+            <a:endParaRPr lang="de-CH" dirty="0">
+              <a:solidFill>
+                <a:schemeClr val="tx2">
+                  <a:lumMod val="75000"/>
+                </a:schemeClr>
+              </a:solidFill>
+            </a:endParaRPr>
           </a:p>
         </p:txBody>
       </p:sp>
     </p:spTree>
     <p:extLst>
       <p:ext uri="{BB962C8B-B14F-4D97-AF65-F5344CB8AC3E}">
-        <p14:creationId xmlns:p14="http://schemas.microsoft.com/office/powerpoint/2010/main" val="3446876240"/>
+        <p14:creationId xmlns:p14="http://schemas.microsoft.com/office/powerpoint/2010/main" val="944503420"/>
       </p:ext>
     </p:extLst>
   </p:cSld>
@@ -5449,80 +6009,9 @@
   <p:timing>
     <p:tnLst>
       <p:par>
-        <p:cTn id="1" dur="indefinite" restart="never" nodeType="tmRoot">
-          <p:childTnLst>
-            <p:seq concurrent="1" nextAc="seek">
-              <p:cTn id="2" dur="indefinite" nodeType="mainSeq">
-                <p:childTnLst>
-                  <p:par>
-                    <p:cTn id="3" fill="hold">
-                      <p:stCondLst>
-                        <p:cond delay="indefinite"/>
-                      </p:stCondLst>
-                      <p:childTnLst>
-                        <p:par>
-                          <p:cTn id="4" fill="hold">
-                            <p:stCondLst>
-                              <p:cond delay="0"/>
-                            </p:stCondLst>
-                            <p:childTnLst>
-                              <p:par>
-                                <p:cTn id="5" presetID="1" presetClass="entr" presetSubtype="0" fill="hold" grpId="0" nodeType="clickEffect">
-                                  <p:stCondLst>
-                                    <p:cond delay="0"/>
-                                  </p:stCondLst>
-                                  <p:childTnLst>
-                                    <p:set>
-                                      <p:cBhvr>
-                                        <p:cTn id="6" dur="1" fill="hold">
-                                          <p:stCondLst>
-                                            <p:cond delay="0"/>
-                                          </p:stCondLst>
-                                        </p:cTn>
-                                        <p:tgtEl>
-                                          <p:spTgt spid="4"/>
-                                        </p:tgtEl>
-                                        <p:attrNameLst>
-                                          <p:attrName>style.visibility</p:attrName>
-                                        </p:attrNameLst>
-                                      </p:cBhvr>
-                                      <p:to>
-                                        <p:strVal val="visible"/>
-                                      </p:to>
-                                    </p:set>
-                                  </p:childTnLst>
-                                </p:cTn>
-                              </p:par>
-                            </p:childTnLst>
-                          </p:cTn>
-                        </p:par>
-                      </p:childTnLst>
-                    </p:cTn>
-                  </p:par>
-                </p:childTnLst>
-              </p:cTn>
-              <p:prevCondLst>
-                <p:cond evt="onPrev" delay="0">
-                  <p:tgtEl>
-                    <p:sldTgt/>
-                  </p:tgtEl>
-                </p:cond>
-              </p:prevCondLst>
-              <p:nextCondLst>
-                <p:cond evt="onNext" delay="0">
-                  <p:tgtEl>
-                    <p:sldTgt/>
-                  </p:tgtEl>
-                </p:cond>
-              </p:nextCondLst>
-            </p:seq>
-          </p:childTnLst>
-        </p:cTn>
+        <p:cTn id="1" dur="indefinite" restart="never" nodeType="tmRoot"/>
       </p:par>
     </p:tnLst>
-    <p:bldLst>
-      <p:bldP spid="4" grpId="0"/>
-    </p:bldLst>
   </p:timing>
 </p:sld>
 </file>

--- a/ZwischenPresäntation.pptx
+++ b/ZwischenPresäntation.pptx
@@ -6,7 +6,7 @@
   </p:sldMasterIdLst>
   <p:sldIdLst>
     <p:sldId id="256" r:id="rId2"/>
-    <p:sldId id="260" r:id="rId3"/>
+    <p:sldId id="273" r:id="rId3"/>
     <p:sldId id="261" r:id="rId4"/>
     <p:sldId id="259" r:id="rId5"/>
     <p:sldId id="272" r:id="rId6"/>
@@ -119,6 +119,5300 @@
     </a:lvl9pPr>
   </p:defaultTextStyle>
 </p:presentation>
+</file>
+
+<file path=ppt/diagrams/colors1.xml><?xml version="1.0" encoding="utf-8"?>
+<dgm:colorsDef xmlns:dgm="http://schemas.openxmlformats.org/drawingml/2006/diagram" xmlns:a="http://schemas.openxmlformats.org/drawingml/2006/main" uniqueId="urn:microsoft.com/office/officeart/2005/8/colors/accent1_2">
+  <dgm:title val=""/>
+  <dgm:desc val=""/>
+  <dgm:catLst>
+    <dgm:cat type="accent1" pri="11200"/>
+  </dgm:catLst>
+  <dgm:styleLbl name="node0">
+    <dgm:fillClrLst meth="repeat">
+      <a:schemeClr val="accent1"/>
+    </dgm:fillClrLst>
+    <dgm:linClrLst meth="repeat">
+      <a:schemeClr val="lt1"/>
+    </dgm:linClrLst>
+    <dgm:effectClrLst/>
+    <dgm:txLinClrLst/>
+    <dgm:txFillClrLst/>
+    <dgm:txEffectClrLst/>
+  </dgm:styleLbl>
+  <dgm:styleLbl name="alignNode1">
+    <dgm:fillClrLst meth="repeat">
+      <a:schemeClr val="accent1"/>
+    </dgm:fillClrLst>
+    <dgm:linClrLst meth="repeat">
+      <a:schemeClr val="accent1"/>
+    </dgm:linClrLst>
+    <dgm:effectClrLst/>
+    <dgm:txLinClrLst/>
+    <dgm:txFillClrLst/>
+    <dgm:txEffectClrLst/>
+  </dgm:styleLbl>
+  <dgm:styleLbl name="node1">
+    <dgm:fillClrLst meth="repeat">
+      <a:schemeClr val="accent1"/>
+    </dgm:fillClrLst>
+    <dgm:linClrLst meth="repeat">
+      <a:schemeClr val="lt1"/>
+    </dgm:linClrLst>
+    <dgm:effectClrLst/>
+    <dgm:txLinClrLst/>
+    <dgm:txFillClrLst/>
+    <dgm:txEffectClrLst/>
+  </dgm:styleLbl>
+  <dgm:styleLbl name="lnNode1">
+    <dgm:fillClrLst meth="repeat">
+      <a:schemeClr val="accent1"/>
+    </dgm:fillClrLst>
+    <dgm:linClrLst meth="repeat">
+      <a:schemeClr val="lt1"/>
+    </dgm:linClrLst>
+    <dgm:effectClrLst/>
+    <dgm:txLinClrLst/>
+    <dgm:txFillClrLst/>
+    <dgm:txEffectClrLst/>
+  </dgm:styleLbl>
+  <dgm:styleLbl name="vennNode1">
+    <dgm:fillClrLst meth="repeat">
+      <a:schemeClr val="accent1">
+        <a:alpha val="50000"/>
+      </a:schemeClr>
+    </dgm:fillClrLst>
+    <dgm:linClrLst meth="repeat">
+      <a:schemeClr val="lt1"/>
+    </dgm:linClrLst>
+    <dgm:effectClrLst/>
+    <dgm:txLinClrLst/>
+    <dgm:txFillClrLst/>
+    <dgm:txEffectClrLst/>
+  </dgm:styleLbl>
+  <dgm:styleLbl name="node2">
+    <dgm:fillClrLst meth="repeat">
+      <a:schemeClr val="accent1"/>
+    </dgm:fillClrLst>
+    <dgm:linClrLst meth="repeat">
+      <a:schemeClr val="lt1"/>
+    </dgm:linClrLst>
+    <dgm:effectClrLst/>
+    <dgm:txLinClrLst/>
+    <dgm:txFillClrLst/>
+    <dgm:txEffectClrLst/>
+  </dgm:styleLbl>
+  <dgm:styleLbl name="node3">
+    <dgm:fillClrLst meth="repeat">
+      <a:schemeClr val="accent1"/>
+    </dgm:fillClrLst>
+    <dgm:linClrLst meth="repeat">
+      <a:schemeClr val="lt1"/>
+    </dgm:linClrLst>
+    <dgm:effectClrLst/>
+    <dgm:txLinClrLst/>
+    <dgm:txFillClrLst/>
+    <dgm:txEffectClrLst/>
+  </dgm:styleLbl>
+  <dgm:styleLbl name="node4">
+    <dgm:fillClrLst meth="repeat">
+      <a:schemeClr val="accent1"/>
+    </dgm:fillClrLst>
+    <dgm:linClrLst meth="repeat">
+      <a:schemeClr val="lt1"/>
+    </dgm:linClrLst>
+    <dgm:effectClrLst/>
+    <dgm:txLinClrLst/>
+    <dgm:txFillClrLst/>
+    <dgm:txEffectClrLst/>
+  </dgm:styleLbl>
+  <dgm:styleLbl name="fgImgPlace1">
+    <dgm:fillClrLst meth="repeat">
+      <a:schemeClr val="accent1">
+        <a:tint val="50000"/>
+      </a:schemeClr>
+    </dgm:fillClrLst>
+    <dgm:linClrLst meth="repeat">
+      <a:schemeClr val="lt1"/>
+    </dgm:linClrLst>
+    <dgm:effectClrLst/>
+    <dgm:txLinClrLst/>
+    <dgm:txFillClrLst meth="repeat">
+      <a:schemeClr val="lt1"/>
+    </dgm:txFillClrLst>
+    <dgm:txEffectClrLst/>
+  </dgm:styleLbl>
+  <dgm:styleLbl name="alignImgPlace1">
+    <dgm:fillClrLst meth="repeat">
+      <a:schemeClr val="accent1">
+        <a:tint val="50000"/>
+      </a:schemeClr>
+    </dgm:fillClrLst>
+    <dgm:linClrLst meth="repeat">
+      <a:schemeClr val="lt1"/>
+    </dgm:linClrLst>
+    <dgm:effectClrLst/>
+    <dgm:txLinClrLst/>
+    <dgm:txFillClrLst meth="repeat">
+      <a:schemeClr val="lt1"/>
+    </dgm:txFillClrLst>
+    <dgm:txEffectClrLst/>
+  </dgm:styleLbl>
+  <dgm:styleLbl name="bgImgPlace1">
+    <dgm:fillClrLst meth="repeat">
+      <a:schemeClr val="accent1">
+        <a:tint val="50000"/>
+      </a:schemeClr>
+    </dgm:fillClrLst>
+    <dgm:linClrLst meth="repeat">
+      <a:schemeClr val="lt1"/>
+    </dgm:linClrLst>
+    <dgm:effectClrLst/>
+    <dgm:txLinClrLst/>
+    <dgm:txFillClrLst meth="repeat">
+      <a:schemeClr val="lt1"/>
+    </dgm:txFillClrLst>
+    <dgm:txEffectClrLst/>
+  </dgm:styleLbl>
+  <dgm:styleLbl name="sibTrans2D1">
+    <dgm:fillClrLst meth="repeat">
+      <a:schemeClr val="accent1">
+        <a:tint val="60000"/>
+      </a:schemeClr>
+    </dgm:fillClrLst>
+    <dgm:linClrLst meth="repeat">
+      <a:schemeClr val="accent1">
+        <a:tint val="60000"/>
+      </a:schemeClr>
+    </dgm:linClrLst>
+    <dgm:effectClrLst/>
+    <dgm:txLinClrLst/>
+    <dgm:txFillClrLst/>
+    <dgm:txEffectClrLst/>
+  </dgm:styleLbl>
+  <dgm:styleLbl name="fgSibTrans2D1">
+    <dgm:fillClrLst meth="repeat">
+      <a:schemeClr val="accent1">
+        <a:tint val="60000"/>
+      </a:schemeClr>
+    </dgm:fillClrLst>
+    <dgm:linClrLst meth="repeat">
+      <a:schemeClr val="accent1">
+        <a:tint val="60000"/>
+      </a:schemeClr>
+    </dgm:linClrLst>
+    <dgm:effectClrLst/>
+    <dgm:txLinClrLst/>
+    <dgm:txFillClrLst/>
+    <dgm:txEffectClrLst/>
+  </dgm:styleLbl>
+  <dgm:styleLbl name="bgSibTrans2D1">
+    <dgm:fillClrLst meth="repeat">
+      <a:schemeClr val="accent1">
+        <a:tint val="60000"/>
+      </a:schemeClr>
+    </dgm:fillClrLst>
+    <dgm:linClrLst meth="repeat">
+      <a:schemeClr val="accent1">
+        <a:tint val="60000"/>
+      </a:schemeClr>
+    </dgm:linClrLst>
+    <dgm:effectClrLst/>
+    <dgm:txLinClrLst/>
+    <dgm:txFillClrLst/>
+    <dgm:txEffectClrLst/>
+  </dgm:styleLbl>
+  <dgm:styleLbl name="sibTrans1D1">
+    <dgm:fillClrLst meth="repeat">
+      <a:schemeClr val="accent1"/>
+    </dgm:fillClrLst>
+    <dgm:linClrLst meth="repeat">
+      <a:schemeClr val="accent1"/>
+    </dgm:linClrLst>
+    <dgm:effectClrLst/>
+    <dgm:txLinClrLst/>
+    <dgm:txFillClrLst meth="repeat">
+      <a:schemeClr val="tx1"/>
+    </dgm:txFillClrLst>
+    <dgm:txEffectClrLst/>
+  </dgm:styleLbl>
+  <dgm:styleLbl name="callout">
+    <dgm:fillClrLst meth="repeat">
+      <a:schemeClr val="accent1"/>
+    </dgm:fillClrLst>
+    <dgm:linClrLst meth="repeat">
+      <a:schemeClr val="accent1">
+        <a:tint val="50000"/>
+      </a:schemeClr>
+    </dgm:linClrLst>
+    <dgm:effectClrLst/>
+    <dgm:txLinClrLst/>
+    <dgm:txFillClrLst meth="repeat">
+      <a:schemeClr val="tx1"/>
+    </dgm:txFillClrLst>
+    <dgm:txEffectClrLst/>
+  </dgm:styleLbl>
+  <dgm:styleLbl name="asst0">
+    <dgm:fillClrLst meth="repeat">
+      <a:schemeClr val="accent1"/>
+    </dgm:fillClrLst>
+    <dgm:linClrLst meth="repeat">
+      <a:schemeClr val="lt1"/>
+    </dgm:linClrLst>
+    <dgm:effectClrLst/>
+    <dgm:txLinClrLst/>
+    <dgm:txFillClrLst/>
+    <dgm:txEffectClrLst/>
+  </dgm:styleLbl>
+  <dgm:styleLbl name="asst1">
+    <dgm:fillClrLst meth="repeat">
+      <a:schemeClr val="accent1"/>
+    </dgm:fillClrLst>
+    <dgm:linClrLst meth="repeat">
+      <a:schemeClr val="lt1"/>
+    </dgm:linClrLst>
+    <dgm:effectClrLst/>
+    <dgm:txLinClrLst/>
+    <dgm:txFillClrLst/>
+    <dgm:txEffectClrLst/>
+  </dgm:styleLbl>
+  <dgm:styleLbl name="asst2">
+    <dgm:fillClrLst meth="repeat">
+      <a:schemeClr val="accent1"/>
+    </dgm:fillClrLst>
+    <dgm:linClrLst meth="repeat">
+      <a:schemeClr val="lt1"/>
+    </dgm:linClrLst>
+    <dgm:effectClrLst/>
+    <dgm:txLinClrLst/>
+    <dgm:txFillClrLst/>
+    <dgm:txEffectClrLst/>
+  </dgm:styleLbl>
+  <dgm:styleLbl name="asst3">
+    <dgm:fillClrLst meth="repeat">
+      <a:schemeClr val="accent1"/>
+    </dgm:fillClrLst>
+    <dgm:linClrLst meth="repeat">
+      <a:schemeClr val="lt1"/>
+    </dgm:linClrLst>
+    <dgm:effectClrLst/>
+    <dgm:txLinClrLst/>
+    <dgm:txFillClrLst/>
+    <dgm:txEffectClrLst/>
+  </dgm:styleLbl>
+  <dgm:styleLbl name="asst4">
+    <dgm:fillClrLst meth="repeat">
+      <a:schemeClr val="accent1"/>
+    </dgm:fillClrLst>
+    <dgm:linClrLst meth="repeat">
+      <a:schemeClr val="lt1"/>
+    </dgm:linClrLst>
+    <dgm:effectClrLst/>
+    <dgm:txLinClrLst/>
+    <dgm:txFillClrLst/>
+    <dgm:txEffectClrLst/>
+  </dgm:styleLbl>
+  <dgm:styleLbl name="parChTrans2D1">
+    <dgm:fillClrLst meth="repeat">
+      <a:schemeClr val="accent1">
+        <a:tint val="60000"/>
+      </a:schemeClr>
+    </dgm:fillClrLst>
+    <dgm:linClrLst meth="repeat">
+      <a:schemeClr val="accent1">
+        <a:tint val="60000"/>
+      </a:schemeClr>
+    </dgm:linClrLst>
+    <dgm:effectClrLst/>
+    <dgm:txLinClrLst/>
+    <dgm:txFillClrLst meth="repeat">
+      <a:schemeClr val="lt1"/>
+    </dgm:txFillClrLst>
+    <dgm:txEffectClrLst/>
+  </dgm:styleLbl>
+  <dgm:styleLbl name="parChTrans2D2">
+    <dgm:fillClrLst meth="repeat">
+      <a:schemeClr val="accent1"/>
+    </dgm:fillClrLst>
+    <dgm:linClrLst meth="repeat">
+      <a:schemeClr val="accent1"/>
+    </dgm:linClrLst>
+    <dgm:effectClrLst/>
+    <dgm:txLinClrLst/>
+    <dgm:txFillClrLst meth="repeat">
+      <a:schemeClr val="lt1"/>
+    </dgm:txFillClrLst>
+    <dgm:txEffectClrLst/>
+  </dgm:styleLbl>
+  <dgm:styleLbl name="parChTrans2D3">
+    <dgm:fillClrLst meth="repeat">
+      <a:schemeClr val="accent1"/>
+    </dgm:fillClrLst>
+    <dgm:linClrLst meth="repeat">
+      <a:schemeClr val="accent1"/>
+    </dgm:linClrLst>
+    <dgm:effectClrLst/>
+    <dgm:txLinClrLst/>
+    <dgm:txFillClrLst meth="repeat">
+      <a:schemeClr val="lt1"/>
+    </dgm:txFillClrLst>
+    <dgm:txEffectClrLst/>
+  </dgm:styleLbl>
+  <dgm:styleLbl name="parChTrans2D4">
+    <dgm:fillClrLst meth="repeat">
+      <a:schemeClr val="accent1"/>
+    </dgm:fillClrLst>
+    <dgm:linClrLst meth="repeat">
+      <a:schemeClr val="accent1"/>
+    </dgm:linClrLst>
+    <dgm:effectClrLst/>
+    <dgm:txLinClrLst/>
+    <dgm:txFillClrLst meth="repeat">
+      <a:schemeClr val="lt1"/>
+    </dgm:txFillClrLst>
+    <dgm:txEffectClrLst/>
+  </dgm:styleLbl>
+  <dgm:styleLbl name="parChTrans1D1">
+    <dgm:fillClrLst meth="repeat">
+      <a:schemeClr val="accent1"/>
+    </dgm:fillClrLst>
+    <dgm:linClrLst meth="repeat">
+      <a:schemeClr val="accent1">
+        <a:shade val="60000"/>
+      </a:schemeClr>
+    </dgm:linClrLst>
+    <dgm:effectClrLst/>
+    <dgm:txLinClrLst/>
+    <dgm:txFillClrLst meth="repeat">
+      <a:schemeClr val="tx1"/>
+    </dgm:txFillClrLst>
+    <dgm:txEffectClrLst/>
+  </dgm:styleLbl>
+  <dgm:styleLbl name="parChTrans1D2">
+    <dgm:fillClrLst meth="repeat">
+      <a:schemeClr val="accent1"/>
+    </dgm:fillClrLst>
+    <dgm:linClrLst meth="repeat">
+      <a:schemeClr val="accent1">
+        <a:shade val="60000"/>
+      </a:schemeClr>
+    </dgm:linClrLst>
+    <dgm:effectClrLst/>
+    <dgm:txLinClrLst/>
+    <dgm:txFillClrLst meth="repeat">
+      <a:schemeClr val="tx1"/>
+    </dgm:txFillClrLst>
+    <dgm:txEffectClrLst/>
+  </dgm:styleLbl>
+  <dgm:styleLbl name="parChTrans1D3">
+    <dgm:fillClrLst meth="repeat">
+      <a:schemeClr val="accent1"/>
+    </dgm:fillClrLst>
+    <dgm:linClrLst meth="repeat">
+      <a:schemeClr val="accent1">
+        <a:shade val="80000"/>
+      </a:schemeClr>
+    </dgm:linClrLst>
+    <dgm:effectClrLst/>
+    <dgm:txLinClrLst/>
+    <dgm:txFillClrLst meth="repeat">
+      <a:schemeClr val="tx1"/>
+    </dgm:txFillClrLst>
+    <dgm:txEffectClrLst/>
+  </dgm:styleLbl>
+  <dgm:styleLbl name="parChTrans1D4">
+    <dgm:fillClrLst meth="repeat">
+      <a:schemeClr val="accent1"/>
+    </dgm:fillClrLst>
+    <dgm:linClrLst meth="repeat">
+      <a:schemeClr val="accent1">
+        <a:shade val="80000"/>
+      </a:schemeClr>
+    </dgm:linClrLst>
+    <dgm:effectClrLst/>
+    <dgm:txLinClrLst/>
+    <dgm:txFillClrLst meth="repeat">
+      <a:schemeClr val="tx1"/>
+    </dgm:txFillClrLst>
+    <dgm:txEffectClrLst/>
+  </dgm:styleLbl>
+  <dgm:styleLbl name="fgAcc1">
+    <dgm:fillClrLst meth="repeat">
+      <a:schemeClr val="lt1">
+        <a:alpha val="90000"/>
+      </a:schemeClr>
+    </dgm:fillClrLst>
+    <dgm:linClrLst meth="repeat">
+      <a:schemeClr val="accent1"/>
+    </dgm:linClrLst>
+    <dgm:effectClrLst/>
+    <dgm:txLinClrLst/>
+    <dgm:txFillClrLst meth="repeat">
+      <a:schemeClr val="dk1"/>
+    </dgm:txFillClrLst>
+    <dgm:txEffectClrLst/>
+  </dgm:styleLbl>
+  <dgm:styleLbl name="conFgAcc1">
+    <dgm:fillClrLst meth="repeat">
+      <a:schemeClr val="lt1">
+        <a:alpha val="90000"/>
+      </a:schemeClr>
+    </dgm:fillClrLst>
+    <dgm:linClrLst meth="repeat">
+      <a:schemeClr val="accent1"/>
+    </dgm:linClrLst>
+    <dgm:effectClrLst/>
+    <dgm:txLinClrLst/>
+    <dgm:txFillClrLst meth="repeat">
+      <a:schemeClr val="dk1"/>
+    </dgm:txFillClrLst>
+    <dgm:txEffectClrLst/>
+  </dgm:styleLbl>
+  <dgm:styleLbl name="alignAcc1">
+    <dgm:fillClrLst meth="repeat">
+      <a:schemeClr val="lt1">
+        <a:alpha val="90000"/>
+      </a:schemeClr>
+    </dgm:fillClrLst>
+    <dgm:linClrLst meth="repeat">
+      <a:schemeClr val="accent1"/>
+    </dgm:linClrLst>
+    <dgm:effectClrLst/>
+    <dgm:txLinClrLst/>
+    <dgm:txFillClrLst meth="repeat">
+      <a:schemeClr val="dk1"/>
+    </dgm:txFillClrLst>
+    <dgm:txEffectClrLst/>
+  </dgm:styleLbl>
+  <dgm:styleLbl name="trAlignAcc1">
+    <dgm:fillClrLst meth="repeat">
+      <a:schemeClr val="lt1">
+        <a:alpha val="40000"/>
+      </a:schemeClr>
+    </dgm:fillClrLst>
+    <dgm:linClrLst meth="repeat">
+      <a:schemeClr val="accent1"/>
+    </dgm:linClrLst>
+    <dgm:effectClrLst/>
+    <dgm:txLinClrLst/>
+    <dgm:txFillClrLst meth="repeat">
+      <a:schemeClr val="dk1"/>
+    </dgm:txFillClrLst>
+    <dgm:txEffectClrLst/>
+  </dgm:styleLbl>
+  <dgm:styleLbl name="bgAcc1">
+    <dgm:fillClrLst meth="repeat">
+      <a:schemeClr val="lt1">
+        <a:alpha val="90000"/>
+      </a:schemeClr>
+    </dgm:fillClrLst>
+    <dgm:linClrLst meth="repeat">
+      <a:schemeClr val="accent1"/>
+    </dgm:linClrLst>
+    <dgm:effectClrLst/>
+    <dgm:txLinClrLst/>
+    <dgm:txFillClrLst meth="repeat">
+      <a:schemeClr val="dk1"/>
+    </dgm:txFillClrLst>
+    <dgm:txEffectClrLst/>
+  </dgm:styleLbl>
+  <dgm:styleLbl name="solidFgAcc1">
+    <dgm:fillClrLst meth="repeat">
+      <a:schemeClr val="lt1"/>
+    </dgm:fillClrLst>
+    <dgm:linClrLst meth="repeat">
+      <a:schemeClr val="accent1"/>
+    </dgm:linClrLst>
+    <dgm:effectClrLst/>
+    <dgm:txLinClrLst/>
+    <dgm:txFillClrLst meth="repeat">
+      <a:schemeClr val="dk1"/>
+    </dgm:txFillClrLst>
+    <dgm:txEffectClrLst/>
+  </dgm:styleLbl>
+  <dgm:styleLbl name="solidAlignAcc1">
+    <dgm:fillClrLst meth="repeat">
+      <a:schemeClr val="lt1"/>
+    </dgm:fillClrLst>
+    <dgm:linClrLst meth="repeat">
+      <a:schemeClr val="accent1"/>
+    </dgm:linClrLst>
+    <dgm:effectClrLst/>
+    <dgm:txLinClrLst/>
+    <dgm:txFillClrLst meth="repeat">
+      <a:schemeClr val="dk1"/>
+    </dgm:txFillClrLst>
+    <dgm:txEffectClrLst/>
+  </dgm:styleLbl>
+  <dgm:styleLbl name="solidBgAcc1">
+    <dgm:fillClrLst meth="repeat">
+      <a:schemeClr val="lt1"/>
+    </dgm:fillClrLst>
+    <dgm:linClrLst meth="repeat">
+      <a:schemeClr val="accent1"/>
+    </dgm:linClrLst>
+    <dgm:effectClrLst/>
+    <dgm:txLinClrLst/>
+    <dgm:txFillClrLst meth="repeat">
+      <a:schemeClr val="dk1"/>
+    </dgm:txFillClrLst>
+    <dgm:txEffectClrLst/>
+  </dgm:styleLbl>
+  <dgm:styleLbl name="fgAccFollowNode1">
+    <dgm:fillClrLst meth="repeat">
+      <a:schemeClr val="accent1">
+        <a:alpha val="90000"/>
+        <a:tint val="40000"/>
+      </a:schemeClr>
+    </dgm:fillClrLst>
+    <dgm:linClrLst meth="repeat">
+      <a:schemeClr val="accent1">
+        <a:alpha val="90000"/>
+        <a:tint val="40000"/>
+      </a:schemeClr>
+    </dgm:linClrLst>
+    <dgm:effectClrLst/>
+    <dgm:txLinClrLst/>
+    <dgm:txFillClrLst meth="repeat">
+      <a:schemeClr val="dk1"/>
+    </dgm:txFillClrLst>
+    <dgm:txEffectClrLst/>
+  </dgm:styleLbl>
+  <dgm:styleLbl name="alignAccFollowNode1">
+    <dgm:fillClrLst meth="repeat">
+      <a:schemeClr val="accent1">
+        <a:alpha val="90000"/>
+        <a:tint val="40000"/>
+      </a:schemeClr>
+    </dgm:fillClrLst>
+    <dgm:linClrLst meth="repeat">
+      <a:schemeClr val="accent1">
+        <a:alpha val="90000"/>
+        <a:tint val="40000"/>
+      </a:schemeClr>
+    </dgm:linClrLst>
+    <dgm:effectClrLst/>
+    <dgm:txLinClrLst/>
+    <dgm:txFillClrLst meth="repeat">
+      <a:schemeClr val="dk1"/>
+    </dgm:txFillClrLst>
+    <dgm:txEffectClrLst/>
+  </dgm:styleLbl>
+  <dgm:styleLbl name="bgAccFollowNode1">
+    <dgm:fillClrLst meth="repeat">
+      <a:schemeClr val="accent1">
+        <a:alpha val="90000"/>
+        <a:tint val="40000"/>
+      </a:schemeClr>
+    </dgm:fillClrLst>
+    <dgm:linClrLst meth="repeat">
+      <a:schemeClr val="accent1">
+        <a:alpha val="90000"/>
+        <a:tint val="40000"/>
+      </a:schemeClr>
+    </dgm:linClrLst>
+    <dgm:effectClrLst/>
+    <dgm:txLinClrLst/>
+    <dgm:txFillClrLst meth="repeat">
+      <a:schemeClr val="dk1"/>
+    </dgm:txFillClrLst>
+    <dgm:txEffectClrLst/>
+  </dgm:styleLbl>
+  <dgm:styleLbl name="fgAcc0">
+    <dgm:fillClrLst meth="repeat">
+      <a:schemeClr val="lt1">
+        <a:alpha val="90000"/>
+      </a:schemeClr>
+    </dgm:fillClrLst>
+    <dgm:linClrLst meth="repeat">
+      <a:schemeClr val="accent1"/>
+    </dgm:linClrLst>
+    <dgm:effectClrLst/>
+    <dgm:txLinClrLst/>
+    <dgm:txFillClrLst meth="repeat">
+      <a:schemeClr val="dk1"/>
+    </dgm:txFillClrLst>
+    <dgm:txEffectClrLst/>
+  </dgm:styleLbl>
+  <dgm:styleLbl name="fgAcc2">
+    <dgm:fillClrLst meth="repeat">
+      <a:schemeClr val="lt1">
+        <a:alpha val="90000"/>
+      </a:schemeClr>
+    </dgm:fillClrLst>
+    <dgm:linClrLst meth="repeat">
+      <a:schemeClr val="accent1"/>
+    </dgm:linClrLst>
+    <dgm:effectClrLst/>
+    <dgm:txLinClrLst/>
+    <dgm:txFillClrLst meth="repeat">
+      <a:schemeClr val="dk1"/>
+    </dgm:txFillClrLst>
+    <dgm:txEffectClrLst/>
+  </dgm:styleLbl>
+  <dgm:styleLbl name="fgAcc3">
+    <dgm:fillClrLst meth="repeat">
+      <a:schemeClr val="lt1">
+        <a:alpha val="90000"/>
+      </a:schemeClr>
+    </dgm:fillClrLst>
+    <dgm:linClrLst meth="repeat">
+      <a:schemeClr val="accent1"/>
+    </dgm:linClrLst>
+    <dgm:effectClrLst/>
+    <dgm:txLinClrLst/>
+    <dgm:txFillClrLst meth="repeat">
+      <a:schemeClr val="dk1"/>
+    </dgm:txFillClrLst>
+    <dgm:txEffectClrLst/>
+  </dgm:styleLbl>
+  <dgm:styleLbl name="fgAcc4">
+    <dgm:fillClrLst meth="repeat">
+      <a:schemeClr val="lt1">
+        <a:alpha val="90000"/>
+      </a:schemeClr>
+    </dgm:fillClrLst>
+    <dgm:linClrLst meth="repeat">
+      <a:schemeClr val="accent1"/>
+    </dgm:linClrLst>
+    <dgm:effectClrLst/>
+    <dgm:txLinClrLst/>
+    <dgm:txFillClrLst meth="repeat">
+      <a:schemeClr val="dk1"/>
+    </dgm:txFillClrLst>
+    <dgm:txEffectClrLst/>
+  </dgm:styleLbl>
+  <dgm:styleLbl name="bgShp">
+    <dgm:fillClrLst meth="repeat">
+      <a:schemeClr val="accent1">
+        <a:tint val="40000"/>
+      </a:schemeClr>
+    </dgm:fillClrLst>
+    <dgm:linClrLst meth="repeat">
+      <a:schemeClr val="accent1"/>
+    </dgm:linClrLst>
+    <dgm:effectClrLst/>
+    <dgm:txLinClrLst/>
+    <dgm:txFillClrLst meth="repeat">
+      <a:schemeClr val="dk1"/>
+    </dgm:txFillClrLst>
+    <dgm:txEffectClrLst/>
+  </dgm:styleLbl>
+  <dgm:styleLbl name="dkBgShp">
+    <dgm:fillClrLst meth="repeat">
+      <a:schemeClr val="accent1">
+        <a:shade val="80000"/>
+      </a:schemeClr>
+    </dgm:fillClrLst>
+    <dgm:linClrLst meth="repeat">
+      <a:schemeClr val="accent1"/>
+    </dgm:linClrLst>
+    <dgm:effectClrLst/>
+    <dgm:txLinClrLst/>
+    <dgm:txFillClrLst meth="repeat">
+      <a:schemeClr val="lt1"/>
+    </dgm:txFillClrLst>
+    <dgm:txEffectClrLst/>
+  </dgm:styleLbl>
+  <dgm:styleLbl name="trBgShp">
+    <dgm:fillClrLst meth="repeat">
+      <a:schemeClr val="accent1">
+        <a:tint val="50000"/>
+        <a:alpha val="40000"/>
+      </a:schemeClr>
+    </dgm:fillClrLst>
+    <dgm:linClrLst meth="repeat">
+      <a:schemeClr val="accent1"/>
+    </dgm:linClrLst>
+    <dgm:effectClrLst/>
+    <dgm:txLinClrLst/>
+    <dgm:txFillClrLst meth="repeat">
+      <a:schemeClr val="lt1"/>
+    </dgm:txFillClrLst>
+    <dgm:txEffectClrLst/>
+  </dgm:styleLbl>
+  <dgm:styleLbl name="fgShp">
+    <dgm:fillClrLst meth="repeat">
+      <a:schemeClr val="accent1">
+        <a:tint val="60000"/>
+      </a:schemeClr>
+    </dgm:fillClrLst>
+    <dgm:linClrLst meth="repeat">
+      <a:schemeClr val="lt1"/>
+    </dgm:linClrLst>
+    <dgm:effectClrLst/>
+    <dgm:txLinClrLst/>
+    <dgm:txFillClrLst meth="repeat">
+      <a:schemeClr val="dk1"/>
+    </dgm:txFillClrLst>
+    <dgm:txEffectClrLst/>
+  </dgm:styleLbl>
+  <dgm:styleLbl name="revTx">
+    <dgm:fillClrLst meth="repeat">
+      <a:schemeClr val="lt1">
+        <a:alpha val="0"/>
+      </a:schemeClr>
+    </dgm:fillClrLst>
+    <dgm:linClrLst meth="repeat">
+      <a:schemeClr val="dk1">
+        <a:alpha val="0"/>
+      </a:schemeClr>
+    </dgm:linClrLst>
+    <dgm:effectClrLst/>
+    <dgm:txLinClrLst/>
+    <dgm:txFillClrLst meth="repeat">
+      <a:schemeClr val="tx1"/>
+    </dgm:txFillClrLst>
+    <dgm:txEffectClrLst/>
+  </dgm:styleLbl>
+</dgm:colorsDef>
+</file>
+
+<file path=ppt/diagrams/data1.xml><?xml version="1.0" encoding="utf-8"?>
+<dgm:dataModel xmlns:dgm="http://schemas.openxmlformats.org/drawingml/2006/diagram" xmlns:a="http://schemas.openxmlformats.org/drawingml/2006/main">
+  <dgm:ptLst>
+    <dgm:pt modelId="{1693AFCE-3144-4315-9BC3-C140FDEA5902}" type="doc">
+      <dgm:prSet loTypeId="urn:microsoft.com/office/officeart/2005/8/layout/orgChart1" loCatId="hierarchy" qsTypeId="urn:microsoft.com/office/officeart/2005/8/quickstyle/simple1" qsCatId="simple" csTypeId="urn:microsoft.com/office/officeart/2005/8/colors/accent1_2" csCatId="accent1" phldr="1"/>
+      <dgm:spPr/>
+      <dgm:t>
+        <a:bodyPr/>
+        <a:lstStyle/>
+        <a:p>
+          <a:endParaRPr lang="de-CH"/>
+        </a:p>
+      </dgm:t>
+    </dgm:pt>
+    <dgm:pt modelId="{8207BF78-A23D-4134-8C93-906493E8094E}">
+      <dgm:prSet phldrT="[Text]" custT="1"/>
+      <dgm:spPr/>
+      <dgm:t>
+        <a:bodyPr/>
+        <a:lstStyle/>
+        <a:p>
+          <a:pPr algn="ctr"/>
+          <a:r>
+            <a:rPr lang="de-CH" sz="2400" dirty="0" smtClean="0">
+              <a:solidFill>
+                <a:schemeClr val="bg1"/>
+              </a:solidFill>
+              <a:latin typeface="Arial" panose="020B0604020202020204" pitchFamily="34" charset="0"/>
+              <a:cs typeface="Arial" panose="020B0604020202020204" pitchFamily="34" charset="0"/>
+            </a:rPr>
+            <a:t>Marina </a:t>
+          </a:r>
+          <a:r>
+            <a:rPr lang="de-CH" sz="2400" dirty="0" err="1" smtClean="0">
+              <a:solidFill>
+                <a:schemeClr val="bg1"/>
+              </a:solidFill>
+              <a:latin typeface="Arial" panose="020B0604020202020204" pitchFamily="34" charset="0"/>
+              <a:cs typeface="Arial" panose="020B0604020202020204" pitchFamily="34" charset="0"/>
+            </a:rPr>
+            <a:t>Taborda</a:t>
+          </a:r>
+          <a:r>
+            <a:rPr lang="de-CH" sz="2400" dirty="0" smtClean="0">
+              <a:solidFill>
+                <a:schemeClr val="bg1"/>
+              </a:solidFill>
+              <a:latin typeface="Arial" panose="020B0604020202020204" pitchFamily="34" charset="0"/>
+              <a:cs typeface="Arial" panose="020B0604020202020204" pitchFamily="34" charset="0"/>
+            </a:rPr>
+            <a:t/>
+          </a:r>
+          <a:br>
+            <a:rPr lang="de-CH" sz="2400" dirty="0" smtClean="0">
+              <a:solidFill>
+                <a:schemeClr val="bg1"/>
+              </a:solidFill>
+              <a:latin typeface="Arial" panose="020B0604020202020204" pitchFamily="34" charset="0"/>
+              <a:cs typeface="Arial" panose="020B0604020202020204" pitchFamily="34" charset="0"/>
+            </a:rPr>
+          </a:br>
+          <a:r>
+            <a:rPr lang="de-CH" sz="2400" dirty="0" smtClean="0">
+              <a:solidFill>
+                <a:schemeClr val="bg1"/>
+              </a:solidFill>
+              <a:latin typeface="Arial" panose="020B0604020202020204" pitchFamily="34" charset="0"/>
+              <a:cs typeface="Arial" panose="020B0604020202020204" pitchFamily="34" charset="0"/>
+            </a:rPr>
+            <a:t>(Projektleiterin</a:t>
+          </a:r>
+          <a:r>
+            <a:rPr lang="de-CH" sz="1100" dirty="0" smtClean="0">
+              <a:latin typeface="Arial" panose="020B0604020202020204" pitchFamily="34" charset="0"/>
+              <a:cs typeface="Arial" panose="020B0604020202020204" pitchFamily="34" charset="0"/>
+            </a:rPr>
+            <a:t>)</a:t>
+          </a:r>
+          <a:endParaRPr lang="de-CH" sz="1100" dirty="0">
+            <a:latin typeface="Arial" panose="020B0604020202020204" pitchFamily="34" charset="0"/>
+            <a:cs typeface="Arial" panose="020B0604020202020204" pitchFamily="34" charset="0"/>
+          </a:endParaRPr>
+        </a:p>
+      </dgm:t>
+    </dgm:pt>
+    <dgm:pt modelId="{577DB4E7-FAB7-4E20-9162-EC5F9C24A6AB}" type="parTrans" cxnId="{0CBAF95D-C1A1-498B-8A1C-E87DA3267451}">
+      <dgm:prSet/>
+      <dgm:spPr/>
+      <dgm:t>
+        <a:bodyPr/>
+        <a:lstStyle/>
+        <a:p>
+          <a:pPr algn="ctr"/>
+          <a:endParaRPr lang="de-CH">
+            <a:solidFill>
+              <a:sysClr val="windowText" lastClr="000000"/>
+            </a:solidFill>
+            <a:latin typeface="Arial" panose="020B0604020202020204" pitchFamily="34" charset="0"/>
+            <a:cs typeface="Arial" panose="020B0604020202020204" pitchFamily="34" charset="0"/>
+          </a:endParaRPr>
+        </a:p>
+      </dgm:t>
+    </dgm:pt>
+    <dgm:pt modelId="{A7F3607E-FDF4-4FE2-A0C0-3A990AE6B26E}" type="sibTrans" cxnId="{0CBAF95D-C1A1-498B-8A1C-E87DA3267451}">
+      <dgm:prSet/>
+      <dgm:spPr/>
+      <dgm:t>
+        <a:bodyPr/>
+        <a:lstStyle/>
+        <a:p>
+          <a:pPr algn="ctr"/>
+          <a:endParaRPr lang="de-CH"/>
+        </a:p>
+      </dgm:t>
+    </dgm:pt>
+    <dgm:pt modelId="{E8CCCB15-644E-4960-84AB-DB7C5BBA784A}">
+      <dgm:prSet custT="1"/>
+      <dgm:spPr/>
+      <dgm:t>
+        <a:bodyPr/>
+        <a:lstStyle/>
+        <a:p>
+          <a:pPr algn="ctr"/>
+          <a:r>
+            <a:rPr lang="de-CH" sz="2400" dirty="0" smtClean="0">
+              <a:solidFill>
+                <a:schemeClr val="bg1"/>
+              </a:solidFill>
+              <a:latin typeface="Arial" panose="020B0604020202020204" pitchFamily="34" charset="0"/>
+              <a:cs typeface="Arial" panose="020B0604020202020204" pitchFamily="34" charset="0"/>
+            </a:rPr>
+            <a:t>Richard Britt</a:t>
+          </a:r>
+          <a:endParaRPr lang="de-CH" sz="2400" dirty="0">
+            <a:solidFill>
+              <a:schemeClr val="bg1"/>
+            </a:solidFill>
+            <a:latin typeface="Arial" panose="020B0604020202020204" pitchFamily="34" charset="0"/>
+            <a:cs typeface="Arial" panose="020B0604020202020204" pitchFamily="34" charset="0"/>
+          </a:endParaRPr>
+        </a:p>
+      </dgm:t>
+    </dgm:pt>
+    <dgm:pt modelId="{39762DC8-33BF-4C5A-8087-429A4D897806}" type="parTrans" cxnId="{634FA4C4-7721-4220-8B3A-AF8B055E0468}">
+      <dgm:prSet/>
+      <dgm:spPr/>
+      <dgm:t>
+        <a:bodyPr/>
+        <a:lstStyle/>
+        <a:p>
+          <a:pPr algn="ctr"/>
+          <a:endParaRPr lang="de-CH">
+            <a:solidFill>
+              <a:sysClr val="windowText" lastClr="000000"/>
+            </a:solidFill>
+            <a:latin typeface="Arial" panose="020B0604020202020204" pitchFamily="34" charset="0"/>
+            <a:cs typeface="Arial" panose="020B0604020202020204" pitchFamily="34" charset="0"/>
+          </a:endParaRPr>
+        </a:p>
+      </dgm:t>
+    </dgm:pt>
+    <dgm:pt modelId="{AAFE1019-B39A-4AEF-97F3-690EDE3FEE6C}" type="sibTrans" cxnId="{634FA4C4-7721-4220-8B3A-AF8B055E0468}">
+      <dgm:prSet/>
+      <dgm:spPr/>
+      <dgm:t>
+        <a:bodyPr/>
+        <a:lstStyle/>
+        <a:p>
+          <a:pPr algn="ctr"/>
+          <a:endParaRPr lang="de-CH"/>
+        </a:p>
+      </dgm:t>
+    </dgm:pt>
+    <dgm:pt modelId="{08E3F2E9-E30F-4453-8686-D0772C549260}">
+      <dgm:prSet phldrT="[Text]" custT="1"/>
+      <dgm:spPr/>
+      <dgm:t>
+        <a:bodyPr/>
+        <a:lstStyle/>
+        <a:p>
+          <a:pPr algn="ctr"/>
+          <a:r>
+            <a:rPr lang="de-CH" sz="2400" dirty="0" err="1" smtClean="0">
+              <a:solidFill>
+                <a:schemeClr val="bg1"/>
+              </a:solidFill>
+              <a:latin typeface="Arial" panose="020B0604020202020204" pitchFamily="34" charset="0"/>
+              <a:cs typeface="Arial" panose="020B0604020202020204" pitchFamily="34" charset="0"/>
+            </a:rPr>
+            <a:t>Fady</a:t>
+          </a:r>
+          <a:r>
+            <a:rPr lang="de-CH" sz="2400" dirty="0" smtClean="0">
+              <a:solidFill>
+                <a:schemeClr val="bg1"/>
+              </a:solidFill>
+              <a:latin typeface="Arial" panose="020B0604020202020204" pitchFamily="34" charset="0"/>
+              <a:cs typeface="Arial" panose="020B0604020202020204" pitchFamily="34" charset="0"/>
+            </a:rPr>
+            <a:t> Hanna</a:t>
+          </a:r>
+          <a:endParaRPr lang="de-CH" sz="2400" dirty="0">
+            <a:solidFill>
+              <a:schemeClr val="bg1"/>
+            </a:solidFill>
+            <a:latin typeface="Arial" panose="020B0604020202020204" pitchFamily="34" charset="0"/>
+            <a:cs typeface="Arial" panose="020B0604020202020204" pitchFamily="34" charset="0"/>
+          </a:endParaRPr>
+        </a:p>
+      </dgm:t>
+    </dgm:pt>
+    <dgm:pt modelId="{462E7EC6-CA45-465F-81F4-0F9E1393D9CE}" type="parTrans" cxnId="{ACDA0781-A67A-412C-9D2C-996AE1664E07}">
+      <dgm:prSet/>
+      <dgm:spPr/>
+      <dgm:t>
+        <a:bodyPr/>
+        <a:lstStyle/>
+        <a:p>
+          <a:pPr algn="ctr"/>
+          <a:endParaRPr lang="de-CH">
+            <a:solidFill>
+              <a:sysClr val="windowText" lastClr="000000"/>
+            </a:solidFill>
+            <a:latin typeface="Arial" panose="020B0604020202020204" pitchFamily="34" charset="0"/>
+            <a:cs typeface="Arial" panose="020B0604020202020204" pitchFamily="34" charset="0"/>
+          </a:endParaRPr>
+        </a:p>
+      </dgm:t>
+    </dgm:pt>
+    <dgm:pt modelId="{93A16123-39B6-4244-8844-AAF5C45F3C33}" type="sibTrans" cxnId="{ACDA0781-A67A-412C-9D2C-996AE1664E07}">
+      <dgm:prSet/>
+      <dgm:spPr/>
+      <dgm:t>
+        <a:bodyPr/>
+        <a:lstStyle/>
+        <a:p>
+          <a:pPr algn="ctr"/>
+          <a:endParaRPr lang="de-CH"/>
+        </a:p>
+      </dgm:t>
+    </dgm:pt>
+    <dgm:pt modelId="{EB0560BE-7114-4EC6-85E5-9064D40F7CF6}" type="asst">
+      <dgm:prSet custT="1"/>
+      <dgm:spPr/>
+      <dgm:t>
+        <a:bodyPr/>
+        <a:lstStyle/>
+        <a:p>
+          <a:pPr algn="ctr"/>
+          <a:r>
+            <a:rPr lang="de-CH" sz="2400" dirty="0" smtClean="0">
+              <a:solidFill>
+                <a:schemeClr val="bg1"/>
+              </a:solidFill>
+              <a:latin typeface="Arial" panose="020B0604020202020204" pitchFamily="34" charset="0"/>
+              <a:cs typeface="Arial" panose="020B0604020202020204" pitchFamily="34" charset="0"/>
+            </a:rPr>
+            <a:t>Frank Imhof</a:t>
+          </a:r>
+          <a:br>
+            <a:rPr lang="de-CH" sz="2400" dirty="0" smtClean="0">
+              <a:solidFill>
+                <a:schemeClr val="bg1"/>
+              </a:solidFill>
+              <a:latin typeface="Arial" panose="020B0604020202020204" pitchFamily="34" charset="0"/>
+              <a:cs typeface="Arial" panose="020B0604020202020204" pitchFamily="34" charset="0"/>
+            </a:rPr>
+          </a:br>
+          <a:r>
+            <a:rPr lang="de-CH" sz="2400" dirty="0" smtClean="0">
+              <a:solidFill>
+                <a:schemeClr val="bg1"/>
+              </a:solidFill>
+              <a:latin typeface="Arial" panose="020B0604020202020204" pitchFamily="34" charset="0"/>
+              <a:cs typeface="Arial" panose="020B0604020202020204" pitchFamily="34" charset="0"/>
+            </a:rPr>
+            <a:t>(Software)</a:t>
+          </a:r>
+          <a:endParaRPr lang="de-CH" sz="2400" dirty="0">
+            <a:solidFill>
+              <a:schemeClr val="bg1"/>
+            </a:solidFill>
+            <a:latin typeface="Arial" panose="020B0604020202020204" pitchFamily="34" charset="0"/>
+            <a:cs typeface="Arial" panose="020B0604020202020204" pitchFamily="34" charset="0"/>
+          </a:endParaRPr>
+        </a:p>
+      </dgm:t>
+    </dgm:pt>
+    <dgm:pt modelId="{690EA14B-097A-41C7-95BF-B984E236CC55}" type="parTrans" cxnId="{AD4A68A1-F884-45E7-A89A-46CDAE11394A}">
+      <dgm:prSet/>
+      <dgm:spPr/>
+      <dgm:t>
+        <a:bodyPr/>
+        <a:lstStyle/>
+        <a:p>
+          <a:pPr algn="ctr"/>
+          <a:endParaRPr lang="de-CH">
+            <a:solidFill>
+              <a:sysClr val="windowText" lastClr="000000"/>
+            </a:solidFill>
+            <a:latin typeface="Arial" panose="020B0604020202020204" pitchFamily="34" charset="0"/>
+            <a:cs typeface="Arial" panose="020B0604020202020204" pitchFamily="34" charset="0"/>
+          </a:endParaRPr>
+        </a:p>
+      </dgm:t>
+    </dgm:pt>
+    <dgm:pt modelId="{7549F8F5-5FEF-47B3-AD1D-889EF9AB68EA}" type="sibTrans" cxnId="{AD4A68A1-F884-45E7-A89A-46CDAE11394A}">
+      <dgm:prSet/>
+      <dgm:spPr/>
+      <dgm:t>
+        <a:bodyPr/>
+        <a:lstStyle/>
+        <a:p>
+          <a:pPr algn="ctr"/>
+          <a:endParaRPr lang="de-CH"/>
+        </a:p>
+      </dgm:t>
+    </dgm:pt>
+    <dgm:pt modelId="{6F05756B-4998-4488-AD4F-94D1A8B349CB}" type="asst">
+      <dgm:prSet custT="1"/>
+      <dgm:spPr/>
+      <dgm:t>
+        <a:bodyPr/>
+        <a:lstStyle/>
+        <a:p>
+          <a:pPr algn="ctr"/>
+          <a:r>
+            <a:rPr lang="de-CH" sz="2400" dirty="0" smtClean="0">
+              <a:solidFill>
+                <a:schemeClr val="bg1"/>
+              </a:solidFill>
+              <a:latin typeface="Arial" panose="020B0604020202020204" pitchFamily="34" charset="0"/>
+              <a:cs typeface="Arial" panose="020B0604020202020204" pitchFamily="34" charset="0"/>
+            </a:rPr>
+            <a:t>Luca Krummenacher</a:t>
+          </a:r>
+          <a:br>
+            <a:rPr lang="de-CH" sz="2400" dirty="0" smtClean="0">
+              <a:solidFill>
+                <a:schemeClr val="bg1"/>
+              </a:solidFill>
+              <a:latin typeface="Arial" panose="020B0604020202020204" pitchFamily="34" charset="0"/>
+              <a:cs typeface="Arial" panose="020B0604020202020204" pitchFamily="34" charset="0"/>
+            </a:rPr>
+          </a:br>
+          <a:r>
+            <a:rPr lang="de-CH" sz="2400" dirty="0" smtClean="0">
+              <a:solidFill>
+                <a:schemeClr val="bg1"/>
+              </a:solidFill>
+              <a:latin typeface="Arial" panose="020B0604020202020204" pitchFamily="34" charset="0"/>
+              <a:cs typeface="Arial" panose="020B0604020202020204" pitchFamily="34" charset="0"/>
+            </a:rPr>
+            <a:t>(Elektrotechnik)</a:t>
+          </a:r>
+          <a:endParaRPr lang="de-CH" sz="2400" dirty="0">
+            <a:solidFill>
+              <a:schemeClr val="bg1"/>
+            </a:solidFill>
+            <a:latin typeface="Arial" panose="020B0604020202020204" pitchFamily="34" charset="0"/>
+            <a:cs typeface="Arial" panose="020B0604020202020204" pitchFamily="34" charset="0"/>
+          </a:endParaRPr>
+        </a:p>
+      </dgm:t>
+    </dgm:pt>
+    <dgm:pt modelId="{3FF440EB-5DEB-453A-848D-7565CA6F4F3B}" type="parTrans" cxnId="{9F34FEBA-8FBB-49CA-A397-07660436ECB7}">
+      <dgm:prSet/>
+      <dgm:spPr/>
+      <dgm:t>
+        <a:bodyPr/>
+        <a:lstStyle/>
+        <a:p>
+          <a:pPr algn="ctr"/>
+          <a:endParaRPr lang="de-CH">
+            <a:solidFill>
+              <a:sysClr val="windowText" lastClr="000000"/>
+            </a:solidFill>
+            <a:latin typeface="Arial" panose="020B0604020202020204" pitchFamily="34" charset="0"/>
+            <a:cs typeface="Arial" panose="020B0604020202020204" pitchFamily="34" charset="0"/>
+          </a:endParaRPr>
+        </a:p>
+      </dgm:t>
+    </dgm:pt>
+    <dgm:pt modelId="{7C4CF2E1-E5A5-43BD-AF90-DB0E7DB05E01}" type="sibTrans" cxnId="{9F34FEBA-8FBB-49CA-A397-07660436ECB7}">
+      <dgm:prSet/>
+      <dgm:spPr/>
+      <dgm:t>
+        <a:bodyPr/>
+        <a:lstStyle/>
+        <a:p>
+          <a:pPr algn="ctr"/>
+          <a:endParaRPr lang="de-CH"/>
+        </a:p>
+      </dgm:t>
+    </dgm:pt>
+    <dgm:pt modelId="{BE3B7E53-7F19-45ED-A014-FB076AFA1E8B}" type="asst">
+      <dgm:prSet custT="1"/>
+      <dgm:spPr/>
+      <dgm:t>
+        <a:bodyPr/>
+        <a:lstStyle/>
+        <a:p>
+          <a:pPr algn="ctr"/>
+          <a:r>
+            <a:rPr lang="de-CH" sz="2400" dirty="0" smtClean="0">
+              <a:solidFill>
+                <a:schemeClr val="bg1"/>
+              </a:solidFill>
+              <a:latin typeface="Arial" panose="020B0604020202020204" pitchFamily="34" charset="0"/>
+              <a:cs typeface="Arial" panose="020B0604020202020204" pitchFamily="34" charset="0"/>
+            </a:rPr>
+            <a:t>Michel Alt</a:t>
+          </a:r>
+          <a:br>
+            <a:rPr lang="de-CH" sz="2400" dirty="0" smtClean="0">
+              <a:solidFill>
+                <a:schemeClr val="bg1"/>
+              </a:solidFill>
+              <a:latin typeface="Arial" panose="020B0604020202020204" pitchFamily="34" charset="0"/>
+              <a:cs typeface="Arial" panose="020B0604020202020204" pitchFamily="34" charset="0"/>
+            </a:rPr>
+          </a:br>
+          <a:r>
+            <a:rPr lang="de-CH" sz="2400" dirty="0" smtClean="0">
+              <a:solidFill>
+                <a:schemeClr val="bg1"/>
+              </a:solidFill>
+              <a:latin typeface="Arial" panose="020B0604020202020204" pitchFamily="34" charset="0"/>
+              <a:cs typeface="Arial" panose="020B0604020202020204" pitchFamily="34" charset="0"/>
+            </a:rPr>
+            <a:t>(</a:t>
+          </a:r>
+          <a:r>
+            <a:rPr lang="de-CH" sz="2400" dirty="0" err="1" smtClean="0">
+              <a:solidFill>
+                <a:schemeClr val="bg1"/>
+              </a:solidFill>
+              <a:latin typeface="Arial" panose="020B0604020202020204" pitchFamily="34" charset="0"/>
+              <a:cs typeface="Arial" panose="020B0604020202020204" pitchFamily="34" charset="0"/>
+            </a:rPr>
+            <a:t>Stv</a:t>
+          </a:r>
+          <a:r>
+            <a:rPr lang="de-CH" sz="2400" dirty="0" smtClean="0">
+              <a:solidFill>
+                <a:schemeClr val="bg1"/>
+              </a:solidFill>
+              <a:latin typeface="Arial" panose="020B0604020202020204" pitchFamily="34" charset="0"/>
+              <a:cs typeface="Arial" panose="020B0604020202020204" pitchFamily="34" charset="0"/>
+            </a:rPr>
+            <a:t>. Projektleiter)</a:t>
+          </a:r>
+          <a:endParaRPr lang="de-CH" sz="2400" dirty="0">
+            <a:solidFill>
+              <a:schemeClr val="bg1"/>
+            </a:solidFill>
+            <a:latin typeface="Arial" panose="020B0604020202020204" pitchFamily="34" charset="0"/>
+            <a:cs typeface="Arial" panose="020B0604020202020204" pitchFamily="34" charset="0"/>
+          </a:endParaRPr>
+        </a:p>
+      </dgm:t>
+    </dgm:pt>
+    <dgm:pt modelId="{79735B55-FB46-44DC-B751-9A3FE184A4F5}" type="parTrans" cxnId="{0ABF40AE-75C1-4098-8B20-677ACAB17927}">
+      <dgm:prSet/>
+      <dgm:spPr/>
+      <dgm:t>
+        <a:bodyPr/>
+        <a:lstStyle/>
+        <a:p>
+          <a:pPr algn="ctr"/>
+          <a:endParaRPr lang="de-CH">
+            <a:solidFill>
+              <a:sysClr val="windowText" lastClr="000000"/>
+            </a:solidFill>
+            <a:latin typeface="Arial" panose="020B0604020202020204" pitchFamily="34" charset="0"/>
+            <a:cs typeface="Arial" panose="020B0604020202020204" pitchFamily="34" charset="0"/>
+          </a:endParaRPr>
+        </a:p>
+      </dgm:t>
+    </dgm:pt>
+    <dgm:pt modelId="{F42634D2-A7DD-4E5D-8285-F4D3010421A9}" type="sibTrans" cxnId="{0ABF40AE-75C1-4098-8B20-677ACAB17927}">
+      <dgm:prSet/>
+      <dgm:spPr/>
+      <dgm:t>
+        <a:bodyPr/>
+        <a:lstStyle/>
+        <a:p>
+          <a:pPr algn="ctr"/>
+          <a:endParaRPr lang="de-CH"/>
+        </a:p>
+      </dgm:t>
+    </dgm:pt>
+    <dgm:pt modelId="{A94A6423-635E-47CE-BC22-AEF25667E6CB}" type="asst">
+      <dgm:prSet phldrT="[Text]" custT="1"/>
+      <dgm:spPr/>
+      <dgm:t>
+        <a:bodyPr/>
+        <a:lstStyle/>
+        <a:p>
+          <a:pPr algn="ctr"/>
+          <a:r>
+            <a:rPr lang="de-CH" sz="2800" b="1" dirty="0" smtClean="0">
+              <a:solidFill>
+                <a:schemeClr val="bg1"/>
+              </a:solidFill>
+              <a:latin typeface="Arial" panose="020B0604020202020204" pitchFamily="34" charset="0"/>
+              <a:cs typeface="Arial" panose="020B0604020202020204" pitchFamily="34" charset="0"/>
+            </a:rPr>
+            <a:t>TEAM 5</a:t>
+          </a:r>
+          <a:endParaRPr lang="de-CH" sz="2800" b="1" dirty="0">
+            <a:solidFill>
+              <a:schemeClr val="bg1"/>
+            </a:solidFill>
+            <a:latin typeface="Arial" panose="020B0604020202020204" pitchFamily="34" charset="0"/>
+            <a:cs typeface="Arial" panose="020B0604020202020204" pitchFamily="34" charset="0"/>
+          </a:endParaRPr>
+        </a:p>
+      </dgm:t>
+    </dgm:pt>
+    <dgm:pt modelId="{1A5B0F54-26EF-454E-A352-45604903E051}" type="sibTrans" cxnId="{B5059A84-884E-4384-8194-55DFC8CC16F0}">
+      <dgm:prSet/>
+      <dgm:spPr/>
+      <dgm:t>
+        <a:bodyPr/>
+        <a:lstStyle/>
+        <a:p>
+          <a:pPr algn="ctr"/>
+          <a:endParaRPr lang="de-CH"/>
+        </a:p>
+      </dgm:t>
+    </dgm:pt>
+    <dgm:pt modelId="{52E5AB80-14C0-40A2-A787-BED749BB2F89}" type="parTrans" cxnId="{B5059A84-884E-4384-8194-55DFC8CC16F0}">
+      <dgm:prSet/>
+      <dgm:spPr/>
+      <dgm:t>
+        <a:bodyPr/>
+        <a:lstStyle/>
+        <a:p>
+          <a:pPr algn="ctr"/>
+          <a:endParaRPr lang="de-CH">
+            <a:solidFill>
+              <a:sysClr val="windowText" lastClr="000000"/>
+            </a:solidFill>
+            <a:latin typeface="Arial" panose="020B0604020202020204" pitchFamily="34" charset="0"/>
+            <a:cs typeface="Arial" panose="020B0604020202020204" pitchFamily="34" charset="0"/>
+          </a:endParaRPr>
+        </a:p>
+      </dgm:t>
+    </dgm:pt>
+    <dgm:pt modelId="{FF1E0416-B2FE-4B75-B3E1-3B254C296A53}" type="pres">
+      <dgm:prSet presAssocID="{1693AFCE-3144-4315-9BC3-C140FDEA5902}" presName="hierChild1" presStyleCnt="0">
+        <dgm:presLayoutVars>
+          <dgm:orgChart val="1"/>
+          <dgm:chPref val="1"/>
+          <dgm:dir/>
+          <dgm:animOne val="branch"/>
+          <dgm:animLvl val="lvl"/>
+          <dgm:resizeHandles/>
+        </dgm:presLayoutVars>
+      </dgm:prSet>
+      <dgm:spPr/>
+      <dgm:t>
+        <a:bodyPr/>
+        <a:lstStyle/>
+        <a:p>
+          <a:endParaRPr lang="de-CH"/>
+        </a:p>
+      </dgm:t>
+    </dgm:pt>
+    <dgm:pt modelId="{81805E6F-E105-4E82-8A3E-E6C9CD7D9CE7}" type="pres">
+      <dgm:prSet presAssocID="{A94A6423-635E-47CE-BC22-AEF25667E6CB}" presName="hierRoot1" presStyleCnt="0">
+        <dgm:presLayoutVars>
+          <dgm:hierBranch val="init"/>
+        </dgm:presLayoutVars>
+      </dgm:prSet>
+      <dgm:spPr/>
+      <dgm:t>
+        <a:bodyPr/>
+        <a:lstStyle/>
+        <a:p>
+          <a:endParaRPr lang="de-CH"/>
+        </a:p>
+      </dgm:t>
+    </dgm:pt>
+    <dgm:pt modelId="{B1EF889A-B29F-40DC-BEFA-15E4CB32ECAF}" type="pres">
+      <dgm:prSet presAssocID="{A94A6423-635E-47CE-BC22-AEF25667E6CB}" presName="rootComposite1" presStyleCnt="0"/>
+      <dgm:spPr/>
+      <dgm:t>
+        <a:bodyPr/>
+        <a:lstStyle/>
+        <a:p>
+          <a:endParaRPr lang="de-CH"/>
+        </a:p>
+      </dgm:t>
+    </dgm:pt>
+    <dgm:pt modelId="{FDB23B55-B392-436C-9555-416C9DDEE460}" type="pres">
+      <dgm:prSet presAssocID="{A94A6423-635E-47CE-BC22-AEF25667E6CB}" presName="rootText1" presStyleLbl="node0" presStyleIdx="0" presStyleCnt="1" custScaleX="378092" custScaleY="145534">
+        <dgm:presLayoutVars>
+          <dgm:chPref val="3"/>
+        </dgm:presLayoutVars>
+      </dgm:prSet>
+      <dgm:spPr/>
+      <dgm:t>
+        <a:bodyPr/>
+        <a:lstStyle/>
+        <a:p>
+          <a:endParaRPr lang="de-CH"/>
+        </a:p>
+      </dgm:t>
+    </dgm:pt>
+    <dgm:pt modelId="{E8434CD6-2BDD-46AC-85B7-B44293AAA257}" type="pres">
+      <dgm:prSet presAssocID="{A94A6423-635E-47CE-BC22-AEF25667E6CB}" presName="rootConnector1" presStyleLbl="asst0" presStyleIdx="0" presStyleCnt="0"/>
+      <dgm:spPr/>
+      <dgm:t>
+        <a:bodyPr/>
+        <a:lstStyle/>
+        <a:p>
+          <a:endParaRPr lang="de-CH"/>
+        </a:p>
+      </dgm:t>
+    </dgm:pt>
+    <dgm:pt modelId="{C510907D-0311-4B1A-A441-6669080B7D5D}" type="pres">
+      <dgm:prSet presAssocID="{A94A6423-635E-47CE-BC22-AEF25667E6CB}" presName="hierChild2" presStyleCnt="0"/>
+      <dgm:spPr/>
+      <dgm:t>
+        <a:bodyPr/>
+        <a:lstStyle/>
+        <a:p>
+          <a:endParaRPr lang="de-CH"/>
+        </a:p>
+      </dgm:t>
+    </dgm:pt>
+    <dgm:pt modelId="{B78A42F2-C618-4FF5-83D3-166FE278D965}" type="pres">
+      <dgm:prSet presAssocID="{577DB4E7-FAB7-4E20-9162-EC5F9C24A6AB}" presName="Name37" presStyleLbl="parChTrans1D2" presStyleIdx="0" presStyleCnt="1"/>
+      <dgm:spPr/>
+      <dgm:t>
+        <a:bodyPr/>
+        <a:lstStyle/>
+        <a:p>
+          <a:endParaRPr lang="de-CH"/>
+        </a:p>
+      </dgm:t>
+    </dgm:pt>
+    <dgm:pt modelId="{F182F5EB-792B-4E1C-945F-57F2B181C56F}" type="pres">
+      <dgm:prSet presAssocID="{8207BF78-A23D-4134-8C93-906493E8094E}" presName="hierRoot2" presStyleCnt="0">
+        <dgm:presLayoutVars>
+          <dgm:hierBranch/>
+        </dgm:presLayoutVars>
+      </dgm:prSet>
+      <dgm:spPr/>
+      <dgm:t>
+        <a:bodyPr/>
+        <a:lstStyle/>
+        <a:p>
+          <a:endParaRPr lang="de-CH"/>
+        </a:p>
+      </dgm:t>
+    </dgm:pt>
+    <dgm:pt modelId="{892AE019-3CD5-44BA-95A1-4A44610FF458}" type="pres">
+      <dgm:prSet presAssocID="{8207BF78-A23D-4134-8C93-906493E8094E}" presName="rootComposite" presStyleCnt="0"/>
+      <dgm:spPr/>
+      <dgm:t>
+        <a:bodyPr/>
+        <a:lstStyle/>
+        <a:p>
+          <a:endParaRPr lang="de-CH"/>
+        </a:p>
+      </dgm:t>
+    </dgm:pt>
+    <dgm:pt modelId="{8E08E8BE-0386-457C-BA55-587C15F0BC54}" type="pres">
+      <dgm:prSet presAssocID="{8207BF78-A23D-4134-8C93-906493E8094E}" presName="rootText" presStyleLbl="node2" presStyleIdx="0" presStyleCnt="1" custScaleX="501488" custScaleY="290072" custLinFactNeighborX="4914" custLinFactNeighborY="-1248">
+        <dgm:presLayoutVars>
+          <dgm:chPref val="3"/>
+        </dgm:presLayoutVars>
+      </dgm:prSet>
+      <dgm:spPr/>
+      <dgm:t>
+        <a:bodyPr/>
+        <a:lstStyle/>
+        <a:p>
+          <a:endParaRPr lang="de-CH"/>
+        </a:p>
+      </dgm:t>
+    </dgm:pt>
+    <dgm:pt modelId="{53C89DE6-8C93-4BF4-811C-072DC595E574}" type="pres">
+      <dgm:prSet presAssocID="{8207BF78-A23D-4134-8C93-906493E8094E}" presName="rootConnector" presStyleLbl="node2" presStyleIdx="0" presStyleCnt="1"/>
+      <dgm:spPr/>
+      <dgm:t>
+        <a:bodyPr/>
+        <a:lstStyle/>
+        <a:p>
+          <a:endParaRPr lang="de-CH"/>
+        </a:p>
+      </dgm:t>
+    </dgm:pt>
+    <dgm:pt modelId="{D431D1EE-B9F8-4A37-B161-71D11E9D8ED7}" type="pres">
+      <dgm:prSet presAssocID="{8207BF78-A23D-4134-8C93-906493E8094E}" presName="hierChild4" presStyleCnt="0"/>
+      <dgm:spPr/>
+      <dgm:t>
+        <a:bodyPr/>
+        <a:lstStyle/>
+        <a:p>
+          <a:endParaRPr lang="de-CH"/>
+        </a:p>
+      </dgm:t>
+    </dgm:pt>
+    <dgm:pt modelId="{E3E5C517-6009-4203-A156-0E8FFF402890}" type="pres">
+      <dgm:prSet presAssocID="{39762DC8-33BF-4C5A-8087-429A4D897806}" presName="Name35" presStyleLbl="parChTrans1D3" presStyleIdx="0" presStyleCnt="5"/>
+      <dgm:spPr/>
+      <dgm:t>
+        <a:bodyPr/>
+        <a:lstStyle/>
+        <a:p>
+          <a:endParaRPr lang="de-CH"/>
+        </a:p>
+      </dgm:t>
+    </dgm:pt>
+    <dgm:pt modelId="{FD02BAD9-BCA4-4DE3-9018-3C5E107D2433}" type="pres">
+      <dgm:prSet presAssocID="{E8CCCB15-644E-4960-84AB-DB7C5BBA784A}" presName="hierRoot2" presStyleCnt="0">
+        <dgm:presLayoutVars>
+          <dgm:hierBranch val="init"/>
+        </dgm:presLayoutVars>
+      </dgm:prSet>
+      <dgm:spPr/>
+      <dgm:t>
+        <a:bodyPr/>
+        <a:lstStyle/>
+        <a:p>
+          <a:endParaRPr lang="de-CH"/>
+        </a:p>
+      </dgm:t>
+    </dgm:pt>
+    <dgm:pt modelId="{443CD5CD-B478-4CFF-B322-EAE07D6B52A5}" type="pres">
+      <dgm:prSet presAssocID="{E8CCCB15-644E-4960-84AB-DB7C5BBA784A}" presName="rootComposite" presStyleCnt="0"/>
+      <dgm:spPr/>
+      <dgm:t>
+        <a:bodyPr/>
+        <a:lstStyle/>
+        <a:p>
+          <a:endParaRPr lang="de-CH"/>
+        </a:p>
+      </dgm:t>
+    </dgm:pt>
+    <dgm:pt modelId="{4C391E49-BDC9-4B9A-9421-12FBDC13921B}" type="pres">
+      <dgm:prSet presAssocID="{E8CCCB15-644E-4960-84AB-DB7C5BBA784A}" presName="rootText" presStyleLbl="node3" presStyleIdx="0" presStyleCnt="2" custScaleX="487812" custScaleY="396276" custLinFactNeighborX="-14786" custLinFactNeighborY="1593">
+        <dgm:presLayoutVars>
+          <dgm:chPref val="3"/>
+        </dgm:presLayoutVars>
+      </dgm:prSet>
+      <dgm:spPr/>
+      <dgm:t>
+        <a:bodyPr/>
+        <a:lstStyle/>
+        <a:p>
+          <a:endParaRPr lang="de-CH"/>
+        </a:p>
+      </dgm:t>
+    </dgm:pt>
+    <dgm:pt modelId="{C3FA32FB-EFFD-4EBE-88F6-272A9DF9D94D}" type="pres">
+      <dgm:prSet presAssocID="{E8CCCB15-644E-4960-84AB-DB7C5BBA784A}" presName="rootConnector" presStyleLbl="node3" presStyleIdx="0" presStyleCnt="2"/>
+      <dgm:spPr/>
+      <dgm:t>
+        <a:bodyPr/>
+        <a:lstStyle/>
+        <a:p>
+          <a:endParaRPr lang="de-CH"/>
+        </a:p>
+      </dgm:t>
+    </dgm:pt>
+    <dgm:pt modelId="{B7DA3388-3A34-4D57-AF9D-A901D0A15A48}" type="pres">
+      <dgm:prSet presAssocID="{E8CCCB15-644E-4960-84AB-DB7C5BBA784A}" presName="hierChild4" presStyleCnt="0"/>
+      <dgm:spPr/>
+      <dgm:t>
+        <a:bodyPr/>
+        <a:lstStyle/>
+        <a:p>
+          <a:endParaRPr lang="de-CH"/>
+        </a:p>
+      </dgm:t>
+    </dgm:pt>
+    <dgm:pt modelId="{B279DCA5-8B60-4C0F-915E-D378C909A571}" type="pres">
+      <dgm:prSet presAssocID="{E8CCCB15-644E-4960-84AB-DB7C5BBA784A}" presName="hierChild5" presStyleCnt="0"/>
+      <dgm:spPr/>
+      <dgm:t>
+        <a:bodyPr/>
+        <a:lstStyle/>
+        <a:p>
+          <a:endParaRPr lang="de-CH"/>
+        </a:p>
+      </dgm:t>
+    </dgm:pt>
+    <dgm:pt modelId="{39DE103E-CE50-4AFE-9525-6CA58A47EE77}" type="pres">
+      <dgm:prSet presAssocID="{462E7EC6-CA45-465F-81F4-0F9E1393D9CE}" presName="Name35" presStyleLbl="parChTrans1D3" presStyleIdx="1" presStyleCnt="5"/>
+      <dgm:spPr/>
+      <dgm:t>
+        <a:bodyPr/>
+        <a:lstStyle/>
+        <a:p>
+          <a:endParaRPr lang="de-CH"/>
+        </a:p>
+      </dgm:t>
+    </dgm:pt>
+    <dgm:pt modelId="{67E5A87B-1032-46C5-81D9-71A1271E3681}" type="pres">
+      <dgm:prSet presAssocID="{08E3F2E9-E30F-4453-8686-D0772C549260}" presName="hierRoot2" presStyleCnt="0">
+        <dgm:presLayoutVars>
+          <dgm:hierBranch val="init"/>
+        </dgm:presLayoutVars>
+      </dgm:prSet>
+      <dgm:spPr/>
+      <dgm:t>
+        <a:bodyPr/>
+        <a:lstStyle/>
+        <a:p>
+          <a:endParaRPr lang="de-CH"/>
+        </a:p>
+      </dgm:t>
+    </dgm:pt>
+    <dgm:pt modelId="{17C04C0F-A5F5-45EE-90C1-EA32EDA8F48E}" type="pres">
+      <dgm:prSet presAssocID="{08E3F2E9-E30F-4453-8686-D0772C549260}" presName="rootComposite" presStyleCnt="0"/>
+      <dgm:spPr/>
+      <dgm:t>
+        <a:bodyPr/>
+        <a:lstStyle/>
+        <a:p>
+          <a:endParaRPr lang="de-CH"/>
+        </a:p>
+      </dgm:t>
+    </dgm:pt>
+    <dgm:pt modelId="{04DBB558-5929-43C3-8E6F-34C5172ADE91}" type="pres">
+      <dgm:prSet presAssocID="{08E3F2E9-E30F-4453-8686-D0772C549260}" presName="rootText" presStyleLbl="node3" presStyleIdx="1" presStyleCnt="2" custScaleX="488503" custScaleY="396836" custLinFactNeighborX="19676" custLinFactNeighborY="35793">
+        <dgm:presLayoutVars>
+          <dgm:chPref val="3"/>
+        </dgm:presLayoutVars>
+      </dgm:prSet>
+      <dgm:spPr/>
+      <dgm:t>
+        <a:bodyPr/>
+        <a:lstStyle/>
+        <a:p>
+          <a:endParaRPr lang="de-CH"/>
+        </a:p>
+      </dgm:t>
+    </dgm:pt>
+    <dgm:pt modelId="{C347071B-7D07-4AAC-988B-8F27CB02053E}" type="pres">
+      <dgm:prSet presAssocID="{08E3F2E9-E30F-4453-8686-D0772C549260}" presName="rootConnector" presStyleLbl="node3" presStyleIdx="1" presStyleCnt="2"/>
+      <dgm:spPr/>
+      <dgm:t>
+        <a:bodyPr/>
+        <a:lstStyle/>
+        <a:p>
+          <a:endParaRPr lang="de-CH"/>
+        </a:p>
+      </dgm:t>
+    </dgm:pt>
+    <dgm:pt modelId="{B194F4AD-237A-44AB-840E-E15CF4A7709D}" type="pres">
+      <dgm:prSet presAssocID="{08E3F2E9-E30F-4453-8686-D0772C549260}" presName="hierChild4" presStyleCnt="0"/>
+      <dgm:spPr/>
+      <dgm:t>
+        <a:bodyPr/>
+        <a:lstStyle/>
+        <a:p>
+          <a:endParaRPr lang="de-CH"/>
+        </a:p>
+      </dgm:t>
+    </dgm:pt>
+    <dgm:pt modelId="{D83780E0-DB8C-4E96-B674-AB491A31CCFA}" type="pres">
+      <dgm:prSet presAssocID="{08E3F2E9-E30F-4453-8686-D0772C549260}" presName="hierChild5" presStyleCnt="0"/>
+      <dgm:spPr/>
+      <dgm:t>
+        <a:bodyPr/>
+        <a:lstStyle/>
+        <a:p>
+          <a:endParaRPr lang="de-CH"/>
+        </a:p>
+      </dgm:t>
+    </dgm:pt>
+    <dgm:pt modelId="{1BF91C87-194A-4678-859B-674FF097B0AC}" type="pres">
+      <dgm:prSet presAssocID="{8207BF78-A23D-4134-8C93-906493E8094E}" presName="hierChild5" presStyleCnt="0"/>
+      <dgm:spPr/>
+      <dgm:t>
+        <a:bodyPr/>
+        <a:lstStyle/>
+        <a:p>
+          <a:endParaRPr lang="de-CH"/>
+        </a:p>
+      </dgm:t>
+    </dgm:pt>
+    <dgm:pt modelId="{60DC4AB0-034B-4566-865C-6FAFC9BA8169}" type="pres">
+      <dgm:prSet presAssocID="{690EA14B-097A-41C7-95BF-B984E236CC55}" presName="Name111" presStyleLbl="parChTrans1D3" presStyleIdx="2" presStyleCnt="5"/>
+      <dgm:spPr/>
+      <dgm:t>
+        <a:bodyPr/>
+        <a:lstStyle/>
+        <a:p>
+          <a:endParaRPr lang="de-CH"/>
+        </a:p>
+      </dgm:t>
+    </dgm:pt>
+    <dgm:pt modelId="{2783566F-B715-4BAD-9169-CEC3EA159ED3}" type="pres">
+      <dgm:prSet presAssocID="{EB0560BE-7114-4EC6-85E5-9064D40F7CF6}" presName="hierRoot3" presStyleCnt="0">
+        <dgm:presLayoutVars>
+          <dgm:hierBranch val="init"/>
+        </dgm:presLayoutVars>
+      </dgm:prSet>
+      <dgm:spPr/>
+      <dgm:t>
+        <a:bodyPr/>
+        <a:lstStyle/>
+        <a:p>
+          <a:endParaRPr lang="de-CH"/>
+        </a:p>
+      </dgm:t>
+    </dgm:pt>
+    <dgm:pt modelId="{03743285-78BC-44FB-9C2A-0485C91E8D46}" type="pres">
+      <dgm:prSet presAssocID="{EB0560BE-7114-4EC6-85E5-9064D40F7CF6}" presName="rootComposite3" presStyleCnt="0"/>
+      <dgm:spPr/>
+      <dgm:t>
+        <a:bodyPr/>
+        <a:lstStyle/>
+        <a:p>
+          <a:endParaRPr lang="de-CH"/>
+        </a:p>
+      </dgm:t>
+    </dgm:pt>
+    <dgm:pt modelId="{00DBBCB5-3A9D-4232-B041-987A45291CD1}" type="pres">
+      <dgm:prSet presAssocID="{EB0560BE-7114-4EC6-85E5-9064D40F7CF6}" presName="rootText3" presStyleLbl="asst2" presStyleIdx="0" presStyleCnt="3" custScaleX="489196" custScaleY="397399" custLinFactNeighborX="-14759" custLinFactNeighborY="4919">
+        <dgm:presLayoutVars>
+          <dgm:chPref val="3"/>
+        </dgm:presLayoutVars>
+      </dgm:prSet>
+      <dgm:spPr/>
+      <dgm:t>
+        <a:bodyPr/>
+        <a:lstStyle/>
+        <a:p>
+          <a:endParaRPr lang="de-CH"/>
+        </a:p>
+      </dgm:t>
+    </dgm:pt>
+    <dgm:pt modelId="{84A8CEBD-91AF-46F1-80FA-3FB47F6EC67B}" type="pres">
+      <dgm:prSet presAssocID="{EB0560BE-7114-4EC6-85E5-9064D40F7CF6}" presName="rootConnector3" presStyleLbl="asst2" presStyleIdx="0" presStyleCnt="3"/>
+      <dgm:spPr/>
+      <dgm:t>
+        <a:bodyPr/>
+        <a:lstStyle/>
+        <a:p>
+          <a:endParaRPr lang="de-CH"/>
+        </a:p>
+      </dgm:t>
+    </dgm:pt>
+    <dgm:pt modelId="{B21EAFCD-AC5F-4AAB-B8CA-14C999F9B771}" type="pres">
+      <dgm:prSet presAssocID="{EB0560BE-7114-4EC6-85E5-9064D40F7CF6}" presName="hierChild6" presStyleCnt="0"/>
+      <dgm:spPr/>
+      <dgm:t>
+        <a:bodyPr/>
+        <a:lstStyle/>
+        <a:p>
+          <a:endParaRPr lang="de-CH"/>
+        </a:p>
+      </dgm:t>
+    </dgm:pt>
+    <dgm:pt modelId="{A1CA8302-3CB6-442F-85D9-D799941E58AB}" type="pres">
+      <dgm:prSet presAssocID="{EB0560BE-7114-4EC6-85E5-9064D40F7CF6}" presName="hierChild7" presStyleCnt="0"/>
+      <dgm:spPr/>
+      <dgm:t>
+        <a:bodyPr/>
+        <a:lstStyle/>
+        <a:p>
+          <a:endParaRPr lang="de-CH"/>
+        </a:p>
+      </dgm:t>
+    </dgm:pt>
+    <dgm:pt modelId="{9B3B9704-9A30-4B30-B6A9-4C3F7AF474EA}" type="pres">
+      <dgm:prSet presAssocID="{79735B55-FB46-44DC-B751-9A3FE184A4F5}" presName="Name111" presStyleLbl="parChTrans1D3" presStyleIdx="3" presStyleCnt="5"/>
+      <dgm:spPr/>
+      <dgm:t>
+        <a:bodyPr/>
+        <a:lstStyle/>
+        <a:p>
+          <a:endParaRPr lang="de-CH"/>
+        </a:p>
+      </dgm:t>
+    </dgm:pt>
+    <dgm:pt modelId="{6FD03606-8477-4C11-B03A-F71CABFCF8D7}" type="pres">
+      <dgm:prSet presAssocID="{BE3B7E53-7F19-45ED-A014-FB076AFA1E8B}" presName="hierRoot3" presStyleCnt="0">
+        <dgm:presLayoutVars>
+          <dgm:hierBranch val="init"/>
+        </dgm:presLayoutVars>
+      </dgm:prSet>
+      <dgm:spPr/>
+      <dgm:t>
+        <a:bodyPr/>
+        <a:lstStyle/>
+        <a:p>
+          <a:endParaRPr lang="de-CH"/>
+        </a:p>
+      </dgm:t>
+    </dgm:pt>
+    <dgm:pt modelId="{C9CEF646-CDBD-4824-9B2C-B3DF35369942}" type="pres">
+      <dgm:prSet presAssocID="{BE3B7E53-7F19-45ED-A014-FB076AFA1E8B}" presName="rootComposite3" presStyleCnt="0"/>
+      <dgm:spPr/>
+      <dgm:t>
+        <a:bodyPr/>
+        <a:lstStyle/>
+        <a:p>
+          <a:endParaRPr lang="de-CH"/>
+        </a:p>
+      </dgm:t>
+    </dgm:pt>
+    <dgm:pt modelId="{E757F838-8DEF-4C69-9F9D-92C813B4F476}" type="pres">
+      <dgm:prSet presAssocID="{BE3B7E53-7F19-45ED-A014-FB076AFA1E8B}" presName="rootText3" presStyleLbl="asst2" presStyleIdx="1" presStyleCnt="3" custScaleX="492867" custScaleY="398987" custLinFactNeighborX="22136" custLinFactNeighborY="4919">
+        <dgm:presLayoutVars>
+          <dgm:chPref val="3"/>
+        </dgm:presLayoutVars>
+      </dgm:prSet>
+      <dgm:spPr/>
+      <dgm:t>
+        <a:bodyPr/>
+        <a:lstStyle/>
+        <a:p>
+          <a:endParaRPr lang="de-CH"/>
+        </a:p>
+      </dgm:t>
+    </dgm:pt>
+    <dgm:pt modelId="{4DD6E633-B7CB-4C31-A5B6-341ADCBBAAFB}" type="pres">
+      <dgm:prSet presAssocID="{BE3B7E53-7F19-45ED-A014-FB076AFA1E8B}" presName="rootConnector3" presStyleLbl="asst2" presStyleIdx="1" presStyleCnt="3"/>
+      <dgm:spPr/>
+      <dgm:t>
+        <a:bodyPr/>
+        <a:lstStyle/>
+        <a:p>
+          <a:endParaRPr lang="de-CH"/>
+        </a:p>
+      </dgm:t>
+    </dgm:pt>
+    <dgm:pt modelId="{60195CA3-9DB3-4826-9855-10080DF516D9}" type="pres">
+      <dgm:prSet presAssocID="{BE3B7E53-7F19-45ED-A014-FB076AFA1E8B}" presName="hierChild6" presStyleCnt="0"/>
+      <dgm:spPr/>
+      <dgm:t>
+        <a:bodyPr/>
+        <a:lstStyle/>
+        <a:p>
+          <a:endParaRPr lang="de-CH"/>
+        </a:p>
+      </dgm:t>
+    </dgm:pt>
+    <dgm:pt modelId="{4A718CAF-4901-4E04-AD4C-55FAC70D6787}" type="pres">
+      <dgm:prSet presAssocID="{BE3B7E53-7F19-45ED-A014-FB076AFA1E8B}" presName="hierChild7" presStyleCnt="0"/>
+      <dgm:spPr/>
+      <dgm:t>
+        <a:bodyPr/>
+        <a:lstStyle/>
+        <a:p>
+          <a:endParaRPr lang="de-CH"/>
+        </a:p>
+      </dgm:t>
+    </dgm:pt>
+    <dgm:pt modelId="{A9B54A11-E4F8-4785-B8E2-FA8556ABA5D1}" type="pres">
+      <dgm:prSet presAssocID="{3FF440EB-5DEB-453A-848D-7565CA6F4F3B}" presName="Name111" presStyleLbl="parChTrans1D3" presStyleIdx="4" presStyleCnt="5"/>
+      <dgm:spPr/>
+      <dgm:t>
+        <a:bodyPr/>
+        <a:lstStyle/>
+        <a:p>
+          <a:endParaRPr lang="de-CH"/>
+        </a:p>
+      </dgm:t>
+    </dgm:pt>
+    <dgm:pt modelId="{5BA9F837-93E7-4E1E-9785-A136310DEAE8}" type="pres">
+      <dgm:prSet presAssocID="{6F05756B-4998-4488-AD4F-94D1A8B349CB}" presName="hierRoot3" presStyleCnt="0">
+        <dgm:presLayoutVars>
+          <dgm:hierBranch val="init"/>
+        </dgm:presLayoutVars>
+      </dgm:prSet>
+      <dgm:spPr/>
+      <dgm:t>
+        <a:bodyPr/>
+        <a:lstStyle/>
+        <a:p>
+          <a:endParaRPr lang="de-CH"/>
+        </a:p>
+      </dgm:t>
+    </dgm:pt>
+    <dgm:pt modelId="{9C00D388-557D-44D2-AA4D-F0CDE6C83032}" type="pres">
+      <dgm:prSet presAssocID="{6F05756B-4998-4488-AD4F-94D1A8B349CB}" presName="rootComposite3" presStyleCnt="0"/>
+      <dgm:spPr/>
+      <dgm:t>
+        <a:bodyPr/>
+        <a:lstStyle/>
+        <a:p>
+          <a:endParaRPr lang="de-CH"/>
+        </a:p>
+      </dgm:t>
+    </dgm:pt>
+    <dgm:pt modelId="{D7BEACEB-ADE4-4B2D-9264-790EC13204CC}" type="pres">
+      <dgm:prSet presAssocID="{6F05756B-4998-4488-AD4F-94D1A8B349CB}" presName="rootText3" presStyleLbl="asst2" presStyleIdx="2" presStyleCnt="3" custScaleX="489196" custScaleY="397399" custLinFactNeighborX="-16462" custLinFactNeighborY="-20450">
+        <dgm:presLayoutVars>
+          <dgm:chPref val="3"/>
+        </dgm:presLayoutVars>
+      </dgm:prSet>
+      <dgm:spPr/>
+      <dgm:t>
+        <a:bodyPr/>
+        <a:lstStyle/>
+        <a:p>
+          <a:endParaRPr lang="de-CH"/>
+        </a:p>
+      </dgm:t>
+    </dgm:pt>
+    <dgm:pt modelId="{9E0B77EC-0CDB-4D06-A813-3F116C6EDEC8}" type="pres">
+      <dgm:prSet presAssocID="{6F05756B-4998-4488-AD4F-94D1A8B349CB}" presName="rootConnector3" presStyleLbl="asst2" presStyleIdx="2" presStyleCnt="3"/>
+      <dgm:spPr/>
+      <dgm:t>
+        <a:bodyPr/>
+        <a:lstStyle/>
+        <a:p>
+          <a:endParaRPr lang="de-CH"/>
+        </a:p>
+      </dgm:t>
+    </dgm:pt>
+    <dgm:pt modelId="{0040A60C-765B-44B7-991D-91EDDDA8DCCB}" type="pres">
+      <dgm:prSet presAssocID="{6F05756B-4998-4488-AD4F-94D1A8B349CB}" presName="hierChild6" presStyleCnt="0"/>
+      <dgm:spPr/>
+      <dgm:t>
+        <a:bodyPr/>
+        <a:lstStyle/>
+        <a:p>
+          <a:endParaRPr lang="de-CH"/>
+        </a:p>
+      </dgm:t>
+    </dgm:pt>
+    <dgm:pt modelId="{BD9A81B8-6A85-4E7D-80E1-15E95507E4A5}" type="pres">
+      <dgm:prSet presAssocID="{6F05756B-4998-4488-AD4F-94D1A8B349CB}" presName="hierChild7" presStyleCnt="0"/>
+      <dgm:spPr/>
+      <dgm:t>
+        <a:bodyPr/>
+        <a:lstStyle/>
+        <a:p>
+          <a:endParaRPr lang="de-CH"/>
+        </a:p>
+      </dgm:t>
+    </dgm:pt>
+    <dgm:pt modelId="{F56B6B8F-2C06-44D9-B1B1-920B0AA419BA}" type="pres">
+      <dgm:prSet presAssocID="{A94A6423-635E-47CE-BC22-AEF25667E6CB}" presName="hierChild3" presStyleCnt="0"/>
+      <dgm:spPr/>
+      <dgm:t>
+        <a:bodyPr/>
+        <a:lstStyle/>
+        <a:p>
+          <a:endParaRPr lang="de-CH"/>
+        </a:p>
+      </dgm:t>
+    </dgm:pt>
+  </dgm:ptLst>
+  <dgm:cxnLst>
+    <dgm:cxn modelId="{AB6FB188-9CEC-4378-A930-E4E4EEBC5D59}" type="presOf" srcId="{08E3F2E9-E30F-4453-8686-D0772C549260}" destId="{C347071B-7D07-4AAC-988B-8F27CB02053E}" srcOrd="1" destOrd="0" presId="urn:microsoft.com/office/officeart/2005/8/layout/orgChart1"/>
+    <dgm:cxn modelId="{6F417347-593B-4A0B-8280-6B2A5B106839}" type="presOf" srcId="{E8CCCB15-644E-4960-84AB-DB7C5BBA784A}" destId="{4C391E49-BDC9-4B9A-9421-12FBDC13921B}" srcOrd="0" destOrd="0" presId="urn:microsoft.com/office/officeart/2005/8/layout/orgChart1"/>
+    <dgm:cxn modelId="{1B271263-5E05-42C6-811B-BF00E4AC868B}" type="presOf" srcId="{8207BF78-A23D-4134-8C93-906493E8094E}" destId="{8E08E8BE-0386-457C-BA55-587C15F0BC54}" srcOrd="0" destOrd="0" presId="urn:microsoft.com/office/officeart/2005/8/layout/orgChart1"/>
+    <dgm:cxn modelId="{D1CADA96-CA2D-4EBD-96E4-DE03BC8985D9}" type="presOf" srcId="{79735B55-FB46-44DC-B751-9A3FE184A4F5}" destId="{9B3B9704-9A30-4B30-B6A9-4C3F7AF474EA}" srcOrd="0" destOrd="0" presId="urn:microsoft.com/office/officeart/2005/8/layout/orgChart1"/>
+    <dgm:cxn modelId="{38BF8140-B2DA-4BE0-87C2-139921A86E00}" type="presOf" srcId="{A94A6423-635E-47CE-BC22-AEF25667E6CB}" destId="{E8434CD6-2BDD-46AC-85B7-B44293AAA257}" srcOrd="1" destOrd="0" presId="urn:microsoft.com/office/officeart/2005/8/layout/orgChart1"/>
+    <dgm:cxn modelId="{9F34FEBA-8FBB-49CA-A397-07660436ECB7}" srcId="{8207BF78-A23D-4134-8C93-906493E8094E}" destId="{6F05756B-4998-4488-AD4F-94D1A8B349CB}" srcOrd="4" destOrd="0" parTransId="{3FF440EB-5DEB-453A-848D-7565CA6F4F3B}" sibTransId="{7C4CF2E1-E5A5-43BD-AF90-DB0E7DB05E01}"/>
+    <dgm:cxn modelId="{26D538E0-95EA-4A53-AABA-EECC3C0ED9BC}" type="presOf" srcId="{8207BF78-A23D-4134-8C93-906493E8094E}" destId="{53C89DE6-8C93-4BF4-811C-072DC595E574}" srcOrd="1" destOrd="0" presId="urn:microsoft.com/office/officeart/2005/8/layout/orgChart1"/>
+    <dgm:cxn modelId="{78541E1F-22BD-4A35-939F-3AE7034EB6E0}" type="presOf" srcId="{BE3B7E53-7F19-45ED-A014-FB076AFA1E8B}" destId="{4DD6E633-B7CB-4C31-A5B6-341ADCBBAAFB}" srcOrd="1" destOrd="0" presId="urn:microsoft.com/office/officeart/2005/8/layout/orgChart1"/>
+    <dgm:cxn modelId="{EA6803F7-9992-4FB3-9D52-721E5B344457}" type="presOf" srcId="{3FF440EB-5DEB-453A-848D-7565CA6F4F3B}" destId="{A9B54A11-E4F8-4785-B8E2-FA8556ABA5D1}" srcOrd="0" destOrd="0" presId="urn:microsoft.com/office/officeart/2005/8/layout/orgChart1"/>
+    <dgm:cxn modelId="{23FB2740-9166-412D-A9FE-C159C3E99B8B}" type="presOf" srcId="{39762DC8-33BF-4C5A-8087-429A4D897806}" destId="{E3E5C517-6009-4203-A156-0E8FFF402890}" srcOrd="0" destOrd="0" presId="urn:microsoft.com/office/officeart/2005/8/layout/orgChart1"/>
+    <dgm:cxn modelId="{709CF586-6998-4E82-AC4D-5FBE89F04314}" type="presOf" srcId="{A94A6423-635E-47CE-BC22-AEF25667E6CB}" destId="{FDB23B55-B392-436C-9555-416C9DDEE460}" srcOrd="0" destOrd="0" presId="urn:microsoft.com/office/officeart/2005/8/layout/orgChart1"/>
+    <dgm:cxn modelId="{634FA4C4-7721-4220-8B3A-AF8B055E0468}" srcId="{8207BF78-A23D-4134-8C93-906493E8094E}" destId="{E8CCCB15-644E-4960-84AB-DB7C5BBA784A}" srcOrd="0" destOrd="0" parTransId="{39762DC8-33BF-4C5A-8087-429A4D897806}" sibTransId="{AAFE1019-B39A-4AEF-97F3-690EDE3FEE6C}"/>
+    <dgm:cxn modelId="{36B0DC83-6AFE-4A4E-8450-5BED19FE6C47}" type="presOf" srcId="{1693AFCE-3144-4315-9BC3-C140FDEA5902}" destId="{FF1E0416-B2FE-4B75-B3E1-3B254C296A53}" srcOrd="0" destOrd="0" presId="urn:microsoft.com/office/officeart/2005/8/layout/orgChart1"/>
+    <dgm:cxn modelId="{8998D829-B046-42FA-976D-21F202DDCBB8}" type="presOf" srcId="{BE3B7E53-7F19-45ED-A014-FB076AFA1E8B}" destId="{E757F838-8DEF-4C69-9F9D-92C813B4F476}" srcOrd="0" destOrd="0" presId="urn:microsoft.com/office/officeart/2005/8/layout/orgChart1"/>
+    <dgm:cxn modelId="{AD4A68A1-F884-45E7-A89A-46CDAE11394A}" srcId="{8207BF78-A23D-4134-8C93-906493E8094E}" destId="{EB0560BE-7114-4EC6-85E5-9064D40F7CF6}" srcOrd="2" destOrd="0" parTransId="{690EA14B-097A-41C7-95BF-B984E236CC55}" sibTransId="{7549F8F5-5FEF-47B3-AD1D-889EF9AB68EA}"/>
+    <dgm:cxn modelId="{117BBEE6-53BF-49FE-88C6-44FC31BB8A1C}" type="presOf" srcId="{577DB4E7-FAB7-4E20-9162-EC5F9C24A6AB}" destId="{B78A42F2-C618-4FF5-83D3-166FE278D965}" srcOrd="0" destOrd="0" presId="urn:microsoft.com/office/officeart/2005/8/layout/orgChart1"/>
+    <dgm:cxn modelId="{2CF0A280-93CD-44D8-AF51-884E27CE0D8B}" type="presOf" srcId="{E8CCCB15-644E-4960-84AB-DB7C5BBA784A}" destId="{C3FA32FB-EFFD-4EBE-88F6-272A9DF9D94D}" srcOrd="1" destOrd="0" presId="urn:microsoft.com/office/officeart/2005/8/layout/orgChart1"/>
+    <dgm:cxn modelId="{B5059A84-884E-4384-8194-55DFC8CC16F0}" srcId="{1693AFCE-3144-4315-9BC3-C140FDEA5902}" destId="{A94A6423-635E-47CE-BC22-AEF25667E6CB}" srcOrd="0" destOrd="0" parTransId="{52E5AB80-14C0-40A2-A787-BED749BB2F89}" sibTransId="{1A5B0F54-26EF-454E-A352-45604903E051}"/>
+    <dgm:cxn modelId="{F702F4F1-87FA-4947-8D09-8162BC06F5B9}" type="presOf" srcId="{462E7EC6-CA45-465F-81F4-0F9E1393D9CE}" destId="{39DE103E-CE50-4AFE-9525-6CA58A47EE77}" srcOrd="0" destOrd="0" presId="urn:microsoft.com/office/officeart/2005/8/layout/orgChart1"/>
+    <dgm:cxn modelId="{A913D730-C4B4-4D63-A95D-A301893C8D1C}" type="presOf" srcId="{08E3F2E9-E30F-4453-8686-D0772C549260}" destId="{04DBB558-5929-43C3-8E6F-34C5172ADE91}" srcOrd="0" destOrd="0" presId="urn:microsoft.com/office/officeart/2005/8/layout/orgChart1"/>
+    <dgm:cxn modelId="{AE49C230-A20C-411E-8A20-47B017E9F560}" type="presOf" srcId="{690EA14B-097A-41C7-95BF-B984E236CC55}" destId="{60DC4AB0-034B-4566-865C-6FAFC9BA8169}" srcOrd="0" destOrd="0" presId="urn:microsoft.com/office/officeart/2005/8/layout/orgChart1"/>
+    <dgm:cxn modelId="{ACDA0781-A67A-412C-9D2C-996AE1664E07}" srcId="{8207BF78-A23D-4134-8C93-906493E8094E}" destId="{08E3F2E9-E30F-4453-8686-D0772C549260}" srcOrd="1" destOrd="0" parTransId="{462E7EC6-CA45-465F-81F4-0F9E1393D9CE}" sibTransId="{93A16123-39B6-4244-8844-AAF5C45F3C33}"/>
+    <dgm:cxn modelId="{380C8905-DBEB-440A-966E-ED598F4E19BC}" type="presOf" srcId="{6F05756B-4998-4488-AD4F-94D1A8B349CB}" destId="{9E0B77EC-0CDB-4D06-A813-3F116C6EDEC8}" srcOrd="1" destOrd="0" presId="urn:microsoft.com/office/officeart/2005/8/layout/orgChart1"/>
+    <dgm:cxn modelId="{0ABF40AE-75C1-4098-8B20-677ACAB17927}" srcId="{8207BF78-A23D-4134-8C93-906493E8094E}" destId="{BE3B7E53-7F19-45ED-A014-FB076AFA1E8B}" srcOrd="3" destOrd="0" parTransId="{79735B55-FB46-44DC-B751-9A3FE184A4F5}" sibTransId="{F42634D2-A7DD-4E5D-8285-F4D3010421A9}"/>
+    <dgm:cxn modelId="{F90B6B66-51FF-4CC0-B2D9-5F3DA9B28F7B}" type="presOf" srcId="{EB0560BE-7114-4EC6-85E5-9064D40F7CF6}" destId="{00DBBCB5-3A9D-4232-B041-987A45291CD1}" srcOrd="0" destOrd="0" presId="urn:microsoft.com/office/officeart/2005/8/layout/orgChart1"/>
+    <dgm:cxn modelId="{B4864D92-3C4A-4A91-AC5D-D6AF44071866}" type="presOf" srcId="{6F05756B-4998-4488-AD4F-94D1A8B349CB}" destId="{D7BEACEB-ADE4-4B2D-9264-790EC13204CC}" srcOrd="0" destOrd="0" presId="urn:microsoft.com/office/officeart/2005/8/layout/orgChart1"/>
+    <dgm:cxn modelId="{74620F3D-2990-4E80-ABE4-BA1C2841A0F6}" type="presOf" srcId="{EB0560BE-7114-4EC6-85E5-9064D40F7CF6}" destId="{84A8CEBD-91AF-46F1-80FA-3FB47F6EC67B}" srcOrd="1" destOrd="0" presId="urn:microsoft.com/office/officeart/2005/8/layout/orgChart1"/>
+    <dgm:cxn modelId="{0CBAF95D-C1A1-498B-8A1C-E87DA3267451}" srcId="{A94A6423-635E-47CE-BC22-AEF25667E6CB}" destId="{8207BF78-A23D-4134-8C93-906493E8094E}" srcOrd="0" destOrd="0" parTransId="{577DB4E7-FAB7-4E20-9162-EC5F9C24A6AB}" sibTransId="{A7F3607E-FDF4-4FE2-A0C0-3A990AE6B26E}"/>
+    <dgm:cxn modelId="{51DEB284-E283-40C7-8AEB-6DB303EA5237}" type="presParOf" srcId="{FF1E0416-B2FE-4B75-B3E1-3B254C296A53}" destId="{81805E6F-E105-4E82-8A3E-E6C9CD7D9CE7}" srcOrd="0" destOrd="0" presId="urn:microsoft.com/office/officeart/2005/8/layout/orgChart1"/>
+    <dgm:cxn modelId="{041B4D5E-DC67-4E3D-AC85-A38A2BFCC05C}" type="presParOf" srcId="{81805E6F-E105-4E82-8A3E-E6C9CD7D9CE7}" destId="{B1EF889A-B29F-40DC-BEFA-15E4CB32ECAF}" srcOrd="0" destOrd="0" presId="urn:microsoft.com/office/officeart/2005/8/layout/orgChart1"/>
+    <dgm:cxn modelId="{41F3C7C1-03C8-4130-A821-53660C83D0BB}" type="presParOf" srcId="{B1EF889A-B29F-40DC-BEFA-15E4CB32ECAF}" destId="{FDB23B55-B392-436C-9555-416C9DDEE460}" srcOrd="0" destOrd="0" presId="urn:microsoft.com/office/officeart/2005/8/layout/orgChart1"/>
+    <dgm:cxn modelId="{84920FC1-644B-4439-B969-6CE287816AED}" type="presParOf" srcId="{B1EF889A-B29F-40DC-BEFA-15E4CB32ECAF}" destId="{E8434CD6-2BDD-46AC-85B7-B44293AAA257}" srcOrd="1" destOrd="0" presId="urn:microsoft.com/office/officeart/2005/8/layout/orgChart1"/>
+    <dgm:cxn modelId="{6B068C5E-172E-4876-A001-241FAEBF3FDB}" type="presParOf" srcId="{81805E6F-E105-4E82-8A3E-E6C9CD7D9CE7}" destId="{C510907D-0311-4B1A-A441-6669080B7D5D}" srcOrd="1" destOrd="0" presId="urn:microsoft.com/office/officeart/2005/8/layout/orgChart1"/>
+    <dgm:cxn modelId="{32113919-4C9C-461F-848F-8CDB90BBFC66}" type="presParOf" srcId="{C510907D-0311-4B1A-A441-6669080B7D5D}" destId="{B78A42F2-C618-4FF5-83D3-166FE278D965}" srcOrd="0" destOrd="0" presId="urn:microsoft.com/office/officeart/2005/8/layout/orgChart1"/>
+    <dgm:cxn modelId="{0DEF4649-207E-4AAB-86A9-26CCAFB6EB15}" type="presParOf" srcId="{C510907D-0311-4B1A-A441-6669080B7D5D}" destId="{F182F5EB-792B-4E1C-945F-57F2B181C56F}" srcOrd="1" destOrd="0" presId="urn:microsoft.com/office/officeart/2005/8/layout/orgChart1"/>
+    <dgm:cxn modelId="{B5BD5F64-9919-490A-8B16-B7DB35C19C7F}" type="presParOf" srcId="{F182F5EB-792B-4E1C-945F-57F2B181C56F}" destId="{892AE019-3CD5-44BA-95A1-4A44610FF458}" srcOrd="0" destOrd="0" presId="urn:microsoft.com/office/officeart/2005/8/layout/orgChart1"/>
+    <dgm:cxn modelId="{813DB217-CA86-4D60-9CDD-D0060EB3C09C}" type="presParOf" srcId="{892AE019-3CD5-44BA-95A1-4A44610FF458}" destId="{8E08E8BE-0386-457C-BA55-587C15F0BC54}" srcOrd="0" destOrd="0" presId="urn:microsoft.com/office/officeart/2005/8/layout/orgChart1"/>
+    <dgm:cxn modelId="{83C914F2-4C80-478B-BF21-151F43CA5A28}" type="presParOf" srcId="{892AE019-3CD5-44BA-95A1-4A44610FF458}" destId="{53C89DE6-8C93-4BF4-811C-072DC595E574}" srcOrd="1" destOrd="0" presId="urn:microsoft.com/office/officeart/2005/8/layout/orgChart1"/>
+    <dgm:cxn modelId="{D5BD93FB-E7ED-4E2F-A156-3EC730F0D74A}" type="presParOf" srcId="{F182F5EB-792B-4E1C-945F-57F2B181C56F}" destId="{D431D1EE-B9F8-4A37-B161-71D11E9D8ED7}" srcOrd="1" destOrd="0" presId="urn:microsoft.com/office/officeart/2005/8/layout/orgChart1"/>
+    <dgm:cxn modelId="{777F7566-A214-4FAE-BAFB-FB3E2DA40884}" type="presParOf" srcId="{D431D1EE-B9F8-4A37-B161-71D11E9D8ED7}" destId="{E3E5C517-6009-4203-A156-0E8FFF402890}" srcOrd="0" destOrd="0" presId="urn:microsoft.com/office/officeart/2005/8/layout/orgChart1"/>
+    <dgm:cxn modelId="{CD38CCF7-EDEE-46D3-9017-5840C4D7A331}" type="presParOf" srcId="{D431D1EE-B9F8-4A37-B161-71D11E9D8ED7}" destId="{FD02BAD9-BCA4-4DE3-9018-3C5E107D2433}" srcOrd="1" destOrd="0" presId="urn:microsoft.com/office/officeart/2005/8/layout/orgChart1"/>
+    <dgm:cxn modelId="{4EC95DCC-94B6-4A1D-93D3-421E8084D6CC}" type="presParOf" srcId="{FD02BAD9-BCA4-4DE3-9018-3C5E107D2433}" destId="{443CD5CD-B478-4CFF-B322-EAE07D6B52A5}" srcOrd="0" destOrd="0" presId="urn:microsoft.com/office/officeart/2005/8/layout/orgChart1"/>
+    <dgm:cxn modelId="{21A1C1E4-F969-4E3B-8F42-FFE6C7CE81F9}" type="presParOf" srcId="{443CD5CD-B478-4CFF-B322-EAE07D6B52A5}" destId="{4C391E49-BDC9-4B9A-9421-12FBDC13921B}" srcOrd="0" destOrd="0" presId="urn:microsoft.com/office/officeart/2005/8/layout/orgChart1"/>
+    <dgm:cxn modelId="{8F9C0CA8-7601-44F0-8FC4-16B960ABC4A8}" type="presParOf" srcId="{443CD5CD-B478-4CFF-B322-EAE07D6B52A5}" destId="{C3FA32FB-EFFD-4EBE-88F6-272A9DF9D94D}" srcOrd="1" destOrd="0" presId="urn:microsoft.com/office/officeart/2005/8/layout/orgChart1"/>
+    <dgm:cxn modelId="{BF1CE279-F9BC-47A6-9EC8-B70675B98DEA}" type="presParOf" srcId="{FD02BAD9-BCA4-4DE3-9018-3C5E107D2433}" destId="{B7DA3388-3A34-4D57-AF9D-A901D0A15A48}" srcOrd="1" destOrd="0" presId="urn:microsoft.com/office/officeart/2005/8/layout/orgChart1"/>
+    <dgm:cxn modelId="{F989C352-1263-48DA-BF5F-2CF2577FCB66}" type="presParOf" srcId="{FD02BAD9-BCA4-4DE3-9018-3C5E107D2433}" destId="{B279DCA5-8B60-4C0F-915E-D378C909A571}" srcOrd="2" destOrd="0" presId="urn:microsoft.com/office/officeart/2005/8/layout/orgChart1"/>
+    <dgm:cxn modelId="{F3192AC4-90ED-463E-9F72-E3A2D45D7129}" type="presParOf" srcId="{D431D1EE-B9F8-4A37-B161-71D11E9D8ED7}" destId="{39DE103E-CE50-4AFE-9525-6CA58A47EE77}" srcOrd="2" destOrd="0" presId="urn:microsoft.com/office/officeart/2005/8/layout/orgChart1"/>
+    <dgm:cxn modelId="{AD48919C-2B23-4995-B8C0-99DF73B683AA}" type="presParOf" srcId="{D431D1EE-B9F8-4A37-B161-71D11E9D8ED7}" destId="{67E5A87B-1032-46C5-81D9-71A1271E3681}" srcOrd="3" destOrd="0" presId="urn:microsoft.com/office/officeart/2005/8/layout/orgChart1"/>
+    <dgm:cxn modelId="{178C171D-0727-4533-89A5-64F1EE68C768}" type="presParOf" srcId="{67E5A87B-1032-46C5-81D9-71A1271E3681}" destId="{17C04C0F-A5F5-45EE-90C1-EA32EDA8F48E}" srcOrd="0" destOrd="0" presId="urn:microsoft.com/office/officeart/2005/8/layout/orgChart1"/>
+    <dgm:cxn modelId="{295BCB51-9F3C-4696-BDC8-B902283F03FB}" type="presParOf" srcId="{17C04C0F-A5F5-45EE-90C1-EA32EDA8F48E}" destId="{04DBB558-5929-43C3-8E6F-34C5172ADE91}" srcOrd="0" destOrd="0" presId="urn:microsoft.com/office/officeart/2005/8/layout/orgChart1"/>
+    <dgm:cxn modelId="{4816D5F0-3417-48EA-8120-4FB47999DB5F}" type="presParOf" srcId="{17C04C0F-A5F5-45EE-90C1-EA32EDA8F48E}" destId="{C347071B-7D07-4AAC-988B-8F27CB02053E}" srcOrd="1" destOrd="0" presId="urn:microsoft.com/office/officeart/2005/8/layout/orgChart1"/>
+    <dgm:cxn modelId="{A8D98E5C-826E-46AA-BE2A-426E3CE67F82}" type="presParOf" srcId="{67E5A87B-1032-46C5-81D9-71A1271E3681}" destId="{B194F4AD-237A-44AB-840E-E15CF4A7709D}" srcOrd="1" destOrd="0" presId="urn:microsoft.com/office/officeart/2005/8/layout/orgChart1"/>
+    <dgm:cxn modelId="{FB6E89FD-64E3-4A0F-A23E-4CC264BA6B46}" type="presParOf" srcId="{67E5A87B-1032-46C5-81D9-71A1271E3681}" destId="{D83780E0-DB8C-4E96-B674-AB491A31CCFA}" srcOrd="2" destOrd="0" presId="urn:microsoft.com/office/officeart/2005/8/layout/orgChart1"/>
+    <dgm:cxn modelId="{33B5F68F-126F-43C3-8035-876C0DA91409}" type="presParOf" srcId="{F182F5EB-792B-4E1C-945F-57F2B181C56F}" destId="{1BF91C87-194A-4678-859B-674FF097B0AC}" srcOrd="2" destOrd="0" presId="urn:microsoft.com/office/officeart/2005/8/layout/orgChart1"/>
+    <dgm:cxn modelId="{5122F661-E9FB-43CD-AE1D-EAF9E21BE35B}" type="presParOf" srcId="{1BF91C87-194A-4678-859B-674FF097B0AC}" destId="{60DC4AB0-034B-4566-865C-6FAFC9BA8169}" srcOrd="0" destOrd="0" presId="urn:microsoft.com/office/officeart/2005/8/layout/orgChart1"/>
+    <dgm:cxn modelId="{9FCFE3CD-763E-45F8-AE4E-DBFE0D873294}" type="presParOf" srcId="{1BF91C87-194A-4678-859B-674FF097B0AC}" destId="{2783566F-B715-4BAD-9169-CEC3EA159ED3}" srcOrd="1" destOrd="0" presId="urn:microsoft.com/office/officeart/2005/8/layout/orgChart1"/>
+    <dgm:cxn modelId="{21769FD6-5C64-4288-90B6-CD2D8FB4914F}" type="presParOf" srcId="{2783566F-B715-4BAD-9169-CEC3EA159ED3}" destId="{03743285-78BC-44FB-9C2A-0485C91E8D46}" srcOrd="0" destOrd="0" presId="urn:microsoft.com/office/officeart/2005/8/layout/orgChart1"/>
+    <dgm:cxn modelId="{76185E92-A330-43AE-A0E5-5DDC23A4A5B4}" type="presParOf" srcId="{03743285-78BC-44FB-9C2A-0485C91E8D46}" destId="{00DBBCB5-3A9D-4232-B041-987A45291CD1}" srcOrd="0" destOrd="0" presId="urn:microsoft.com/office/officeart/2005/8/layout/orgChart1"/>
+    <dgm:cxn modelId="{C229C92B-6287-43C9-89D8-9B42E894C814}" type="presParOf" srcId="{03743285-78BC-44FB-9C2A-0485C91E8D46}" destId="{84A8CEBD-91AF-46F1-80FA-3FB47F6EC67B}" srcOrd="1" destOrd="0" presId="urn:microsoft.com/office/officeart/2005/8/layout/orgChart1"/>
+    <dgm:cxn modelId="{B9D80DEC-B444-42D8-BC94-7B18955B776C}" type="presParOf" srcId="{2783566F-B715-4BAD-9169-CEC3EA159ED3}" destId="{B21EAFCD-AC5F-4AAB-B8CA-14C999F9B771}" srcOrd="1" destOrd="0" presId="urn:microsoft.com/office/officeart/2005/8/layout/orgChart1"/>
+    <dgm:cxn modelId="{90B524BF-C0FE-4551-B6E1-518C993E67BA}" type="presParOf" srcId="{2783566F-B715-4BAD-9169-CEC3EA159ED3}" destId="{A1CA8302-3CB6-442F-85D9-D799941E58AB}" srcOrd="2" destOrd="0" presId="urn:microsoft.com/office/officeart/2005/8/layout/orgChart1"/>
+    <dgm:cxn modelId="{C2D26F7A-CCB2-4983-84A2-47CFE489A76D}" type="presParOf" srcId="{1BF91C87-194A-4678-859B-674FF097B0AC}" destId="{9B3B9704-9A30-4B30-B6A9-4C3F7AF474EA}" srcOrd="2" destOrd="0" presId="urn:microsoft.com/office/officeart/2005/8/layout/orgChart1"/>
+    <dgm:cxn modelId="{5913C0B9-3FB8-453D-B5CB-70A5862CCC88}" type="presParOf" srcId="{1BF91C87-194A-4678-859B-674FF097B0AC}" destId="{6FD03606-8477-4C11-B03A-F71CABFCF8D7}" srcOrd="3" destOrd="0" presId="urn:microsoft.com/office/officeart/2005/8/layout/orgChart1"/>
+    <dgm:cxn modelId="{4445CFB8-1811-44BC-B50E-86A93E475538}" type="presParOf" srcId="{6FD03606-8477-4C11-B03A-F71CABFCF8D7}" destId="{C9CEF646-CDBD-4824-9B2C-B3DF35369942}" srcOrd="0" destOrd="0" presId="urn:microsoft.com/office/officeart/2005/8/layout/orgChart1"/>
+    <dgm:cxn modelId="{851A9747-064E-4B6E-AE9B-BE381D00F90A}" type="presParOf" srcId="{C9CEF646-CDBD-4824-9B2C-B3DF35369942}" destId="{E757F838-8DEF-4C69-9F9D-92C813B4F476}" srcOrd="0" destOrd="0" presId="urn:microsoft.com/office/officeart/2005/8/layout/orgChart1"/>
+    <dgm:cxn modelId="{E99F9DF9-AB1F-4EEF-A228-33BDBA943024}" type="presParOf" srcId="{C9CEF646-CDBD-4824-9B2C-B3DF35369942}" destId="{4DD6E633-B7CB-4C31-A5B6-341ADCBBAAFB}" srcOrd="1" destOrd="0" presId="urn:microsoft.com/office/officeart/2005/8/layout/orgChart1"/>
+    <dgm:cxn modelId="{6AA2B02F-A917-4FF8-BD61-21FC3DCE947C}" type="presParOf" srcId="{6FD03606-8477-4C11-B03A-F71CABFCF8D7}" destId="{60195CA3-9DB3-4826-9855-10080DF516D9}" srcOrd="1" destOrd="0" presId="urn:microsoft.com/office/officeart/2005/8/layout/orgChart1"/>
+    <dgm:cxn modelId="{65D5294F-0F5F-4878-B226-2CDB32C6FDAC}" type="presParOf" srcId="{6FD03606-8477-4C11-B03A-F71CABFCF8D7}" destId="{4A718CAF-4901-4E04-AD4C-55FAC70D6787}" srcOrd="2" destOrd="0" presId="urn:microsoft.com/office/officeart/2005/8/layout/orgChart1"/>
+    <dgm:cxn modelId="{33F3F337-24DA-4358-B889-A20719CABBEF}" type="presParOf" srcId="{1BF91C87-194A-4678-859B-674FF097B0AC}" destId="{A9B54A11-E4F8-4785-B8E2-FA8556ABA5D1}" srcOrd="4" destOrd="0" presId="urn:microsoft.com/office/officeart/2005/8/layout/orgChart1"/>
+    <dgm:cxn modelId="{07B54376-0445-4DCB-8CD7-A50B3F60EEB9}" type="presParOf" srcId="{1BF91C87-194A-4678-859B-674FF097B0AC}" destId="{5BA9F837-93E7-4E1E-9785-A136310DEAE8}" srcOrd="5" destOrd="0" presId="urn:microsoft.com/office/officeart/2005/8/layout/orgChart1"/>
+    <dgm:cxn modelId="{66693D07-99FB-449B-8556-D254930FB4CA}" type="presParOf" srcId="{5BA9F837-93E7-4E1E-9785-A136310DEAE8}" destId="{9C00D388-557D-44D2-AA4D-F0CDE6C83032}" srcOrd="0" destOrd="0" presId="urn:microsoft.com/office/officeart/2005/8/layout/orgChart1"/>
+    <dgm:cxn modelId="{73461DF6-B689-4F41-A9FB-50CE915619BA}" type="presParOf" srcId="{9C00D388-557D-44D2-AA4D-F0CDE6C83032}" destId="{D7BEACEB-ADE4-4B2D-9264-790EC13204CC}" srcOrd="0" destOrd="0" presId="urn:microsoft.com/office/officeart/2005/8/layout/orgChart1"/>
+    <dgm:cxn modelId="{CFAA99B2-A975-4608-9A7E-3532833FAFD0}" type="presParOf" srcId="{9C00D388-557D-44D2-AA4D-F0CDE6C83032}" destId="{9E0B77EC-0CDB-4D06-A813-3F116C6EDEC8}" srcOrd="1" destOrd="0" presId="urn:microsoft.com/office/officeart/2005/8/layout/orgChart1"/>
+    <dgm:cxn modelId="{45069058-08FC-4714-A433-1013438D816B}" type="presParOf" srcId="{5BA9F837-93E7-4E1E-9785-A136310DEAE8}" destId="{0040A60C-765B-44B7-991D-91EDDDA8DCCB}" srcOrd="1" destOrd="0" presId="urn:microsoft.com/office/officeart/2005/8/layout/orgChart1"/>
+    <dgm:cxn modelId="{1A686B32-7108-4239-9FF4-C6CAFEF045A3}" type="presParOf" srcId="{5BA9F837-93E7-4E1E-9785-A136310DEAE8}" destId="{BD9A81B8-6A85-4E7D-80E1-15E95507E4A5}" srcOrd="2" destOrd="0" presId="urn:microsoft.com/office/officeart/2005/8/layout/orgChart1"/>
+    <dgm:cxn modelId="{5C1BAB30-7CFE-4667-9A46-EB98FDC94DBD}" type="presParOf" srcId="{81805E6F-E105-4E82-8A3E-E6C9CD7D9CE7}" destId="{F56B6B8F-2C06-44D9-B1B1-920B0AA419BA}" srcOrd="2" destOrd="0" presId="urn:microsoft.com/office/officeart/2005/8/layout/orgChart1"/>
+  </dgm:cxnLst>
+  <dgm:bg>
+    <a:noFill/>
+  </dgm:bg>
+  <dgm:whole/>
+  <dgm:extLst>
+    <a:ext uri="http://schemas.microsoft.com/office/drawing/2008/diagram">
+      <dsp:dataModelExt xmlns:dsp="http://schemas.microsoft.com/office/drawing/2008/diagram" relId="rId6" minVer="http://schemas.openxmlformats.org/drawingml/2006/diagram"/>
+    </a:ext>
+  </dgm:extLst>
+</dgm:dataModel>
+</file>
+
+<file path=ppt/diagrams/drawing1.xml><?xml version="1.0" encoding="utf-8"?>
+<dsp:drawing xmlns:dgm="http://schemas.openxmlformats.org/drawingml/2006/diagram" xmlns:dsp="http://schemas.microsoft.com/office/drawing/2008/diagram" xmlns:a="http://schemas.openxmlformats.org/drawingml/2006/main">
+  <dsp:spTree>
+    <dsp:nvGrpSpPr>
+      <dsp:cNvPr id="0" name=""/>
+      <dsp:cNvGrpSpPr/>
+    </dsp:nvGrpSpPr>
+    <dsp:grpSpPr/>
+    <dsp:sp modelId="{A9B54A11-E4F8-4785-B8E2-FA8556ABA5D1}">
+      <dsp:nvSpPr>
+        <dsp:cNvPr id="0" name=""/>
+        <dsp:cNvSpPr/>
+      </dsp:nvSpPr>
+      <dsp:spPr>
+        <a:xfrm>
+          <a:off x="3911347" y="1643346"/>
+          <a:ext cx="219476" cy="2280713"/>
+        </a:xfrm>
+        <a:custGeom>
+          <a:avLst/>
+          <a:gdLst/>
+          <a:ahLst/>
+          <a:cxnLst/>
+          <a:rect l="0" t="0" r="0" b="0"/>
+          <a:pathLst>
+            <a:path>
+              <a:moveTo>
+                <a:pt x="219476" y="0"/>
+              </a:moveTo>
+              <a:lnTo>
+                <a:pt x="219476" y="2280713"/>
+              </a:lnTo>
+              <a:lnTo>
+                <a:pt x="0" y="2280713"/>
+              </a:lnTo>
+            </a:path>
+          </a:pathLst>
+        </a:custGeom>
+        <a:noFill/>
+        <a:ln w="25400" cap="rnd" cmpd="sng" algn="ctr">
+          <a:solidFill>
+            <a:schemeClr val="accent1">
+              <a:shade val="80000"/>
+              <a:hueOff val="0"/>
+              <a:satOff val="0"/>
+              <a:lumOff val="0"/>
+              <a:alphaOff val="0"/>
+            </a:schemeClr>
+          </a:solidFill>
+          <a:prstDash val="solid"/>
+        </a:ln>
+        <a:effectLst/>
+      </dsp:spPr>
+      <dsp:style>
+        <a:lnRef idx="2">
+          <a:scrgbClr r="0" g="0" b="0"/>
+        </a:lnRef>
+        <a:fillRef idx="0">
+          <a:scrgbClr r="0" g="0" b="0"/>
+        </a:fillRef>
+        <a:effectRef idx="0">
+          <a:scrgbClr r="0" g="0" b="0"/>
+        </a:effectRef>
+        <a:fontRef idx="minor"/>
+      </dsp:style>
+    </dsp:sp>
+    <dsp:sp modelId="{9B3B9704-9A30-4B30-B6A9-4C3F7AF474EA}">
+      <dsp:nvSpPr>
+        <dsp:cNvPr id="0" name=""/>
+        <dsp:cNvSpPr/>
+      </dsp:nvSpPr>
+      <dsp:spPr>
+        <a:xfrm>
+          <a:off x="4130824" y="1643346"/>
+          <a:ext cx="190875" cy="852612"/>
+        </a:xfrm>
+        <a:custGeom>
+          <a:avLst/>
+          <a:gdLst/>
+          <a:ahLst/>
+          <a:cxnLst/>
+          <a:rect l="0" t="0" r="0" b="0"/>
+          <a:pathLst>
+            <a:path>
+              <a:moveTo>
+                <a:pt x="0" y="0"/>
+              </a:moveTo>
+              <a:lnTo>
+                <a:pt x="0" y="852612"/>
+              </a:lnTo>
+              <a:lnTo>
+                <a:pt x="190875" y="852612"/>
+              </a:lnTo>
+            </a:path>
+          </a:pathLst>
+        </a:custGeom>
+        <a:noFill/>
+        <a:ln w="25400" cap="rnd" cmpd="sng" algn="ctr">
+          <a:solidFill>
+            <a:schemeClr val="accent1">
+              <a:shade val="80000"/>
+              <a:hueOff val="0"/>
+              <a:satOff val="0"/>
+              <a:lumOff val="0"/>
+              <a:alphaOff val="0"/>
+            </a:schemeClr>
+          </a:solidFill>
+          <a:prstDash val="solid"/>
+        </a:ln>
+        <a:effectLst/>
+      </dsp:spPr>
+      <dsp:style>
+        <a:lnRef idx="2">
+          <a:scrgbClr r="0" g="0" b="0"/>
+        </a:lnRef>
+        <a:fillRef idx="0">
+          <a:scrgbClr r="0" g="0" b="0"/>
+        </a:fillRef>
+        <a:effectRef idx="0">
+          <a:scrgbClr r="0" g="0" b="0"/>
+        </a:effectRef>
+        <a:fontRef idx="minor"/>
+      </dsp:style>
+    </dsp:sp>
+    <dsp:sp modelId="{60DC4AB0-034B-4566-865C-6FAFC9BA8169}">
+      <dsp:nvSpPr>
+        <dsp:cNvPr id="0" name=""/>
+        <dsp:cNvSpPr/>
+      </dsp:nvSpPr>
+      <dsp:spPr>
+        <a:xfrm>
+          <a:off x="3923073" y="1643346"/>
+          <a:ext cx="207751" cy="849878"/>
+        </a:xfrm>
+        <a:custGeom>
+          <a:avLst/>
+          <a:gdLst/>
+          <a:ahLst/>
+          <a:cxnLst/>
+          <a:rect l="0" t="0" r="0" b="0"/>
+          <a:pathLst>
+            <a:path>
+              <a:moveTo>
+                <a:pt x="207751" y="0"/>
+              </a:moveTo>
+              <a:lnTo>
+                <a:pt x="207751" y="849878"/>
+              </a:lnTo>
+              <a:lnTo>
+                <a:pt x="0" y="849878"/>
+              </a:lnTo>
+            </a:path>
+          </a:pathLst>
+        </a:custGeom>
+        <a:noFill/>
+        <a:ln w="25400" cap="rnd" cmpd="sng" algn="ctr">
+          <a:solidFill>
+            <a:schemeClr val="accent1">
+              <a:shade val="80000"/>
+              <a:hueOff val="0"/>
+              <a:satOff val="0"/>
+              <a:lumOff val="0"/>
+              <a:alphaOff val="0"/>
+            </a:schemeClr>
+          </a:solidFill>
+          <a:prstDash val="solid"/>
+        </a:ln>
+        <a:effectLst/>
+      </dsp:spPr>
+      <dsp:style>
+        <a:lnRef idx="2">
+          <a:scrgbClr r="0" g="0" b="0"/>
+        </a:lnRef>
+        <a:fillRef idx="0">
+          <a:scrgbClr r="0" g="0" b="0"/>
+        </a:fillRef>
+        <a:effectRef idx="0">
+          <a:scrgbClr r="0" g="0" b="0"/>
+        </a:effectRef>
+        <a:fontRef idx="minor"/>
+      </dsp:style>
+    </dsp:sp>
+    <dsp:sp modelId="{39DE103E-CE50-4AFE-9525-6CA58A47EE77}">
+      <dsp:nvSpPr>
+        <dsp:cNvPr id="0" name=""/>
+        <dsp:cNvSpPr/>
+      </dsp:nvSpPr>
+      <dsp:spPr>
+        <a:xfrm>
+          <a:off x="4130824" y="1643346"/>
+          <a:ext cx="1853311" cy="3183168"/>
+        </a:xfrm>
+        <a:custGeom>
+          <a:avLst/>
+          <a:gdLst/>
+          <a:ahLst/>
+          <a:cxnLst/>
+          <a:rect l="0" t="0" r="0" b="0"/>
+          <a:pathLst>
+            <a:path>
+              <a:moveTo>
+                <a:pt x="0" y="0"/>
+              </a:moveTo>
+              <a:lnTo>
+                <a:pt x="0" y="3110872"/>
+              </a:lnTo>
+              <a:lnTo>
+                <a:pt x="1853311" y="3110872"/>
+              </a:lnTo>
+              <a:lnTo>
+                <a:pt x="1853311" y="3183168"/>
+              </a:lnTo>
+            </a:path>
+          </a:pathLst>
+        </a:custGeom>
+        <a:noFill/>
+        <a:ln w="25400" cap="rnd" cmpd="sng" algn="ctr">
+          <a:solidFill>
+            <a:schemeClr val="accent1">
+              <a:shade val="80000"/>
+              <a:hueOff val="0"/>
+              <a:satOff val="0"/>
+              <a:lumOff val="0"/>
+              <a:alphaOff val="0"/>
+            </a:schemeClr>
+          </a:solidFill>
+          <a:prstDash val="solid"/>
+        </a:ln>
+        <a:effectLst/>
+      </dsp:spPr>
+      <dsp:style>
+        <a:lnRef idx="2">
+          <a:scrgbClr r="0" g="0" b="0"/>
+        </a:lnRef>
+        <a:fillRef idx="0">
+          <a:scrgbClr r="0" g="0" b="0"/>
+        </a:fillRef>
+        <a:effectRef idx="0">
+          <a:scrgbClr r="0" g="0" b="0"/>
+        </a:effectRef>
+        <a:fontRef idx="minor"/>
+      </dsp:style>
+    </dsp:sp>
+    <dsp:sp modelId="{E3E5C517-6009-4203-A156-0E8FFF402890}">
+      <dsp:nvSpPr>
+        <dsp:cNvPr id="0" name=""/>
+        <dsp:cNvSpPr/>
+      </dsp:nvSpPr>
+      <dsp:spPr>
+        <a:xfrm>
+          <a:off x="2241134" y="1643346"/>
+          <a:ext cx="1889689" cy="3185095"/>
+        </a:xfrm>
+        <a:custGeom>
+          <a:avLst/>
+          <a:gdLst/>
+          <a:ahLst/>
+          <a:cxnLst/>
+          <a:rect l="0" t="0" r="0" b="0"/>
+          <a:pathLst>
+            <a:path>
+              <a:moveTo>
+                <a:pt x="1889689" y="0"/>
+              </a:moveTo>
+              <a:lnTo>
+                <a:pt x="1889689" y="3112799"/>
+              </a:lnTo>
+              <a:lnTo>
+                <a:pt x="0" y="3112799"/>
+              </a:lnTo>
+              <a:lnTo>
+                <a:pt x="0" y="3185095"/>
+              </a:lnTo>
+            </a:path>
+          </a:pathLst>
+        </a:custGeom>
+        <a:noFill/>
+        <a:ln w="25400" cap="rnd" cmpd="sng" algn="ctr">
+          <a:solidFill>
+            <a:schemeClr val="accent1">
+              <a:shade val="80000"/>
+              <a:hueOff val="0"/>
+              <a:satOff val="0"/>
+              <a:lumOff val="0"/>
+              <a:alphaOff val="0"/>
+            </a:schemeClr>
+          </a:solidFill>
+          <a:prstDash val="solid"/>
+        </a:ln>
+        <a:effectLst/>
+      </dsp:spPr>
+      <dsp:style>
+        <a:lnRef idx="2">
+          <a:scrgbClr r="0" g="0" b="0"/>
+        </a:lnRef>
+        <a:fillRef idx="0">
+          <a:scrgbClr r="0" g="0" b="0"/>
+        </a:fillRef>
+        <a:effectRef idx="0">
+          <a:scrgbClr r="0" g="0" b="0"/>
+        </a:effectRef>
+        <a:fontRef idx="minor"/>
+      </dsp:style>
+    </dsp:sp>
+    <dsp:sp modelId="{B78A42F2-C618-4FF5-83D3-166FE278D965}">
+      <dsp:nvSpPr>
+        <dsp:cNvPr id="0" name=""/>
+        <dsp:cNvSpPr/>
+      </dsp:nvSpPr>
+      <dsp:spPr>
+        <a:xfrm>
+          <a:off x="4051269" y="504429"/>
+          <a:ext cx="91440" cy="140295"/>
+        </a:xfrm>
+        <a:custGeom>
+          <a:avLst/>
+          <a:gdLst/>
+          <a:ahLst/>
+          <a:cxnLst/>
+          <a:rect l="0" t="0" r="0" b="0"/>
+          <a:pathLst>
+            <a:path>
+              <a:moveTo>
+                <a:pt x="45720" y="0"/>
+              </a:moveTo>
+              <a:lnTo>
+                <a:pt x="45720" y="67999"/>
+              </a:lnTo>
+              <a:lnTo>
+                <a:pt x="79554" y="67999"/>
+              </a:lnTo>
+              <a:lnTo>
+                <a:pt x="79554" y="140295"/>
+              </a:lnTo>
+            </a:path>
+          </a:pathLst>
+        </a:custGeom>
+        <a:noFill/>
+        <a:ln w="25400" cap="rnd" cmpd="sng" algn="ctr">
+          <a:solidFill>
+            <a:schemeClr val="accent1">
+              <a:shade val="60000"/>
+              <a:hueOff val="0"/>
+              <a:satOff val="0"/>
+              <a:lumOff val="0"/>
+              <a:alphaOff val="0"/>
+            </a:schemeClr>
+          </a:solidFill>
+          <a:prstDash val="solid"/>
+        </a:ln>
+        <a:effectLst/>
+      </dsp:spPr>
+      <dsp:style>
+        <a:lnRef idx="2">
+          <a:scrgbClr r="0" g="0" b="0"/>
+        </a:lnRef>
+        <a:fillRef idx="0">
+          <a:scrgbClr r="0" g="0" b="0"/>
+        </a:fillRef>
+        <a:effectRef idx="0">
+          <a:scrgbClr r="0" g="0" b="0"/>
+        </a:effectRef>
+        <a:fontRef idx="minor"/>
+      </dsp:style>
+    </dsp:sp>
+    <dsp:sp modelId="{FDB23B55-B392-436C-9555-416C9DDEE460}">
+      <dsp:nvSpPr>
+        <dsp:cNvPr id="0" name=""/>
+        <dsp:cNvSpPr/>
+      </dsp:nvSpPr>
+      <dsp:spPr>
+        <a:xfrm>
+          <a:off x="2795345" y="3404"/>
+          <a:ext cx="2603289" cy="501024"/>
+        </a:xfrm>
+        <a:prstGeom prst="rect">
+          <a:avLst/>
+        </a:prstGeom>
+        <a:solidFill>
+          <a:schemeClr val="accent1">
+            <a:hueOff val="0"/>
+            <a:satOff val="0"/>
+            <a:lumOff val="0"/>
+            <a:alphaOff val="0"/>
+          </a:schemeClr>
+        </a:solidFill>
+        <a:ln w="25400" cap="rnd" cmpd="sng" algn="ctr">
+          <a:solidFill>
+            <a:schemeClr val="lt1">
+              <a:hueOff val="0"/>
+              <a:satOff val="0"/>
+              <a:lumOff val="0"/>
+              <a:alphaOff val="0"/>
+            </a:schemeClr>
+          </a:solidFill>
+          <a:prstDash val="solid"/>
+        </a:ln>
+        <a:effectLst/>
+      </dsp:spPr>
+      <dsp:style>
+        <a:lnRef idx="2">
+          <a:scrgbClr r="0" g="0" b="0"/>
+        </a:lnRef>
+        <a:fillRef idx="1">
+          <a:scrgbClr r="0" g="0" b="0"/>
+        </a:fillRef>
+        <a:effectRef idx="0">
+          <a:scrgbClr r="0" g="0" b="0"/>
+        </a:effectRef>
+        <a:fontRef idx="minor">
+          <a:schemeClr val="lt1"/>
+        </a:fontRef>
+      </dsp:style>
+      <dsp:txBody>
+        <a:bodyPr spcFirstLastPara="0" vert="horz" wrap="square" lIns="17780" tIns="17780" rIns="17780" bIns="17780" numCol="1" spcCol="1270" anchor="ctr" anchorCtr="0">
+          <a:noAutofit/>
+        </a:bodyPr>
+        <a:lstStyle/>
+        <a:p>
+          <a:pPr lvl="0" algn="ctr" defTabSz="1244600">
+            <a:lnSpc>
+              <a:spcPct val="90000"/>
+            </a:lnSpc>
+            <a:spcBef>
+              <a:spcPct val="0"/>
+            </a:spcBef>
+            <a:spcAft>
+              <a:spcPct val="35000"/>
+            </a:spcAft>
+          </a:pPr>
+          <a:r>
+            <a:rPr lang="de-CH" sz="2800" b="1" kern="1200" dirty="0" smtClean="0">
+              <a:solidFill>
+                <a:schemeClr val="bg1"/>
+              </a:solidFill>
+              <a:latin typeface="Arial" panose="020B0604020202020204" pitchFamily="34" charset="0"/>
+              <a:cs typeface="Arial" panose="020B0604020202020204" pitchFamily="34" charset="0"/>
+            </a:rPr>
+            <a:t>TEAM 5</a:t>
+          </a:r>
+          <a:endParaRPr lang="de-CH" sz="2800" b="1" kern="1200" dirty="0">
+            <a:solidFill>
+              <a:schemeClr val="bg1"/>
+            </a:solidFill>
+            <a:latin typeface="Arial" panose="020B0604020202020204" pitchFamily="34" charset="0"/>
+            <a:cs typeface="Arial" panose="020B0604020202020204" pitchFamily="34" charset="0"/>
+          </a:endParaRPr>
+        </a:p>
+      </dsp:txBody>
+      <dsp:txXfrm>
+        <a:off x="2795345" y="3404"/>
+        <a:ext cx="2603289" cy="501024"/>
+      </dsp:txXfrm>
+    </dsp:sp>
+    <dsp:sp modelId="{8E08E8BE-0386-457C-BA55-587C15F0BC54}">
+      <dsp:nvSpPr>
+        <dsp:cNvPr id="0" name=""/>
+        <dsp:cNvSpPr/>
+      </dsp:nvSpPr>
+      <dsp:spPr>
+        <a:xfrm>
+          <a:off x="2404368" y="644724"/>
+          <a:ext cx="3452911" cy="998621"/>
+        </a:xfrm>
+        <a:prstGeom prst="rect">
+          <a:avLst/>
+        </a:prstGeom>
+        <a:solidFill>
+          <a:schemeClr val="accent1">
+            <a:hueOff val="0"/>
+            <a:satOff val="0"/>
+            <a:lumOff val="0"/>
+            <a:alphaOff val="0"/>
+          </a:schemeClr>
+        </a:solidFill>
+        <a:ln w="25400" cap="rnd" cmpd="sng" algn="ctr">
+          <a:solidFill>
+            <a:schemeClr val="lt1">
+              <a:hueOff val="0"/>
+              <a:satOff val="0"/>
+              <a:lumOff val="0"/>
+              <a:alphaOff val="0"/>
+            </a:schemeClr>
+          </a:solidFill>
+          <a:prstDash val="solid"/>
+        </a:ln>
+        <a:effectLst/>
+      </dsp:spPr>
+      <dsp:style>
+        <a:lnRef idx="2">
+          <a:scrgbClr r="0" g="0" b="0"/>
+        </a:lnRef>
+        <a:fillRef idx="1">
+          <a:scrgbClr r="0" g="0" b="0"/>
+        </a:fillRef>
+        <a:effectRef idx="0">
+          <a:scrgbClr r="0" g="0" b="0"/>
+        </a:effectRef>
+        <a:fontRef idx="minor">
+          <a:schemeClr val="lt1"/>
+        </a:fontRef>
+      </dsp:style>
+      <dsp:txBody>
+        <a:bodyPr spcFirstLastPara="0" vert="horz" wrap="square" lIns="15240" tIns="15240" rIns="15240" bIns="15240" numCol="1" spcCol="1270" anchor="ctr" anchorCtr="0">
+          <a:noAutofit/>
+        </a:bodyPr>
+        <a:lstStyle/>
+        <a:p>
+          <a:pPr lvl="0" algn="ctr" defTabSz="1066800">
+            <a:lnSpc>
+              <a:spcPct val="90000"/>
+            </a:lnSpc>
+            <a:spcBef>
+              <a:spcPct val="0"/>
+            </a:spcBef>
+            <a:spcAft>
+              <a:spcPct val="35000"/>
+            </a:spcAft>
+          </a:pPr>
+          <a:r>
+            <a:rPr lang="de-CH" sz="2400" kern="1200" dirty="0" smtClean="0">
+              <a:solidFill>
+                <a:schemeClr val="bg1"/>
+              </a:solidFill>
+              <a:latin typeface="Arial" panose="020B0604020202020204" pitchFamily="34" charset="0"/>
+              <a:cs typeface="Arial" panose="020B0604020202020204" pitchFamily="34" charset="0"/>
+            </a:rPr>
+            <a:t>Marina </a:t>
+          </a:r>
+          <a:r>
+            <a:rPr lang="de-CH" sz="2400" kern="1200" dirty="0" err="1" smtClean="0">
+              <a:solidFill>
+                <a:schemeClr val="bg1"/>
+              </a:solidFill>
+              <a:latin typeface="Arial" panose="020B0604020202020204" pitchFamily="34" charset="0"/>
+              <a:cs typeface="Arial" panose="020B0604020202020204" pitchFamily="34" charset="0"/>
+            </a:rPr>
+            <a:t>Taborda</a:t>
+          </a:r>
+          <a:r>
+            <a:rPr lang="de-CH" sz="2400" kern="1200" dirty="0" smtClean="0">
+              <a:solidFill>
+                <a:schemeClr val="bg1"/>
+              </a:solidFill>
+              <a:latin typeface="Arial" panose="020B0604020202020204" pitchFamily="34" charset="0"/>
+              <a:cs typeface="Arial" panose="020B0604020202020204" pitchFamily="34" charset="0"/>
+            </a:rPr>
+            <a:t/>
+          </a:r>
+          <a:br>
+            <a:rPr lang="de-CH" sz="2400" kern="1200" dirty="0" smtClean="0">
+              <a:solidFill>
+                <a:schemeClr val="bg1"/>
+              </a:solidFill>
+              <a:latin typeface="Arial" panose="020B0604020202020204" pitchFamily="34" charset="0"/>
+              <a:cs typeface="Arial" panose="020B0604020202020204" pitchFamily="34" charset="0"/>
+            </a:rPr>
+          </a:br>
+          <a:r>
+            <a:rPr lang="de-CH" sz="2400" kern="1200" dirty="0" smtClean="0">
+              <a:solidFill>
+                <a:schemeClr val="bg1"/>
+              </a:solidFill>
+              <a:latin typeface="Arial" panose="020B0604020202020204" pitchFamily="34" charset="0"/>
+              <a:cs typeface="Arial" panose="020B0604020202020204" pitchFamily="34" charset="0"/>
+            </a:rPr>
+            <a:t>(Projektleiterin</a:t>
+          </a:r>
+          <a:r>
+            <a:rPr lang="de-CH" sz="1100" kern="1200" dirty="0" smtClean="0">
+              <a:latin typeface="Arial" panose="020B0604020202020204" pitchFamily="34" charset="0"/>
+              <a:cs typeface="Arial" panose="020B0604020202020204" pitchFamily="34" charset="0"/>
+            </a:rPr>
+            <a:t>)</a:t>
+          </a:r>
+          <a:endParaRPr lang="de-CH" sz="1100" kern="1200" dirty="0">
+            <a:latin typeface="Arial" panose="020B0604020202020204" pitchFamily="34" charset="0"/>
+            <a:cs typeface="Arial" panose="020B0604020202020204" pitchFamily="34" charset="0"/>
+          </a:endParaRPr>
+        </a:p>
+      </dsp:txBody>
+      <dsp:txXfrm>
+        <a:off x="2404368" y="644724"/>
+        <a:ext cx="3452911" cy="998621"/>
+      </dsp:txXfrm>
+    </dsp:sp>
+    <dsp:sp modelId="{4C391E49-BDC9-4B9A-9421-12FBDC13921B}">
+      <dsp:nvSpPr>
+        <dsp:cNvPr id="0" name=""/>
+        <dsp:cNvSpPr/>
+      </dsp:nvSpPr>
+      <dsp:spPr>
+        <a:xfrm>
+          <a:off x="561760" y="4828441"/>
+          <a:ext cx="3358747" cy="1364246"/>
+        </a:xfrm>
+        <a:prstGeom prst="rect">
+          <a:avLst/>
+        </a:prstGeom>
+        <a:solidFill>
+          <a:schemeClr val="accent1">
+            <a:hueOff val="0"/>
+            <a:satOff val="0"/>
+            <a:lumOff val="0"/>
+            <a:alphaOff val="0"/>
+          </a:schemeClr>
+        </a:solidFill>
+        <a:ln w="25400" cap="rnd" cmpd="sng" algn="ctr">
+          <a:solidFill>
+            <a:schemeClr val="lt1">
+              <a:hueOff val="0"/>
+              <a:satOff val="0"/>
+              <a:lumOff val="0"/>
+              <a:alphaOff val="0"/>
+            </a:schemeClr>
+          </a:solidFill>
+          <a:prstDash val="solid"/>
+        </a:ln>
+        <a:effectLst/>
+      </dsp:spPr>
+      <dsp:style>
+        <a:lnRef idx="2">
+          <a:scrgbClr r="0" g="0" b="0"/>
+        </a:lnRef>
+        <a:fillRef idx="1">
+          <a:scrgbClr r="0" g="0" b="0"/>
+        </a:fillRef>
+        <a:effectRef idx="0">
+          <a:scrgbClr r="0" g="0" b="0"/>
+        </a:effectRef>
+        <a:fontRef idx="minor">
+          <a:schemeClr val="lt1"/>
+        </a:fontRef>
+      </dsp:style>
+      <dsp:txBody>
+        <a:bodyPr spcFirstLastPara="0" vert="horz" wrap="square" lIns="15240" tIns="15240" rIns="15240" bIns="15240" numCol="1" spcCol="1270" anchor="ctr" anchorCtr="0">
+          <a:noAutofit/>
+        </a:bodyPr>
+        <a:lstStyle/>
+        <a:p>
+          <a:pPr lvl="0" algn="ctr" defTabSz="1066800">
+            <a:lnSpc>
+              <a:spcPct val="90000"/>
+            </a:lnSpc>
+            <a:spcBef>
+              <a:spcPct val="0"/>
+            </a:spcBef>
+            <a:spcAft>
+              <a:spcPct val="35000"/>
+            </a:spcAft>
+          </a:pPr>
+          <a:r>
+            <a:rPr lang="de-CH" sz="2400" kern="1200" dirty="0" smtClean="0">
+              <a:solidFill>
+                <a:schemeClr val="bg1"/>
+              </a:solidFill>
+              <a:latin typeface="Arial" panose="020B0604020202020204" pitchFamily="34" charset="0"/>
+              <a:cs typeface="Arial" panose="020B0604020202020204" pitchFamily="34" charset="0"/>
+            </a:rPr>
+            <a:t>Richard Britt</a:t>
+          </a:r>
+          <a:endParaRPr lang="de-CH" sz="2400" kern="1200" dirty="0">
+            <a:solidFill>
+              <a:schemeClr val="bg1"/>
+            </a:solidFill>
+            <a:latin typeface="Arial" panose="020B0604020202020204" pitchFamily="34" charset="0"/>
+            <a:cs typeface="Arial" panose="020B0604020202020204" pitchFamily="34" charset="0"/>
+          </a:endParaRPr>
+        </a:p>
+      </dsp:txBody>
+      <dsp:txXfrm>
+        <a:off x="561760" y="4828441"/>
+        <a:ext cx="3358747" cy="1364246"/>
+      </dsp:txXfrm>
+    </dsp:sp>
+    <dsp:sp modelId="{04DBB558-5929-43C3-8E6F-34C5172ADE91}">
+      <dsp:nvSpPr>
+        <dsp:cNvPr id="0" name=""/>
+        <dsp:cNvSpPr/>
+      </dsp:nvSpPr>
+      <dsp:spPr>
+        <a:xfrm>
+          <a:off x="4302382" y="4826514"/>
+          <a:ext cx="3363505" cy="1366173"/>
+        </a:xfrm>
+        <a:prstGeom prst="rect">
+          <a:avLst/>
+        </a:prstGeom>
+        <a:solidFill>
+          <a:schemeClr val="accent1">
+            <a:hueOff val="0"/>
+            <a:satOff val="0"/>
+            <a:lumOff val="0"/>
+            <a:alphaOff val="0"/>
+          </a:schemeClr>
+        </a:solidFill>
+        <a:ln w="25400" cap="rnd" cmpd="sng" algn="ctr">
+          <a:solidFill>
+            <a:schemeClr val="lt1">
+              <a:hueOff val="0"/>
+              <a:satOff val="0"/>
+              <a:lumOff val="0"/>
+              <a:alphaOff val="0"/>
+            </a:schemeClr>
+          </a:solidFill>
+          <a:prstDash val="solid"/>
+        </a:ln>
+        <a:effectLst/>
+      </dsp:spPr>
+      <dsp:style>
+        <a:lnRef idx="2">
+          <a:scrgbClr r="0" g="0" b="0"/>
+        </a:lnRef>
+        <a:fillRef idx="1">
+          <a:scrgbClr r="0" g="0" b="0"/>
+        </a:fillRef>
+        <a:effectRef idx="0">
+          <a:scrgbClr r="0" g="0" b="0"/>
+        </a:effectRef>
+        <a:fontRef idx="minor">
+          <a:schemeClr val="lt1"/>
+        </a:fontRef>
+      </dsp:style>
+      <dsp:txBody>
+        <a:bodyPr spcFirstLastPara="0" vert="horz" wrap="square" lIns="15240" tIns="15240" rIns="15240" bIns="15240" numCol="1" spcCol="1270" anchor="ctr" anchorCtr="0">
+          <a:noAutofit/>
+        </a:bodyPr>
+        <a:lstStyle/>
+        <a:p>
+          <a:pPr lvl="0" algn="ctr" defTabSz="1066800">
+            <a:lnSpc>
+              <a:spcPct val="90000"/>
+            </a:lnSpc>
+            <a:spcBef>
+              <a:spcPct val="0"/>
+            </a:spcBef>
+            <a:spcAft>
+              <a:spcPct val="35000"/>
+            </a:spcAft>
+          </a:pPr>
+          <a:r>
+            <a:rPr lang="de-CH" sz="2400" kern="1200" dirty="0" err="1" smtClean="0">
+              <a:solidFill>
+                <a:schemeClr val="bg1"/>
+              </a:solidFill>
+              <a:latin typeface="Arial" panose="020B0604020202020204" pitchFamily="34" charset="0"/>
+              <a:cs typeface="Arial" panose="020B0604020202020204" pitchFamily="34" charset="0"/>
+            </a:rPr>
+            <a:t>Fady</a:t>
+          </a:r>
+          <a:r>
+            <a:rPr lang="de-CH" sz="2400" kern="1200" dirty="0" smtClean="0">
+              <a:solidFill>
+                <a:schemeClr val="bg1"/>
+              </a:solidFill>
+              <a:latin typeface="Arial" panose="020B0604020202020204" pitchFamily="34" charset="0"/>
+              <a:cs typeface="Arial" panose="020B0604020202020204" pitchFamily="34" charset="0"/>
+            </a:rPr>
+            <a:t> Hanna</a:t>
+          </a:r>
+          <a:endParaRPr lang="de-CH" sz="2400" kern="1200" dirty="0">
+            <a:solidFill>
+              <a:schemeClr val="bg1"/>
+            </a:solidFill>
+            <a:latin typeface="Arial" panose="020B0604020202020204" pitchFamily="34" charset="0"/>
+            <a:cs typeface="Arial" panose="020B0604020202020204" pitchFamily="34" charset="0"/>
+          </a:endParaRPr>
+        </a:p>
+      </dsp:txBody>
+      <dsp:txXfrm>
+        <a:off x="4302382" y="4826514"/>
+        <a:ext cx="3363505" cy="1366173"/>
+      </dsp:txXfrm>
+    </dsp:sp>
+    <dsp:sp modelId="{00DBBCB5-3A9D-4232-B041-987A45291CD1}">
+      <dsp:nvSpPr>
+        <dsp:cNvPr id="0" name=""/>
+        <dsp:cNvSpPr/>
+      </dsp:nvSpPr>
+      <dsp:spPr>
+        <a:xfrm>
+          <a:off x="554796" y="1809168"/>
+          <a:ext cx="3368277" cy="1368112"/>
+        </a:xfrm>
+        <a:prstGeom prst="rect">
+          <a:avLst/>
+        </a:prstGeom>
+        <a:solidFill>
+          <a:schemeClr val="accent1">
+            <a:hueOff val="0"/>
+            <a:satOff val="0"/>
+            <a:lumOff val="0"/>
+            <a:alphaOff val="0"/>
+          </a:schemeClr>
+        </a:solidFill>
+        <a:ln w="25400" cap="rnd" cmpd="sng" algn="ctr">
+          <a:solidFill>
+            <a:schemeClr val="lt1">
+              <a:hueOff val="0"/>
+              <a:satOff val="0"/>
+              <a:lumOff val="0"/>
+              <a:alphaOff val="0"/>
+            </a:schemeClr>
+          </a:solidFill>
+          <a:prstDash val="solid"/>
+        </a:ln>
+        <a:effectLst/>
+      </dsp:spPr>
+      <dsp:style>
+        <a:lnRef idx="2">
+          <a:scrgbClr r="0" g="0" b="0"/>
+        </a:lnRef>
+        <a:fillRef idx="1">
+          <a:scrgbClr r="0" g="0" b="0"/>
+        </a:fillRef>
+        <a:effectRef idx="0">
+          <a:scrgbClr r="0" g="0" b="0"/>
+        </a:effectRef>
+        <a:fontRef idx="minor">
+          <a:schemeClr val="lt1"/>
+        </a:fontRef>
+      </dsp:style>
+      <dsp:txBody>
+        <a:bodyPr spcFirstLastPara="0" vert="horz" wrap="square" lIns="15240" tIns="15240" rIns="15240" bIns="15240" numCol="1" spcCol="1270" anchor="ctr" anchorCtr="0">
+          <a:noAutofit/>
+        </a:bodyPr>
+        <a:lstStyle/>
+        <a:p>
+          <a:pPr lvl="0" algn="ctr" defTabSz="1066800">
+            <a:lnSpc>
+              <a:spcPct val="90000"/>
+            </a:lnSpc>
+            <a:spcBef>
+              <a:spcPct val="0"/>
+            </a:spcBef>
+            <a:spcAft>
+              <a:spcPct val="35000"/>
+            </a:spcAft>
+          </a:pPr>
+          <a:r>
+            <a:rPr lang="de-CH" sz="2400" kern="1200" dirty="0" smtClean="0">
+              <a:solidFill>
+                <a:schemeClr val="bg1"/>
+              </a:solidFill>
+              <a:latin typeface="Arial" panose="020B0604020202020204" pitchFamily="34" charset="0"/>
+              <a:cs typeface="Arial" panose="020B0604020202020204" pitchFamily="34" charset="0"/>
+            </a:rPr>
+            <a:t>Frank Imhof</a:t>
+          </a:r>
+          <a:br>
+            <a:rPr lang="de-CH" sz="2400" kern="1200" dirty="0" smtClean="0">
+              <a:solidFill>
+                <a:schemeClr val="bg1"/>
+              </a:solidFill>
+              <a:latin typeface="Arial" panose="020B0604020202020204" pitchFamily="34" charset="0"/>
+              <a:cs typeface="Arial" panose="020B0604020202020204" pitchFamily="34" charset="0"/>
+            </a:rPr>
+          </a:br>
+          <a:r>
+            <a:rPr lang="de-CH" sz="2400" kern="1200" dirty="0" smtClean="0">
+              <a:solidFill>
+                <a:schemeClr val="bg1"/>
+              </a:solidFill>
+              <a:latin typeface="Arial" panose="020B0604020202020204" pitchFamily="34" charset="0"/>
+              <a:cs typeface="Arial" panose="020B0604020202020204" pitchFamily="34" charset="0"/>
+            </a:rPr>
+            <a:t>(Software)</a:t>
+          </a:r>
+          <a:endParaRPr lang="de-CH" sz="2400" kern="1200" dirty="0">
+            <a:solidFill>
+              <a:schemeClr val="bg1"/>
+            </a:solidFill>
+            <a:latin typeface="Arial" panose="020B0604020202020204" pitchFamily="34" charset="0"/>
+            <a:cs typeface="Arial" panose="020B0604020202020204" pitchFamily="34" charset="0"/>
+          </a:endParaRPr>
+        </a:p>
+      </dsp:txBody>
+      <dsp:txXfrm>
+        <a:off x="554796" y="1809168"/>
+        <a:ext cx="3368277" cy="1368112"/>
+      </dsp:txXfrm>
+    </dsp:sp>
+    <dsp:sp modelId="{E757F838-8DEF-4C69-9F9D-92C813B4F476}">
+      <dsp:nvSpPr>
+        <dsp:cNvPr id="0" name=""/>
+        <dsp:cNvSpPr/>
+      </dsp:nvSpPr>
+      <dsp:spPr>
+        <a:xfrm>
+          <a:off x="4321699" y="1809168"/>
+          <a:ext cx="3393553" cy="1373579"/>
+        </a:xfrm>
+        <a:prstGeom prst="rect">
+          <a:avLst/>
+        </a:prstGeom>
+        <a:solidFill>
+          <a:schemeClr val="accent1">
+            <a:hueOff val="0"/>
+            <a:satOff val="0"/>
+            <a:lumOff val="0"/>
+            <a:alphaOff val="0"/>
+          </a:schemeClr>
+        </a:solidFill>
+        <a:ln w="25400" cap="rnd" cmpd="sng" algn="ctr">
+          <a:solidFill>
+            <a:schemeClr val="lt1">
+              <a:hueOff val="0"/>
+              <a:satOff val="0"/>
+              <a:lumOff val="0"/>
+              <a:alphaOff val="0"/>
+            </a:schemeClr>
+          </a:solidFill>
+          <a:prstDash val="solid"/>
+        </a:ln>
+        <a:effectLst/>
+      </dsp:spPr>
+      <dsp:style>
+        <a:lnRef idx="2">
+          <a:scrgbClr r="0" g="0" b="0"/>
+        </a:lnRef>
+        <a:fillRef idx="1">
+          <a:scrgbClr r="0" g="0" b="0"/>
+        </a:fillRef>
+        <a:effectRef idx="0">
+          <a:scrgbClr r="0" g="0" b="0"/>
+        </a:effectRef>
+        <a:fontRef idx="minor">
+          <a:schemeClr val="lt1"/>
+        </a:fontRef>
+      </dsp:style>
+      <dsp:txBody>
+        <a:bodyPr spcFirstLastPara="0" vert="horz" wrap="square" lIns="15240" tIns="15240" rIns="15240" bIns="15240" numCol="1" spcCol="1270" anchor="ctr" anchorCtr="0">
+          <a:noAutofit/>
+        </a:bodyPr>
+        <a:lstStyle/>
+        <a:p>
+          <a:pPr lvl="0" algn="ctr" defTabSz="1066800">
+            <a:lnSpc>
+              <a:spcPct val="90000"/>
+            </a:lnSpc>
+            <a:spcBef>
+              <a:spcPct val="0"/>
+            </a:spcBef>
+            <a:spcAft>
+              <a:spcPct val="35000"/>
+            </a:spcAft>
+          </a:pPr>
+          <a:r>
+            <a:rPr lang="de-CH" sz="2400" kern="1200" dirty="0" smtClean="0">
+              <a:solidFill>
+                <a:schemeClr val="bg1"/>
+              </a:solidFill>
+              <a:latin typeface="Arial" panose="020B0604020202020204" pitchFamily="34" charset="0"/>
+              <a:cs typeface="Arial" panose="020B0604020202020204" pitchFamily="34" charset="0"/>
+            </a:rPr>
+            <a:t>Michel Alt</a:t>
+          </a:r>
+          <a:br>
+            <a:rPr lang="de-CH" sz="2400" kern="1200" dirty="0" smtClean="0">
+              <a:solidFill>
+                <a:schemeClr val="bg1"/>
+              </a:solidFill>
+              <a:latin typeface="Arial" panose="020B0604020202020204" pitchFamily="34" charset="0"/>
+              <a:cs typeface="Arial" panose="020B0604020202020204" pitchFamily="34" charset="0"/>
+            </a:rPr>
+          </a:br>
+          <a:r>
+            <a:rPr lang="de-CH" sz="2400" kern="1200" dirty="0" smtClean="0">
+              <a:solidFill>
+                <a:schemeClr val="bg1"/>
+              </a:solidFill>
+              <a:latin typeface="Arial" panose="020B0604020202020204" pitchFamily="34" charset="0"/>
+              <a:cs typeface="Arial" panose="020B0604020202020204" pitchFamily="34" charset="0"/>
+            </a:rPr>
+            <a:t>(</a:t>
+          </a:r>
+          <a:r>
+            <a:rPr lang="de-CH" sz="2400" kern="1200" dirty="0" err="1" smtClean="0">
+              <a:solidFill>
+                <a:schemeClr val="bg1"/>
+              </a:solidFill>
+              <a:latin typeface="Arial" panose="020B0604020202020204" pitchFamily="34" charset="0"/>
+              <a:cs typeface="Arial" panose="020B0604020202020204" pitchFamily="34" charset="0"/>
+            </a:rPr>
+            <a:t>Stv</a:t>
+          </a:r>
+          <a:r>
+            <a:rPr lang="de-CH" sz="2400" kern="1200" dirty="0" smtClean="0">
+              <a:solidFill>
+                <a:schemeClr val="bg1"/>
+              </a:solidFill>
+              <a:latin typeface="Arial" panose="020B0604020202020204" pitchFamily="34" charset="0"/>
+              <a:cs typeface="Arial" panose="020B0604020202020204" pitchFamily="34" charset="0"/>
+            </a:rPr>
+            <a:t>. Projektleiter)</a:t>
+          </a:r>
+          <a:endParaRPr lang="de-CH" sz="2400" kern="1200" dirty="0">
+            <a:solidFill>
+              <a:schemeClr val="bg1"/>
+            </a:solidFill>
+            <a:latin typeface="Arial" panose="020B0604020202020204" pitchFamily="34" charset="0"/>
+            <a:cs typeface="Arial" panose="020B0604020202020204" pitchFamily="34" charset="0"/>
+          </a:endParaRPr>
+        </a:p>
+      </dsp:txBody>
+      <dsp:txXfrm>
+        <a:off x="4321699" y="1809168"/>
+        <a:ext cx="3393553" cy="1373579"/>
+      </dsp:txXfrm>
+    </dsp:sp>
+    <dsp:sp modelId="{D7BEACEB-ADE4-4B2D-9264-790EC13204CC}">
+      <dsp:nvSpPr>
+        <dsp:cNvPr id="0" name=""/>
+        <dsp:cNvSpPr/>
+      </dsp:nvSpPr>
+      <dsp:spPr>
+        <a:xfrm>
+          <a:off x="543070" y="3240003"/>
+          <a:ext cx="3368277" cy="1368112"/>
+        </a:xfrm>
+        <a:prstGeom prst="rect">
+          <a:avLst/>
+        </a:prstGeom>
+        <a:solidFill>
+          <a:schemeClr val="accent1">
+            <a:hueOff val="0"/>
+            <a:satOff val="0"/>
+            <a:lumOff val="0"/>
+            <a:alphaOff val="0"/>
+          </a:schemeClr>
+        </a:solidFill>
+        <a:ln w="25400" cap="rnd" cmpd="sng" algn="ctr">
+          <a:solidFill>
+            <a:schemeClr val="lt1">
+              <a:hueOff val="0"/>
+              <a:satOff val="0"/>
+              <a:lumOff val="0"/>
+              <a:alphaOff val="0"/>
+            </a:schemeClr>
+          </a:solidFill>
+          <a:prstDash val="solid"/>
+        </a:ln>
+        <a:effectLst/>
+      </dsp:spPr>
+      <dsp:style>
+        <a:lnRef idx="2">
+          <a:scrgbClr r="0" g="0" b="0"/>
+        </a:lnRef>
+        <a:fillRef idx="1">
+          <a:scrgbClr r="0" g="0" b="0"/>
+        </a:fillRef>
+        <a:effectRef idx="0">
+          <a:scrgbClr r="0" g="0" b="0"/>
+        </a:effectRef>
+        <a:fontRef idx="minor">
+          <a:schemeClr val="lt1"/>
+        </a:fontRef>
+      </dsp:style>
+      <dsp:txBody>
+        <a:bodyPr spcFirstLastPara="0" vert="horz" wrap="square" lIns="15240" tIns="15240" rIns="15240" bIns="15240" numCol="1" spcCol="1270" anchor="ctr" anchorCtr="0">
+          <a:noAutofit/>
+        </a:bodyPr>
+        <a:lstStyle/>
+        <a:p>
+          <a:pPr lvl="0" algn="ctr" defTabSz="1066800">
+            <a:lnSpc>
+              <a:spcPct val="90000"/>
+            </a:lnSpc>
+            <a:spcBef>
+              <a:spcPct val="0"/>
+            </a:spcBef>
+            <a:spcAft>
+              <a:spcPct val="35000"/>
+            </a:spcAft>
+          </a:pPr>
+          <a:r>
+            <a:rPr lang="de-CH" sz="2400" kern="1200" dirty="0" smtClean="0">
+              <a:solidFill>
+                <a:schemeClr val="bg1"/>
+              </a:solidFill>
+              <a:latin typeface="Arial" panose="020B0604020202020204" pitchFamily="34" charset="0"/>
+              <a:cs typeface="Arial" panose="020B0604020202020204" pitchFamily="34" charset="0"/>
+            </a:rPr>
+            <a:t>Luca Krummenacher</a:t>
+          </a:r>
+          <a:br>
+            <a:rPr lang="de-CH" sz="2400" kern="1200" dirty="0" smtClean="0">
+              <a:solidFill>
+                <a:schemeClr val="bg1"/>
+              </a:solidFill>
+              <a:latin typeface="Arial" panose="020B0604020202020204" pitchFamily="34" charset="0"/>
+              <a:cs typeface="Arial" panose="020B0604020202020204" pitchFamily="34" charset="0"/>
+            </a:rPr>
+          </a:br>
+          <a:r>
+            <a:rPr lang="de-CH" sz="2400" kern="1200" dirty="0" smtClean="0">
+              <a:solidFill>
+                <a:schemeClr val="bg1"/>
+              </a:solidFill>
+              <a:latin typeface="Arial" panose="020B0604020202020204" pitchFamily="34" charset="0"/>
+              <a:cs typeface="Arial" panose="020B0604020202020204" pitchFamily="34" charset="0"/>
+            </a:rPr>
+            <a:t>(Elektrotechnik)</a:t>
+          </a:r>
+          <a:endParaRPr lang="de-CH" sz="2400" kern="1200" dirty="0">
+            <a:solidFill>
+              <a:schemeClr val="bg1"/>
+            </a:solidFill>
+            <a:latin typeface="Arial" panose="020B0604020202020204" pitchFamily="34" charset="0"/>
+            <a:cs typeface="Arial" panose="020B0604020202020204" pitchFamily="34" charset="0"/>
+          </a:endParaRPr>
+        </a:p>
+      </dsp:txBody>
+      <dsp:txXfrm>
+        <a:off x="543070" y="3240003"/>
+        <a:ext cx="3368277" cy="1368112"/>
+      </dsp:txXfrm>
+    </dsp:sp>
+  </dsp:spTree>
+</dsp:drawing>
+</file>
+
+<file path=ppt/diagrams/layout1.xml><?xml version="1.0" encoding="utf-8"?>
+<dgm:layoutDef xmlns:dgm="http://schemas.openxmlformats.org/drawingml/2006/diagram" xmlns:a="http://schemas.openxmlformats.org/drawingml/2006/main" uniqueId="urn:microsoft.com/office/officeart/2005/8/layout/orgChart1">
+  <dgm:title val=""/>
+  <dgm:desc val=""/>
+  <dgm:catLst>
+    <dgm:cat type="hierarchy" pri="1000"/>
+    <dgm:cat type="convert" pri="6000"/>
+  </dgm:catLst>
+  <dgm:sampData>
+    <dgm:dataModel>
+      <dgm:ptLst>
+        <dgm:pt modelId="0" type="doc"/>
+        <dgm:pt modelId="1">
+          <dgm:prSet phldr="1"/>
+        </dgm:pt>
+        <dgm:pt modelId="2" type="asst">
+          <dgm:prSet phldr="1"/>
+        </dgm:pt>
+        <dgm:pt modelId="3">
+          <dgm:prSet phldr="1"/>
+        </dgm:pt>
+        <dgm:pt modelId="4">
+          <dgm:prSet phldr="1"/>
+        </dgm:pt>
+        <dgm:pt modelId="5">
+          <dgm:prSet phldr="1"/>
+        </dgm:pt>
+      </dgm:ptLst>
+      <dgm:cxnLst>
+        <dgm:cxn modelId="5" srcId="0" destId="1" srcOrd="0" destOrd="0"/>
+        <dgm:cxn modelId="6" srcId="1" destId="2" srcOrd="0" destOrd="0"/>
+        <dgm:cxn modelId="7" srcId="1" destId="3" srcOrd="1" destOrd="0"/>
+        <dgm:cxn modelId="8" srcId="1" destId="4" srcOrd="2" destOrd="0"/>
+        <dgm:cxn modelId="9" srcId="1" destId="5" srcOrd="3" destOrd="0"/>
+      </dgm:cxnLst>
+      <dgm:bg/>
+      <dgm:whole/>
+    </dgm:dataModel>
+  </dgm:sampData>
+  <dgm:styleData>
+    <dgm:dataModel>
+      <dgm:ptLst>
+        <dgm:pt modelId="0" type="doc"/>
+        <dgm:pt modelId="1"/>
+        <dgm:pt modelId="12"/>
+        <dgm:pt modelId="13"/>
+      </dgm:ptLst>
+      <dgm:cxnLst>
+        <dgm:cxn modelId="2" srcId="0" destId="1" srcOrd="0" destOrd="0"/>
+        <dgm:cxn modelId="16" srcId="1" destId="12" srcOrd="1" destOrd="0"/>
+        <dgm:cxn modelId="17" srcId="1" destId="13" srcOrd="2" destOrd="0"/>
+      </dgm:cxnLst>
+      <dgm:bg/>
+      <dgm:whole/>
+    </dgm:dataModel>
+  </dgm:styleData>
+  <dgm:clrData>
+    <dgm:dataModel>
+      <dgm:ptLst>
+        <dgm:pt modelId="0" type="doc"/>
+        <dgm:pt modelId="1"/>
+        <dgm:pt modelId="11" type="asst"/>
+        <dgm:pt modelId="12"/>
+        <dgm:pt modelId="13"/>
+        <dgm:pt modelId="14"/>
+      </dgm:ptLst>
+      <dgm:cxnLst>
+        <dgm:cxn modelId="2" srcId="0" destId="1" srcOrd="0" destOrd="0"/>
+        <dgm:cxn modelId="15" srcId="1" destId="11" srcOrd="0" destOrd="0"/>
+        <dgm:cxn modelId="16" srcId="1" destId="12" srcOrd="1" destOrd="0"/>
+        <dgm:cxn modelId="17" srcId="1" destId="13" srcOrd="2" destOrd="0"/>
+        <dgm:cxn modelId="18" srcId="1" destId="14" srcOrd="2" destOrd="0"/>
+      </dgm:cxnLst>
+      <dgm:bg/>
+      <dgm:whole/>
+    </dgm:dataModel>
+  </dgm:clrData>
+  <dgm:layoutNode name="hierChild1">
+    <dgm:varLst>
+      <dgm:orgChart val="1"/>
+      <dgm:chPref val="1"/>
+      <dgm:dir/>
+      <dgm:animOne val="branch"/>
+      <dgm:animLvl val="lvl"/>
+      <dgm:resizeHandles/>
+    </dgm:varLst>
+    <dgm:choose name="Name0">
+      <dgm:if name="Name1" func="var" arg="dir" op="equ" val="norm">
+        <dgm:alg type="hierChild">
+          <dgm:param type="linDir" val="fromL"/>
+        </dgm:alg>
+      </dgm:if>
+      <dgm:else name="Name2">
+        <dgm:alg type="hierChild">
+          <dgm:param type="linDir" val="fromR"/>
+        </dgm:alg>
+      </dgm:else>
+    </dgm:choose>
+    <dgm:shape xmlns:r="http://schemas.openxmlformats.org/officeDocument/2006/relationships" r:blip="">
+      <dgm:adjLst/>
+    </dgm:shape>
+    <dgm:presOf/>
+    <dgm:constrLst>
+      <dgm:constr type="w" for="des" forName="rootComposite1" refType="w" fact="10"/>
+      <dgm:constr type="h" for="des" forName="rootComposite1" refType="w" refFor="des" refForName="rootComposite1" fact="0.5"/>
+      <dgm:constr type="w" for="des" forName="rootComposite" refType="w" fact="10"/>
+      <dgm:constr type="h" for="des" forName="rootComposite" refType="w" refFor="des" refForName="rootComposite1" fact="0.5"/>
+      <dgm:constr type="w" for="des" forName="rootComposite3" refType="w" fact="10"/>
+      <dgm:constr type="h" for="des" forName="rootComposite3" refType="w" refFor="des" refForName="rootComposite1" fact="0.5"/>
+      <dgm:constr type="primFontSz" for="des" ptType="node" op="equ"/>
+      <dgm:constr type="sp" for="des" op="equ"/>
+      <dgm:constr type="sp" for="des" forName="hierRoot1" refType="w" refFor="des" refForName="rootComposite1" fact="0.21"/>
+      <dgm:constr type="sp" for="des" forName="hierRoot2" refType="sp" refFor="des" refForName="hierRoot1"/>
+      <dgm:constr type="sp" for="des" forName="hierRoot3" refType="sp" refFor="des" refForName="hierRoot1"/>
+      <dgm:constr type="sibSp" refType="w" refFor="des" refForName="rootComposite1" fact="0.21"/>
+      <dgm:constr type="sibSp" for="des" forName="hierChild2" refType="sibSp"/>
+      <dgm:constr type="sibSp" for="des" forName="hierChild3" refType="sibSp"/>
+      <dgm:constr type="sibSp" for="des" forName="hierChild4" refType="sibSp"/>
+      <dgm:constr type="sibSp" for="des" forName="hierChild5" refType="sibSp"/>
+      <dgm:constr type="sibSp" for="des" forName="hierChild6" refType="sibSp"/>
+      <dgm:constr type="sibSp" for="des" forName="hierChild7" refType="sibSp"/>
+      <dgm:constr type="secSibSp" refType="w" refFor="des" refForName="rootComposite1" fact="0.21"/>
+      <dgm:constr type="secSibSp" for="des" forName="hierChild2" refType="secSibSp"/>
+      <dgm:constr type="secSibSp" for="des" forName="hierChild3" refType="secSibSp"/>
+      <dgm:constr type="secSibSp" for="des" forName="hierChild4" refType="secSibSp"/>
+      <dgm:constr type="secSibSp" for="des" forName="hierChild5" refType="secSibSp"/>
+      <dgm:constr type="secSibSp" for="des" forName="hierChild6" refType="secSibSp"/>
+      <dgm:constr type="secSibSp" for="des" forName="hierChild7" refType="secSibSp"/>
+    </dgm:constrLst>
+    <dgm:ruleLst/>
+    <dgm:forEach name="Name3" axis="ch">
+      <dgm:forEach name="Name4" axis="self" ptType="node">
+        <dgm:layoutNode name="hierRoot1">
+          <dgm:varLst>
+            <dgm:hierBranch val="init"/>
+          </dgm:varLst>
+          <dgm:choose name="Name5">
+            <dgm:if name="Name6" func="var" arg="hierBranch" op="equ" val="l">
+              <dgm:choose name="Name7">
+                <dgm:if name="Name8" axis="ch" ptType="asst" func="cnt" op="gte" val="1">
+                  <dgm:alg type="hierRoot">
+                    <dgm:param type="hierAlign" val="tR"/>
+                  </dgm:alg>
+                  <dgm:constrLst>
+                    <dgm:constr type="alignOff" val="0.65"/>
+                  </dgm:constrLst>
+                </dgm:if>
+                <dgm:else name="Name9">
+                  <dgm:alg type="hierRoot">
+                    <dgm:param type="hierAlign" val="tR"/>
+                  </dgm:alg>
+                  <dgm:constrLst>
+                    <dgm:constr type="alignOff" val="0.25"/>
+                  </dgm:constrLst>
+                </dgm:else>
+              </dgm:choose>
+            </dgm:if>
+            <dgm:if name="Name10" func="var" arg="hierBranch" op="equ" val="r">
+              <dgm:choose name="Name11">
+                <dgm:if name="Name12" axis="ch" ptType="asst" func="cnt" op="gte" val="1">
+                  <dgm:alg type="hierRoot">
+                    <dgm:param type="hierAlign" val="tL"/>
+                  </dgm:alg>
+                  <dgm:constrLst>
+                    <dgm:constr type="alignOff" val="0.65"/>
+                  </dgm:constrLst>
+                </dgm:if>
+                <dgm:else name="Name13">
+                  <dgm:alg type="hierRoot">
+                    <dgm:param type="hierAlign" val="tL"/>
+                  </dgm:alg>
+                  <dgm:constrLst>
+                    <dgm:constr type="alignOff" val="0.25"/>
+                  </dgm:constrLst>
+                </dgm:else>
+              </dgm:choose>
+            </dgm:if>
+            <dgm:if name="Name14" func="var" arg="hierBranch" op="equ" val="hang">
+              <dgm:alg type="hierRoot"/>
+              <dgm:constrLst>
+                <dgm:constr type="alignOff" val="0.65"/>
+              </dgm:constrLst>
+            </dgm:if>
+            <dgm:else name="Name15">
+              <dgm:alg type="hierRoot"/>
+              <dgm:constrLst>
+                <dgm:constr type="alignOff"/>
+                <dgm:constr type="bendDist" for="des" ptType="parTrans" refType="sp" fact="0.5"/>
+              </dgm:constrLst>
+            </dgm:else>
+          </dgm:choose>
+          <dgm:shape xmlns:r="http://schemas.openxmlformats.org/officeDocument/2006/relationships" r:blip="">
+            <dgm:adjLst/>
+          </dgm:shape>
+          <dgm:presOf/>
+          <dgm:ruleLst/>
+          <dgm:layoutNode name="rootComposite1">
+            <dgm:alg type="composite"/>
+            <dgm:shape xmlns:r="http://schemas.openxmlformats.org/officeDocument/2006/relationships" r:blip="">
+              <dgm:adjLst/>
+            </dgm:shape>
+            <dgm:presOf axis="self" ptType="node" cnt="1"/>
+            <dgm:choose name="Name16">
+              <dgm:if name="Name17" func="var" arg="hierBranch" op="equ" val="init">
+                <dgm:constrLst>
+                  <dgm:constr type="l" for="ch" forName="rootText1"/>
+                  <dgm:constr type="t" for="ch" forName="rootText1"/>
+                  <dgm:constr type="w" for="ch" forName="rootText1" refType="w"/>
+                  <dgm:constr type="h" for="ch" forName="rootText1" refType="h"/>
+                  <dgm:constr type="l" for="ch" forName="rootConnector1"/>
+                  <dgm:constr type="t" for="ch" forName="rootConnector1"/>
+                  <dgm:constr type="w" for="ch" forName="rootConnector1" refType="w" refFor="ch" refForName="rootText1" fact="0.2"/>
+                  <dgm:constr type="h" for="ch" forName="rootConnector1" refType="h" refFor="ch" refForName="rootText1"/>
+                </dgm:constrLst>
+              </dgm:if>
+              <dgm:if name="Name18" func="var" arg="hierBranch" op="equ" val="l">
+                <dgm:constrLst>
+                  <dgm:constr type="l" for="ch" forName="rootText1"/>
+                  <dgm:constr type="t" for="ch" forName="rootText1"/>
+                  <dgm:constr type="w" for="ch" forName="rootText1" refType="w"/>
+                  <dgm:constr type="h" for="ch" forName="rootText1" refType="h"/>
+                  <dgm:constr type="r" for="ch" forName="rootConnector1" refType="w"/>
+                  <dgm:constr type="t" for="ch" forName="rootConnector1"/>
+                  <dgm:constr type="w" for="ch" forName="rootConnector1" refType="w" refFor="ch" refForName="rootText1" fact="0.2"/>
+                  <dgm:constr type="h" for="ch" forName="rootConnector1" refType="h" refFor="ch" refForName="rootText1"/>
+                </dgm:constrLst>
+              </dgm:if>
+              <dgm:if name="Name19" func="var" arg="hierBranch" op="equ" val="r">
+                <dgm:constrLst>
+                  <dgm:constr type="l" for="ch" forName="rootText1"/>
+                  <dgm:constr type="t" for="ch" forName="rootText1"/>
+                  <dgm:constr type="w" for="ch" forName="rootText1" refType="w"/>
+                  <dgm:constr type="h" for="ch" forName="rootText1" refType="h"/>
+                  <dgm:constr type="l" for="ch" forName="rootConnector1"/>
+                  <dgm:constr type="t" for="ch" forName="rootConnector1"/>
+                  <dgm:constr type="w" for="ch" forName="rootConnector1" refType="w" refFor="ch" refForName="rootText1" fact="0.2"/>
+                  <dgm:constr type="h" for="ch" forName="rootConnector1" refType="h" refFor="ch" refForName="rootText1"/>
+                </dgm:constrLst>
+              </dgm:if>
+              <dgm:else name="Name20">
+                <dgm:constrLst>
+                  <dgm:constr type="l" for="ch" forName="rootText1"/>
+                  <dgm:constr type="t" for="ch" forName="rootText1"/>
+                  <dgm:constr type="w" for="ch" forName="rootText1" refType="w"/>
+                  <dgm:constr type="h" for="ch" forName="rootText1" refType="h"/>
+                  <dgm:constr type="r" for="ch" forName="rootConnector1" refType="w"/>
+                  <dgm:constr type="t" for="ch" forName="rootConnector1"/>
+                  <dgm:constr type="w" for="ch" forName="rootConnector1" refType="w" refFor="ch" refForName="rootText1" fact="0.2"/>
+                  <dgm:constr type="h" for="ch" forName="rootConnector1" refType="h" refFor="ch" refForName="rootText1"/>
+                </dgm:constrLst>
+              </dgm:else>
+            </dgm:choose>
+            <dgm:ruleLst/>
+            <dgm:layoutNode name="rootText1" styleLbl="node0">
+              <dgm:varLst>
+                <dgm:chPref val="3"/>
+              </dgm:varLst>
+              <dgm:alg type="tx"/>
+              <dgm:shape xmlns:r="http://schemas.openxmlformats.org/officeDocument/2006/relationships" type="rect" r:blip="">
+                <dgm:adjLst/>
+              </dgm:shape>
+              <dgm:presOf axis="self" ptType="node" cnt="1"/>
+              <dgm:constrLst>
+                <dgm:constr type="primFontSz" val="65"/>
+                <dgm:constr type="lMarg" refType="primFontSz" fact="0.05"/>
+                <dgm:constr type="rMarg" refType="primFontSz" fact="0.05"/>
+                <dgm:constr type="tMarg" refType="primFontSz" fact="0.05"/>
+                <dgm:constr type="bMarg" refType="primFontSz" fact="0.05"/>
+              </dgm:constrLst>
+              <dgm:ruleLst>
+                <dgm:rule type="primFontSz" val="5" fact="NaN" max="NaN"/>
+              </dgm:ruleLst>
+            </dgm:layoutNode>
+            <dgm:layoutNode name="rootConnector1" moveWith="rootText1">
+              <dgm:alg type="sp"/>
+              <dgm:shape xmlns:r="http://schemas.openxmlformats.org/officeDocument/2006/relationships" type="rect" r:blip="" hideGeom="1">
+                <dgm:adjLst/>
+              </dgm:shape>
+              <dgm:presOf axis="self" ptType="node" cnt="1"/>
+              <dgm:constrLst/>
+              <dgm:ruleLst/>
+            </dgm:layoutNode>
+          </dgm:layoutNode>
+          <dgm:layoutNode name="hierChild2">
+            <dgm:choose name="Name21">
+              <dgm:if name="Name22" func="var" arg="hierBranch" op="equ" val="l">
+                <dgm:alg type="hierChild">
+                  <dgm:param type="chAlign" val="r"/>
+                  <dgm:param type="linDir" val="fromT"/>
+                </dgm:alg>
+              </dgm:if>
+              <dgm:if name="Name23" func="var" arg="hierBranch" op="equ" val="r">
+                <dgm:alg type="hierChild">
+                  <dgm:param type="chAlign" val="l"/>
+                  <dgm:param type="linDir" val="fromT"/>
+                </dgm:alg>
+              </dgm:if>
+              <dgm:if name="Name24" func="var" arg="hierBranch" op="equ" val="hang">
+                <dgm:choose name="Name25">
+                  <dgm:if name="Name26" func="var" arg="dir" op="equ" val="norm">
+                    <dgm:alg type="hierChild">
+                      <dgm:param type="chAlign" val="l"/>
+                      <dgm:param type="linDir" val="fromL"/>
+                      <dgm:param type="secChAlign" val="t"/>
+                      <dgm:param type="secLinDir" val="fromT"/>
+                    </dgm:alg>
+                  </dgm:if>
+                  <dgm:else name="Name27">
+                    <dgm:alg type="hierChild">
+                      <dgm:param type="chAlign" val="l"/>
+                      <dgm:param type="linDir" val="fromR"/>
+                      <dgm:param type="secChAlign" val="t"/>
+                      <dgm:param type="secLinDir" val="fromT"/>
+                    </dgm:alg>
+                  </dgm:else>
+                </dgm:choose>
+              </dgm:if>
+              <dgm:else name="Name28">
+                <dgm:choose name="Name29">
+                  <dgm:if name="Name30" func="var" arg="dir" op="equ" val="norm">
+                    <dgm:alg type="hierChild"/>
+                  </dgm:if>
+                  <dgm:else name="Name31">
+                    <dgm:alg type="hierChild">
+                      <dgm:param type="linDir" val="fromR"/>
+                    </dgm:alg>
+                  </dgm:else>
+                </dgm:choose>
+              </dgm:else>
+            </dgm:choose>
+            <dgm:shape xmlns:r="http://schemas.openxmlformats.org/officeDocument/2006/relationships" r:blip="">
+              <dgm:adjLst/>
+            </dgm:shape>
+            <dgm:presOf/>
+            <dgm:constrLst/>
+            <dgm:ruleLst/>
+            <dgm:forEach name="rep2a" axis="ch" ptType="nonAsst">
+              <dgm:forEach name="Name32" axis="precedSib" ptType="parTrans" st="-1" cnt="1">
+                <dgm:choose name="Name33">
+                  <dgm:if name="Name34" func="var" arg="hierBranch" op="equ" val="std">
+                    <dgm:layoutNode name="Name35">
+                      <dgm:alg type="conn">
+                        <dgm:param type="connRout" val="bend"/>
+                        <dgm:param type="dim" val="1D"/>
+                        <dgm:param type="endSty" val="noArr"/>
+                        <dgm:param type="begPts" val="bCtr"/>
+                        <dgm:param type="endPts" val="tCtr"/>
+                        <dgm:param type="bendPt" val="end"/>
+                      </dgm:alg>
+                      <dgm:shape xmlns:r="http://schemas.openxmlformats.org/officeDocument/2006/relationships" type="conn" r:blip="" zOrderOff="-99999">
+                        <dgm:adjLst/>
+                      </dgm:shape>
+                      <dgm:presOf axis="self"/>
+                      <dgm:constrLst>
+                        <dgm:constr type="begPad"/>
+                        <dgm:constr type="endPad"/>
+                      </dgm:constrLst>
+                      <dgm:ruleLst/>
+                    </dgm:layoutNode>
+                  </dgm:if>
+                  <dgm:if name="Name36" func="var" arg="hierBranch" op="equ" val="init">
+                    <dgm:layoutNode name="Name37">
+                      <dgm:choose name="Name38">
+                        <dgm:if name="Name39" axis="self" func="depth" op="lte" val="2">
+                          <dgm:alg type="conn">
+                            <dgm:param type="connRout" val="bend"/>
+                            <dgm:param type="dim" val="1D"/>
+                            <dgm:param type="endSty" val="noArr"/>
+                            <dgm:param type="begPts" val="bCtr"/>
+                            <dgm:param type="endPts" val="tCtr"/>
+                            <dgm:param type="bendPt" val="end"/>
+                          </dgm:alg>
+                        </dgm:if>
+                        <dgm:else name="Name40">
+                          <dgm:choose name="Name41">
+                            <dgm:if name="Name42" axis="par des" func="maxDepth" op="lte" val="1">
+                              <dgm:choose name="Name43">
+                                <dgm:if name="Name44" axis="par ch" ptType="node asst" func="cnt" op="gte" val="1">
+                                  <dgm:alg type="conn">
+                                    <dgm:param type="connRout" val="bend"/>
+                                    <dgm:param type="dim" val="1D"/>
+                                    <dgm:param type="endSty" val="noArr"/>
+                                    <dgm:param type="begPts" val="bCtr"/>
+                                    <dgm:param type="endPts" val="midL midR"/>
+                                  </dgm:alg>
+                                </dgm:if>
+                                <dgm:else name="Name45">
+                                  <dgm:alg type="conn">
+                                    <dgm:param type="connRout" val="bend"/>
+                                    <dgm:param type="dim" val="1D"/>
+                                    <dgm:param type="endSty" val="noArr"/>
+                                    <dgm:param type="begPts" val="bCtr"/>
+                                    <dgm:param type="endPts" val="midL midR"/>
+                                    <dgm:param type="srcNode" val="rootConnector"/>
+                                  </dgm:alg>
+                                </dgm:else>
+                              </dgm:choose>
+                            </dgm:if>
+                            <dgm:else name="Name46">
+                              <dgm:alg type="conn">
+                                <dgm:param type="connRout" val="bend"/>
+                                <dgm:param type="dim" val="1D"/>
+                                <dgm:param type="endSty" val="noArr"/>
+                                <dgm:param type="begPts" val="bCtr"/>
+                                <dgm:param type="endPts" val="tCtr"/>
+                                <dgm:param type="bendPt" val="end"/>
+                              </dgm:alg>
+                            </dgm:else>
+                          </dgm:choose>
+                        </dgm:else>
+                      </dgm:choose>
+                      <dgm:shape xmlns:r="http://schemas.openxmlformats.org/officeDocument/2006/relationships" type="conn" r:blip="" zOrderOff="-99999">
+                        <dgm:adjLst/>
+                      </dgm:shape>
+                      <dgm:presOf axis="self"/>
+                      <dgm:constrLst>
+                        <dgm:constr type="begPad"/>
+                        <dgm:constr type="endPad"/>
+                      </dgm:constrLst>
+                      <dgm:ruleLst/>
+                    </dgm:layoutNode>
+                  </dgm:if>
+                  <dgm:if name="Name47" func="var" arg="hierBranch" op="equ" val="hang">
+                    <dgm:layoutNode name="Name48">
+                      <dgm:alg type="conn">
+                        <dgm:param type="connRout" val="bend"/>
+                        <dgm:param type="dim" val="1D"/>
+                        <dgm:param type="endSty" val="noArr"/>
+                        <dgm:param type="begPts" val="bCtr"/>
+                        <dgm:param type="endPts" val="midL midR"/>
+                      </dgm:alg>
+                      <dgm:shape xmlns:r="http://schemas.openxmlformats.org/officeDocument/2006/relationships" type="conn" r:blip="" zOrderOff="-99999">
+                        <dgm:adjLst/>
+                      </dgm:shape>
+                      <dgm:presOf axis="self"/>
+                      <dgm:constrLst>
+                        <dgm:constr type="begPad"/>
+                        <dgm:constr type="endPad"/>
+                      </dgm:constrLst>
+                      <dgm:ruleLst/>
+                    </dgm:layoutNode>
+                  </dgm:if>
+                  <dgm:else name="Name49">
+                    <dgm:layoutNode name="Name50">
+                      <dgm:choose name="Name51">
+                        <dgm:if name="Name52" axis="self" func="depth" op="lte" val="2">
+                          <dgm:choose name="Name53">
+                            <dgm:if name="Name54" axis="par ch" ptType="node asst" func="cnt" op="gte" val="1">
+                              <dgm:alg type="conn">
+                                <dgm:param type="connRout" val="bend"/>
+                                <dgm:param type="dim" val="1D"/>
+                                <dgm:param type="endSty" val="noArr"/>
+                                <dgm:param type="begPts" val="bCtr"/>
+                                <dgm:param type="endPts" val="midL midR"/>
+                              </dgm:alg>
+                            </dgm:if>
+                            <dgm:else name="Name55">
+                              <dgm:alg type="conn">
+                                <dgm:param type="connRout" val="bend"/>
+                                <dgm:param type="dim" val="1D"/>
+                                <dgm:param type="endSty" val="noArr"/>
+                                <dgm:param type="begPts" val="bCtr"/>
+                                <dgm:param type="endPts" val="midL midR"/>
+                                <dgm:param type="srcNode" val="rootConnector1"/>
+                              </dgm:alg>
+                            </dgm:else>
+                          </dgm:choose>
+                        </dgm:if>
+                        <dgm:else name="Name56">
+                          <dgm:choose name="Name57">
+                            <dgm:if name="Name58" axis="par ch" ptType="node asst" func="cnt" op="gte" val="1">
+                              <dgm:alg type="conn">
+                                <dgm:param type="connRout" val="bend"/>
+                                <dgm:param type="dim" val="1D"/>
+                                <dgm:param type="endSty" val="noArr"/>
+                                <dgm:param type="begPts" val="bCtr"/>
+                                <dgm:param type="endPts" val="midL midR"/>
+                              </dgm:alg>
+                            </dgm:if>
+                            <dgm:else name="Name59">
+                              <dgm:alg type="conn">
+                                <dgm:param type="connRout" val="bend"/>
+                                <dgm:param type="dim" val="1D"/>
+                                <dgm:param type="endSty" val="noArr"/>
+                                <dgm:param type="begPts" val="bCtr"/>
+                                <dgm:param type="endPts" val="midL midR"/>
+                                <dgm:param type="srcNode" val="rootConnector"/>
+                              </dgm:alg>
+                            </dgm:else>
+                          </dgm:choose>
+                        </dgm:else>
+                      </dgm:choose>
+                      <dgm:shape xmlns:r="http://schemas.openxmlformats.org/officeDocument/2006/relationships" type="conn" r:blip="" zOrderOff="-99999">
+                        <dgm:adjLst/>
+                      </dgm:shape>
+                      <dgm:presOf axis="self"/>
+                      <dgm:constrLst>
+                        <dgm:constr type="begPad"/>
+                        <dgm:constr type="endPad"/>
+                      </dgm:constrLst>
+                      <dgm:ruleLst/>
+                    </dgm:layoutNode>
+                  </dgm:else>
+                </dgm:choose>
+              </dgm:forEach>
+              <dgm:layoutNode name="hierRoot2">
+                <dgm:varLst>
+                  <dgm:hierBranch val="init"/>
+                </dgm:varLst>
+                <dgm:choose name="Name60">
+                  <dgm:if name="Name61" func="var" arg="hierBranch" op="equ" val="l">
+                    <dgm:choose name="Name62">
+                      <dgm:if name="Name63" axis="ch" ptType="asst" func="cnt" op="gte" val="1">
+                        <dgm:alg type="hierRoot">
+                          <dgm:param type="hierAlign" val="tR"/>
+                        </dgm:alg>
+                        <dgm:shape xmlns:r="http://schemas.openxmlformats.org/officeDocument/2006/relationships" r:blip="">
+                          <dgm:adjLst/>
+                        </dgm:shape>
+                        <dgm:presOf/>
+                        <dgm:constrLst>
+                          <dgm:constr type="alignOff" val="0.65"/>
+                        </dgm:constrLst>
+                      </dgm:if>
+                      <dgm:else name="Name64">
+                        <dgm:alg type="hierRoot">
+                          <dgm:param type="hierAlign" val="tR"/>
+                        </dgm:alg>
+                        <dgm:shape xmlns:r="http://schemas.openxmlformats.org/officeDocument/2006/relationships" r:blip="">
+                          <dgm:adjLst/>
+                        </dgm:shape>
+                        <dgm:presOf/>
+                        <dgm:constrLst>
+                          <dgm:constr type="alignOff" val="0.25"/>
+                        </dgm:constrLst>
+                      </dgm:else>
+                    </dgm:choose>
+                  </dgm:if>
+                  <dgm:if name="Name65" func="var" arg="hierBranch" op="equ" val="r">
+                    <dgm:choose name="Name66">
+                      <dgm:if name="Name67" axis="ch" ptType="asst" func="cnt" op="gte" val="1">
+                        <dgm:alg type="hierRoot">
+                          <dgm:param type="hierAlign" val="tL"/>
+                        </dgm:alg>
+                        <dgm:shape xmlns:r="http://schemas.openxmlformats.org/officeDocument/2006/relationships" r:blip="">
+                          <dgm:adjLst/>
+                        </dgm:shape>
+                        <dgm:presOf/>
+                        <dgm:constrLst>
+                          <dgm:constr type="alignOff" val="0.65"/>
+                        </dgm:constrLst>
+                      </dgm:if>
+                      <dgm:else name="Name68">
+                        <dgm:alg type="hierRoot">
+                          <dgm:param type="hierAlign" val="tL"/>
+                        </dgm:alg>
+                        <dgm:shape xmlns:r="http://schemas.openxmlformats.org/officeDocument/2006/relationships" r:blip="">
+                          <dgm:adjLst/>
+                        </dgm:shape>
+                        <dgm:presOf/>
+                        <dgm:constrLst>
+                          <dgm:constr type="alignOff" val="0.25"/>
+                        </dgm:constrLst>
+                      </dgm:else>
+                    </dgm:choose>
+                  </dgm:if>
+                  <dgm:if name="Name69" func="var" arg="hierBranch" op="equ" val="std">
+                    <dgm:alg type="hierRoot"/>
+                    <dgm:shape xmlns:r="http://schemas.openxmlformats.org/officeDocument/2006/relationships" r:blip="">
+                      <dgm:adjLst/>
+                    </dgm:shape>
+                    <dgm:presOf/>
+                    <dgm:constrLst>
+                      <dgm:constr type="alignOff"/>
+                      <dgm:constr type="bendDist" for="des" ptType="parTrans" refType="sp" fact="0.5"/>
+                    </dgm:constrLst>
+                  </dgm:if>
+                  <dgm:if name="Name70" func="var" arg="hierBranch" op="equ" val="init">
+                    <dgm:choose name="Name71">
+                      <dgm:if name="Name72" axis="des" func="maxDepth" op="lte" val="1">
+                        <dgm:choose name="Name73">
+                          <dgm:if name="Name74" axis="ch" ptType="asst" func="cnt" op="gte" val="1">
+                            <dgm:alg type="hierRoot">
+                              <dgm:param type="hierAlign" val="tL"/>
+                            </dgm:alg>
+                            <dgm:shape xmlns:r="http://schemas.openxmlformats.org/officeDocument/2006/relationships" r:blip="">
+                              <dgm:adjLst/>
+                            </dgm:shape>
+                            <dgm:presOf/>
+                            <dgm:constrLst>
+                              <dgm:constr type="alignOff" val="0.65"/>
+                            </dgm:constrLst>
+                          </dgm:if>
+                          <dgm:else name="Name75">
+                            <dgm:alg type="hierRoot">
+                              <dgm:param type="hierAlign" val="tL"/>
+                            </dgm:alg>
+                            <dgm:shape xmlns:r="http://schemas.openxmlformats.org/officeDocument/2006/relationships" r:blip="">
+                              <dgm:adjLst/>
+                            </dgm:shape>
+                            <dgm:presOf/>
+                            <dgm:constrLst>
+                              <dgm:constr type="alignOff" val="0.25"/>
+                            </dgm:constrLst>
+                          </dgm:else>
+                        </dgm:choose>
+                      </dgm:if>
+                      <dgm:else name="Name76">
+                        <dgm:alg type="hierRoot"/>
+                        <dgm:shape xmlns:r="http://schemas.openxmlformats.org/officeDocument/2006/relationships" r:blip="">
+                          <dgm:adjLst/>
+                        </dgm:shape>
+                        <dgm:presOf/>
+                        <dgm:constrLst>
+                          <dgm:constr type="alignOff"/>
+                          <dgm:constr type="bendDist" for="des" ptType="parTrans" refType="sp" fact="0.5"/>
+                        </dgm:constrLst>
+                      </dgm:else>
+                    </dgm:choose>
+                  </dgm:if>
+                  <dgm:else name="Name77">
+                    <dgm:alg type="hierRoot"/>
+                    <dgm:shape xmlns:r="http://schemas.openxmlformats.org/officeDocument/2006/relationships" r:blip="">
+                      <dgm:adjLst/>
+                    </dgm:shape>
+                    <dgm:presOf/>
+                    <dgm:constrLst>
+                      <dgm:constr type="alignOff" val="0.65"/>
+                    </dgm:constrLst>
+                  </dgm:else>
+                </dgm:choose>
+                <dgm:ruleLst/>
+                <dgm:layoutNode name="rootComposite">
+                  <dgm:alg type="composite"/>
+                  <dgm:shape xmlns:r="http://schemas.openxmlformats.org/officeDocument/2006/relationships" r:blip="">
+                    <dgm:adjLst/>
+                  </dgm:shape>
+                  <dgm:presOf axis="self" ptType="node" cnt="1"/>
+                  <dgm:choose name="Name78">
+                    <dgm:if name="Name79" func="var" arg="hierBranch" op="equ" val="init">
+                      <dgm:constrLst>
+                        <dgm:constr type="l" for="ch" forName="rootText"/>
+                        <dgm:constr type="t" for="ch" forName="rootText"/>
+                        <dgm:constr type="w" for="ch" forName="rootText" refType="w"/>
+                        <dgm:constr type="h" for="ch" forName="rootText" refType="h"/>
+                        <dgm:constr type="l" for="ch" forName="rootConnector"/>
+                        <dgm:constr type="t" for="ch" forName="rootConnector"/>
+                        <dgm:constr type="w" for="ch" forName="rootConnector" refType="w" refFor="ch" refForName="rootText" fact="0.2"/>
+                        <dgm:constr type="h" for="ch" forName="rootConnector" refType="h" refFor="ch" refForName="rootText"/>
+                      </dgm:constrLst>
+                    </dgm:if>
+                    <dgm:if name="Name80" func="var" arg="hierBranch" op="equ" val="l">
+                      <dgm:constrLst>
+                        <dgm:constr type="l" for="ch" forName="rootText"/>
+                        <dgm:constr type="t" for="ch" forName="rootText"/>
+                        <dgm:constr type="w" for="ch" forName="rootText" refType="w"/>
+                        <dgm:constr type="h" for="ch" forName="rootText" refType="h"/>
+                        <dgm:constr type="r" for="ch" forName="rootConnector" refType="w"/>
+                        <dgm:constr type="t" for="ch" forName="rootConnector"/>
+                        <dgm:constr type="w" for="ch" forName="rootConnector" refType="w" refFor="ch" refForName="rootText" fact="0.2"/>
+                        <dgm:constr type="h" for="ch" forName="rootConnector" refType="h" refFor="ch" refForName="rootText"/>
+                      </dgm:constrLst>
+                    </dgm:if>
+                    <dgm:if name="Name81" func="var" arg="hierBranch" op="equ" val="r">
+                      <dgm:constrLst>
+                        <dgm:constr type="l" for="ch" forName="rootText"/>
+                        <dgm:constr type="t" for="ch" forName="rootText"/>
+                        <dgm:constr type="w" for="ch" forName="rootText" refType="w"/>
+                        <dgm:constr type="h" for="ch" forName="rootText" refType="h"/>
+                        <dgm:constr type="l" for="ch" forName="rootConnector"/>
+                        <dgm:constr type="t" for="ch" forName="rootConnector"/>
+                        <dgm:constr type="w" for="ch" forName="rootConnector" refType="w" refFor="ch" refForName="rootText" fact="0.2"/>
+                        <dgm:constr type="h" for="ch" forName="rootConnector" refType="h" refFor="ch" refForName="rootText"/>
+                      </dgm:constrLst>
+                    </dgm:if>
+                    <dgm:else name="Name82">
+                      <dgm:constrLst>
+                        <dgm:constr type="l" for="ch" forName="rootText"/>
+                        <dgm:constr type="t" for="ch" forName="rootText"/>
+                        <dgm:constr type="w" for="ch" forName="rootText" refType="w"/>
+                        <dgm:constr type="h" for="ch" forName="rootText" refType="h"/>
+                        <dgm:constr type="r" for="ch" forName="rootConnector" refType="w"/>
+                        <dgm:constr type="t" for="ch" forName="rootConnector"/>
+                        <dgm:constr type="w" for="ch" forName="rootConnector" refType="w" refFor="ch" refForName="rootText" fact="0.2"/>
+                        <dgm:constr type="h" for="ch" forName="rootConnector" refType="h" refFor="ch" refForName="rootText"/>
+                      </dgm:constrLst>
+                    </dgm:else>
+                  </dgm:choose>
+                  <dgm:ruleLst/>
+                  <dgm:layoutNode name="rootText">
+                    <dgm:varLst>
+                      <dgm:chPref val="3"/>
+                    </dgm:varLst>
+                    <dgm:alg type="tx"/>
+                    <dgm:shape xmlns:r="http://schemas.openxmlformats.org/officeDocument/2006/relationships" type="rect" r:blip="">
+                      <dgm:adjLst/>
+                    </dgm:shape>
+                    <dgm:presOf axis="self" ptType="node" cnt="1"/>
+                    <dgm:constrLst>
+                      <dgm:constr type="primFontSz" val="65"/>
+                      <dgm:constr type="lMarg" refType="primFontSz" fact="0.05"/>
+                      <dgm:constr type="rMarg" refType="primFontSz" fact="0.05"/>
+                      <dgm:constr type="tMarg" refType="primFontSz" fact="0.05"/>
+                      <dgm:constr type="bMarg" refType="primFontSz" fact="0.05"/>
+                    </dgm:constrLst>
+                    <dgm:ruleLst>
+                      <dgm:rule type="primFontSz" val="5" fact="NaN" max="NaN"/>
+                    </dgm:ruleLst>
+                  </dgm:layoutNode>
+                  <dgm:layoutNode name="rootConnector" moveWith="rootText">
+                    <dgm:alg type="sp"/>
+                    <dgm:shape xmlns:r="http://schemas.openxmlformats.org/officeDocument/2006/relationships" type="rect" r:blip="" hideGeom="1">
+                      <dgm:adjLst/>
+                    </dgm:shape>
+                    <dgm:presOf axis="self" ptType="node" cnt="1"/>
+                    <dgm:constrLst/>
+                    <dgm:ruleLst/>
+                  </dgm:layoutNode>
+                </dgm:layoutNode>
+                <dgm:layoutNode name="hierChild4">
+                  <dgm:choose name="Name83">
+                    <dgm:if name="Name84" func="var" arg="hierBranch" op="equ" val="l">
+                      <dgm:alg type="hierChild">
+                        <dgm:param type="chAlign" val="r"/>
+                        <dgm:param type="linDir" val="fromT"/>
+                      </dgm:alg>
+                    </dgm:if>
+                    <dgm:if name="Name85" func="var" arg="hierBranch" op="equ" val="r">
+                      <dgm:alg type="hierChild">
+                        <dgm:param type="chAlign" val="l"/>
+                        <dgm:param type="linDir" val="fromT"/>
+                      </dgm:alg>
+                    </dgm:if>
+                    <dgm:if name="Name86" func="var" arg="hierBranch" op="equ" val="hang">
+                      <dgm:choose name="Name87">
+                        <dgm:if name="Name88" func="var" arg="dir" op="equ" val="norm">
+                          <dgm:alg type="hierChild">
+                            <dgm:param type="chAlign" val="l"/>
+                            <dgm:param type="linDir" val="fromL"/>
+                            <dgm:param type="secChAlign" val="t"/>
+                            <dgm:param type="secLinDir" val="fromT"/>
+                          </dgm:alg>
+                        </dgm:if>
+                        <dgm:else name="Name89">
+                          <dgm:alg type="hierChild">
+                            <dgm:param type="chAlign" val="l"/>
+                            <dgm:param type="linDir" val="fromR"/>
+                            <dgm:param type="secChAlign" val="t"/>
+                            <dgm:param type="secLinDir" val="fromT"/>
+                          </dgm:alg>
+                        </dgm:else>
+                      </dgm:choose>
+                    </dgm:if>
+                    <dgm:if name="Name90" func="var" arg="hierBranch" op="equ" val="std">
+                      <dgm:choose name="Name91">
+                        <dgm:if name="Name92" func="var" arg="dir" op="equ" val="norm">
+                          <dgm:alg type="hierChild"/>
+                        </dgm:if>
+                        <dgm:else name="Name93">
+                          <dgm:alg type="hierChild">
+                            <dgm:param type="linDir" val="fromR"/>
+                          </dgm:alg>
+                        </dgm:else>
+                      </dgm:choose>
+                    </dgm:if>
+                    <dgm:if name="Name94" func="var" arg="hierBranch" op="equ" val="init">
+                      <dgm:choose name="Name95">
+                        <dgm:if name="Name96" axis="des" func="maxDepth" op="lte" val="1">
+                          <dgm:alg type="hierChild">
+                            <dgm:param type="chAlign" val="l"/>
+                            <dgm:param type="linDir" val="fromT"/>
+                          </dgm:alg>
+                        </dgm:if>
+                        <dgm:else name="Name97">
+                          <dgm:choose name="Name98">
+                            <dgm:if name="Name99" func="var" arg="dir" op="equ" val="norm">
+                              <dgm:alg type="hierChild"/>
+                            </dgm:if>
+                            <dgm:else name="Name100">
+                              <dgm:alg type="hierChild">
+                                <dgm:param type="linDir" val="fromR"/>
+                              </dgm:alg>
+                            </dgm:else>
+                          </dgm:choose>
+                        </dgm:else>
+                      </dgm:choose>
+                    </dgm:if>
+                    <dgm:else name="Name101"/>
+                  </dgm:choose>
+                  <dgm:shape xmlns:r="http://schemas.openxmlformats.org/officeDocument/2006/relationships" r:blip="">
+                    <dgm:adjLst/>
+                  </dgm:shape>
+                  <dgm:presOf/>
+                  <dgm:constrLst/>
+                  <dgm:ruleLst/>
+                  <dgm:forEach name="Name102" ref="rep2a"/>
+                </dgm:layoutNode>
+                <dgm:layoutNode name="hierChild5">
+                  <dgm:choose name="Name103">
+                    <dgm:if name="Name104" func="var" arg="dir" op="equ" val="norm">
+                      <dgm:alg type="hierChild">
+                        <dgm:param type="chAlign" val="l"/>
+                        <dgm:param type="linDir" val="fromL"/>
+                        <dgm:param type="secChAlign" val="t"/>
+                        <dgm:param type="secLinDir" val="fromT"/>
+                      </dgm:alg>
+                    </dgm:if>
+                    <dgm:else name="Name105">
+                      <dgm:alg type="hierChild">
+                        <dgm:param type="chAlign" val="l"/>
+                        <dgm:param type="linDir" val="fromR"/>
+                        <dgm:param type="secChAlign" val="t"/>
+                        <dgm:param type="secLinDir" val="fromT"/>
+                      </dgm:alg>
+                    </dgm:else>
+                  </dgm:choose>
+                  <dgm:shape xmlns:r="http://schemas.openxmlformats.org/officeDocument/2006/relationships" r:blip="">
+                    <dgm:adjLst/>
+                  </dgm:shape>
+                  <dgm:presOf/>
+                  <dgm:constrLst/>
+                  <dgm:ruleLst/>
+                  <dgm:forEach name="Name106" ref="rep2b"/>
+                </dgm:layoutNode>
+              </dgm:layoutNode>
+            </dgm:forEach>
+          </dgm:layoutNode>
+          <dgm:layoutNode name="hierChild3">
+            <dgm:choose name="Name107">
+              <dgm:if name="Name108" func="var" arg="dir" op="equ" val="norm">
+                <dgm:alg type="hierChild">
+                  <dgm:param type="chAlign" val="l"/>
+                  <dgm:param type="linDir" val="fromL"/>
+                  <dgm:param type="secChAlign" val="t"/>
+                  <dgm:param type="secLinDir" val="fromT"/>
+                </dgm:alg>
+              </dgm:if>
+              <dgm:else name="Name109">
+                <dgm:alg type="hierChild">
+                  <dgm:param type="chAlign" val="l"/>
+                  <dgm:param type="linDir" val="fromR"/>
+                  <dgm:param type="secChAlign" val="t"/>
+                  <dgm:param type="secLinDir" val="fromT"/>
+                </dgm:alg>
+              </dgm:else>
+            </dgm:choose>
+            <dgm:shape xmlns:r="http://schemas.openxmlformats.org/officeDocument/2006/relationships" r:blip="">
+              <dgm:adjLst/>
+            </dgm:shape>
+            <dgm:presOf/>
+            <dgm:constrLst/>
+            <dgm:ruleLst/>
+            <dgm:forEach name="rep2b" axis="ch" ptType="asst">
+              <dgm:forEach name="Name110" axis="precedSib" ptType="parTrans" st="-1" cnt="1">
+                <dgm:layoutNode name="Name111">
+                  <dgm:alg type="conn">
+                    <dgm:param type="connRout" val="bend"/>
+                    <dgm:param type="dim" val="1D"/>
+                    <dgm:param type="endSty" val="noArr"/>
+                    <dgm:param type="begPts" val="bCtr"/>
+                    <dgm:param type="endPts" val="midL midR"/>
+                  </dgm:alg>
+                  <dgm:shape xmlns:r="http://schemas.openxmlformats.org/officeDocument/2006/relationships" type="conn" r:blip="" zOrderOff="-99999">
+                    <dgm:adjLst/>
+                  </dgm:shape>
+                  <dgm:presOf axis="self"/>
+                  <dgm:constrLst>
+                    <dgm:constr type="begPad"/>
+                    <dgm:constr type="endPad"/>
+                  </dgm:constrLst>
+                  <dgm:ruleLst/>
+                </dgm:layoutNode>
+              </dgm:forEach>
+              <dgm:layoutNode name="hierRoot3">
+                <dgm:varLst>
+                  <dgm:hierBranch val="init"/>
+                </dgm:varLst>
+                <dgm:choose name="Name112">
+                  <dgm:if name="Name113" func="var" arg="hierBranch" op="equ" val="l">
+                    <dgm:alg type="hierRoot">
+                      <dgm:param type="hierAlign" val="tR"/>
+                    </dgm:alg>
+                    <dgm:shape xmlns:r="http://schemas.openxmlformats.org/officeDocument/2006/relationships" r:blip="">
+                      <dgm:adjLst/>
+                    </dgm:shape>
+                    <dgm:presOf/>
+                    <dgm:constrLst>
+                      <dgm:constr type="alignOff" val="0.65"/>
+                    </dgm:constrLst>
+                  </dgm:if>
+                  <dgm:if name="Name114" func="var" arg="hierBranch" op="equ" val="r">
+                    <dgm:alg type="hierRoot">
+                      <dgm:param type="hierAlign" val="tL"/>
+                    </dgm:alg>
+                    <dgm:shape xmlns:r="http://schemas.openxmlformats.org/officeDocument/2006/relationships" r:blip="">
+                      <dgm:adjLst/>
+                    </dgm:shape>
+                    <dgm:presOf/>
+                    <dgm:constrLst>
+                      <dgm:constr type="alignOff" val="0.65"/>
+                    </dgm:constrLst>
+                  </dgm:if>
+                  <dgm:if name="Name115" func="var" arg="hierBranch" op="equ" val="hang">
+                    <dgm:alg type="hierRoot"/>
+                    <dgm:shape xmlns:r="http://schemas.openxmlformats.org/officeDocument/2006/relationships" r:blip="">
+                      <dgm:adjLst/>
+                    </dgm:shape>
+                    <dgm:presOf/>
+                    <dgm:constrLst>
+                      <dgm:constr type="alignOff" val="0.65"/>
+                    </dgm:constrLst>
+                  </dgm:if>
+                  <dgm:if name="Name116" func="var" arg="hierBranch" op="equ" val="std">
+                    <dgm:alg type="hierRoot"/>
+                    <dgm:shape xmlns:r="http://schemas.openxmlformats.org/officeDocument/2006/relationships" r:blip="">
+                      <dgm:adjLst/>
+                    </dgm:shape>
+                    <dgm:presOf/>
+                    <dgm:constrLst>
+                      <dgm:constr type="alignOff"/>
+                      <dgm:constr type="bendDist" for="des" ptType="parTrans" refType="sp" fact="0.5"/>
+                    </dgm:constrLst>
+                  </dgm:if>
+                  <dgm:if name="Name117" func="var" arg="hierBranch" op="equ" val="init">
+                    <dgm:choose name="Name118">
+                      <dgm:if name="Name119" axis="des" func="maxDepth" op="lte" val="1">
+                        <dgm:alg type="hierRoot">
+                          <dgm:param type="hierAlign" val="tL"/>
+                        </dgm:alg>
+                        <dgm:shape xmlns:r="http://schemas.openxmlformats.org/officeDocument/2006/relationships" r:blip="">
+                          <dgm:adjLst/>
+                        </dgm:shape>
+                        <dgm:presOf/>
+                        <dgm:constrLst>
+                          <dgm:constr type="alignOff" val="0.65"/>
+                        </dgm:constrLst>
+                      </dgm:if>
+                      <dgm:else name="Name120">
+                        <dgm:alg type="hierRoot"/>
+                        <dgm:shape xmlns:r="http://schemas.openxmlformats.org/officeDocument/2006/relationships" r:blip="">
+                          <dgm:adjLst/>
+                        </dgm:shape>
+                        <dgm:presOf/>
+                        <dgm:constrLst>
+                          <dgm:constr type="alignOff"/>
+                          <dgm:constr type="bendDist" for="des" ptType="parTrans" refType="sp" fact="0.5"/>
+                        </dgm:constrLst>
+                      </dgm:else>
+                    </dgm:choose>
+                  </dgm:if>
+                  <dgm:else name="Name121"/>
+                </dgm:choose>
+                <dgm:ruleLst/>
+                <dgm:layoutNode name="rootComposite3">
+                  <dgm:alg type="composite"/>
+                  <dgm:shape xmlns:r="http://schemas.openxmlformats.org/officeDocument/2006/relationships" r:blip="">
+                    <dgm:adjLst/>
+                  </dgm:shape>
+                  <dgm:presOf axis="self" ptType="node" cnt="1"/>
+                  <dgm:choose name="Name122">
+                    <dgm:if name="Name123" func="var" arg="hierBranch" op="equ" val="init">
+                      <dgm:constrLst>
+                        <dgm:constr type="l" for="ch" forName="rootText3"/>
+                        <dgm:constr type="t" for="ch" forName="rootText3"/>
+                        <dgm:constr type="w" for="ch" forName="rootText3" refType="w"/>
+                        <dgm:constr type="h" for="ch" forName="rootText3" refType="h"/>
+                        <dgm:constr type="l" for="ch" forName="rootConnector3"/>
+                        <dgm:constr type="t" for="ch" forName="rootConnector3"/>
+                        <dgm:constr type="w" for="ch" forName="rootConnector3" refType="w" refFor="ch" refForName="rootText3" fact="0.2"/>
+                        <dgm:constr type="h" for="ch" forName="rootConnector3" refType="h" refFor="ch" refForName="rootText3"/>
+                      </dgm:constrLst>
+                    </dgm:if>
+                    <dgm:if name="Name124" func="var" arg="hierBranch" op="equ" val="l">
+                      <dgm:constrLst>
+                        <dgm:constr type="l" for="ch" forName="rootText3"/>
+                        <dgm:constr type="t" for="ch" forName="rootText3"/>
+                        <dgm:constr type="w" for="ch" forName="rootText3" refType="w"/>
+                        <dgm:constr type="h" for="ch" forName="rootText3" refType="h"/>
+                        <dgm:constr type="r" for="ch" forName="rootConnector3" refType="w"/>
+                        <dgm:constr type="t" for="ch" forName="rootConnector3"/>
+                        <dgm:constr type="w" for="ch" forName="rootConnector3" refType="w" refFor="ch" refForName="rootText3" fact="0.2"/>
+                        <dgm:constr type="h" for="ch" forName="rootConnector3" refType="h" refFor="ch" refForName="rootText3"/>
+                      </dgm:constrLst>
+                    </dgm:if>
+                    <dgm:if name="Name125" func="var" arg="hierBranch" op="equ" val="r">
+                      <dgm:constrLst>
+                        <dgm:constr type="l" for="ch" forName="rootText3"/>
+                        <dgm:constr type="t" for="ch" forName="rootText3"/>
+                        <dgm:constr type="w" for="ch" forName="rootText3" refType="w"/>
+                        <dgm:constr type="h" for="ch" forName="rootText3" refType="h"/>
+                        <dgm:constr type="l" for="ch" forName="rootConnector3"/>
+                        <dgm:constr type="t" for="ch" forName="rootConnector3"/>
+                        <dgm:constr type="w" for="ch" forName="rootConnector3" refType="w" refFor="ch" refForName="rootText3" fact="0.2"/>
+                        <dgm:constr type="h" for="ch" forName="rootConnector3" refType="h" refFor="ch" refForName="rootText3"/>
+                      </dgm:constrLst>
+                    </dgm:if>
+                    <dgm:else name="Name126">
+                      <dgm:constrLst>
+                        <dgm:constr type="l" for="ch" forName="rootText3"/>
+                        <dgm:constr type="t" for="ch" forName="rootText3"/>
+                        <dgm:constr type="w" for="ch" forName="rootText3" refType="w"/>
+                        <dgm:constr type="h" for="ch" forName="rootText3" refType="h"/>
+                        <dgm:constr type="r" for="ch" forName="rootConnector3" refType="w"/>
+                        <dgm:constr type="t" for="ch" forName="rootConnector3"/>
+                        <dgm:constr type="w" for="ch" forName="rootConnector3" refType="w" refFor="ch" refForName="rootText3" fact="0.2"/>
+                        <dgm:constr type="h" for="ch" forName="rootConnector3" refType="h" refFor="ch" refForName="rootText3"/>
+                      </dgm:constrLst>
+                    </dgm:else>
+                  </dgm:choose>
+                  <dgm:ruleLst/>
+                  <dgm:layoutNode name="rootText3">
+                    <dgm:varLst>
+                      <dgm:chPref val="3"/>
+                    </dgm:varLst>
+                    <dgm:alg type="tx"/>
+                    <dgm:shape xmlns:r="http://schemas.openxmlformats.org/officeDocument/2006/relationships" type="rect" r:blip="">
+                      <dgm:adjLst/>
+                    </dgm:shape>
+                    <dgm:presOf axis="self" ptType="node" cnt="1"/>
+                    <dgm:constrLst>
+                      <dgm:constr type="primFontSz" val="65"/>
+                      <dgm:constr type="lMarg" refType="primFontSz" fact="0.05"/>
+                      <dgm:constr type="rMarg" refType="primFontSz" fact="0.05"/>
+                      <dgm:constr type="tMarg" refType="primFontSz" fact="0.05"/>
+                      <dgm:constr type="bMarg" refType="primFontSz" fact="0.05"/>
+                    </dgm:constrLst>
+                    <dgm:ruleLst>
+                      <dgm:rule type="primFontSz" val="5" fact="NaN" max="NaN"/>
+                    </dgm:ruleLst>
+                  </dgm:layoutNode>
+                  <dgm:layoutNode name="rootConnector3" moveWith="rootText1">
+                    <dgm:alg type="sp"/>
+                    <dgm:shape xmlns:r="http://schemas.openxmlformats.org/officeDocument/2006/relationships" type="rect" r:blip="" hideGeom="1">
+                      <dgm:adjLst/>
+                    </dgm:shape>
+                    <dgm:presOf axis="self" ptType="node" cnt="1"/>
+                    <dgm:constrLst/>
+                    <dgm:ruleLst/>
+                  </dgm:layoutNode>
+                </dgm:layoutNode>
+                <dgm:layoutNode name="hierChild6">
+                  <dgm:choose name="Name127">
+                    <dgm:if name="Name128" func="var" arg="hierBranch" op="equ" val="l">
+                      <dgm:alg type="hierChild">
+                        <dgm:param type="chAlign" val="r"/>
+                        <dgm:param type="linDir" val="fromT"/>
+                      </dgm:alg>
+                    </dgm:if>
+                    <dgm:if name="Name129" func="var" arg="hierBranch" op="equ" val="r">
+                      <dgm:alg type="hierChild">
+                        <dgm:param type="chAlign" val="l"/>
+                        <dgm:param type="linDir" val="fromT"/>
+                      </dgm:alg>
+                    </dgm:if>
+                    <dgm:if name="Name130" func="var" arg="hierBranch" op="equ" val="hang">
+                      <dgm:choose name="Name131">
+                        <dgm:if name="Name132" func="var" arg="dir" op="equ" val="norm">
+                          <dgm:alg type="hierChild">
+                            <dgm:param type="chAlign" val="l"/>
+                            <dgm:param type="linDir" val="fromL"/>
+                            <dgm:param type="secChAlign" val="t"/>
+                            <dgm:param type="secLinDir" val="fromT"/>
+                          </dgm:alg>
+                        </dgm:if>
+                        <dgm:else name="Name133">
+                          <dgm:alg type="hierChild">
+                            <dgm:param type="chAlign" val="l"/>
+                            <dgm:param type="linDir" val="fromR"/>
+                            <dgm:param type="secChAlign" val="t"/>
+                            <dgm:param type="secLinDir" val="fromT"/>
+                          </dgm:alg>
+                        </dgm:else>
+                      </dgm:choose>
+                    </dgm:if>
+                    <dgm:if name="Name134" func="var" arg="hierBranch" op="equ" val="std">
+                      <dgm:choose name="Name135">
+                        <dgm:if name="Name136" func="var" arg="dir" op="equ" val="norm">
+                          <dgm:alg type="hierChild"/>
+                        </dgm:if>
+                        <dgm:else name="Name137">
+                          <dgm:alg type="hierChild">
+                            <dgm:param type="linDir" val="fromR"/>
+                          </dgm:alg>
+                        </dgm:else>
+                      </dgm:choose>
+                    </dgm:if>
+                    <dgm:if name="Name138" func="var" arg="hierBranch" op="equ" val="init">
+                      <dgm:choose name="Name139">
+                        <dgm:if name="Name140" axis="des" func="maxDepth" op="lte" val="1">
+                          <dgm:alg type="hierChild">
+                            <dgm:param type="chAlign" val="l"/>
+                            <dgm:param type="linDir" val="fromT"/>
+                          </dgm:alg>
+                        </dgm:if>
+                        <dgm:else name="Name141">
+                          <dgm:alg type="hierChild"/>
+                        </dgm:else>
+                      </dgm:choose>
+                    </dgm:if>
+                    <dgm:else name="Name142"/>
+                  </dgm:choose>
+                  <dgm:shape xmlns:r="http://schemas.openxmlformats.org/officeDocument/2006/relationships" r:blip="">
+                    <dgm:adjLst/>
+                  </dgm:shape>
+                  <dgm:presOf/>
+                  <dgm:constrLst/>
+                  <dgm:ruleLst/>
+                  <dgm:forEach name="Name143" ref="rep2a"/>
+                </dgm:layoutNode>
+                <dgm:layoutNode name="hierChild7">
+                  <dgm:choose name="Name144">
+                    <dgm:if name="Name145" func="var" arg="dir" op="equ" val="norm">
+                      <dgm:alg type="hierChild">
+                        <dgm:param type="chAlign" val="l"/>
+                        <dgm:param type="linDir" val="fromL"/>
+                        <dgm:param type="secChAlign" val="t"/>
+                        <dgm:param type="secLinDir" val="fromT"/>
+                      </dgm:alg>
+                    </dgm:if>
+                    <dgm:else name="Name146">
+                      <dgm:alg type="hierChild">
+                        <dgm:param type="chAlign" val="l"/>
+                        <dgm:param type="linDir" val="fromR"/>
+                        <dgm:param type="secChAlign" val="t"/>
+                        <dgm:param type="secLinDir" val="fromT"/>
+                      </dgm:alg>
+                    </dgm:else>
+                  </dgm:choose>
+                  <dgm:shape xmlns:r="http://schemas.openxmlformats.org/officeDocument/2006/relationships" r:blip="">
+                    <dgm:adjLst/>
+                  </dgm:shape>
+                  <dgm:presOf/>
+                  <dgm:constrLst/>
+                  <dgm:ruleLst/>
+                  <dgm:forEach name="Name147" ref="rep2b"/>
+                </dgm:layoutNode>
+              </dgm:layoutNode>
+            </dgm:forEach>
+          </dgm:layoutNode>
+        </dgm:layoutNode>
+      </dgm:forEach>
+    </dgm:forEach>
+  </dgm:layoutNode>
+</dgm:layoutDef>
+</file>
+
+<file path=ppt/diagrams/quickStyle1.xml><?xml version="1.0" encoding="utf-8"?>
+<dgm:styleDef xmlns:dgm="http://schemas.openxmlformats.org/drawingml/2006/diagram" xmlns:a="http://schemas.openxmlformats.org/drawingml/2006/main" uniqueId="urn:microsoft.com/office/officeart/2005/8/quickstyle/simple1">
+  <dgm:title val=""/>
+  <dgm:desc val=""/>
+  <dgm:catLst>
+    <dgm:cat type="simple" pri="10100"/>
+  </dgm:catLst>
+  <dgm:scene3d>
+    <a:camera prst="orthographicFront"/>
+    <a:lightRig rig="threePt" dir="t"/>
+  </dgm:scene3d>
+  <dgm:styleLbl name="node0">
+    <dgm:scene3d>
+      <a:camera prst="orthographicFront"/>
+      <a:lightRig rig="threePt" dir="t"/>
+    </dgm:scene3d>
+    <dgm:sp3d/>
+    <dgm:txPr/>
+    <dgm:style>
+      <a:lnRef idx="2">
+        <a:scrgbClr r="0" g="0" b="0"/>
+      </a:lnRef>
+      <a:fillRef idx="1">
+        <a:scrgbClr r="0" g="0" b="0"/>
+      </a:fillRef>
+      <a:effectRef idx="0">
+        <a:scrgbClr r="0" g="0" b="0"/>
+      </a:effectRef>
+      <a:fontRef idx="minor">
+        <a:schemeClr val="lt1"/>
+      </a:fontRef>
+    </dgm:style>
+  </dgm:styleLbl>
+  <dgm:styleLbl name="lnNode1">
+    <dgm:scene3d>
+      <a:camera prst="orthographicFront"/>
+      <a:lightRig rig="threePt" dir="t"/>
+    </dgm:scene3d>
+    <dgm:sp3d/>
+    <dgm:txPr/>
+    <dgm:style>
+      <a:lnRef idx="2">
+        <a:scrgbClr r="0" g="0" b="0"/>
+      </a:lnRef>
+      <a:fillRef idx="1">
+        <a:scrgbClr r="0" g="0" b="0"/>
+      </a:fillRef>
+      <a:effectRef idx="0">
+        <a:scrgbClr r="0" g="0" b="0"/>
+      </a:effectRef>
+      <a:fontRef idx="minor">
+        <a:schemeClr val="lt1"/>
+      </a:fontRef>
+    </dgm:style>
+  </dgm:styleLbl>
+  <dgm:styleLbl name="vennNode1">
+    <dgm:scene3d>
+      <a:camera prst="orthographicFront"/>
+      <a:lightRig rig="threePt" dir="t"/>
+    </dgm:scene3d>
+    <dgm:sp3d/>
+    <dgm:txPr/>
+    <dgm:style>
+      <a:lnRef idx="2">
+        <a:scrgbClr r="0" g="0" b="0"/>
+      </a:lnRef>
+      <a:fillRef idx="1">
+        <a:scrgbClr r="0" g="0" b="0"/>
+      </a:fillRef>
+      <a:effectRef idx="0">
+        <a:scrgbClr r="0" g="0" b="0"/>
+      </a:effectRef>
+      <a:fontRef idx="minor">
+        <a:schemeClr val="tx1"/>
+      </a:fontRef>
+    </dgm:style>
+  </dgm:styleLbl>
+  <dgm:styleLbl name="alignNode1">
+    <dgm:scene3d>
+      <a:camera prst="orthographicFront"/>
+      <a:lightRig rig="threePt" dir="t"/>
+    </dgm:scene3d>
+    <dgm:sp3d/>
+    <dgm:txPr/>
+    <dgm:style>
+      <a:lnRef idx="2">
+        <a:scrgbClr r="0" g="0" b="0"/>
+      </a:lnRef>
+      <a:fillRef idx="1">
+        <a:scrgbClr r="0" g="0" b="0"/>
+      </a:fillRef>
+      <a:effectRef idx="0">
+        <a:scrgbClr r="0" g="0" b="0"/>
+      </a:effectRef>
+      <a:fontRef idx="minor">
+        <a:schemeClr val="lt1"/>
+      </a:fontRef>
+    </dgm:style>
+  </dgm:styleLbl>
+  <dgm:styleLbl name="node1">
+    <dgm:scene3d>
+      <a:camera prst="orthographicFront"/>
+      <a:lightRig rig="threePt" dir="t"/>
+    </dgm:scene3d>
+    <dgm:sp3d/>
+    <dgm:txPr/>
+    <dgm:style>
+      <a:lnRef idx="2">
+        <a:scrgbClr r="0" g="0" b="0"/>
+      </a:lnRef>
+      <a:fillRef idx="1">
+        <a:scrgbClr r="0" g="0" b="0"/>
+      </a:fillRef>
+      <a:effectRef idx="0">
+        <a:scrgbClr r="0" g="0" b="0"/>
+      </a:effectRef>
+      <a:fontRef idx="minor">
+        <a:schemeClr val="lt1"/>
+      </a:fontRef>
+    </dgm:style>
+  </dgm:styleLbl>
+  <dgm:styleLbl name="node2">
+    <dgm:scene3d>
+      <a:camera prst="orthographicFront"/>
+      <a:lightRig rig="threePt" dir="t"/>
+    </dgm:scene3d>
+    <dgm:sp3d/>
+    <dgm:txPr/>
+    <dgm:style>
+      <a:lnRef idx="2">
+        <a:scrgbClr r="0" g="0" b="0"/>
+      </a:lnRef>
+      <a:fillRef idx="1">
+        <a:scrgbClr r="0" g="0" b="0"/>
+      </a:fillRef>
+      <a:effectRef idx="0">
+        <a:scrgbClr r="0" g="0" b="0"/>
+      </a:effectRef>
+      <a:fontRef idx="minor">
+        <a:schemeClr val="lt1"/>
+      </a:fontRef>
+    </dgm:style>
+  </dgm:styleLbl>
+  <dgm:styleLbl name="node3">
+    <dgm:scene3d>
+      <a:camera prst="orthographicFront"/>
+      <a:lightRig rig="threePt" dir="t"/>
+    </dgm:scene3d>
+    <dgm:sp3d/>
+    <dgm:txPr/>
+    <dgm:style>
+      <a:lnRef idx="2">
+        <a:scrgbClr r="0" g="0" b="0"/>
+      </a:lnRef>
+      <a:fillRef idx="1">
+        <a:scrgbClr r="0" g="0" b="0"/>
+      </a:fillRef>
+      <a:effectRef idx="0">
+        <a:scrgbClr r="0" g="0" b="0"/>
+      </a:effectRef>
+      <a:fontRef idx="minor">
+        <a:schemeClr val="lt1"/>
+      </a:fontRef>
+    </dgm:style>
+  </dgm:styleLbl>
+  <dgm:styleLbl name="node4">
+    <dgm:scene3d>
+      <a:camera prst="orthographicFront"/>
+      <a:lightRig rig="threePt" dir="t"/>
+    </dgm:scene3d>
+    <dgm:sp3d/>
+    <dgm:txPr/>
+    <dgm:style>
+      <a:lnRef idx="2">
+        <a:scrgbClr r="0" g="0" b="0"/>
+      </a:lnRef>
+      <a:fillRef idx="1">
+        <a:scrgbClr r="0" g="0" b="0"/>
+      </a:fillRef>
+      <a:effectRef idx="0">
+        <a:scrgbClr r="0" g="0" b="0"/>
+      </a:effectRef>
+      <a:fontRef idx="minor">
+        <a:schemeClr val="lt1"/>
+      </a:fontRef>
+    </dgm:style>
+  </dgm:styleLbl>
+  <dgm:styleLbl name="fgImgPlace1">
+    <dgm:scene3d>
+      <a:camera prst="orthographicFront"/>
+      <a:lightRig rig="threePt" dir="t"/>
+    </dgm:scene3d>
+    <dgm:sp3d/>
+    <dgm:txPr/>
+    <dgm:style>
+      <a:lnRef idx="2">
+        <a:scrgbClr r="0" g="0" b="0"/>
+      </a:lnRef>
+      <a:fillRef idx="1">
+        <a:scrgbClr r="0" g="0" b="0"/>
+      </a:fillRef>
+      <a:effectRef idx="0">
+        <a:scrgbClr r="0" g="0" b="0"/>
+      </a:effectRef>
+      <a:fontRef idx="minor"/>
+    </dgm:style>
+  </dgm:styleLbl>
+  <dgm:styleLbl name="alignImgPlace1">
+    <dgm:scene3d>
+      <a:camera prst="orthographicFront"/>
+      <a:lightRig rig="threePt" dir="t"/>
+    </dgm:scene3d>
+    <dgm:sp3d/>
+    <dgm:txPr/>
+    <dgm:style>
+      <a:lnRef idx="2">
+        <a:scrgbClr r="0" g="0" b="0"/>
+      </a:lnRef>
+      <a:fillRef idx="1">
+        <a:scrgbClr r="0" g="0" b="0"/>
+      </a:fillRef>
+      <a:effectRef idx="0">
+        <a:scrgbClr r="0" g="0" b="0"/>
+      </a:effectRef>
+      <a:fontRef idx="minor"/>
+    </dgm:style>
+  </dgm:styleLbl>
+  <dgm:styleLbl name="bgImgPlace1">
+    <dgm:scene3d>
+      <a:camera prst="orthographicFront"/>
+      <a:lightRig rig="threePt" dir="t"/>
+    </dgm:scene3d>
+    <dgm:sp3d/>
+    <dgm:txPr/>
+    <dgm:style>
+      <a:lnRef idx="2">
+        <a:scrgbClr r="0" g="0" b="0"/>
+      </a:lnRef>
+      <a:fillRef idx="1">
+        <a:scrgbClr r="0" g="0" b="0"/>
+      </a:fillRef>
+      <a:effectRef idx="0">
+        <a:scrgbClr r="0" g="0" b="0"/>
+      </a:effectRef>
+      <a:fontRef idx="minor"/>
+    </dgm:style>
+  </dgm:styleLbl>
+  <dgm:styleLbl name="sibTrans2D1">
+    <dgm:scene3d>
+      <a:camera prst="orthographicFront"/>
+      <a:lightRig rig="threePt" dir="t"/>
+    </dgm:scene3d>
+    <dgm:sp3d/>
+    <dgm:txPr/>
+    <dgm:style>
+      <a:lnRef idx="0">
+        <a:scrgbClr r="0" g="0" b="0"/>
+      </a:lnRef>
+      <a:fillRef idx="1">
+        <a:scrgbClr r="0" g="0" b="0"/>
+      </a:fillRef>
+      <a:effectRef idx="0">
+        <a:scrgbClr r="0" g="0" b="0"/>
+      </a:effectRef>
+      <a:fontRef idx="minor">
+        <a:schemeClr val="lt1"/>
+      </a:fontRef>
+    </dgm:style>
+  </dgm:styleLbl>
+  <dgm:styleLbl name="fgSibTrans2D1">
+    <dgm:scene3d>
+      <a:camera prst="orthographicFront"/>
+      <a:lightRig rig="threePt" dir="t"/>
+    </dgm:scene3d>
+    <dgm:sp3d/>
+    <dgm:txPr/>
+    <dgm:style>
+      <a:lnRef idx="0">
+        <a:scrgbClr r="0" g="0" b="0"/>
+      </a:lnRef>
+      <a:fillRef idx="1">
+        <a:scrgbClr r="0" g="0" b="0"/>
+      </a:fillRef>
+      <a:effectRef idx="0">
+        <a:scrgbClr r="0" g="0" b="0"/>
+      </a:effectRef>
+      <a:fontRef idx="minor">
+        <a:schemeClr val="lt1"/>
+      </a:fontRef>
+    </dgm:style>
+  </dgm:styleLbl>
+  <dgm:styleLbl name="bgSibTrans2D1">
+    <dgm:scene3d>
+      <a:camera prst="orthographicFront"/>
+      <a:lightRig rig="threePt" dir="t"/>
+    </dgm:scene3d>
+    <dgm:sp3d/>
+    <dgm:txPr/>
+    <dgm:style>
+      <a:lnRef idx="0">
+        <a:scrgbClr r="0" g="0" b="0"/>
+      </a:lnRef>
+      <a:fillRef idx="1">
+        <a:scrgbClr r="0" g="0" b="0"/>
+      </a:fillRef>
+      <a:effectRef idx="0">
+        <a:scrgbClr r="0" g="0" b="0"/>
+      </a:effectRef>
+      <a:fontRef idx="minor">
+        <a:schemeClr val="lt1"/>
+      </a:fontRef>
+    </dgm:style>
+  </dgm:styleLbl>
+  <dgm:styleLbl name="sibTrans1D1">
+    <dgm:scene3d>
+      <a:camera prst="orthographicFront"/>
+      <a:lightRig rig="threePt" dir="t"/>
+    </dgm:scene3d>
+    <dgm:sp3d/>
+    <dgm:txPr/>
+    <dgm:style>
+      <a:lnRef idx="1">
+        <a:scrgbClr r="0" g="0" b="0"/>
+      </a:lnRef>
+      <a:fillRef idx="0">
+        <a:scrgbClr r="0" g="0" b="0"/>
+      </a:fillRef>
+      <a:effectRef idx="0">
+        <a:scrgbClr r="0" g="0" b="0"/>
+      </a:effectRef>
+      <a:fontRef idx="minor"/>
+    </dgm:style>
+  </dgm:styleLbl>
+  <dgm:styleLbl name="callout">
+    <dgm:scene3d>
+      <a:camera prst="orthographicFront"/>
+      <a:lightRig rig="threePt" dir="t"/>
+    </dgm:scene3d>
+    <dgm:sp3d/>
+    <dgm:txPr/>
+    <dgm:style>
+      <a:lnRef idx="2">
+        <a:scrgbClr r="0" g="0" b="0"/>
+      </a:lnRef>
+      <a:fillRef idx="1">
+        <a:scrgbClr r="0" g="0" b="0"/>
+      </a:fillRef>
+      <a:effectRef idx="0">
+        <a:scrgbClr r="0" g="0" b="0"/>
+      </a:effectRef>
+      <a:fontRef idx="minor"/>
+    </dgm:style>
+  </dgm:styleLbl>
+  <dgm:styleLbl name="asst0">
+    <dgm:scene3d>
+      <a:camera prst="orthographicFront"/>
+      <a:lightRig rig="threePt" dir="t"/>
+    </dgm:scene3d>
+    <dgm:sp3d/>
+    <dgm:txPr/>
+    <dgm:style>
+      <a:lnRef idx="2">
+        <a:scrgbClr r="0" g="0" b="0"/>
+      </a:lnRef>
+      <a:fillRef idx="1">
+        <a:scrgbClr r="0" g="0" b="0"/>
+      </a:fillRef>
+      <a:effectRef idx="0">
+        <a:scrgbClr r="0" g="0" b="0"/>
+      </a:effectRef>
+      <a:fontRef idx="minor">
+        <a:schemeClr val="lt1"/>
+      </a:fontRef>
+    </dgm:style>
+  </dgm:styleLbl>
+  <dgm:styleLbl name="asst1">
+    <dgm:scene3d>
+      <a:camera prst="orthographicFront"/>
+      <a:lightRig rig="threePt" dir="t"/>
+    </dgm:scene3d>
+    <dgm:sp3d/>
+    <dgm:txPr/>
+    <dgm:style>
+      <a:lnRef idx="2">
+        <a:scrgbClr r="0" g="0" b="0"/>
+      </a:lnRef>
+      <a:fillRef idx="1">
+        <a:scrgbClr r="0" g="0" b="0"/>
+      </a:fillRef>
+      <a:effectRef idx="0">
+        <a:scrgbClr r="0" g="0" b="0"/>
+      </a:effectRef>
+      <a:fontRef idx="minor">
+        <a:schemeClr val="lt1"/>
+      </a:fontRef>
+    </dgm:style>
+  </dgm:styleLbl>
+  <dgm:styleLbl name="asst2">
+    <dgm:scene3d>
+      <a:camera prst="orthographicFront"/>
+      <a:lightRig rig="threePt" dir="t"/>
+    </dgm:scene3d>
+    <dgm:sp3d/>
+    <dgm:txPr/>
+    <dgm:style>
+      <a:lnRef idx="2">
+        <a:scrgbClr r="0" g="0" b="0"/>
+      </a:lnRef>
+      <a:fillRef idx="1">
+        <a:scrgbClr r="0" g="0" b="0"/>
+      </a:fillRef>
+      <a:effectRef idx="0">
+        <a:scrgbClr r="0" g="0" b="0"/>
+      </a:effectRef>
+      <a:fontRef idx="minor">
+        <a:schemeClr val="lt1"/>
+      </a:fontRef>
+    </dgm:style>
+  </dgm:styleLbl>
+  <dgm:styleLbl name="asst3">
+    <dgm:scene3d>
+      <a:camera prst="orthographicFront"/>
+      <a:lightRig rig="threePt" dir="t"/>
+    </dgm:scene3d>
+    <dgm:sp3d/>
+    <dgm:txPr/>
+    <dgm:style>
+      <a:lnRef idx="2">
+        <a:scrgbClr r="0" g="0" b="0"/>
+      </a:lnRef>
+      <a:fillRef idx="1">
+        <a:scrgbClr r="0" g="0" b="0"/>
+      </a:fillRef>
+      <a:effectRef idx="0">
+        <a:scrgbClr r="0" g="0" b="0"/>
+      </a:effectRef>
+      <a:fontRef idx="minor">
+        <a:schemeClr val="lt1"/>
+      </a:fontRef>
+    </dgm:style>
+  </dgm:styleLbl>
+  <dgm:styleLbl name="asst4">
+    <dgm:scene3d>
+      <a:camera prst="orthographicFront"/>
+      <a:lightRig rig="threePt" dir="t"/>
+    </dgm:scene3d>
+    <dgm:sp3d/>
+    <dgm:txPr/>
+    <dgm:style>
+      <a:lnRef idx="2">
+        <a:scrgbClr r="0" g="0" b="0"/>
+      </a:lnRef>
+      <a:fillRef idx="1">
+        <a:scrgbClr r="0" g="0" b="0"/>
+      </a:fillRef>
+      <a:effectRef idx="0">
+        <a:scrgbClr r="0" g="0" b="0"/>
+      </a:effectRef>
+      <a:fontRef idx="minor">
+        <a:schemeClr val="lt1"/>
+      </a:fontRef>
+    </dgm:style>
+  </dgm:styleLbl>
+  <dgm:styleLbl name="parChTrans2D1">
+    <dgm:scene3d>
+      <a:camera prst="orthographicFront"/>
+      <a:lightRig rig="threePt" dir="t"/>
+    </dgm:scene3d>
+    <dgm:sp3d/>
+    <dgm:txPr/>
+    <dgm:style>
+      <a:lnRef idx="2">
+        <a:scrgbClr r="0" g="0" b="0"/>
+      </a:lnRef>
+      <a:fillRef idx="1">
+        <a:scrgbClr r="0" g="0" b="0"/>
+      </a:fillRef>
+      <a:effectRef idx="0">
+        <a:scrgbClr r="0" g="0" b="0"/>
+      </a:effectRef>
+      <a:fontRef idx="minor">
+        <a:schemeClr val="lt1"/>
+      </a:fontRef>
+    </dgm:style>
+  </dgm:styleLbl>
+  <dgm:styleLbl name="parChTrans2D2">
+    <dgm:scene3d>
+      <a:camera prst="orthographicFront"/>
+      <a:lightRig rig="threePt" dir="t"/>
+    </dgm:scene3d>
+    <dgm:sp3d/>
+    <dgm:txPr/>
+    <dgm:style>
+      <a:lnRef idx="2">
+        <a:scrgbClr r="0" g="0" b="0"/>
+      </a:lnRef>
+      <a:fillRef idx="1">
+        <a:scrgbClr r="0" g="0" b="0"/>
+      </a:fillRef>
+      <a:effectRef idx="0">
+        <a:scrgbClr r="0" g="0" b="0"/>
+      </a:effectRef>
+      <a:fontRef idx="minor">
+        <a:schemeClr val="lt1"/>
+      </a:fontRef>
+    </dgm:style>
+  </dgm:styleLbl>
+  <dgm:styleLbl name="parChTrans2D3">
+    <dgm:scene3d>
+      <a:camera prst="orthographicFront"/>
+      <a:lightRig rig="threePt" dir="t"/>
+    </dgm:scene3d>
+    <dgm:sp3d/>
+    <dgm:txPr/>
+    <dgm:style>
+      <a:lnRef idx="2">
+        <a:scrgbClr r="0" g="0" b="0"/>
+      </a:lnRef>
+      <a:fillRef idx="1">
+        <a:scrgbClr r="0" g="0" b="0"/>
+      </a:fillRef>
+      <a:effectRef idx="0">
+        <a:scrgbClr r="0" g="0" b="0"/>
+      </a:effectRef>
+      <a:fontRef idx="minor">
+        <a:schemeClr val="lt1"/>
+      </a:fontRef>
+    </dgm:style>
+  </dgm:styleLbl>
+  <dgm:styleLbl name="parChTrans2D4">
+    <dgm:scene3d>
+      <a:camera prst="orthographicFront"/>
+      <a:lightRig rig="threePt" dir="t"/>
+    </dgm:scene3d>
+    <dgm:sp3d/>
+    <dgm:txPr/>
+    <dgm:style>
+      <a:lnRef idx="2">
+        <a:scrgbClr r="0" g="0" b="0"/>
+      </a:lnRef>
+      <a:fillRef idx="1">
+        <a:scrgbClr r="0" g="0" b="0"/>
+      </a:fillRef>
+      <a:effectRef idx="0">
+        <a:scrgbClr r="0" g="0" b="0"/>
+      </a:effectRef>
+      <a:fontRef idx="minor">
+        <a:schemeClr val="lt1"/>
+      </a:fontRef>
+    </dgm:style>
+  </dgm:styleLbl>
+  <dgm:styleLbl name="parChTrans1D1">
+    <dgm:scene3d>
+      <a:camera prst="orthographicFront"/>
+      <a:lightRig rig="threePt" dir="t"/>
+    </dgm:scene3d>
+    <dgm:sp3d/>
+    <dgm:txPr/>
+    <dgm:style>
+      <a:lnRef idx="2">
+        <a:scrgbClr r="0" g="0" b="0"/>
+      </a:lnRef>
+      <a:fillRef idx="0">
+        <a:scrgbClr r="0" g="0" b="0"/>
+      </a:fillRef>
+      <a:effectRef idx="0">
+        <a:scrgbClr r="0" g="0" b="0"/>
+      </a:effectRef>
+      <a:fontRef idx="minor"/>
+    </dgm:style>
+  </dgm:styleLbl>
+  <dgm:styleLbl name="parChTrans1D2">
+    <dgm:scene3d>
+      <a:camera prst="orthographicFront"/>
+      <a:lightRig rig="threePt" dir="t"/>
+    </dgm:scene3d>
+    <dgm:sp3d/>
+    <dgm:txPr/>
+    <dgm:style>
+      <a:lnRef idx="2">
+        <a:scrgbClr r="0" g="0" b="0"/>
+      </a:lnRef>
+      <a:fillRef idx="0">
+        <a:scrgbClr r="0" g="0" b="0"/>
+      </a:fillRef>
+      <a:effectRef idx="0">
+        <a:scrgbClr r="0" g="0" b="0"/>
+      </a:effectRef>
+      <a:fontRef idx="minor"/>
+    </dgm:style>
+  </dgm:styleLbl>
+  <dgm:styleLbl name="parChTrans1D3">
+    <dgm:scene3d>
+      <a:camera prst="orthographicFront"/>
+      <a:lightRig rig="threePt" dir="t"/>
+    </dgm:scene3d>
+    <dgm:sp3d/>
+    <dgm:txPr/>
+    <dgm:style>
+      <a:lnRef idx="2">
+        <a:scrgbClr r="0" g="0" b="0"/>
+      </a:lnRef>
+      <a:fillRef idx="0">
+        <a:scrgbClr r="0" g="0" b="0"/>
+      </a:fillRef>
+      <a:effectRef idx="0">
+        <a:scrgbClr r="0" g="0" b="0"/>
+      </a:effectRef>
+      <a:fontRef idx="minor"/>
+    </dgm:style>
+  </dgm:styleLbl>
+  <dgm:styleLbl name="parChTrans1D4">
+    <dgm:scene3d>
+      <a:camera prst="orthographicFront"/>
+      <a:lightRig rig="threePt" dir="t"/>
+    </dgm:scene3d>
+    <dgm:sp3d/>
+    <dgm:txPr/>
+    <dgm:style>
+      <a:lnRef idx="2">
+        <a:scrgbClr r="0" g="0" b="0"/>
+      </a:lnRef>
+      <a:fillRef idx="0">
+        <a:scrgbClr r="0" g="0" b="0"/>
+      </a:fillRef>
+      <a:effectRef idx="0">
+        <a:scrgbClr r="0" g="0" b="0"/>
+      </a:effectRef>
+      <a:fontRef idx="minor"/>
+    </dgm:style>
+  </dgm:styleLbl>
+  <dgm:styleLbl name="fgAcc1">
+    <dgm:scene3d>
+      <a:camera prst="orthographicFront"/>
+      <a:lightRig rig="threePt" dir="t"/>
+    </dgm:scene3d>
+    <dgm:sp3d/>
+    <dgm:txPr/>
+    <dgm:style>
+      <a:lnRef idx="2">
+        <a:scrgbClr r="0" g="0" b="0"/>
+      </a:lnRef>
+      <a:fillRef idx="1">
+        <a:scrgbClr r="0" g="0" b="0"/>
+      </a:fillRef>
+      <a:effectRef idx="0">
+        <a:scrgbClr r="0" g="0" b="0"/>
+      </a:effectRef>
+      <a:fontRef idx="minor"/>
+    </dgm:style>
+  </dgm:styleLbl>
+  <dgm:styleLbl name="conFgAcc1">
+    <dgm:scene3d>
+      <a:camera prst="orthographicFront"/>
+      <a:lightRig rig="threePt" dir="t"/>
+    </dgm:scene3d>
+    <dgm:sp3d/>
+    <dgm:txPr/>
+    <dgm:style>
+      <a:lnRef idx="2">
+        <a:scrgbClr r="0" g="0" b="0"/>
+      </a:lnRef>
+      <a:fillRef idx="1">
+        <a:scrgbClr r="0" g="0" b="0"/>
+      </a:fillRef>
+      <a:effectRef idx="0">
+        <a:scrgbClr r="0" g="0" b="0"/>
+      </a:effectRef>
+      <a:fontRef idx="minor"/>
+    </dgm:style>
+  </dgm:styleLbl>
+  <dgm:styleLbl name="alignAcc1">
+    <dgm:scene3d>
+      <a:camera prst="orthographicFront"/>
+      <a:lightRig rig="threePt" dir="t"/>
+    </dgm:scene3d>
+    <dgm:sp3d/>
+    <dgm:txPr/>
+    <dgm:style>
+      <a:lnRef idx="2">
+        <a:scrgbClr r="0" g="0" b="0"/>
+      </a:lnRef>
+      <a:fillRef idx="1">
+        <a:scrgbClr r="0" g="0" b="0"/>
+      </a:fillRef>
+      <a:effectRef idx="0">
+        <a:scrgbClr r="0" g="0" b="0"/>
+      </a:effectRef>
+      <a:fontRef idx="minor"/>
+    </dgm:style>
+  </dgm:styleLbl>
+  <dgm:styleLbl name="trAlignAcc1">
+    <dgm:scene3d>
+      <a:camera prst="orthographicFront"/>
+      <a:lightRig rig="threePt" dir="t"/>
+    </dgm:scene3d>
+    <dgm:sp3d/>
+    <dgm:txPr/>
+    <dgm:style>
+      <a:lnRef idx="1">
+        <a:scrgbClr r="0" g="0" b="0"/>
+      </a:lnRef>
+      <a:fillRef idx="1">
+        <a:scrgbClr r="0" g="0" b="0"/>
+      </a:fillRef>
+      <a:effectRef idx="0">
+        <a:scrgbClr r="0" g="0" b="0"/>
+      </a:effectRef>
+      <a:fontRef idx="minor"/>
+    </dgm:style>
+  </dgm:styleLbl>
+  <dgm:styleLbl name="bgAcc1">
+    <dgm:scene3d>
+      <a:camera prst="orthographicFront"/>
+      <a:lightRig rig="threePt" dir="t"/>
+    </dgm:scene3d>
+    <dgm:sp3d/>
+    <dgm:txPr/>
+    <dgm:style>
+      <a:lnRef idx="2">
+        <a:scrgbClr r="0" g="0" b="0"/>
+      </a:lnRef>
+      <a:fillRef idx="1">
+        <a:scrgbClr r="0" g="0" b="0"/>
+      </a:fillRef>
+      <a:effectRef idx="0">
+        <a:scrgbClr r="0" g="0" b="0"/>
+      </a:effectRef>
+      <a:fontRef idx="minor"/>
+    </dgm:style>
+  </dgm:styleLbl>
+  <dgm:styleLbl name="solidFgAcc1">
+    <dgm:scene3d>
+      <a:camera prst="orthographicFront"/>
+      <a:lightRig rig="threePt" dir="t"/>
+    </dgm:scene3d>
+    <dgm:sp3d/>
+    <dgm:txPr/>
+    <dgm:style>
+      <a:lnRef idx="2">
+        <a:scrgbClr r="0" g="0" b="0"/>
+      </a:lnRef>
+      <a:fillRef idx="1">
+        <a:scrgbClr r="0" g="0" b="0"/>
+      </a:fillRef>
+      <a:effectRef idx="0">
+        <a:scrgbClr r="0" g="0" b="0"/>
+      </a:effectRef>
+      <a:fontRef idx="minor"/>
+    </dgm:style>
+  </dgm:styleLbl>
+  <dgm:styleLbl name="solidAlignAcc1">
+    <dgm:scene3d>
+      <a:camera prst="orthographicFront"/>
+      <a:lightRig rig="threePt" dir="t"/>
+    </dgm:scene3d>
+    <dgm:sp3d/>
+    <dgm:txPr/>
+    <dgm:style>
+      <a:lnRef idx="2">
+        <a:scrgbClr r="0" g="0" b="0"/>
+      </a:lnRef>
+      <a:fillRef idx="1">
+        <a:scrgbClr r="0" g="0" b="0"/>
+      </a:fillRef>
+      <a:effectRef idx="0">
+        <a:scrgbClr r="0" g="0" b="0"/>
+      </a:effectRef>
+      <a:fontRef idx="minor"/>
+    </dgm:style>
+  </dgm:styleLbl>
+  <dgm:styleLbl name="solidBgAcc1">
+    <dgm:scene3d>
+      <a:camera prst="orthographicFront"/>
+      <a:lightRig rig="threePt" dir="t"/>
+    </dgm:scene3d>
+    <dgm:sp3d/>
+    <dgm:txPr/>
+    <dgm:style>
+      <a:lnRef idx="2">
+        <a:scrgbClr r="0" g="0" b="0"/>
+      </a:lnRef>
+      <a:fillRef idx="1">
+        <a:scrgbClr r="0" g="0" b="0"/>
+      </a:fillRef>
+      <a:effectRef idx="0">
+        <a:scrgbClr r="0" g="0" b="0"/>
+      </a:effectRef>
+      <a:fontRef idx="minor"/>
+    </dgm:style>
+  </dgm:styleLbl>
+  <dgm:styleLbl name="fgAccFollowNode1">
+    <dgm:scene3d>
+      <a:camera prst="orthographicFront"/>
+      <a:lightRig rig="threePt" dir="t"/>
+    </dgm:scene3d>
+    <dgm:sp3d/>
+    <dgm:txPr/>
+    <dgm:style>
+      <a:lnRef idx="2">
+        <a:scrgbClr r="0" g="0" b="0"/>
+      </a:lnRef>
+      <a:fillRef idx="1">
+        <a:scrgbClr r="0" g="0" b="0"/>
+      </a:fillRef>
+      <a:effectRef idx="0">
+        <a:scrgbClr r="0" g="0" b="0"/>
+      </a:effectRef>
+      <a:fontRef idx="minor"/>
+    </dgm:style>
+  </dgm:styleLbl>
+  <dgm:styleLbl name="alignAccFollowNode1">
+    <dgm:scene3d>
+      <a:camera prst="orthographicFront"/>
+      <a:lightRig rig="threePt" dir="t"/>
+    </dgm:scene3d>
+    <dgm:sp3d/>
+    <dgm:txPr/>
+    <dgm:style>
+      <a:lnRef idx="2">
+        <a:scrgbClr r="0" g="0" b="0"/>
+      </a:lnRef>
+      <a:fillRef idx="1">
+        <a:scrgbClr r="0" g="0" b="0"/>
+      </a:fillRef>
+      <a:effectRef idx="0">
+        <a:scrgbClr r="0" g="0" b="0"/>
+      </a:effectRef>
+      <a:fontRef idx="minor"/>
+    </dgm:style>
+  </dgm:styleLbl>
+  <dgm:styleLbl name="bgAccFollowNode1">
+    <dgm:scene3d>
+      <a:camera prst="orthographicFront"/>
+      <a:lightRig rig="threePt" dir="t"/>
+    </dgm:scene3d>
+    <dgm:sp3d/>
+    <dgm:txPr/>
+    <dgm:style>
+      <a:lnRef idx="2">
+        <a:scrgbClr r="0" g="0" b="0"/>
+      </a:lnRef>
+      <a:fillRef idx="1">
+        <a:scrgbClr r="0" g="0" b="0"/>
+      </a:fillRef>
+      <a:effectRef idx="0">
+        <a:scrgbClr r="0" g="0" b="0"/>
+      </a:effectRef>
+      <a:fontRef idx="minor"/>
+    </dgm:style>
+  </dgm:styleLbl>
+  <dgm:styleLbl name="fgAcc0">
+    <dgm:scene3d>
+      <a:camera prst="orthographicFront"/>
+      <a:lightRig rig="threePt" dir="t"/>
+    </dgm:scene3d>
+    <dgm:sp3d/>
+    <dgm:txPr/>
+    <dgm:style>
+      <a:lnRef idx="2">
+        <a:scrgbClr r="0" g="0" b="0"/>
+      </a:lnRef>
+      <a:fillRef idx="1">
+        <a:scrgbClr r="0" g="0" b="0"/>
+      </a:fillRef>
+      <a:effectRef idx="0">
+        <a:scrgbClr r="0" g="0" b="0"/>
+      </a:effectRef>
+      <a:fontRef idx="minor"/>
+    </dgm:style>
+  </dgm:styleLbl>
+  <dgm:styleLbl name="fgAcc2">
+    <dgm:scene3d>
+      <a:camera prst="orthographicFront"/>
+      <a:lightRig rig="threePt" dir="t"/>
+    </dgm:scene3d>
+    <dgm:sp3d/>
+    <dgm:txPr/>
+    <dgm:style>
+      <a:lnRef idx="2">
+        <a:scrgbClr r="0" g="0" b="0"/>
+      </a:lnRef>
+      <a:fillRef idx="1">
+        <a:scrgbClr r="0" g="0" b="0"/>
+      </a:fillRef>
+      <a:effectRef idx="0">
+        <a:scrgbClr r="0" g="0" b="0"/>
+      </a:effectRef>
+      <a:fontRef idx="minor"/>
+    </dgm:style>
+  </dgm:styleLbl>
+  <dgm:styleLbl name="fgAcc3">
+    <dgm:scene3d>
+      <a:camera prst="orthographicFront"/>
+      <a:lightRig rig="threePt" dir="t"/>
+    </dgm:scene3d>
+    <dgm:sp3d/>
+    <dgm:txPr/>
+    <dgm:style>
+      <a:lnRef idx="2">
+        <a:scrgbClr r="0" g="0" b="0"/>
+      </a:lnRef>
+      <a:fillRef idx="1">
+        <a:scrgbClr r="0" g="0" b="0"/>
+      </a:fillRef>
+      <a:effectRef idx="0">
+        <a:scrgbClr r="0" g="0" b="0"/>
+      </a:effectRef>
+      <a:fontRef idx="minor"/>
+    </dgm:style>
+  </dgm:styleLbl>
+  <dgm:styleLbl name="fgAcc4">
+    <dgm:scene3d>
+      <a:camera prst="orthographicFront"/>
+      <a:lightRig rig="threePt" dir="t"/>
+    </dgm:scene3d>
+    <dgm:sp3d/>
+    <dgm:txPr/>
+    <dgm:style>
+      <a:lnRef idx="2">
+        <a:scrgbClr r="0" g="0" b="0"/>
+      </a:lnRef>
+      <a:fillRef idx="1">
+        <a:scrgbClr r="0" g="0" b="0"/>
+      </a:fillRef>
+      <a:effectRef idx="0">
+        <a:scrgbClr r="0" g="0" b="0"/>
+      </a:effectRef>
+      <a:fontRef idx="minor"/>
+    </dgm:style>
+  </dgm:styleLbl>
+  <dgm:styleLbl name="bgShp">
+    <dgm:scene3d>
+      <a:camera prst="orthographicFront"/>
+      <a:lightRig rig="threePt" dir="t"/>
+    </dgm:scene3d>
+    <dgm:sp3d/>
+    <dgm:txPr/>
+    <dgm:style>
+      <a:lnRef idx="0">
+        <a:scrgbClr r="0" g="0" b="0"/>
+      </a:lnRef>
+      <a:fillRef idx="1">
+        <a:scrgbClr r="0" g="0" b="0"/>
+      </a:fillRef>
+      <a:effectRef idx="0">
+        <a:scrgbClr r="0" g="0" b="0"/>
+      </a:effectRef>
+      <a:fontRef idx="minor"/>
+    </dgm:style>
+  </dgm:styleLbl>
+  <dgm:styleLbl name="dkBgShp">
+    <dgm:scene3d>
+      <a:camera prst="orthographicFront"/>
+      <a:lightRig rig="threePt" dir="t"/>
+    </dgm:scene3d>
+    <dgm:sp3d/>
+    <dgm:txPr/>
+    <dgm:style>
+      <a:lnRef idx="0">
+        <a:scrgbClr r="0" g="0" b="0"/>
+      </a:lnRef>
+      <a:fillRef idx="1">
+        <a:scrgbClr r="0" g="0" b="0"/>
+      </a:fillRef>
+      <a:effectRef idx="0">
+        <a:scrgbClr r="0" g="0" b="0"/>
+      </a:effectRef>
+      <a:fontRef idx="minor"/>
+    </dgm:style>
+  </dgm:styleLbl>
+  <dgm:styleLbl name="trBgShp">
+    <dgm:scene3d>
+      <a:camera prst="orthographicFront"/>
+      <a:lightRig rig="threePt" dir="t"/>
+    </dgm:scene3d>
+    <dgm:sp3d/>
+    <dgm:txPr/>
+    <dgm:style>
+      <a:lnRef idx="0">
+        <a:scrgbClr r="0" g="0" b="0"/>
+      </a:lnRef>
+      <a:fillRef idx="1">
+        <a:scrgbClr r="0" g="0" b="0"/>
+      </a:fillRef>
+      <a:effectRef idx="0">
+        <a:scrgbClr r="0" g="0" b="0"/>
+      </a:effectRef>
+      <a:fontRef idx="minor"/>
+    </dgm:style>
+  </dgm:styleLbl>
+  <dgm:styleLbl name="fgShp">
+    <dgm:scene3d>
+      <a:camera prst="orthographicFront"/>
+      <a:lightRig rig="threePt" dir="t"/>
+    </dgm:scene3d>
+    <dgm:sp3d/>
+    <dgm:txPr/>
+    <dgm:style>
+      <a:lnRef idx="2">
+        <a:scrgbClr r="0" g="0" b="0"/>
+      </a:lnRef>
+      <a:fillRef idx="1">
+        <a:scrgbClr r="0" g="0" b="0"/>
+      </a:fillRef>
+      <a:effectRef idx="0">
+        <a:scrgbClr r="0" g="0" b="0"/>
+      </a:effectRef>
+      <a:fontRef idx="minor"/>
+    </dgm:style>
+  </dgm:styleLbl>
+  <dgm:styleLbl name="revTx">
+    <dgm:scene3d>
+      <a:camera prst="orthographicFront"/>
+      <a:lightRig rig="threePt" dir="t"/>
+    </dgm:scene3d>
+    <dgm:sp3d/>
+    <dgm:txPr/>
+    <dgm:style>
+      <a:lnRef idx="0">
+        <a:scrgbClr r="0" g="0" b="0"/>
+      </a:lnRef>
+      <a:fillRef idx="0">
+        <a:scrgbClr r="0" g="0" b="0"/>
+      </a:fillRef>
+      <a:effectRef idx="0">
+        <a:scrgbClr r="0" g="0" b="0"/>
+      </a:effectRef>
+      <a:fontRef idx="minor"/>
+    </dgm:style>
+  </dgm:styleLbl>
+</dgm:styleDef>
 </file>
 
 <file path=ppt/slideLayouts/slideLayout1.xml><?xml version="1.0" encoding="utf-8"?>
@@ -3141,7 +8435,7 @@
         </p:nvSpPr>
         <p:spPr>
           <a:xfrm>
-            <a:off x="899592" y="1052736"/>
+            <a:off x="937828" y="1314014"/>
             <a:ext cx="7556376" cy="1800200"/>
           </a:xfrm>
         </p:spPr>
@@ -4160,7 +9454,7 @@
         </p:blipFill>
         <p:spPr>
           <a:xfrm>
-            <a:off x="395536" y="2154346"/>
+            <a:off x="395536" y="1628800"/>
             <a:ext cx="8229600" cy="3362886"/>
           </a:xfrm>
           <a:prstGeom prst="rect">
@@ -4375,145 +9669,35 @@
           <a:chExt cx="0" cy="0"/>
         </a:xfrm>
       </p:grpSpPr>
-      <p:sp>
-        <p:nvSpPr>
-          <p:cNvPr id="2" name="Titel 1"/>
-          <p:cNvSpPr>
-            <a:spLocks noGrp="1"/>
-          </p:cNvSpPr>
+      <p:graphicFrame>
+        <p:nvGraphicFramePr>
+          <p:cNvPr id="4" name="Inhaltsplatzhalter 3"/>
+          <p:cNvGraphicFramePr>
+            <a:graphicFrameLocks noGrp="1"/>
+          </p:cNvGraphicFramePr>
           <p:nvPr>
-            <p:ph type="title"/>
+            <p:ph idx="1"/>
+            <p:extLst>
+              <p:ext uri="{D42A27DB-BD31-4B8C-83A1-F6EECF244321}">
+                <p14:modId xmlns:p14="http://schemas.microsoft.com/office/powerpoint/2010/main" val="2729662911"/>
+              </p:ext>
+            </p:extLst>
           </p:nvPr>
-        </p:nvSpPr>
-        <p:spPr>
-          <a:xfrm>
-            <a:off x="611560" y="548680"/>
-            <a:ext cx="8229600" cy="5832648"/>
-          </a:xfrm>
-        </p:spPr>
-        <p:txBody>
-          <a:bodyPr>
-            <a:normAutofit fontScale="90000"/>
-          </a:bodyPr>
-          <a:lstStyle/>
-          <a:p>
-            <a:pPr algn="l"/>
-            <a:r>
-              <a:rPr lang="de-CH" b="1" dirty="0" smtClean="0"/>
-              <a:t>Projektteam 5 :</a:t>
-            </a:r>
-            <a:r>
-              <a:rPr lang="de-CH" dirty="0" smtClean="0"/>
-              <a:t> </a:t>
-            </a:r>
-            <a:r>
-              <a:rPr lang="de-CH" dirty="0" smtClean="0"/>
-              <a:t/>
-            </a:r>
-            <a:br>
-              <a:rPr lang="de-CH" dirty="0" smtClean="0"/>
-            </a:br>
-            <a:r>
-              <a:rPr lang="de-CH" dirty="0"/>
-              <a:t>	</a:t>
-            </a:r>
-            <a:r>
-              <a:rPr lang="de-CH" dirty="0" smtClean="0"/>
-              <a:t/>
-            </a:r>
-            <a:br>
-              <a:rPr lang="de-CH" dirty="0" smtClean="0"/>
-            </a:br>
-            <a:r>
-              <a:rPr lang="de-CH" dirty="0" smtClean="0"/>
-              <a:t>Marina </a:t>
-            </a:r>
-            <a:r>
-              <a:rPr lang="de-CH" dirty="0" err="1" smtClean="0"/>
-              <a:t>Taborda</a:t>
-            </a:r>
-            <a:r>
-              <a:rPr lang="de-CH" dirty="0" smtClean="0"/>
-              <a:t> </a:t>
-            </a:r>
-            <a:r>
-              <a:rPr lang="de-CH" dirty="0"/>
-              <a:t/>
-            </a:r>
-            <a:br>
-              <a:rPr lang="de-CH" dirty="0"/>
-            </a:br>
-            <a:r>
-              <a:rPr lang="de-CH" dirty="0" smtClean="0"/>
-              <a:t>Michel Alt</a:t>
-            </a:r>
-            <a:r>
-              <a:rPr lang="de-CH" dirty="0"/>
-              <a:t/>
-            </a:r>
-            <a:br>
-              <a:rPr lang="de-CH" dirty="0"/>
-            </a:br>
-            <a:r>
-              <a:rPr lang="de-CH" dirty="0" smtClean="0"/>
-              <a:t>Frank </a:t>
-            </a:r>
-            <a:r>
-              <a:rPr lang="de-CH" dirty="0"/>
-              <a:t>Imhof</a:t>
-            </a:r>
-            <a:br>
-              <a:rPr lang="de-CH" dirty="0"/>
-            </a:br>
-            <a:r>
-              <a:rPr lang="de-CH" dirty="0" smtClean="0"/>
-              <a:t>Luca </a:t>
-            </a:r>
-            <a:r>
-              <a:rPr lang="de-CH" dirty="0" smtClean="0"/>
-              <a:t>Krummenacher</a:t>
-            </a:r>
-            <a:r>
-              <a:rPr lang="de-CH" dirty="0"/>
-              <a:t/>
-            </a:r>
-            <a:br>
-              <a:rPr lang="de-CH" dirty="0"/>
-            </a:br>
-            <a:r>
-              <a:rPr lang="de-CH" dirty="0" smtClean="0"/>
-              <a:t>Richard </a:t>
-            </a:r>
-            <a:r>
-              <a:rPr lang="de-CH" dirty="0"/>
-              <a:t>Britt</a:t>
-            </a:r>
-            <a:br>
-              <a:rPr lang="de-CH" dirty="0"/>
-            </a:br>
-            <a:r>
-              <a:rPr lang="de-CH" dirty="0" err="1" smtClean="0"/>
-              <a:t>Fady</a:t>
-            </a:r>
-            <a:r>
-              <a:rPr lang="de-CH" dirty="0" smtClean="0"/>
-              <a:t> </a:t>
-            </a:r>
-            <a:r>
-              <a:rPr lang="de-CH" dirty="0"/>
-              <a:t>Hanna</a:t>
-            </a:r>
-            <a:br>
-              <a:rPr lang="de-CH" dirty="0"/>
-            </a:br>
-            <a:endParaRPr lang="de-CH" dirty="0"/>
-          </a:p>
-        </p:txBody>
-      </p:sp>
+        </p:nvGraphicFramePr>
+        <p:xfrm>
+          <a:off x="467544" y="260648"/>
+          <a:ext cx="8219256" cy="6192688"/>
+        </p:xfrm>
+        <a:graphic>
+          <a:graphicData uri="http://schemas.openxmlformats.org/drawingml/2006/diagram">
+            <dgm:relIds xmlns:dgm="http://schemas.openxmlformats.org/drawingml/2006/diagram" xmlns:r="http://schemas.openxmlformats.org/officeDocument/2006/relationships" r:dm="rId2" r:lo="rId3" r:qs="rId4" r:cs="rId5"/>
+          </a:graphicData>
+        </a:graphic>
+      </p:graphicFrame>
     </p:spTree>
     <p:extLst>
       <p:ext uri="{BB962C8B-B14F-4D97-AF65-F5344CB8AC3E}">
-        <p14:creationId xmlns:p14="http://schemas.microsoft.com/office/powerpoint/2010/main" val="1462911554"/>
+        <p14:creationId xmlns:p14="http://schemas.microsoft.com/office/powerpoint/2010/main" val="3923569144"/>
       </p:ext>
     </p:extLst>
   </p:cSld>
@@ -4592,17 +9776,6 @@
               <a:rPr lang="de-CH" dirty="0"/>
             </a:br>
             <a:r>
-              <a:rPr lang="de-CH" dirty="0">
-                <a:solidFill>
-                  <a:schemeClr val="tx2">
-                    <a:lumMod val="60000"/>
-                    <a:lumOff val="40000"/>
-                  </a:schemeClr>
-                </a:solidFill>
-              </a:rPr>
-              <a:t>Die G</a:t>
-            </a:r>
-            <a:r>
               <a:rPr lang="de-CH" dirty="0" smtClean="0">
                 <a:solidFill>
                   <a:schemeClr val="tx2">
@@ -4611,7 +9784,7 @@
                   </a:schemeClr>
                 </a:solidFill>
               </a:rPr>
-              <a:t>liederung </a:t>
+              <a:t>- </a:t>
             </a:r>
             <a:r>
               <a:rPr lang="de-CH" dirty="0" smtClean="0">
@@ -4622,7 +9795,7 @@
                   </a:schemeClr>
                 </a:solidFill>
               </a:rPr>
-              <a:t/>
+              <a:t>Die Einleitung</a:t>
             </a:r>
             <a:br>
               <a:rPr lang="de-CH" dirty="0" smtClean="0">
@@ -4643,7 +9816,7 @@
                   </a:schemeClr>
                 </a:solidFill>
               </a:rPr>
-              <a:t>- Die Einleitung</a:t>
+              <a:t>- Die Projektziele</a:t>
             </a:r>
             <a:br>
               <a:rPr lang="de-CH" dirty="0" smtClean="0">
@@ -4664,7 +9837,7 @@
                   </a:schemeClr>
                 </a:solidFill>
               </a:rPr>
-              <a:t>- Die Projektziele</a:t>
+              <a:t>- Die Bedienoberfläche </a:t>
             </a:r>
             <a:br>
               <a:rPr lang="de-CH" dirty="0" smtClean="0">
@@ -4685,7 +9858,7 @@
                   </a:schemeClr>
                 </a:solidFill>
               </a:rPr>
-              <a:t>- Die Bedienoberfläche </a:t>
+              <a:t>- Das Software Programm</a:t>
             </a:r>
             <a:br>
               <a:rPr lang="de-CH" dirty="0" smtClean="0">
@@ -4708,28 +9881,6 @@
               </a:rPr>
               <a:t>- </a:t>
             </a:r>
-            <a:r>
-              <a:rPr lang="de-CH" dirty="0" smtClean="0">
-                <a:solidFill>
-                  <a:schemeClr val="tx2">
-                    <a:lumMod val="60000"/>
-                    <a:lumOff val="40000"/>
-                  </a:schemeClr>
-                </a:solidFill>
-              </a:rPr>
-              <a:t>Das </a:t>
-            </a:r>
-            <a:r>
-              <a:rPr lang="de-CH" dirty="0" smtClean="0">
-                <a:solidFill>
-                  <a:schemeClr val="tx2">
-                    <a:lumMod val="60000"/>
-                    <a:lumOff val="40000"/>
-                  </a:schemeClr>
-                </a:solidFill>
-              </a:rPr>
-              <a:t>Software Programm</a:t>
-            </a:r>
             <a:br>
               <a:rPr lang="de-CH" dirty="0" smtClean="0">
                 <a:solidFill>
@@ -4741,33 +9892,8 @@
               </a:rPr>
             </a:br>
             <a:r>
-              <a:rPr lang="de-CH" dirty="0" smtClean="0">
-                <a:solidFill>
-                  <a:schemeClr val="tx2">
-                    <a:lumMod val="60000"/>
-                    <a:lumOff val="40000"/>
-                  </a:schemeClr>
-                </a:solidFill>
-              </a:rPr>
-              <a:t>- </a:t>
-            </a:r>
-            <a:br>
-              <a:rPr lang="de-CH" dirty="0" smtClean="0">
-                <a:solidFill>
-                  <a:schemeClr val="tx2">
-                    <a:lumMod val="60000"/>
-                    <a:lumOff val="40000"/>
-                  </a:schemeClr>
-                </a:solidFill>
-              </a:rPr>
-            </a:br>
-            <a:r>
               <a:rPr lang="de-CH" dirty="0" smtClean="0"/>
               <a:t>  </a:t>
-            </a:r>
-            <a:r>
-              <a:rPr lang="de-CH" dirty="0" smtClean="0"/>
-              <a:t/>
             </a:r>
             <a:br>
               <a:rPr lang="de-CH" dirty="0" smtClean="0"/>
@@ -4852,15 +9978,7 @@
             </a:br>
             <a:r>
               <a:rPr lang="de-CH" dirty="0" smtClean="0"/>
-              <a:t>Die </a:t>
-            </a:r>
-            <a:r>
-              <a:rPr lang="de-CH" dirty="0" smtClean="0"/>
-              <a:t>Einleitung </a:t>
-            </a:r>
-            <a:r>
-              <a:rPr lang="de-CH" dirty="0" smtClean="0"/>
-              <a:t/>
+              <a:t>Die Einleitung </a:t>
             </a:r>
             <a:br>
               <a:rPr lang="de-CH" dirty="0" smtClean="0"/>
@@ -5497,9 +10615,12 @@
             <a:lstStyle/>
             <a:p>
               <a:r>
-                <a:rPr lang="de-CH" sz="2400" b="1" dirty="0"/>
+                <a:rPr lang="de-CH" sz="2400" b="1" dirty="0">
+                  <a:hlinkClick r:id="rId3" action="ppaction://hlinksldjump"/>
+                </a:rPr>
                 <a:t>Bedienoberfläche</a:t>
               </a:r>
+              <a:endParaRPr lang="de-CH" sz="2400" b="1" dirty="0"/>
             </a:p>
           </p:txBody>
         </p:sp>

--- a/ZwischenPresäntation.pptx
+++ b/ZwischenPresäntation.pptx
@@ -7,10 +7,10 @@
   <p:sldIdLst>
     <p:sldId id="256" r:id="rId2"/>
     <p:sldId id="273" r:id="rId3"/>
-    <p:sldId id="261" r:id="rId4"/>
-    <p:sldId id="259" r:id="rId5"/>
-    <p:sldId id="272" r:id="rId6"/>
-    <p:sldId id="257" r:id="rId7"/>
+    <p:sldId id="257" r:id="rId4"/>
+    <p:sldId id="261" r:id="rId5"/>
+    <p:sldId id="259" r:id="rId6"/>
+    <p:sldId id="272" r:id="rId7"/>
     <p:sldId id="271" r:id="rId8"/>
     <p:sldId id="262" r:id="rId9"/>
     <p:sldId id="265" r:id="rId10"/>
@@ -9733,588 +9733,6 @@
       </p:grpSpPr>
       <p:sp>
         <p:nvSpPr>
-          <p:cNvPr id="5" name="Titel 4"/>
-          <p:cNvSpPr>
-            <a:spLocks noGrp="1"/>
-          </p:cNvSpPr>
-          <p:nvPr>
-            <p:ph type="ctrTitle"/>
-          </p:nvPr>
-        </p:nvSpPr>
-        <p:spPr>
-          <a:xfrm>
-            <a:off x="683568" y="1340768"/>
-            <a:ext cx="7772400" cy="4392487"/>
-          </a:xfrm>
-        </p:spPr>
-        <p:txBody>
-          <a:bodyPr>
-            <a:normAutofit fontScale="90000"/>
-          </a:bodyPr>
-          <a:lstStyle/>
-          <a:p>
-            <a:pPr algn="l"/>
-            <a:r>
-              <a:rPr lang="de-CH" dirty="0" smtClean="0"/>
-              <a:t/>
-            </a:r>
-            <a:br>
-              <a:rPr lang="de-CH" dirty="0" smtClean="0"/>
-            </a:br>
-            <a:r>
-              <a:rPr lang="de-CH" dirty="0"/>
-              <a:t/>
-            </a:r>
-            <a:br>
-              <a:rPr lang="de-CH" dirty="0"/>
-            </a:br>
-            <a:r>
-              <a:rPr lang="de-CH" dirty="0"/>
-              <a:t/>
-            </a:r>
-            <a:br>
-              <a:rPr lang="de-CH" dirty="0"/>
-            </a:br>
-            <a:r>
-              <a:rPr lang="de-CH" dirty="0" smtClean="0">
-                <a:solidFill>
-                  <a:schemeClr val="tx2">
-                    <a:lumMod val="60000"/>
-                    <a:lumOff val="40000"/>
-                  </a:schemeClr>
-                </a:solidFill>
-              </a:rPr>
-              <a:t>- </a:t>
-            </a:r>
-            <a:r>
-              <a:rPr lang="de-CH" dirty="0" smtClean="0">
-                <a:solidFill>
-                  <a:schemeClr val="tx2">
-                    <a:lumMod val="60000"/>
-                    <a:lumOff val="40000"/>
-                  </a:schemeClr>
-                </a:solidFill>
-              </a:rPr>
-              <a:t>Die Einleitung</a:t>
-            </a:r>
-            <a:br>
-              <a:rPr lang="de-CH" dirty="0" smtClean="0">
-                <a:solidFill>
-                  <a:schemeClr val="tx2">
-                    <a:lumMod val="60000"/>
-                    <a:lumOff val="40000"/>
-                  </a:schemeClr>
-                </a:solidFill>
-              </a:rPr>
-            </a:br>
-            <a:r>
-              <a:rPr lang="de-CH" dirty="0" smtClean="0">
-                <a:solidFill>
-                  <a:schemeClr val="tx2">
-                    <a:lumMod val="60000"/>
-                    <a:lumOff val="40000"/>
-                  </a:schemeClr>
-                </a:solidFill>
-              </a:rPr>
-              <a:t>- Die Projektziele</a:t>
-            </a:r>
-            <a:br>
-              <a:rPr lang="de-CH" dirty="0" smtClean="0">
-                <a:solidFill>
-                  <a:schemeClr val="tx2">
-                    <a:lumMod val="60000"/>
-                    <a:lumOff val="40000"/>
-                  </a:schemeClr>
-                </a:solidFill>
-              </a:rPr>
-            </a:br>
-            <a:r>
-              <a:rPr lang="de-CH" dirty="0" smtClean="0">
-                <a:solidFill>
-                  <a:schemeClr val="tx2">
-                    <a:lumMod val="60000"/>
-                    <a:lumOff val="40000"/>
-                  </a:schemeClr>
-                </a:solidFill>
-              </a:rPr>
-              <a:t>- Die Bedienoberfläche </a:t>
-            </a:r>
-            <a:br>
-              <a:rPr lang="de-CH" dirty="0" smtClean="0">
-                <a:solidFill>
-                  <a:schemeClr val="tx2">
-                    <a:lumMod val="60000"/>
-                    <a:lumOff val="40000"/>
-                  </a:schemeClr>
-                </a:solidFill>
-              </a:rPr>
-            </a:br>
-            <a:r>
-              <a:rPr lang="de-CH" dirty="0" smtClean="0">
-                <a:solidFill>
-                  <a:schemeClr val="tx2">
-                    <a:lumMod val="60000"/>
-                    <a:lumOff val="40000"/>
-                  </a:schemeClr>
-                </a:solidFill>
-              </a:rPr>
-              <a:t>- Das Software Programm</a:t>
-            </a:r>
-            <a:br>
-              <a:rPr lang="de-CH" dirty="0" smtClean="0">
-                <a:solidFill>
-                  <a:schemeClr val="tx2">
-                    <a:lumMod val="60000"/>
-                    <a:lumOff val="40000"/>
-                  </a:schemeClr>
-                </a:solidFill>
-              </a:rPr>
-            </a:br>
-            <a:r>
-              <a:rPr lang="de-CH" dirty="0" smtClean="0">
-                <a:solidFill>
-                  <a:schemeClr val="tx2">
-                    <a:lumMod val="60000"/>
-                    <a:lumOff val="40000"/>
-                  </a:schemeClr>
-                </a:solidFill>
-              </a:rPr>
-              <a:t>- </a:t>
-            </a:r>
-            <a:br>
-              <a:rPr lang="de-CH" dirty="0" smtClean="0">
-                <a:solidFill>
-                  <a:schemeClr val="tx2">
-                    <a:lumMod val="60000"/>
-                    <a:lumOff val="40000"/>
-                  </a:schemeClr>
-                </a:solidFill>
-              </a:rPr>
-            </a:br>
-            <a:r>
-              <a:rPr lang="de-CH" dirty="0" smtClean="0"/>
-              <a:t>  </a:t>
-            </a:r>
-            <a:br>
-              <a:rPr lang="de-CH" dirty="0" smtClean="0"/>
-            </a:br>
-            <a:endParaRPr lang="de-CH" dirty="0"/>
-          </a:p>
-        </p:txBody>
-      </p:sp>
-    </p:spTree>
-    <p:extLst>
-      <p:ext uri="{BB962C8B-B14F-4D97-AF65-F5344CB8AC3E}">
-        <p14:creationId xmlns:p14="http://schemas.microsoft.com/office/powerpoint/2010/main" val="364089095"/>
-      </p:ext>
-    </p:extLst>
-  </p:cSld>
-  <p:clrMapOvr>
-    <a:masterClrMapping/>
-  </p:clrMapOvr>
-  <p:timing>
-    <p:tnLst>
-      <p:par>
-        <p:cTn id="1" dur="indefinite" restart="never" nodeType="tmRoot"/>
-      </p:par>
-    </p:tnLst>
-  </p:timing>
-</p:sld>
-</file>
-
-<file path=ppt/slides/slide4.xml><?xml version="1.0" encoding="utf-8"?>
-<p:sld xmlns:a="http://schemas.openxmlformats.org/drawingml/2006/main" xmlns:r="http://schemas.openxmlformats.org/officeDocument/2006/relationships" xmlns:p="http://schemas.openxmlformats.org/presentationml/2006/main">
-  <p:cSld>
-    <p:spTree>
-      <p:nvGrpSpPr>
-        <p:cNvPr id="1" name=""/>
-        <p:cNvGrpSpPr/>
-        <p:nvPr/>
-      </p:nvGrpSpPr>
-      <p:grpSpPr>
-        <a:xfrm>
-          <a:off x="0" y="0"/>
-          <a:ext cx="0" cy="0"/>
-          <a:chOff x="0" y="0"/>
-          <a:chExt cx="0" cy="0"/>
-        </a:xfrm>
-      </p:grpSpPr>
-      <p:sp>
-        <p:nvSpPr>
-          <p:cNvPr id="2" name="Titel 1"/>
-          <p:cNvSpPr>
-            <a:spLocks noGrp="1"/>
-          </p:cNvSpPr>
-          <p:nvPr>
-            <p:ph type="ctrTitle"/>
-          </p:nvPr>
-        </p:nvSpPr>
-        <p:spPr>
-          <a:xfrm>
-            <a:off x="774841" y="764705"/>
-            <a:ext cx="7772400" cy="1008112"/>
-          </a:xfrm>
-        </p:spPr>
-        <p:txBody>
-          <a:bodyPr>
-            <a:normAutofit fontScale="90000"/>
-          </a:bodyPr>
-          <a:lstStyle/>
-          <a:p>
-            <a:pPr algn="l"/>
-            <a:r>
-              <a:rPr lang="de-CH" dirty="0" smtClean="0"/>
-              <a:t/>
-            </a:r>
-            <a:br>
-              <a:rPr lang="de-CH" dirty="0" smtClean="0"/>
-            </a:br>
-            <a:r>
-              <a:rPr lang="de-CH" dirty="0" smtClean="0"/>
-              <a:t/>
-            </a:r>
-            <a:br>
-              <a:rPr lang="de-CH" dirty="0" smtClean="0"/>
-            </a:br>
-            <a:r>
-              <a:rPr lang="de-CH" dirty="0" smtClean="0"/>
-              <a:t>Die Einleitung </a:t>
-            </a:r>
-            <a:br>
-              <a:rPr lang="de-CH" dirty="0" smtClean="0"/>
-            </a:br>
-            <a:r>
-              <a:rPr lang="de-CH" dirty="0" smtClean="0"/>
-              <a:t/>
-            </a:r>
-            <a:br>
-              <a:rPr lang="de-CH" dirty="0" smtClean="0"/>
-            </a:br>
-            <a:endParaRPr lang="de-CH" dirty="0"/>
-          </a:p>
-        </p:txBody>
-      </p:sp>
-      <p:sp>
-        <p:nvSpPr>
-          <p:cNvPr id="3" name="Rechteck 2"/>
-          <p:cNvSpPr/>
-          <p:nvPr/>
-        </p:nvSpPr>
-        <p:spPr>
-          <a:xfrm>
-            <a:off x="539552" y="1772816"/>
-            <a:ext cx="8280920" cy="1477328"/>
-          </a:xfrm>
-          <a:prstGeom prst="rect">
-            <a:avLst/>
-          </a:prstGeom>
-          <a:ln>
-            <a:solidFill>
-              <a:schemeClr val="accent1"/>
-            </a:solidFill>
-          </a:ln>
-        </p:spPr>
-        <p:txBody>
-          <a:bodyPr wrap="square">
-            <a:spAutoFit/>
-          </a:bodyPr>
-          <a:lstStyle/>
-          <a:p>
-            <a:pPr lvl="1"/>
-            <a:r>
-              <a:rPr lang="de-CH" b="1" dirty="0" smtClean="0"/>
-              <a:t>Hauptereignisse </a:t>
-            </a:r>
-            <a:r>
-              <a:rPr lang="de-CH" b="1" dirty="0"/>
-              <a:t>der vergangenen </a:t>
-            </a:r>
-            <a:r>
-              <a:rPr lang="de-CH" b="1" dirty="0" smtClean="0"/>
-              <a:t>Periode</a:t>
-            </a:r>
-          </a:p>
-          <a:p>
-            <a:pPr lvl="1"/>
-            <a:endParaRPr lang="de-CH" b="1" dirty="0"/>
-          </a:p>
-          <a:p>
-            <a:pPr lvl="0"/>
-            <a:r>
-              <a:rPr lang="en-ZA" dirty="0" smtClean="0"/>
-              <a:t>- </a:t>
-            </a:r>
-            <a:r>
-              <a:rPr lang="de-CH" dirty="0" smtClean="0"/>
-              <a:t>Für </a:t>
-            </a:r>
-            <a:r>
-              <a:rPr lang="de-CH" dirty="0"/>
-              <a:t>die Pflichtenhefter wurde das Projekt geplant, die Arbeitsmethoden </a:t>
-            </a:r>
-            <a:r>
-              <a:rPr lang="de-CH" dirty="0" smtClean="0"/>
-              <a:t>und die       </a:t>
-            </a:r>
-          </a:p>
-          <a:p>
-            <a:pPr lvl="0"/>
-            <a:r>
-              <a:rPr lang="de-CH" dirty="0"/>
-              <a:t> </a:t>
-            </a:r>
-            <a:r>
-              <a:rPr lang="de-CH" dirty="0" smtClean="0"/>
-              <a:t>  </a:t>
-            </a:r>
-            <a:r>
-              <a:rPr lang="de-CH" dirty="0"/>
-              <a:t>Projektziele definiert. </a:t>
-            </a:r>
-            <a:endParaRPr lang="de-CH" dirty="0" smtClean="0"/>
-          </a:p>
-          <a:p>
-            <a:pPr lvl="0"/>
-            <a:endParaRPr lang="de-CH" dirty="0"/>
-          </a:p>
-        </p:txBody>
-      </p:sp>
-      <p:pic>
-        <p:nvPicPr>
-          <p:cNvPr id="1027" name="Picture 3"/>
-          <p:cNvPicPr>
-            <a:picLocks noChangeAspect="1" noChangeArrowheads="1"/>
-          </p:cNvPicPr>
-          <p:nvPr/>
-        </p:nvPicPr>
-        <p:blipFill>
-          <a:blip r:embed="rId2">
-            <a:extLst>
-              <a:ext uri="{28A0092B-C50C-407E-A947-70E740481C1C}">
-                <a14:useLocalDpi xmlns:a14="http://schemas.microsoft.com/office/drawing/2010/main" val="0"/>
-              </a:ext>
-            </a:extLst>
-          </a:blip>
-          <a:srcRect/>
-          <a:stretch>
-            <a:fillRect/>
-          </a:stretch>
-        </p:blipFill>
-        <p:spPr bwMode="auto">
-          <a:xfrm>
-            <a:off x="539552" y="3645024"/>
-            <a:ext cx="7958584" cy="2938463"/>
-          </a:xfrm>
-          <a:prstGeom prst="rect">
-            <a:avLst/>
-          </a:prstGeom>
-          <a:noFill/>
-          <a:ln>
-            <a:noFill/>
-          </a:ln>
-          <a:effectLst/>
-          <a:extLst>
-            <a:ext uri="{909E8E84-426E-40DD-AFC4-6F175D3DCCD1}">
-              <a14:hiddenFill xmlns:a14="http://schemas.microsoft.com/office/drawing/2010/main">
-                <a:solidFill>
-                  <a:schemeClr val="accent1"/>
-                </a:solidFill>
-              </a14:hiddenFill>
-            </a:ext>
-            <a:ext uri="{91240B29-F687-4F45-9708-019B960494DF}">
-              <a14:hiddenLine xmlns:a14="http://schemas.microsoft.com/office/drawing/2010/main" w="9525">
-                <a:solidFill>
-                  <a:schemeClr val="tx1"/>
-                </a:solidFill>
-                <a:miter lim="800000"/>
-                <a:headEnd/>
-                <a:tailEnd/>
-              </a14:hiddenLine>
-            </a:ext>
-            <a:ext uri="{AF507438-7753-43E0-B8FC-AC1667EBCBE1}">
-              <a14:hiddenEffects xmlns:a14="http://schemas.microsoft.com/office/drawing/2010/main">
-                <a:effectLst>
-                  <a:outerShdw dist="35921" dir="2700000" algn="ctr" rotWithShape="0">
-                    <a:schemeClr val="bg2"/>
-                  </a:outerShdw>
-                </a:effectLst>
-              </a14:hiddenEffects>
-            </a:ext>
-          </a:extLst>
-        </p:spPr>
-      </p:pic>
-    </p:spTree>
-    <p:extLst>
-      <p:ext uri="{BB962C8B-B14F-4D97-AF65-F5344CB8AC3E}">
-        <p14:creationId xmlns:p14="http://schemas.microsoft.com/office/powerpoint/2010/main" val="943333226"/>
-      </p:ext>
-    </p:extLst>
-  </p:cSld>
-  <p:clrMapOvr>
-    <a:masterClrMapping/>
-  </p:clrMapOvr>
-  <p:timing>
-    <p:tnLst>
-      <p:par>
-        <p:cTn id="1" dur="indefinite" restart="never" nodeType="tmRoot"/>
-      </p:par>
-    </p:tnLst>
-  </p:timing>
-</p:sld>
-</file>
-
-<file path=ppt/slides/slide5.xml><?xml version="1.0" encoding="utf-8"?>
-<p:sld xmlns:a="http://schemas.openxmlformats.org/drawingml/2006/main" xmlns:r="http://schemas.openxmlformats.org/officeDocument/2006/relationships" xmlns:p="http://schemas.openxmlformats.org/presentationml/2006/main">
-  <p:cSld>
-    <p:spTree>
-      <p:nvGrpSpPr>
-        <p:cNvPr id="1" name=""/>
-        <p:cNvGrpSpPr/>
-        <p:nvPr/>
-      </p:nvGrpSpPr>
-      <p:grpSpPr>
-        <a:xfrm>
-          <a:off x="0" y="0"/>
-          <a:ext cx="0" cy="0"/>
-          <a:chOff x="0" y="0"/>
-          <a:chExt cx="0" cy="0"/>
-        </a:xfrm>
-      </p:grpSpPr>
-      <p:sp>
-        <p:nvSpPr>
-          <p:cNvPr id="4" name="Untertitel 3"/>
-          <p:cNvSpPr>
-            <a:spLocks noGrp="1"/>
-          </p:cNvSpPr>
-          <p:nvPr>
-            <p:ph type="title"/>
-          </p:nvPr>
-        </p:nvSpPr>
-        <p:spPr>
-          <a:xfrm>
-            <a:off x="457200" y="2204864"/>
-            <a:ext cx="8229600" cy="1728192"/>
-          </a:xfrm>
-        </p:spPr>
-        <p:txBody>
-          <a:bodyPr>
-            <a:normAutofit/>
-          </a:bodyPr>
-          <a:lstStyle/>
-          <a:p>
-            <a:pPr lvl="1" algn="l"/>
-            <a:r>
-              <a:rPr lang="de-CH" sz="2800" b="1" dirty="0">
-                <a:solidFill>
-                  <a:schemeClr val="tx1"/>
-                </a:solidFill>
-              </a:rPr>
-              <a:t>AP Fortschritt</a:t>
-            </a:r>
-          </a:p>
-          <a:p>
-            <a:pPr algn="l"/>
-            <a:r>
-              <a:rPr lang="de-CH" sz="1800" dirty="0">
-                <a:solidFill>
-                  <a:schemeClr val="tx1"/>
-                </a:solidFill>
-              </a:rPr>
-              <a:t>Die Analyse und der Entwurf sind auf gutem Weg und können zeitnah abgeschlossen werden. Die Realisierung wurde ebenfalls angeschnitten, indem die Teammitglieder mit der Benutzeroberfläche der Software begonnen haben.</a:t>
-            </a:r>
-          </a:p>
-          <a:p>
-            <a:pPr algn="l"/>
-            <a:endParaRPr lang="de-CH" dirty="0"/>
-          </a:p>
-        </p:txBody>
-      </p:sp>
-      <p:sp>
-        <p:nvSpPr>
-          <p:cNvPr id="5" name="Rechteck 4"/>
-          <p:cNvSpPr/>
-          <p:nvPr/>
-        </p:nvSpPr>
-        <p:spPr>
-          <a:xfrm>
-            <a:off x="539552" y="4581128"/>
-            <a:ext cx="8064896" cy="928459"/>
-          </a:xfrm>
-          <a:prstGeom prst="rect">
-            <a:avLst/>
-          </a:prstGeom>
-        </p:spPr>
-        <p:txBody>
-          <a:bodyPr wrap="square">
-            <a:spAutoFit/>
-          </a:bodyPr>
-          <a:lstStyle/>
-          <a:p>
-            <a:pPr marL="742950" lvl="1" indent="-285750">
-              <a:lnSpc>
-                <a:spcPts val="1600"/>
-              </a:lnSpc>
-              <a:spcBef>
-                <a:spcPts val="1200"/>
-              </a:spcBef>
-              <a:spcAft>
-                <a:spcPts val="600"/>
-              </a:spcAft>
-              <a:buFont typeface="+mj-lt"/>
-              <a:buAutoNum type="arabicPeriod"/>
-            </a:pPr>
-            <a:r>
-              <a:rPr lang="de-CH" b="1" dirty="0">
-                <a:latin typeface="Arial"/>
-              </a:rPr>
-              <a:t>Geplante Aktivitäten für die nächste Periode</a:t>
-            </a:r>
-          </a:p>
-          <a:p>
-            <a:r>
-              <a:rPr lang="de-CH" dirty="0">
-                <a:latin typeface="Arial"/>
-                <a:ea typeface="Times New Roman"/>
-                <a:cs typeface="Times New Roman"/>
-              </a:rPr>
-              <a:t>Die Analyse und der Entwurf des Projekts werden abgeschlossen. Die ganze Gruppe kann sich auf die Realisierung konzentrieren.</a:t>
-            </a:r>
-            <a:endParaRPr lang="de-CH" dirty="0"/>
-          </a:p>
-        </p:txBody>
-      </p:sp>
-    </p:spTree>
-    <p:extLst>
-      <p:ext uri="{BB962C8B-B14F-4D97-AF65-F5344CB8AC3E}">
-        <p14:creationId xmlns:p14="http://schemas.microsoft.com/office/powerpoint/2010/main" val="3053441603"/>
-      </p:ext>
-    </p:extLst>
-  </p:cSld>
-  <p:clrMapOvr>
-    <a:masterClrMapping/>
-  </p:clrMapOvr>
-</p:sld>
-</file>
-
-<file path=ppt/slides/slide6.xml><?xml version="1.0" encoding="utf-8"?>
-<p:sld xmlns:a="http://schemas.openxmlformats.org/drawingml/2006/main" xmlns:r="http://schemas.openxmlformats.org/officeDocument/2006/relationships" xmlns:p="http://schemas.openxmlformats.org/presentationml/2006/main">
-  <p:cSld>
-    <p:spTree>
-      <p:nvGrpSpPr>
-        <p:cNvPr id="1" name=""/>
-        <p:cNvGrpSpPr/>
-        <p:nvPr/>
-      </p:nvGrpSpPr>
-      <p:grpSpPr>
-        <a:xfrm>
-          <a:off x="0" y="0"/>
-          <a:ext cx="0" cy="0"/>
-          <a:chOff x="0" y="0"/>
-          <a:chExt cx="0" cy="0"/>
-        </a:xfrm>
-      </p:grpSpPr>
-      <p:sp>
-        <p:nvSpPr>
           <p:cNvPr id="7" name="Pfeil in vier Richtungen 6"/>
           <p:cNvSpPr/>
           <p:nvPr/>
@@ -10732,6 +10150,515 @@
 </p:sld>
 </file>
 
+<file path=ppt/slides/slide4.xml><?xml version="1.0" encoding="utf-8"?>
+<p:sld xmlns:a="http://schemas.openxmlformats.org/drawingml/2006/main" xmlns:r="http://schemas.openxmlformats.org/officeDocument/2006/relationships" xmlns:p="http://schemas.openxmlformats.org/presentationml/2006/main">
+  <p:cSld>
+    <p:spTree>
+      <p:nvGrpSpPr>
+        <p:cNvPr id="1" name=""/>
+        <p:cNvGrpSpPr/>
+        <p:nvPr/>
+      </p:nvGrpSpPr>
+      <p:grpSpPr>
+        <a:xfrm>
+          <a:off x="0" y="0"/>
+          <a:ext cx="0" cy="0"/>
+          <a:chOff x="0" y="0"/>
+          <a:chExt cx="0" cy="0"/>
+        </a:xfrm>
+      </p:grpSpPr>
+      <p:sp>
+        <p:nvSpPr>
+          <p:cNvPr id="5" name="Titel 4"/>
+          <p:cNvSpPr>
+            <a:spLocks noGrp="1"/>
+          </p:cNvSpPr>
+          <p:nvPr>
+            <p:ph type="ctrTitle"/>
+          </p:nvPr>
+        </p:nvSpPr>
+        <p:spPr>
+          <a:xfrm>
+            <a:off x="683568" y="1340768"/>
+            <a:ext cx="7772400" cy="4392487"/>
+          </a:xfrm>
+        </p:spPr>
+        <p:txBody>
+          <a:bodyPr>
+            <a:normAutofit fontScale="90000"/>
+          </a:bodyPr>
+          <a:lstStyle/>
+          <a:p>
+            <a:pPr algn="l"/>
+            <a:r>
+              <a:rPr lang="de-CH" dirty="0" smtClean="0">
+                <a:solidFill>
+                  <a:schemeClr val="accent1">
+                    <a:lumMod val="75000"/>
+                  </a:schemeClr>
+                </a:solidFill>
+              </a:rPr>
+              <a:t>Was wir schon geschafft haben !!</a:t>
+            </a:r>
+            <a:br>
+              <a:rPr lang="de-CH" dirty="0" smtClean="0">
+                <a:solidFill>
+                  <a:schemeClr val="accent1">
+                    <a:lumMod val="75000"/>
+                  </a:schemeClr>
+                </a:solidFill>
+              </a:rPr>
+            </a:br>
+            <a:r>
+              <a:rPr lang="de-CH" dirty="0">
+                <a:solidFill>
+                  <a:schemeClr val="accent1">
+                    <a:lumMod val="75000"/>
+                  </a:schemeClr>
+                </a:solidFill>
+              </a:rPr>
+              <a:t>- </a:t>
+            </a:r>
+            <a:r>
+              <a:rPr lang="de-CH" smtClean="0">
+                <a:solidFill>
+                  <a:schemeClr val="accent1">
+                    <a:lumMod val="75000"/>
+                  </a:schemeClr>
+                </a:solidFill>
+              </a:rPr>
+              <a:t>Das Pflichtenheft </a:t>
+            </a:r>
+            <a:r>
+              <a:rPr lang="de-CH" dirty="0" smtClean="0"/>
+              <a:t/>
+            </a:r>
+            <a:br>
+              <a:rPr lang="de-CH" dirty="0" smtClean="0"/>
+            </a:br>
+            <a:r>
+              <a:rPr lang="de-CH" dirty="0"/>
+              <a:t/>
+            </a:r>
+            <a:br>
+              <a:rPr lang="de-CH" dirty="0"/>
+            </a:br>
+            <a:r>
+              <a:rPr lang="de-CH" dirty="0"/>
+              <a:t/>
+            </a:r>
+            <a:br>
+              <a:rPr lang="de-CH" dirty="0"/>
+            </a:br>
+            <a:r>
+              <a:rPr lang="de-CH" dirty="0" smtClean="0"/>
+              <a:t/>
+            </a:r>
+            <a:br>
+              <a:rPr lang="de-CH" dirty="0" smtClean="0"/>
+            </a:br>
+            <a:endParaRPr lang="de-CH" dirty="0"/>
+          </a:p>
+        </p:txBody>
+      </p:sp>
+    </p:spTree>
+    <p:extLst>
+      <p:ext uri="{BB962C8B-B14F-4D97-AF65-F5344CB8AC3E}">
+        <p14:creationId xmlns:p14="http://schemas.microsoft.com/office/powerpoint/2010/main" val="364089095"/>
+      </p:ext>
+    </p:extLst>
+  </p:cSld>
+  <p:clrMapOvr>
+    <a:masterClrMapping/>
+  </p:clrMapOvr>
+  <p:timing>
+    <p:tnLst>
+      <p:par>
+        <p:cTn id="1" dur="indefinite" restart="never" nodeType="tmRoot"/>
+      </p:par>
+    </p:tnLst>
+  </p:timing>
+</p:sld>
+</file>
+
+<file path=ppt/slides/slide5.xml><?xml version="1.0" encoding="utf-8"?>
+<p:sld xmlns:a="http://schemas.openxmlformats.org/drawingml/2006/main" xmlns:r="http://schemas.openxmlformats.org/officeDocument/2006/relationships" xmlns:p="http://schemas.openxmlformats.org/presentationml/2006/main">
+  <p:cSld>
+    <p:spTree>
+      <p:nvGrpSpPr>
+        <p:cNvPr id="1" name=""/>
+        <p:cNvGrpSpPr/>
+        <p:nvPr/>
+      </p:nvGrpSpPr>
+      <p:grpSpPr>
+        <a:xfrm>
+          <a:off x="0" y="0"/>
+          <a:ext cx="0" cy="0"/>
+          <a:chOff x="0" y="0"/>
+          <a:chExt cx="0" cy="0"/>
+        </a:xfrm>
+      </p:grpSpPr>
+      <p:sp>
+        <p:nvSpPr>
+          <p:cNvPr id="2" name="Titel 1"/>
+          <p:cNvSpPr>
+            <a:spLocks noGrp="1"/>
+          </p:cNvSpPr>
+          <p:nvPr>
+            <p:ph type="ctrTitle"/>
+          </p:nvPr>
+        </p:nvSpPr>
+        <p:spPr>
+          <a:xfrm>
+            <a:off x="774841" y="764705"/>
+            <a:ext cx="7772400" cy="1008112"/>
+          </a:xfrm>
+        </p:spPr>
+        <p:txBody>
+          <a:bodyPr>
+            <a:normAutofit fontScale="90000"/>
+          </a:bodyPr>
+          <a:lstStyle/>
+          <a:p>
+            <a:pPr algn="l"/>
+            <a:r>
+              <a:rPr lang="de-CH" dirty="0" smtClean="0"/>
+              <a:t/>
+            </a:r>
+            <a:br>
+              <a:rPr lang="de-CH" dirty="0" smtClean="0"/>
+            </a:br>
+            <a:r>
+              <a:rPr lang="de-CH" dirty="0" smtClean="0"/>
+              <a:t/>
+            </a:r>
+            <a:br>
+              <a:rPr lang="de-CH" dirty="0" smtClean="0"/>
+            </a:br>
+            <a:r>
+              <a:rPr lang="de-CH" dirty="0" smtClean="0"/>
+              <a:t>Die Einleitung </a:t>
+            </a:r>
+            <a:br>
+              <a:rPr lang="de-CH" dirty="0" smtClean="0"/>
+            </a:br>
+            <a:r>
+              <a:rPr lang="de-CH" dirty="0" smtClean="0"/>
+              <a:t/>
+            </a:r>
+            <a:br>
+              <a:rPr lang="de-CH" dirty="0" smtClean="0"/>
+            </a:br>
+            <a:endParaRPr lang="de-CH" dirty="0"/>
+          </a:p>
+        </p:txBody>
+      </p:sp>
+      <p:sp>
+        <p:nvSpPr>
+          <p:cNvPr id="3" name="Rechteck 2"/>
+          <p:cNvSpPr/>
+          <p:nvPr/>
+        </p:nvSpPr>
+        <p:spPr>
+          <a:xfrm>
+            <a:off x="539552" y="1772816"/>
+            <a:ext cx="8280920" cy="1477328"/>
+          </a:xfrm>
+          <a:prstGeom prst="rect">
+            <a:avLst/>
+          </a:prstGeom>
+          <a:ln>
+            <a:solidFill>
+              <a:schemeClr val="accent1"/>
+            </a:solidFill>
+          </a:ln>
+        </p:spPr>
+        <p:txBody>
+          <a:bodyPr wrap="square">
+            <a:spAutoFit/>
+          </a:bodyPr>
+          <a:lstStyle/>
+          <a:p>
+            <a:pPr lvl="1"/>
+            <a:r>
+              <a:rPr lang="de-CH" b="1" dirty="0" smtClean="0"/>
+              <a:t>Hauptereignisse </a:t>
+            </a:r>
+            <a:r>
+              <a:rPr lang="de-CH" b="1" dirty="0"/>
+              <a:t>der vergangenen </a:t>
+            </a:r>
+            <a:r>
+              <a:rPr lang="de-CH" b="1" dirty="0" smtClean="0"/>
+              <a:t>Periode</a:t>
+            </a:r>
+          </a:p>
+          <a:p>
+            <a:pPr lvl="1"/>
+            <a:endParaRPr lang="de-CH" b="1" dirty="0"/>
+          </a:p>
+          <a:p>
+            <a:pPr lvl="0"/>
+            <a:r>
+              <a:rPr lang="en-ZA" dirty="0" smtClean="0"/>
+              <a:t>- </a:t>
+            </a:r>
+            <a:r>
+              <a:rPr lang="de-CH" dirty="0" smtClean="0"/>
+              <a:t>Für </a:t>
+            </a:r>
+            <a:r>
+              <a:rPr lang="de-CH" dirty="0"/>
+              <a:t>die Pflichtenhefter wurde das Projekt geplant, die Arbeitsmethoden </a:t>
+            </a:r>
+            <a:r>
+              <a:rPr lang="de-CH" dirty="0" smtClean="0"/>
+              <a:t>und die       </a:t>
+            </a:r>
+          </a:p>
+          <a:p>
+            <a:pPr lvl="0"/>
+            <a:r>
+              <a:rPr lang="de-CH" dirty="0"/>
+              <a:t> </a:t>
+            </a:r>
+            <a:r>
+              <a:rPr lang="de-CH" dirty="0" smtClean="0"/>
+              <a:t>  </a:t>
+            </a:r>
+            <a:r>
+              <a:rPr lang="de-CH" dirty="0"/>
+              <a:t>Projektziele definiert. </a:t>
+            </a:r>
+            <a:endParaRPr lang="de-CH" dirty="0" smtClean="0"/>
+          </a:p>
+          <a:p>
+            <a:pPr lvl="0"/>
+            <a:endParaRPr lang="de-CH" dirty="0"/>
+          </a:p>
+        </p:txBody>
+      </p:sp>
+    </p:spTree>
+    <p:extLst>
+      <p:ext uri="{BB962C8B-B14F-4D97-AF65-F5344CB8AC3E}">
+        <p14:creationId xmlns:p14="http://schemas.microsoft.com/office/powerpoint/2010/main" val="943333226"/>
+      </p:ext>
+    </p:extLst>
+  </p:cSld>
+  <p:clrMapOvr>
+    <a:masterClrMapping/>
+  </p:clrMapOvr>
+  <p:timing>
+    <p:tnLst>
+      <p:par>
+        <p:cTn id="1" dur="indefinite" restart="never" nodeType="tmRoot"/>
+      </p:par>
+    </p:tnLst>
+  </p:timing>
+</p:sld>
+</file>
+
+<file path=ppt/slides/slide6.xml><?xml version="1.0" encoding="utf-8"?>
+<p:sld xmlns:a="http://schemas.openxmlformats.org/drawingml/2006/main" xmlns:r="http://schemas.openxmlformats.org/officeDocument/2006/relationships" xmlns:p="http://schemas.openxmlformats.org/presentationml/2006/main">
+  <p:cSld>
+    <p:spTree>
+      <p:nvGrpSpPr>
+        <p:cNvPr id="1" name=""/>
+        <p:cNvGrpSpPr/>
+        <p:nvPr/>
+      </p:nvGrpSpPr>
+      <p:grpSpPr>
+        <a:xfrm>
+          <a:off x="0" y="0"/>
+          <a:ext cx="0" cy="0"/>
+          <a:chOff x="0" y="0"/>
+          <a:chExt cx="0" cy="0"/>
+        </a:xfrm>
+      </p:grpSpPr>
+      <p:sp>
+        <p:nvSpPr>
+          <p:cNvPr id="4" name="Untertitel 3"/>
+          <p:cNvSpPr>
+            <a:spLocks noGrp="1"/>
+          </p:cNvSpPr>
+          <p:nvPr>
+            <p:ph type="title"/>
+          </p:nvPr>
+        </p:nvSpPr>
+        <p:spPr>
+          <a:xfrm>
+            <a:off x="457200" y="2204864"/>
+            <a:ext cx="8229600" cy="1728192"/>
+          </a:xfrm>
+        </p:spPr>
+        <p:txBody>
+          <a:bodyPr>
+            <a:normAutofit fontScale="90000"/>
+          </a:bodyPr>
+          <a:lstStyle/>
+          <a:p>
+            <a:pPr lvl="1" algn="l"/>
+            <a:r>
+              <a:rPr lang="de-CH" sz="2800" b="1" dirty="0">
+                <a:solidFill>
+                  <a:schemeClr val="tx1"/>
+                </a:solidFill>
+              </a:rPr>
+              <a:t>AP Fortschritt</a:t>
+            </a:r>
+          </a:p>
+          <a:p>
+            <a:pPr algn="l"/>
+            <a:r>
+              <a:rPr lang="de-CH" sz="1800" dirty="0">
+                <a:solidFill>
+                  <a:schemeClr val="tx1"/>
+                </a:solidFill>
+              </a:rPr>
+              <a:t>Die Analyse und der Entwurf sind auf gutem Weg und können zeitnah abgeschlossen werden. </a:t>
+            </a:r>
+            <a:r>
+              <a:rPr lang="de-CH" sz="1800" dirty="0" smtClean="0">
+                <a:solidFill>
+                  <a:schemeClr val="tx1"/>
+                </a:solidFill>
+              </a:rPr>
+              <a:t/>
+            </a:r>
+            <a:br>
+              <a:rPr lang="de-CH" sz="1800" dirty="0" smtClean="0">
+                <a:solidFill>
+                  <a:schemeClr val="tx1"/>
+                </a:solidFill>
+              </a:rPr>
+            </a:br>
+            <a:r>
+              <a:rPr lang="de-CH" sz="1800" dirty="0"/>
+              <a:t/>
+            </a:r>
+            <a:br>
+              <a:rPr lang="de-CH" sz="1800" dirty="0"/>
+            </a:br>
+            <a:r>
+              <a:rPr lang="de-CH" sz="1800" dirty="0" smtClean="0">
+                <a:solidFill>
+                  <a:schemeClr val="tx1"/>
+                </a:solidFill>
+              </a:rPr>
+              <a:t>Die </a:t>
+            </a:r>
+            <a:r>
+              <a:rPr lang="de-CH" sz="1800" dirty="0">
+                <a:solidFill>
+                  <a:schemeClr val="tx1"/>
+                </a:solidFill>
+              </a:rPr>
+              <a:t>Realisierung wurde ebenfalls angeschnitten, indem die Teammitglieder mit der Benutzeroberfläche der Software begonnen haben.</a:t>
+            </a:r>
+          </a:p>
+          <a:p>
+            <a:pPr algn="l"/>
+            <a:endParaRPr lang="de-CH" dirty="0"/>
+          </a:p>
+        </p:txBody>
+      </p:sp>
+      <p:sp>
+        <p:nvSpPr>
+          <p:cNvPr id="5" name="Rechteck 4"/>
+          <p:cNvSpPr/>
+          <p:nvPr/>
+        </p:nvSpPr>
+        <p:spPr>
+          <a:xfrm>
+            <a:off x="539552" y="4581128"/>
+            <a:ext cx="8064896" cy="1205458"/>
+          </a:xfrm>
+          <a:prstGeom prst="rect">
+            <a:avLst/>
+          </a:prstGeom>
+        </p:spPr>
+        <p:txBody>
+          <a:bodyPr wrap="square">
+            <a:spAutoFit/>
+          </a:bodyPr>
+          <a:lstStyle/>
+          <a:p>
+            <a:pPr marL="742950" lvl="1" indent="-285750">
+              <a:lnSpc>
+                <a:spcPts val="1600"/>
+              </a:lnSpc>
+              <a:spcBef>
+                <a:spcPts val="1200"/>
+              </a:spcBef>
+              <a:spcAft>
+                <a:spcPts val="600"/>
+              </a:spcAft>
+              <a:buFont typeface="+mj-lt"/>
+              <a:buAutoNum type="arabicPeriod"/>
+            </a:pPr>
+            <a:r>
+              <a:rPr lang="de-CH" b="1" dirty="0">
+                <a:latin typeface="Arial"/>
+              </a:rPr>
+              <a:t>Geplante Aktivitäten für die nächste Periode</a:t>
+            </a:r>
+          </a:p>
+          <a:p>
+            <a:r>
+              <a:rPr lang="de-CH" dirty="0">
+                <a:latin typeface="Arial"/>
+                <a:ea typeface="Times New Roman"/>
+                <a:cs typeface="Times New Roman"/>
+              </a:rPr>
+              <a:t>Die Analyse und der Entwurf des Projekts werden abgeschlossen. </a:t>
+            </a:r>
+            <a:endParaRPr lang="de-CH" dirty="0" smtClean="0">
+              <a:latin typeface="Arial"/>
+              <a:ea typeface="Times New Roman"/>
+              <a:cs typeface="Times New Roman"/>
+            </a:endParaRPr>
+          </a:p>
+          <a:p>
+            <a:endParaRPr lang="de-CH" dirty="0">
+              <a:latin typeface="Arial"/>
+              <a:ea typeface="Times New Roman"/>
+              <a:cs typeface="Times New Roman"/>
+            </a:endParaRPr>
+          </a:p>
+          <a:p>
+            <a:r>
+              <a:rPr lang="de-CH" dirty="0" smtClean="0">
+                <a:latin typeface="Arial"/>
+                <a:ea typeface="Times New Roman"/>
+                <a:cs typeface="Times New Roman"/>
+              </a:rPr>
+              <a:t>Die </a:t>
+            </a:r>
+            <a:r>
+              <a:rPr lang="de-CH" dirty="0">
+                <a:latin typeface="Arial"/>
+                <a:ea typeface="Times New Roman"/>
+                <a:cs typeface="Times New Roman"/>
+              </a:rPr>
+              <a:t>ganze Gruppe kann sich auf die Realisierung konzentrieren.</a:t>
+            </a:r>
+            <a:endParaRPr lang="de-CH" dirty="0"/>
+          </a:p>
+        </p:txBody>
+      </p:sp>
+    </p:spTree>
+    <p:extLst>
+      <p:ext uri="{BB962C8B-B14F-4D97-AF65-F5344CB8AC3E}">
+        <p14:creationId xmlns:p14="http://schemas.microsoft.com/office/powerpoint/2010/main" val="3053441603"/>
+      </p:ext>
+    </p:extLst>
+  </p:cSld>
+  <p:clrMapOvr>
+    <a:masterClrMapping/>
+  </p:clrMapOvr>
+</p:sld>
+</file>
+
 <file path=ppt/slides/slide7.xml><?xml version="1.0" encoding="utf-8"?>
 <p:sld xmlns:a="http://schemas.openxmlformats.org/drawingml/2006/main" xmlns:r="http://schemas.openxmlformats.org/officeDocument/2006/relationships" xmlns:p="http://schemas.openxmlformats.org/presentationml/2006/main">
   <p:cSld>

--- a/ZwischenPresäntation.pptx
+++ b/ZwischenPresäntation.pptx
@@ -8,18 +8,17 @@
     <p:sldId id="256" r:id="rId2"/>
     <p:sldId id="273" r:id="rId3"/>
     <p:sldId id="257" r:id="rId4"/>
-    <p:sldId id="261" r:id="rId5"/>
-    <p:sldId id="259" r:id="rId6"/>
-    <p:sldId id="272" r:id="rId7"/>
-    <p:sldId id="271" r:id="rId8"/>
-    <p:sldId id="262" r:id="rId9"/>
-    <p:sldId id="265" r:id="rId10"/>
-    <p:sldId id="269" r:id="rId11"/>
-    <p:sldId id="270" r:id="rId12"/>
-    <p:sldId id="264" r:id="rId13"/>
-    <p:sldId id="266" r:id="rId14"/>
-    <p:sldId id="267" r:id="rId15"/>
-    <p:sldId id="268" r:id="rId16"/>
+    <p:sldId id="275" r:id="rId5"/>
+    <p:sldId id="274" r:id="rId6"/>
+    <p:sldId id="271" r:id="rId7"/>
+    <p:sldId id="262" r:id="rId8"/>
+    <p:sldId id="265" r:id="rId9"/>
+    <p:sldId id="269" r:id="rId10"/>
+    <p:sldId id="270" r:id="rId11"/>
+    <p:sldId id="264" r:id="rId12"/>
+    <p:sldId id="266" r:id="rId13"/>
+    <p:sldId id="267" r:id="rId14"/>
+    <p:sldId id="268" r:id="rId15"/>
   </p:sldIdLst>
   <p:sldSz cx="9144000" cy="6858000" type="screen4x3"/>
   <p:notesSz cx="6858000" cy="9144000"/>
@@ -8527,8 +8526,8 @@
         </p:nvSpPr>
         <p:spPr>
           <a:xfrm>
-            <a:off x="3275856" y="2723278"/>
-            <a:ext cx="2880320" cy="369332"/>
+            <a:off x="2627783" y="2723277"/>
+            <a:ext cx="4085719" cy="369332"/>
           </a:xfrm>
           <a:prstGeom prst="rect">
             <a:avLst/>
@@ -8542,12 +8541,20 @@
           <a:lstStyle/>
           <a:p>
             <a:r>
+              <a:rPr lang="en-ZA" dirty="0" err="1" smtClean="0">
+                <a:solidFill>
+                  <a:schemeClr val="accent2"/>
+                </a:solidFill>
+              </a:rPr>
+              <a:t>Ein</a:t>
+            </a:r>
+            <a:r>
               <a:rPr lang="en-ZA" dirty="0" smtClean="0">
                 <a:solidFill>
                   <a:schemeClr val="accent2"/>
                 </a:solidFill>
               </a:rPr>
-              <a:t>Unser </a:t>
+              <a:t> </a:t>
             </a:r>
             <a:r>
               <a:rPr lang="en-ZA" dirty="0" err="1" smtClean="0">
@@ -8555,7 +8562,7 @@
                   <a:schemeClr val="accent2"/>
                 </a:solidFill>
               </a:rPr>
-              <a:t>Titelbild</a:t>
+              <a:t>besseres</a:t>
             </a:r>
             <a:r>
               <a:rPr lang="en-ZA" dirty="0" smtClean="0">
@@ -8563,7 +8570,15 @@
                   <a:schemeClr val="accent2"/>
                 </a:solidFill>
               </a:rPr>
-              <a:t> * von Frank * </a:t>
+              <a:t> Titelbild </a:t>
+            </a:r>
+            <a:r>
+              <a:rPr lang="en-ZA" dirty="0" smtClean="0">
+                <a:solidFill>
+                  <a:schemeClr val="accent2"/>
+                </a:solidFill>
+              </a:rPr>
+              <a:t>* von Frank * </a:t>
             </a:r>
             <a:endParaRPr lang="de-CH" dirty="0">
               <a:solidFill>
@@ -8573,6 +8588,34 @@
           </a:p>
         </p:txBody>
       </p:sp>
+      <p:pic>
+        <p:nvPicPr>
+          <p:cNvPr id="4" name="Picture 15"/>
+          <p:cNvPicPr/>
+          <p:nvPr/>
+        </p:nvPicPr>
+        <p:blipFill>
+          <a:blip r:embed="rId2" cstate="print">
+            <a:extLst>
+              <a:ext uri="{28A0092B-C50C-407E-A947-70E740481C1C}">
+                <a14:useLocalDpi xmlns:a14="http://schemas.microsoft.com/office/drawing/2010/main" val="0"/>
+              </a:ext>
+            </a:extLst>
+          </a:blip>
+          <a:stretch>
+            <a:fillRect/>
+          </a:stretch>
+        </p:blipFill>
+        <p:spPr>
+          <a:xfrm>
+            <a:off x="2483768" y="3212976"/>
+            <a:ext cx="4229735" cy="2314575"/>
+          </a:xfrm>
+          <a:prstGeom prst="rect">
+            <a:avLst/>
+          </a:prstGeom>
+        </p:spPr>
+      </p:pic>
     </p:spTree>
     <p:extLst>
       <p:ext uri="{BB962C8B-B14F-4D97-AF65-F5344CB8AC3E}">
@@ -8594,226 +8637,6 @@
 </file>
 
 <file path=ppt/slides/slide10.xml><?xml version="1.0" encoding="utf-8"?>
-<p:sld xmlns:a="http://schemas.openxmlformats.org/drawingml/2006/main" xmlns:r="http://schemas.openxmlformats.org/officeDocument/2006/relationships" xmlns:p="http://schemas.openxmlformats.org/presentationml/2006/main">
-  <p:cSld>
-    <p:spTree>
-      <p:nvGrpSpPr>
-        <p:cNvPr id="1" name=""/>
-        <p:cNvGrpSpPr/>
-        <p:nvPr/>
-      </p:nvGrpSpPr>
-      <p:grpSpPr>
-        <a:xfrm>
-          <a:off x="0" y="0"/>
-          <a:ext cx="0" cy="0"/>
-          <a:chOff x="0" y="0"/>
-          <a:chExt cx="0" cy="0"/>
-        </a:xfrm>
-      </p:grpSpPr>
-      <p:sp>
-        <p:nvSpPr>
-          <p:cNvPr id="3" name="Inhaltsplatzhalter 2"/>
-          <p:cNvSpPr>
-            <a:spLocks noGrp="1"/>
-          </p:cNvSpPr>
-          <p:nvPr>
-            <p:ph idx="1"/>
-          </p:nvPr>
-        </p:nvSpPr>
-        <p:spPr/>
-        <p:txBody>
-          <a:bodyPr>
-            <a:normAutofit fontScale="55000" lnSpcReduction="20000"/>
-          </a:bodyPr>
-          <a:lstStyle/>
-          <a:p>
-            <a:r>
-              <a:rPr lang="de-DE" dirty="0"/>
-              <a:t>Anzeigefenster für jeweils DM und CM , </a:t>
-            </a:r>
-            <a:r>
-              <a:rPr lang="de-CH" dirty="0"/>
-              <a:t>sowie Haupt- und </a:t>
-            </a:r>
-            <a:r>
-              <a:rPr lang="de-CH" dirty="0" err="1"/>
-              <a:t>Parasitärparametern</a:t>
-            </a:r>
-            <a:endParaRPr lang="de-CH" dirty="0"/>
-          </a:p>
-          <a:p>
-            <a:r>
-              <a:rPr lang="de-CH" dirty="0"/>
-              <a:t>Selbsterklärende und benutzerfreundlichere Bedienoberfläche</a:t>
-            </a:r>
-          </a:p>
-          <a:p>
-            <a:r>
-              <a:rPr lang="de-CH" dirty="0"/>
-              <a:t>Sichtbare Beschriftung </a:t>
-            </a:r>
-          </a:p>
-          <a:p>
-            <a:r>
-              <a:rPr lang="de-CH" dirty="0" err="1"/>
-              <a:t>Eiinfach</a:t>
-            </a:r>
-            <a:r>
-              <a:rPr lang="de-CH" dirty="0"/>
-              <a:t> werden die Daten gespeichert,geladen und ausgedruckt . </a:t>
-            </a:r>
-          </a:p>
-          <a:p>
-            <a:r>
-              <a:rPr lang="de-CH" dirty="0"/>
-              <a:t>Die Einfügungsverluste werden jeweils separat für CM und DM </a:t>
-            </a:r>
-          </a:p>
-          <a:p>
-            <a:r>
-              <a:rPr lang="de-CH" dirty="0"/>
-              <a:t>in einem Diagramm in Abhängigkeit der Frequenz dargestellt.</a:t>
-            </a:r>
-          </a:p>
-          <a:p>
-            <a:r>
-              <a:rPr lang="de-CH" dirty="0"/>
-              <a:t>Die Einzelansicht der Schaltungen begünstigen eine genaue Analyse der Kurve.</a:t>
-            </a:r>
-          </a:p>
-          <a:p>
-            <a:endParaRPr lang="de-CH" dirty="0"/>
-          </a:p>
-        </p:txBody>
-      </p:sp>
-      <p:sp>
-        <p:nvSpPr>
-          <p:cNvPr id="4" name="Titel 3"/>
-          <p:cNvSpPr>
-            <a:spLocks noGrp="1"/>
-          </p:cNvSpPr>
-          <p:nvPr>
-            <p:ph type="title"/>
-          </p:nvPr>
-        </p:nvSpPr>
-        <p:spPr>
-          <a:xfrm>
-            <a:off x="4444401" y="492195"/>
-            <a:ext cx="255198" cy="707886"/>
-          </a:xfrm>
-          <a:prstGeom prst="rect">
-            <a:avLst/>
-          </a:prstGeom>
-        </p:spPr>
-        <p:txBody>
-          <a:bodyPr wrap="none">
-            <a:spAutoFit/>
-          </a:bodyPr>
-          <a:lstStyle/>
-          <a:p>
-            <a:endParaRPr lang="de-CH" sz="2000" dirty="0" smtClean="0"/>
-          </a:p>
-          <a:p>
-            <a:r>
-              <a:rPr lang="de-CH" sz="2000" dirty="0" smtClean="0"/>
-              <a:t> </a:t>
-            </a:r>
-            <a:endParaRPr lang="de-CH" sz="2000" dirty="0"/>
-          </a:p>
-        </p:txBody>
-      </p:sp>
-    </p:spTree>
-    <p:extLst>
-      <p:ext uri="{BB962C8B-B14F-4D97-AF65-F5344CB8AC3E}">
-        <p14:creationId xmlns:p14="http://schemas.microsoft.com/office/powerpoint/2010/main" val="3446876240"/>
-      </p:ext>
-    </p:extLst>
-  </p:cSld>
-  <p:clrMapOvr>
-    <a:masterClrMapping/>
-  </p:clrMapOvr>
-  <p:timing>
-    <p:tnLst>
-      <p:par>
-        <p:cTn id="1" dur="indefinite" restart="never" nodeType="tmRoot">
-          <p:childTnLst>
-            <p:seq concurrent="1" nextAc="seek">
-              <p:cTn id="2" dur="indefinite" nodeType="mainSeq">
-                <p:childTnLst>
-                  <p:par>
-                    <p:cTn id="3" fill="hold">
-                      <p:stCondLst>
-                        <p:cond delay="indefinite"/>
-                      </p:stCondLst>
-                      <p:childTnLst>
-                        <p:par>
-                          <p:cTn id="4" fill="hold">
-                            <p:stCondLst>
-                              <p:cond delay="0"/>
-                            </p:stCondLst>
-                            <p:childTnLst>
-                              <p:par>
-                                <p:cTn id="5" presetID="1" presetClass="entr" presetSubtype="0" fill="hold" grpId="0" nodeType="clickEffect">
-                                  <p:stCondLst>
-                                    <p:cond delay="0"/>
-                                  </p:stCondLst>
-                                  <p:childTnLst>
-                                    <p:set>
-                                      <p:cBhvr>
-                                        <p:cTn id="6" dur="1" fill="hold">
-                                          <p:stCondLst>
-                                            <p:cond delay="0"/>
-                                          </p:stCondLst>
-                                        </p:cTn>
-                                        <p:tgtEl>
-                                          <p:spTgt spid="4"/>
-                                        </p:tgtEl>
-                                        <p:attrNameLst>
-                                          <p:attrName>style.visibility</p:attrName>
-                                        </p:attrNameLst>
-                                      </p:cBhvr>
-                                      <p:to>
-                                        <p:strVal val="visible"/>
-                                      </p:to>
-                                    </p:set>
-                                  </p:childTnLst>
-                                </p:cTn>
-                              </p:par>
-                            </p:childTnLst>
-                          </p:cTn>
-                        </p:par>
-                      </p:childTnLst>
-                    </p:cTn>
-                  </p:par>
-                </p:childTnLst>
-              </p:cTn>
-              <p:prevCondLst>
-                <p:cond evt="onPrev" delay="0">
-                  <p:tgtEl>
-                    <p:sldTgt/>
-                  </p:tgtEl>
-                </p:cond>
-              </p:prevCondLst>
-              <p:nextCondLst>
-                <p:cond evt="onNext" delay="0">
-                  <p:tgtEl>
-                    <p:sldTgt/>
-                  </p:tgtEl>
-                </p:cond>
-              </p:nextCondLst>
-            </p:seq>
-          </p:childTnLst>
-        </p:cTn>
-      </p:par>
-    </p:tnLst>
-    <p:bldLst>
-      <p:bldP spid="4" grpId="0"/>
-    </p:bldLst>
-  </p:timing>
-</p:sld>
-</file>
-
-<file path=ppt/slides/slide11.xml><?xml version="1.0" encoding="utf-8"?>
 <p:sld xmlns:a="http://schemas.openxmlformats.org/drawingml/2006/main" xmlns:r="http://schemas.openxmlformats.org/officeDocument/2006/relationships" xmlns:p="http://schemas.openxmlformats.org/presentationml/2006/main">
   <p:cSld>
     <p:spTree>
@@ -9045,7 +8868,7 @@
 </p:sld>
 </file>
 
-<file path=ppt/slides/slide12.xml><?xml version="1.0" encoding="utf-8"?>
+<file path=ppt/slides/slide11.xml><?xml version="1.0" encoding="utf-8"?>
 <p:sld xmlns:a="http://schemas.openxmlformats.org/drawingml/2006/main" xmlns:r="http://schemas.openxmlformats.org/officeDocument/2006/relationships" xmlns:p="http://schemas.openxmlformats.org/presentationml/2006/main">
   <p:cSld>
     <p:spTree>
@@ -9102,31 +8925,67 @@
           <a:lstStyle/>
           <a:p>
             <a:r>
-              <a:rPr lang="de-DE" sz="2000" dirty="0" smtClean="0"/>
+              <a:rPr lang="de-DE" sz="2500" dirty="0">
+                <a:solidFill>
+                  <a:schemeClr val="accent1">
+                    <a:lumMod val="75000"/>
+                  </a:schemeClr>
+                </a:solidFill>
+              </a:rPr>
               <a:t>Die Berechnungen </a:t>
             </a:r>
             <a:r>
-              <a:rPr lang="de-DE" sz="2000" dirty="0"/>
+              <a:rPr lang="de-DE" sz="2500" dirty="0">
+                <a:solidFill>
+                  <a:schemeClr val="accent1">
+                    <a:lumMod val="75000"/>
+                  </a:schemeClr>
+                </a:solidFill>
+              </a:rPr>
               <a:t>der Einfügungsverluste sind korrekt</a:t>
             </a:r>
           </a:p>
           <a:p>
             <a:r>
-              <a:rPr lang="de-DE" sz="2000" dirty="0"/>
+              <a:rPr lang="de-DE" sz="2500" dirty="0">
+                <a:solidFill>
+                  <a:schemeClr val="accent1">
+                    <a:lumMod val="75000"/>
+                  </a:schemeClr>
+                </a:solidFill>
+              </a:rPr>
               <a:t>Die </a:t>
             </a:r>
             <a:r>
-              <a:rPr lang="de-DE" sz="2000" dirty="0" smtClean="0"/>
+              <a:rPr lang="de-DE" sz="2500" dirty="0">
+                <a:solidFill>
+                  <a:schemeClr val="accent1">
+                    <a:lumMod val="75000"/>
+                  </a:schemeClr>
+                </a:solidFill>
+              </a:rPr>
               <a:t>Berechnungen </a:t>
             </a:r>
             <a:r>
-              <a:rPr lang="de-DE" sz="2000" dirty="0"/>
+              <a:rPr lang="de-DE" sz="2500" dirty="0">
+                <a:solidFill>
+                  <a:schemeClr val="accent1">
+                    <a:lumMod val="75000"/>
+                  </a:schemeClr>
+                </a:solidFill>
+              </a:rPr>
               <a:t>sind schnell (weniger als 1s Wartezeit)</a:t>
             </a:r>
           </a:p>
           <a:p>
             <a:r>
-              <a:rPr lang="de-DE" sz="2000" dirty="0"/>
+              <a:rPr lang="de-DE" sz="2500" dirty="0">
+                <a:solidFill>
+                  <a:schemeClr val="accent1">
+                    <a:lumMod val="75000"/>
+                  </a:schemeClr>
+                </a:solidFill>
+              </a:rPr>
               <a:t>Die Schaltung wird mit den relevanten Bauteilen entsprechend der Aufgabenstellung simuliert.</a:t>
             </a:r>
           </a:p>
@@ -9155,7 +9014,7 @@
 </p:sld>
 </file>
 
-<file path=ppt/slides/slide13.xml><?xml version="1.0" encoding="utf-8"?>
+<file path=ppt/slides/slide12.xml><?xml version="1.0" encoding="utf-8"?>
 <p:sld xmlns:a="http://schemas.openxmlformats.org/drawingml/2006/main" xmlns:r="http://schemas.openxmlformats.org/officeDocument/2006/relationships" xmlns:p="http://schemas.openxmlformats.org/presentationml/2006/main">
   <p:cSld>
     <p:spTree>
@@ -9266,7 +9125,15 @@
                           <a:ea typeface="Calibri"/>
                           <a:cs typeface="Arial"/>
                         </a:rPr>
-                        <m:t>=−20</m:t>
+                        <m:t>=−</m:t>
+                      </m:r>
+                      <m:r>
+                        <a:rPr lang="de-CH" sz="1800" i="1">
+                          <a:latin typeface="Cambria Math"/>
+                          <a:ea typeface="Calibri"/>
+                          <a:cs typeface="Arial"/>
+                        </a:rPr>
+                        <m:t>20</m:t>
                       </m:r>
                       <m:func>
                         <m:funcPr>
@@ -9482,7 +9349,7 @@
 </p:sld>
 </file>
 
-<file path=ppt/slides/slide14.xml><?xml version="1.0" encoding="utf-8"?>
+<file path=ppt/slides/slide13.xml><?xml version="1.0" encoding="utf-8"?>
 <p:sld xmlns:a="http://schemas.openxmlformats.org/drawingml/2006/main" xmlns:r="http://schemas.openxmlformats.org/officeDocument/2006/relationships" xmlns:p="http://schemas.openxmlformats.org/presentationml/2006/main">
   <p:cSld>
     <p:spTree>
@@ -9577,7 +9444,7 @@
 </p:sld>
 </file>
 
-<file path=ppt/slides/slide15.xml><?xml version="1.0" encoding="utf-8"?>
+<file path=ppt/slides/slide14.xml><?xml version="1.0" encoding="utf-8"?>
 <p:sld xmlns:a="http://schemas.openxmlformats.org/drawingml/2006/main" xmlns:r="http://schemas.openxmlformats.org/officeDocument/2006/relationships" xmlns:p="http://schemas.openxmlformats.org/presentationml/2006/main">
   <p:cSld>
     <p:spTree>
@@ -10169,18 +10036,18 @@
       </p:grpSpPr>
       <p:sp>
         <p:nvSpPr>
-          <p:cNvPr id="5" name="Titel 4"/>
+          <p:cNvPr id="4" name="Titel 4"/>
           <p:cNvSpPr>
             <a:spLocks noGrp="1"/>
           </p:cNvSpPr>
           <p:nvPr>
-            <p:ph type="ctrTitle"/>
+            <p:ph type="title"/>
           </p:nvPr>
         </p:nvSpPr>
         <p:spPr>
           <a:xfrm>
-            <a:off x="683568" y="1340768"/>
-            <a:ext cx="7772400" cy="4392487"/>
+            <a:off x="251520" y="1196752"/>
+            <a:ext cx="8435280" cy="5328592"/>
           </a:xfrm>
         </p:spPr>
         <p:txBody>
@@ -10189,7 +10056,64 @@
           </a:bodyPr>
           <a:lstStyle/>
           <a:p>
-            <a:pPr algn="l"/>
+            <a:pPr lvl="0" algn="l"/>
+            <a:r>
+              <a:rPr lang="de-CH" b="1" u="sng" dirty="0" smtClean="0">
+                <a:solidFill>
+                  <a:schemeClr val="accent1">
+                    <a:lumMod val="75000"/>
+                  </a:schemeClr>
+                </a:solidFill>
+              </a:rPr>
+              <a:t/>
+            </a:r>
+            <a:br>
+              <a:rPr lang="de-CH" b="1" u="sng" dirty="0" smtClean="0">
+                <a:solidFill>
+                  <a:schemeClr val="accent1">
+                    <a:lumMod val="75000"/>
+                  </a:schemeClr>
+                </a:solidFill>
+              </a:rPr>
+            </a:br>
+            <a:r>
+              <a:rPr lang="de-CH" u="sng" dirty="0" smtClean="0">
+                <a:solidFill>
+                  <a:schemeClr val="accent1">
+                    <a:lumMod val="75000"/>
+                  </a:schemeClr>
+                </a:solidFill>
+              </a:rPr>
+              <a:t>Beendung</a:t>
+            </a:r>
+            <a:br>
+              <a:rPr lang="de-CH" u="sng" dirty="0" smtClean="0">
+                <a:solidFill>
+                  <a:schemeClr val="accent1">
+                    <a:lumMod val="75000"/>
+                  </a:schemeClr>
+                </a:solidFill>
+              </a:rPr>
+            </a:br>
+            <a:r>
+              <a:rPr lang="de-CH" u="sng" dirty="0">
+                <a:solidFill>
+                  <a:schemeClr val="accent1">
+                    <a:lumMod val="75000"/>
+                  </a:schemeClr>
+                </a:solidFill>
+              </a:rPr>
+              <a:t/>
+            </a:r>
+            <a:br>
+              <a:rPr lang="de-CH" u="sng" dirty="0">
+                <a:solidFill>
+                  <a:schemeClr val="accent1">
+                    <a:lumMod val="75000"/>
+                  </a:schemeClr>
+                </a:solidFill>
+              </a:rPr>
+            </a:br>
             <a:r>
               <a:rPr lang="de-CH" dirty="0" smtClean="0">
                 <a:solidFill>
@@ -10198,7 +10122,27 @@
                   </a:schemeClr>
                 </a:solidFill>
               </a:rPr>
-              <a:t>Was wir schon geschafft haben !!</a:t>
+              <a:t> Die </a:t>
+            </a:r>
+            <a:r>
+              <a:rPr lang="de-CH" dirty="0">
+                <a:solidFill>
+                  <a:schemeClr val="accent1">
+                    <a:lumMod val="75000"/>
+                  </a:schemeClr>
+                </a:solidFill>
+              </a:rPr>
+              <a:t>Analyse und Entwurf </a:t>
+            </a:r>
+            <a:r>
+              <a:rPr lang="de-CH" dirty="0" smtClean="0">
+                <a:solidFill>
+                  <a:schemeClr val="accent1">
+                    <a:lumMod val="75000"/>
+                  </a:schemeClr>
+                </a:solidFill>
+              </a:rPr>
+              <a:t>Ebene…</a:t>
             </a:r>
             <a:br>
               <a:rPr lang="de-CH" dirty="0" smtClean="0">
@@ -10210,6 +10154,75 @@
               </a:rPr>
             </a:br>
             <a:r>
+              <a:rPr lang="de-CH" dirty="0" smtClean="0">
+                <a:solidFill>
+                  <a:schemeClr val="accent1">
+                    <a:lumMod val="75000"/>
+                  </a:schemeClr>
+                </a:solidFill>
+              </a:rPr>
+              <a:t>  </a:t>
+            </a:r>
+            <a:r>
+              <a:rPr lang="de-CH" dirty="0" err="1" smtClean="0">
+                <a:solidFill>
+                  <a:schemeClr val="accent1">
+                    <a:lumMod val="75000"/>
+                  </a:schemeClr>
+                </a:solidFill>
+              </a:rPr>
+              <a:t>z.B</a:t>
+            </a:r>
+            <a:r>
+              <a:rPr lang="de-CH" b="1" u="sng" dirty="0" smtClean="0">
+                <a:solidFill>
+                  <a:schemeClr val="accent1">
+                    <a:lumMod val="75000"/>
+                  </a:schemeClr>
+                </a:solidFill>
+              </a:rPr>
+              <a:t/>
+            </a:r>
+            <a:br>
+              <a:rPr lang="de-CH" b="1" u="sng" dirty="0" smtClean="0">
+                <a:solidFill>
+                  <a:schemeClr val="accent1">
+                    <a:lumMod val="75000"/>
+                  </a:schemeClr>
+                </a:solidFill>
+              </a:rPr>
+            </a:br>
+            <a:r>
+              <a:rPr lang="de-CH" dirty="0" smtClean="0">
+                <a:solidFill>
+                  <a:schemeClr val="accent1">
+                    <a:lumMod val="75000"/>
+                  </a:schemeClr>
+                </a:solidFill>
+              </a:rPr>
+              <a:t>-</a:t>
+            </a:r>
+            <a:r>
+              <a:rPr lang="de-CH" sz="4000" dirty="0">
+                <a:solidFill>
+                  <a:schemeClr val="accent1">
+                    <a:lumMod val="75000"/>
+                  </a:schemeClr>
+                </a:solidFill>
+              </a:rPr>
+              <a:t> </a:t>
+            </a:r>
+            <a:r>
+              <a:rPr lang="de-CH" dirty="0" smtClean="0">
+                <a:solidFill>
+                  <a:schemeClr val="accent1">
+                    <a:lumMod val="75000"/>
+                  </a:schemeClr>
+                </a:solidFill>
+              </a:rPr>
+              <a:t>Das </a:t>
+            </a:r>
+            <a:r>
               <a:rPr lang="de-CH" dirty="0">
                 <a:solidFill>
                   <a:schemeClr val="accent1">
@@ -10217,18 +10230,124 @@
                   </a:schemeClr>
                 </a:solidFill>
               </a:rPr>
-              <a:t>- </a:t>
-            </a:r>
-            <a:r>
-              <a:rPr lang="de-CH" smtClean="0">
+              <a:t>Projekt </a:t>
+            </a:r>
+            <a:r>
+              <a:rPr lang="de-CH" dirty="0" smtClean="0">
                 <a:solidFill>
                   <a:schemeClr val="accent1">
                     <a:lumMod val="75000"/>
                   </a:schemeClr>
                 </a:solidFill>
               </a:rPr>
-              <a:t>Das Pflichtenheft </a:t>
-            </a:r>
+              <a:t>ist geplant worden </a:t>
+            </a:r>
+            <a:br>
+              <a:rPr lang="de-CH" dirty="0" smtClean="0">
+                <a:solidFill>
+                  <a:schemeClr val="accent1">
+                    <a:lumMod val="75000"/>
+                  </a:schemeClr>
+                </a:solidFill>
+              </a:rPr>
+            </a:br>
+            <a:r>
+              <a:rPr lang="de-CH" dirty="0" smtClean="0">
+                <a:solidFill>
+                  <a:schemeClr val="accent1">
+                    <a:lumMod val="75000"/>
+                  </a:schemeClr>
+                </a:solidFill>
+              </a:rPr>
+              <a:t>- Die </a:t>
+            </a:r>
+            <a:r>
+              <a:rPr lang="de-CH" dirty="0">
+                <a:solidFill>
+                  <a:schemeClr val="accent1">
+                    <a:lumMod val="75000"/>
+                  </a:schemeClr>
+                </a:solidFill>
+              </a:rPr>
+              <a:t>Arbeitsmethoden und die       </a:t>
+            </a:r>
+            <a:br>
+              <a:rPr lang="de-CH" dirty="0">
+                <a:solidFill>
+                  <a:schemeClr val="accent1">
+                    <a:lumMod val="75000"/>
+                  </a:schemeClr>
+                </a:solidFill>
+              </a:rPr>
+            </a:br>
+            <a:r>
+              <a:rPr lang="de-CH" dirty="0">
+                <a:solidFill>
+                  <a:schemeClr val="accent1">
+                    <a:lumMod val="75000"/>
+                  </a:schemeClr>
+                </a:solidFill>
+              </a:rPr>
+              <a:t>   Projektziele </a:t>
+            </a:r>
+            <a:r>
+              <a:rPr lang="de-CH" dirty="0" smtClean="0">
+                <a:solidFill>
+                  <a:schemeClr val="accent1">
+                    <a:lumMod val="75000"/>
+                  </a:schemeClr>
+                </a:solidFill>
+              </a:rPr>
+              <a:t>sind definiert</a:t>
+            </a:r>
+            <a:r>
+              <a:rPr lang="de-CH" dirty="0">
+                <a:solidFill>
+                  <a:schemeClr val="accent1">
+                    <a:lumMod val="75000"/>
+                  </a:schemeClr>
+                </a:solidFill>
+              </a:rPr>
+              <a:t>. </a:t>
+            </a:r>
+            <a:r>
+              <a:rPr lang="de-CH" dirty="0" smtClean="0">
+                <a:solidFill>
+                  <a:schemeClr val="accent1">
+                    <a:lumMod val="75000"/>
+                  </a:schemeClr>
+                </a:solidFill>
+              </a:rPr>
+              <a:t/>
+            </a:r>
+            <a:br>
+              <a:rPr lang="de-CH" dirty="0" smtClean="0">
+                <a:solidFill>
+                  <a:schemeClr val="accent1">
+                    <a:lumMod val="75000"/>
+                  </a:schemeClr>
+                </a:solidFill>
+              </a:rPr>
+            </a:br>
+            <a:r>
+              <a:rPr lang="de-CH" dirty="0" smtClean="0">
+                <a:solidFill>
+                  <a:schemeClr val="accent1">
+                    <a:lumMod val="75000"/>
+                  </a:schemeClr>
+                </a:solidFill>
+              </a:rPr>
+              <a:t>- Die Endversion des Pflichtenheftes</a:t>
+            </a:r>
+            <a:br>
+              <a:rPr lang="de-CH" dirty="0" smtClean="0">
+                <a:solidFill>
+                  <a:schemeClr val="accent1">
+                    <a:lumMod val="75000"/>
+                  </a:schemeClr>
+                </a:solidFill>
+              </a:rPr>
+            </a:br>
             <a:r>
               <a:rPr lang="de-CH" dirty="0" smtClean="0"/>
               <a:t/>
@@ -10236,26 +10355,54 @@
             <a:br>
               <a:rPr lang="de-CH" dirty="0" smtClean="0"/>
             </a:br>
-            <a:r>
-              <a:rPr lang="de-CH" dirty="0"/>
-              <a:t/>
+            <a:endParaRPr lang="de-CH" dirty="0"/>
+          </a:p>
+        </p:txBody>
+      </p:sp>
+      <p:sp>
+        <p:nvSpPr>
+          <p:cNvPr id="5" name="Titel 4"/>
+          <p:cNvSpPr txBox="1">
+            <a:spLocks/>
+          </p:cNvSpPr>
+          <p:nvPr/>
+        </p:nvSpPr>
+        <p:spPr>
+          <a:xfrm>
+            <a:off x="395536" y="116632"/>
+            <a:ext cx="8435280" cy="1296144"/>
+          </a:xfrm>
+          <a:prstGeom prst="rect">
+            <a:avLst/>
+          </a:prstGeom>
+        </p:spPr>
+        <p:txBody>
+          <a:bodyPr vert="horz" lIns="91440" tIns="45720" rIns="91440" bIns="45720" rtlCol="0" anchor="ctr">
+            <a:normAutofit fontScale="90000" lnSpcReduction="10000"/>
+          </a:bodyPr>
+          <a:lstStyle>
+            <a:lvl1pPr algn="ctr" defTabSz="914400" rtl="0" eaLnBrk="1" latinLnBrk="0" hangingPunct="1">
+              <a:spcBef>
+                <a:spcPct val="0"/>
+              </a:spcBef>
+              <a:buNone/>
+              <a:defRPr sz="4400" kern="1200">
+                <a:solidFill>
+                  <a:schemeClr val="tx1"/>
+                </a:solidFill>
+                <a:latin typeface="Arial" panose="020B0604020202020204" pitchFamily="34" charset="0"/>
+                <a:ea typeface="+mj-ea"/>
+                <a:cs typeface="Arial" panose="020B0604020202020204" pitchFamily="34" charset="0"/>
+              </a:defRPr>
+            </a:lvl1pPr>
+          </a:lstStyle>
+          <a:p>
+            <a:r>
+              <a:rPr lang="de-CH" b="1" u="sng" dirty="0" smtClean="0"/>
+              <a:t>Was wir schon geschafft haben !!</a:t>
             </a:r>
             <a:br>
-              <a:rPr lang="de-CH" dirty="0"/>
-            </a:br>
-            <a:r>
-              <a:rPr lang="de-CH" dirty="0"/>
-              <a:t/>
-            </a:r>
-            <a:br>
-              <a:rPr lang="de-CH" dirty="0"/>
-            </a:br>
-            <a:r>
-              <a:rPr lang="de-CH" dirty="0" smtClean="0"/>
-              <a:t/>
-            </a:r>
-            <a:br>
-              <a:rPr lang="de-CH" dirty="0" smtClean="0"/>
+              <a:rPr lang="de-CH" b="1" u="sng" dirty="0" smtClean="0"/>
             </a:br>
             <a:endParaRPr lang="de-CH" dirty="0"/>
           </a:p>
@@ -10264,20 +10411,13 @@
     </p:spTree>
     <p:extLst>
       <p:ext uri="{BB962C8B-B14F-4D97-AF65-F5344CB8AC3E}">
-        <p14:creationId xmlns:p14="http://schemas.microsoft.com/office/powerpoint/2010/main" val="364089095"/>
+        <p14:creationId xmlns:p14="http://schemas.microsoft.com/office/powerpoint/2010/main" val="3358526906"/>
       </p:ext>
     </p:extLst>
   </p:cSld>
   <p:clrMapOvr>
     <a:masterClrMapping/>
   </p:clrMapOvr>
-  <p:timing>
-    <p:tnLst>
-      <p:par>
-        <p:cTn id="1" dur="indefinite" restart="never" nodeType="tmRoot"/>
-      </p:par>
-    </p:tnLst>
-  </p:timing>
 </p:sld>
 </file>
 
@@ -10305,156 +10445,248 @@
             <a:spLocks noGrp="1"/>
           </p:cNvSpPr>
           <p:nvPr>
-            <p:ph type="ctrTitle"/>
+            <p:ph type="title"/>
           </p:nvPr>
         </p:nvSpPr>
-        <p:spPr>
-          <a:xfrm>
-            <a:off x="774841" y="764705"/>
-            <a:ext cx="7772400" cy="1008112"/>
-          </a:xfrm>
-        </p:spPr>
+        <p:spPr/>
         <p:txBody>
           <a:bodyPr>
-            <a:normAutofit fontScale="90000"/>
+            <a:normAutofit/>
           </a:bodyPr>
           <a:lstStyle/>
           <a:p>
-            <a:pPr algn="l"/>
-            <a:r>
-              <a:rPr lang="de-CH" dirty="0" smtClean="0"/>
-              <a:t/>
-            </a:r>
-            <a:br>
-              <a:rPr lang="de-CH" dirty="0" smtClean="0"/>
-            </a:br>
-            <a:r>
-              <a:rPr lang="de-CH" dirty="0" smtClean="0"/>
-              <a:t/>
-            </a:r>
-            <a:br>
-              <a:rPr lang="de-CH" dirty="0" smtClean="0"/>
-            </a:br>
-            <a:r>
-              <a:rPr lang="de-CH" dirty="0" smtClean="0"/>
-              <a:t>Die Einleitung </a:t>
-            </a:r>
-            <a:br>
-              <a:rPr lang="de-CH" dirty="0" smtClean="0"/>
-            </a:br>
-            <a:r>
-              <a:rPr lang="de-CH" dirty="0" smtClean="0"/>
-              <a:t/>
-            </a:r>
-            <a:br>
-              <a:rPr lang="de-CH" dirty="0" smtClean="0"/>
-            </a:br>
-            <a:endParaRPr lang="de-CH" dirty="0"/>
+            <a:pPr>
+              <a:spcBef>
+                <a:spcPct val="20000"/>
+              </a:spcBef>
+            </a:pPr>
+            <a:r>
+              <a:rPr lang="de-CH" sz="4000" dirty="0" smtClean="0"/>
+              <a:t>Die Zukünftige </a:t>
+            </a:r>
+            <a:r>
+              <a:rPr lang="de-CH" sz="4000" dirty="0"/>
+              <a:t>Aufgaben </a:t>
+            </a:r>
+            <a:endParaRPr lang="de-CH" sz="4000" dirty="0"/>
           </a:p>
         </p:txBody>
       </p:sp>
       <p:sp>
         <p:nvSpPr>
-          <p:cNvPr id="3" name="Rechteck 2"/>
-          <p:cNvSpPr/>
-          <p:nvPr/>
+          <p:cNvPr id="3" name="Inhaltsplatzhalter 2"/>
+          <p:cNvSpPr>
+            <a:spLocks noGrp="1"/>
+          </p:cNvSpPr>
+          <p:nvPr>
+            <p:ph idx="1"/>
+          </p:nvPr>
         </p:nvSpPr>
-        <p:spPr>
-          <a:xfrm>
-            <a:off x="539552" y="1772816"/>
-            <a:ext cx="8280920" cy="1477328"/>
-          </a:xfrm>
-          <a:prstGeom prst="rect">
-            <a:avLst/>
-          </a:prstGeom>
-          <a:ln>
-            <a:solidFill>
-              <a:schemeClr val="accent1"/>
-            </a:solidFill>
-          </a:ln>
-        </p:spPr>
+        <p:spPr/>
         <p:txBody>
-          <a:bodyPr wrap="square">
-            <a:spAutoFit/>
+          <a:bodyPr>
+            <a:normAutofit lnSpcReduction="10000"/>
           </a:bodyPr>
           <a:lstStyle/>
           <a:p>
-            <a:pPr lvl="1"/>
-            <a:r>
-              <a:rPr lang="de-CH" b="1" dirty="0" smtClean="0"/>
-              <a:t>Hauptereignisse </a:t>
-            </a:r>
-            <a:r>
-              <a:rPr lang="de-CH" b="1" dirty="0"/>
-              <a:t>der vergangenen </a:t>
-            </a:r>
-            <a:r>
-              <a:rPr lang="de-CH" b="1" dirty="0" smtClean="0"/>
-              <a:t>Periode</a:t>
-            </a:r>
-          </a:p>
-          <a:p>
-            <a:pPr lvl="1"/>
-            <a:endParaRPr lang="de-CH" b="1" dirty="0"/>
-          </a:p>
-          <a:p>
-            <a:pPr lvl="0"/>
-            <a:r>
-              <a:rPr lang="en-ZA" dirty="0" smtClean="0"/>
-              <a:t>- </a:t>
-            </a:r>
-            <a:r>
-              <a:rPr lang="de-CH" dirty="0" smtClean="0"/>
-              <a:t>Für </a:t>
-            </a:r>
-            <a:r>
-              <a:rPr lang="de-CH" dirty="0"/>
-              <a:t>die Pflichtenhefter wurde das Projekt geplant, die Arbeitsmethoden </a:t>
-            </a:r>
-            <a:r>
-              <a:rPr lang="de-CH" dirty="0" smtClean="0"/>
-              <a:t>und die       </a:t>
-            </a:r>
-          </a:p>
-          <a:p>
-            <a:pPr lvl="0"/>
-            <a:r>
-              <a:rPr lang="de-CH" dirty="0"/>
+            <a:pPr marL="0" indent="0">
+              <a:buNone/>
+            </a:pPr>
+            <a:r>
+              <a:rPr lang="de-CH" sz="3600" u="sng" dirty="0" smtClean="0">
+                <a:solidFill>
+                  <a:schemeClr val="accent1">
+                    <a:lumMod val="75000"/>
+                  </a:schemeClr>
+                </a:solidFill>
+                <a:ea typeface="+mj-ea"/>
+              </a:rPr>
+              <a:t>Erarbeitung </a:t>
+            </a:r>
+          </a:p>
+          <a:p>
+            <a:pPr marL="0" indent="0">
+              <a:buNone/>
+            </a:pPr>
+            <a:endParaRPr lang="de-CH" sz="3600" dirty="0" smtClean="0">
+              <a:solidFill>
+                <a:schemeClr val="accent1">
+                  <a:lumMod val="75000"/>
+                </a:schemeClr>
+              </a:solidFill>
+              <a:ea typeface="+mj-ea"/>
+            </a:endParaRPr>
+          </a:p>
+          <a:p>
+            <a:pPr marL="0" indent="0">
+              <a:buNone/>
+            </a:pPr>
+            <a:r>
+              <a:rPr lang="de-CH" sz="3600" dirty="0">
+                <a:solidFill>
+                  <a:schemeClr val="accent1">
+                    <a:lumMod val="75000"/>
+                  </a:schemeClr>
+                </a:solidFill>
+              </a:rPr>
+              <a:t>Die Realisierung und Validierung Ebene </a:t>
+            </a:r>
+            <a:endParaRPr lang="de-CH" sz="3600" dirty="0" smtClean="0">
+              <a:solidFill>
+                <a:schemeClr val="accent1">
+                  <a:lumMod val="75000"/>
+                </a:schemeClr>
+              </a:solidFill>
+              <a:ea typeface="+mj-ea"/>
+            </a:endParaRPr>
+          </a:p>
+          <a:p>
+            <a:r>
+              <a:rPr lang="de-CH" sz="3600" dirty="0" smtClean="0">
+                <a:solidFill>
+                  <a:schemeClr val="accent1">
+                    <a:lumMod val="75000"/>
+                  </a:schemeClr>
+                </a:solidFill>
+                <a:ea typeface="+mj-ea"/>
+              </a:rPr>
+              <a:t>das Mock </a:t>
+            </a:r>
+            <a:r>
+              <a:rPr lang="de-CH" sz="3600" dirty="0" err="1">
+                <a:solidFill>
+                  <a:schemeClr val="accent1">
+                    <a:lumMod val="75000"/>
+                  </a:schemeClr>
+                </a:solidFill>
+                <a:ea typeface="+mj-ea"/>
+              </a:rPr>
+              <a:t>Up</a:t>
+            </a:r>
+            <a:r>
+              <a:rPr lang="de-CH" sz="3600" dirty="0">
+                <a:solidFill>
+                  <a:schemeClr val="accent1">
+                    <a:lumMod val="75000"/>
+                  </a:schemeClr>
+                </a:solidFill>
+                <a:ea typeface="+mj-ea"/>
+              </a:rPr>
               <a:t> </a:t>
             </a:r>
             <a:r>
-              <a:rPr lang="de-CH" dirty="0" smtClean="0"/>
-              <a:t>  </a:t>
-            </a:r>
-            <a:r>
-              <a:rPr lang="de-CH" dirty="0"/>
-              <a:t>Projektziele definiert. </a:t>
-            </a:r>
-            <a:endParaRPr lang="de-CH" dirty="0" smtClean="0"/>
-          </a:p>
-          <a:p>
-            <a:pPr lvl="0"/>
-            <a:endParaRPr lang="de-CH" dirty="0"/>
+              <a:rPr lang="de-CH" sz="3600" dirty="0" smtClean="0">
+                <a:solidFill>
+                  <a:schemeClr val="accent1">
+                    <a:lumMod val="75000"/>
+                  </a:schemeClr>
+                </a:solidFill>
+                <a:ea typeface="+mj-ea"/>
+              </a:rPr>
+              <a:t>Software</a:t>
+            </a:r>
+          </a:p>
+          <a:p>
+            <a:r>
+              <a:rPr lang="de-CH" sz="4000" dirty="0" smtClean="0">
+                <a:solidFill>
+                  <a:schemeClr val="accent1">
+                    <a:lumMod val="75000"/>
+                  </a:schemeClr>
+                </a:solidFill>
+                <a:ea typeface="+mj-ea"/>
+              </a:rPr>
+              <a:t>Betaversion </a:t>
+            </a:r>
+            <a:r>
+              <a:rPr lang="de-CH" sz="4000" dirty="0">
+                <a:solidFill>
+                  <a:schemeClr val="accent1">
+                    <a:lumMod val="75000"/>
+                  </a:schemeClr>
+                </a:solidFill>
+                <a:ea typeface="+mj-ea"/>
+              </a:rPr>
+              <a:t>der </a:t>
+            </a:r>
+            <a:r>
+              <a:rPr lang="de-CH" sz="4000" dirty="0">
+                <a:solidFill>
+                  <a:schemeClr val="accent1">
+                    <a:lumMod val="75000"/>
+                  </a:schemeClr>
+                </a:solidFill>
+                <a:ea typeface="+mj-ea"/>
+              </a:rPr>
+              <a:t>Software</a:t>
+            </a:r>
+          </a:p>
+          <a:p>
+            <a:r>
+              <a:rPr lang="de-CH" sz="4000" dirty="0" err="1">
+                <a:solidFill>
+                  <a:schemeClr val="accent1">
+                    <a:lumMod val="75000"/>
+                  </a:schemeClr>
+                </a:solidFill>
+                <a:ea typeface="+mj-ea"/>
+              </a:rPr>
+              <a:t>Berechnugen</a:t>
+            </a:r>
+            <a:r>
+              <a:rPr lang="de-CH" sz="4000" dirty="0">
+                <a:solidFill>
+                  <a:schemeClr val="accent1">
+                    <a:lumMod val="75000"/>
+                  </a:schemeClr>
+                </a:solidFill>
+                <a:ea typeface="+mj-ea"/>
+              </a:rPr>
+              <a:t> </a:t>
+            </a:r>
+            <a:r>
+              <a:rPr lang="de-CH" sz="4000" dirty="0">
+                <a:solidFill>
+                  <a:schemeClr val="accent1">
+                    <a:lumMod val="75000"/>
+                  </a:schemeClr>
+                </a:solidFill>
+                <a:ea typeface="+mj-ea"/>
+              </a:rPr>
+              <a:t>mit </a:t>
+            </a:r>
+            <a:r>
+              <a:rPr lang="de-CH" sz="4000" dirty="0" err="1" smtClean="0">
+                <a:solidFill>
+                  <a:schemeClr val="accent1">
+                    <a:lumMod val="75000"/>
+                  </a:schemeClr>
+                </a:solidFill>
+                <a:ea typeface="+mj-ea"/>
+              </a:rPr>
+              <a:t>Matlab</a:t>
+            </a:r>
+            <a:endParaRPr lang="de-CH" sz="4000" dirty="0" smtClean="0">
+              <a:solidFill>
+                <a:schemeClr val="accent1">
+                  <a:lumMod val="75000"/>
+                </a:schemeClr>
+              </a:solidFill>
+              <a:ea typeface="+mj-ea"/>
+            </a:endParaRPr>
           </a:p>
         </p:txBody>
       </p:sp>
     </p:spTree>
     <p:extLst>
       <p:ext uri="{BB962C8B-B14F-4D97-AF65-F5344CB8AC3E}">
-        <p14:creationId xmlns:p14="http://schemas.microsoft.com/office/powerpoint/2010/main" val="943333226"/>
+        <p14:creationId xmlns:p14="http://schemas.microsoft.com/office/powerpoint/2010/main" val="4138693155"/>
       </p:ext>
     </p:extLst>
   </p:cSld>
   <p:clrMapOvr>
     <a:masterClrMapping/>
   </p:clrMapOvr>
-  <p:timing>
-    <p:tnLst>
-      <p:par>
-        <p:cTn id="1" dur="indefinite" restart="never" nodeType="tmRoot"/>
-      </p:par>
-    </p:tnLst>
-  </p:timing>
 </p:sld>
 </file>
 
@@ -10477,7 +10709,7 @@
       </p:grpSpPr>
       <p:sp>
         <p:nvSpPr>
-          <p:cNvPr id="4" name="Untertitel 3"/>
+          <p:cNvPr id="2" name="Titel 1"/>
           <p:cNvSpPr>
             <a:spLocks noGrp="1"/>
           </p:cNvSpPr>
@@ -10485,177 +10717,162 @@
             <p:ph type="title"/>
           </p:nvPr>
         </p:nvSpPr>
-        <p:spPr>
-          <a:xfrm>
-            <a:off x="457200" y="2204864"/>
-            <a:ext cx="8229600" cy="1728192"/>
-          </a:xfrm>
-        </p:spPr>
+        <p:spPr/>
         <p:txBody>
           <a:bodyPr>
-            <a:normAutofit fontScale="90000"/>
+            <a:normAutofit/>
           </a:bodyPr>
           <a:lstStyle/>
           <a:p>
-            <a:pPr lvl="1" algn="l"/>
-            <a:r>
-              <a:rPr lang="de-CH" sz="2800" b="1" dirty="0">
-                <a:solidFill>
-                  <a:schemeClr val="tx1"/>
-                </a:solidFill>
+            <a:pPr marL="342900" indent="-342900">
+              <a:spcBef>
+                <a:spcPct val="20000"/>
+              </a:spcBef>
+              <a:buFont typeface="Arial" pitchFamily="34" charset="0"/>
+              <a:buChar char="•"/>
+            </a:pPr>
+            <a:r>
+              <a:rPr lang="de-CH" dirty="0">
+                <a:ea typeface="+mn-ea"/>
               </a:rPr>
-              <a:t>AP Fortschritt</a:t>
-            </a:r>
-          </a:p>
-          <a:p>
-            <a:pPr algn="l"/>
-            <a:r>
-              <a:rPr lang="de-CH" sz="1800" dirty="0">
-                <a:solidFill>
-                  <a:schemeClr val="tx1"/>
-                </a:solidFill>
-              </a:rPr>
-              <a:t>Die Analyse und der Entwurf sind auf gutem Weg und können zeitnah abgeschlossen werden. </a:t>
-            </a:r>
-            <a:r>
-              <a:rPr lang="de-CH" sz="1800" dirty="0" smtClean="0">
-                <a:solidFill>
-                  <a:schemeClr val="tx1"/>
-                </a:solidFill>
-              </a:rPr>
-              <a:t/>
-            </a:r>
-            <a:br>
-              <a:rPr lang="de-CH" sz="1800" dirty="0" smtClean="0">
-                <a:solidFill>
-                  <a:schemeClr val="tx1"/>
-                </a:solidFill>
-              </a:rPr>
-            </a:br>
-            <a:r>
-              <a:rPr lang="de-CH" sz="1800" dirty="0"/>
-              <a:t/>
-            </a:r>
-            <a:br>
-              <a:rPr lang="de-CH" sz="1800" dirty="0"/>
-            </a:br>
-            <a:r>
-              <a:rPr lang="de-CH" sz="1800" dirty="0" smtClean="0">
-                <a:solidFill>
-                  <a:schemeClr val="tx1"/>
-                </a:solidFill>
-              </a:rPr>
-              <a:t>Die </a:t>
-            </a:r>
-            <a:r>
-              <a:rPr lang="de-CH" sz="1800" dirty="0">
-                <a:solidFill>
-                  <a:schemeClr val="tx1"/>
-                </a:solidFill>
-              </a:rPr>
-              <a:t>Realisierung wurde ebenfalls angeschnitten, indem die Teammitglieder mit der Benutzeroberfläche der Software begonnen haben.</a:t>
-            </a:r>
-          </a:p>
-          <a:p>
-            <a:pPr algn="l"/>
-            <a:endParaRPr lang="de-CH" dirty="0"/>
+              <a:t>Bedienoberfläche</a:t>
+            </a:r>
           </a:p>
         </p:txBody>
       </p:sp>
       <p:sp>
         <p:nvSpPr>
-          <p:cNvPr id="5" name="Rechteck 4"/>
-          <p:cNvSpPr/>
-          <p:nvPr/>
+          <p:cNvPr id="3" name="Inhaltsplatzhalter 2"/>
+          <p:cNvSpPr>
+            <a:spLocks noGrp="1"/>
+          </p:cNvSpPr>
+          <p:nvPr>
+            <p:ph idx="1"/>
+          </p:nvPr>
         </p:nvSpPr>
-        <p:spPr>
-          <a:xfrm>
-            <a:off x="539552" y="4581128"/>
-            <a:ext cx="8064896" cy="1205458"/>
-          </a:xfrm>
-          <a:prstGeom prst="rect">
-            <a:avLst/>
-          </a:prstGeom>
-        </p:spPr>
+        <p:spPr/>
         <p:txBody>
-          <a:bodyPr wrap="square">
-            <a:spAutoFit/>
+          <a:bodyPr>
+            <a:normAutofit/>
           </a:bodyPr>
           <a:lstStyle/>
           <a:p>
-            <a:pPr marL="742950" lvl="1" indent="-285750">
-              <a:lnSpc>
-                <a:spcPts val="1600"/>
-              </a:lnSpc>
-              <a:spcBef>
-                <a:spcPts val="1200"/>
-              </a:spcBef>
-              <a:spcAft>
-                <a:spcPts val="600"/>
-              </a:spcAft>
-              <a:buFont typeface="+mj-lt"/>
-              <a:buAutoNum type="arabicPeriod"/>
-            </a:pPr>
-            <a:r>
-              <a:rPr lang="de-CH" b="1" dirty="0">
-                <a:latin typeface="Arial"/>
+            <a:r>
+              <a:rPr lang="de-CH" sz="2800" dirty="0" err="1">
+                <a:solidFill>
+                  <a:schemeClr val="accent1">
+                    <a:lumMod val="75000"/>
+                  </a:schemeClr>
+                </a:solidFill>
               </a:rPr>
-              <a:t>Geplante Aktivitäten für die nächste Periode</a:t>
-            </a:r>
-          </a:p>
-          <a:p>
-            <a:r>
-              <a:rPr lang="de-CH" dirty="0">
-                <a:latin typeface="Arial"/>
-                <a:ea typeface="Times New Roman"/>
-                <a:cs typeface="Times New Roman"/>
+              <a:t>Dimensionelle</a:t>
+            </a:r>
+            <a:r>
+              <a:rPr lang="de-CH" sz="2800" dirty="0">
+                <a:solidFill>
+                  <a:schemeClr val="accent1">
+                    <a:lumMod val="75000"/>
+                  </a:schemeClr>
+                </a:solidFill>
               </a:rPr>
-              <a:t>Die Analyse und der Entwurf des Projekts werden abgeschlossen. </a:t>
-            </a:r>
-            <a:endParaRPr lang="de-CH" dirty="0" smtClean="0">
-              <a:latin typeface="Arial"/>
-              <a:ea typeface="Times New Roman"/>
-              <a:cs typeface="Times New Roman"/>
+              <a:t> </a:t>
+            </a:r>
+            <a:r>
+              <a:rPr lang="de-CH" sz="2800" dirty="0">
+                <a:solidFill>
+                  <a:schemeClr val="accent1">
+                    <a:lumMod val="75000"/>
+                  </a:schemeClr>
+                </a:solidFill>
+              </a:rPr>
+              <a:t>Darstellung der </a:t>
+            </a:r>
+            <a:r>
+              <a:rPr lang="de-CH" sz="2800" dirty="0">
+                <a:solidFill>
+                  <a:schemeClr val="accent1">
+                    <a:lumMod val="75000"/>
+                  </a:schemeClr>
+                </a:solidFill>
+              </a:rPr>
+              <a:t>Kurven</a:t>
+            </a:r>
+          </a:p>
+          <a:p>
+            <a:r>
+              <a:rPr lang="de-CH" sz="2800" dirty="0">
+                <a:solidFill>
+                  <a:schemeClr val="accent1">
+                    <a:lumMod val="75000"/>
+                  </a:schemeClr>
+                </a:solidFill>
+              </a:rPr>
+              <a:t>Menüleiste mit gröberen Einstellungen und </a:t>
+            </a:r>
+            <a:r>
+              <a:rPr lang="de-CH" sz="2800" dirty="0">
+                <a:solidFill>
+                  <a:schemeClr val="accent1">
+                    <a:lumMod val="75000"/>
+                  </a:schemeClr>
+                </a:solidFill>
+              </a:rPr>
+              <a:t>Funktionen</a:t>
+            </a:r>
+          </a:p>
+          <a:p>
+            <a:r>
+              <a:rPr lang="de-CH" sz="2800" dirty="0">
+                <a:solidFill>
+                  <a:schemeClr val="accent1">
+                    <a:lumMod val="75000"/>
+                  </a:schemeClr>
+                </a:solidFill>
+              </a:rPr>
+              <a:t>Werte der parasitären Parameter </a:t>
+            </a:r>
+            <a:endParaRPr lang="de-CH" sz="2800" dirty="0">
+              <a:solidFill>
+                <a:schemeClr val="accent1">
+                  <a:lumMod val="75000"/>
+                </a:schemeClr>
+              </a:solidFill>
             </a:endParaRPr>
           </a:p>
           <a:p>
-            <a:endParaRPr lang="de-CH" dirty="0">
-              <a:latin typeface="Arial"/>
-              <a:ea typeface="Times New Roman"/>
-              <a:cs typeface="Times New Roman"/>
-            </a:endParaRPr>
-          </a:p>
-          <a:p>
-            <a:r>
-              <a:rPr lang="de-CH" dirty="0" smtClean="0">
-                <a:latin typeface="Arial"/>
-                <a:ea typeface="Times New Roman"/>
-                <a:cs typeface="Times New Roman"/>
+            <a:r>
+              <a:rPr lang="de-CH" sz="2800" dirty="0">
+                <a:solidFill>
+                  <a:schemeClr val="accent1">
+                    <a:lumMod val="75000"/>
+                  </a:schemeClr>
+                </a:solidFill>
               </a:rPr>
-              <a:t>Die </a:t>
-            </a:r>
-            <a:r>
-              <a:rPr lang="de-CH" dirty="0">
-                <a:latin typeface="Arial"/>
-                <a:ea typeface="Times New Roman"/>
-                <a:cs typeface="Times New Roman"/>
-              </a:rPr>
-              <a:t>ganze Gruppe kann sich auf die Realisierung konzentrieren.</a:t>
-            </a:r>
-            <a:endParaRPr lang="de-CH" dirty="0"/>
+              <a:t>Graphische Darstellung der Einfügungsverluste in Abhängigkeit der Frequenz (CM, DM) in ein Kurvendiagramm.</a:t>
+            </a:r>
+          </a:p>
+          <a:p>
+            <a:endParaRPr lang="de-CH" sz="2000" dirty="0"/>
           </a:p>
         </p:txBody>
       </p:sp>
     </p:spTree>
     <p:extLst>
       <p:ext uri="{BB962C8B-B14F-4D97-AF65-F5344CB8AC3E}">
-        <p14:creationId xmlns:p14="http://schemas.microsoft.com/office/powerpoint/2010/main" val="3053441603"/>
+        <p14:creationId xmlns:p14="http://schemas.microsoft.com/office/powerpoint/2010/main" val="1292541428"/>
       </p:ext>
     </p:extLst>
   </p:cSld>
   <p:clrMapOvr>
     <a:masterClrMapping/>
   </p:clrMapOvr>
+  <p:timing>
+    <p:tnLst>
+      <p:par>
+        <p:cTn id="1" dur="indefinite" restart="never" nodeType="tmRoot"/>
+      </p:par>
+    </p:tnLst>
+  </p:timing>
 </p:sld>
 </file>
 
@@ -10691,11 +10908,11 @@
           <a:bodyPr/>
           <a:lstStyle/>
           <a:p>
-            <a:pPr algn="l"/>
-            <a:r>
-              <a:rPr lang="de-CH" dirty="0"/>
-              <a:t>Bedienoberfläche</a:t>
-            </a:r>
+            <a:r>
+              <a:rPr lang="de-CH" dirty="0" smtClean="0"/>
+              <a:t>Software </a:t>
+            </a:r>
+            <a:endParaRPr lang="de-CH" dirty="0"/>
           </a:p>
         </p:txBody>
       </p:sp>
@@ -10712,191 +10929,101 @@
         <p:spPr/>
         <p:txBody>
           <a:bodyPr>
-            <a:normAutofit/>
+            <a:normAutofit fontScale="77500" lnSpcReduction="20000"/>
           </a:bodyPr>
           <a:lstStyle/>
           <a:p>
             <a:r>
-              <a:rPr lang="de-CH" sz="2000" dirty="0" err="1" smtClean="0"/>
+              <a:rPr lang="de-CH" sz="2800" dirty="0">
+                <a:solidFill>
+                  <a:schemeClr val="accent1">
+                    <a:lumMod val="75000"/>
+                  </a:schemeClr>
+                </a:solidFill>
+              </a:rPr>
+              <a:t>Java Version JDK11</a:t>
+            </a:r>
+          </a:p>
+          <a:p>
+            <a:r>
+              <a:rPr lang="de-CH" sz="2800" dirty="0">
+                <a:solidFill>
+                  <a:schemeClr val="accent1">
+                    <a:lumMod val="75000"/>
+                  </a:schemeClr>
+                </a:solidFill>
+              </a:rPr>
+              <a:t>Software ist in der MVC Architektur realisiert</a:t>
+            </a:r>
+          </a:p>
+          <a:p>
+            <a:r>
+              <a:rPr lang="de-CH" sz="2800" dirty="0">
+                <a:solidFill>
+                  <a:schemeClr val="accent1">
+                    <a:lumMod val="75000"/>
+                  </a:schemeClr>
+                </a:solidFill>
+              </a:rPr>
+              <a:t>Die Softwarearchitektur ermöglicht es, die Funktionalitäten des Programms beliebig zu erweitern, ohne dass dabei die Komplexität in gleichem Masse zunimmt.</a:t>
+            </a:r>
+          </a:p>
+          <a:p>
+            <a:r>
+              <a:rPr lang="de-CH" sz="2800" dirty="0">
+                <a:solidFill>
+                  <a:schemeClr val="accent1">
+                    <a:lumMod val="75000"/>
+                  </a:schemeClr>
+                </a:solidFill>
+              </a:rPr>
+              <a:t>Inhalt, Darstellung und Berechnungsalgorithmen sind im Quellcode wo immer möglich voneinander getrennt. </a:t>
+            </a:r>
+          </a:p>
+          <a:p>
+            <a:r>
+              <a:rPr lang="de-CH" sz="2800" dirty="0">
+                <a:solidFill>
+                  <a:schemeClr val="accent1">
+                    <a:lumMod val="75000"/>
+                  </a:schemeClr>
+                </a:solidFill>
+              </a:rPr>
+              <a:t>Für die Darstellung der Bedienoberfläche wird Java FX verwendet</a:t>
+            </a:r>
+          </a:p>
+          <a:p>
+            <a:r>
+              <a:rPr lang="de-CH" sz="2800" dirty="0" err="1">
+                <a:solidFill>
+                  <a:schemeClr val="accent1">
+                    <a:lumMod val="75000"/>
+                  </a:schemeClr>
+                </a:solidFill>
+              </a:rPr>
               <a:t>Dimensionelle</a:t>
             </a:r>
             <a:r>
-              <a:rPr lang="de-CH" sz="2000" dirty="0" smtClean="0"/>
-              <a:t> </a:t>
-            </a:r>
-            <a:r>
-              <a:rPr lang="de-CH" sz="2000" dirty="0"/>
-              <a:t>Darstellung der </a:t>
-            </a:r>
-            <a:r>
-              <a:rPr lang="de-CH" sz="2000" dirty="0" smtClean="0"/>
-              <a:t>Kurven</a:t>
-            </a:r>
-          </a:p>
-          <a:p>
-            <a:r>
-              <a:rPr lang="de-CH" sz="2000" dirty="0"/>
-              <a:t>Menüleiste mit gröberen Einstellungen und </a:t>
-            </a:r>
-            <a:r>
-              <a:rPr lang="de-CH" sz="2000" dirty="0" smtClean="0"/>
-              <a:t>Funktionen</a:t>
-            </a:r>
-          </a:p>
-          <a:p>
-            <a:r>
-              <a:rPr lang="de-CH" sz="2000" dirty="0"/>
-              <a:t>Werte der parasitären Parameter </a:t>
-            </a:r>
-            <a:endParaRPr lang="de-CH" sz="2000" dirty="0" smtClean="0"/>
-          </a:p>
-          <a:p>
-            <a:r>
-              <a:rPr lang="de-CH" sz="2000" dirty="0"/>
-              <a:t>Graphische Darstellung der Einfügungsverluste in Abhängigkeit der Frequenz (CM, DM) in ein Kurvendiagramm.</a:t>
-            </a:r>
-          </a:p>
-          <a:p>
-            <a:endParaRPr lang="de-CH" sz="2000" dirty="0"/>
-          </a:p>
-        </p:txBody>
-      </p:sp>
-    </p:spTree>
-    <p:extLst>
-      <p:ext uri="{BB962C8B-B14F-4D97-AF65-F5344CB8AC3E}">
-        <p14:creationId xmlns:p14="http://schemas.microsoft.com/office/powerpoint/2010/main" val="1292541428"/>
-      </p:ext>
-    </p:extLst>
-  </p:cSld>
-  <p:clrMapOvr>
-    <a:masterClrMapping/>
-  </p:clrMapOvr>
-  <p:timing>
-    <p:tnLst>
-      <p:par>
-        <p:cTn id="1" dur="indefinite" restart="never" nodeType="tmRoot"/>
-      </p:par>
-    </p:tnLst>
-  </p:timing>
-</p:sld>
-</file>
-
-<file path=ppt/slides/slide8.xml><?xml version="1.0" encoding="utf-8"?>
-<p:sld xmlns:a="http://schemas.openxmlformats.org/drawingml/2006/main" xmlns:r="http://schemas.openxmlformats.org/officeDocument/2006/relationships" xmlns:p="http://schemas.openxmlformats.org/presentationml/2006/main">
-  <p:cSld>
-    <p:spTree>
-      <p:nvGrpSpPr>
-        <p:cNvPr id="1" name=""/>
-        <p:cNvGrpSpPr/>
-        <p:nvPr/>
-      </p:nvGrpSpPr>
-      <p:grpSpPr>
-        <a:xfrm>
-          <a:off x="0" y="0"/>
-          <a:ext cx="0" cy="0"/>
-          <a:chOff x="0" y="0"/>
-          <a:chExt cx="0" cy="0"/>
-        </a:xfrm>
-      </p:grpSpPr>
-      <p:sp>
-        <p:nvSpPr>
-          <p:cNvPr id="2" name="Titel 1"/>
-          <p:cNvSpPr>
-            <a:spLocks noGrp="1"/>
-          </p:cNvSpPr>
-          <p:nvPr>
-            <p:ph type="title"/>
-          </p:nvPr>
-        </p:nvSpPr>
-        <p:spPr/>
-        <p:txBody>
-          <a:bodyPr/>
-          <a:lstStyle/>
-          <a:p>
-            <a:r>
-              <a:rPr lang="de-CH" dirty="0" smtClean="0"/>
-              <a:t>Software </a:t>
-            </a:r>
-            <a:endParaRPr lang="de-CH" dirty="0"/>
-          </a:p>
-        </p:txBody>
-      </p:sp>
-      <p:sp>
-        <p:nvSpPr>
-          <p:cNvPr id="3" name="Inhaltsplatzhalter 2"/>
-          <p:cNvSpPr>
-            <a:spLocks noGrp="1"/>
-          </p:cNvSpPr>
-          <p:nvPr>
-            <p:ph idx="1"/>
-          </p:nvPr>
-        </p:nvSpPr>
-        <p:spPr/>
-        <p:txBody>
-          <a:bodyPr>
-            <a:normAutofit/>
-          </a:bodyPr>
-          <a:lstStyle/>
-          <a:p>
-            <a:r>
-              <a:rPr lang="de-CH" sz="2000" dirty="0" smtClean="0"/>
-              <a:t>Java Version JDK11</a:t>
-            </a:r>
-          </a:p>
-          <a:p>
-            <a:r>
-              <a:rPr lang="de-CH" sz="2000" dirty="0"/>
-              <a:t>Software ist in der MVC Architektur </a:t>
-            </a:r>
-            <a:r>
-              <a:rPr lang="de-CH" sz="2000" dirty="0" smtClean="0"/>
-              <a:t>realisiert</a:t>
-            </a:r>
-          </a:p>
-          <a:p>
-            <a:r>
-              <a:rPr lang="de-CH" sz="2000" dirty="0"/>
-              <a:t>Die Softwarearchitektur ermöglicht es, die Funktionalitäten des Programms beliebig zu erweitern, ohne dass dabei die Komplexität in gleichem Masse zunimmt.</a:t>
-            </a:r>
-          </a:p>
-          <a:p>
-            <a:r>
-              <a:rPr lang="de-CH" sz="2000" dirty="0"/>
-              <a:t>Inhalt, Darstellung und Berechnungsalgorithmen sind im Quellcode wo immer möglich voneinander getrennt. </a:t>
-            </a:r>
-          </a:p>
-          <a:p>
-            <a:r>
-              <a:rPr lang="de-CH" sz="2000" dirty="0"/>
-              <a:t>Für die Darstellung der Bedienoberfläche wird </a:t>
-            </a:r>
-            <a:r>
-              <a:rPr lang="de-CH" sz="2000" dirty="0" smtClean="0"/>
-              <a:t>Java FX </a:t>
-            </a:r>
-            <a:r>
-              <a:rPr lang="de-CH" sz="2000" dirty="0"/>
-              <a:t>verwendet</a:t>
-            </a:r>
-          </a:p>
-          <a:p>
-            <a:r>
-              <a:rPr lang="de-CH" sz="2000" dirty="0" err="1"/>
-              <a:t>Dimensionelle</a:t>
-            </a:r>
-            <a:r>
-              <a:rPr lang="de-CH" sz="2000" dirty="0"/>
+              <a:rPr lang="de-CH" sz="2800" dirty="0">
+                <a:solidFill>
+                  <a:schemeClr val="accent1">
+                    <a:lumMod val="75000"/>
+                  </a:schemeClr>
+                </a:solidFill>
+              </a:rPr>
               <a:t> Darstellung der Kurven </a:t>
             </a:r>
           </a:p>
           <a:p>
             <a:r>
-              <a:rPr lang="de-CH" sz="2000" dirty="0"/>
-              <a:t>das Frequenzverhalten und die Einfügungsverluste von CM und DM des EMI-Filters vorhergesagt werden </a:t>
-            </a:r>
-            <a:r>
-              <a:rPr lang="de-CH" sz="2000" dirty="0" smtClean="0"/>
-              <a:t>können</a:t>
+              <a:rPr lang="de-CH" sz="2800" dirty="0">
+                <a:solidFill>
+                  <a:schemeClr val="accent1">
+                    <a:lumMod val="75000"/>
+                  </a:schemeClr>
+                </a:solidFill>
+              </a:rPr>
+              <a:t>das Frequenzverhalten und die Einfügungsverluste von CM und DM des EMI-Filters vorhergesagt werden können</a:t>
             </a:r>
           </a:p>
           <a:p>
@@ -10924,7 +11051,7 @@
 </p:sld>
 </file>
 
-<file path=ppt/slides/slide9.xml><?xml version="1.0" encoding="utf-8"?>
+<file path=ppt/slides/slide8.xml><?xml version="1.0" encoding="utf-8"?>
 <p:sld xmlns:a="http://schemas.openxmlformats.org/drawingml/2006/main" xmlns:r="http://schemas.openxmlformats.org/officeDocument/2006/relationships" xmlns:p="http://schemas.openxmlformats.org/presentationml/2006/main">
   <p:cSld>
     <p:spTree>
@@ -11060,6 +11187,292 @@
         <p:cTn id="1" dur="indefinite" restart="never" nodeType="tmRoot"/>
       </p:par>
     </p:tnLst>
+  </p:timing>
+</p:sld>
+</file>
+
+<file path=ppt/slides/slide9.xml><?xml version="1.0" encoding="utf-8"?>
+<p:sld xmlns:a="http://schemas.openxmlformats.org/drawingml/2006/main" xmlns:r="http://schemas.openxmlformats.org/officeDocument/2006/relationships" xmlns:p="http://schemas.openxmlformats.org/presentationml/2006/main">
+  <p:cSld>
+    <p:spTree>
+      <p:nvGrpSpPr>
+        <p:cNvPr id="1" name=""/>
+        <p:cNvGrpSpPr/>
+        <p:nvPr/>
+      </p:nvGrpSpPr>
+      <p:grpSpPr>
+        <a:xfrm>
+          <a:off x="0" y="0"/>
+          <a:ext cx="0" cy="0"/>
+          <a:chOff x="0" y="0"/>
+          <a:chExt cx="0" cy="0"/>
+        </a:xfrm>
+      </p:grpSpPr>
+      <p:sp>
+        <p:nvSpPr>
+          <p:cNvPr id="3" name="Inhaltsplatzhalter 2"/>
+          <p:cNvSpPr>
+            <a:spLocks noGrp="1"/>
+          </p:cNvSpPr>
+          <p:nvPr>
+            <p:ph idx="1"/>
+          </p:nvPr>
+        </p:nvSpPr>
+        <p:spPr/>
+        <p:txBody>
+          <a:bodyPr>
+            <a:normAutofit fontScale="62500" lnSpcReduction="20000"/>
+          </a:bodyPr>
+          <a:lstStyle/>
+          <a:p>
+            <a:r>
+              <a:rPr lang="de-DE" sz="4000" dirty="0">
+                <a:solidFill>
+                  <a:schemeClr val="accent1">
+                    <a:lumMod val="75000"/>
+                  </a:schemeClr>
+                </a:solidFill>
+              </a:rPr>
+              <a:t>Anzeigefenster für jeweils DM und CM , </a:t>
+            </a:r>
+            <a:r>
+              <a:rPr lang="de-CH" sz="4000" dirty="0">
+                <a:solidFill>
+                  <a:schemeClr val="accent1">
+                    <a:lumMod val="75000"/>
+                  </a:schemeClr>
+                </a:solidFill>
+              </a:rPr>
+              <a:t>sowie Haupt- und </a:t>
+            </a:r>
+            <a:r>
+              <a:rPr lang="de-CH" sz="4000" dirty="0" err="1">
+                <a:solidFill>
+                  <a:schemeClr val="accent1">
+                    <a:lumMod val="75000"/>
+                  </a:schemeClr>
+                </a:solidFill>
+              </a:rPr>
+              <a:t>Parasitärparametern</a:t>
+            </a:r>
+            <a:endParaRPr lang="de-CH" sz="4000" dirty="0">
+              <a:solidFill>
+                <a:schemeClr val="accent1">
+                  <a:lumMod val="75000"/>
+                </a:schemeClr>
+              </a:solidFill>
+            </a:endParaRPr>
+          </a:p>
+          <a:p>
+            <a:r>
+              <a:rPr lang="de-CH" sz="4000" dirty="0">
+                <a:solidFill>
+                  <a:schemeClr val="accent1">
+                    <a:lumMod val="75000"/>
+                  </a:schemeClr>
+                </a:solidFill>
+              </a:rPr>
+              <a:t>Selbsterklärende und benutzerfreundlichere Bedienoberfläche</a:t>
+            </a:r>
+          </a:p>
+          <a:p>
+            <a:r>
+              <a:rPr lang="de-CH" sz="4000" dirty="0">
+                <a:solidFill>
+                  <a:schemeClr val="accent1">
+                    <a:lumMod val="75000"/>
+                  </a:schemeClr>
+                </a:solidFill>
+              </a:rPr>
+              <a:t>Sichtbare Beschriftung </a:t>
+            </a:r>
+          </a:p>
+          <a:p>
+            <a:r>
+              <a:rPr lang="de-CH" sz="4000" dirty="0" err="1">
+                <a:solidFill>
+                  <a:schemeClr val="accent1">
+                    <a:lumMod val="75000"/>
+                  </a:schemeClr>
+                </a:solidFill>
+              </a:rPr>
+              <a:t>Eiinfach</a:t>
+            </a:r>
+            <a:r>
+              <a:rPr lang="de-CH" sz="4000" dirty="0">
+                <a:solidFill>
+                  <a:schemeClr val="accent1">
+                    <a:lumMod val="75000"/>
+                  </a:schemeClr>
+                </a:solidFill>
+              </a:rPr>
+              <a:t> werden die Daten gespeichert,geladen und ausgedruckt . </a:t>
+            </a:r>
+          </a:p>
+          <a:p>
+            <a:r>
+              <a:rPr lang="de-CH" sz="4000" dirty="0">
+                <a:solidFill>
+                  <a:schemeClr val="accent1">
+                    <a:lumMod val="75000"/>
+                  </a:schemeClr>
+                </a:solidFill>
+              </a:rPr>
+              <a:t>Die Einfügungsverluste werden jeweils separat für CM und DM </a:t>
+            </a:r>
+          </a:p>
+          <a:p>
+            <a:r>
+              <a:rPr lang="de-CH" sz="4000" dirty="0">
+                <a:solidFill>
+                  <a:schemeClr val="accent1">
+                    <a:lumMod val="75000"/>
+                  </a:schemeClr>
+                </a:solidFill>
+              </a:rPr>
+              <a:t>in einem Diagramm in Abhängigkeit der Frequenz dargestellt.</a:t>
+            </a:r>
+          </a:p>
+          <a:p>
+            <a:r>
+              <a:rPr lang="de-CH" sz="4000" dirty="0">
+                <a:solidFill>
+                  <a:schemeClr val="accent1">
+                    <a:lumMod val="75000"/>
+                  </a:schemeClr>
+                </a:solidFill>
+              </a:rPr>
+              <a:t>Die Einzelansicht der Schaltungen begünstigen eine genaue Analyse der Kurve.</a:t>
+            </a:r>
+          </a:p>
+          <a:p>
+            <a:endParaRPr lang="de-CH" dirty="0"/>
+          </a:p>
+        </p:txBody>
+      </p:sp>
+      <p:sp>
+        <p:nvSpPr>
+          <p:cNvPr id="4" name="Titel 3"/>
+          <p:cNvSpPr>
+            <a:spLocks noGrp="1"/>
+          </p:cNvSpPr>
+          <p:nvPr>
+            <p:ph type="title"/>
+          </p:nvPr>
+        </p:nvSpPr>
+        <p:spPr>
+          <a:xfrm>
+            <a:off x="4444401" y="492195"/>
+            <a:ext cx="255198" cy="707886"/>
+          </a:xfrm>
+          <a:prstGeom prst="rect">
+            <a:avLst/>
+          </a:prstGeom>
+        </p:spPr>
+        <p:txBody>
+          <a:bodyPr wrap="none">
+            <a:spAutoFit/>
+          </a:bodyPr>
+          <a:lstStyle/>
+          <a:p>
+            <a:endParaRPr lang="de-CH" sz="2000" dirty="0" smtClean="0"/>
+          </a:p>
+          <a:p>
+            <a:r>
+              <a:rPr lang="de-CH" sz="2000" dirty="0" smtClean="0"/>
+              <a:t> </a:t>
+            </a:r>
+            <a:endParaRPr lang="de-CH" sz="2000" dirty="0"/>
+          </a:p>
+        </p:txBody>
+      </p:sp>
+    </p:spTree>
+    <p:extLst>
+      <p:ext uri="{BB962C8B-B14F-4D97-AF65-F5344CB8AC3E}">
+        <p14:creationId xmlns:p14="http://schemas.microsoft.com/office/powerpoint/2010/main" val="3446876240"/>
+      </p:ext>
+    </p:extLst>
+  </p:cSld>
+  <p:clrMapOvr>
+    <a:masterClrMapping/>
+  </p:clrMapOvr>
+  <p:timing>
+    <p:tnLst>
+      <p:par>
+        <p:cTn id="1" dur="indefinite" restart="never" nodeType="tmRoot">
+          <p:childTnLst>
+            <p:seq concurrent="1" nextAc="seek">
+              <p:cTn id="2" dur="indefinite" nodeType="mainSeq">
+                <p:childTnLst>
+                  <p:par>
+                    <p:cTn id="3" fill="hold">
+                      <p:stCondLst>
+                        <p:cond delay="indefinite"/>
+                      </p:stCondLst>
+                      <p:childTnLst>
+                        <p:par>
+                          <p:cTn id="4" fill="hold">
+                            <p:stCondLst>
+                              <p:cond delay="0"/>
+                            </p:stCondLst>
+                            <p:childTnLst>
+                              <p:par>
+                                <p:cTn id="5" presetID="1" presetClass="entr" presetSubtype="0" fill="hold" grpId="0" nodeType="clickEffect">
+                                  <p:stCondLst>
+                                    <p:cond delay="0"/>
+                                  </p:stCondLst>
+                                  <p:childTnLst>
+                                    <p:set>
+                                      <p:cBhvr>
+                                        <p:cTn id="6" dur="1" fill="hold">
+                                          <p:stCondLst>
+                                            <p:cond delay="0"/>
+                                          </p:stCondLst>
+                                        </p:cTn>
+                                        <p:tgtEl>
+                                          <p:spTgt spid="4"/>
+                                        </p:tgtEl>
+                                        <p:attrNameLst>
+                                          <p:attrName>style.visibility</p:attrName>
+                                        </p:attrNameLst>
+                                      </p:cBhvr>
+                                      <p:to>
+                                        <p:strVal val="visible"/>
+                                      </p:to>
+                                    </p:set>
+                                  </p:childTnLst>
+                                </p:cTn>
+                              </p:par>
+                            </p:childTnLst>
+                          </p:cTn>
+                        </p:par>
+                      </p:childTnLst>
+                    </p:cTn>
+                  </p:par>
+                </p:childTnLst>
+              </p:cTn>
+              <p:prevCondLst>
+                <p:cond evt="onPrev" delay="0">
+                  <p:tgtEl>
+                    <p:sldTgt/>
+                  </p:tgtEl>
+                </p:cond>
+              </p:prevCondLst>
+              <p:nextCondLst>
+                <p:cond evt="onNext" delay="0">
+                  <p:tgtEl>
+                    <p:sldTgt/>
+                  </p:tgtEl>
+                </p:cond>
+              </p:nextCondLst>
+            </p:seq>
+          </p:childTnLst>
+        </p:cTn>
+      </p:par>
+    </p:tnLst>
+    <p:bldLst>
+      <p:bldP spid="4" grpId="0"/>
+    </p:bldLst>
   </p:timing>
 </p:sld>
 </file>

--- a/ZwischenPresäntation.pptx
+++ b/ZwischenPresäntation.pptx
@@ -8570,15 +8570,7 @@
                   <a:schemeClr val="accent2"/>
                 </a:solidFill>
               </a:rPr>
-              <a:t> Titelbild </a:t>
-            </a:r>
-            <a:r>
-              <a:rPr lang="en-ZA" dirty="0" smtClean="0">
-                <a:solidFill>
-                  <a:schemeClr val="accent2"/>
-                </a:solidFill>
-              </a:rPr>
-              <a:t>* von Frank * </a:t>
+              <a:t> Titelbild * von Frank * </a:t>
             </a:r>
             <a:endParaRPr lang="de-CH" dirty="0">
               <a:solidFill>
@@ -8665,8 +8657,8 @@
         </p:nvSpPr>
         <p:spPr bwMode="auto">
           <a:xfrm>
-            <a:off x="539552" y="476672"/>
-            <a:ext cx="3744416" cy="677108"/>
+            <a:off x="539552" y="292006"/>
+            <a:ext cx="5688632" cy="1046440"/>
           </a:xfrm>
           <a:prstGeom prst="rect">
             <a:avLst/>
@@ -8720,14 +8712,13 @@
               </a:spcBef>
             </a:pPr>
             <a:r>
-              <a:rPr lang="de-CH" sz="2000" b="1" dirty="0" smtClean="0">
+              <a:rPr lang="de-CH" sz="4400" kern="1200" dirty="0">
                 <a:solidFill>
-                  <a:schemeClr val="tx2">
-                    <a:lumMod val="60000"/>
-                    <a:lumOff val="40000"/>
-                  </a:schemeClr>
+                  <a:schemeClr val="tx1"/>
                 </a:solidFill>
-                <a:effectLst/>
+                <a:latin typeface="Arial" panose="020B0604020202020204" pitchFamily="34" charset="0"/>
+                <a:ea typeface="+mj-ea"/>
+                <a:cs typeface="Arial" panose="020B0604020202020204" pitchFamily="34" charset="0"/>
               </a:rPr>
               <a:t>Programmablauf</a:t>
             </a:r>
@@ -8792,8 +8783,8 @@
         </p:nvSpPr>
         <p:spPr>
           <a:xfrm>
-            <a:off x="683568" y="4797152"/>
-            <a:ext cx="7632848" cy="1323439"/>
+            <a:off x="467544" y="4825358"/>
+            <a:ext cx="8496944" cy="1446550"/>
           </a:xfrm>
           <a:prstGeom prst="rect">
             <a:avLst/>
@@ -8806,6 +8797,18 @@
           <a:lstStyle/>
           <a:p>
             <a:r>
+              <a:rPr lang="de-CH" sz="2200" dirty="0">
+                <a:solidFill>
+                  <a:schemeClr val="accent1">
+                    <a:lumMod val="75000"/>
+                  </a:schemeClr>
+                </a:solidFill>
+                <a:latin typeface="Arial" panose="020B0604020202020204" pitchFamily="34" charset="0"/>
+                <a:cs typeface="Arial" panose="020B0604020202020204" pitchFamily="34" charset="0"/>
+              </a:rPr>
+              <a:t>Durch Verändern der parasitären Parameter wird das Neuzeichnen der Kurven ausgelöst. Durch Verwendung verschiedener Farben in den Kurvendiagrammen könnten optimale Einstellungen hervorgehoben und von suboptimalen unterschieden werden</a:t>
+            </a:r>
+            <a:r>
               <a:rPr lang="de-CH" sz="2000" b="1" dirty="0">
                 <a:solidFill>
                   <a:schemeClr val="tx2">
@@ -8814,7 +8817,7 @@
                   </a:schemeClr>
                 </a:solidFill>
               </a:rPr>
-              <a:t>Durch Verändern der parasitären Parameter wird das Neuzeichnen der Kurven ausgelöst. Durch Verwendung verschiedener Farben in den Kurvendiagrammen könnten optimale Einstellungen hervorgehoben und von suboptimalen unterschieden werden. </a:t>
+              <a:t>. </a:t>
             </a:r>
           </a:p>
         </p:txBody>
@@ -8932,8 +8935,10 @@
                   </a:schemeClr>
                 </a:solidFill>
               </a:rPr>
-              <a:t>Die Berechnungen </a:t>
-            </a:r>
+              <a:t>Die Berechnungen der Einfügungsverluste sind korrekt</a:t>
+            </a:r>
+          </a:p>
+          <a:p>
             <a:r>
               <a:rPr lang="de-DE" sz="2500" dirty="0">
                 <a:solidFill>
@@ -8942,39 +8947,7 @@
                   </a:schemeClr>
                 </a:solidFill>
               </a:rPr>
-              <a:t>der Einfügungsverluste sind korrekt</a:t>
-            </a:r>
-          </a:p>
-          <a:p>
-            <a:r>
-              <a:rPr lang="de-DE" sz="2500" dirty="0">
-                <a:solidFill>
-                  <a:schemeClr val="accent1">
-                    <a:lumMod val="75000"/>
-                  </a:schemeClr>
-                </a:solidFill>
-              </a:rPr>
-              <a:t>Die </a:t>
-            </a:r>
-            <a:r>
-              <a:rPr lang="de-DE" sz="2500" dirty="0">
-                <a:solidFill>
-                  <a:schemeClr val="accent1">
-                    <a:lumMod val="75000"/>
-                  </a:schemeClr>
-                </a:solidFill>
-              </a:rPr>
-              <a:t>Berechnungen </a:t>
-            </a:r>
-            <a:r>
-              <a:rPr lang="de-DE" sz="2500" dirty="0">
-                <a:solidFill>
-                  <a:schemeClr val="accent1">
-                    <a:lumMod val="75000"/>
-                  </a:schemeClr>
-                </a:solidFill>
-              </a:rPr>
-              <a:t>sind schnell (weniger als 1s Wartezeit)</a:t>
+              <a:t>Die Berechnungen sind schnell (weniger als 1s Wartezeit)</a:t>
             </a:r>
           </a:p>
           <a:p>
@@ -9031,8 +9004,8 @@
           <a:chExt cx="0" cy="0"/>
         </a:xfrm>
       </p:grpSpPr>
-      <mc:AlternateContent xmlns:mc="http://schemas.openxmlformats.org/markup-compatibility/2006" xmlns:a14="http://schemas.microsoft.com/office/drawing/2010/main">
-        <mc:Choice Requires="a14">
+      <mc:AlternateContent xmlns:mc="http://schemas.openxmlformats.org/markup-compatibility/2006">
+        <mc:Choice xmlns:a14="http://schemas.microsoft.com/office/drawing/2010/main" Requires="a14">
           <p:sp>
             <p:nvSpPr>
               <p:cNvPr id="2" name="Titel 1"/>
@@ -9043,7 +9016,12 @@
                 <p:ph type="title"/>
               </p:nvPr>
             </p:nvSpPr>
-            <p:spPr/>
+            <p:spPr>
+              <a:xfrm>
+                <a:off x="457200" y="274638"/>
+                <a:ext cx="8579296" cy="2146250"/>
+              </a:xfrm>
+            </p:spPr>
             <p:txBody>
               <a:bodyPr>
                 <a:normAutofit fontScale="90000"/>
@@ -9052,34 +9030,35 @@
               <a:p>
                 <a:pPr algn="l"/>
                 <a:r>
-                  <a:rPr lang="de-CH" sz="1800" dirty="0" smtClean="0">
-                    <a:latin typeface="Arial"/>
-                    <a:ea typeface="Times New Roman"/>
-                    <a:cs typeface="Arial"/>
+                  <a:rPr lang="de-CH" sz="2800" dirty="0" smtClean="0">
+                    <a:solidFill>
+                      <a:schemeClr val="accent1">
+                        <a:lumMod val="75000"/>
+                      </a:schemeClr>
+                    </a:solidFill>
+                    <a:ea typeface="+mn-ea"/>
                   </a:rPr>
-                  <a:t>- Nun </a:t>
+                  <a:t>Nun </a:t>
                 </a:r>
                 <a:r>
-                  <a:rPr lang="de-CH" sz="1800" dirty="0">
-                    <a:latin typeface="Arial"/>
-                    <a:ea typeface="Times New Roman"/>
-                    <a:cs typeface="Arial"/>
+                  <a:rPr lang="de-CH" sz="2800" dirty="0">
+                    <a:solidFill>
+                      <a:schemeClr val="accent1">
+                        <a:lumMod val="75000"/>
+                      </a:schemeClr>
+                    </a:solidFill>
+                    <a:ea typeface="+mn-ea"/>
                   </a:rPr>
                   <a:t>können wir die Einfügungsdämpfung a in dB berechnen: [1]</a:t>
                 </a:r>
-                <a:r>
-                  <a:rPr lang="de-CH" sz="1800" dirty="0">
-                    <a:latin typeface="Arial"/>
-                    <a:ea typeface="Calibri"/>
-                    <a:cs typeface="Arial"/>
-                  </a:rPr>
-                  <a:t/>
-                </a:r>
                 <a:br>
-                  <a:rPr lang="de-CH" sz="1800" dirty="0">
-                    <a:latin typeface="Arial"/>
-                    <a:ea typeface="Calibri"/>
-                    <a:cs typeface="Arial"/>
+                  <a:rPr lang="de-CH" sz="2800" dirty="0">
+                    <a:solidFill>
+                      <a:schemeClr val="accent1">
+                        <a:lumMod val="75000"/>
+                      </a:schemeClr>
+                    </a:solidFill>
+                    <a:ea typeface="+mn-ea"/>
                   </a:rPr>
                 </a:br>
                 <a14:m>
@@ -9091,57 +9070,64 @@
                       <m:sSub>
                         <m:sSubPr>
                           <m:ctrlPr>
-                            <a:rPr lang="de-CH" sz="1800" i="1">
-                              <a:latin typeface="Cambria Math"/>
-                              <a:ea typeface="Calibri"/>
-                              <a:cs typeface="Arial"/>
+                            <a:rPr lang="de-CH" sz="2800">
+                              <a:solidFill>
+                                <a:schemeClr val="accent1">
+                                  <a:lumMod val="75000"/>
+                                </a:schemeClr>
+                              </a:solidFill>
+                              <a:ea typeface="+mn-ea"/>
                             </a:rPr>
                           </m:ctrlPr>
                         </m:sSubPr>
                         <m:e>
                           <m:r>
-                            <a:rPr lang="de-CH" sz="1800" i="1">
-                              <a:latin typeface="Cambria Math"/>
-                              <a:ea typeface="Calibri"/>
-                              <a:cs typeface="Arial"/>
+                            <a:rPr lang="de-CH" sz="2800">
+                              <a:solidFill>
+                                <a:schemeClr val="accent1">
+                                  <a:lumMod val="75000"/>
+                                </a:schemeClr>
+                              </a:solidFill>
+                              <a:ea typeface="+mn-ea"/>
                             </a:rPr>
                             <m:t>𝑎</m:t>
                           </m:r>
                         </m:e>
                         <m:sub>
                           <m:r>
-                            <a:rPr lang="de-CH" sz="1800" i="1">
-                              <a:latin typeface="Cambria Math"/>
-                              <a:ea typeface="Calibri"/>
-                              <a:cs typeface="Arial"/>
+                            <a:rPr lang="de-CH" sz="2800">
+                              <a:solidFill>
+                                <a:schemeClr val="accent1">
+                                  <a:lumMod val="75000"/>
+                                </a:schemeClr>
+                              </a:solidFill>
+                              <a:ea typeface="+mn-ea"/>
                             </a:rPr>
                             <m:t>𝐼</m:t>
                           </m:r>
                         </m:sub>
                       </m:sSub>
                       <m:r>
-                        <a:rPr lang="de-CH" sz="1800" i="1">
-                          <a:latin typeface="Cambria Math"/>
-                          <a:ea typeface="Calibri"/>
-                          <a:cs typeface="Arial"/>
+                        <a:rPr lang="de-CH" sz="2800">
+                          <a:solidFill>
+                            <a:schemeClr val="accent1">
+                              <a:lumMod val="75000"/>
+                            </a:schemeClr>
+                          </a:solidFill>
+                          <a:ea typeface="+mn-ea"/>
                         </a:rPr>
-                        <m:t>=−</m:t>
-                      </m:r>
-                      <m:r>
-                        <a:rPr lang="de-CH" sz="1800" i="1">
-                          <a:latin typeface="Cambria Math"/>
-                          <a:ea typeface="Calibri"/>
-                          <a:cs typeface="Arial"/>
-                        </a:rPr>
-                        <m:t>20</m:t>
+                        <m:t>=−20</m:t>
                       </m:r>
                       <m:func>
                         <m:funcPr>
                           <m:ctrlPr>
-                            <a:rPr lang="de-CH" sz="1800" i="1">
-                              <a:latin typeface="Cambria Math"/>
-                              <a:ea typeface="Calibri"/>
-                              <a:cs typeface="Arial"/>
+                            <a:rPr lang="de-CH" sz="2800">
+                              <a:solidFill>
+                                <a:schemeClr val="accent1">
+                                  <a:lumMod val="75000"/>
+                                </a:schemeClr>
+                              </a:solidFill>
+                              <a:ea typeface="+mn-ea"/>
                             </a:rPr>
                           </m:ctrlPr>
                         </m:funcPr>
@@ -9150,10 +9136,13 @@
                             <m:rPr>
                               <m:sty m:val="p"/>
                             </m:rPr>
-                            <a:rPr lang="de-CH" sz="1800">
-                              <a:latin typeface="Cambria Math"/>
-                              <a:ea typeface="Calibri"/>
-                              <a:cs typeface="Arial"/>
+                            <a:rPr lang="de-CH" sz="2800">
+                              <a:solidFill>
+                                <a:schemeClr val="accent1">
+                                  <a:lumMod val="75000"/>
+                                </a:schemeClr>
+                              </a:solidFill>
+                              <a:ea typeface="+mn-ea"/>
                             </a:rPr>
                             <m:t>log</m:t>
                           </m:r>
@@ -9164,10 +9153,13 @@
                               <m:begChr m:val="|"/>
                               <m:endChr m:val="|"/>
                               <m:ctrlPr>
-                                <a:rPr lang="de-CH" sz="1800" i="1">
-                                  <a:latin typeface="Cambria Math"/>
-                                  <a:ea typeface="Calibri"/>
-                                  <a:cs typeface="Arial"/>
+                                <a:rPr lang="de-CH" sz="2800">
+                                  <a:solidFill>
+                                    <a:schemeClr val="accent1">
+                                      <a:lumMod val="75000"/>
+                                    </a:schemeClr>
+                                  </a:solidFill>
+                                  <a:ea typeface="+mn-ea"/>
                                 </a:rPr>
                               </m:ctrlPr>
                             </m:dPr>
@@ -9175,29 +9167,38 @@
                               <m:sSub>
                                 <m:sSubPr>
                                   <m:ctrlPr>
-                                    <a:rPr lang="de-CH" sz="1800" i="1">
-                                      <a:latin typeface="Cambria Math"/>
-                                      <a:ea typeface="Calibri"/>
-                                      <a:cs typeface="Arial"/>
+                                    <a:rPr lang="de-CH" sz="2800">
+                                      <a:solidFill>
+                                        <a:schemeClr val="accent1">
+                                          <a:lumMod val="75000"/>
+                                        </a:schemeClr>
+                                      </a:solidFill>
+                                      <a:ea typeface="+mn-ea"/>
                                     </a:rPr>
                                   </m:ctrlPr>
                                 </m:sSubPr>
                                 <m:e>
                                   <m:r>
-                                    <a:rPr lang="de-CH" sz="1800" i="1">
-                                      <a:latin typeface="Cambria Math"/>
-                                      <a:ea typeface="Calibri"/>
-                                      <a:cs typeface="Arial"/>
+                                    <a:rPr lang="de-CH" sz="2800">
+                                      <a:solidFill>
+                                        <a:schemeClr val="accent1">
+                                          <a:lumMod val="75000"/>
+                                        </a:schemeClr>
+                                      </a:solidFill>
+                                      <a:ea typeface="+mn-ea"/>
                                     </a:rPr>
                                     <m:t>𝑆</m:t>
                                   </m:r>
                                 </m:e>
                                 <m:sub>
                                   <m:r>
-                                    <a:rPr lang="de-CH" sz="1800" i="1">
-                                      <a:latin typeface="Cambria Math"/>
-                                      <a:ea typeface="Calibri"/>
-                                      <a:cs typeface="Arial"/>
+                                    <a:rPr lang="de-CH" sz="2800">
+                                      <a:solidFill>
+                                        <a:schemeClr val="accent1">
+                                          <a:lumMod val="75000"/>
+                                        </a:schemeClr>
+                                      </a:solidFill>
+                                      <a:ea typeface="+mn-ea"/>
                                     </a:rPr>
                                     <m:t>21</m:t>
                                   </m:r>
@@ -9206,10 +9207,13 @@
                             </m:e>
                           </m:d>
                           <m:r>
-                            <a:rPr lang="de-CH" sz="1800" i="1">
-                              <a:latin typeface="Cambria Math"/>
-                              <a:ea typeface="Calibri"/>
-                              <a:cs typeface="Arial"/>
+                            <a:rPr lang="de-CH" sz="2800">
+                              <a:solidFill>
+                                <a:schemeClr val="accent1">
+                                  <a:lumMod val="75000"/>
+                                </a:schemeClr>
+                              </a:solidFill>
+                              <a:ea typeface="+mn-ea"/>
                             </a:rPr>
                             <m:t> </m:t>
                           </m:r>
@@ -9218,19 +9222,25 @@
                               <m:begChr m:val="["/>
                               <m:endChr m:val="]"/>
                               <m:ctrlPr>
-                                <a:rPr lang="de-CH" sz="1800" i="1">
-                                  <a:latin typeface="Cambria Math"/>
-                                  <a:ea typeface="Calibri"/>
-                                  <a:cs typeface="Arial"/>
+                                <a:rPr lang="de-CH" sz="2800">
+                                  <a:solidFill>
+                                    <a:schemeClr val="accent1">
+                                      <a:lumMod val="75000"/>
+                                    </a:schemeClr>
+                                  </a:solidFill>
+                                  <a:ea typeface="+mn-ea"/>
                                 </a:rPr>
                               </m:ctrlPr>
                             </m:dPr>
                             <m:e>
                               <m:r>
-                                <a:rPr lang="de-CH" sz="1800" i="1">
-                                  <a:latin typeface="Cambria Math"/>
-                                  <a:ea typeface="Calibri"/>
-                                  <a:cs typeface="Arial"/>
+                                <a:rPr lang="de-CH" sz="2800">
+                                  <a:solidFill>
+                                    <a:schemeClr val="accent1">
+                                      <a:lumMod val="75000"/>
+                                    </a:schemeClr>
+                                  </a:solidFill>
+                                  <a:ea typeface="+mn-ea"/>
                                 </a:rPr>
                                 <m:t>𝑑𝐵</m:t>
                               </m:r>
@@ -9242,34 +9252,42 @@
                   </m:oMathPara>
                 </a14:m>
                 <a:r>
-                  <a:rPr lang="de-CH" sz="1800" dirty="0">
-                    <a:latin typeface="Arial"/>
-                    <a:ea typeface="Calibri"/>
-                    <a:cs typeface="Arial"/>
+                  <a:rPr lang="de-CH" sz="2800" dirty="0">
+                    <a:solidFill>
+                      <a:schemeClr val="accent1">
+                        <a:lumMod val="75000"/>
+                      </a:schemeClr>
+                    </a:solidFill>
+                    <a:ea typeface="+mn-ea"/>
                   </a:rPr>
                   <a:t/>
                 </a:r>
                 <a:br>
-                  <a:rPr lang="de-CH" sz="1800" dirty="0">
-                    <a:latin typeface="Arial"/>
-                    <a:ea typeface="Calibri"/>
-                    <a:cs typeface="Arial"/>
+                  <a:rPr lang="de-CH" sz="2800" dirty="0">
+                    <a:solidFill>
+                      <a:schemeClr val="accent1">
+                        <a:lumMod val="75000"/>
+                      </a:schemeClr>
+                    </a:solidFill>
+                    <a:ea typeface="+mn-ea"/>
                   </a:rPr>
                 </a:br>
                 <a:r>
-                  <a:rPr lang="de-CH" sz="1800" dirty="0">
-                    <a:latin typeface="Arial"/>
-                    <a:ea typeface="Calibri"/>
-                    <a:cs typeface="Arial"/>
+                  <a:rPr lang="de-CH" sz="2800" dirty="0">
+                    <a:solidFill>
+                      <a:schemeClr val="accent1">
+                        <a:lumMod val="75000"/>
+                      </a:schemeClr>
+                    </a:solidFill>
+                    <a:ea typeface="+mn-ea"/>
                   </a:rPr>
                   <a:t>Dieser Parameter wird mit verschiedenen Frequenzen berechnet, damit man die Einfügungsdämpfung über dem ganzen Spektrum darstellen kann.</a:t>
                 </a:r>
-                <a:endParaRPr lang="de-CH" sz="1800" dirty="0"/>
               </a:p>
             </p:txBody>
           </p:sp>
         </mc:Choice>
-        <mc:Fallback xmlns="">
+        <mc:Fallback>
           <p:sp>
             <p:nvSpPr>
               <p:cNvPr id="2" name="Titel 1"/>
@@ -9281,10 +9299,14 @@
               </p:nvPr>
             </p:nvSpPr>
             <p:spPr>
+              <a:xfrm>
+                <a:off x="457200" y="274638"/>
+                <a:ext cx="8579296" cy="2146250"/>
+              </a:xfrm>
               <a:blipFill rotWithShape="1">
                 <a:blip r:embed="rId2"/>
                 <a:stretch>
-                  <a:fillRect l="-370" b="-3191"/>
+                  <a:fillRect l="-1137" t="-7386" b="-12216"/>
                 </a:stretch>
               </a:blipFill>
             </p:spPr>
@@ -9321,7 +9343,7 @@
         </p:blipFill>
         <p:spPr>
           <a:xfrm>
-            <a:off x="395536" y="1628800"/>
+            <a:off x="395536" y="2874426"/>
             <a:ext cx="8229600" cy="3362886"/>
           </a:xfrm>
           <a:prstGeom prst="rect">
@@ -10468,7 +10490,6 @@
               <a:rPr lang="de-CH" sz="4000" dirty="0"/>
               <a:t>Aufgaben </a:t>
             </a:r>
-            <a:endParaRPr lang="de-CH" sz="4000" dirty="0"/>
           </a:p>
         </p:txBody>
       </p:sp>
@@ -10607,18 +10628,7 @@
                 </a:solidFill>
                 <a:ea typeface="+mj-ea"/>
               </a:rPr>
-              <a:t>der </a:t>
-            </a:r>
-            <a:r>
-              <a:rPr lang="de-CH" sz="4000" dirty="0">
-                <a:solidFill>
-                  <a:schemeClr val="accent1">
-                    <a:lumMod val="75000"/>
-                  </a:schemeClr>
-                </a:solidFill>
-                <a:ea typeface="+mj-ea"/>
-              </a:rPr>
-              <a:t>Software</a:t>
+              <a:t>der Software</a:t>
             </a:r>
           </a:p>
           <a:p>
@@ -10642,18 +10652,7 @@
                 </a:solidFill>
                 <a:ea typeface="+mj-ea"/>
               </a:rPr>
-              <a:t> </a:t>
-            </a:r>
-            <a:r>
-              <a:rPr lang="de-CH" sz="4000" dirty="0">
-                <a:solidFill>
-                  <a:schemeClr val="accent1">
-                    <a:lumMod val="75000"/>
-                  </a:schemeClr>
-                </a:solidFill>
-                <a:ea typeface="+mj-ea"/>
-              </a:rPr>
-              <a:t>mit </a:t>
+              <a:t> mit </a:t>
             </a:r>
             <a:r>
               <a:rPr lang="de-CH" sz="4000" dirty="0" err="1" smtClean="0">
@@ -10775,8 +10774,10 @@
                   </a:schemeClr>
                 </a:solidFill>
               </a:rPr>
-              <a:t> </a:t>
-            </a:r>
+              <a:t> Darstellung der Kurven</a:t>
+            </a:r>
+          </a:p>
+          <a:p>
             <a:r>
               <a:rPr lang="de-CH" sz="2800" dirty="0">
                 <a:solidFill>
@@ -10785,39 +10786,7 @@
                   </a:schemeClr>
                 </a:solidFill>
               </a:rPr>
-              <a:t>Darstellung der </a:t>
-            </a:r>
-            <a:r>
-              <a:rPr lang="de-CH" sz="2800" dirty="0">
-                <a:solidFill>
-                  <a:schemeClr val="accent1">
-                    <a:lumMod val="75000"/>
-                  </a:schemeClr>
-                </a:solidFill>
-              </a:rPr>
-              <a:t>Kurven</a:t>
-            </a:r>
-          </a:p>
-          <a:p>
-            <a:r>
-              <a:rPr lang="de-CH" sz="2800" dirty="0">
-                <a:solidFill>
-                  <a:schemeClr val="accent1">
-                    <a:lumMod val="75000"/>
-                  </a:schemeClr>
-                </a:solidFill>
-              </a:rPr>
-              <a:t>Menüleiste mit gröberen Einstellungen und </a:t>
-            </a:r>
-            <a:r>
-              <a:rPr lang="de-CH" sz="2800" dirty="0">
-                <a:solidFill>
-                  <a:schemeClr val="accent1">
-                    <a:lumMod val="75000"/>
-                  </a:schemeClr>
-                </a:solidFill>
-              </a:rPr>
-              <a:t>Funktionen</a:t>
+              <a:t>Menüleiste mit gröberen Einstellungen und Funktionen</a:t>
             </a:r>
           </a:p>
           <a:p>
@@ -10831,13 +10800,6 @@
               </a:rPr>
               <a:t>Werte der parasitären Parameter </a:t>
             </a:r>
-            <a:endParaRPr lang="de-CH" sz="2800" dirty="0">
-              <a:solidFill>
-                <a:schemeClr val="accent1">
-                  <a:lumMod val="75000"/>
-                </a:schemeClr>
-              </a:solidFill>
-            </a:endParaRPr>
           </a:p>
           <a:p>
             <a:r>
@@ -11109,7 +11071,7 @@
         <p:spPr>
           <a:xfrm>
             <a:off x="668467" y="476672"/>
-            <a:ext cx="3674660" cy="523220"/>
+            <a:ext cx="5716630" cy="707886"/>
           </a:xfrm>
           <a:prstGeom prst="rect">
             <a:avLst/>
@@ -11122,51 +11084,41 @@
           <a:lstStyle/>
           <a:p>
             <a:r>
-              <a:rPr lang="de-CH" sz="2800" dirty="0" err="1" smtClean="0">
-                <a:solidFill>
-                  <a:schemeClr val="tx2">
-                    <a:lumMod val="75000"/>
-                  </a:schemeClr>
-                </a:solidFill>
+              <a:rPr lang="de-CH" sz="4000" dirty="0" err="1">
+                <a:latin typeface="Arial" panose="020B0604020202020204" pitchFamily="34" charset="0"/>
+                <a:ea typeface="+mj-ea"/>
+                <a:cs typeface="Arial" panose="020B0604020202020204" pitchFamily="34" charset="0"/>
               </a:rPr>
               <a:t>Mcok</a:t>
             </a:r>
             <a:r>
-              <a:rPr lang="de-CH" sz="2800" dirty="0" err="1">
-                <a:solidFill>
-                  <a:schemeClr val="tx2">
-                    <a:lumMod val="75000"/>
-                  </a:schemeClr>
-                </a:solidFill>
+              <a:rPr lang="de-CH" sz="4000" dirty="0" err="1">
+                <a:latin typeface="Arial" panose="020B0604020202020204" pitchFamily="34" charset="0"/>
+                <a:ea typeface="+mj-ea"/>
+                <a:cs typeface="Arial" panose="020B0604020202020204" pitchFamily="34" charset="0"/>
               </a:rPr>
               <a:t>-</a:t>
             </a:r>
             <a:r>
-              <a:rPr lang="de-CH" sz="2800" dirty="0" err="1" smtClean="0">
-                <a:solidFill>
-                  <a:schemeClr val="tx2">
-                    <a:lumMod val="75000"/>
-                  </a:schemeClr>
-                </a:solidFill>
+              <a:rPr lang="de-CH" sz="4000" dirty="0" err="1">
+                <a:latin typeface="Arial" panose="020B0604020202020204" pitchFamily="34" charset="0"/>
+                <a:ea typeface="+mj-ea"/>
+                <a:cs typeface="Arial" panose="020B0604020202020204" pitchFamily="34" charset="0"/>
               </a:rPr>
               <a:t>Up</a:t>
             </a:r>
             <a:r>
-              <a:rPr lang="de-CH" sz="2800" dirty="0" smtClean="0">
-                <a:solidFill>
-                  <a:schemeClr val="tx2">
-                    <a:lumMod val="75000"/>
-                  </a:schemeClr>
-                </a:solidFill>
+              <a:rPr lang="de-CH" sz="4000" dirty="0">
+                <a:latin typeface="Arial" panose="020B0604020202020204" pitchFamily="34" charset="0"/>
+                <a:ea typeface="+mj-ea"/>
+                <a:cs typeface="Arial" panose="020B0604020202020204" pitchFamily="34" charset="0"/>
               </a:rPr>
               <a:t> / Die Schemas</a:t>
             </a:r>
-            <a:endParaRPr lang="de-CH" dirty="0">
-              <a:solidFill>
-                <a:schemeClr val="tx2">
-                  <a:lumMod val="75000"/>
-                </a:schemeClr>
-              </a:solidFill>
+            <a:endParaRPr lang="de-CH" sz="4000" dirty="0">
+              <a:latin typeface="Arial" panose="020B0604020202020204" pitchFamily="34" charset="0"/>
+              <a:ea typeface="+mj-ea"/>
+              <a:cs typeface="Arial" panose="020B0604020202020204" pitchFamily="34" charset="0"/>
             </a:endParaRPr>
           </a:p>
         </p:txBody>
@@ -11246,14 +11198,14 @@
               <a:t>sowie Haupt- und </a:t>
             </a:r>
             <a:r>
-              <a:rPr lang="de-CH" sz="4000" dirty="0" err="1">
+              <a:rPr lang="de-CH" sz="4000" dirty="0" smtClean="0">
                 <a:solidFill>
                   <a:schemeClr val="accent1">
                     <a:lumMod val="75000"/>
                   </a:schemeClr>
                 </a:solidFill>
               </a:rPr>
-              <a:t>Parasitärparametern</a:t>
+              <a:t>Parasitär Parametern</a:t>
             </a:r>
             <a:endParaRPr lang="de-CH" sz="4000" dirty="0">
               <a:solidFill>
@@ -11289,14 +11241,14 @@
           </a:p>
           <a:p>
             <a:r>
-              <a:rPr lang="de-CH" sz="4000" dirty="0" err="1">
+              <a:rPr lang="de-CH" sz="4000" dirty="0" smtClean="0">
                 <a:solidFill>
                   <a:schemeClr val="accent1">
                     <a:lumMod val="75000"/>
                   </a:schemeClr>
                 </a:solidFill>
               </a:rPr>
-              <a:t>Eiinfach</a:t>
+              <a:t>Einfach </a:t>
             </a:r>
             <a:r>
               <a:rPr lang="de-CH" sz="4000" dirty="0">
@@ -11306,7 +11258,7 @@
                   </a:schemeClr>
                 </a:solidFill>
               </a:rPr>
-              <a:t> werden die Daten gespeichert,geladen und ausgedruckt . </a:t>
+              <a:t>werden die Daten gespeichert,geladen und ausgedruckt . </a:t>
             </a:r>
           </a:p>
           <a:p>
@@ -11320,8 +11272,16 @@
               </a:rPr>
               <a:t>Die Einfügungsverluste werden jeweils separat für CM und DM </a:t>
             </a:r>
-          </a:p>
-          <a:p>
+            <a:r>
+              <a:rPr lang="de-CH" sz="4000" dirty="0" smtClean="0">
+                <a:solidFill>
+                  <a:schemeClr val="accent1">
+                    <a:lumMod val="75000"/>
+                  </a:schemeClr>
+                </a:solidFill>
+              </a:rPr>
+              <a:t>in </a:t>
+            </a:r>
             <a:r>
               <a:rPr lang="de-CH" sz="4000" dirty="0">
                 <a:solidFill>
@@ -11330,7 +11290,7 @@
                   </a:schemeClr>
                 </a:solidFill>
               </a:rPr>
-              <a:t>in einem Diagramm in Abhängigkeit der Frequenz dargestellt.</a:t>
+              <a:t>einem Diagramm in Abhängigkeit der Frequenz dargestellt.</a:t>
             </a:r>
           </a:p>
           <a:p>
@@ -11383,6 +11343,51 @@
               <a:t> </a:t>
             </a:r>
             <a:endParaRPr lang="de-CH" sz="2000" dirty="0"/>
+          </a:p>
+        </p:txBody>
+      </p:sp>
+      <p:sp>
+        <p:nvSpPr>
+          <p:cNvPr id="2" name="Rechteck 1"/>
+          <p:cNvSpPr/>
+          <p:nvPr/>
+        </p:nvSpPr>
+        <p:spPr>
+          <a:xfrm>
+            <a:off x="827584" y="548680"/>
+            <a:ext cx="4798108" cy="769441"/>
+          </a:xfrm>
+          <a:prstGeom prst="rect">
+            <a:avLst/>
+          </a:prstGeom>
+        </p:spPr>
+        <p:txBody>
+          <a:bodyPr wrap="none">
+            <a:spAutoFit/>
+          </a:bodyPr>
+          <a:lstStyle/>
+          <a:p>
+            <a:r>
+              <a:rPr lang="de-CH" sz="4400" dirty="0">
+                <a:latin typeface="Arial" panose="020B0604020202020204" pitchFamily="34" charset="0"/>
+                <a:ea typeface="+mj-ea"/>
+                <a:cs typeface="Arial" panose="020B0604020202020204" pitchFamily="34" charset="0"/>
+              </a:rPr>
+              <a:t>Software </a:t>
+            </a:r>
+            <a:r>
+              <a:rPr lang="de-CH" sz="4400" dirty="0" smtClean="0">
+                <a:latin typeface="Arial" panose="020B0604020202020204" pitchFamily="34" charset="0"/>
+                <a:ea typeface="+mj-ea"/>
+                <a:cs typeface="Arial" panose="020B0604020202020204" pitchFamily="34" charset="0"/>
+              </a:rPr>
+              <a:t>Features</a:t>
+            </a:r>
+            <a:endParaRPr lang="de-CH" sz="4400" dirty="0">
+              <a:latin typeface="Arial" panose="020B0604020202020204" pitchFamily="34" charset="0"/>
+              <a:ea typeface="+mj-ea"/>
+              <a:cs typeface="Arial" panose="020B0604020202020204" pitchFamily="34" charset="0"/>
+            </a:endParaRPr>
           </a:p>
         </p:txBody>
       </p:sp>

--- a/ZwischenPresäntation.pptx
+++ b/ZwischenPresäntation.pptx
@@ -8621,9 +8621,161 @@
   <p:timing>
     <p:tnLst>
       <p:par>
-        <p:cTn id="1" dur="indefinite" restart="never" nodeType="tmRoot"/>
+        <p:cTn id="1" dur="indefinite" restart="never" nodeType="tmRoot">
+          <p:childTnLst>
+            <p:seq concurrent="1" nextAc="seek">
+              <p:cTn id="2" dur="indefinite" nodeType="mainSeq">
+                <p:childTnLst>
+                  <p:par>
+                    <p:cTn id="3" fill="hold">
+                      <p:stCondLst>
+                        <p:cond delay="indefinite"/>
+                      </p:stCondLst>
+                      <p:childTnLst>
+                        <p:par>
+                          <p:cTn id="4" fill="hold">
+                            <p:stCondLst>
+                              <p:cond delay="0"/>
+                            </p:stCondLst>
+                            <p:childTnLst>
+                              <p:par>
+                                <p:cTn id="5" presetID="10" presetClass="entr" presetSubtype="0" fill="hold" grpId="0" nodeType="clickEffect">
+                                  <p:stCondLst>
+                                    <p:cond delay="0"/>
+                                  </p:stCondLst>
+                                  <p:childTnLst>
+                                    <p:set>
+                                      <p:cBhvr>
+                                        <p:cTn id="6" dur="1" fill="hold">
+                                          <p:stCondLst>
+                                            <p:cond delay="0"/>
+                                          </p:stCondLst>
+                                        </p:cTn>
+                                        <p:tgtEl>
+                                          <p:spTgt spid="2"/>
+                                        </p:tgtEl>
+                                        <p:attrNameLst>
+                                          <p:attrName>style.visibility</p:attrName>
+                                        </p:attrNameLst>
+                                      </p:cBhvr>
+                                      <p:to>
+                                        <p:strVal val="visible"/>
+                                      </p:to>
+                                    </p:set>
+                                    <p:animEffect transition="in" filter="fade">
+                                      <p:cBhvr>
+                                        <p:cTn id="7" dur="500"/>
+                                        <p:tgtEl>
+                                          <p:spTgt spid="2"/>
+                                        </p:tgtEl>
+                                      </p:cBhvr>
+                                    </p:animEffect>
+                                  </p:childTnLst>
+                                </p:cTn>
+                              </p:par>
+                            </p:childTnLst>
+                          </p:cTn>
+                        </p:par>
+                      </p:childTnLst>
+                    </p:cTn>
+                  </p:par>
+                  <p:par>
+                    <p:cTn id="8" fill="hold">
+                      <p:stCondLst>
+                        <p:cond delay="indefinite"/>
+                      </p:stCondLst>
+                      <p:childTnLst>
+                        <p:par>
+                          <p:cTn id="9" fill="hold">
+                            <p:stCondLst>
+                              <p:cond delay="0"/>
+                            </p:stCondLst>
+                            <p:childTnLst>
+                              <p:par>
+                                <p:cTn id="10" presetID="1" presetClass="entr" presetSubtype="0" fill="hold" nodeType="clickEffect">
+                                  <p:stCondLst>
+                                    <p:cond delay="0"/>
+                                  </p:stCondLst>
+                                  <p:childTnLst>
+                                    <p:set>
+                                      <p:cBhvr>
+                                        <p:cTn id="11" dur="1" fill="hold">
+                                          <p:stCondLst>
+                                            <p:cond delay="0"/>
+                                          </p:stCondLst>
+                                        </p:cTn>
+                                        <p:tgtEl>
+                                          <p:spTgt spid="4"/>
+                                        </p:tgtEl>
+                                        <p:attrNameLst>
+                                          <p:attrName>style.visibility</p:attrName>
+                                        </p:attrNameLst>
+                                      </p:cBhvr>
+                                      <p:to>
+                                        <p:strVal val="visible"/>
+                                      </p:to>
+                                    </p:set>
+                                  </p:childTnLst>
+                                </p:cTn>
+                              </p:par>
+                              <p:par>
+                                <p:cTn id="12" presetID="1" presetClass="entr" presetSubtype="0" fill="hold" grpId="0" nodeType="withEffect">
+                                  <p:stCondLst>
+                                    <p:cond delay="0"/>
+                                  </p:stCondLst>
+                                  <p:childTnLst>
+                                    <p:set>
+                                      <p:cBhvr>
+                                        <p:cTn id="13" dur="1" fill="hold">
+                                          <p:stCondLst>
+                                            <p:cond delay="0"/>
+                                          </p:stCondLst>
+                                        </p:cTn>
+                                        <p:tgtEl>
+                                          <p:spTgt spid="3"/>
+                                        </p:tgtEl>
+                                        <p:attrNameLst>
+                                          <p:attrName>style.visibility</p:attrName>
+                                        </p:attrNameLst>
+                                      </p:cBhvr>
+                                      <p:to>
+                                        <p:strVal val="visible"/>
+                                      </p:to>
+                                    </p:set>
+                                  </p:childTnLst>
+                                </p:cTn>
+                              </p:par>
+                            </p:childTnLst>
+                          </p:cTn>
+                        </p:par>
+                      </p:childTnLst>
+                    </p:cTn>
+                  </p:par>
+                </p:childTnLst>
+              </p:cTn>
+              <p:prevCondLst>
+                <p:cond evt="onPrev" delay="0">
+                  <p:tgtEl>
+                    <p:sldTgt/>
+                  </p:tgtEl>
+                </p:cond>
+              </p:prevCondLst>
+              <p:nextCondLst>
+                <p:cond evt="onNext" delay="0">
+                  <p:tgtEl>
+                    <p:sldTgt/>
+                  </p:tgtEl>
+                </p:cond>
+              </p:nextCondLst>
+            </p:seq>
+          </p:childTnLst>
+        </p:cTn>
       </p:par>
     </p:tnLst>
+    <p:bldLst>
+      <p:bldP spid="2" grpId="0"/>
+      <p:bldP spid="3" grpId="0"/>
+    </p:bldLst>
   </p:timing>
 </p:sld>
 </file>
@@ -8864,9 +9016,199 @@
   <p:timing>
     <p:tnLst>
       <p:par>
-        <p:cTn id="1" dur="indefinite" restart="never" nodeType="tmRoot"/>
+        <p:cTn id="1" dur="indefinite" restart="never" nodeType="tmRoot">
+          <p:childTnLst>
+            <p:seq concurrent="1" nextAc="seek">
+              <p:cTn id="2" dur="indefinite" nodeType="mainSeq">
+                <p:childTnLst>
+                  <p:par>
+                    <p:cTn id="3" fill="hold">
+                      <p:stCondLst>
+                        <p:cond delay="indefinite"/>
+                      </p:stCondLst>
+                      <p:childTnLst>
+                        <p:par>
+                          <p:cTn id="4" fill="hold">
+                            <p:stCondLst>
+                              <p:cond delay="0"/>
+                            </p:stCondLst>
+                            <p:childTnLst>
+                              <p:par>
+                                <p:cTn id="5" presetID="1" presetClass="entr" presetSubtype="0" fill="hold" grpId="0" nodeType="clickEffect">
+                                  <p:stCondLst>
+                                    <p:cond delay="0"/>
+                                  </p:stCondLst>
+                                  <p:childTnLst>
+                                    <p:set>
+                                      <p:cBhvr>
+                                        <p:cTn id="6" dur="1" fill="hold">
+                                          <p:stCondLst>
+                                            <p:cond delay="0"/>
+                                          </p:stCondLst>
+                                        </p:cTn>
+                                        <p:tgtEl>
+                                          <p:spTgt spid="5"/>
+                                        </p:tgtEl>
+                                        <p:attrNameLst>
+                                          <p:attrName>style.visibility</p:attrName>
+                                        </p:attrNameLst>
+                                      </p:cBhvr>
+                                      <p:to>
+                                        <p:strVal val="visible"/>
+                                      </p:to>
+                                    </p:set>
+                                  </p:childTnLst>
+                                </p:cTn>
+                              </p:par>
+                            </p:childTnLst>
+                          </p:cTn>
+                        </p:par>
+                      </p:childTnLst>
+                    </p:cTn>
+                  </p:par>
+                  <p:par>
+                    <p:cTn id="7" fill="hold">
+                      <p:stCondLst>
+                        <p:cond delay="indefinite"/>
+                      </p:stCondLst>
+                      <p:childTnLst>
+                        <p:par>
+                          <p:cTn id="8" fill="hold">
+                            <p:stCondLst>
+                              <p:cond delay="0"/>
+                            </p:stCondLst>
+                            <p:childTnLst>
+                              <p:par>
+                                <p:cTn id="9" presetID="1" presetClass="entr" presetSubtype="0" fill="hold" nodeType="clickEffect">
+                                  <p:stCondLst>
+                                    <p:cond delay="0"/>
+                                  </p:stCondLst>
+                                  <p:childTnLst>
+                                    <p:set>
+                                      <p:cBhvr>
+                                        <p:cTn id="10" dur="1" fill="hold">
+                                          <p:stCondLst>
+                                            <p:cond delay="0"/>
+                                          </p:stCondLst>
+                                        </p:cTn>
+                                        <p:tgtEl>
+                                          <p:spTgt spid="7"/>
+                                        </p:tgtEl>
+                                        <p:attrNameLst>
+                                          <p:attrName>style.visibility</p:attrName>
+                                        </p:attrNameLst>
+                                      </p:cBhvr>
+                                      <p:to>
+                                        <p:strVal val="visible"/>
+                                      </p:to>
+                                    </p:set>
+                                  </p:childTnLst>
+                                </p:cTn>
+                              </p:par>
+                              <p:par>
+                                <p:cTn id="11" presetID="1" presetClass="entr" presetSubtype="0" fill="hold" grpId="0" nodeType="withEffect">
+                                  <p:stCondLst>
+                                    <p:cond delay="0"/>
+                                  </p:stCondLst>
+                                  <p:childTnLst>
+                                    <p:set>
+                                      <p:cBhvr>
+                                        <p:cTn id="12" dur="1" fill="hold">
+                                          <p:stCondLst>
+                                            <p:cond delay="0"/>
+                                          </p:stCondLst>
+                                        </p:cTn>
+                                        <p:tgtEl>
+                                          <p:spTgt spid="10"/>
+                                        </p:tgtEl>
+                                        <p:attrNameLst>
+                                          <p:attrName>style.visibility</p:attrName>
+                                        </p:attrNameLst>
+                                      </p:cBhvr>
+                                      <p:to>
+                                        <p:strVal val="visible"/>
+                                      </p:to>
+                                    </p:set>
+                                  </p:childTnLst>
+                                </p:cTn>
+                              </p:par>
+                            </p:childTnLst>
+                          </p:cTn>
+                        </p:par>
+                      </p:childTnLst>
+                    </p:cTn>
+                  </p:par>
+                  <p:par>
+                    <p:cTn id="13" fill="hold">
+                      <p:stCondLst>
+                        <p:cond delay="indefinite"/>
+                      </p:stCondLst>
+                      <p:childTnLst>
+                        <p:par>
+                          <p:cTn id="14" fill="hold">
+                            <p:stCondLst>
+                              <p:cond delay="0"/>
+                            </p:stCondLst>
+                            <p:childTnLst>
+                              <p:par>
+                                <p:cTn id="15" presetID="1" presetClass="entr" presetSubtype="0" fill="hold" grpId="0" nodeType="clickEffect">
+                                  <p:stCondLst>
+                                    <p:cond delay="0"/>
+                                  </p:stCondLst>
+                                  <p:childTnLst>
+                                    <p:set>
+                                      <p:cBhvr>
+                                        <p:cTn id="16" dur="1" fill="hold">
+                                          <p:stCondLst>
+                                            <p:cond delay="0"/>
+                                          </p:stCondLst>
+                                        </p:cTn>
+                                        <p:tgtEl>
+                                          <p:spTgt spid="8"/>
+                                        </p:tgtEl>
+                                        <p:attrNameLst>
+                                          <p:attrName>style.visibility</p:attrName>
+                                        </p:attrNameLst>
+                                      </p:cBhvr>
+                                      <p:to>
+                                        <p:strVal val="visible"/>
+                                      </p:to>
+                                    </p:set>
+                                  </p:childTnLst>
+                                </p:cTn>
+                              </p:par>
+                            </p:childTnLst>
+                          </p:cTn>
+                        </p:par>
+                      </p:childTnLst>
+                    </p:cTn>
+                  </p:par>
+                </p:childTnLst>
+              </p:cTn>
+              <p:prevCondLst>
+                <p:cond evt="onPrev" delay="0">
+                  <p:tgtEl>
+                    <p:sldTgt/>
+                  </p:tgtEl>
+                </p:cond>
+              </p:prevCondLst>
+              <p:nextCondLst>
+                <p:cond evt="onNext" delay="0">
+                  <p:tgtEl>
+                    <p:sldTgt/>
+                  </p:tgtEl>
+                </p:cond>
+              </p:nextCondLst>
+            </p:seq>
+          </p:childTnLst>
+        </p:cTn>
       </p:par>
     </p:tnLst>
+    <p:bldLst>
+      <p:bldP spid="5" grpId="0"/>
+      <p:bldP spid="8" grpId="0"/>
+      <p:bldP spid="10" grpId="0"/>
+    </p:bldLst>
   </p:timing>
 </p:sld>
 </file>
@@ -8980,9 +9322,192 @@
   <p:timing>
     <p:tnLst>
       <p:par>
-        <p:cTn id="1" dur="indefinite" restart="never" nodeType="tmRoot"/>
+        <p:cTn id="1" dur="indefinite" restart="never" nodeType="tmRoot">
+          <p:childTnLst>
+            <p:seq concurrent="1" nextAc="seek">
+              <p:cTn id="2" dur="indefinite" nodeType="mainSeq">
+                <p:childTnLst>
+                  <p:par>
+                    <p:cTn id="3" fill="hold">
+                      <p:stCondLst>
+                        <p:cond delay="indefinite"/>
+                      </p:stCondLst>
+                      <p:childTnLst>
+                        <p:par>
+                          <p:cTn id="4" fill="hold">
+                            <p:stCondLst>
+                              <p:cond delay="0"/>
+                            </p:stCondLst>
+                            <p:childTnLst>
+                              <p:par>
+                                <p:cTn id="5" presetID="1" presetClass="entr" presetSubtype="0" fill="hold" grpId="0" nodeType="clickEffect">
+                                  <p:stCondLst>
+                                    <p:cond delay="0"/>
+                                  </p:stCondLst>
+                                  <p:childTnLst>
+                                    <p:set>
+                                      <p:cBhvr>
+                                        <p:cTn id="6" dur="1" fill="hold">
+                                          <p:stCondLst>
+                                            <p:cond delay="0"/>
+                                          </p:stCondLst>
+                                        </p:cTn>
+                                        <p:tgtEl>
+                                          <p:spTgt spid="2"/>
+                                        </p:tgtEl>
+                                        <p:attrNameLst>
+                                          <p:attrName>style.visibility</p:attrName>
+                                        </p:attrNameLst>
+                                      </p:cBhvr>
+                                      <p:to>
+                                        <p:strVal val="visible"/>
+                                      </p:to>
+                                    </p:set>
+                                  </p:childTnLst>
+                                </p:cTn>
+                              </p:par>
+                            </p:childTnLst>
+                          </p:cTn>
+                        </p:par>
+                      </p:childTnLst>
+                    </p:cTn>
+                  </p:par>
+                  <p:par>
+                    <p:cTn id="7" fill="hold">
+                      <p:stCondLst>
+                        <p:cond delay="indefinite"/>
+                      </p:stCondLst>
+                      <p:childTnLst>
+                        <p:par>
+                          <p:cTn id="8" fill="hold">
+                            <p:stCondLst>
+                              <p:cond delay="0"/>
+                            </p:stCondLst>
+                            <p:childTnLst>
+                              <p:par>
+                                <p:cTn id="9" presetID="1" presetClass="entr" presetSubtype="0" fill="hold" grpId="0" nodeType="clickEffect">
+                                  <p:stCondLst>
+                                    <p:cond delay="0"/>
+                                  </p:stCondLst>
+                                  <p:childTnLst>
+                                    <p:set>
+                                      <p:cBhvr>
+                                        <p:cTn id="10" dur="1" fill="hold">
+                                          <p:stCondLst>
+                                            <p:cond delay="0"/>
+                                          </p:stCondLst>
+                                        </p:cTn>
+                                        <p:tgtEl>
+                                          <p:spTgt spid="3">
+                                            <p:txEl>
+                                              <p:pRg st="0" end="0"/>
+                                            </p:txEl>
+                                          </p:spTgt>
+                                        </p:tgtEl>
+                                        <p:attrNameLst>
+                                          <p:attrName>style.visibility</p:attrName>
+                                        </p:attrNameLst>
+                                      </p:cBhvr>
+                                      <p:to>
+                                        <p:strVal val="visible"/>
+                                      </p:to>
+                                    </p:set>
+                                  </p:childTnLst>
+                                </p:cTn>
+                              </p:par>
+                              <p:par>
+                                <p:cTn id="11" presetID="1" presetClass="entr" presetSubtype="0" fill="hold" grpId="0" nodeType="withEffect">
+                                  <p:stCondLst>
+                                    <p:cond delay="0"/>
+                                  </p:stCondLst>
+                                  <p:childTnLst>
+                                    <p:set>
+                                      <p:cBhvr>
+                                        <p:cTn id="12" dur="1" fill="hold">
+                                          <p:stCondLst>
+                                            <p:cond delay="0"/>
+                                          </p:stCondLst>
+                                        </p:cTn>
+                                        <p:tgtEl>
+                                          <p:spTgt spid="3">
+                                            <p:txEl>
+                                              <p:pRg st="1" end="1"/>
+                                            </p:txEl>
+                                          </p:spTgt>
+                                        </p:tgtEl>
+                                        <p:attrNameLst>
+                                          <p:attrName>style.visibility</p:attrName>
+                                        </p:attrNameLst>
+                                      </p:cBhvr>
+                                      <p:to>
+                                        <p:strVal val="visible"/>
+                                      </p:to>
+                                    </p:set>
+                                  </p:childTnLst>
+                                </p:cTn>
+                              </p:par>
+                              <p:par>
+                                <p:cTn id="13" presetID="1" presetClass="entr" presetSubtype="0" fill="hold" grpId="0" nodeType="withEffect">
+                                  <p:stCondLst>
+                                    <p:cond delay="0"/>
+                                  </p:stCondLst>
+                                  <p:childTnLst>
+                                    <p:set>
+                                      <p:cBhvr>
+                                        <p:cTn id="14" dur="1" fill="hold">
+                                          <p:stCondLst>
+                                            <p:cond delay="0"/>
+                                          </p:stCondLst>
+                                        </p:cTn>
+                                        <p:tgtEl>
+                                          <p:spTgt spid="3">
+                                            <p:txEl>
+                                              <p:pRg st="2" end="2"/>
+                                            </p:txEl>
+                                          </p:spTgt>
+                                        </p:tgtEl>
+                                        <p:attrNameLst>
+                                          <p:attrName>style.visibility</p:attrName>
+                                        </p:attrNameLst>
+                                      </p:cBhvr>
+                                      <p:to>
+                                        <p:strVal val="visible"/>
+                                      </p:to>
+                                    </p:set>
+                                  </p:childTnLst>
+                                </p:cTn>
+                              </p:par>
+                            </p:childTnLst>
+                          </p:cTn>
+                        </p:par>
+                      </p:childTnLst>
+                    </p:cTn>
+                  </p:par>
+                </p:childTnLst>
+              </p:cTn>
+              <p:prevCondLst>
+                <p:cond evt="onPrev" delay="0">
+                  <p:tgtEl>
+                    <p:sldTgt/>
+                  </p:tgtEl>
+                </p:cond>
+              </p:prevCondLst>
+              <p:nextCondLst>
+                <p:cond evt="onNext" delay="0">
+                  <p:tgtEl>
+                    <p:sldTgt/>
+                  </p:tgtEl>
+                </p:cond>
+              </p:nextCondLst>
+            </p:seq>
+          </p:childTnLst>
+        </p:cTn>
       </p:par>
     </p:tnLst>
+    <p:bldLst>
+      <p:bldP spid="2" grpId="0"/>
+      <p:bldP spid="3" grpId="0" uiExpand="1" build="p"/>
+    </p:bldLst>
   </p:timing>
 </p:sld>
 </file>
@@ -9004,8 +9529,8 @@
           <a:chExt cx="0" cy="0"/>
         </a:xfrm>
       </p:grpSpPr>
-      <mc:AlternateContent xmlns:mc="http://schemas.openxmlformats.org/markup-compatibility/2006">
-        <mc:Choice xmlns:a14="http://schemas.microsoft.com/office/drawing/2010/main" Requires="a14">
+      <mc:AlternateContent xmlns:mc="http://schemas.openxmlformats.org/markup-compatibility/2006" xmlns:a14="http://schemas.microsoft.com/office/drawing/2010/main">
+        <mc:Choice Requires="a14">
           <p:sp>
             <p:nvSpPr>
               <p:cNvPr id="2" name="Titel 1"/>
@@ -9070,12 +9595,13 @@
                       <m:sSub>
                         <m:sSubPr>
                           <m:ctrlPr>
-                            <a:rPr lang="de-CH" sz="2800">
+                            <a:rPr lang="de-CH" sz="2800" i="1">
                               <a:solidFill>
                                 <a:schemeClr val="accent1">
                                   <a:lumMod val="75000"/>
                                 </a:schemeClr>
                               </a:solidFill>
+                              <a:latin typeface="Cambria Math"/>
                               <a:ea typeface="+mn-ea"/>
                             </a:rPr>
                           </m:ctrlPr>
@@ -9088,6 +9614,7 @@
                                   <a:lumMod val="75000"/>
                                 </a:schemeClr>
                               </a:solidFill>
+                              <a:latin typeface="Cambria Math"/>
                               <a:ea typeface="+mn-ea"/>
                             </a:rPr>
                             <m:t>𝑎</m:t>
@@ -9101,6 +9628,7 @@
                                   <a:lumMod val="75000"/>
                                 </a:schemeClr>
                               </a:solidFill>
+                              <a:latin typeface="Cambria Math"/>
                               <a:ea typeface="+mn-ea"/>
                             </a:rPr>
                             <m:t>𝐼</m:t>
@@ -9114,6 +9642,7 @@
                               <a:lumMod val="75000"/>
                             </a:schemeClr>
                           </a:solidFill>
+                          <a:latin typeface="Cambria Math"/>
                           <a:ea typeface="+mn-ea"/>
                         </a:rPr>
                         <m:t>=−20</m:t>
@@ -9121,12 +9650,13 @@
                       <m:func>
                         <m:funcPr>
                           <m:ctrlPr>
-                            <a:rPr lang="de-CH" sz="2800">
+                            <a:rPr lang="de-CH" sz="2800" i="1">
                               <a:solidFill>
                                 <a:schemeClr val="accent1">
                                   <a:lumMod val="75000"/>
                                 </a:schemeClr>
                               </a:solidFill>
+                              <a:latin typeface="Cambria Math"/>
                               <a:ea typeface="+mn-ea"/>
                             </a:rPr>
                           </m:ctrlPr>
@@ -9142,6 +9672,7 @@
                                   <a:lumMod val="75000"/>
                                 </a:schemeClr>
                               </a:solidFill>
+                              <a:latin typeface="Cambria Math"/>
                               <a:ea typeface="+mn-ea"/>
                             </a:rPr>
                             <m:t>log</m:t>
@@ -9153,12 +9684,13 @@
                               <m:begChr m:val="|"/>
                               <m:endChr m:val="|"/>
                               <m:ctrlPr>
-                                <a:rPr lang="de-CH" sz="2800">
+                                <a:rPr lang="de-CH" sz="2800" i="1">
                                   <a:solidFill>
                                     <a:schemeClr val="accent1">
                                       <a:lumMod val="75000"/>
                                     </a:schemeClr>
                                   </a:solidFill>
+                                  <a:latin typeface="Cambria Math"/>
                                   <a:ea typeface="+mn-ea"/>
                                 </a:rPr>
                               </m:ctrlPr>
@@ -9167,12 +9699,13 @@
                               <m:sSub>
                                 <m:sSubPr>
                                   <m:ctrlPr>
-                                    <a:rPr lang="de-CH" sz="2800">
+                                    <a:rPr lang="de-CH" sz="2800" i="1">
                                       <a:solidFill>
                                         <a:schemeClr val="accent1">
                                           <a:lumMod val="75000"/>
                                         </a:schemeClr>
                                       </a:solidFill>
+                                      <a:latin typeface="Cambria Math"/>
                                       <a:ea typeface="+mn-ea"/>
                                     </a:rPr>
                                   </m:ctrlPr>
@@ -9185,6 +9718,7 @@
                                           <a:lumMod val="75000"/>
                                         </a:schemeClr>
                                       </a:solidFill>
+                                      <a:latin typeface="Cambria Math"/>
                                       <a:ea typeface="+mn-ea"/>
                                     </a:rPr>
                                     <m:t>𝑆</m:t>
@@ -9198,6 +9732,7 @@
                                           <a:lumMod val="75000"/>
                                         </a:schemeClr>
                                       </a:solidFill>
+                                      <a:latin typeface="Cambria Math"/>
                                       <a:ea typeface="+mn-ea"/>
                                     </a:rPr>
                                     <m:t>21</m:t>
@@ -9213,6 +9748,7 @@
                                   <a:lumMod val="75000"/>
                                 </a:schemeClr>
                               </a:solidFill>
+                              <a:latin typeface="Cambria Math"/>
                               <a:ea typeface="+mn-ea"/>
                             </a:rPr>
                             <m:t> </m:t>
@@ -9222,12 +9758,13 @@
                               <m:begChr m:val="["/>
                               <m:endChr m:val="]"/>
                               <m:ctrlPr>
-                                <a:rPr lang="de-CH" sz="2800">
+                                <a:rPr lang="de-CH" sz="2800" i="1">
                                   <a:solidFill>
                                     <a:schemeClr val="accent1">
                                       <a:lumMod val="75000"/>
                                     </a:schemeClr>
                                   </a:solidFill>
+                                  <a:latin typeface="Cambria Math"/>
                                   <a:ea typeface="+mn-ea"/>
                                 </a:rPr>
                               </m:ctrlPr>
@@ -9240,6 +9777,7 @@
                                       <a:lumMod val="75000"/>
                                     </a:schemeClr>
                                   </a:solidFill>
+                                  <a:latin typeface="Cambria Math"/>
                                   <a:ea typeface="+mn-ea"/>
                                 </a:rPr>
                                 <m:t>𝑑𝐵</m:t>
@@ -9287,7 +9825,7 @@
             </p:txBody>
           </p:sp>
         </mc:Choice>
-        <mc:Fallback>
+        <mc:Fallback xmlns="">
           <p:sp>
             <p:nvSpPr>
               <p:cNvPr id="2" name="Titel 1"/>
@@ -9364,9 +9902,125 @@
   <p:timing>
     <p:tnLst>
       <p:par>
-        <p:cTn id="1" dur="indefinite" restart="never" nodeType="tmRoot"/>
+        <p:cTn id="1" dur="indefinite" restart="never" nodeType="tmRoot">
+          <p:childTnLst>
+            <p:seq concurrent="1" nextAc="seek">
+              <p:cTn id="2" dur="indefinite" nodeType="mainSeq">
+                <p:childTnLst>
+                  <p:par>
+                    <p:cTn id="3" fill="hold">
+                      <p:stCondLst>
+                        <p:cond delay="indefinite"/>
+                      </p:stCondLst>
+                      <p:childTnLst>
+                        <p:par>
+                          <p:cTn id="4" fill="hold">
+                            <p:stCondLst>
+                              <p:cond delay="0"/>
+                            </p:stCondLst>
+                            <p:childTnLst>
+                              <p:par>
+                                <p:cTn id="5" presetID="1" presetClass="entr" presetSubtype="0" fill="hold" nodeType="clickEffect">
+                                  <p:stCondLst>
+                                    <p:cond delay="0"/>
+                                  </p:stCondLst>
+                                  <p:childTnLst>
+                                    <p:set>
+                                      <p:cBhvr>
+                                        <p:cTn id="6" dur="1" fill="hold">
+                                          <p:stCondLst>
+                                            <p:cond delay="0"/>
+                                          </p:stCondLst>
+                                        </p:cTn>
+                                        <p:tgtEl>
+                                          <p:spTgt spid="4"/>
+                                        </p:tgtEl>
+                                        <p:attrNameLst>
+                                          <p:attrName>style.visibility</p:attrName>
+                                        </p:attrNameLst>
+                                      </p:cBhvr>
+                                      <p:to>
+                                        <p:strVal val="visible"/>
+                                      </p:to>
+                                    </p:set>
+                                  </p:childTnLst>
+                                </p:cTn>
+                              </p:par>
+                            </p:childTnLst>
+                          </p:cTn>
+                        </p:par>
+                      </p:childTnLst>
+                    </p:cTn>
+                  </p:par>
+                  <p:par>
+                    <p:cTn id="7" fill="hold">
+                      <p:stCondLst>
+                        <p:cond delay="indefinite"/>
+                      </p:stCondLst>
+                      <p:childTnLst>
+                        <p:par>
+                          <p:cTn id="8" fill="hold">
+                            <p:stCondLst>
+                              <p:cond delay="0"/>
+                            </p:stCondLst>
+                            <p:childTnLst>
+                              <p:par>
+                                <p:cTn id="9" presetID="1" presetClass="entr" presetSubtype="0" fill="hold" grpId="0" nodeType="clickEffect">
+                                  <p:stCondLst>
+                                    <p:cond delay="0"/>
+                                  </p:stCondLst>
+                                  <p:childTnLst>
+                                    <p:set>
+                                      <p:cBhvr>
+                                        <p:cTn id="10" dur="1" fill="hold">
+                                          <p:stCondLst>
+                                            <p:cond delay="0"/>
+                                          </p:stCondLst>
+                                        </p:cTn>
+                                        <p:tgtEl>
+                                          <p:spTgt spid="2"/>
+                                        </p:tgtEl>
+                                        <p:attrNameLst>
+                                          <p:attrName>style.visibility</p:attrName>
+                                        </p:attrNameLst>
+                                      </p:cBhvr>
+                                      <p:to>
+                                        <p:strVal val="visible"/>
+                                      </p:to>
+                                    </p:set>
+                                  </p:childTnLst>
+                                </p:cTn>
+                              </p:par>
+                            </p:childTnLst>
+                          </p:cTn>
+                        </p:par>
+                      </p:childTnLst>
+                    </p:cTn>
+                  </p:par>
+                </p:childTnLst>
+              </p:cTn>
+              <p:prevCondLst>
+                <p:cond evt="onPrev" delay="0">
+                  <p:tgtEl>
+                    <p:sldTgt/>
+                  </p:tgtEl>
+                </p:cond>
+              </p:prevCondLst>
+              <p:nextCondLst>
+                <p:cond evt="onNext" delay="0">
+                  <p:tgtEl>
+                    <p:sldTgt/>
+                  </p:tgtEl>
+                </p:cond>
+              </p:nextCondLst>
+            </p:seq>
+          </p:childTnLst>
+        </p:cTn>
       </p:par>
     </p:tnLst>
+    <p:bldLst>
+      <p:bldP spid="2" grpId="0"/>
+    </p:bldLst>
   </p:timing>
 </p:sld>
 </file>
@@ -9668,7 +10322,7 @@
         </p:nvGrpSpPr>
         <p:grpSpPr>
           <a:xfrm>
-            <a:off x="3229276" y="620688"/>
+            <a:off x="3239852" y="476672"/>
             <a:ext cx="2448272" cy="1368152"/>
             <a:chOff x="3229276" y="620688"/>
             <a:chExt cx="2448272" cy="1368152"/>
@@ -10032,9 +10686,224 @@
   <p:timing>
     <p:tnLst>
       <p:par>
-        <p:cTn id="1" dur="indefinite" restart="never" nodeType="tmRoot"/>
+        <p:cTn id="1" dur="indefinite" restart="never" nodeType="tmRoot">
+          <p:childTnLst>
+            <p:seq concurrent="1" nextAc="seek">
+              <p:cTn id="2" dur="indefinite" nodeType="mainSeq">
+                <p:childTnLst>
+                  <p:par>
+                    <p:cTn id="3" fill="hold">
+                      <p:stCondLst>
+                        <p:cond delay="indefinite"/>
+                      </p:stCondLst>
+                      <p:childTnLst>
+                        <p:par>
+                          <p:cTn id="4" fill="hold">
+                            <p:stCondLst>
+                              <p:cond delay="0"/>
+                            </p:stCondLst>
+                            <p:childTnLst>
+                              <p:par>
+                                <p:cTn id="5" presetID="1" presetClass="entr" presetSubtype="0" fill="hold" nodeType="clickEffect">
+                                  <p:stCondLst>
+                                    <p:cond delay="300"/>
+                                  </p:stCondLst>
+                                  <p:childTnLst>
+                                    <p:set>
+                                      <p:cBhvr>
+                                        <p:cTn id="6" dur="1" fill="hold">
+                                          <p:stCondLst>
+                                            <p:cond delay="0"/>
+                                          </p:stCondLst>
+                                        </p:cTn>
+                                        <p:tgtEl>
+                                          <p:spTgt spid="18"/>
+                                        </p:tgtEl>
+                                        <p:attrNameLst>
+                                          <p:attrName>style.visibility</p:attrName>
+                                        </p:attrNameLst>
+                                      </p:cBhvr>
+                                      <p:to>
+                                        <p:strVal val="visible"/>
+                                      </p:to>
+                                    </p:set>
+                                  </p:childTnLst>
+                                </p:cTn>
+                              </p:par>
+                            </p:childTnLst>
+                          </p:cTn>
+                        </p:par>
+                      </p:childTnLst>
+                    </p:cTn>
+                  </p:par>
+                  <p:par>
+                    <p:cTn id="7" fill="hold">
+                      <p:stCondLst>
+                        <p:cond delay="indefinite"/>
+                      </p:stCondLst>
+                      <p:childTnLst>
+                        <p:par>
+                          <p:cTn id="8" fill="hold">
+                            <p:stCondLst>
+                              <p:cond delay="0"/>
+                            </p:stCondLst>
+                            <p:childTnLst>
+                              <p:par>
+                                <p:cTn id="9" presetID="1" presetClass="entr" presetSubtype="0" fill="hold" grpId="0" nodeType="clickEffect">
+                                  <p:stCondLst>
+                                    <p:cond delay="600"/>
+                                  </p:stCondLst>
+                                  <p:childTnLst>
+                                    <p:set>
+                                      <p:cBhvr>
+                                        <p:cTn id="10" dur="1" fill="hold">
+                                          <p:stCondLst>
+                                            <p:cond delay="0"/>
+                                          </p:stCondLst>
+                                        </p:cTn>
+                                        <p:tgtEl>
+                                          <p:spTgt spid="7"/>
+                                        </p:tgtEl>
+                                        <p:attrNameLst>
+                                          <p:attrName>style.visibility</p:attrName>
+                                        </p:attrNameLst>
+                                      </p:cBhvr>
+                                      <p:to>
+                                        <p:strVal val="visible"/>
+                                      </p:to>
+                                    </p:set>
+                                  </p:childTnLst>
+                                </p:cTn>
+                              </p:par>
+                            </p:childTnLst>
+                          </p:cTn>
+                        </p:par>
+                      </p:childTnLst>
+                    </p:cTn>
+                  </p:par>
+                  <p:par>
+                    <p:cTn id="11" fill="hold">
+                      <p:stCondLst>
+                        <p:cond delay="indefinite"/>
+                      </p:stCondLst>
+                      <p:childTnLst>
+                        <p:par>
+                          <p:cTn id="12" fill="hold">
+                            <p:stCondLst>
+                              <p:cond delay="0"/>
+                            </p:stCondLst>
+                            <p:childTnLst>
+                              <p:par>
+                                <p:cTn id="13" presetID="1" presetClass="entr" presetSubtype="0" fill="hold" nodeType="clickEffect">
+                                  <p:stCondLst>
+                                    <p:cond delay="1000"/>
+                                  </p:stCondLst>
+                                  <p:childTnLst>
+                                    <p:set>
+                                      <p:cBhvr>
+                                        <p:cTn id="14" dur="1" fill="hold">
+                                          <p:stCondLst>
+                                            <p:cond delay="0"/>
+                                          </p:stCondLst>
+                                        </p:cTn>
+                                        <p:tgtEl>
+                                          <p:spTgt spid="21"/>
+                                        </p:tgtEl>
+                                        <p:attrNameLst>
+                                          <p:attrName>style.visibility</p:attrName>
+                                        </p:attrNameLst>
+                                      </p:cBhvr>
+                                      <p:to>
+                                        <p:strVal val="visible"/>
+                                      </p:to>
+                                    </p:set>
+                                  </p:childTnLst>
+                                </p:cTn>
+                              </p:par>
+                              <p:par>
+                                <p:cTn id="15" presetID="1" presetClass="entr" presetSubtype="0" fill="hold" nodeType="withEffect">
+                                  <p:stCondLst>
+                                    <p:cond delay="1000"/>
+                                  </p:stCondLst>
+                                  <p:childTnLst>
+                                    <p:set>
+                                      <p:cBhvr>
+                                        <p:cTn id="16" dur="1" fill="hold">
+                                          <p:stCondLst>
+                                            <p:cond delay="0"/>
+                                          </p:stCondLst>
+                                        </p:cTn>
+                                        <p:tgtEl>
+                                          <p:spTgt spid="20"/>
+                                        </p:tgtEl>
+                                        <p:attrNameLst>
+                                          <p:attrName>style.visibility</p:attrName>
+                                        </p:attrNameLst>
+                                      </p:cBhvr>
+                                      <p:to>
+                                        <p:strVal val="visible"/>
+                                      </p:to>
+                                    </p:set>
+                                  </p:childTnLst>
+                                </p:cTn>
+                              </p:par>
+                              <p:par>
+                                <p:cTn id="17" presetID="1" presetClass="entr" presetSubtype="0" fill="hold" nodeType="withEffect">
+                                  <p:stCondLst>
+                                    <p:cond delay="1000"/>
+                                  </p:stCondLst>
+                                  <p:childTnLst>
+                                    <p:set>
+                                      <p:cBhvr>
+                                        <p:cTn id="18" dur="1" fill="hold">
+                                          <p:stCondLst>
+                                            <p:cond delay="0"/>
+                                          </p:stCondLst>
+                                        </p:cTn>
+                                        <p:tgtEl>
+                                          <p:spTgt spid="19"/>
+                                        </p:tgtEl>
+                                        <p:attrNameLst>
+                                          <p:attrName>style.visibility</p:attrName>
+                                        </p:attrNameLst>
+                                      </p:cBhvr>
+                                      <p:to>
+                                        <p:strVal val="visible"/>
+                                      </p:to>
+                                    </p:set>
+                                  </p:childTnLst>
+                                </p:cTn>
+                              </p:par>
+                            </p:childTnLst>
+                          </p:cTn>
+                        </p:par>
+                      </p:childTnLst>
+                    </p:cTn>
+                  </p:par>
+                </p:childTnLst>
+              </p:cTn>
+              <p:prevCondLst>
+                <p:cond evt="onPrev" delay="0">
+                  <p:tgtEl>
+                    <p:sldTgt/>
+                  </p:tgtEl>
+                </p:cond>
+              </p:prevCondLst>
+              <p:nextCondLst>
+                <p:cond evt="onNext" delay="0">
+                  <p:tgtEl>
+                    <p:sldTgt/>
+                  </p:tgtEl>
+                </p:cond>
+              </p:nextCondLst>
+            </p:seq>
+          </p:childTnLst>
+        </p:cTn>
       </p:par>
     </p:tnLst>
+    <p:bldLst>
+      <p:bldP spid="7" grpId="0" animBg="1"/>
+    </p:bldLst>
   </p:timing>
 </p:sld>
 </file>
@@ -10440,6 +11309,146 @@
   <p:clrMapOvr>
     <a:masterClrMapping/>
   </p:clrMapOvr>
+  <p:timing>
+    <p:tnLst>
+      <p:par>
+        <p:cTn id="1" dur="indefinite" restart="never" nodeType="tmRoot">
+          <p:childTnLst>
+            <p:seq concurrent="1" nextAc="seek">
+              <p:cTn id="2" dur="indefinite" nodeType="mainSeq">
+                <p:childTnLst>
+                  <p:par>
+                    <p:cTn id="3" fill="hold">
+                      <p:stCondLst>
+                        <p:cond delay="indefinite"/>
+                      </p:stCondLst>
+                      <p:childTnLst>
+                        <p:par>
+                          <p:cTn id="4" fill="hold">
+                            <p:stCondLst>
+                              <p:cond delay="0"/>
+                            </p:stCondLst>
+                            <p:childTnLst>
+                              <p:par>
+                                <p:cTn id="5" presetID="10" presetClass="entr" presetSubtype="0" fill="hold" grpId="0" nodeType="clickEffect">
+                                  <p:stCondLst>
+                                    <p:cond delay="0"/>
+                                  </p:stCondLst>
+                                  <p:childTnLst>
+                                    <p:set>
+                                      <p:cBhvr>
+                                        <p:cTn id="6" dur="1" fill="hold">
+                                          <p:stCondLst>
+                                            <p:cond delay="0"/>
+                                          </p:stCondLst>
+                                        </p:cTn>
+                                        <p:tgtEl>
+                                          <p:spTgt spid="5"/>
+                                        </p:tgtEl>
+                                        <p:attrNameLst>
+                                          <p:attrName>style.visibility</p:attrName>
+                                        </p:attrNameLst>
+                                      </p:cBhvr>
+                                      <p:to>
+                                        <p:strVal val="visible"/>
+                                      </p:to>
+                                    </p:set>
+                                    <p:animEffect transition="in" filter="fade">
+                                      <p:cBhvr>
+                                        <p:cTn id="7" dur="500"/>
+                                        <p:tgtEl>
+                                          <p:spTgt spid="5"/>
+                                        </p:tgtEl>
+                                      </p:cBhvr>
+                                    </p:animEffect>
+                                  </p:childTnLst>
+                                </p:cTn>
+                              </p:par>
+                            </p:childTnLst>
+                          </p:cTn>
+                        </p:par>
+                      </p:childTnLst>
+                    </p:cTn>
+                  </p:par>
+                  <p:par>
+                    <p:cTn id="8" fill="hold">
+                      <p:stCondLst>
+                        <p:cond delay="indefinite"/>
+                      </p:stCondLst>
+                      <p:childTnLst>
+                        <p:par>
+                          <p:cTn id="9" fill="hold">
+                            <p:stCondLst>
+                              <p:cond delay="0"/>
+                            </p:stCondLst>
+                            <p:childTnLst>
+                              <p:par>
+                                <p:cTn id="10" presetID="10" presetClass="entr" presetSubtype="0" fill="hold" grpId="0" nodeType="clickEffect">
+                                  <p:stCondLst>
+                                    <p:cond delay="0"/>
+                                  </p:stCondLst>
+                                  <p:childTnLst>
+                                    <p:set>
+                                      <p:cBhvr>
+                                        <p:cTn id="11" dur="1" fill="hold">
+                                          <p:stCondLst>
+                                            <p:cond delay="0"/>
+                                          </p:stCondLst>
+                                        </p:cTn>
+                                        <p:tgtEl>
+                                          <p:spTgt spid="4"/>
+                                        </p:tgtEl>
+                                        <p:attrNameLst>
+                                          <p:attrName>style.visibility</p:attrName>
+                                        </p:attrNameLst>
+                                      </p:cBhvr>
+                                      <p:to>
+                                        <p:strVal val="visible"/>
+                                      </p:to>
+                                    </p:set>
+                                    <p:animEffect transition="in" filter="fade">
+                                      <p:cBhvr>
+                                        <p:cTn id="12" dur="500"/>
+                                        <p:tgtEl>
+                                          <p:spTgt spid="4"/>
+                                        </p:tgtEl>
+                                      </p:cBhvr>
+                                    </p:animEffect>
+                                  </p:childTnLst>
+                                </p:cTn>
+                              </p:par>
+                            </p:childTnLst>
+                          </p:cTn>
+                        </p:par>
+                      </p:childTnLst>
+                    </p:cTn>
+                  </p:par>
+                </p:childTnLst>
+              </p:cTn>
+              <p:prevCondLst>
+                <p:cond evt="onPrev" delay="0">
+                  <p:tgtEl>
+                    <p:sldTgt/>
+                  </p:tgtEl>
+                </p:cond>
+              </p:prevCondLst>
+              <p:nextCondLst>
+                <p:cond evt="onNext" delay="0">
+                  <p:tgtEl>
+                    <p:sldTgt/>
+                  </p:tgtEl>
+                </p:cond>
+              </p:nextCondLst>
+            </p:seq>
+          </p:childTnLst>
+        </p:cTn>
+      </p:par>
+    </p:tnLst>
+    <p:bldLst>
+      <p:bldP spid="4" grpId="0"/>
+      <p:bldP spid="5" grpId="0"/>
+    </p:bldLst>
+  </p:timing>
 </p:sld>
 </file>
 
@@ -10686,6 +11695,258 @@
   <p:clrMapOvr>
     <a:masterClrMapping/>
   </p:clrMapOvr>
+  <p:timing>
+    <p:tnLst>
+      <p:par>
+        <p:cTn id="1" dur="indefinite" restart="never" nodeType="tmRoot">
+          <p:childTnLst>
+            <p:seq concurrent="1" nextAc="seek">
+              <p:cTn id="2" dur="indefinite" nodeType="mainSeq">
+                <p:childTnLst>
+                  <p:par>
+                    <p:cTn id="3" fill="hold">
+                      <p:stCondLst>
+                        <p:cond delay="indefinite"/>
+                      </p:stCondLst>
+                      <p:childTnLst>
+                        <p:par>
+                          <p:cTn id="4" fill="hold">
+                            <p:stCondLst>
+                              <p:cond delay="0"/>
+                            </p:stCondLst>
+                            <p:childTnLst>
+                              <p:par>
+                                <p:cTn id="5" presetID="1" presetClass="entr" presetSubtype="0" fill="hold" grpId="0" nodeType="clickEffect">
+                                  <p:stCondLst>
+                                    <p:cond delay="0"/>
+                                  </p:stCondLst>
+                                  <p:childTnLst>
+                                    <p:set>
+                                      <p:cBhvr>
+                                        <p:cTn id="6" dur="1" fill="hold">
+                                          <p:stCondLst>
+                                            <p:cond delay="0"/>
+                                          </p:stCondLst>
+                                        </p:cTn>
+                                        <p:tgtEl>
+                                          <p:spTgt spid="2"/>
+                                        </p:tgtEl>
+                                        <p:attrNameLst>
+                                          <p:attrName>style.visibility</p:attrName>
+                                        </p:attrNameLst>
+                                      </p:cBhvr>
+                                      <p:to>
+                                        <p:strVal val="visible"/>
+                                      </p:to>
+                                    </p:set>
+                                  </p:childTnLst>
+                                </p:cTn>
+                              </p:par>
+                            </p:childTnLst>
+                          </p:cTn>
+                        </p:par>
+                      </p:childTnLst>
+                    </p:cTn>
+                  </p:par>
+                  <p:par>
+                    <p:cTn id="7" fill="hold">
+                      <p:stCondLst>
+                        <p:cond delay="indefinite"/>
+                      </p:stCondLst>
+                      <p:childTnLst>
+                        <p:par>
+                          <p:cTn id="8" fill="hold">
+                            <p:stCondLst>
+                              <p:cond delay="0"/>
+                            </p:stCondLst>
+                            <p:childTnLst>
+                              <p:par>
+                                <p:cTn id="9" presetID="1" presetClass="entr" presetSubtype="0" fill="hold" grpId="0" nodeType="clickEffect">
+                                  <p:stCondLst>
+                                    <p:cond delay="0"/>
+                                  </p:stCondLst>
+                                  <p:childTnLst>
+                                    <p:set>
+                                      <p:cBhvr>
+                                        <p:cTn id="10" dur="1" fill="hold">
+                                          <p:stCondLst>
+                                            <p:cond delay="0"/>
+                                          </p:stCondLst>
+                                        </p:cTn>
+                                        <p:tgtEl>
+                                          <p:spTgt spid="3">
+                                            <p:txEl>
+                                              <p:pRg st="0" end="0"/>
+                                            </p:txEl>
+                                          </p:spTgt>
+                                        </p:tgtEl>
+                                        <p:attrNameLst>
+                                          <p:attrName>style.visibility</p:attrName>
+                                        </p:attrNameLst>
+                                      </p:cBhvr>
+                                      <p:to>
+                                        <p:strVal val="visible"/>
+                                      </p:to>
+                                    </p:set>
+                                  </p:childTnLst>
+                                </p:cTn>
+                              </p:par>
+                              <p:par>
+                                <p:cTn id="11" presetID="1" presetClass="entr" presetSubtype="0" fill="hold" grpId="0" nodeType="withEffect">
+                                  <p:stCondLst>
+                                    <p:cond delay="0"/>
+                                  </p:stCondLst>
+                                  <p:childTnLst>
+                                    <p:set>
+                                      <p:cBhvr>
+                                        <p:cTn id="12" dur="1" fill="hold">
+                                          <p:stCondLst>
+                                            <p:cond delay="0"/>
+                                          </p:stCondLst>
+                                        </p:cTn>
+                                        <p:tgtEl>
+                                          <p:spTgt spid="3">
+                                            <p:txEl>
+                                              <p:pRg st="2" end="2"/>
+                                            </p:txEl>
+                                          </p:spTgt>
+                                        </p:tgtEl>
+                                        <p:attrNameLst>
+                                          <p:attrName>style.visibility</p:attrName>
+                                        </p:attrNameLst>
+                                      </p:cBhvr>
+                                      <p:to>
+                                        <p:strVal val="visible"/>
+                                      </p:to>
+                                    </p:set>
+                                  </p:childTnLst>
+                                </p:cTn>
+                              </p:par>
+                              <p:par>
+                                <p:cTn id="13" presetID="1" presetClass="entr" presetSubtype="0" fill="hold" grpId="0" nodeType="withEffect">
+                                  <p:stCondLst>
+                                    <p:cond delay="0"/>
+                                  </p:stCondLst>
+                                  <p:childTnLst>
+                                    <p:set>
+                                      <p:cBhvr>
+                                        <p:cTn id="14" dur="1" fill="hold">
+                                          <p:stCondLst>
+                                            <p:cond delay="0"/>
+                                          </p:stCondLst>
+                                        </p:cTn>
+                                        <p:tgtEl>
+                                          <p:spTgt spid="3">
+                                            <p:txEl>
+                                              <p:pRg st="3" end="3"/>
+                                            </p:txEl>
+                                          </p:spTgt>
+                                        </p:tgtEl>
+                                        <p:attrNameLst>
+                                          <p:attrName>style.visibility</p:attrName>
+                                        </p:attrNameLst>
+                                      </p:cBhvr>
+                                      <p:to>
+                                        <p:strVal val="visible"/>
+                                      </p:to>
+                                    </p:set>
+                                  </p:childTnLst>
+                                </p:cTn>
+                              </p:par>
+                              <p:par>
+                                <p:cTn id="15" presetID="1" presetClass="entr" presetSubtype="0" fill="hold" grpId="0" nodeType="withEffect">
+                                  <p:stCondLst>
+                                    <p:cond delay="0"/>
+                                  </p:stCondLst>
+                                  <p:childTnLst>
+                                    <p:set>
+                                      <p:cBhvr>
+                                        <p:cTn id="16" dur="1" fill="hold">
+                                          <p:stCondLst>
+                                            <p:cond delay="0"/>
+                                          </p:stCondLst>
+                                        </p:cTn>
+                                        <p:tgtEl>
+                                          <p:spTgt spid="3">
+                                            <p:txEl>
+                                              <p:pRg st="4" end="4"/>
+                                            </p:txEl>
+                                          </p:spTgt>
+                                        </p:tgtEl>
+                                        <p:attrNameLst>
+                                          <p:attrName>style.visibility</p:attrName>
+                                        </p:attrNameLst>
+                                      </p:cBhvr>
+                                      <p:to>
+                                        <p:strVal val="visible"/>
+                                      </p:to>
+                                    </p:set>
+                                  </p:childTnLst>
+                                </p:cTn>
+                              </p:par>
+                              <p:par>
+                                <p:cTn id="17" presetID="1" presetClass="entr" presetSubtype="0" fill="hold" grpId="0" nodeType="withEffect">
+                                  <p:stCondLst>
+                                    <p:cond delay="0"/>
+                                  </p:stCondLst>
+                                  <p:childTnLst>
+                                    <p:set>
+                                      <p:cBhvr>
+                                        <p:cTn id="18" dur="1" fill="hold">
+                                          <p:stCondLst>
+                                            <p:cond delay="0"/>
+                                          </p:stCondLst>
+                                        </p:cTn>
+                                        <p:tgtEl>
+                                          <p:spTgt spid="3">
+                                            <p:txEl>
+                                              <p:pRg st="5" end="5"/>
+                                            </p:txEl>
+                                          </p:spTgt>
+                                        </p:tgtEl>
+                                        <p:attrNameLst>
+                                          <p:attrName>style.visibility</p:attrName>
+                                        </p:attrNameLst>
+                                      </p:cBhvr>
+                                      <p:to>
+                                        <p:strVal val="visible"/>
+                                      </p:to>
+                                    </p:set>
+                                  </p:childTnLst>
+                                </p:cTn>
+                              </p:par>
+                            </p:childTnLst>
+                          </p:cTn>
+                        </p:par>
+                      </p:childTnLst>
+                    </p:cTn>
+                  </p:par>
+                </p:childTnLst>
+              </p:cTn>
+              <p:prevCondLst>
+                <p:cond evt="onPrev" delay="0">
+                  <p:tgtEl>
+                    <p:sldTgt/>
+                  </p:tgtEl>
+                </p:cond>
+              </p:prevCondLst>
+              <p:nextCondLst>
+                <p:cond evt="onNext" delay="0">
+                  <p:tgtEl>
+                    <p:sldTgt/>
+                  </p:tgtEl>
+                </p:cond>
+              </p:nextCondLst>
+            </p:seq>
+          </p:childTnLst>
+        </p:cTn>
+      </p:par>
+    </p:tnLst>
+    <p:bldLst>
+      <p:bldP spid="2" grpId="0"/>
+      <p:bldP spid="3" grpId="0" uiExpand="1" build="p"/>
+    </p:bldLst>
+  </p:timing>
 </p:sld>
 </file>
 
@@ -10831,9 +12092,223 @@
   <p:timing>
     <p:tnLst>
       <p:par>
-        <p:cTn id="1" dur="indefinite" restart="never" nodeType="tmRoot"/>
+        <p:cTn id="1" dur="indefinite" restart="never" nodeType="tmRoot">
+          <p:childTnLst>
+            <p:seq concurrent="1" nextAc="seek">
+              <p:cTn id="2" dur="indefinite" nodeType="mainSeq">
+                <p:childTnLst>
+                  <p:par>
+                    <p:cTn id="3" fill="hold">
+                      <p:stCondLst>
+                        <p:cond delay="indefinite"/>
+                      </p:stCondLst>
+                      <p:childTnLst>
+                        <p:par>
+                          <p:cTn id="4" fill="hold">
+                            <p:stCondLst>
+                              <p:cond delay="0"/>
+                            </p:stCondLst>
+                            <p:childTnLst>
+                              <p:par>
+                                <p:cTn id="5" presetID="1" presetClass="entr" presetSubtype="0" fill="hold" grpId="0" nodeType="clickEffect">
+                                  <p:stCondLst>
+                                    <p:cond delay="0"/>
+                                  </p:stCondLst>
+                                  <p:childTnLst>
+                                    <p:set>
+                                      <p:cBhvr>
+                                        <p:cTn id="6" dur="1" fill="hold">
+                                          <p:stCondLst>
+                                            <p:cond delay="0"/>
+                                          </p:stCondLst>
+                                        </p:cTn>
+                                        <p:tgtEl>
+                                          <p:spTgt spid="2"/>
+                                        </p:tgtEl>
+                                        <p:attrNameLst>
+                                          <p:attrName>style.visibility</p:attrName>
+                                        </p:attrNameLst>
+                                      </p:cBhvr>
+                                      <p:to>
+                                        <p:strVal val="visible"/>
+                                      </p:to>
+                                    </p:set>
+                                  </p:childTnLst>
+                                </p:cTn>
+                              </p:par>
+                            </p:childTnLst>
+                          </p:cTn>
+                        </p:par>
+                      </p:childTnLst>
+                    </p:cTn>
+                  </p:par>
+                  <p:par>
+                    <p:cTn id="7" fill="hold">
+                      <p:stCondLst>
+                        <p:cond delay="indefinite"/>
+                      </p:stCondLst>
+                      <p:childTnLst>
+                        <p:par>
+                          <p:cTn id="8" fill="hold">
+                            <p:stCondLst>
+                              <p:cond delay="0"/>
+                            </p:stCondLst>
+                            <p:childTnLst>
+                              <p:par>
+                                <p:cTn id="9" presetID="1" presetClass="entr" presetSubtype="0" fill="hold" grpId="0" nodeType="clickEffect">
+                                  <p:stCondLst>
+                                    <p:cond delay="0"/>
+                                  </p:stCondLst>
+                                  <p:childTnLst>
+                                    <p:set>
+                                      <p:cBhvr>
+                                        <p:cTn id="10" dur="1" fill="hold">
+                                          <p:stCondLst>
+                                            <p:cond delay="0"/>
+                                          </p:stCondLst>
+                                        </p:cTn>
+                                        <p:tgtEl>
+                                          <p:spTgt spid="3">
+                                            <p:txEl>
+                                              <p:pRg st="0" end="0"/>
+                                            </p:txEl>
+                                          </p:spTgt>
+                                        </p:tgtEl>
+                                        <p:attrNameLst>
+                                          <p:attrName>style.visibility</p:attrName>
+                                        </p:attrNameLst>
+                                      </p:cBhvr>
+                                      <p:to>
+                                        <p:strVal val="visible"/>
+                                      </p:to>
+                                    </p:set>
+                                  </p:childTnLst>
+                                </p:cTn>
+                              </p:par>
+                              <p:par>
+                                <p:cTn id="11" presetID="1" presetClass="entr" presetSubtype="0" fill="hold" grpId="0" nodeType="withEffect">
+                                  <p:stCondLst>
+                                    <p:cond delay="0"/>
+                                  </p:stCondLst>
+                                  <p:childTnLst>
+                                    <p:set>
+                                      <p:cBhvr>
+                                        <p:cTn id="12" dur="1" fill="hold">
+                                          <p:stCondLst>
+                                            <p:cond delay="0"/>
+                                          </p:stCondLst>
+                                        </p:cTn>
+                                        <p:tgtEl>
+                                          <p:spTgt spid="3">
+                                            <p:txEl>
+                                              <p:pRg st="1" end="1"/>
+                                            </p:txEl>
+                                          </p:spTgt>
+                                        </p:tgtEl>
+                                        <p:attrNameLst>
+                                          <p:attrName>style.visibility</p:attrName>
+                                        </p:attrNameLst>
+                                      </p:cBhvr>
+                                      <p:to>
+                                        <p:strVal val="visible"/>
+                                      </p:to>
+                                    </p:set>
+                                  </p:childTnLst>
+                                </p:cTn>
+                              </p:par>
+                              <p:par>
+                                <p:cTn id="13" presetID="1" presetClass="entr" presetSubtype="0" fill="hold" grpId="0" nodeType="withEffect">
+                                  <p:stCondLst>
+                                    <p:cond delay="0"/>
+                                  </p:stCondLst>
+                                  <p:childTnLst>
+                                    <p:set>
+                                      <p:cBhvr>
+                                        <p:cTn id="14" dur="1" fill="hold">
+                                          <p:stCondLst>
+                                            <p:cond delay="0"/>
+                                          </p:stCondLst>
+                                        </p:cTn>
+                                        <p:tgtEl>
+                                          <p:spTgt spid="3">
+                                            <p:txEl>
+                                              <p:pRg st="2" end="2"/>
+                                            </p:txEl>
+                                          </p:spTgt>
+                                        </p:tgtEl>
+                                        <p:attrNameLst>
+                                          <p:attrName>style.visibility</p:attrName>
+                                        </p:attrNameLst>
+                                      </p:cBhvr>
+                                      <p:to>
+                                        <p:strVal val="visible"/>
+                                      </p:to>
+                                    </p:set>
+                                  </p:childTnLst>
+                                </p:cTn>
+                              </p:par>
+                              <p:par>
+                                <p:cTn id="15" presetID="1" presetClass="entr" presetSubtype="0" fill="hold" grpId="0" nodeType="withEffect">
+                                  <p:stCondLst>
+                                    <p:cond delay="0"/>
+                                  </p:stCondLst>
+                                  <p:childTnLst>
+                                    <p:set>
+                                      <p:cBhvr>
+                                        <p:cTn id="16" dur="1" fill="hold">
+                                          <p:stCondLst>
+                                            <p:cond delay="0"/>
+                                          </p:stCondLst>
+                                        </p:cTn>
+                                        <p:tgtEl>
+                                          <p:spTgt spid="3">
+                                            <p:txEl>
+                                              <p:pRg st="3" end="3"/>
+                                            </p:txEl>
+                                          </p:spTgt>
+                                        </p:tgtEl>
+                                        <p:attrNameLst>
+                                          <p:attrName>style.visibility</p:attrName>
+                                        </p:attrNameLst>
+                                      </p:cBhvr>
+                                      <p:to>
+                                        <p:strVal val="visible"/>
+                                      </p:to>
+                                    </p:set>
+                                  </p:childTnLst>
+                                </p:cTn>
+                              </p:par>
+                            </p:childTnLst>
+                          </p:cTn>
+                        </p:par>
+                      </p:childTnLst>
+                    </p:cTn>
+                  </p:par>
+                </p:childTnLst>
+              </p:cTn>
+              <p:prevCondLst>
+                <p:cond evt="onPrev" delay="0">
+                  <p:tgtEl>
+                    <p:sldTgt/>
+                  </p:tgtEl>
+                </p:cond>
+              </p:prevCondLst>
+              <p:nextCondLst>
+                <p:cond evt="onNext" delay="0">
+                  <p:tgtEl>
+                    <p:sldTgt/>
+                  </p:tgtEl>
+                </p:cond>
+              </p:nextCondLst>
+            </p:seq>
+          </p:childTnLst>
+        </p:cTn>
       </p:par>
     </p:tnLst>
+    <p:bldLst>
+      <p:bldP spid="2" grpId="0"/>
+      <p:bldP spid="3" grpId="0" uiExpand="1" build="p"/>
+    </p:bldLst>
   </p:timing>
 </p:sld>
 </file>
@@ -11006,9 +12481,316 @@
   <p:timing>
     <p:tnLst>
       <p:par>
-        <p:cTn id="1" dur="indefinite" restart="never" nodeType="tmRoot"/>
+        <p:cTn id="1" dur="indefinite" restart="never" nodeType="tmRoot">
+          <p:childTnLst>
+            <p:seq concurrent="1" nextAc="seek">
+              <p:cTn id="2" dur="indefinite" nodeType="mainSeq">
+                <p:childTnLst>
+                  <p:par>
+                    <p:cTn id="3" fill="hold">
+                      <p:stCondLst>
+                        <p:cond delay="indefinite"/>
+                      </p:stCondLst>
+                      <p:childTnLst>
+                        <p:par>
+                          <p:cTn id="4" fill="hold">
+                            <p:stCondLst>
+                              <p:cond delay="0"/>
+                            </p:stCondLst>
+                            <p:childTnLst>
+                              <p:par>
+                                <p:cTn id="5" presetID="1" presetClass="entr" presetSubtype="0" fill="hold" grpId="0" nodeType="clickEffect">
+                                  <p:stCondLst>
+                                    <p:cond delay="0"/>
+                                  </p:stCondLst>
+                                  <p:childTnLst>
+                                    <p:set>
+                                      <p:cBhvr>
+                                        <p:cTn id="6" dur="1" fill="hold">
+                                          <p:stCondLst>
+                                            <p:cond delay="0"/>
+                                          </p:stCondLst>
+                                        </p:cTn>
+                                        <p:tgtEl>
+                                          <p:spTgt spid="2"/>
+                                        </p:tgtEl>
+                                        <p:attrNameLst>
+                                          <p:attrName>style.visibility</p:attrName>
+                                        </p:attrNameLst>
+                                      </p:cBhvr>
+                                      <p:to>
+                                        <p:strVal val="visible"/>
+                                      </p:to>
+                                    </p:set>
+                                  </p:childTnLst>
+                                </p:cTn>
+                              </p:par>
+                            </p:childTnLst>
+                          </p:cTn>
+                        </p:par>
+                      </p:childTnLst>
+                    </p:cTn>
+                  </p:par>
+                  <p:par>
+                    <p:cTn id="7" fill="hold">
+                      <p:stCondLst>
+                        <p:cond delay="indefinite"/>
+                      </p:stCondLst>
+                      <p:childTnLst>
+                        <p:par>
+                          <p:cTn id="8" fill="hold">
+                            <p:stCondLst>
+                              <p:cond delay="0"/>
+                            </p:stCondLst>
+                            <p:childTnLst>
+                              <p:par>
+                                <p:cTn id="9" presetID="1" presetClass="entr" presetSubtype="0" fill="hold" grpId="0" nodeType="clickEffect">
+                                  <p:stCondLst>
+                                    <p:cond delay="0"/>
+                                  </p:stCondLst>
+                                  <p:childTnLst>
+                                    <p:set>
+                                      <p:cBhvr>
+                                        <p:cTn id="10" dur="1" fill="hold">
+                                          <p:stCondLst>
+                                            <p:cond delay="0"/>
+                                          </p:stCondLst>
+                                        </p:cTn>
+                                        <p:tgtEl>
+                                          <p:spTgt spid="3">
+                                            <p:txEl>
+                                              <p:pRg st="0" end="0"/>
+                                            </p:txEl>
+                                          </p:spTgt>
+                                        </p:tgtEl>
+                                        <p:attrNameLst>
+                                          <p:attrName>style.visibility</p:attrName>
+                                        </p:attrNameLst>
+                                      </p:cBhvr>
+                                      <p:to>
+                                        <p:strVal val="visible"/>
+                                      </p:to>
+                                    </p:set>
+                                  </p:childTnLst>
+                                </p:cTn>
+                              </p:par>
+                              <p:par>
+                                <p:cTn id="11" presetID="1" presetClass="entr" presetSubtype="0" fill="hold" grpId="0" nodeType="withEffect">
+                                  <p:stCondLst>
+                                    <p:cond delay="0"/>
+                                  </p:stCondLst>
+                                  <p:childTnLst>
+                                    <p:set>
+                                      <p:cBhvr>
+                                        <p:cTn id="12" dur="1" fill="hold">
+                                          <p:stCondLst>
+                                            <p:cond delay="0"/>
+                                          </p:stCondLst>
+                                        </p:cTn>
+                                        <p:tgtEl>
+                                          <p:spTgt spid="3">
+                                            <p:txEl>
+                                              <p:pRg st="1" end="1"/>
+                                            </p:txEl>
+                                          </p:spTgt>
+                                        </p:tgtEl>
+                                        <p:attrNameLst>
+                                          <p:attrName>style.visibility</p:attrName>
+                                        </p:attrNameLst>
+                                      </p:cBhvr>
+                                      <p:to>
+                                        <p:strVal val="visible"/>
+                                      </p:to>
+                                    </p:set>
+                                  </p:childTnLst>
+                                </p:cTn>
+                              </p:par>
+                              <p:par>
+                                <p:cTn id="13" presetID="1" presetClass="entr" presetSubtype="0" fill="hold" grpId="0" nodeType="withEffect">
+                                  <p:stCondLst>
+                                    <p:cond delay="0"/>
+                                  </p:stCondLst>
+                                  <p:childTnLst>
+                                    <p:set>
+                                      <p:cBhvr>
+                                        <p:cTn id="14" dur="1" fill="hold">
+                                          <p:stCondLst>
+                                            <p:cond delay="0"/>
+                                          </p:stCondLst>
+                                        </p:cTn>
+                                        <p:tgtEl>
+                                          <p:spTgt spid="3">
+                                            <p:txEl>
+                                              <p:pRg st="2" end="2"/>
+                                            </p:txEl>
+                                          </p:spTgt>
+                                        </p:tgtEl>
+                                        <p:attrNameLst>
+                                          <p:attrName>style.visibility</p:attrName>
+                                        </p:attrNameLst>
+                                      </p:cBhvr>
+                                      <p:to>
+                                        <p:strVal val="visible"/>
+                                      </p:to>
+                                    </p:set>
+                                  </p:childTnLst>
+                                </p:cTn>
+                              </p:par>
+                              <p:par>
+                                <p:cTn id="15" presetID="1" presetClass="entr" presetSubtype="0" fill="hold" grpId="0" nodeType="withEffect">
+                                  <p:stCondLst>
+                                    <p:cond delay="0"/>
+                                  </p:stCondLst>
+                                  <p:childTnLst>
+                                    <p:set>
+                                      <p:cBhvr>
+                                        <p:cTn id="16" dur="1" fill="hold">
+                                          <p:stCondLst>
+                                            <p:cond delay="0"/>
+                                          </p:stCondLst>
+                                        </p:cTn>
+                                        <p:tgtEl>
+                                          <p:spTgt spid="3">
+                                            <p:txEl>
+                                              <p:pRg st="3" end="3"/>
+                                            </p:txEl>
+                                          </p:spTgt>
+                                        </p:tgtEl>
+                                        <p:attrNameLst>
+                                          <p:attrName>style.visibility</p:attrName>
+                                        </p:attrNameLst>
+                                      </p:cBhvr>
+                                      <p:to>
+                                        <p:strVal val="visible"/>
+                                      </p:to>
+                                    </p:set>
+                                  </p:childTnLst>
+                                </p:cTn>
+                              </p:par>
+                              <p:par>
+                                <p:cTn id="17" presetID="1" presetClass="entr" presetSubtype="0" fill="hold" grpId="0" nodeType="withEffect">
+                                  <p:stCondLst>
+                                    <p:cond delay="0"/>
+                                  </p:stCondLst>
+                                  <p:childTnLst>
+                                    <p:set>
+                                      <p:cBhvr>
+                                        <p:cTn id="18" dur="1" fill="hold">
+                                          <p:stCondLst>
+                                            <p:cond delay="0"/>
+                                          </p:stCondLst>
+                                        </p:cTn>
+                                        <p:tgtEl>
+                                          <p:spTgt spid="3">
+                                            <p:txEl>
+                                              <p:pRg st="4" end="4"/>
+                                            </p:txEl>
+                                          </p:spTgt>
+                                        </p:tgtEl>
+                                        <p:attrNameLst>
+                                          <p:attrName>style.visibility</p:attrName>
+                                        </p:attrNameLst>
+                                      </p:cBhvr>
+                                      <p:to>
+                                        <p:strVal val="visible"/>
+                                      </p:to>
+                                    </p:set>
+                                  </p:childTnLst>
+                                </p:cTn>
+                              </p:par>
+                              <p:par>
+                                <p:cTn id="19" presetID="1" presetClass="entr" presetSubtype="0" fill="hold" grpId="0" nodeType="withEffect">
+                                  <p:stCondLst>
+                                    <p:cond delay="0"/>
+                                  </p:stCondLst>
+                                  <p:childTnLst>
+                                    <p:set>
+                                      <p:cBhvr>
+                                        <p:cTn id="20" dur="1" fill="hold">
+                                          <p:stCondLst>
+                                            <p:cond delay="0"/>
+                                          </p:stCondLst>
+                                        </p:cTn>
+                                        <p:tgtEl>
+                                          <p:spTgt spid="3">
+                                            <p:txEl>
+                                              <p:pRg st="5" end="5"/>
+                                            </p:txEl>
+                                          </p:spTgt>
+                                        </p:tgtEl>
+                                        <p:attrNameLst>
+                                          <p:attrName>style.visibility</p:attrName>
+                                        </p:attrNameLst>
+                                      </p:cBhvr>
+                                      <p:to>
+                                        <p:strVal val="visible"/>
+                                      </p:to>
+                                    </p:set>
+                                  </p:childTnLst>
+                                </p:cTn>
+                              </p:par>
+                              <p:par>
+                                <p:cTn id="21" presetID="1" presetClass="entr" presetSubtype="0" fill="hold" grpId="0" nodeType="withEffect">
+                                  <p:stCondLst>
+                                    <p:cond delay="0"/>
+                                  </p:stCondLst>
+                                  <p:childTnLst>
+                                    <p:set>
+                                      <p:cBhvr>
+                                        <p:cTn id="22" dur="1" fill="hold">
+                                          <p:stCondLst>
+                                            <p:cond delay="0"/>
+                                          </p:stCondLst>
+                                        </p:cTn>
+                                        <p:tgtEl>
+                                          <p:spTgt spid="3">
+                                            <p:txEl>
+                                              <p:pRg st="6" end="6"/>
+                                            </p:txEl>
+                                          </p:spTgt>
+                                        </p:tgtEl>
+                                        <p:attrNameLst>
+                                          <p:attrName>style.visibility</p:attrName>
+                                        </p:attrNameLst>
+                                      </p:cBhvr>
+                                      <p:to>
+                                        <p:strVal val="visible"/>
+                                      </p:to>
+                                    </p:set>
+                                  </p:childTnLst>
+                                </p:cTn>
+                              </p:par>
+                            </p:childTnLst>
+                          </p:cTn>
+                        </p:par>
+                      </p:childTnLst>
+                    </p:cTn>
+                  </p:par>
+                </p:childTnLst>
+              </p:cTn>
+              <p:prevCondLst>
+                <p:cond evt="onPrev" delay="0">
+                  <p:tgtEl>
+                    <p:sldTgt/>
+                  </p:tgtEl>
+                </p:cond>
+              </p:prevCondLst>
+              <p:nextCondLst>
+                <p:cond evt="onNext" delay="0">
+                  <p:tgtEl>
+                    <p:sldTgt/>
+                  </p:tgtEl>
+                </p:cond>
+              </p:nextCondLst>
+            </p:seq>
+          </p:childTnLst>
+        </p:cTn>
       </p:par>
     </p:tnLst>
+    <p:bldLst>
+      <p:bldP spid="2" grpId="0"/>
+      <p:bldP spid="3" grpId="0" uiExpand="1" build="p"/>
+    </p:bldLst>
   </p:timing>
 </p:sld>
 </file>
@@ -11089,23 +12871,7 @@
                 <a:ea typeface="+mj-ea"/>
                 <a:cs typeface="Arial" panose="020B0604020202020204" pitchFamily="34" charset="0"/>
               </a:rPr>
-              <a:t>Mcok</a:t>
-            </a:r>
-            <a:r>
-              <a:rPr lang="de-CH" sz="4000" dirty="0" err="1">
-                <a:latin typeface="Arial" panose="020B0604020202020204" pitchFamily="34" charset="0"/>
-                <a:ea typeface="+mj-ea"/>
-                <a:cs typeface="Arial" panose="020B0604020202020204" pitchFamily="34" charset="0"/>
-              </a:rPr>
-              <a:t>-</a:t>
-            </a:r>
-            <a:r>
-              <a:rPr lang="de-CH" sz="4000" dirty="0" err="1">
-                <a:latin typeface="Arial" panose="020B0604020202020204" pitchFamily="34" charset="0"/>
-                <a:ea typeface="+mj-ea"/>
-                <a:cs typeface="Arial" panose="020B0604020202020204" pitchFamily="34" charset="0"/>
-              </a:rPr>
-              <a:t>Up</a:t>
+              <a:t>Mcok-Up</a:t>
             </a:r>
             <a:r>
               <a:rPr lang="de-CH" sz="4000" dirty="0">
@@ -11115,11 +12881,6 @@
               </a:rPr>
               <a:t> / Die Schemas</a:t>
             </a:r>
-            <a:endParaRPr lang="de-CH" sz="4000" dirty="0">
-              <a:latin typeface="Arial" panose="020B0604020202020204" pitchFamily="34" charset="0"/>
-              <a:ea typeface="+mj-ea"/>
-              <a:cs typeface="Arial" panose="020B0604020202020204" pitchFamily="34" charset="0"/>
-            </a:endParaRPr>
           </a:p>
         </p:txBody>
       </p:sp>
@@ -11136,9 +12897,125 @@
   <p:timing>
     <p:tnLst>
       <p:par>
-        <p:cTn id="1" dur="indefinite" restart="never" nodeType="tmRoot"/>
+        <p:cTn id="1" dur="indefinite" restart="never" nodeType="tmRoot">
+          <p:childTnLst>
+            <p:seq concurrent="1" nextAc="seek">
+              <p:cTn id="2" dur="indefinite" nodeType="mainSeq">
+                <p:childTnLst>
+                  <p:par>
+                    <p:cTn id="3" fill="hold">
+                      <p:stCondLst>
+                        <p:cond delay="indefinite"/>
+                      </p:stCondLst>
+                      <p:childTnLst>
+                        <p:par>
+                          <p:cTn id="4" fill="hold">
+                            <p:stCondLst>
+                              <p:cond delay="0"/>
+                            </p:stCondLst>
+                            <p:childTnLst>
+                              <p:par>
+                                <p:cTn id="5" presetID="1" presetClass="entr" presetSubtype="0" fill="hold" grpId="0" nodeType="clickEffect">
+                                  <p:stCondLst>
+                                    <p:cond delay="0"/>
+                                  </p:stCondLst>
+                                  <p:childTnLst>
+                                    <p:set>
+                                      <p:cBhvr>
+                                        <p:cTn id="6" dur="1" fill="hold">
+                                          <p:stCondLst>
+                                            <p:cond delay="0"/>
+                                          </p:stCondLst>
+                                        </p:cTn>
+                                        <p:tgtEl>
+                                          <p:spTgt spid="5"/>
+                                        </p:tgtEl>
+                                        <p:attrNameLst>
+                                          <p:attrName>style.visibility</p:attrName>
+                                        </p:attrNameLst>
+                                      </p:cBhvr>
+                                      <p:to>
+                                        <p:strVal val="visible"/>
+                                      </p:to>
+                                    </p:set>
+                                  </p:childTnLst>
+                                </p:cTn>
+                              </p:par>
+                            </p:childTnLst>
+                          </p:cTn>
+                        </p:par>
+                      </p:childTnLst>
+                    </p:cTn>
+                  </p:par>
+                  <p:par>
+                    <p:cTn id="7" fill="hold">
+                      <p:stCondLst>
+                        <p:cond delay="indefinite"/>
+                      </p:stCondLst>
+                      <p:childTnLst>
+                        <p:par>
+                          <p:cTn id="8" fill="hold">
+                            <p:stCondLst>
+                              <p:cond delay="0"/>
+                            </p:stCondLst>
+                            <p:childTnLst>
+                              <p:par>
+                                <p:cTn id="9" presetID="1" presetClass="entr" presetSubtype="0" fill="hold" nodeType="clickEffect">
+                                  <p:stCondLst>
+                                    <p:cond delay="0"/>
+                                  </p:stCondLst>
+                                  <p:childTnLst>
+                                    <p:set>
+                                      <p:cBhvr>
+                                        <p:cTn id="10" dur="1" fill="hold">
+                                          <p:stCondLst>
+                                            <p:cond delay="0"/>
+                                          </p:stCondLst>
+                                        </p:cTn>
+                                        <p:tgtEl>
+                                          <p:spTgt spid="4"/>
+                                        </p:tgtEl>
+                                        <p:attrNameLst>
+                                          <p:attrName>style.visibility</p:attrName>
+                                        </p:attrNameLst>
+                                      </p:cBhvr>
+                                      <p:to>
+                                        <p:strVal val="visible"/>
+                                      </p:to>
+                                    </p:set>
+                                  </p:childTnLst>
+                                </p:cTn>
+                              </p:par>
+                            </p:childTnLst>
+                          </p:cTn>
+                        </p:par>
+                      </p:childTnLst>
+                    </p:cTn>
+                  </p:par>
+                </p:childTnLst>
+              </p:cTn>
+              <p:prevCondLst>
+                <p:cond evt="onPrev" delay="0">
+                  <p:tgtEl>
+                    <p:sldTgt/>
+                  </p:tgtEl>
+                </p:cond>
+              </p:prevCondLst>
+              <p:nextCondLst>
+                <p:cond evt="onNext" delay="0">
+                  <p:tgtEl>
+                    <p:sldTgt/>
+                  </p:tgtEl>
+                </p:cond>
+              </p:nextCondLst>
+            </p:seq>
+          </p:childTnLst>
+        </p:cTn>
       </p:par>
     </p:tnLst>
+    <p:bldLst>
+      <p:bldP spid="5" grpId="0"/>
+    </p:bldLst>
   </p:timing>
 </p:sld>
 </file>
@@ -11454,6 +13331,255 @@
                       </p:childTnLst>
                     </p:cTn>
                   </p:par>
+                  <p:par>
+                    <p:cTn id="7" fill="hold">
+                      <p:stCondLst>
+                        <p:cond delay="indefinite"/>
+                      </p:stCondLst>
+                      <p:childTnLst>
+                        <p:par>
+                          <p:cTn id="8" fill="hold">
+                            <p:stCondLst>
+                              <p:cond delay="0"/>
+                            </p:stCondLst>
+                            <p:childTnLst>
+                              <p:par>
+                                <p:cTn id="9" presetID="1" presetClass="entr" presetSubtype="0" fill="hold" grpId="0" nodeType="clickEffect">
+                                  <p:stCondLst>
+                                    <p:cond delay="0"/>
+                                  </p:stCondLst>
+                                  <p:childTnLst>
+                                    <p:set>
+                                      <p:cBhvr>
+                                        <p:cTn id="10" dur="1" fill="hold">
+                                          <p:stCondLst>
+                                            <p:cond delay="0"/>
+                                          </p:stCondLst>
+                                        </p:cTn>
+                                        <p:tgtEl>
+                                          <p:spTgt spid="2"/>
+                                        </p:tgtEl>
+                                        <p:attrNameLst>
+                                          <p:attrName>style.visibility</p:attrName>
+                                        </p:attrNameLst>
+                                      </p:cBhvr>
+                                      <p:to>
+                                        <p:strVal val="visible"/>
+                                      </p:to>
+                                    </p:set>
+                                  </p:childTnLst>
+                                </p:cTn>
+                              </p:par>
+                            </p:childTnLst>
+                          </p:cTn>
+                        </p:par>
+                      </p:childTnLst>
+                    </p:cTn>
+                  </p:par>
+                  <p:par>
+                    <p:cTn id="11" fill="hold">
+                      <p:stCondLst>
+                        <p:cond delay="indefinite"/>
+                      </p:stCondLst>
+                      <p:childTnLst>
+                        <p:par>
+                          <p:cTn id="12" fill="hold">
+                            <p:stCondLst>
+                              <p:cond delay="0"/>
+                            </p:stCondLst>
+                            <p:childTnLst>
+                              <p:par>
+                                <p:cTn id="13" presetID="1" presetClass="entr" presetSubtype="0" fill="hold" grpId="0" nodeType="clickEffect">
+                                  <p:stCondLst>
+                                    <p:cond delay="0"/>
+                                  </p:stCondLst>
+                                  <p:childTnLst>
+                                    <p:set>
+                                      <p:cBhvr>
+                                        <p:cTn id="14" dur="1" fill="hold">
+                                          <p:stCondLst>
+                                            <p:cond delay="0"/>
+                                          </p:stCondLst>
+                                        </p:cTn>
+                                        <p:tgtEl>
+                                          <p:spTgt spid="3">
+                                            <p:txEl>
+                                              <p:pRg st="0" end="0"/>
+                                            </p:txEl>
+                                          </p:spTgt>
+                                        </p:tgtEl>
+                                        <p:attrNameLst>
+                                          <p:attrName>style.visibility</p:attrName>
+                                        </p:attrNameLst>
+                                      </p:cBhvr>
+                                      <p:to>
+                                        <p:strVal val="visible"/>
+                                      </p:to>
+                                    </p:set>
+                                  </p:childTnLst>
+                                </p:cTn>
+                              </p:par>
+                              <p:par>
+                                <p:cTn id="15" presetID="1" presetClass="entr" presetSubtype="0" fill="hold" grpId="0" nodeType="withEffect">
+                                  <p:stCondLst>
+                                    <p:cond delay="0"/>
+                                  </p:stCondLst>
+                                  <p:childTnLst>
+                                    <p:set>
+                                      <p:cBhvr>
+                                        <p:cTn id="16" dur="1" fill="hold">
+                                          <p:stCondLst>
+                                            <p:cond delay="0"/>
+                                          </p:stCondLst>
+                                        </p:cTn>
+                                        <p:tgtEl>
+                                          <p:spTgt spid="3">
+                                            <p:txEl>
+                                              <p:pRg st="1" end="1"/>
+                                            </p:txEl>
+                                          </p:spTgt>
+                                        </p:tgtEl>
+                                        <p:attrNameLst>
+                                          <p:attrName>style.visibility</p:attrName>
+                                        </p:attrNameLst>
+                                      </p:cBhvr>
+                                      <p:to>
+                                        <p:strVal val="visible"/>
+                                      </p:to>
+                                    </p:set>
+                                  </p:childTnLst>
+                                </p:cTn>
+                              </p:par>
+                              <p:par>
+                                <p:cTn id="17" presetID="1" presetClass="entr" presetSubtype="0" fill="hold" grpId="0" nodeType="withEffect">
+                                  <p:stCondLst>
+                                    <p:cond delay="0"/>
+                                  </p:stCondLst>
+                                  <p:childTnLst>
+                                    <p:set>
+                                      <p:cBhvr>
+                                        <p:cTn id="18" dur="1" fill="hold">
+                                          <p:stCondLst>
+                                            <p:cond delay="0"/>
+                                          </p:stCondLst>
+                                        </p:cTn>
+                                        <p:tgtEl>
+                                          <p:spTgt spid="3">
+                                            <p:txEl>
+                                              <p:pRg st="2" end="2"/>
+                                            </p:txEl>
+                                          </p:spTgt>
+                                        </p:tgtEl>
+                                        <p:attrNameLst>
+                                          <p:attrName>style.visibility</p:attrName>
+                                        </p:attrNameLst>
+                                      </p:cBhvr>
+                                      <p:to>
+                                        <p:strVal val="visible"/>
+                                      </p:to>
+                                    </p:set>
+                                  </p:childTnLst>
+                                </p:cTn>
+                              </p:par>
+                              <p:par>
+                                <p:cTn id="19" presetID="1" presetClass="entr" presetSubtype="0" fill="hold" grpId="0" nodeType="withEffect">
+                                  <p:stCondLst>
+                                    <p:cond delay="0"/>
+                                  </p:stCondLst>
+                                  <p:childTnLst>
+                                    <p:set>
+                                      <p:cBhvr>
+                                        <p:cTn id="20" dur="1" fill="hold">
+                                          <p:stCondLst>
+                                            <p:cond delay="0"/>
+                                          </p:stCondLst>
+                                        </p:cTn>
+                                        <p:tgtEl>
+                                          <p:spTgt spid="3">
+                                            <p:txEl>
+                                              <p:pRg st="3" end="3"/>
+                                            </p:txEl>
+                                          </p:spTgt>
+                                        </p:tgtEl>
+                                        <p:attrNameLst>
+                                          <p:attrName>style.visibility</p:attrName>
+                                        </p:attrNameLst>
+                                      </p:cBhvr>
+                                      <p:to>
+                                        <p:strVal val="visible"/>
+                                      </p:to>
+                                    </p:set>
+                                  </p:childTnLst>
+                                </p:cTn>
+                              </p:par>
+                              <p:par>
+                                <p:cTn id="21" presetID="1" presetClass="entr" presetSubtype="0" fill="hold" grpId="0" nodeType="withEffect">
+                                  <p:stCondLst>
+                                    <p:cond delay="0"/>
+                                  </p:stCondLst>
+                                  <p:childTnLst>
+                                    <p:set>
+                                      <p:cBhvr>
+                                        <p:cTn id="22" dur="1" fill="hold">
+                                          <p:stCondLst>
+                                            <p:cond delay="0"/>
+                                          </p:stCondLst>
+                                        </p:cTn>
+                                        <p:tgtEl>
+                                          <p:spTgt spid="3">
+                                            <p:txEl>
+                                              <p:pRg st="4" end="4"/>
+                                            </p:txEl>
+                                          </p:spTgt>
+                                        </p:tgtEl>
+                                        <p:attrNameLst>
+                                          <p:attrName>style.visibility</p:attrName>
+                                        </p:attrNameLst>
+                                      </p:cBhvr>
+                                      <p:to>
+                                        <p:strVal val="visible"/>
+                                      </p:to>
+                                    </p:set>
+                                  </p:childTnLst>
+                                </p:cTn>
+                              </p:par>
+                              <p:par>
+                                <p:cTn id="23" presetID="1" presetClass="entr" presetSubtype="0" fill="hold" grpId="0" nodeType="withEffect">
+                                  <p:stCondLst>
+                                    <p:cond delay="0"/>
+                                  </p:stCondLst>
+                                  <p:childTnLst>
+                                    <p:set>
+                                      <p:cBhvr>
+                                        <p:cTn id="24" dur="1" fill="hold">
+                                          <p:stCondLst>
+                                            <p:cond delay="0"/>
+                                          </p:stCondLst>
+                                        </p:cTn>
+                                        <p:tgtEl>
+                                          <p:spTgt spid="3">
+                                            <p:txEl>
+                                              <p:pRg st="5" end="5"/>
+                                            </p:txEl>
+                                          </p:spTgt>
+                                        </p:tgtEl>
+                                        <p:attrNameLst>
+                                          <p:attrName>style.visibility</p:attrName>
+                                        </p:attrNameLst>
+                                      </p:cBhvr>
+                                      <p:to>
+                                        <p:strVal val="visible"/>
+                                      </p:to>
+                                    </p:set>
+                                  </p:childTnLst>
+                                </p:cTn>
+                              </p:par>
+                            </p:childTnLst>
+                          </p:cTn>
+                        </p:par>
+                      </p:childTnLst>
+                    </p:cTn>
+                  </p:par>
                 </p:childTnLst>
               </p:cTn>
               <p:prevCondLst>
@@ -11476,7 +13602,9 @@
       </p:par>
     </p:tnLst>
     <p:bldLst>
+      <p:bldP spid="3" grpId="0" uiExpand="1" build="p"/>
       <p:bldP spid="4" grpId="0"/>
+      <p:bldP spid="2" grpId="0"/>
     </p:bldLst>
   </p:timing>
 </p:sld>

--- a/ZwischenPresäntation.pptx
+++ b/ZwischenPresäntation.pptx
@@ -5602,7 +5602,7 @@
           <a:p>
             <a:fld id="{1BA50D42-C9CD-4801-B293-61D1F53EC57E}" type="datetimeFigureOut">
               <a:rPr lang="de-DE" smtClean="0"/>
-              <a:t>05.04.2019</a:t>
+              <a:t>08.04.2019</a:t>
             </a:fld>
             <a:endParaRPr lang="de-DE"/>
           </a:p>
@@ -5800,7 +5800,7 @@
           <a:p>
             <a:fld id="{1BA50D42-C9CD-4801-B293-61D1F53EC57E}" type="datetimeFigureOut">
               <a:rPr lang="de-DE" smtClean="0"/>
-              <a:t>05.04.2019</a:t>
+              <a:t>08.04.2019</a:t>
             </a:fld>
             <a:endParaRPr lang="de-DE"/>
           </a:p>
@@ -5975,7 +5975,7 @@
           <a:p>
             <a:fld id="{1BA50D42-C9CD-4801-B293-61D1F53EC57E}" type="datetimeFigureOut">
               <a:rPr lang="de-DE" smtClean="0"/>
-              <a:t>05.04.2019</a:t>
+              <a:t>08.04.2019</a:t>
             </a:fld>
             <a:endParaRPr lang="de-DE"/>
           </a:p>
@@ -6180,7 +6180,7 @@
           <a:p>
             <a:fld id="{1BA50D42-C9CD-4801-B293-61D1F53EC57E}" type="datetimeFigureOut">
               <a:rPr lang="de-DE" smtClean="0"/>
-              <a:t>05.04.2019</a:t>
+              <a:t>08.04.2019</a:t>
             </a:fld>
             <a:endParaRPr lang="de-DE"/>
           </a:p>
@@ -6421,7 +6421,7 @@
           <a:p>
             <a:fld id="{1BA50D42-C9CD-4801-B293-61D1F53EC57E}" type="datetimeFigureOut">
               <a:rPr lang="de-DE" smtClean="0"/>
-              <a:t>05.04.2019</a:t>
+              <a:t>08.04.2019</a:t>
             </a:fld>
             <a:endParaRPr lang="de-DE"/>
           </a:p>
@@ -6704,7 +6704,7 @@
           <a:p>
             <a:fld id="{1BA50D42-C9CD-4801-B293-61D1F53EC57E}" type="datetimeFigureOut">
               <a:rPr lang="de-DE" smtClean="0"/>
-              <a:t>05.04.2019</a:t>
+              <a:t>08.04.2019</a:t>
             </a:fld>
             <a:endParaRPr lang="de-DE"/>
           </a:p>
@@ -7121,7 +7121,7 @@
           <a:p>
             <a:fld id="{1BA50D42-C9CD-4801-B293-61D1F53EC57E}" type="datetimeFigureOut">
               <a:rPr lang="de-DE" smtClean="0"/>
-              <a:t>05.04.2019</a:t>
+              <a:t>08.04.2019</a:t>
             </a:fld>
             <a:endParaRPr lang="de-DE"/>
           </a:p>
@@ -7234,7 +7234,7 @@
           <a:p>
             <a:fld id="{1BA50D42-C9CD-4801-B293-61D1F53EC57E}" type="datetimeFigureOut">
               <a:rPr lang="de-DE" smtClean="0"/>
-              <a:t>05.04.2019</a:t>
+              <a:t>08.04.2019</a:t>
             </a:fld>
             <a:endParaRPr lang="de-DE"/>
           </a:p>
@@ -7324,7 +7324,7 @@
           <a:p>
             <a:fld id="{1BA50D42-C9CD-4801-B293-61D1F53EC57E}" type="datetimeFigureOut">
               <a:rPr lang="de-DE" smtClean="0"/>
-              <a:t>05.04.2019</a:t>
+              <a:t>08.04.2019</a:t>
             </a:fld>
             <a:endParaRPr lang="de-DE"/>
           </a:p>
@@ -7596,7 +7596,7 @@
           <a:p>
             <a:fld id="{1BA50D42-C9CD-4801-B293-61D1F53EC57E}" type="datetimeFigureOut">
               <a:rPr lang="de-DE" smtClean="0"/>
-              <a:t>05.04.2019</a:t>
+              <a:t>08.04.2019</a:t>
             </a:fld>
             <a:endParaRPr lang="de-DE"/>
           </a:p>
@@ -7844,7 +7844,7 @@
           <a:p>
             <a:fld id="{1BA50D42-C9CD-4801-B293-61D1F53EC57E}" type="datetimeFigureOut">
               <a:rPr lang="de-DE" smtClean="0"/>
-              <a:t>05.04.2019</a:t>
+              <a:t>08.04.2019</a:t>
             </a:fld>
             <a:endParaRPr lang="de-DE"/>
           </a:p>
@@ -8052,7 +8052,7 @@
           <a:p>
             <a:fld id="{1BA50D42-C9CD-4801-B293-61D1F53EC57E}" type="datetimeFigureOut">
               <a:rPr lang="de-DE" smtClean="0"/>
-              <a:t>05.04.2019</a:t>
+              <a:t>08.04.2019</a:t>
             </a:fld>
             <a:endParaRPr lang="de-DE"/>
           </a:p>
@@ -8621,161 +8621,9 @@
   <p:timing>
     <p:tnLst>
       <p:par>
-        <p:cTn id="1" dur="indefinite" restart="never" nodeType="tmRoot">
-          <p:childTnLst>
-            <p:seq concurrent="1" nextAc="seek">
-              <p:cTn id="2" dur="indefinite" nodeType="mainSeq">
-                <p:childTnLst>
-                  <p:par>
-                    <p:cTn id="3" fill="hold">
-                      <p:stCondLst>
-                        <p:cond delay="indefinite"/>
-                      </p:stCondLst>
-                      <p:childTnLst>
-                        <p:par>
-                          <p:cTn id="4" fill="hold">
-                            <p:stCondLst>
-                              <p:cond delay="0"/>
-                            </p:stCondLst>
-                            <p:childTnLst>
-                              <p:par>
-                                <p:cTn id="5" presetID="10" presetClass="entr" presetSubtype="0" fill="hold" grpId="0" nodeType="clickEffect">
-                                  <p:stCondLst>
-                                    <p:cond delay="0"/>
-                                  </p:stCondLst>
-                                  <p:childTnLst>
-                                    <p:set>
-                                      <p:cBhvr>
-                                        <p:cTn id="6" dur="1" fill="hold">
-                                          <p:stCondLst>
-                                            <p:cond delay="0"/>
-                                          </p:stCondLst>
-                                        </p:cTn>
-                                        <p:tgtEl>
-                                          <p:spTgt spid="2"/>
-                                        </p:tgtEl>
-                                        <p:attrNameLst>
-                                          <p:attrName>style.visibility</p:attrName>
-                                        </p:attrNameLst>
-                                      </p:cBhvr>
-                                      <p:to>
-                                        <p:strVal val="visible"/>
-                                      </p:to>
-                                    </p:set>
-                                    <p:animEffect transition="in" filter="fade">
-                                      <p:cBhvr>
-                                        <p:cTn id="7" dur="500"/>
-                                        <p:tgtEl>
-                                          <p:spTgt spid="2"/>
-                                        </p:tgtEl>
-                                      </p:cBhvr>
-                                    </p:animEffect>
-                                  </p:childTnLst>
-                                </p:cTn>
-                              </p:par>
-                            </p:childTnLst>
-                          </p:cTn>
-                        </p:par>
-                      </p:childTnLst>
-                    </p:cTn>
-                  </p:par>
-                  <p:par>
-                    <p:cTn id="8" fill="hold">
-                      <p:stCondLst>
-                        <p:cond delay="indefinite"/>
-                      </p:stCondLst>
-                      <p:childTnLst>
-                        <p:par>
-                          <p:cTn id="9" fill="hold">
-                            <p:stCondLst>
-                              <p:cond delay="0"/>
-                            </p:stCondLst>
-                            <p:childTnLst>
-                              <p:par>
-                                <p:cTn id="10" presetID="1" presetClass="entr" presetSubtype="0" fill="hold" nodeType="clickEffect">
-                                  <p:stCondLst>
-                                    <p:cond delay="0"/>
-                                  </p:stCondLst>
-                                  <p:childTnLst>
-                                    <p:set>
-                                      <p:cBhvr>
-                                        <p:cTn id="11" dur="1" fill="hold">
-                                          <p:stCondLst>
-                                            <p:cond delay="0"/>
-                                          </p:stCondLst>
-                                        </p:cTn>
-                                        <p:tgtEl>
-                                          <p:spTgt spid="4"/>
-                                        </p:tgtEl>
-                                        <p:attrNameLst>
-                                          <p:attrName>style.visibility</p:attrName>
-                                        </p:attrNameLst>
-                                      </p:cBhvr>
-                                      <p:to>
-                                        <p:strVal val="visible"/>
-                                      </p:to>
-                                    </p:set>
-                                  </p:childTnLst>
-                                </p:cTn>
-                              </p:par>
-                              <p:par>
-                                <p:cTn id="12" presetID="1" presetClass="entr" presetSubtype="0" fill="hold" grpId="0" nodeType="withEffect">
-                                  <p:stCondLst>
-                                    <p:cond delay="0"/>
-                                  </p:stCondLst>
-                                  <p:childTnLst>
-                                    <p:set>
-                                      <p:cBhvr>
-                                        <p:cTn id="13" dur="1" fill="hold">
-                                          <p:stCondLst>
-                                            <p:cond delay="0"/>
-                                          </p:stCondLst>
-                                        </p:cTn>
-                                        <p:tgtEl>
-                                          <p:spTgt spid="3"/>
-                                        </p:tgtEl>
-                                        <p:attrNameLst>
-                                          <p:attrName>style.visibility</p:attrName>
-                                        </p:attrNameLst>
-                                      </p:cBhvr>
-                                      <p:to>
-                                        <p:strVal val="visible"/>
-                                      </p:to>
-                                    </p:set>
-                                  </p:childTnLst>
-                                </p:cTn>
-                              </p:par>
-                            </p:childTnLst>
-                          </p:cTn>
-                        </p:par>
-                      </p:childTnLst>
-                    </p:cTn>
-                  </p:par>
-                </p:childTnLst>
-              </p:cTn>
-              <p:prevCondLst>
-                <p:cond evt="onPrev" delay="0">
-                  <p:tgtEl>
-                    <p:sldTgt/>
-                  </p:tgtEl>
-                </p:cond>
-              </p:prevCondLst>
-              <p:nextCondLst>
-                <p:cond evt="onNext" delay="0">
-                  <p:tgtEl>
-                    <p:sldTgt/>
-                  </p:tgtEl>
-                </p:cond>
-              </p:nextCondLst>
-            </p:seq>
-          </p:childTnLst>
-        </p:cTn>
+        <p:cTn id="1" dur="indefinite" restart="never" nodeType="tmRoot"/>
       </p:par>
     </p:tnLst>
-    <p:bldLst>
-      <p:bldP spid="2" grpId="0"/>
-      <p:bldP spid="3" grpId="0"/>
-    </p:bldLst>
   </p:timing>
 </p:sld>
 </file>
@@ -9016,199 +8864,9 @@
   <p:timing>
     <p:tnLst>
       <p:par>
-        <p:cTn id="1" dur="indefinite" restart="never" nodeType="tmRoot">
-          <p:childTnLst>
-            <p:seq concurrent="1" nextAc="seek">
-              <p:cTn id="2" dur="indefinite" nodeType="mainSeq">
-                <p:childTnLst>
-                  <p:par>
-                    <p:cTn id="3" fill="hold">
-                      <p:stCondLst>
-                        <p:cond delay="indefinite"/>
-                      </p:stCondLst>
-                      <p:childTnLst>
-                        <p:par>
-                          <p:cTn id="4" fill="hold">
-                            <p:stCondLst>
-                              <p:cond delay="0"/>
-                            </p:stCondLst>
-                            <p:childTnLst>
-                              <p:par>
-                                <p:cTn id="5" presetID="1" presetClass="entr" presetSubtype="0" fill="hold" grpId="0" nodeType="clickEffect">
-                                  <p:stCondLst>
-                                    <p:cond delay="0"/>
-                                  </p:stCondLst>
-                                  <p:childTnLst>
-                                    <p:set>
-                                      <p:cBhvr>
-                                        <p:cTn id="6" dur="1" fill="hold">
-                                          <p:stCondLst>
-                                            <p:cond delay="0"/>
-                                          </p:stCondLst>
-                                        </p:cTn>
-                                        <p:tgtEl>
-                                          <p:spTgt spid="5"/>
-                                        </p:tgtEl>
-                                        <p:attrNameLst>
-                                          <p:attrName>style.visibility</p:attrName>
-                                        </p:attrNameLst>
-                                      </p:cBhvr>
-                                      <p:to>
-                                        <p:strVal val="visible"/>
-                                      </p:to>
-                                    </p:set>
-                                  </p:childTnLst>
-                                </p:cTn>
-                              </p:par>
-                            </p:childTnLst>
-                          </p:cTn>
-                        </p:par>
-                      </p:childTnLst>
-                    </p:cTn>
-                  </p:par>
-                  <p:par>
-                    <p:cTn id="7" fill="hold">
-                      <p:stCondLst>
-                        <p:cond delay="indefinite"/>
-                      </p:stCondLst>
-                      <p:childTnLst>
-                        <p:par>
-                          <p:cTn id="8" fill="hold">
-                            <p:stCondLst>
-                              <p:cond delay="0"/>
-                            </p:stCondLst>
-                            <p:childTnLst>
-                              <p:par>
-                                <p:cTn id="9" presetID="1" presetClass="entr" presetSubtype="0" fill="hold" nodeType="clickEffect">
-                                  <p:stCondLst>
-                                    <p:cond delay="0"/>
-                                  </p:stCondLst>
-                                  <p:childTnLst>
-                                    <p:set>
-                                      <p:cBhvr>
-                                        <p:cTn id="10" dur="1" fill="hold">
-                                          <p:stCondLst>
-                                            <p:cond delay="0"/>
-                                          </p:stCondLst>
-                                        </p:cTn>
-                                        <p:tgtEl>
-                                          <p:spTgt spid="7"/>
-                                        </p:tgtEl>
-                                        <p:attrNameLst>
-                                          <p:attrName>style.visibility</p:attrName>
-                                        </p:attrNameLst>
-                                      </p:cBhvr>
-                                      <p:to>
-                                        <p:strVal val="visible"/>
-                                      </p:to>
-                                    </p:set>
-                                  </p:childTnLst>
-                                </p:cTn>
-                              </p:par>
-                              <p:par>
-                                <p:cTn id="11" presetID="1" presetClass="entr" presetSubtype="0" fill="hold" grpId="0" nodeType="withEffect">
-                                  <p:stCondLst>
-                                    <p:cond delay="0"/>
-                                  </p:stCondLst>
-                                  <p:childTnLst>
-                                    <p:set>
-                                      <p:cBhvr>
-                                        <p:cTn id="12" dur="1" fill="hold">
-                                          <p:stCondLst>
-                                            <p:cond delay="0"/>
-                                          </p:stCondLst>
-                                        </p:cTn>
-                                        <p:tgtEl>
-                                          <p:spTgt spid="10"/>
-                                        </p:tgtEl>
-                                        <p:attrNameLst>
-                                          <p:attrName>style.visibility</p:attrName>
-                                        </p:attrNameLst>
-                                      </p:cBhvr>
-                                      <p:to>
-                                        <p:strVal val="visible"/>
-                                      </p:to>
-                                    </p:set>
-                                  </p:childTnLst>
-                                </p:cTn>
-                              </p:par>
-                            </p:childTnLst>
-                          </p:cTn>
-                        </p:par>
-                      </p:childTnLst>
-                    </p:cTn>
-                  </p:par>
-                  <p:par>
-                    <p:cTn id="13" fill="hold">
-                      <p:stCondLst>
-                        <p:cond delay="indefinite"/>
-                      </p:stCondLst>
-                      <p:childTnLst>
-                        <p:par>
-                          <p:cTn id="14" fill="hold">
-                            <p:stCondLst>
-                              <p:cond delay="0"/>
-                            </p:stCondLst>
-                            <p:childTnLst>
-                              <p:par>
-                                <p:cTn id="15" presetID="1" presetClass="entr" presetSubtype="0" fill="hold" grpId="0" nodeType="clickEffect">
-                                  <p:stCondLst>
-                                    <p:cond delay="0"/>
-                                  </p:stCondLst>
-                                  <p:childTnLst>
-                                    <p:set>
-                                      <p:cBhvr>
-                                        <p:cTn id="16" dur="1" fill="hold">
-                                          <p:stCondLst>
-                                            <p:cond delay="0"/>
-                                          </p:stCondLst>
-                                        </p:cTn>
-                                        <p:tgtEl>
-                                          <p:spTgt spid="8"/>
-                                        </p:tgtEl>
-                                        <p:attrNameLst>
-                                          <p:attrName>style.visibility</p:attrName>
-                                        </p:attrNameLst>
-                                      </p:cBhvr>
-                                      <p:to>
-                                        <p:strVal val="visible"/>
-                                      </p:to>
-                                    </p:set>
-                                  </p:childTnLst>
-                                </p:cTn>
-                              </p:par>
-                            </p:childTnLst>
-                          </p:cTn>
-                        </p:par>
-                      </p:childTnLst>
-                    </p:cTn>
-                  </p:par>
-                </p:childTnLst>
-              </p:cTn>
-              <p:prevCondLst>
-                <p:cond evt="onPrev" delay="0">
-                  <p:tgtEl>
-                    <p:sldTgt/>
-                  </p:tgtEl>
-                </p:cond>
-              </p:prevCondLst>
-              <p:nextCondLst>
-                <p:cond evt="onNext" delay="0">
-                  <p:tgtEl>
-                    <p:sldTgt/>
-                  </p:tgtEl>
-                </p:cond>
-              </p:nextCondLst>
-            </p:seq>
-          </p:childTnLst>
-        </p:cTn>
+        <p:cTn id="1" dur="indefinite" restart="never" nodeType="tmRoot"/>
       </p:par>
     </p:tnLst>
-    <p:bldLst>
-      <p:bldP spid="5" grpId="0"/>
-      <p:bldP spid="8" grpId="0"/>
-      <p:bldP spid="10" grpId="0"/>
-    </p:bldLst>
   </p:timing>
 </p:sld>
 </file>
@@ -9322,192 +8980,9 @@
   <p:timing>
     <p:tnLst>
       <p:par>
-        <p:cTn id="1" dur="indefinite" restart="never" nodeType="tmRoot">
-          <p:childTnLst>
-            <p:seq concurrent="1" nextAc="seek">
-              <p:cTn id="2" dur="indefinite" nodeType="mainSeq">
-                <p:childTnLst>
-                  <p:par>
-                    <p:cTn id="3" fill="hold">
-                      <p:stCondLst>
-                        <p:cond delay="indefinite"/>
-                      </p:stCondLst>
-                      <p:childTnLst>
-                        <p:par>
-                          <p:cTn id="4" fill="hold">
-                            <p:stCondLst>
-                              <p:cond delay="0"/>
-                            </p:stCondLst>
-                            <p:childTnLst>
-                              <p:par>
-                                <p:cTn id="5" presetID="1" presetClass="entr" presetSubtype="0" fill="hold" grpId="0" nodeType="clickEffect">
-                                  <p:stCondLst>
-                                    <p:cond delay="0"/>
-                                  </p:stCondLst>
-                                  <p:childTnLst>
-                                    <p:set>
-                                      <p:cBhvr>
-                                        <p:cTn id="6" dur="1" fill="hold">
-                                          <p:stCondLst>
-                                            <p:cond delay="0"/>
-                                          </p:stCondLst>
-                                        </p:cTn>
-                                        <p:tgtEl>
-                                          <p:spTgt spid="2"/>
-                                        </p:tgtEl>
-                                        <p:attrNameLst>
-                                          <p:attrName>style.visibility</p:attrName>
-                                        </p:attrNameLst>
-                                      </p:cBhvr>
-                                      <p:to>
-                                        <p:strVal val="visible"/>
-                                      </p:to>
-                                    </p:set>
-                                  </p:childTnLst>
-                                </p:cTn>
-                              </p:par>
-                            </p:childTnLst>
-                          </p:cTn>
-                        </p:par>
-                      </p:childTnLst>
-                    </p:cTn>
-                  </p:par>
-                  <p:par>
-                    <p:cTn id="7" fill="hold">
-                      <p:stCondLst>
-                        <p:cond delay="indefinite"/>
-                      </p:stCondLst>
-                      <p:childTnLst>
-                        <p:par>
-                          <p:cTn id="8" fill="hold">
-                            <p:stCondLst>
-                              <p:cond delay="0"/>
-                            </p:stCondLst>
-                            <p:childTnLst>
-                              <p:par>
-                                <p:cTn id="9" presetID="1" presetClass="entr" presetSubtype="0" fill="hold" grpId="0" nodeType="clickEffect">
-                                  <p:stCondLst>
-                                    <p:cond delay="0"/>
-                                  </p:stCondLst>
-                                  <p:childTnLst>
-                                    <p:set>
-                                      <p:cBhvr>
-                                        <p:cTn id="10" dur="1" fill="hold">
-                                          <p:stCondLst>
-                                            <p:cond delay="0"/>
-                                          </p:stCondLst>
-                                        </p:cTn>
-                                        <p:tgtEl>
-                                          <p:spTgt spid="3">
-                                            <p:txEl>
-                                              <p:pRg st="0" end="0"/>
-                                            </p:txEl>
-                                          </p:spTgt>
-                                        </p:tgtEl>
-                                        <p:attrNameLst>
-                                          <p:attrName>style.visibility</p:attrName>
-                                        </p:attrNameLst>
-                                      </p:cBhvr>
-                                      <p:to>
-                                        <p:strVal val="visible"/>
-                                      </p:to>
-                                    </p:set>
-                                  </p:childTnLst>
-                                </p:cTn>
-                              </p:par>
-                              <p:par>
-                                <p:cTn id="11" presetID="1" presetClass="entr" presetSubtype="0" fill="hold" grpId="0" nodeType="withEffect">
-                                  <p:stCondLst>
-                                    <p:cond delay="0"/>
-                                  </p:stCondLst>
-                                  <p:childTnLst>
-                                    <p:set>
-                                      <p:cBhvr>
-                                        <p:cTn id="12" dur="1" fill="hold">
-                                          <p:stCondLst>
-                                            <p:cond delay="0"/>
-                                          </p:stCondLst>
-                                        </p:cTn>
-                                        <p:tgtEl>
-                                          <p:spTgt spid="3">
-                                            <p:txEl>
-                                              <p:pRg st="1" end="1"/>
-                                            </p:txEl>
-                                          </p:spTgt>
-                                        </p:tgtEl>
-                                        <p:attrNameLst>
-                                          <p:attrName>style.visibility</p:attrName>
-                                        </p:attrNameLst>
-                                      </p:cBhvr>
-                                      <p:to>
-                                        <p:strVal val="visible"/>
-                                      </p:to>
-                                    </p:set>
-                                  </p:childTnLst>
-                                </p:cTn>
-                              </p:par>
-                              <p:par>
-                                <p:cTn id="13" presetID="1" presetClass="entr" presetSubtype="0" fill="hold" grpId="0" nodeType="withEffect">
-                                  <p:stCondLst>
-                                    <p:cond delay="0"/>
-                                  </p:stCondLst>
-                                  <p:childTnLst>
-                                    <p:set>
-                                      <p:cBhvr>
-                                        <p:cTn id="14" dur="1" fill="hold">
-                                          <p:stCondLst>
-                                            <p:cond delay="0"/>
-                                          </p:stCondLst>
-                                        </p:cTn>
-                                        <p:tgtEl>
-                                          <p:spTgt spid="3">
-                                            <p:txEl>
-                                              <p:pRg st="2" end="2"/>
-                                            </p:txEl>
-                                          </p:spTgt>
-                                        </p:tgtEl>
-                                        <p:attrNameLst>
-                                          <p:attrName>style.visibility</p:attrName>
-                                        </p:attrNameLst>
-                                      </p:cBhvr>
-                                      <p:to>
-                                        <p:strVal val="visible"/>
-                                      </p:to>
-                                    </p:set>
-                                  </p:childTnLst>
-                                </p:cTn>
-                              </p:par>
-                            </p:childTnLst>
-                          </p:cTn>
-                        </p:par>
-                      </p:childTnLst>
-                    </p:cTn>
-                  </p:par>
-                </p:childTnLst>
-              </p:cTn>
-              <p:prevCondLst>
-                <p:cond evt="onPrev" delay="0">
-                  <p:tgtEl>
-                    <p:sldTgt/>
-                  </p:tgtEl>
-                </p:cond>
-              </p:prevCondLst>
-              <p:nextCondLst>
-                <p:cond evt="onNext" delay="0">
-                  <p:tgtEl>
-                    <p:sldTgt/>
-                  </p:tgtEl>
-                </p:cond>
-              </p:nextCondLst>
-            </p:seq>
-          </p:childTnLst>
-        </p:cTn>
+        <p:cTn id="1" dur="indefinite" restart="never" nodeType="tmRoot"/>
       </p:par>
     </p:tnLst>
-    <p:bldLst>
-      <p:bldP spid="2" grpId="0"/>
-      <p:bldP spid="3" grpId="0" uiExpand="1" build="p"/>
-    </p:bldLst>
   </p:timing>
 </p:sld>
 </file>
@@ -9902,125 +9377,9 @@
   <p:timing>
     <p:tnLst>
       <p:par>
-        <p:cTn id="1" dur="indefinite" restart="never" nodeType="tmRoot">
-          <p:childTnLst>
-            <p:seq concurrent="1" nextAc="seek">
-              <p:cTn id="2" dur="indefinite" nodeType="mainSeq">
-                <p:childTnLst>
-                  <p:par>
-                    <p:cTn id="3" fill="hold">
-                      <p:stCondLst>
-                        <p:cond delay="indefinite"/>
-                      </p:stCondLst>
-                      <p:childTnLst>
-                        <p:par>
-                          <p:cTn id="4" fill="hold">
-                            <p:stCondLst>
-                              <p:cond delay="0"/>
-                            </p:stCondLst>
-                            <p:childTnLst>
-                              <p:par>
-                                <p:cTn id="5" presetID="1" presetClass="entr" presetSubtype="0" fill="hold" nodeType="clickEffect">
-                                  <p:stCondLst>
-                                    <p:cond delay="0"/>
-                                  </p:stCondLst>
-                                  <p:childTnLst>
-                                    <p:set>
-                                      <p:cBhvr>
-                                        <p:cTn id="6" dur="1" fill="hold">
-                                          <p:stCondLst>
-                                            <p:cond delay="0"/>
-                                          </p:stCondLst>
-                                        </p:cTn>
-                                        <p:tgtEl>
-                                          <p:spTgt spid="4"/>
-                                        </p:tgtEl>
-                                        <p:attrNameLst>
-                                          <p:attrName>style.visibility</p:attrName>
-                                        </p:attrNameLst>
-                                      </p:cBhvr>
-                                      <p:to>
-                                        <p:strVal val="visible"/>
-                                      </p:to>
-                                    </p:set>
-                                  </p:childTnLst>
-                                </p:cTn>
-                              </p:par>
-                            </p:childTnLst>
-                          </p:cTn>
-                        </p:par>
-                      </p:childTnLst>
-                    </p:cTn>
-                  </p:par>
-                  <p:par>
-                    <p:cTn id="7" fill="hold">
-                      <p:stCondLst>
-                        <p:cond delay="indefinite"/>
-                      </p:stCondLst>
-                      <p:childTnLst>
-                        <p:par>
-                          <p:cTn id="8" fill="hold">
-                            <p:stCondLst>
-                              <p:cond delay="0"/>
-                            </p:stCondLst>
-                            <p:childTnLst>
-                              <p:par>
-                                <p:cTn id="9" presetID="1" presetClass="entr" presetSubtype="0" fill="hold" grpId="0" nodeType="clickEffect">
-                                  <p:stCondLst>
-                                    <p:cond delay="0"/>
-                                  </p:stCondLst>
-                                  <p:childTnLst>
-                                    <p:set>
-                                      <p:cBhvr>
-                                        <p:cTn id="10" dur="1" fill="hold">
-                                          <p:stCondLst>
-                                            <p:cond delay="0"/>
-                                          </p:stCondLst>
-                                        </p:cTn>
-                                        <p:tgtEl>
-                                          <p:spTgt spid="2"/>
-                                        </p:tgtEl>
-                                        <p:attrNameLst>
-                                          <p:attrName>style.visibility</p:attrName>
-                                        </p:attrNameLst>
-                                      </p:cBhvr>
-                                      <p:to>
-                                        <p:strVal val="visible"/>
-                                      </p:to>
-                                    </p:set>
-                                  </p:childTnLst>
-                                </p:cTn>
-                              </p:par>
-                            </p:childTnLst>
-                          </p:cTn>
-                        </p:par>
-                      </p:childTnLst>
-                    </p:cTn>
-                  </p:par>
-                </p:childTnLst>
-              </p:cTn>
-              <p:prevCondLst>
-                <p:cond evt="onPrev" delay="0">
-                  <p:tgtEl>
-                    <p:sldTgt/>
-                  </p:tgtEl>
-                </p:cond>
-              </p:prevCondLst>
-              <p:nextCondLst>
-                <p:cond evt="onNext" delay="0">
-                  <p:tgtEl>
-                    <p:sldTgt/>
-                  </p:tgtEl>
-                </p:cond>
-              </p:nextCondLst>
-            </p:seq>
-          </p:childTnLst>
-        </p:cTn>
+        <p:cTn id="1" dur="indefinite" restart="never" nodeType="tmRoot"/>
       </p:par>
     </p:tnLst>
-    <p:bldLst>
-      <p:bldP spid="2" grpId="0"/>
-    </p:bldLst>
   </p:timing>
 </p:sld>
 </file>
@@ -10686,224 +10045,9 @@
   <p:timing>
     <p:tnLst>
       <p:par>
-        <p:cTn id="1" dur="indefinite" restart="never" nodeType="tmRoot">
-          <p:childTnLst>
-            <p:seq concurrent="1" nextAc="seek">
-              <p:cTn id="2" dur="indefinite" nodeType="mainSeq">
-                <p:childTnLst>
-                  <p:par>
-                    <p:cTn id="3" fill="hold">
-                      <p:stCondLst>
-                        <p:cond delay="indefinite"/>
-                      </p:stCondLst>
-                      <p:childTnLst>
-                        <p:par>
-                          <p:cTn id="4" fill="hold">
-                            <p:stCondLst>
-                              <p:cond delay="0"/>
-                            </p:stCondLst>
-                            <p:childTnLst>
-                              <p:par>
-                                <p:cTn id="5" presetID="1" presetClass="entr" presetSubtype="0" fill="hold" nodeType="clickEffect">
-                                  <p:stCondLst>
-                                    <p:cond delay="300"/>
-                                  </p:stCondLst>
-                                  <p:childTnLst>
-                                    <p:set>
-                                      <p:cBhvr>
-                                        <p:cTn id="6" dur="1" fill="hold">
-                                          <p:stCondLst>
-                                            <p:cond delay="0"/>
-                                          </p:stCondLst>
-                                        </p:cTn>
-                                        <p:tgtEl>
-                                          <p:spTgt spid="18"/>
-                                        </p:tgtEl>
-                                        <p:attrNameLst>
-                                          <p:attrName>style.visibility</p:attrName>
-                                        </p:attrNameLst>
-                                      </p:cBhvr>
-                                      <p:to>
-                                        <p:strVal val="visible"/>
-                                      </p:to>
-                                    </p:set>
-                                  </p:childTnLst>
-                                </p:cTn>
-                              </p:par>
-                            </p:childTnLst>
-                          </p:cTn>
-                        </p:par>
-                      </p:childTnLst>
-                    </p:cTn>
-                  </p:par>
-                  <p:par>
-                    <p:cTn id="7" fill="hold">
-                      <p:stCondLst>
-                        <p:cond delay="indefinite"/>
-                      </p:stCondLst>
-                      <p:childTnLst>
-                        <p:par>
-                          <p:cTn id="8" fill="hold">
-                            <p:stCondLst>
-                              <p:cond delay="0"/>
-                            </p:stCondLst>
-                            <p:childTnLst>
-                              <p:par>
-                                <p:cTn id="9" presetID="1" presetClass="entr" presetSubtype="0" fill="hold" grpId="0" nodeType="clickEffect">
-                                  <p:stCondLst>
-                                    <p:cond delay="600"/>
-                                  </p:stCondLst>
-                                  <p:childTnLst>
-                                    <p:set>
-                                      <p:cBhvr>
-                                        <p:cTn id="10" dur="1" fill="hold">
-                                          <p:stCondLst>
-                                            <p:cond delay="0"/>
-                                          </p:stCondLst>
-                                        </p:cTn>
-                                        <p:tgtEl>
-                                          <p:spTgt spid="7"/>
-                                        </p:tgtEl>
-                                        <p:attrNameLst>
-                                          <p:attrName>style.visibility</p:attrName>
-                                        </p:attrNameLst>
-                                      </p:cBhvr>
-                                      <p:to>
-                                        <p:strVal val="visible"/>
-                                      </p:to>
-                                    </p:set>
-                                  </p:childTnLst>
-                                </p:cTn>
-                              </p:par>
-                            </p:childTnLst>
-                          </p:cTn>
-                        </p:par>
-                      </p:childTnLst>
-                    </p:cTn>
-                  </p:par>
-                  <p:par>
-                    <p:cTn id="11" fill="hold">
-                      <p:stCondLst>
-                        <p:cond delay="indefinite"/>
-                      </p:stCondLst>
-                      <p:childTnLst>
-                        <p:par>
-                          <p:cTn id="12" fill="hold">
-                            <p:stCondLst>
-                              <p:cond delay="0"/>
-                            </p:stCondLst>
-                            <p:childTnLst>
-                              <p:par>
-                                <p:cTn id="13" presetID="1" presetClass="entr" presetSubtype="0" fill="hold" nodeType="clickEffect">
-                                  <p:stCondLst>
-                                    <p:cond delay="1000"/>
-                                  </p:stCondLst>
-                                  <p:childTnLst>
-                                    <p:set>
-                                      <p:cBhvr>
-                                        <p:cTn id="14" dur="1" fill="hold">
-                                          <p:stCondLst>
-                                            <p:cond delay="0"/>
-                                          </p:stCondLst>
-                                        </p:cTn>
-                                        <p:tgtEl>
-                                          <p:spTgt spid="21"/>
-                                        </p:tgtEl>
-                                        <p:attrNameLst>
-                                          <p:attrName>style.visibility</p:attrName>
-                                        </p:attrNameLst>
-                                      </p:cBhvr>
-                                      <p:to>
-                                        <p:strVal val="visible"/>
-                                      </p:to>
-                                    </p:set>
-                                  </p:childTnLst>
-                                </p:cTn>
-                              </p:par>
-                              <p:par>
-                                <p:cTn id="15" presetID="1" presetClass="entr" presetSubtype="0" fill="hold" nodeType="withEffect">
-                                  <p:stCondLst>
-                                    <p:cond delay="1000"/>
-                                  </p:stCondLst>
-                                  <p:childTnLst>
-                                    <p:set>
-                                      <p:cBhvr>
-                                        <p:cTn id="16" dur="1" fill="hold">
-                                          <p:stCondLst>
-                                            <p:cond delay="0"/>
-                                          </p:stCondLst>
-                                        </p:cTn>
-                                        <p:tgtEl>
-                                          <p:spTgt spid="20"/>
-                                        </p:tgtEl>
-                                        <p:attrNameLst>
-                                          <p:attrName>style.visibility</p:attrName>
-                                        </p:attrNameLst>
-                                      </p:cBhvr>
-                                      <p:to>
-                                        <p:strVal val="visible"/>
-                                      </p:to>
-                                    </p:set>
-                                  </p:childTnLst>
-                                </p:cTn>
-                              </p:par>
-                              <p:par>
-                                <p:cTn id="17" presetID="1" presetClass="entr" presetSubtype="0" fill="hold" nodeType="withEffect">
-                                  <p:stCondLst>
-                                    <p:cond delay="1000"/>
-                                  </p:stCondLst>
-                                  <p:childTnLst>
-                                    <p:set>
-                                      <p:cBhvr>
-                                        <p:cTn id="18" dur="1" fill="hold">
-                                          <p:stCondLst>
-                                            <p:cond delay="0"/>
-                                          </p:stCondLst>
-                                        </p:cTn>
-                                        <p:tgtEl>
-                                          <p:spTgt spid="19"/>
-                                        </p:tgtEl>
-                                        <p:attrNameLst>
-                                          <p:attrName>style.visibility</p:attrName>
-                                        </p:attrNameLst>
-                                      </p:cBhvr>
-                                      <p:to>
-                                        <p:strVal val="visible"/>
-                                      </p:to>
-                                    </p:set>
-                                  </p:childTnLst>
-                                </p:cTn>
-                              </p:par>
-                            </p:childTnLst>
-                          </p:cTn>
-                        </p:par>
-                      </p:childTnLst>
-                    </p:cTn>
-                  </p:par>
-                </p:childTnLst>
-              </p:cTn>
-              <p:prevCondLst>
-                <p:cond evt="onPrev" delay="0">
-                  <p:tgtEl>
-                    <p:sldTgt/>
-                  </p:tgtEl>
-                </p:cond>
-              </p:prevCondLst>
-              <p:nextCondLst>
-                <p:cond evt="onNext" delay="0">
-                  <p:tgtEl>
-                    <p:sldTgt/>
-                  </p:tgtEl>
-                </p:cond>
-              </p:nextCondLst>
-            </p:seq>
-          </p:childTnLst>
-        </p:cTn>
+        <p:cTn id="1" dur="indefinite" restart="never" nodeType="tmRoot"/>
       </p:par>
     </p:tnLst>
-    <p:bldLst>
-      <p:bldP spid="7" grpId="0" animBg="1"/>
-    </p:bldLst>
   </p:timing>
 </p:sld>
 </file>
@@ -11312,142 +10456,9 @@
   <p:timing>
     <p:tnLst>
       <p:par>
-        <p:cTn id="1" dur="indefinite" restart="never" nodeType="tmRoot">
-          <p:childTnLst>
-            <p:seq concurrent="1" nextAc="seek">
-              <p:cTn id="2" dur="indefinite" nodeType="mainSeq">
-                <p:childTnLst>
-                  <p:par>
-                    <p:cTn id="3" fill="hold">
-                      <p:stCondLst>
-                        <p:cond delay="indefinite"/>
-                      </p:stCondLst>
-                      <p:childTnLst>
-                        <p:par>
-                          <p:cTn id="4" fill="hold">
-                            <p:stCondLst>
-                              <p:cond delay="0"/>
-                            </p:stCondLst>
-                            <p:childTnLst>
-                              <p:par>
-                                <p:cTn id="5" presetID="10" presetClass="entr" presetSubtype="0" fill="hold" grpId="0" nodeType="clickEffect">
-                                  <p:stCondLst>
-                                    <p:cond delay="0"/>
-                                  </p:stCondLst>
-                                  <p:childTnLst>
-                                    <p:set>
-                                      <p:cBhvr>
-                                        <p:cTn id="6" dur="1" fill="hold">
-                                          <p:stCondLst>
-                                            <p:cond delay="0"/>
-                                          </p:stCondLst>
-                                        </p:cTn>
-                                        <p:tgtEl>
-                                          <p:spTgt spid="5"/>
-                                        </p:tgtEl>
-                                        <p:attrNameLst>
-                                          <p:attrName>style.visibility</p:attrName>
-                                        </p:attrNameLst>
-                                      </p:cBhvr>
-                                      <p:to>
-                                        <p:strVal val="visible"/>
-                                      </p:to>
-                                    </p:set>
-                                    <p:animEffect transition="in" filter="fade">
-                                      <p:cBhvr>
-                                        <p:cTn id="7" dur="500"/>
-                                        <p:tgtEl>
-                                          <p:spTgt spid="5"/>
-                                        </p:tgtEl>
-                                      </p:cBhvr>
-                                    </p:animEffect>
-                                  </p:childTnLst>
-                                </p:cTn>
-                              </p:par>
-                            </p:childTnLst>
-                          </p:cTn>
-                        </p:par>
-                      </p:childTnLst>
-                    </p:cTn>
-                  </p:par>
-                  <p:par>
-                    <p:cTn id="8" fill="hold">
-                      <p:stCondLst>
-                        <p:cond delay="indefinite"/>
-                      </p:stCondLst>
-                      <p:childTnLst>
-                        <p:par>
-                          <p:cTn id="9" fill="hold">
-                            <p:stCondLst>
-                              <p:cond delay="0"/>
-                            </p:stCondLst>
-                            <p:childTnLst>
-                              <p:par>
-                                <p:cTn id="10" presetID="10" presetClass="entr" presetSubtype="0" fill="hold" grpId="0" nodeType="clickEffect">
-                                  <p:stCondLst>
-                                    <p:cond delay="0"/>
-                                  </p:stCondLst>
-                                  <p:childTnLst>
-                                    <p:set>
-                                      <p:cBhvr>
-                                        <p:cTn id="11" dur="1" fill="hold">
-                                          <p:stCondLst>
-                                            <p:cond delay="0"/>
-                                          </p:stCondLst>
-                                        </p:cTn>
-                                        <p:tgtEl>
-                                          <p:spTgt spid="4"/>
-                                        </p:tgtEl>
-                                        <p:attrNameLst>
-                                          <p:attrName>style.visibility</p:attrName>
-                                        </p:attrNameLst>
-                                      </p:cBhvr>
-                                      <p:to>
-                                        <p:strVal val="visible"/>
-                                      </p:to>
-                                    </p:set>
-                                    <p:animEffect transition="in" filter="fade">
-                                      <p:cBhvr>
-                                        <p:cTn id="12" dur="500"/>
-                                        <p:tgtEl>
-                                          <p:spTgt spid="4"/>
-                                        </p:tgtEl>
-                                      </p:cBhvr>
-                                    </p:animEffect>
-                                  </p:childTnLst>
-                                </p:cTn>
-                              </p:par>
-                            </p:childTnLst>
-                          </p:cTn>
-                        </p:par>
-                      </p:childTnLst>
-                    </p:cTn>
-                  </p:par>
-                </p:childTnLst>
-              </p:cTn>
-              <p:prevCondLst>
-                <p:cond evt="onPrev" delay="0">
-                  <p:tgtEl>
-                    <p:sldTgt/>
-                  </p:tgtEl>
-                </p:cond>
-              </p:prevCondLst>
-              <p:nextCondLst>
-                <p:cond evt="onNext" delay="0">
-                  <p:tgtEl>
-                    <p:sldTgt/>
-                  </p:tgtEl>
-                </p:cond>
-              </p:nextCondLst>
-            </p:seq>
-          </p:childTnLst>
-        </p:cTn>
+        <p:cTn id="1" dur="indefinite" restart="never" nodeType="tmRoot"/>
       </p:par>
     </p:tnLst>
-    <p:bldLst>
-      <p:bldP spid="4" grpId="0"/>
-      <p:bldP spid="5" grpId="0"/>
-    </p:bldLst>
   </p:timing>
 </p:sld>
 </file>
@@ -11698,254 +10709,9 @@
   <p:timing>
     <p:tnLst>
       <p:par>
-        <p:cTn id="1" dur="indefinite" restart="never" nodeType="tmRoot">
-          <p:childTnLst>
-            <p:seq concurrent="1" nextAc="seek">
-              <p:cTn id="2" dur="indefinite" nodeType="mainSeq">
-                <p:childTnLst>
-                  <p:par>
-                    <p:cTn id="3" fill="hold">
-                      <p:stCondLst>
-                        <p:cond delay="indefinite"/>
-                      </p:stCondLst>
-                      <p:childTnLst>
-                        <p:par>
-                          <p:cTn id="4" fill="hold">
-                            <p:stCondLst>
-                              <p:cond delay="0"/>
-                            </p:stCondLst>
-                            <p:childTnLst>
-                              <p:par>
-                                <p:cTn id="5" presetID="1" presetClass="entr" presetSubtype="0" fill="hold" grpId="0" nodeType="clickEffect">
-                                  <p:stCondLst>
-                                    <p:cond delay="0"/>
-                                  </p:stCondLst>
-                                  <p:childTnLst>
-                                    <p:set>
-                                      <p:cBhvr>
-                                        <p:cTn id="6" dur="1" fill="hold">
-                                          <p:stCondLst>
-                                            <p:cond delay="0"/>
-                                          </p:stCondLst>
-                                        </p:cTn>
-                                        <p:tgtEl>
-                                          <p:spTgt spid="2"/>
-                                        </p:tgtEl>
-                                        <p:attrNameLst>
-                                          <p:attrName>style.visibility</p:attrName>
-                                        </p:attrNameLst>
-                                      </p:cBhvr>
-                                      <p:to>
-                                        <p:strVal val="visible"/>
-                                      </p:to>
-                                    </p:set>
-                                  </p:childTnLst>
-                                </p:cTn>
-                              </p:par>
-                            </p:childTnLst>
-                          </p:cTn>
-                        </p:par>
-                      </p:childTnLst>
-                    </p:cTn>
-                  </p:par>
-                  <p:par>
-                    <p:cTn id="7" fill="hold">
-                      <p:stCondLst>
-                        <p:cond delay="indefinite"/>
-                      </p:stCondLst>
-                      <p:childTnLst>
-                        <p:par>
-                          <p:cTn id="8" fill="hold">
-                            <p:stCondLst>
-                              <p:cond delay="0"/>
-                            </p:stCondLst>
-                            <p:childTnLst>
-                              <p:par>
-                                <p:cTn id="9" presetID="1" presetClass="entr" presetSubtype="0" fill="hold" grpId="0" nodeType="clickEffect">
-                                  <p:stCondLst>
-                                    <p:cond delay="0"/>
-                                  </p:stCondLst>
-                                  <p:childTnLst>
-                                    <p:set>
-                                      <p:cBhvr>
-                                        <p:cTn id="10" dur="1" fill="hold">
-                                          <p:stCondLst>
-                                            <p:cond delay="0"/>
-                                          </p:stCondLst>
-                                        </p:cTn>
-                                        <p:tgtEl>
-                                          <p:spTgt spid="3">
-                                            <p:txEl>
-                                              <p:pRg st="0" end="0"/>
-                                            </p:txEl>
-                                          </p:spTgt>
-                                        </p:tgtEl>
-                                        <p:attrNameLst>
-                                          <p:attrName>style.visibility</p:attrName>
-                                        </p:attrNameLst>
-                                      </p:cBhvr>
-                                      <p:to>
-                                        <p:strVal val="visible"/>
-                                      </p:to>
-                                    </p:set>
-                                  </p:childTnLst>
-                                </p:cTn>
-                              </p:par>
-                              <p:par>
-                                <p:cTn id="11" presetID="1" presetClass="entr" presetSubtype="0" fill="hold" grpId="0" nodeType="withEffect">
-                                  <p:stCondLst>
-                                    <p:cond delay="0"/>
-                                  </p:stCondLst>
-                                  <p:childTnLst>
-                                    <p:set>
-                                      <p:cBhvr>
-                                        <p:cTn id="12" dur="1" fill="hold">
-                                          <p:stCondLst>
-                                            <p:cond delay="0"/>
-                                          </p:stCondLst>
-                                        </p:cTn>
-                                        <p:tgtEl>
-                                          <p:spTgt spid="3">
-                                            <p:txEl>
-                                              <p:pRg st="2" end="2"/>
-                                            </p:txEl>
-                                          </p:spTgt>
-                                        </p:tgtEl>
-                                        <p:attrNameLst>
-                                          <p:attrName>style.visibility</p:attrName>
-                                        </p:attrNameLst>
-                                      </p:cBhvr>
-                                      <p:to>
-                                        <p:strVal val="visible"/>
-                                      </p:to>
-                                    </p:set>
-                                  </p:childTnLst>
-                                </p:cTn>
-                              </p:par>
-                              <p:par>
-                                <p:cTn id="13" presetID="1" presetClass="entr" presetSubtype="0" fill="hold" grpId="0" nodeType="withEffect">
-                                  <p:stCondLst>
-                                    <p:cond delay="0"/>
-                                  </p:stCondLst>
-                                  <p:childTnLst>
-                                    <p:set>
-                                      <p:cBhvr>
-                                        <p:cTn id="14" dur="1" fill="hold">
-                                          <p:stCondLst>
-                                            <p:cond delay="0"/>
-                                          </p:stCondLst>
-                                        </p:cTn>
-                                        <p:tgtEl>
-                                          <p:spTgt spid="3">
-                                            <p:txEl>
-                                              <p:pRg st="3" end="3"/>
-                                            </p:txEl>
-                                          </p:spTgt>
-                                        </p:tgtEl>
-                                        <p:attrNameLst>
-                                          <p:attrName>style.visibility</p:attrName>
-                                        </p:attrNameLst>
-                                      </p:cBhvr>
-                                      <p:to>
-                                        <p:strVal val="visible"/>
-                                      </p:to>
-                                    </p:set>
-                                  </p:childTnLst>
-                                </p:cTn>
-                              </p:par>
-                              <p:par>
-                                <p:cTn id="15" presetID="1" presetClass="entr" presetSubtype="0" fill="hold" grpId="0" nodeType="withEffect">
-                                  <p:stCondLst>
-                                    <p:cond delay="0"/>
-                                  </p:stCondLst>
-                                  <p:childTnLst>
-                                    <p:set>
-                                      <p:cBhvr>
-                                        <p:cTn id="16" dur="1" fill="hold">
-                                          <p:stCondLst>
-                                            <p:cond delay="0"/>
-                                          </p:stCondLst>
-                                        </p:cTn>
-                                        <p:tgtEl>
-                                          <p:spTgt spid="3">
-                                            <p:txEl>
-                                              <p:pRg st="4" end="4"/>
-                                            </p:txEl>
-                                          </p:spTgt>
-                                        </p:tgtEl>
-                                        <p:attrNameLst>
-                                          <p:attrName>style.visibility</p:attrName>
-                                        </p:attrNameLst>
-                                      </p:cBhvr>
-                                      <p:to>
-                                        <p:strVal val="visible"/>
-                                      </p:to>
-                                    </p:set>
-                                  </p:childTnLst>
-                                </p:cTn>
-                              </p:par>
-                              <p:par>
-                                <p:cTn id="17" presetID="1" presetClass="entr" presetSubtype="0" fill="hold" grpId="0" nodeType="withEffect">
-                                  <p:stCondLst>
-                                    <p:cond delay="0"/>
-                                  </p:stCondLst>
-                                  <p:childTnLst>
-                                    <p:set>
-                                      <p:cBhvr>
-                                        <p:cTn id="18" dur="1" fill="hold">
-                                          <p:stCondLst>
-                                            <p:cond delay="0"/>
-                                          </p:stCondLst>
-                                        </p:cTn>
-                                        <p:tgtEl>
-                                          <p:spTgt spid="3">
-                                            <p:txEl>
-                                              <p:pRg st="5" end="5"/>
-                                            </p:txEl>
-                                          </p:spTgt>
-                                        </p:tgtEl>
-                                        <p:attrNameLst>
-                                          <p:attrName>style.visibility</p:attrName>
-                                        </p:attrNameLst>
-                                      </p:cBhvr>
-                                      <p:to>
-                                        <p:strVal val="visible"/>
-                                      </p:to>
-                                    </p:set>
-                                  </p:childTnLst>
-                                </p:cTn>
-                              </p:par>
-                            </p:childTnLst>
-                          </p:cTn>
-                        </p:par>
-                      </p:childTnLst>
-                    </p:cTn>
-                  </p:par>
-                </p:childTnLst>
-              </p:cTn>
-              <p:prevCondLst>
-                <p:cond evt="onPrev" delay="0">
-                  <p:tgtEl>
-                    <p:sldTgt/>
-                  </p:tgtEl>
-                </p:cond>
-              </p:prevCondLst>
-              <p:nextCondLst>
-                <p:cond evt="onNext" delay="0">
-                  <p:tgtEl>
-                    <p:sldTgt/>
-                  </p:tgtEl>
-                </p:cond>
-              </p:nextCondLst>
-            </p:seq>
-          </p:childTnLst>
-        </p:cTn>
+        <p:cTn id="1" dur="indefinite" restart="never" nodeType="tmRoot"/>
       </p:par>
     </p:tnLst>
-    <p:bldLst>
-      <p:bldP spid="2" grpId="0"/>
-      <p:bldP spid="3" grpId="0" uiExpand="1" build="p"/>
-    </p:bldLst>
   </p:timing>
 </p:sld>
 </file>
@@ -12092,223 +10858,9 @@
   <p:timing>
     <p:tnLst>
       <p:par>
-        <p:cTn id="1" dur="indefinite" restart="never" nodeType="tmRoot">
-          <p:childTnLst>
-            <p:seq concurrent="1" nextAc="seek">
-              <p:cTn id="2" dur="indefinite" nodeType="mainSeq">
-                <p:childTnLst>
-                  <p:par>
-                    <p:cTn id="3" fill="hold">
-                      <p:stCondLst>
-                        <p:cond delay="indefinite"/>
-                      </p:stCondLst>
-                      <p:childTnLst>
-                        <p:par>
-                          <p:cTn id="4" fill="hold">
-                            <p:stCondLst>
-                              <p:cond delay="0"/>
-                            </p:stCondLst>
-                            <p:childTnLst>
-                              <p:par>
-                                <p:cTn id="5" presetID="1" presetClass="entr" presetSubtype="0" fill="hold" grpId="0" nodeType="clickEffect">
-                                  <p:stCondLst>
-                                    <p:cond delay="0"/>
-                                  </p:stCondLst>
-                                  <p:childTnLst>
-                                    <p:set>
-                                      <p:cBhvr>
-                                        <p:cTn id="6" dur="1" fill="hold">
-                                          <p:stCondLst>
-                                            <p:cond delay="0"/>
-                                          </p:stCondLst>
-                                        </p:cTn>
-                                        <p:tgtEl>
-                                          <p:spTgt spid="2"/>
-                                        </p:tgtEl>
-                                        <p:attrNameLst>
-                                          <p:attrName>style.visibility</p:attrName>
-                                        </p:attrNameLst>
-                                      </p:cBhvr>
-                                      <p:to>
-                                        <p:strVal val="visible"/>
-                                      </p:to>
-                                    </p:set>
-                                  </p:childTnLst>
-                                </p:cTn>
-                              </p:par>
-                            </p:childTnLst>
-                          </p:cTn>
-                        </p:par>
-                      </p:childTnLst>
-                    </p:cTn>
-                  </p:par>
-                  <p:par>
-                    <p:cTn id="7" fill="hold">
-                      <p:stCondLst>
-                        <p:cond delay="indefinite"/>
-                      </p:stCondLst>
-                      <p:childTnLst>
-                        <p:par>
-                          <p:cTn id="8" fill="hold">
-                            <p:stCondLst>
-                              <p:cond delay="0"/>
-                            </p:stCondLst>
-                            <p:childTnLst>
-                              <p:par>
-                                <p:cTn id="9" presetID="1" presetClass="entr" presetSubtype="0" fill="hold" grpId="0" nodeType="clickEffect">
-                                  <p:stCondLst>
-                                    <p:cond delay="0"/>
-                                  </p:stCondLst>
-                                  <p:childTnLst>
-                                    <p:set>
-                                      <p:cBhvr>
-                                        <p:cTn id="10" dur="1" fill="hold">
-                                          <p:stCondLst>
-                                            <p:cond delay="0"/>
-                                          </p:stCondLst>
-                                        </p:cTn>
-                                        <p:tgtEl>
-                                          <p:spTgt spid="3">
-                                            <p:txEl>
-                                              <p:pRg st="0" end="0"/>
-                                            </p:txEl>
-                                          </p:spTgt>
-                                        </p:tgtEl>
-                                        <p:attrNameLst>
-                                          <p:attrName>style.visibility</p:attrName>
-                                        </p:attrNameLst>
-                                      </p:cBhvr>
-                                      <p:to>
-                                        <p:strVal val="visible"/>
-                                      </p:to>
-                                    </p:set>
-                                  </p:childTnLst>
-                                </p:cTn>
-                              </p:par>
-                              <p:par>
-                                <p:cTn id="11" presetID="1" presetClass="entr" presetSubtype="0" fill="hold" grpId="0" nodeType="withEffect">
-                                  <p:stCondLst>
-                                    <p:cond delay="0"/>
-                                  </p:stCondLst>
-                                  <p:childTnLst>
-                                    <p:set>
-                                      <p:cBhvr>
-                                        <p:cTn id="12" dur="1" fill="hold">
-                                          <p:stCondLst>
-                                            <p:cond delay="0"/>
-                                          </p:stCondLst>
-                                        </p:cTn>
-                                        <p:tgtEl>
-                                          <p:spTgt spid="3">
-                                            <p:txEl>
-                                              <p:pRg st="1" end="1"/>
-                                            </p:txEl>
-                                          </p:spTgt>
-                                        </p:tgtEl>
-                                        <p:attrNameLst>
-                                          <p:attrName>style.visibility</p:attrName>
-                                        </p:attrNameLst>
-                                      </p:cBhvr>
-                                      <p:to>
-                                        <p:strVal val="visible"/>
-                                      </p:to>
-                                    </p:set>
-                                  </p:childTnLst>
-                                </p:cTn>
-                              </p:par>
-                              <p:par>
-                                <p:cTn id="13" presetID="1" presetClass="entr" presetSubtype="0" fill="hold" grpId="0" nodeType="withEffect">
-                                  <p:stCondLst>
-                                    <p:cond delay="0"/>
-                                  </p:stCondLst>
-                                  <p:childTnLst>
-                                    <p:set>
-                                      <p:cBhvr>
-                                        <p:cTn id="14" dur="1" fill="hold">
-                                          <p:stCondLst>
-                                            <p:cond delay="0"/>
-                                          </p:stCondLst>
-                                        </p:cTn>
-                                        <p:tgtEl>
-                                          <p:spTgt spid="3">
-                                            <p:txEl>
-                                              <p:pRg st="2" end="2"/>
-                                            </p:txEl>
-                                          </p:spTgt>
-                                        </p:tgtEl>
-                                        <p:attrNameLst>
-                                          <p:attrName>style.visibility</p:attrName>
-                                        </p:attrNameLst>
-                                      </p:cBhvr>
-                                      <p:to>
-                                        <p:strVal val="visible"/>
-                                      </p:to>
-                                    </p:set>
-                                  </p:childTnLst>
-                                </p:cTn>
-                              </p:par>
-                              <p:par>
-                                <p:cTn id="15" presetID="1" presetClass="entr" presetSubtype="0" fill="hold" grpId="0" nodeType="withEffect">
-                                  <p:stCondLst>
-                                    <p:cond delay="0"/>
-                                  </p:stCondLst>
-                                  <p:childTnLst>
-                                    <p:set>
-                                      <p:cBhvr>
-                                        <p:cTn id="16" dur="1" fill="hold">
-                                          <p:stCondLst>
-                                            <p:cond delay="0"/>
-                                          </p:stCondLst>
-                                        </p:cTn>
-                                        <p:tgtEl>
-                                          <p:spTgt spid="3">
-                                            <p:txEl>
-                                              <p:pRg st="3" end="3"/>
-                                            </p:txEl>
-                                          </p:spTgt>
-                                        </p:tgtEl>
-                                        <p:attrNameLst>
-                                          <p:attrName>style.visibility</p:attrName>
-                                        </p:attrNameLst>
-                                      </p:cBhvr>
-                                      <p:to>
-                                        <p:strVal val="visible"/>
-                                      </p:to>
-                                    </p:set>
-                                  </p:childTnLst>
-                                </p:cTn>
-                              </p:par>
-                            </p:childTnLst>
-                          </p:cTn>
-                        </p:par>
-                      </p:childTnLst>
-                    </p:cTn>
-                  </p:par>
-                </p:childTnLst>
-              </p:cTn>
-              <p:prevCondLst>
-                <p:cond evt="onPrev" delay="0">
-                  <p:tgtEl>
-                    <p:sldTgt/>
-                  </p:tgtEl>
-                </p:cond>
-              </p:prevCondLst>
-              <p:nextCondLst>
-                <p:cond evt="onNext" delay="0">
-                  <p:tgtEl>
-                    <p:sldTgt/>
-                  </p:tgtEl>
-                </p:cond>
-              </p:nextCondLst>
-            </p:seq>
-          </p:childTnLst>
-        </p:cTn>
+        <p:cTn id="1" dur="indefinite" restart="never" nodeType="tmRoot"/>
       </p:par>
     </p:tnLst>
-    <p:bldLst>
-      <p:bldP spid="2" grpId="0"/>
-      <p:bldP spid="3" grpId="0" uiExpand="1" build="p"/>
-    </p:bldLst>
   </p:timing>
 </p:sld>
 </file>
@@ -12481,316 +11033,9 @@
   <p:timing>
     <p:tnLst>
       <p:par>
-        <p:cTn id="1" dur="indefinite" restart="never" nodeType="tmRoot">
-          <p:childTnLst>
-            <p:seq concurrent="1" nextAc="seek">
-              <p:cTn id="2" dur="indefinite" nodeType="mainSeq">
-                <p:childTnLst>
-                  <p:par>
-                    <p:cTn id="3" fill="hold">
-                      <p:stCondLst>
-                        <p:cond delay="indefinite"/>
-                      </p:stCondLst>
-                      <p:childTnLst>
-                        <p:par>
-                          <p:cTn id="4" fill="hold">
-                            <p:stCondLst>
-                              <p:cond delay="0"/>
-                            </p:stCondLst>
-                            <p:childTnLst>
-                              <p:par>
-                                <p:cTn id="5" presetID="1" presetClass="entr" presetSubtype="0" fill="hold" grpId="0" nodeType="clickEffect">
-                                  <p:stCondLst>
-                                    <p:cond delay="0"/>
-                                  </p:stCondLst>
-                                  <p:childTnLst>
-                                    <p:set>
-                                      <p:cBhvr>
-                                        <p:cTn id="6" dur="1" fill="hold">
-                                          <p:stCondLst>
-                                            <p:cond delay="0"/>
-                                          </p:stCondLst>
-                                        </p:cTn>
-                                        <p:tgtEl>
-                                          <p:spTgt spid="2"/>
-                                        </p:tgtEl>
-                                        <p:attrNameLst>
-                                          <p:attrName>style.visibility</p:attrName>
-                                        </p:attrNameLst>
-                                      </p:cBhvr>
-                                      <p:to>
-                                        <p:strVal val="visible"/>
-                                      </p:to>
-                                    </p:set>
-                                  </p:childTnLst>
-                                </p:cTn>
-                              </p:par>
-                            </p:childTnLst>
-                          </p:cTn>
-                        </p:par>
-                      </p:childTnLst>
-                    </p:cTn>
-                  </p:par>
-                  <p:par>
-                    <p:cTn id="7" fill="hold">
-                      <p:stCondLst>
-                        <p:cond delay="indefinite"/>
-                      </p:stCondLst>
-                      <p:childTnLst>
-                        <p:par>
-                          <p:cTn id="8" fill="hold">
-                            <p:stCondLst>
-                              <p:cond delay="0"/>
-                            </p:stCondLst>
-                            <p:childTnLst>
-                              <p:par>
-                                <p:cTn id="9" presetID="1" presetClass="entr" presetSubtype="0" fill="hold" grpId="0" nodeType="clickEffect">
-                                  <p:stCondLst>
-                                    <p:cond delay="0"/>
-                                  </p:stCondLst>
-                                  <p:childTnLst>
-                                    <p:set>
-                                      <p:cBhvr>
-                                        <p:cTn id="10" dur="1" fill="hold">
-                                          <p:stCondLst>
-                                            <p:cond delay="0"/>
-                                          </p:stCondLst>
-                                        </p:cTn>
-                                        <p:tgtEl>
-                                          <p:spTgt spid="3">
-                                            <p:txEl>
-                                              <p:pRg st="0" end="0"/>
-                                            </p:txEl>
-                                          </p:spTgt>
-                                        </p:tgtEl>
-                                        <p:attrNameLst>
-                                          <p:attrName>style.visibility</p:attrName>
-                                        </p:attrNameLst>
-                                      </p:cBhvr>
-                                      <p:to>
-                                        <p:strVal val="visible"/>
-                                      </p:to>
-                                    </p:set>
-                                  </p:childTnLst>
-                                </p:cTn>
-                              </p:par>
-                              <p:par>
-                                <p:cTn id="11" presetID="1" presetClass="entr" presetSubtype="0" fill="hold" grpId="0" nodeType="withEffect">
-                                  <p:stCondLst>
-                                    <p:cond delay="0"/>
-                                  </p:stCondLst>
-                                  <p:childTnLst>
-                                    <p:set>
-                                      <p:cBhvr>
-                                        <p:cTn id="12" dur="1" fill="hold">
-                                          <p:stCondLst>
-                                            <p:cond delay="0"/>
-                                          </p:stCondLst>
-                                        </p:cTn>
-                                        <p:tgtEl>
-                                          <p:spTgt spid="3">
-                                            <p:txEl>
-                                              <p:pRg st="1" end="1"/>
-                                            </p:txEl>
-                                          </p:spTgt>
-                                        </p:tgtEl>
-                                        <p:attrNameLst>
-                                          <p:attrName>style.visibility</p:attrName>
-                                        </p:attrNameLst>
-                                      </p:cBhvr>
-                                      <p:to>
-                                        <p:strVal val="visible"/>
-                                      </p:to>
-                                    </p:set>
-                                  </p:childTnLst>
-                                </p:cTn>
-                              </p:par>
-                              <p:par>
-                                <p:cTn id="13" presetID="1" presetClass="entr" presetSubtype="0" fill="hold" grpId="0" nodeType="withEffect">
-                                  <p:stCondLst>
-                                    <p:cond delay="0"/>
-                                  </p:stCondLst>
-                                  <p:childTnLst>
-                                    <p:set>
-                                      <p:cBhvr>
-                                        <p:cTn id="14" dur="1" fill="hold">
-                                          <p:stCondLst>
-                                            <p:cond delay="0"/>
-                                          </p:stCondLst>
-                                        </p:cTn>
-                                        <p:tgtEl>
-                                          <p:spTgt spid="3">
-                                            <p:txEl>
-                                              <p:pRg st="2" end="2"/>
-                                            </p:txEl>
-                                          </p:spTgt>
-                                        </p:tgtEl>
-                                        <p:attrNameLst>
-                                          <p:attrName>style.visibility</p:attrName>
-                                        </p:attrNameLst>
-                                      </p:cBhvr>
-                                      <p:to>
-                                        <p:strVal val="visible"/>
-                                      </p:to>
-                                    </p:set>
-                                  </p:childTnLst>
-                                </p:cTn>
-                              </p:par>
-                              <p:par>
-                                <p:cTn id="15" presetID="1" presetClass="entr" presetSubtype="0" fill="hold" grpId="0" nodeType="withEffect">
-                                  <p:stCondLst>
-                                    <p:cond delay="0"/>
-                                  </p:stCondLst>
-                                  <p:childTnLst>
-                                    <p:set>
-                                      <p:cBhvr>
-                                        <p:cTn id="16" dur="1" fill="hold">
-                                          <p:stCondLst>
-                                            <p:cond delay="0"/>
-                                          </p:stCondLst>
-                                        </p:cTn>
-                                        <p:tgtEl>
-                                          <p:spTgt spid="3">
-                                            <p:txEl>
-                                              <p:pRg st="3" end="3"/>
-                                            </p:txEl>
-                                          </p:spTgt>
-                                        </p:tgtEl>
-                                        <p:attrNameLst>
-                                          <p:attrName>style.visibility</p:attrName>
-                                        </p:attrNameLst>
-                                      </p:cBhvr>
-                                      <p:to>
-                                        <p:strVal val="visible"/>
-                                      </p:to>
-                                    </p:set>
-                                  </p:childTnLst>
-                                </p:cTn>
-                              </p:par>
-                              <p:par>
-                                <p:cTn id="17" presetID="1" presetClass="entr" presetSubtype="0" fill="hold" grpId="0" nodeType="withEffect">
-                                  <p:stCondLst>
-                                    <p:cond delay="0"/>
-                                  </p:stCondLst>
-                                  <p:childTnLst>
-                                    <p:set>
-                                      <p:cBhvr>
-                                        <p:cTn id="18" dur="1" fill="hold">
-                                          <p:stCondLst>
-                                            <p:cond delay="0"/>
-                                          </p:stCondLst>
-                                        </p:cTn>
-                                        <p:tgtEl>
-                                          <p:spTgt spid="3">
-                                            <p:txEl>
-                                              <p:pRg st="4" end="4"/>
-                                            </p:txEl>
-                                          </p:spTgt>
-                                        </p:tgtEl>
-                                        <p:attrNameLst>
-                                          <p:attrName>style.visibility</p:attrName>
-                                        </p:attrNameLst>
-                                      </p:cBhvr>
-                                      <p:to>
-                                        <p:strVal val="visible"/>
-                                      </p:to>
-                                    </p:set>
-                                  </p:childTnLst>
-                                </p:cTn>
-                              </p:par>
-                              <p:par>
-                                <p:cTn id="19" presetID="1" presetClass="entr" presetSubtype="0" fill="hold" grpId="0" nodeType="withEffect">
-                                  <p:stCondLst>
-                                    <p:cond delay="0"/>
-                                  </p:stCondLst>
-                                  <p:childTnLst>
-                                    <p:set>
-                                      <p:cBhvr>
-                                        <p:cTn id="20" dur="1" fill="hold">
-                                          <p:stCondLst>
-                                            <p:cond delay="0"/>
-                                          </p:stCondLst>
-                                        </p:cTn>
-                                        <p:tgtEl>
-                                          <p:spTgt spid="3">
-                                            <p:txEl>
-                                              <p:pRg st="5" end="5"/>
-                                            </p:txEl>
-                                          </p:spTgt>
-                                        </p:tgtEl>
-                                        <p:attrNameLst>
-                                          <p:attrName>style.visibility</p:attrName>
-                                        </p:attrNameLst>
-                                      </p:cBhvr>
-                                      <p:to>
-                                        <p:strVal val="visible"/>
-                                      </p:to>
-                                    </p:set>
-                                  </p:childTnLst>
-                                </p:cTn>
-                              </p:par>
-                              <p:par>
-                                <p:cTn id="21" presetID="1" presetClass="entr" presetSubtype="0" fill="hold" grpId="0" nodeType="withEffect">
-                                  <p:stCondLst>
-                                    <p:cond delay="0"/>
-                                  </p:stCondLst>
-                                  <p:childTnLst>
-                                    <p:set>
-                                      <p:cBhvr>
-                                        <p:cTn id="22" dur="1" fill="hold">
-                                          <p:stCondLst>
-                                            <p:cond delay="0"/>
-                                          </p:stCondLst>
-                                        </p:cTn>
-                                        <p:tgtEl>
-                                          <p:spTgt spid="3">
-                                            <p:txEl>
-                                              <p:pRg st="6" end="6"/>
-                                            </p:txEl>
-                                          </p:spTgt>
-                                        </p:tgtEl>
-                                        <p:attrNameLst>
-                                          <p:attrName>style.visibility</p:attrName>
-                                        </p:attrNameLst>
-                                      </p:cBhvr>
-                                      <p:to>
-                                        <p:strVal val="visible"/>
-                                      </p:to>
-                                    </p:set>
-                                  </p:childTnLst>
-                                </p:cTn>
-                              </p:par>
-                            </p:childTnLst>
-                          </p:cTn>
-                        </p:par>
-                      </p:childTnLst>
-                    </p:cTn>
-                  </p:par>
-                </p:childTnLst>
-              </p:cTn>
-              <p:prevCondLst>
-                <p:cond evt="onPrev" delay="0">
-                  <p:tgtEl>
-                    <p:sldTgt/>
-                  </p:tgtEl>
-                </p:cond>
-              </p:prevCondLst>
-              <p:nextCondLst>
-                <p:cond evt="onNext" delay="0">
-                  <p:tgtEl>
-                    <p:sldTgt/>
-                  </p:tgtEl>
-                </p:cond>
-              </p:nextCondLst>
-            </p:seq>
-          </p:childTnLst>
-        </p:cTn>
+        <p:cTn id="1" dur="indefinite" restart="never" nodeType="tmRoot"/>
       </p:par>
     </p:tnLst>
-    <p:bldLst>
-      <p:bldP spid="2" grpId="0"/>
-      <p:bldP spid="3" grpId="0" uiExpand="1" build="p"/>
-    </p:bldLst>
   </p:timing>
 </p:sld>
 </file>
@@ -12897,125 +11142,9 @@
   <p:timing>
     <p:tnLst>
       <p:par>
-        <p:cTn id="1" dur="indefinite" restart="never" nodeType="tmRoot">
-          <p:childTnLst>
-            <p:seq concurrent="1" nextAc="seek">
-              <p:cTn id="2" dur="indefinite" nodeType="mainSeq">
-                <p:childTnLst>
-                  <p:par>
-                    <p:cTn id="3" fill="hold">
-                      <p:stCondLst>
-                        <p:cond delay="indefinite"/>
-                      </p:stCondLst>
-                      <p:childTnLst>
-                        <p:par>
-                          <p:cTn id="4" fill="hold">
-                            <p:stCondLst>
-                              <p:cond delay="0"/>
-                            </p:stCondLst>
-                            <p:childTnLst>
-                              <p:par>
-                                <p:cTn id="5" presetID="1" presetClass="entr" presetSubtype="0" fill="hold" grpId="0" nodeType="clickEffect">
-                                  <p:stCondLst>
-                                    <p:cond delay="0"/>
-                                  </p:stCondLst>
-                                  <p:childTnLst>
-                                    <p:set>
-                                      <p:cBhvr>
-                                        <p:cTn id="6" dur="1" fill="hold">
-                                          <p:stCondLst>
-                                            <p:cond delay="0"/>
-                                          </p:stCondLst>
-                                        </p:cTn>
-                                        <p:tgtEl>
-                                          <p:spTgt spid="5"/>
-                                        </p:tgtEl>
-                                        <p:attrNameLst>
-                                          <p:attrName>style.visibility</p:attrName>
-                                        </p:attrNameLst>
-                                      </p:cBhvr>
-                                      <p:to>
-                                        <p:strVal val="visible"/>
-                                      </p:to>
-                                    </p:set>
-                                  </p:childTnLst>
-                                </p:cTn>
-                              </p:par>
-                            </p:childTnLst>
-                          </p:cTn>
-                        </p:par>
-                      </p:childTnLst>
-                    </p:cTn>
-                  </p:par>
-                  <p:par>
-                    <p:cTn id="7" fill="hold">
-                      <p:stCondLst>
-                        <p:cond delay="indefinite"/>
-                      </p:stCondLst>
-                      <p:childTnLst>
-                        <p:par>
-                          <p:cTn id="8" fill="hold">
-                            <p:stCondLst>
-                              <p:cond delay="0"/>
-                            </p:stCondLst>
-                            <p:childTnLst>
-                              <p:par>
-                                <p:cTn id="9" presetID="1" presetClass="entr" presetSubtype="0" fill="hold" nodeType="clickEffect">
-                                  <p:stCondLst>
-                                    <p:cond delay="0"/>
-                                  </p:stCondLst>
-                                  <p:childTnLst>
-                                    <p:set>
-                                      <p:cBhvr>
-                                        <p:cTn id="10" dur="1" fill="hold">
-                                          <p:stCondLst>
-                                            <p:cond delay="0"/>
-                                          </p:stCondLst>
-                                        </p:cTn>
-                                        <p:tgtEl>
-                                          <p:spTgt spid="4"/>
-                                        </p:tgtEl>
-                                        <p:attrNameLst>
-                                          <p:attrName>style.visibility</p:attrName>
-                                        </p:attrNameLst>
-                                      </p:cBhvr>
-                                      <p:to>
-                                        <p:strVal val="visible"/>
-                                      </p:to>
-                                    </p:set>
-                                  </p:childTnLst>
-                                </p:cTn>
-                              </p:par>
-                            </p:childTnLst>
-                          </p:cTn>
-                        </p:par>
-                      </p:childTnLst>
-                    </p:cTn>
-                  </p:par>
-                </p:childTnLst>
-              </p:cTn>
-              <p:prevCondLst>
-                <p:cond evt="onPrev" delay="0">
-                  <p:tgtEl>
-                    <p:sldTgt/>
-                  </p:tgtEl>
-                </p:cond>
-              </p:prevCondLst>
-              <p:nextCondLst>
-                <p:cond evt="onNext" delay="0">
-                  <p:tgtEl>
-                    <p:sldTgt/>
-                  </p:tgtEl>
-                </p:cond>
-              </p:nextCondLst>
-            </p:seq>
-          </p:childTnLst>
-        </p:cTn>
+        <p:cTn id="1" dur="indefinite" restart="never" nodeType="tmRoot"/>
       </p:par>
     </p:tnLst>
-    <p:bldLst>
-      <p:bldP spid="5" grpId="0"/>
-    </p:bldLst>
   </p:timing>
 </p:sld>
 </file>
@@ -13281,331 +11410,9 @@
   <p:timing>
     <p:tnLst>
       <p:par>
-        <p:cTn id="1" dur="indefinite" restart="never" nodeType="tmRoot">
-          <p:childTnLst>
-            <p:seq concurrent="1" nextAc="seek">
-              <p:cTn id="2" dur="indefinite" nodeType="mainSeq">
-                <p:childTnLst>
-                  <p:par>
-                    <p:cTn id="3" fill="hold">
-                      <p:stCondLst>
-                        <p:cond delay="indefinite"/>
-                      </p:stCondLst>
-                      <p:childTnLst>
-                        <p:par>
-                          <p:cTn id="4" fill="hold">
-                            <p:stCondLst>
-                              <p:cond delay="0"/>
-                            </p:stCondLst>
-                            <p:childTnLst>
-                              <p:par>
-                                <p:cTn id="5" presetID="1" presetClass="entr" presetSubtype="0" fill="hold" grpId="0" nodeType="clickEffect">
-                                  <p:stCondLst>
-                                    <p:cond delay="0"/>
-                                  </p:stCondLst>
-                                  <p:childTnLst>
-                                    <p:set>
-                                      <p:cBhvr>
-                                        <p:cTn id="6" dur="1" fill="hold">
-                                          <p:stCondLst>
-                                            <p:cond delay="0"/>
-                                          </p:stCondLst>
-                                        </p:cTn>
-                                        <p:tgtEl>
-                                          <p:spTgt spid="4"/>
-                                        </p:tgtEl>
-                                        <p:attrNameLst>
-                                          <p:attrName>style.visibility</p:attrName>
-                                        </p:attrNameLst>
-                                      </p:cBhvr>
-                                      <p:to>
-                                        <p:strVal val="visible"/>
-                                      </p:to>
-                                    </p:set>
-                                  </p:childTnLst>
-                                </p:cTn>
-                              </p:par>
-                            </p:childTnLst>
-                          </p:cTn>
-                        </p:par>
-                      </p:childTnLst>
-                    </p:cTn>
-                  </p:par>
-                  <p:par>
-                    <p:cTn id="7" fill="hold">
-                      <p:stCondLst>
-                        <p:cond delay="indefinite"/>
-                      </p:stCondLst>
-                      <p:childTnLst>
-                        <p:par>
-                          <p:cTn id="8" fill="hold">
-                            <p:stCondLst>
-                              <p:cond delay="0"/>
-                            </p:stCondLst>
-                            <p:childTnLst>
-                              <p:par>
-                                <p:cTn id="9" presetID="1" presetClass="entr" presetSubtype="0" fill="hold" grpId="0" nodeType="clickEffect">
-                                  <p:stCondLst>
-                                    <p:cond delay="0"/>
-                                  </p:stCondLst>
-                                  <p:childTnLst>
-                                    <p:set>
-                                      <p:cBhvr>
-                                        <p:cTn id="10" dur="1" fill="hold">
-                                          <p:stCondLst>
-                                            <p:cond delay="0"/>
-                                          </p:stCondLst>
-                                        </p:cTn>
-                                        <p:tgtEl>
-                                          <p:spTgt spid="2"/>
-                                        </p:tgtEl>
-                                        <p:attrNameLst>
-                                          <p:attrName>style.visibility</p:attrName>
-                                        </p:attrNameLst>
-                                      </p:cBhvr>
-                                      <p:to>
-                                        <p:strVal val="visible"/>
-                                      </p:to>
-                                    </p:set>
-                                  </p:childTnLst>
-                                </p:cTn>
-                              </p:par>
-                            </p:childTnLst>
-                          </p:cTn>
-                        </p:par>
-                      </p:childTnLst>
-                    </p:cTn>
-                  </p:par>
-                  <p:par>
-                    <p:cTn id="11" fill="hold">
-                      <p:stCondLst>
-                        <p:cond delay="indefinite"/>
-                      </p:stCondLst>
-                      <p:childTnLst>
-                        <p:par>
-                          <p:cTn id="12" fill="hold">
-                            <p:stCondLst>
-                              <p:cond delay="0"/>
-                            </p:stCondLst>
-                            <p:childTnLst>
-                              <p:par>
-                                <p:cTn id="13" presetID="1" presetClass="entr" presetSubtype="0" fill="hold" grpId="0" nodeType="clickEffect">
-                                  <p:stCondLst>
-                                    <p:cond delay="0"/>
-                                  </p:stCondLst>
-                                  <p:childTnLst>
-                                    <p:set>
-                                      <p:cBhvr>
-                                        <p:cTn id="14" dur="1" fill="hold">
-                                          <p:stCondLst>
-                                            <p:cond delay="0"/>
-                                          </p:stCondLst>
-                                        </p:cTn>
-                                        <p:tgtEl>
-                                          <p:spTgt spid="3">
-                                            <p:txEl>
-                                              <p:pRg st="0" end="0"/>
-                                            </p:txEl>
-                                          </p:spTgt>
-                                        </p:tgtEl>
-                                        <p:attrNameLst>
-                                          <p:attrName>style.visibility</p:attrName>
-                                        </p:attrNameLst>
-                                      </p:cBhvr>
-                                      <p:to>
-                                        <p:strVal val="visible"/>
-                                      </p:to>
-                                    </p:set>
-                                  </p:childTnLst>
-                                </p:cTn>
-                              </p:par>
-                              <p:par>
-                                <p:cTn id="15" presetID="1" presetClass="entr" presetSubtype="0" fill="hold" grpId="0" nodeType="withEffect">
-                                  <p:stCondLst>
-                                    <p:cond delay="0"/>
-                                  </p:stCondLst>
-                                  <p:childTnLst>
-                                    <p:set>
-                                      <p:cBhvr>
-                                        <p:cTn id="16" dur="1" fill="hold">
-                                          <p:stCondLst>
-                                            <p:cond delay="0"/>
-                                          </p:stCondLst>
-                                        </p:cTn>
-                                        <p:tgtEl>
-                                          <p:spTgt spid="3">
-                                            <p:txEl>
-                                              <p:pRg st="1" end="1"/>
-                                            </p:txEl>
-                                          </p:spTgt>
-                                        </p:tgtEl>
-                                        <p:attrNameLst>
-                                          <p:attrName>style.visibility</p:attrName>
-                                        </p:attrNameLst>
-                                      </p:cBhvr>
-                                      <p:to>
-                                        <p:strVal val="visible"/>
-                                      </p:to>
-                                    </p:set>
-                                  </p:childTnLst>
-                                </p:cTn>
-                              </p:par>
-                              <p:par>
-                                <p:cTn id="17" presetID="1" presetClass="entr" presetSubtype="0" fill="hold" grpId="0" nodeType="withEffect">
-                                  <p:stCondLst>
-                                    <p:cond delay="0"/>
-                                  </p:stCondLst>
-                                  <p:childTnLst>
-                                    <p:set>
-                                      <p:cBhvr>
-                                        <p:cTn id="18" dur="1" fill="hold">
-                                          <p:stCondLst>
-                                            <p:cond delay="0"/>
-                                          </p:stCondLst>
-                                        </p:cTn>
-                                        <p:tgtEl>
-                                          <p:spTgt spid="3">
-                                            <p:txEl>
-                                              <p:pRg st="2" end="2"/>
-                                            </p:txEl>
-                                          </p:spTgt>
-                                        </p:tgtEl>
-                                        <p:attrNameLst>
-                                          <p:attrName>style.visibility</p:attrName>
-                                        </p:attrNameLst>
-                                      </p:cBhvr>
-                                      <p:to>
-                                        <p:strVal val="visible"/>
-                                      </p:to>
-                                    </p:set>
-                                  </p:childTnLst>
-                                </p:cTn>
-                              </p:par>
-                              <p:par>
-                                <p:cTn id="19" presetID="1" presetClass="entr" presetSubtype="0" fill="hold" grpId="0" nodeType="withEffect">
-                                  <p:stCondLst>
-                                    <p:cond delay="0"/>
-                                  </p:stCondLst>
-                                  <p:childTnLst>
-                                    <p:set>
-                                      <p:cBhvr>
-                                        <p:cTn id="20" dur="1" fill="hold">
-                                          <p:stCondLst>
-                                            <p:cond delay="0"/>
-                                          </p:stCondLst>
-                                        </p:cTn>
-                                        <p:tgtEl>
-                                          <p:spTgt spid="3">
-                                            <p:txEl>
-                                              <p:pRg st="3" end="3"/>
-                                            </p:txEl>
-                                          </p:spTgt>
-                                        </p:tgtEl>
-                                        <p:attrNameLst>
-                                          <p:attrName>style.visibility</p:attrName>
-                                        </p:attrNameLst>
-                                      </p:cBhvr>
-                                      <p:to>
-                                        <p:strVal val="visible"/>
-                                      </p:to>
-                                    </p:set>
-                                  </p:childTnLst>
-                                </p:cTn>
-                              </p:par>
-                              <p:par>
-                                <p:cTn id="21" presetID="1" presetClass="entr" presetSubtype="0" fill="hold" grpId="0" nodeType="withEffect">
-                                  <p:stCondLst>
-                                    <p:cond delay="0"/>
-                                  </p:stCondLst>
-                                  <p:childTnLst>
-                                    <p:set>
-                                      <p:cBhvr>
-                                        <p:cTn id="22" dur="1" fill="hold">
-                                          <p:stCondLst>
-                                            <p:cond delay="0"/>
-                                          </p:stCondLst>
-                                        </p:cTn>
-                                        <p:tgtEl>
-                                          <p:spTgt spid="3">
-                                            <p:txEl>
-                                              <p:pRg st="4" end="4"/>
-                                            </p:txEl>
-                                          </p:spTgt>
-                                        </p:tgtEl>
-                                        <p:attrNameLst>
-                                          <p:attrName>style.visibility</p:attrName>
-                                        </p:attrNameLst>
-                                      </p:cBhvr>
-                                      <p:to>
-                                        <p:strVal val="visible"/>
-                                      </p:to>
-                                    </p:set>
-                                  </p:childTnLst>
-                                </p:cTn>
-                              </p:par>
-                              <p:par>
-                                <p:cTn id="23" presetID="1" presetClass="entr" presetSubtype="0" fill="hold" grpId="0" nodeType="withEffect">
-                                  <p:stCondLst>
-                                    <p:cond delay="0"/>
-                                  </p:stCondLst>
-                                  <p:childTnLst>
-                                    <p:set>
-                                      <p:cBhvr>
-                                        <p:cTn id="24" dur="1" fill="hold">
-                                          <p:stCondLst>
-                                            <p:cond delay="0"/>
-                                          </p:stCondLst>
-                                        </p:cTn>
-                                        <p:tgtEl>
-                                          <p:spTgt spid="3">
-                                            <p:txEl>
-                                              <p:pRg st="5" end="5"/>
-                                            </p:txEl>
-                                          </p:spTgt>
-                                        </p:tgtEl>
-                                        <p:attrNameLst>
-                                          <p:attrName>style.visibility</p:attrName>
-                                        </p:attrNameLst>
-                                      </p:cBhvr>
-                                      <p:to>
-                                        <p:strVal val="visible"/>
-                                      </p:to>
-                                    </p:set>
-                                  </p:childTnLst>
-                                </p:cTn>
-                              </p:par>
-                            </p:childTnLst>
-                          </p:cTn>
-                        </p:par>
-                      </p:childTnLst>
-                    </p:cTn>
-                  </p:par>
-                </p:childTnLst>
-              </p:cTn>
-              <p:prevCondLst>
-                <p:cond evt="onPrev" delay="0">
-                  <p:tgtEl>
-                    <p:sldTgt/>
-                  </p:tgtEl>
-                </p:cond>
-              </p:prevCondLst>
-              <p:nextCondLst>
-                <p:cond evt="onNext" delay="0">
-                  <p:tgtEl>
-                    <p:sldTgt/>
-                  </p:tgtEl>
-                </p:cond>
-              </p:nextCondLst>
-            </p:seq>
-          </p:childTnLst>
-        </p:cTn>
+        <p:cTn id="1" dur="indefinite" restart="never" nodeType="tmRoot"/>
       </p:par>
     </p:tnLst>
-    <p:bldLst>
-      <p:bldP spid="3" grpId="0" uiExpand="1" build="p"/>
-      <p:bldP spid="4" grpId="0"/>
-      <p:bldP spid="2" grpId="0"/>
-    </p:bldLst>
   </p:timing>
 </p:sld>
 </file>
